--- a/sidle-project-porfit.pptx
+++ b/sidle-project-porfit.pptx
@@ -5,19 +5,33 @@
     <p:sldMasterId id="2147483648" r:id="rId1"/>
   </p:sldMasterIdLst>
   <p:notesMasterIdLst>
-    <p:notesMasterId r:id="rId12"/>
+    <p:notesMasterId r:id="rId26"/>
   </p:notesMasterIdLst>
   <p:sldIdLst>
-    <p:sldId id="298" r:id="rId2"/>
-    <p:sldId id="372" r:id="rId3"/>
-    <p:sldId id="299" r:id="rId4"/>
-    <p:sldId id="301" r:id="rId5"/>
-    <p:sldId id="356" r:id="rId6"/>
-    <p:sldId id="373" r:id="rId7"/>
-    <p:sldId id="374" r:id="rId8"/>
-    <p:sldId id="375" r:id="rId9"/>
-    <p:sldId id="357" r:id="rId10"/>
-    <p:sldId id="371" r:id="rId11"/>
+    <p:sldId id="443" r:id="rId2"/>
+    <p:sldId id="442" r:id="rId3"/>
+    <p:sldId id="449" r:id="rId4"/>
+    <p:sldId id="448" r:id="rId5"/>
+    <p:sldId id="444" r:id="rId6"/>
+    <p:sldId id="447" r:id="rId7"/>
+    <p:sldId id="446" r:id="rId8"/>
+    <p:sldId id="451" r:id="rId9"/>
+    <p:sldId id="452" r:id="rId10"/>
+    <p:sldId id="445" r:id="rId11"/>
+    <p:sldId id="450" r:id="rId12"/>
+    <p:sldId id="301" r:id="rId13"/>
+    <p:sldId id="356" r:id="rId14"/>
+    <p:sldId id="373" r:id="rId15"/>
+    <p:sldId id="374" r:id="rId16"/>
+    <p:sldId id="375" r:id="rId17"/>
+    <p:sldId id="357" r:id="rId18"/>
+    <p:sldId id="371" r:id="rId19"/>
+    <p:sldId id="298" r:id="rId20"/>
+    <p:sldId id="372" r:id="rId21"/>
+    <p:sldId id="299" r:id="rId22"/>
+    <p:sldId id="453" r:id="rId23"/>
+    <p:sldId id="454" r:id="rId24"/>
+    <p:sldId id="455" r:id="rId25"/>
   </p:sldIdLst>
   <p:sldSz cx="12192000" cy="6858000"/>
   <p:notesSz cx="6858000" cy="9144000"/>
@@ -218,7 +232,7 @@
           <a:p>
             <a:fld id="{F8F9F50E-CBF4-4BC9-B9FE-221518E4EE47}" type="datetimeFigureOut">
               <a:rPr lang="zh-TW" altLang="en-US" smtClean="0"/>
-              <a:t>2021/5/5</a:t>
+              <a:t>2021/5/6</a:t>
             </a:fld>
             <a:endParaRPr lang="zh-TW" altLang="en-US"/>
           </a:p>
@@ -655,7 +669,7 @@
             <a:fld id="{87DE6118-2437-4B30-8E3C-4D2BE6020583}" type="datetimeFigureOut">
               <a:rPr lang="en-US" dirty="0"/>
               <a:pPr/>
-              <a:t>5/5/2021</a:t>
+              <a:t>5/6/2021</a:t>
             </a:fld>
             <a:endParaRPr lang="en-US" dirty="0"/>
           </a:p>
@@ -1131,7 +1145,7 @@
             <a:fld id="{87DE6118-2437-4B30-8E3C-4D2BE6020583}" type="datetimeFigureOut">
               <a:rPr lang="en-US" dirty="0"/>
               <a:pPr/>
-              <a:t>5/5/2021</a:t>
+              <a:t>5/6/2021</a:t>
             </a:fld>
             <a:endParaRPr lang="en-US" dirty="0"/>
           </a:p>
@@ -1366,7 +1380,7 @@
           <a:p>
             <a:fld id="{87DE6118-2437-4B30-8E3C-4D2BE6020583}" type="datetimeFigureOut">
               <a:rPr lang="en-US" dirty="0"/>
-              <a:t>5/5/2021</a:t>
+              <a:t>5/6/2021</a:t>
             </a:fld>
             <a:endParaRPr lang="en-US" dirty="0"/>
           </a:p>
@@ -1541,7 +1555,7 @@
           <a:p>
             <a:fld id="{87DE6118-2437-4B30-8E3C-4D2BE6020583}" type="datetimeFigureOut">
               <a:rPr lang="en-US" dirty="0"/>
-              <a:t>5/5/2021</a:t>
+              <a:t>5/6/2021</a:t>
             </a:fld>
             <a:endParaRPr lang="en-US" dirty="0"/>
           </a:p>
@@ -1755,7 +1769,7 @@
             <a:fld id="{87DE6118-2437-4B30-8E3C-4D2BE6020583}" type="datetimeFigureOut">
               <a:rPr lang="en-US" smtClean="0"/>
               <a:pPr/>
-              <a:t>5/5/2021</a:t>
+              <a:t>5/6/2021</a:t>
             </a:fld>
             <a:endParaRPr lang="en-US" dirty="0"/>
           </a:p>
@@ -2031,7 +2045,7 @@
             <a:fld id="{87DE6118-2437-4B30-8E3C-4D2BE6020583}" type="datetimeFigureOut">
               <a:rPr lang="en-US" smtClean="0"/>
               <a:pPr/>
-              <a:t>5/5/2021</a:t>
+              <a:t>5/6/2021</a:t>
             </a:fld>
             <a:endParaRPr lang="en-US" dirty="0"/>
           </a:p>
@@ -2322,7 +2336,7 @@
             <a:fld id="{87DE6118-2437-4B30-8E3C-4D2BE6020583}" type="datetimeFigureOut">
               <a:rPr lang="en-US" dirty="0"/>
               <a:pPr/>
-              <a:t>5/5/2021</a:t>
+              <a:t>5/6/2021</a:t>
             </a:fld>
             <a:endParaRPr lang="en-US" dirty="0"/>
           </a:p>
@@ -2712,7 +2726,7 @@
           <a:p>
             <a:fld id="{87DE6118-2437-4B30-8E3C-4D2BE6020583}" type="datetimeFigureOut">
               <a:rPr lang="en-US" dirty="0"/>
-              <a:t>5/5/2021</a:t>
+              <a:t>5/6/2021</a:t>
             </a:fld>
             <a:endParaRPr lang="en-US" dirty="0"/>
           </a:p>
@@ -3184,7 +3198,7 @@
           <a:p>
             <a:fld id="{87DE6118-2437-4B30-8E3C-4D2BE6020583}" type="datetimeFigureOut">
               <a:rPr lang="en-US" dirty="0"/>
-              <a:t>5/5/2021</a:t>
+              <a:t>5/6/2021</a:t>
             </a:fld>
             <a:endParaRPr lang="en-US" dirty="0"/>
           </a:p>
@@ -3297,7 +3311,7 @@
           <a:p>
             <a:fld id="{87DE6118-2437-4B30-8E3C-4D2BE6020583}" type="datetimeFigureOut">
               <a:rPr lang="en-US" dirty="0"/>
-              <a:t>5/5/2021</a:t>
+              <a:t>5/6/2021</a:t>
             </a:fld>
             <a:endParaRPr lang="en-US" dirty="0"/>
           </a:p>
@@ -3387,7 +3401,7 @@
           <a:p>
             <a:fld id="{87DE6118-2437-4B30-8E3C-4D2BE6020583}" type="datetimeFigureOut">
               <a:rPr lang="en-US" dirty="0"/>
-              <a:t>5/5/2021</a:t>
+              <a:t>5/6/2021</a:t>
             </a:fld>
             <a:endParaRPr lang="en-US" dirty="0"/>
           </a:p>
@@ -3729,7 +3743,7 @@
             <a:fld id="{87DE6118-2437-4B30-8E3C-4D2BE6020583}" type="datetimeFigureOut">
               <a:rPr lang="en-US" dirty="0"/>
               <a:pPr/>
-              <a:t>5/5/2021</a:t>
+              <a:t>5/6/2021</a:t>
             </a:fld>
             <a:endParaRPr lang="en-US" dirty="0"/>
           </a:p>
@@ -4004,7 +4018,7 @@
             <a:fld id="{87DE6118-2437-4B30-8E3C-4D2BE6020583}" type="datetimeFigureOut">
               <a:rPr lang="en-US" dirty="0"/>
               <a:pPr/>
-              <a:t>5/5/2021</a:t>
+              <a:t>5/6/2021</a:t>
             </a:fld>
             <a:endParaRPr lang="en-US" dirty="0"/>
           </a:p>
@@ -4518,7 +4532,7 @@
           <p:cNvPr id="2" name="標題 1">
             <a:extLst>
               <a:ext uri="{FF2B5EF4-FFF2-40B4-BE49-F238E27FC236}">
-                <a16:creationId xmlns:a16="http://schemas.microsoft.com/office/drawing/2014/main" id="{D2672C7D-43D2-49D0-B8E5-BEA9674DEA66}"/>
+                <a16:creationId xmlns:a16="http://schemas.microsoft.com/office/drawing/2014/main" id="{AFF30599-6DE7-4C1E-9D85-ADECE8AB1ADF}"/>
               </a:ext>
             </a:extLst>
           </p:cNvPr>
@@ -4526,7 +4540,7 @@
             <a:spLocks noGrp="1"/>
           </p:cNvSpPr>
           <p:nvPr>
-            <p:ph type="ctrTitle"/>
+            <p:ph type="title"/>
           </p:nvPr>
         </p:nvSpPr>
         <p:spPr/>
@@ -4535,21 +4549,49 @@
           <a:lstStyle/>
           <a:p>
             <a:r>
-              <a:rPr lang="en-US" altLang="zh-TW" dirty="0">
-                <a:latin typeface="Consolas" panose="020B0609020204030204" pitchFamily="49" charset="0"/>
-              </a:rPr>
-              <a:t>BIO WEB</a:t>
-            </a:r>
-            <a:endParaRPr lang="zh-TW" altLang="en-US" dirty="0">
-              <a:latin typeface="Consolas" panose="020B0609020204030204" pitchFamily="49" charset="0"/>
-            </a:endParaRPr>
+              <a:rPr lang="zh-TW" altLang="en-US" dirty="0"/>
+              <a:t>補充</a:t>
+            </a:r>
+            <a:r>
+              <a:rPr lang="en-US" altLang="zh-TW" dirty="0"/>
+              <a:t>-CSS</a:t>
+            </a:r>
+            <a:r>
+              <a:rPr lang="zh-TW" altLang="en-US" dirty="0"/>
+              <a:t>寫法</a:t>
+            </a:r>
+          </a:p>
+        </p:txBody>
+      </p:sp>
+      <p:sp>
+        <p:nvSpPr>
+          <p:cNvPr id="3" name="文字版面配置區 2">
+            <a:extLst>
+              <a:ext uri="{FF2B5EF4-FFF2-40B4-BE49-F238E27FC236}">
+                <a16:creationId xmlns:a16="http://schemas.microsoft.com/office/drawing/2014/main" id="{6C24ED94-FFC3-4D2F-B4A2-8FD0C6022BE6}"/>
+              </a:ext>
+            </a:extLst>
+          </p:cNvPr>
+          <p:cNvSpPr>
+            <a:spLocks noGrp="1"/>
+          </p:cNvSpPr>
+          <p:nvPr>
+            <p:ph type="body" idx="1"/>
+          </p:nvPr>
+        </p:nvSpPr>
+        <p:spPr/>
+        <p:txBody>
+          <a:bodyPr/>
+          <a:lstStyle/>
+          <a:p>
+            <a:endParaRPr lang="zh-TW" altLang="en-US"/>
           </a:p>
         </p:txBody>
       </p:sp>
     </p:spTree>
     <p:extLst>
       <p:ext uri="{BB962C8B-B14F-4D97-AF65-F5344CB8AC3E}">
-        <p14:creationId xmlns:p14="http://schemas.microsoft.com/office/powerpoint/2010/main" val="413500793"/>
+        <p14:creationId xmlns:p14="http://schemas.microsoft.com/office/powerpoint/2010/main" val="1206824530"/>
       </p:ext>
     </p:extLst>
   </p:cSld>
@@ -4581,6 +4623,1082 @@
           <p:cNvPr id="2" name="標題 1">
             <a:extLst>
               <a:ext uri="{FF2B5EF4-FFF2-40B4-BE49-F238E27FC236}">
+                <a16:creationId xmlns:a16="http://schemas.microsoft.com/office/drawing/2014/main" id="{82798DDC-FA98-461B-BBD3-4BCDC914D050}"/>
+              </a:ext>
+            </a:extLst>
+          </p:cNvPr>
+          <p:cNvSpPr>
+            <a:spLocks noGrp="1"/>
+          </p:cNvSpPr>
+          <p:nvPr>
+            <p:ph type="title"/>
+          </p:nvPr>
+        </p:nvSpPr>
+        <p:spPr/>
+        <p:txBody>
+          <a:bodyPr/>
+          <a:lstStyle/>
+          <a:p>
+            <a:r>
+              <a:rPr lang="en-US" altLang="zh-TW" b="0" i="0" dirty="0">
+                <a:solidFill>
+                  <a:schemeClr val="tx1"/>
+                </a:solidFill>
+                <a:effectLst/>
+                <a:latin typeface="Segoe UI" panose="020B0502040204020203" pitchFamily="34" charset="0"/>
+              </a:rPr>
+              <a:t>CSS Animations</a:t>
+            </a:r>
+            <a:endParaRPr lang="zh-TW" altLang="en-US" dirty="0">
+              <a:solidFill>
+                <a:schemeClr val="tx1"/>
+              </a:solidFill>
+            </a:endParaRPr>
+          </a:p>
+        </p:txBody>
+      </p:sp>
+      <p:sp>
+        <p:nvSpPr>
+          <p:cNvPr id="3" name="文字版面配置區 2">
+            <a:extLst>
+              <a:ext uri="{FF2B5EF4-FFF2-40B4-BE49-F238E27FC236}">
+                <a16:creationId xmlns:a16="http://schemas.microsoft.com/office/drawing/2014/main" id="{12CFCC13-689F-47A4-A987-195CE915398E}"/>
+              </a:ext>
+            </a:extLst>
+          </p:cNvPr>
+          <p:cNvSpPr>
+            <a:spLocks noGrp="1"/>
+          </p:cNvSpPr>
+          <p:nvPr>
+            <p:ph type="body" idx="1"/>
+          </p:nvPr>
+        </p:nvSpPr>
+        <p:spPr/>
+        <p:txBody>
+          <a:bodyPr/>
+          <a:lstStyle/>
+          <a:p>
+            <a:r>
+              <a:rPr lang="zh-TW" altLang="en-US" dirty="0"/>
+              <a:t>動畫</a:t>
+            </a:r>
+          </a:p>
+        </p:txBody>
+      </p:sp>
+    </p:spTree>
+    <p:extLst>
+      <p:ext uri="{BB962C8B-B14F-4D97-AF65-F5344CB8AC3E}">
+        <p14:creationId xmlns:p14="http://schemas.microsoft.com/office/powerpoint/2010/main" val="508674488"/>
+      </p:ext>
+    </p:extLst>
+  </p:cSld>
+  <p:clrMapOvr>
+    <a:masterClrMapping/>
+  </p:clrMapOvr>
+</p:sld>
+</file>
+
+<file path=ppt/slides/slide11.xml><?xml version="1.0" encoding="utf-8"?>
+<p:sld xmlns:a="http://schemas.openxmlformats.org/drawingml/2006/main" xmlns:r="http://schemas.openxmlformats.org/officeDocument/2006/relationships" xmlns:p="http://schemas.openxmlformats.org/presentationml/2006/main">
+  <p:cSld>
+    <p:spTree>
+      <p:nvGrpSpPr>
+        <p:cNvPr id="1" name=""/>
+        <p:cNvGrpSpPr/>
+        <p:nvPr/>
+      </p:nvGrpSpPr>
+      <p:grpSpPr>
+        <a:xfrm>
+          <a:off x="0" y="0"/>
+          <a:ext cx="0" cy="0"/>
+          <a:chOff x="0" y="0"/>
+          <a:chExt cx="0" cy="0"/>
+        </a:xfrm>
+      </p:grpSpPr>
+      <p:sp>
+        <p:nvSpPr>
+          <p:cNvPr id="2" name="標題 1">
+            <a:extLst>
+              <a:ext uri="{FF2B5EF4-FFF2-40B4-BE49-F238E27FC236}">
+                <a16:creationId xmlns:a16="http://schemas.microsoft.com/office/drawing/2014/main" id="{6B39ADF5-F34F-4027-8E6E-EB6A15EF7DF5}"/>
+              </a:ext>
+            </a:extLst>
+          </p:cNvPr>
+          <p:cNvSpPr>
+            <a:spLocks noGrp="1"/>
+          </p:cNvSpPr>
+          <p:nvPr>
+            <p:ph type="title"/>
+          </p:nvPr>
+        </p:nvSpPr>
+        <p:spPr/>
+        <p:txBody>
+          <a:bodyPr/>
+          <a:lstStyle/>
+          <a:p>
+            <a:r>
+              <a:rPr lang="en-US" altLang="zh-TW" b="0" i="0" dirty="0">
+                <a:solidFill>
+                  <a:schemeClr val="tx1"/>
+                </a:solidFill>
+                <a:effectLst/>
+                <a:latin typeface="Segoe UI" panose="020B0502040204020203" pitchFamily="34" charset="0"/>
+                <a:hlinkClick r:id="rId2"/>
+              </a:rPr>
+              <a:t>CSS Animations</a:t>
+            </a:r>
+            <a:endParaRPr lang="zh-TW" altLang="en-US" dirty="0"/>
+          </a:p>
+        </p:txBody>
+      </p:sp>
+      <p:sp>
+        <p:nvSpPr>
+          <p:cNvPr id="3" name="內容版面配置區 2">
+            <a:extLst>
+              <a:ext uri="{FF2B5EF4-FFF2-40B4-BE49-F238E27FC236}">
+                <a16:creationId xmlns:a16="http://schemas.microsoft.com/office/drawing/2014/main" id="{8F879631-E68C-4381-917E-76A3ECFC9264}"/>
+              </a:ext>
+            </a:extLst>
+          </p:cNvPr>
+          <p:cNvSpPr>
+            <a:spLocks noGrp="1"/>
+          </p:cNvSpPr>
+          <p:nvPr>
+            <p:ph idx="1"/>
+          </p:nvPr>
+        </p:nvSpPr>
+        <p:spPr>
+          <a:xfrm>
+            <a:off x="1371600" y="1758462"/>
+            <a:ext cx="10962640" cy="3581400"/>
+          </a:xfrm>
+        </p:spPr>
+        <p:txBody>
+          <a:bodyPr>
+            <a:normAutofit fontScale="92500" lnSpcReduction="10000"/>
+          </a:bodyPr>
+          <a:lstStyle/>
+          <a:p>
+            <a:r>
+              <a:rPr lang="zh-TW" altLang="en-US" dirty="0"/>
+              <a:t>包含</a:t>
+            </a:r>
+            <a:r>
+              <a:rPr lang="zh-TW" altLang="en-US" b="1" dirty="0">
+                <a:solidFill>
+                  <a:schemeClr val="accent5">
+                    <a:lumMod val="75000"/>
+                  </a:schemeClr>
+                </a:solidFill>
+              </a:rPr>
+              <a:t>很多個</a:t>
+            </a:r>
+            <a:r>
+              <a:rPr lang="en-US" altLang="zh-TW" dirty="0">
+                <a:solidFill>
+                  <a:schemeClr val="accent5">
+                    <a:lumMod val="75000"/>
+                  </a:schemeClr>
+                </a:solidFill>
+              </a:rPr>
+              <a:t>transition</a:t>
+            </a:r>
+            <a:r>
+              <a:rPr lang="zh-TW" altLang="en-US" dirty="0"/>
+              <a:t>控制的屬性</a:t>
+            </a:r>
+            <a:endParaRPr lang="en-US" altLang="zh-TW" dirty="0"/>
+          </a:p>
+          <a:p>
+            <a:r>
+              <a:rPr lang="en-US" altLang="zh-TW" dirty="0"/>
+              <a:t>transition</a:t>
+            </a:r>
+            <a:r>
+              <a:rPr lang="zh-TW" altLang="en-US" dirty="0"/>
+              <a:t>是大略的</a:t>
+            </a:r>
+            <a:r>
+              <a:rPr lang="en-US" altLang="zh-TW" dirty="0"/>
+              <a:t>CSS</a:t>
+            </a:r>
+            <a:r>
+              <a:rPr lang="zh-TW" altLang="en-US" dirty="0"/>
+              <a:t>屬性變化，</a:t>
+            </a:r>
+            <a:r>
+              <a:rPr lang="en-US" altLang="zh-TW" dirty="0"/>
+              <a:t>animation</a:t>
+            </a:r>
+            <a:r>
+              <a:rPr lang="zh-TW" altLang="en-US" dirty="0"/>
+              <a:t>可以做出更細節的部分</a:t>
+            </a:r>
+            <a:endParaRPr lang="en-US" altLang="zh-TW" dirty="0"/>
+          </a:p>
+          <a:p>
+            <a:pPr lvl="1"/>
+            <a:r>
+              <a:rPr lang="zh-TW" altLang="en-US" i="0" dirty="0"/>
+              <a:t>例如加上</a:t>
+            </a:r>
+            <a:r>
+              <a:rPr lang="en-US" altLang="zh-TW" sz="2000" i="0" dirty="0">
+                <a:effectLst/>
+              </a:rPr>
+              <a:t>keyframes</a:t>
+            </a:r>
+          </a:p>
+          <a:p>
+            <a:pPr marL="0" indent="0">
+              <a:lnSpc>
+                <a:spcPct val="110000"/>
+              </a:lnSpc>
+              <a:buNone/>
+            </a:pPr>
+            <a:r>
+              <a:rPr lang="en-US" altLang="zh-TW" b="0" i="0" dirty="0">
+                <a:solidFill>
+                  <a:srgbClr val="A52A2A"/>
+                </a:solidFill>
+                <a:effectLst/>
+                <a:latin typeface="Consolas" panose="020B0609020204030204" pitchFamily="49" charset="0"/>
+              </a:rPr>
+              <a:t>div </a:t>
+            </a:r>
+            <a:r>
+              <a:rPr lang="en-US" altLang="zh-TW" b="0" i="0" dirty="0">
+                <a:solidFill>
+                  <a:srgbClr val="000000"/>
+                </a:solidFill>
+                <a:effectLst/>
+                <a:latin typeface="Consolas" panose="020B0609020204030204" pitchFamily="49" charset="0"/>
+              </a:rPr>
+              <a:t>{</a:t>
+            </a:r>
+            <a:br>
+              <a:rPr lang="en-US" altLang="zh-TW" b="0" i="0" dirty="0">
+                <a:solidFill>
+                  <a:srgbClr val="FF0000"/>
+                </a:solidFill>
+                <a:effectLst/>
+                <a:latin typeface="Consolas" panose="020B0609020204030204" pitchFamily="49" charset="0"/>
+              </a:rPr>
+            </a:br>
+            <a:r>
+              <a:rPr lang="en-US" altLang="zh-TW" b="0" i="0" dirty="0">
+                <a:solidFill>
+                  <a:srgbClr val="FF0000"/>
+                </a:solidFill>
+                <a:effectLst/>
+                <a:latin typeface="Consolas" panose="020B0609020204030204" pitchFamily="49" charset="0"/>
+              </a:rPr>
+              <a:t>  animation-name</a:t>
+            </a:r>
+            <a:r>
+              <a:rPr lang="en-US" altLang="zh-TW" b="0" i="0" dirty="0">
+                <a:solidFill>
+                  <a:srgbClr val="000000"/>
+                </a:solidFill>
+                <a:effectLst/>
+                <a:latin typeface="Consolas" panose="020B0609020204030204" pitchFamily="49" charset="0"/>
+              </a:rPr>
+              <a:t>:</a:t>
+            </a:r>
+            <a:r>
+              <a:rPr lang="en-US" altLang="zh-TW" b="0" i="0" dirty="0">
+                <a:solidFill>
+                  <a:srgbClr val="0000CD"/>
+                </a:solidFill>
+                <a:effectLst/>
+                <a:latin typeface="Consolas" panose="020B0609020204030204" pitchFamily="49" charset="0"/>
+              </a:rPr>
+              <a:t> example</a:t>
+            </a:r>
+            <a:r>
+              <a:rPr lang="en-US" altLang="zh-TW" b="0" i="0" dirty="0">
+                <a:solidFill>
+                  <a:srgbClr val="000000"/>
+                </a:solidFill>
+                <a:effectLst/>
+                <a:latin typeface="Consolas" panose="020B0609020204030204" pitchFamily="49" charset="0"/>
+              </a:rPr>
+              <a:t>;</a:t>
+            </a:r>
+            <a:br>
+              <a:rPr lang="en-US" altLang="zh-TW" b="0" i="0" dirty="0">
+                <a:solidFill>
+                  <a:srgbClr val="FF0000"/>
+                </a:solidFill>
+                <a:effectLst/>
+                <a:latin typeface="Consolas" panose="020B0609020204030204" pitchFamily="49" charset="0"/>
+              </a:rPr>
+            </a:br>
+            <a:r>
+              <a:rPr lang="en-US" altLang="zh-TW" b="0" i="0" dirty="0">
+                <a:solidFill>
+                  <a:srgbClr val="FF0000"/>
+                </a:solidFill>
+                <a:effectLst/>
+                <a:latin typeface="Consolas" panose="020B0609020204030204" pitchFamily="49" charset="0"/>
+              </a:rPr>
+              <a:t>  animation-duration</a:t>
+            </a:r>
+            <a:r>
+              <a:rPr lang="en-US" altLang="zh-TW" b="0" i="0" dirty="0">
+                <a:solidFill>
+                  <a:srgbClr val="000000"/>
+                </a:solidFill>
+                <a:effectLst/>
+                <a:latin typeface="Consolas" panose="020B0609020204030204" pitchFamily="49" charset="0"/>
+              </a:rPr>
+              <a:t>:</a:t>
+            </a:r>
+            <a:r>
+              <a:rPr lang="en-US" altLang="zh-TW" b="0" i="0" dirty="0">
+                <a:solidFill>
+                  <a:srgbClr val="0000CD"/>
+                </a:solidFill>
+                <a:effectLst/>
+                <a:latin typeface="Consolas" panose="020B0609020204030204" pitchFamily="49" charset="0"/>
+              </a:rPr>
+              <a:t> 5s</a:t>
+            </a:r>
+            <a:r>
+              <a:rPr lang="en-US" altLang="zh-TW" b="0" i="0" dirty="0">
+                <a:solidFill>
+                  <a:srgbClr val="000000"/>
+                </a:solidFill>
+                <a:effectLst/>
+                <a:latin typeface="Consolas" panose="020B0609020204030204" pitchFamily="49" charset="0"/>
+              </a:rPr>
+              <a:t>; </a:t>
+            </a:r>
+            <a:r>
+              <a:rPr lang="en-US" altLang="zh-TW" b="0" i="0" dirty="0">
+                <a:solidFill>
+                  <a:schemeClr val="bg1">
+                    <a:lumMod val="50000"/>
+                  </a:schemeClr>
+                </a:solidFill>
+                <a:effectLst/>
+                <a:latin typeface="Consolas" panose="020B0609020204030204" pitchFamily="49" charset="0"/>
+              </a:rPr>
+              <a:t>/*</a:t>
+            </a:r>
+            <a:r>
+              <a:rPr lang="zh-TW" altLang="en-US" b="0" i="0" dirty="0">
+                <a:solidFill>
+                  <a:schemeClr val="bg1">
+                    <a:lumMod val="50000"/>
+                  </a:schemeClr>
+                </a:solidFill>
+                <a:effectLst/>
+                <a:latin typeface="roboto" pitchFamily="2" charset="0"/>
+              </a:rPr>
+              <a:t>動畫執行</a:t>
+            </a:r>
+            <a:r>
+              <a:rPr lang="en-US" altLang="zh-TW" b="0" i="0" dirty="0">
+                <a:solidFill>
+                  <a:schemeClr val="bg1">
+                    <a:lumMod val="50000"/>
+                  </a:schemeClr>
+                </a:solidFill>
+                <a:effectLst/>
+                <a:latin typeface="roboto" pitchFamily="2" charset="0"/>
+              </a:rPr>
+              <a:t>1</a:t>
+            </a:r>
+            <a:r>
+              <a:rPr lang="zh-TW" altLang="en-US" b="0" i="0" dirty="0">
+                <a:solidFill>
+                  <a:schemeClr val="bg1">
+                    <a:lumMod val="50000"/>
+                  </a:schemeClr>
+                </a:solidFill>
+                <a:effectLst/>
+                <a:latin typeface="roboto" pitchFamily="2" charset="0"/>
+              </a:rPr>
+              <a:t>次所需的時間</a:t>
+            </a:r>
+            <a:r>
+              <a:rPr lang="en-US" altLang="zh-TW" b="0" i="0" dirty="0">
+                <a:solidFill>
+                  <a:schemeClr val="bg1">
+                    <a:lumMod val="50000"/>
+                  </a:schemeClr>
+                </a:solidFill>
+                <a:effectLst/>
+                <a:latin typeface="roboto" pitchFamily="2" charset="0"/>
+              </a:rPr>
+              <a:t>*/</a:t>
+            </a:r>
+            <a:br>
+              <a:rPr lang="en-US" altLang="zh-TW" b="0" i="0" dirty="0">
+                <a:solidFill>
+                  <a:srgbClr val="FF0000"/>
+                </a:solidFill>
+                <a:effectLst/>
+                <a:latin typeface="Consolas" panose="020B0609020204030204" pitchFamily="49" charset="0"/>
+              </a:rPr>
+            </a:br>
+            <a:r>
+              <a:rPr lang="en-US" altLang="zh-TW" b="0" i="0" dirty="0">
+                <a:solidFill>
+                  <a:srgbClr val="FF0000"/>
+                </a:solidFill>
+                <a:effectLst/>
+                <a:latin typeface="Consolas" panose="020B0609020204030204" pitchFamily="49" charset="0"/>
+              </a:rPr>
+              <a:t>  animation-timing-function</a:t>
+            </a:r>
+            <a:r>
+              <a:rPr lang="en-US" altLang="zh-TW" b="0" i="0" dirty="0">
+                <a:solidFill>
+                  <a:srgbClr val="000000"/>
+                </a:solidFill>
+                <a:effectLst/>
+                <a:latin typeface="Consolas" panose="020B0609020204030204" pitchFamily="49" charset="0"/>
+              </a:rPr>
+              <a:t>:</a:t>
+            </a:r>
+            <a:r>
+              <a:rPr lang="en-US" altLang="zh-TW" b="0" i="0" dirty="0">
+                <a:solidFill>
+                  <a:srgbClr val="0000CD"/>
+                </a:solidFill>
+                <a:effectLst/>
+                <a:latin typeface="Consolas" panose="020B0609020204030204" pitchFamily="49" charset="0"/>
+              </a:rPr>
+              <a:t> linear</a:t>
+            </a:r>
+            <a:r>
+              <a:rPr lang="en-US" altLang="zh-TW" b="0" i="0" dirty="0">
+                <a:solidFill>
+                  <a:srgbClr val="000000"/>
+                </a:solidFill>
+                <a:effectLst/>
+                <a:latin typeface="Consolas" panose="020B0609020204030204" pitchFamily="49" charset="0"/>
+              </a:rPr>
+              <a:t>; </a:t>
+            </a:r>
+            <a:r>
+              <a:rPr lang="en-US" altLang="zh-TW" sz="2100" dirty="0">
+                <a:solidFill>
+                  <a:schemeClr val="bg1">
+                    <a:lumMod val="50000"/>
+                  </a:schemeClr>
+                </a:solidFill>
+                <a:latin typeface="roboto" pitchFamily="2" charset="0"/>
+              </a:rPr>
+              <a:t>/*</a:t>
+            </a:r>
+            <a:r>
+              <a:rPr lang="zh-TW" altLang="en-US" sz="2100" dirty="0">
+                <a:solidFill>
+                  <a:schemeClr val="bg1">
+                    <a:lumMod val="50000"/>
+                  </a:schemeClr>
+                </a:solidFill>
+                <a:latin typeface="roboto" pitchFamily="2" charset="0"/>
+              </a:rPr>
+              <a:t>動態執行參數</a:t>
+            </a:r>
+            <a:r>
+              <a:rPr lang="en-US" altLang="zh-TW" sz="2100" dirty="0">
+                <a:solidFill>
+                  <a:schemeClr val="bg1">
+                    <a:lumMod val="50000"/>
+                  </a:schemeClr>
+                </a:solidFill>
+                <a:latin typeface="roboto" pitchFamily="2" charset="0"/>
+              </a:rPr>
+              <a:t>*/</a:t>
+            </a:r>
+            <a:br>
+              <a:rPr lang="en-US" altLang="zh-TW" b="0" i="0" dirty="0">
+                <a:solidFill>
+                  <a:srgbClr val="FF0000"/>
+                </a:solidFill>
+                <a:effectLst/>
+                <a:latin typeface="Consolas" panose="020B0609020204030204" pitchFamily="49" charset="0"/>
+              </a:rPr>
+            </a:br>
+            <a:r>
+              <a:rPr lang="en-US" altLang="zh-TW" b="0" i="0" dirty="0">
+                <a:solidFill>
+                  <a:srgbClr val="FF0000"/>
+                </a:solidFill>
+                <a:effectLst/>
+                <a:latin typeface="Consolas" panose="020B0609020204030204" pitchFamily="49" charset="0"/>
+              </a:rPr>
+              <a:t>  animation-delay</a:t>
+            </a:r>
+            <a:r>
+              <a:rPr lang="en-US" altLang="zh-TW" b="0" i="0" dirty="0">
+                <a:solidFill>
+                  <a:srgbClr val="000000"/>
+                </a:solidFill>
+                <a:effectLst/>
+                <a:latin typeface="Consolas" panose="020B0609020204030204" pitchFamily="49" charset="0"/>
+              </a:rPr>
+              <a:t>:</a:t>
+            </a:r>
+            <a:r>
+              <a:rPr lang="en-US" altLang="zh-TW" b="0" i="0" dirty="0">
+                <a:solidFill>
+                  <a:srgbClr val="0000CD"/>
+                </a:solidFill>
+                <a:effectLst/>
+                <a:latin typeface="Consolas" panose="020B0609020204030204" pitchFamily="49" charset="0"/>
+              </a:rPr>
+              <a:t> 2s</a:t>
+            </a:r>
+            <a:r>
+              <a:rPr lang="en-US" altLang="zh-TW" b="0" i="0" dirty="0">
+                <a:solidFill>
+                  <a:srgbClr val="000000"/>
+                </a:solidFill>
+                <a:effectLst/>
+                <a:latin typeface="Consolas" panose="020B0609020204030204" pitchFamily="49" charset="0"/>
+              </a:rPr>
+              <a:t>; </a:t>
+            </a:r>
+            <a:r>
+              <a:rPr lang="en-US" altLang="zh-TW" sz="2100" dirty="0">
+                <a:solidFill>
+                  <a:schemeClr val="bg1">
+                    <a:lumMod val="50000"/>
+                  </a:schemeClr>
+                </a:solidFill>
+                <a:latin typeface="roboto" pitchFamily="2" charset="0"/>
+              </a:rPr>
+              <a:t>/*</a:t>
+            </a:r>
+            <a:r>
+              <a:rPr lang="zh-TW" altLang="en-US" sz="2100" dirty="0">
+                <a:solidFill>
+                  <a:schemeClr val="bg1">
+                    <a:lumMod val="50000"/>
+                  </a:schemeClr>
+                </a:solidFill>
+                <a:latin typeface="roboto" pitchFamily="2" charset="0"/>
+              </a:rPr>
+              <a:t>延遲</a:t>
+            </a:r>
+            <a:r>
+              <a:rPr lang="en-US" altLang="zh-TW" sz="2100" dirty="0">
+                <a:solidFill>
+                  <a:schemeClr val="bg1">
+                    <a:lumMod val="50000"/>
+                  </a:schemeClr>
+                </a:solidFill>
+                <a:latin typeface="roboto" pitchFamily="2" charset="0"/>
+              </a:rPr>
+              <a:t>*/</a:t>
+            </a:r>
+            <a:br>
+              <a:rPr lang="en-US" altLang="zh-TW" sz="2100" dirty="0">
+                <a:solidFill>
+                  <a:schemeClr val="bg1">
+                    <a:lumMod val="50000"/>
+                  </a:schemeClr>
+                </a:solidFill>
+                <a:latin typeface="roboto" pitchFamily="2" charset="0"/>
+              </a:rPr>
+            </a:br>
+            <a:r>
+              <a:rPr lang="en-US" altLang="zh-TW" b="0" i="0" dirty="0">
+                <a:solidFill>
+                  <a:srgbClr val="FF0000"/>
+                </a:solidFill>
+                <a:effectLst/>
+                <a:latin typeface="Consolas" panose="020B0609020204030204" pitchFamily="49" charset="0"/>
+              </a:rPr>
+              <a:t>  animation-iteration-count</a:t>
+            </a:r>
+            <a:r>
+              <a:rPr lang="en-US" altLang="zh-TW" b="0" i="0" dirty="0">
+                <a:solidFill>
+                  <a:srgbClr val="000000"/>
+                </a:solidFill>
+                <a:effectLst/>
+                <a:latin typeface="Consolas" panose="020B0609020204030204" pitchFamily="49" charset="0"/>
+              </a:rPr>
+              <a:t>:</a:t>
+            </a:r>
+            <a:r>
+              <a:rPr lang="en-US" altLang="zh-TW" b="0" i="0" dirty="0">
+                <a:solidFill>
+                  <a:srgbClr val="0000CD"/>
+                </a:solidFill>
+                <a:effectLst/>
+                <a:latin typeface="Consolas" panose="020B0609020204030204" pitchFamily="49" charset="0"/>
+              </a:rPr>
+              <a:t> infinite</a:t>
+            </a:r>
+            <a:r>
+              <a:rPr lang="en-US" altLang="zh-TW" b="0" i="0" dirty="0">
+                <a:solidFill>
+                  <a:schemeClr val="bg1">
+                    <a:lumMod val="50000"/>
+                  </a:schemeClr>
+                </a:solidFill>
+                <a:effectLst/>
+                <a:latin typeface="Consolas" panose="020B0609020204030204" pitchFamily="49" charset="0"/>
+              </a:rPr>
+              <a:t>; /*</a:t>
+            </a:r>
+            <a:r>
+              <a:rPr lang="zh-TW" altLang="en-US" b="0" i="0" dirty="0">
+                <a:solidFill>
+                  <a:schemeClr val="bg1">
+                    <a:lumMod val="50000"/>
+                  </a:schemeClr>
+                </a:solidFill>
+                <a:effectLst/>
+                <a:latin typeface="roboto" pitchFamily="2" charset="0"/>
+              </a:rPr>
+              <a:t>播放次數</a:t>
+            </a:r>
+            <a:r>
+              <a:rPr lang="en-US" altLang="zh-TW" b="0" i="0" dirty="0">
+                <a:solidFill>
+                  <a:schemeClr val="bg1">
+                    <a:lumMod val="50000"/>
+                  </a:schemeClr>
+                </a:solidFill>
+                <a:effectLst/>
+                <a:latin typeface="roboto" pitchFamily="2" charset="0"/>
+              </a:rPr>
+              <a:t>(</a:t>
+            </a:r>
+            <a:r>
+              <a:rPr lang="zh-TW" altLang="en-US" b="0" i="0" dirty="0">
+                <a:solidFill>
+                  <a:schemeClr val="bg1">
+                    <a:lumMod val="50000"/>
+                  </a:schemeClr>
+                </a:solidFill>
+                <a:effectLst/>
+                <a:latin typeface="roboto" pitchFamily="2" charset="0"/>
+              </a:rPr>
+              <a:t>可設定數字或 </a:t>
+            </a:r>
+            <a:r>
+              <a:rPr lang="en-US" altLang="zh-TW" b="0" i="0" dirty="0">
+                <a:solidFill>
+                  <a:schemeClr val="bg1">
+                    <a:lumMod val="50000"/>
+                  </a:schemeClr>
+                </a:solidFill>
+                <a:effectLst/>
+                <a:latin typeface="roboto" pitchFamily="2" charset="0"/>
+              </a:rPr>
+              <a:t>infinite</a:t>
+            </a:r>
+            <a:r>
+              <a:rPr lang="zh-TW" altLang="en-US" b="0" i="0" dirty="0">
+                <a:solidFill>
+                  <a:schemeClr val="bg1">
+                    <a:lumMod val="50000"/>
+                  </a:schemeClr>
+                </a:solidFill>
+                <a:effectLst/>
+                <a:latin typeface="roboto" pitchFamily="2" charset="0"/>
+              </a:rPr>
+              <a:t>設定為無限</a:t>
+            </a:r>
+            <a:r>
+              <a:rPr lang="en-US" altLang="zh-TW" b="0" i="0" dirty="0">
+                <a:solidFill>
+                  <a:schemeClr val="bg1">
+                    <a:lumMod val="50000"/>
+                  </a:schemeClr>
+                </a:solidFill>
+                <a:effectLst/>
+                <a:latin typeface="roboto" pitchFamily="2" charset="0"/>
+              </a:rPr>
+              <a:t>)*/</a:t>
+            </a:r>
+            <a:br>
+              <a:rPr lang="en-US" altLang="zh-TW" b="0" i="0" dirty="0">
+                <a:solidFill>
+                  <a:srgbClr val="FF0000"/>
+                </a:solidFill>
+                <a:effectLst/>
+                <a:latin typeface="Consolas" panose="020B0609020204030204" pitchFamily="49" charset="0"/>
+              </a:rPr>
+            </a:br>
+            <a:r>
+              <a:rPr lang="en-US" altLang="zh-TW" b="0" i="0" dirty="0">
+                <a:solidFill>
+                  <a:srgbClr val="FF0000"/>
+                </a:solidFill>
+                <a:effectLst/>
+                <a:latin typeface="Consolas" panose="020B0609020204030204" pitchFamily="49" charset="0"/>
+              </a:rPr>
+              <a:t>  animation-direction</a:t>
+            </a:r>
+            <a:r>
+              <a:rPr lang="en-US" altLang="zh-TW" b="0" i="0" dirty="0">
+                <a:solidFill>
+                  <a:srgbClr val="000000"/>
+                </a:solidFill>
+                <a:effectLst/>
+                <a:latin typeface="Consolas" panose="020B0609020204030204" pitchFamily="49" charset="0"/>
+              </a:rPr>
+              <a:t>:</a:t>
+            </a:r>
+            <a:r>
+              <a:rPr lang="en-US" altLang="zh-TW" b="0" i="0" dirty="0">
+                <a:solidFill>
+                  <a:srgbClr val="0000CD"/>
+                </a:solidFill>
+                <a:effectLst/>
+                <a:latin typeface="Consolas" panose="020B0609020204030204" pitchFamily="49" charset="0"/>
+              </a:rPr>
+              <a:t> alternate</a:t>
+            </a:r>
+            <a:r>
+              <a:rPr lang="en-US" altLang="zh-TW" b="0" i="0" dirty="0">
+                <a:solidFill>
+                  <a:srgbClr val="000000"/>
+                </a:solidFill>
+                <a:effectLst/>
+                <a:latin typeface="Consolas" panose="020B0609020204030204" pitchFamily="49" charset="0"/>
+              </a:rPr>
+              <a:t>;</a:t>
+            </a:r>
+            <a:r>
+              <a:rPr lang="zh-TW" altLang="en-US" b="0" i="0" dirty="0">
+                <a:solidFill>
+                  <a:srgbClr val="000000"/>
+                </a:solidFill>
+                <a:effectLst/>
+                <a:latin typeface="Consolas" panose="020B0609020204030204" pitchFamily="49" charset="0"/>
+              </a:rPr>
+              <a:t> </a:t>
+            </a:r>
+            <a:r>
+              <a:rPr lang="en-US" altLang="zh-TW" sz="2100" dirty="0">
+                <a:solidFill>
+                  <a:schemeClr val="bg1">
+                    <a:lumMod val="50000"/>
+                  </a:schemeClr>
+                </a:solidFill>
+                <a:latin typeface="roboto" pitchFamily="2" charset="0"/>
+              </a:rPr>
+              <a:t>/</a:t>
+            </a:r>
+            <a:r>
+              <a:rPr lang="zh-TW" altLang="en-US" sz="2100" dirty="0">
+                <a:solidFill>
+                  <a:schemeClr val="bg1">
+                    <a:lumMod val="50000"/>
+                  </a:schemeClr>
+                </a:solidFill>
+                <a:latin typeface="roboto" pitchFamily="2" charset="0"/>
+              </a:rPr>
+              <a:t>*播放方向</a:t>
+            </a:r>
+            <a:r>
+              <a:rPr lang="en-US" altLang="zh-TW" sz="2100" dirty="0">
+                <a:solidFill>
+                  <a:schemeClr val="bg1">
+                    <a:lumMod val="50000"/>
+                  </a:schemeClr>
+                </a:solidFill>
+                <a:latin typeface="roboto" pitchFamily="2" charset="0"/>
+              </a:rPr>
+              <a:t>/</a:t>
+            </a:r>
+            <a:r>
+              <a:rPr lang="zh-TW" altLang="en-US" sz="2100" dirty="0">
+                <a:solidFill>
+                  <a:schemeClr val="bg1">
+                    <a:lumMod val="50000"/>
+                  </a:schemeClr>
+                </a:solidFill>
+                <a:latin typeface="roboto" pitchFamily="2" charset="0"/>
+              </a:rPr>
+              <a:t>順序*</a:t>
+            </a:r>
+            <a:r>
+              <a:rPr lang="en-US" altLang="zh-TW" sz="2100" dirty="0">
+                <a:solidFill>
+                  <a:schemeClr val="bg1">
+                    <a:lumMod val="50000"/>
+                  </a:schemeClr>
+                </a:solidFill>
+                <a:latin typeface="roboto" pitchFamily="2" charset="0"/>
+              </a:rPr>
+              <a:t>/</a:t>
+            </a:r>
+            <a:br>
+              <a:rPr lang="en-US" altLang="zh-TW" sz="2100" dirty="0">
+                <a:solidFill>
+                  <a:schemeClr val="bg1">
+                    <a:lumMod val="50000"/>
+                  </a:schemeClr>
+                </a:solidFill>
+                <a:latin typeface="roboto" pitchFamily="2" charset="0"/>
+              </a:rPr>
+            </a:br>
+            <a:r>
+              <a:rPr lang="en-US" altLang="zh-TW" b="0" i="0" dirty="0">
+                <a:solidFill>
+                  <a:srgbClr val="000000"/>
+                </a:solidFill>
+                <a:effectLst/>
+                <a:latin typeface="Consolas" panose="020B0609020204030204" pitchFamily="49" charset="0"/>
+              </a:rPr>
+              <a:t>}</a:t>
+            </a:r>
+            <a:endParaRPr lang="zh-TW" altLang="en-US" dirty="0"/>
+          </a:p>
+        </p:txBody>
+      </p:sp>
+      <p:sp>
+        <p:nvSpPr>
+          <p:cNvPr id="6" name="文字方塊 5">
+            <a:extLst>
+              <a:ext uri="{FF2B5EF4-FFF2-40B4-BE49-F238E27FC236}">
+                <a16:creationId xmlns:a16="http://schemas.microsoft.com/office/drawing/2014/main" id="{2A4D078D-DCE4-410A-84CD-3237E961D707}"/>
+              </a:ext>
+            </a:extLst>
+          </p:cNvPr>
+          <p:cNvSpPr txBox="1"/>
+          <p:nvPr/>
+        </p:nvSpPr>
+        <p:spPr>
+          <a:xfrm>
+            <a:off x="1442720" y="5339862"/>
+            <a:ext cx="7965440" cy="923330"/>
+          </a:xfrm>
+          <a:prstGeom prst="rect">
+            <a:avLst/>
+          </a:prstGeom>
+          <a:noFill/>
+        </p:spPr>
+        <p:txBody>
+          <a:bodyPr wrap="square">
+            <a:spAutoFit/>
+          </a:bodyPr>
+          <a:lstStyle/>
+          <a:p>
+            <a:r>
+              <a:rPr lang="en-US" altLang="zh-TW" b="0" i="0" dirty="0">
+                <a:solidFill>
+                  <a:srgbClr val="A52A2A"/>
+                </a:solidFill>
+                <a:effectLst/>
+                <a:latin typeface="Consolas" panose="020B0609020204030204" pitchFamily="49" charset="0"/>
+              </a:rPr>
+              <a:t>div </a:t>
+            </a:r>
+            <a:r>
+              <a:rPr lang="en-US" altLang="zh-TW" b="0" i="0" dirty="0">
+                <a:solidFill>
+                  <a:srgbClr val="000000"/>
+                </a:solidFill>
+                <a:effectLst/>
+                <a:latin typeface="Consolas" panose="020B0609020204030204" pitchFamily="49" charset="0"/>
+              </a:rPr>
+              <a:t>{</a:t>
+            </a:r>
+            <a:br>
+              <a:rPr lang="en-US" altLang="zh-TW" b="0" i="0" dirty="0">
+                <a:solidFill>
+                  <a:srgbClr val="FF0000"/>
+                </a:solidFill>
+                <a:effectLst/>
+                <a:latin typeface="Consolas" panose="020B0609020204030204" pitchFamily="49" charset="0"/>
+              </a:rPr>
+            </a:br>
+            <a:r>
+              <a:rPr lang="en-US" altLang="zh-TW" b="0" i="0" dirty="0">
+                <a:solidFill>
+                  <a:srgbClr val="FF0000"/>
+                </a:solidFill>
+                <a:effectLst/>
+                <a:latin typeface="Consolas" panose="020B0609020204030204" pitchFamily="49" charset="0"/>
+              </a:rPr>
+              <a:t>  animation</a:t>
+            </a:r>
+            <a:r>
+              <a:rPr lang="en-US" altLang="zh-TW" b="0" i="0" dirty="0">
+                <a:solidFill>
+                  <a:srgbClr val="000000"/>
+                </a:solidFill>
+                <a:effectLst/>
+                <a:latin typeface="Consolas" panose="020B0609020204030204" pitchFamily="49" charset="0"/>
+              </a:rPr>
+              <a:t>:</a:t>
+            </a:r>
+            <a:r>
+              <a:rPr lang="en-US" altLang="zh-TW" b="0" i="0" dirty="0">
+                <a:solidFill>
+                  <a:srgbClr val="0000CD"/>
+                </a:solidFill>
+                <a:effectLst/>
+                <a:latin typeface="Consolas" panose="020B0609020204030204" pitchFamily="49" charset="0"/>
+              </a:rPr>
+              <a:t> example 5s linear 2s infinite alternate</a:t>
+            </a:r>
+            <a:r>
+              <a:rPr lang="en-US" altLang="zh-TW" b="0" i="0" dirty="0">
+                <a:solidFill>
+                  <a:srgbClr val="000000"/>
+                </a:solidFill>
+                <a:effectLst/>
+                <a:latin typeface="Consolas" panose="020B0609020204030204" pitchFamily="49" charset="0"/>
+              </a:rPr>
+              <a:t>;</a:t>
+            </a:r>
+            <a:br>
+              <a:rPr lang="en-US" altLang="zh-TW" b="0" i="0" dirty="0">
+                <a:solidFill>
+                  <a:srgbClr val="FF0000"/>
+                </a:solidFill>
+                <a:effectLst/>
+                <a:latin typeface="Consolas" panose="020B0609020204030204" pitchFamily="49" charset="0"/>
+              </a:rPr>
+            </a:br>
+            <a:r>
+              <a:rPr lang="en-US" altLang="zh-TW" b="0" i="0" dirty="0">
+                <a:solidFill>
+                  <a:srgbClr val="000000"/>
+                </a:solidFill>
+                <a:effectLst/>
+                <a:latin typeface="Consolas" panose="020B0609020204030204" pitchFamily="49" charset="0"/>
+              </a:rPr>
+              <a:t>}</a:t>
+            </a:r>
+            <a:endParaRPr lang="zh-TW" altLang="en-US" dirty="0"/>
+          </a:p>
+        </p:txBody>
+      </p:sp>
+    </p:spTree>
+    <p:extLst>
+      <p:ext uri="{BB962C8B-B14F-4D97-AF65-F5344CB8AC3E}">
+        <p14:creationId xmlns:p14="http://schemas.microsoft.com/office/powerpoint/2010/main" val="2747073203"/>
+      </p:ext>
+    </p:extLst>
+  </p:cSld>
+  <p:clrMapOvr>
+    <a:masterClrMapping/>
+  </p:clrMapOvr>
+</p:sld>
+</file>
+
+<file path=ppt/slides/slide12.xml><?xml version="1.0" encoding="utf-8"?>
+<p:sld xmlns:a="http://schemas.openxmlformats.org/drawingml/2006/main" xmlns:r="http://schemas.openxmlformats.org/officeDocument/2006/relationships" xmlns:p="http://schemas.openxmlformats.org/presentationml/2006/main">
+  <p:cSld>
+    <p:spTree>
+      <p:nvGrpSpPr>
+        <p:cNvPr id="1" name=""/>
+        <p:cNvGrpSpPr/>
+        <p:nvPr/>
+      </p:nvGrpSpPr>
+      <p:grpSpPr>
+        <a:xfrm>
+          <a:off x="0" y="0"/>
+          <a:ext cx="0" cy="0"/>
+          <a:chOff x="0" y="0"/>
+          <a:chExt cx="0" cy="0"/>
+        </a:xfrm>
+      </p:grpSpPr>
+      <p:sp>
+        <p:nvSpPr>
+          <p:cNvPr id="2" name="標題 1">
+            <a:extLst>
+              <a:ext uri="{FF2B5EF4-FFF2-40B4-BE49-F238E27FC236}">
+                <a16:creationId xmlns:a16="http://schemas.microsoft.com/office/drawing/2014/main" id="{21668613-FA51-40C7-AD3F-355058C7C5F4}"/>
+              </a:ext>
+            </a:extLst>
+          </p:cNvPr>
+          <p:cNvSpPr>
+            <a:spLocks noGrp="1"/>
+          </p:cNvSpPr>
+          <p:nvPr>
+            <p:ph type="title"/>
+          </p:nvPr>
+        </p:nvSpPr>
+        <p:spPr/>
+        <p:txBody>
+          <a:bodyPr/>
+          <a:lstStyle/>
+          <a:p>
+            <a:r>
+              <a:rPr lang="en-US" altLang="zh-TW" dirty="0"/>
+              <a:t>CSS FLEX</a:t>
+            </a:r>
+            <a:endParaRPr lang="zh-TW" altLang="en-US" dirty="0"/>
+          </a:p>
+        </p:txBody>
+      </p:sp>
+      <p:sp>
+        <p:nvSpPr>
+          <p:cNvPr id="3" name="文字版面配置區 2">
+            <a:extLst>
+              <a:ext uri="{FF2B5EF4-FFF2-40B4-BE49-F238E27FC236}">
+                <a16:creationId xmlns:a16="http://schemas.microsoft.com/office/drawing/2014/main" id="{52CE9C9D-91AD-482F-9170-FB06F18CF1A8}"/>
+              </a:ext>
+            </a:extLst>
+          </p:cNvPr>
+          <p:cNvSpPr>
+            <a:spLocks noGrp="1"/>
+          </p:cNvSpPr>
+          <p:nvPr>
+            <p:ph type="body" idx="1"/>
+          </p:nvPr>
+        </p:nvSpPr>
+        <p:spPr/>
+        <p:txBody>
+          <a:bodyPr/>
+          <a:lstStyle/>
+          <a:p>
+            <a:endParaRPr lang="zh-TW" altLang="en-US"/>
+          </a:p>
+        </p:txBody>
+      </p:sp>
+    </p:spTree>
+    <p:extLst>
+      <p:ext uri="{BB962C8B-B14F-4D97-AF65-F5344CB8AC3E}">
+        <p14:creationId xmlns:p14="http://schemas.microsoft.com/office/powerpoint/2010/main" val="2669256394"/>
+      </p:ext>
+    </p:extLst>
+  </p:cSld>
+  <p:clrMapOvr>
+    <a:masterClrMapping/>
+  </p:clrMapOvr>
+</p:sld>
+</file>
+
+<file path=ppt/slides/slide13.xml><?xml version="1.0" encoding="utf-8"?>
+<p:sld xmlns:a="http://schemas.openxmlformats.org/drawingml/2006/main" xmlns:r="http://schemas.openxmlformats.org/officeDocument/2006/relationships" xmlns:p="http://schemas.openxmlformats.org/presentationml/2006/main">
+  <p:cSld>
+    <p:spTree>
+      <p:nvGrpSpPr>
+        <p:cNvPr id="1" name=""/>
+        <p:cNvGrpSpPr/>
+        <p:nvPr/>
+      </p:nvGrpSpPr>
+      <p:grpSpPr>
+        <a:xfrm>
+          <a:off x="0" y="0"/>
+          <a:ext cx="0" cy="0"/>
+          <a:chOff x="0" y="0"/>
+          <a:chExt cx="0" cy="0"/>
+        </a:xfrm>
+      </p:grpSpPr>
+      <p:sp>
+        <p:nvSpPr>
+          <p:cNvPr id="2" name="標題 1">
+            <a:extLst>
+              <a:ext uri="{FF2B5EF4-FFF2-40B4-BE49-F238E27FC236}">
                 <a16:creationId xmlns:a16="http://schemas.microsoft.com/office/drawing/2014/main" id="{C5E8BED4-0158-4D92-8787-9D44E281D9EB}"/>
               </a:ext>
             </a:extLst>
@@ -4607,16 +5725,17 @@
             </a:r>
             <a:r>
               <a:rPr lang="en-US" altLang="zh-TW" dirty="0"/>
-              <a:t> - </a:t>
-            </a:r>
-            <a:r>
-              <a:rPr lang="en-US" altLang="zh-TW" sz="4400" dirty="0">
-                <a:solidFill>
-                  <a:srgbClr val="555555"/>
-                </a:solidFill>
-                <a:latin typeface="inherit"/>
-              </a:rPr>
-              <a:t>justify-content</a:t>
+              <a:t> </a:t>
+            </a:r>
+            <a:r>
+              <a:rPr lang="zh-TW" altLang="en-US" b="0" i="0" dirty="0">
+                <a:solidFill>
+                  <a:srgbClr val="4D5156"/>
+                </a:solidFill>
+                <a:effectLst/>
+                <a:latin typeface="arial" panose="020B0604020202020204" pitchFamily="34" charset="0"/>
+              </a:rPr>
+              <a:t>彈性盒子</a:t>
             </a:r>
             <a:endParaRPr lang="zh-TW" altLang="en-US" dirty="0"/>
           </a:p>
@@ -4651,7 +5770,7 @@
         </p:blipFill>
         <p:spPr bwMode="auto">
           <a:xfrm>
-            <a:off x="762000" y="2735931"/>
+            <a:off x="6214642" y="1825112"/>
             <a:ext cx="5715000" cy="3352800"/>
           </a:xfrm>
           <a:prstGeom prst="rect">
@@ -4669,112 +5788,12 @@
           </a:extLst>
         </p:spPr>
       </p:pic>
-      <p:sp>
-        <p:nvSpPr>
-          <p:cNvPr id="6" name="文字方塊 5">
+      <p:pic>
+        <p:nvPicPr>
+          <p:cNvPr id="5" name="Picture 2">
             <a:extLst>
               <a:ext uri="{FF2B5EF4-FFF2-40B4-BE49-F238E27FC236}">
-                <a16:creationId xmlns:a16="http://schemas.microsoft.com/office/drawing/2014/main" id="{A15E5753-AD6B-4F5B-AA91-E06764283E99}"/>
-              </a:ext>
-            </a:extLst>
-          </p:cNvPr>
-          <p:cNvSpPr txBox="1"/>
-          <p:nvPr/>
-        </p:nvSpPr>
-        <p:spPr>
-          <a:xfrm>
-            <a:off x="1279003" y="1717447"/>
-            <a:ext cx="9601200" cy="523220"/>
-          </a:xfrm>
-          <a:prstGeom prst="rect">
-            <a:avLst/>
-          </a:prstGeom>
-          <a:noFill/>
-        </p:spPr>
-        <p:txBody>
-          <a:bodyPr wrap="square">
-            <a:spAutoFit/>
-          </a:bodyPr>
-          <a:lstStyle/>
-          <a:p>
-            <a:pPr marL="457200" indent="-457200" fontAlgn="base">
-              <a:buFont typeface="Arial" panose="020B0604020202020204" pitchFamily="34" charset="0"/>
-              <a:buChar char="•"/>
-            </a:pPr>
-            <a:r>
-              <a:rPr lang="en-US" altLang="zh-TW" sz="2800" b="1" dirty="0">
-                <a:solidFill>
-                  <a:schemeClr val="accent6">
-                    <a:lumMod val="75000"/>
-                  </a:schemeClr>
-                </a:solidFill>
-                <a:latin typeface="inherit"/>
-              </a:rPr>
-              <a:t>justify-content</a:t>
-            </a:r>
-            <a:r>
-              <a:rPr lang="en-US" altLang="zh-TW" sz="2800" b="0" i="0" dirty="0">
-                <a:solidFill>
-                  <a:srgbClr val="555555"/>
-                </a:solidFill>
-                <a:effectLst/>
-                <a:latin typeface="inherit"/>
-              </a:rPr>
-              <a:t>:</a:t>
-            </a:r>
-            <a:r>
-              <a:rPr lang="zh-TW" altLang="en-US" sz="2800" b="0" i="0" dirty="0">
-                <a:solidFill>
-                  <a:srgbClr val="555555"/>
-                </a:solidFill>
-                <a:effectLst/>
-                <a:latin typeface="Titillium Web"/>
-              </a:rPr>
-              <a:t>外容器屬性，</a:t>
-            </a:r>
-            <a:r>
-              <a:rPr lang="zh-TW" altLang="en-US" sz="2800" b="1" i="0" dirty="0">
-                <a:solidFill>
-                  <a:schemeClr val="accent6">
-                    <a:lumMod val="75000"/>
-                  </a:schemeClr>
-                </a:solidFill>
-                <a:effectLst/>
-                <a:latin typeface="Titillium Web"/>
-              </a:rPr>
-              <a:t>主軸對齊</a:t>
-            </a:r>
-            <a:r>
-              <a:rPr lang="en-US" altLang="zh-TW" sz="2800" b="1" i="0" dirty="0">
-                <a:solidFill>
-                  <a:schemeClr val="accent6">
-                    <a:lumMod val="75000"/>
-                  </a:schemeClr>
-                </a:solidFill>
-                <a:effectLst/>
-                <a:latin typeface="Titillium Web"/>
-              </a:rPr>
-              <a:t>(main)</a:t>
-            </a:r>
-            <a:r>
-              <a:rPr lang="zh-TW" altLang="en-US" sz="2800" b="0" i="0" dirty="0">
-                <a:solidFill>
-                  <a:srgbClr val="555555"/>
-                </a:solidFill>
-                <a:effectLst/>
-                <a:latin typeface="Titillium Web"/>
-              </a:rPr>
-              <a:t>的對齊設定</a:t>
-            </a:r>
-          </a:p>
-        </p:txBody>
-      </p:sp>
-      <p:pic>
-        <p:nvPicPr>
-          <p:cNvPr id="4098" name="Picture 2">
-            <a:extLst>
-              <a:ext uri="{FF2B5EF4-FFF2-40B4-BE49-F238E27FC236}">
-                <a16:creationId xmlns:a16="http://schemas.microsoft.com/office/drawing/2014/main" id="{A68D8EC3-6845-4FBB-A0A8-F0A6ECA20F5E}"/>
+                <a16:creationId xmlns:a16="http://schemas.microsoft.com/office/drawing/2014/main" id="{FF39E68B-9AAE-42B4-ADA2-BA193013C34E}"/>
               </a:ext>
             </a:extLst>
           </p:cNvPr>
@@ -4798,6 +5817,1707 @@
         </p:blipFill>
         <p:spPr bwMode="auto">
           <a:xfrm>
+            <a:off x="784667" y="1783280"/>
+            <a:ext cx="5715000" cy="3114675"/>
+          </a:xfrm>
+          <a:prstGeom prst="rect">
+            <a:avLst/>
+          </a:prstGeom>
+          <a:noFill/>
+          <a:extLst>
+            <a:ext uri="{909E8E84-426E-40DD-AFC4-6F175D3DCCD1}">
+              <a14:hiddenFill xmlns:a14="http://schemas.microsoft.com/office/drawing/2010/main">
+                <a:solidFill>
+                  <a:srgbClr val="FFFFFF"/>
+                </a:solidFill>
+              </a14:hiddenFill>
+            </a:ext>
+          </a:extLst>
+        </p:spPr>
+      </p:pic>
+      <p:sp>
+        <p:nvSpPr>
+          <p:cNvPr id="3" name="語音泡泡: 圓角矩形 2">
+            <a:extLst>
+              <a:ext uri="{FF2B5EF4-FFF2-40B4-BE49-F238E27FC236}">
+                <a16:creationId xmlns:a16="http://schemas.microsoft.com/office/drawing/2014/main" id="{5A9D7157-82CB-4370-B31A-ED213AA78615}"/>
+              </a:ext>
+            </a:extLst>
+          </p:cNvPr>
+          <p:cNvSpPr/>
+          <p:nvPr/>
+        </p:nvSpPr>
+        <p:spPr>
+          <a:xfrm>
+            <a:off x="1371601" y="5046563"/>
+            <a:ext cx="2494344" cy="752354"/>
+          </a:xfrm>
+          <a:prstGeom prst="wedgeRoundRectCallout">
+            <a:avLst>
+              <a:gd name="adj1" fmla="val -19493"/>
+              <a:gd name="adj2" fmla="val -87065"/>
+              <a:gd name="adj3" fmla="val 16667"/>
+            </a:avLst>
+          </a:prstGeom>
+        </p:spPr>
+        <p:style>
+          <a:lnRef idx="2">
+            <a:schemeClr val="accent1">
+              <a:shade val="50000"/>
+            </a:schemeClr>
+          </a:lnRef>
+          <a:fillRef idx="1">
+            <a:schemeClr val="accent1"/>
+          </a:fillRef>
+          <a:effectRef idx="0">
+            <a:schemeClr val="accent1"/>
+          </a:effectRef>
+          <a:fontRef idx="minor">
+            <a:schemeClr val="lt1"/>
+          </a:fontRef>
+        </p:style>
+        <p:txBody>
+          <a:bodyPr rtlCol="0" anchor="ctr"/>
+          <a:lstStyle/>
+          <a:p>
+            <a:pPr algn="ctr"/>
+            <a:r>
+              <a:rPr lang="zh-TW" altLang="en-US" dirty="0"/>
+              <a:t>預設會橫向排列</a:t>
+            </a:r>
+          </a:p>
+        </p:txBody>
+      </p:sp>
+    </p:spTree>
+    <p:extLst>
+      <p:ext uri="{BB962C8B-B14F-4D97-AF65-F5344CB8AC3E}">
+        <p14:creationId xmlns:p14="http://schemas.microsoft.com/office/powerpoint/2010/main" val="4219183112"/>
+      </p:ext>
+    </p:extLst>
+  </p:cSld>
+  <p:clrMapOvr>
+    <a:masterClrMapping/>
+  </p:clrMapOvr>
+</p:sld>
+</file>
+
+<file path=ppt/slides/slide14.xml><?xml version="1.0" encoding="utf-8"?>
+<p:sld xmlns:a="http://schemas.openxmlformats.org/drawingml/2006/main" xmlns:r="http://schemas.openxmlformats.org/officeDocument/2006/relationships" xmlns:p="http://schemas.openxmlformats.org/presentationml/2006/main">
+  <p:cSld>
+    <p:spTree>
+      <p:nvGrpSpPr>
+        <p:cNvPr id="1" name=""/>
+        <p:cNvGrpSpPr/>
+        <p:nvPr/>
+      </p:nvGrpSpPr>
+      <p:grpSpPr>
+        <a:xfrm>
+          <a:off x="0" y="0"/>
+          <a:ext cx="0" cy="0"/>
+          <a:chOff x="0" y="0"/>
+          <a:chExt cx="0" cy="0"/>
+        </a:xfrm>
+      </p:grpSpPr>
+      <p:sp>
+        <p:nvSpPr>
+          <p:cNvPr id="3" name="文字方塊 2">
+            <a:extLst>
+              <a:ext uri="{FF2B5EF4-FFF2-40B4-BE49-F238E27FC236}">
+                <a16:creationId xmlns:a16="http://schemas.microsoft.com/office/drawing/2014/main" id="{C2B493C3-8366-4C36-BB32-D4AD769F06CE}"/>
+              </a:ext>
+            </a:extLst>
+          </p:cNvPr>
+          <p:cNvSpPr txBox="1"/>
+          <p:nvPr/>
+        </p:nvSpPr>
+        <p:spPr>
+          <a:xfrm>
+            <a:off x="1416038" y="1585593"/>
+            <a:ext cx="5502922" cy="2800767"/>
+          </a:xfrm>
+          <a:prstGeom prst="rect">
+            <a:avLst/>
+          </a:prstGeom>
+          <a:noFill/>
+        </p:spPr>
+        <p:txBody>
+          <a:bodyPr wrap="square">
+            <a:spAutoFit/>
+          </a:bodyPr>
+          <a:lstStyle/>
+          <a:p>
+            <a:pPr algn="l" fontAlgn="base"/>
+            <a:r>
+              <a:rPr lang="en-US" altLang="zh-TW" sz="3200" b="1" i="0" dirty="0">
+                <a:solidFill>
+                  <a:srgbClr val="555555"/>
+                </a:solidFill>
+                <a:effectLst/>
+                <a:latin typeface="Consolas" panose="020B0609020204030204" pitchFamily="49" charset="0"/>
+              </a:rPr>
+              <a:t>Flex </a:t>
+            </a:r>
+            <a:r>
+              <a:rPr lang="zh-TW" altLang="en-US" sz="3200" b="1" i="0" dirty="0">
+                <a:solidFill>
+                  <a:srgbClr val="555555"/>
+                </a:solidFill>
+                <a:effectLst/>
+                <a:latin typeface="Consolas" panose="020B0609020204030204" pitchFamily="49" charset="0"/>
+              </a:rPr>
+              <a:t>外容器屬性：</a:t>
+            </a:r>
+          </a:p>
+          <a:p>
+            <a:pPr marL="342900" indent="-342900" algn="l" fontAlgn="base">
+              <a:buFont typeface="Arial" panose="020B0604020202020204" pitchFamily="34" charset="0"/>
+              <a:buChar char="•"/>
+            </a:pPr>
+            <a:r>
+              <a:rPr lang="en-US" altLang="zh-TW" sz="2400" b="0" i="0" dirty="0">
+                <a:solidFill>
+                  <a:srgbClr val="555555"/>
+                </a:solidFill>
+                <a:effectLst/>
+                <a:latin typeface="Consolas" panose="020B0609020204030204" pitchFamily="49" charset="0"/>
+              </a:rPr>
+              <a:t>display</a:t>
+            </a:r>
+          </a:p>
+          <a:p>
+            <a:pPr marL="342900" indent="-342900" algn="l" fontAlgn="base">
+              <a:buFont typeface="Arial" panose="020B0604020202020204" pitchFamily="34" charset="0"/>
+              <a:buChar char="•"/>
+            </a:pPr>
+            <a:r>
+              <a:rPr lang="en-US" altLang="zh-TW" sz="2400" b="0" i="0" dirty="0">
+                <a:solidFill>
+                  <a:srgbClr val="555555"/>
+                </a:solidFill>
+                <a:effectLst/>
+                <a:latin typeface="Consolas" panose="020B0609020204030204" pitchFamily="49" charset="0"/>
+              </a:rPr>
+              <a:t>flex-flow</a:t>
+            </a:r>
+          </a:p>
+          <a:p>
+            <a:pPr marL="800100" lvl="1" indent="-342900" algn="l" fontAlgn="base">
+              <a:buFont typeface="Arial" panose="020B0604020202020204" pitchFamily="34" charset="0"/>
+              <a:buChar char="•"/>
+            </a:pPr>
+            <a:r>
+              <a:rPr lang="en-US" altLang="zh-TW" sz="2400" b="1" i="0" dirty="0">
+                <a:solidFill>
+                  <a:schemeClr val="accent6">
+                    <a:lumMod val="75000"/>
+                  </a:schemeClr>
+                </a:solidFill>
+                <a:effectLst/>
+                <a:latin typeface="Consolas" panose="020B0609020204030204" pitchFamily="49" charset="0"/>
+              </a:rPr>
+              <a:t>flex-direction</a:t>
+            </a:r>
+            <a:r>
+              <a:rPr lang="zh-TW" altLang="en-US" sz="2400" b="1" i="0" dirty="0">
+                <a:solidFill>
+                  <a:schemeClr val="accent6">
+                    <a:lumMod val="75000"/>
+                  </a:schemeClr>
+                </a:solidFill>
+                <a:effectLst/>
+                <a:latin typeface="Consolas" panose="020B0609020204030204" pitchFamily="49" charset="0"/>
+              </a:rPr>
+              <a:t> </a:t>
+            </a:r>
+            <a:r>
+              <a:rPr lang="zh-TW" altLang="en-US" sz="2400" b="1" dirty="0">
+                <a:solidFill>
+                  <a:schemeClr val="accent6">
+                    <a:lumMod val="75000"/>
+                  </a:schemeClr>
+                </a:solidFill>
+                <a:latin typeface="Consolas" panose="020B0609020204030204" pitchFamily="49" charset="0"/>
+              </a:rPr>
+              <a:t>方向 </a:t>
+            </a:r>
+            <a:endParaRPr lang="en-US" altLang="zh-TW" sz="2400" b="1" i="0" dirty="0">
+              <a:solidFill>
+                <a:schemeClr val="accent6">
+                  <a:lumMod val="75000"/>
+                </a:schemeClr>
+              </a:solidFill>
+              <a:effectLst/>
+              <a:latin typeface="Consolas" panose="020B0609020204030204" pitchFamily="49" charset="0"/>
+            </a:endParaRPr>
+          </a:p>
+          <a:p>
+            <a:pPr marL="800100" lvl="1" indent="-342900" algn="l" fontAlgn="base">
+              <a:buFont typeface="Arial" panose="020B0604020202020204" pitchFamily="34" charset="0"/>
+              <a:buChar char="•"/>
+            </a:pPr>
+            <a:r>
+              <a:rPr lang="en-US" altLang="zh-TW" sz="2400" b="0" i="0" dirty="0">
+                <a:solidFill>
+                  <a:srgbClr val="555555"/>
+                </a:solidFill>
+                <a:effectLst/>
+                <a:latin typeface="Consolas" panose="020B0609020204030204" pitchFamily="49" charset="0"/>
+              </a:rPr>
+              <a:t>flex-wrap</a:t>
+            </a:r>
+            <a:r>
+              <a:rPr lang="zh-TW" altLang="en-US" sz="2400" b="0" i="0" dirty="0">
+                <a:solidFill>
+                  <a:srgbClr val="555555"/>
+                </a:solidFill>
+                <a:effectLst/>
+                <a:latin typeface="Consolas" panose="020B0609020204030204" pitchFamily="49" charset="0"/>
+              </a:rPr>
+              <a:t> 換行</a:t>
+            </a:r>
+            <a:endParaRPr lang="en-US" altLang="zh-TW" sz="2400" b="0" i="0" dirty="0">
+              <a:solidFill>
+                <a:srgbClr val="555555"/>
+              </a:solidFill>
+              <a:effectLst/>
+              <a:latin typeface="Consolas" panose="020B0609020204030204" pitchFamily="49" charset="0"/>
+            </a:endParaRPr>
+          </a:p>
+          <a:p>
+            <a:pPr marL="342900" indent="-342900" algn="l" fontAlgn="base">
+              <a:buFont typeface="Arial" panose="020B0604020202020204" pitchFamily="34" charset="0"/>
+              <a:buChar char="•"/>
+            </a:pPr>
+            <a:r>
+              <a:rPr lang="en-US" altLang="zh-TW" sz="2400" b="1" i="0" dirty="0">
+                <a:solidFill>
+                  <a:schemeClr val="accent6">
+                    <a:lumMod val="75000"/>
+                  </a:schemeClr>
+                </a:solidFill>
+                <a:effectLst/>
+                <a:latin typeface="Consolas" panose="020B0609020204030204" pitchFamily="49" charset="0"/>
+              </a:rPr>
+              <a:t> justify-content</a:t>
+            </a:r>
+            <a:r>
+              <a:rPr lang="zh-TW" altLang="en-US" sz="2400" b="1" i="0" dirty="0">
+                <a:solidFill>
+                  <a:schemeClr val="accent6">
+                    <a:lumMod val="75000"/>
+                  </a:schemeClr>
+                </a:solidFill>
+                <a:effectLst/>
+                <a:latin typeface="Consolas" panose="020B0609020204030204" pitchFamily="49" charset="0"/>
+              </a:rPr>
+              <a:t> </a:t>
+            </a:r>
+            <a:r>
+              <a:rPr lang="zh-TW" altLang="en-US" sz="2400" b="1" i="0" dirty="0">
+                <a:solidFill>
+                  <a:schemeClr val="accent5">
+                    <a:lumMod val="75000"/>
+                  </a:schemeClr>
+                </a:solidFill>
+                <a:effectLst/>
+                <a:latin typeface="Consolas" panose="020B0609020204030204" pitchFamily="49" charset="0"/>
+              </a:rPr>
+              <a:t>水平</a:t>
+            </a:r>
+            <a:r>
+              <a:rPr lang="en-US" altLang="zh-TW" sz="2400" b="1" i="0" dirty="0">
+                <a:solidFill>
+                  <a:schemeClr val="accent5">
+                    <a:lumMod val="75000"/>
+                  </a:schemeClr>
+                </a:solidFill>
+                <a:effectLst/>
+                <a:latin typeface="Consolas" panose="020B0609020204030204" pitchFamily="49" charset="0"/>
+              </a:rPr>
+              <a:t>/</a:t>
+            </a:r>
+            <a:r>
+              <a:rPr lang="zh-TW" altLang="en-US" sz="2400" b="1" i="0" dirty="0">
+                <a:solidFill>
+                  <a:schemeClr val="accent5">
+                    <a:lumMod val="75000"/>
+                  </a:schemeClr>
+                </a:solidFill>
+                <a:effectLst/>
+                <a:latin typeface="Consolas" panose="020B0609020204030204" pitchFamily="49" charset="0"/>
+              </a:rPr>
+              <a:t>主軸</a:t>
+            </a:r>
+            <a:r>
+              <a:rPr lang="zh-TW" altLang="en-US" sz="2400" b="1" dirty="0">
+                <a:solidFill>
+                  <a:schemeClr val="accent5">
+                    <a:lumMod val="75000"/>
+                  </a:schemeClr>
+                </a:solidFill>
+                <a:latin typeface="Consolas" panose="020B0609020204030204" pitchFamily="49" charset="0"/>
+              </a:rPr>
+              <a:t>對齊</a:t>
+            </a:r>
+            <a:endParaRPr lang="en-US" altLang="zh-TW" sz="2400" b="1" i="0" dirty="0">
+              <a:solidFill>
+                <a:schemeClr val="accent5">
+                  <a:lumMod val="75000"/>
+                </a:schemeClr>
+              </a:solidFill>
+              <a:effectLst/>
+              <a:latin typeface="Consolas" panose="020B0609020204030204" pitchFamily="49" charset="0"/>
+            </a:endParaRPr>
+          </a:p>
+          <a:p>
+            <a:pPr marL="342900" indent="-342900" algn="l" fontAlgn="base">
+              <a:buFont typeface="Arial" panose="020B0604020202020204" pitchFamily="34" charset="0"/>
+              <a:buChar char="•"/>
+            </a:pPr>
+            <a:r>
+              <a:rPr lang="en-US" altLang="zh-TW" sz="2400" b="1" i="0" dirty="0">
+                <a:solidFill>
+                  <a:schemeClr val="accent6">
+                    <a:lumMod val="75000"/>
+                  </a:schemeClr>
+                </a:solidFill>
+                <a:effectLst/>
+                <a:latin typeface="Consolas" panose="020B0609020204030204" pitchFamily="49" charset="0"/>
+              </a:rPr>
+              <a:t> align-items</a:t>
+            </a:r>
+            <a:r>
+              <a:rPr lang="zh-TW" altLang="en-US" sz="2400" b="1" i="0" dirty="0">
+                <a:solidFill>
+                  <a:schemeClr val="accent6">
+                    <a:lumMod val="75000"/>
+                  </a:schemeClr>
+                </a:solidFill>
+                <a:effectLst/>
+                <a:latin typeface="Consolas" panose="020B0609020204030204" pitchFamily="49" charset="0"/>
+              </a:rPr>
+              <a:t> </a:t>
+            </a:r>
+            <a:r>
+              <a:rPr lang="zh-TW" altLang="en-US" sz="2400" b="1" i="0" dirty="0">
+                <a:solidFill>
+                  <a:schemeClr val="accent5">
+                    <a:lumMod val="75000"/>
+                  </a:schemeClr>
+                </a:solidFill>
+                <a:effectLst/>
+                <a:latin typeface="Consolas" panose="020B0609020204030204" pitchFamily="49" charset="0"/>
+              </a:rPr>
+              <a:t>垂直</a:t>
+            </a:r>
+            <a:r>
+              <a:rPr lang="en-US" altLang="zh-TW" sz="2400" b="1" i="0" dirty="0">
+                <a:solidFill>
+                  <a:schemeClr val="accent5">
+                    <a:lumMod val="75000"/>
+                  </a:schemeClr>
+                </a:solidFill>
+                <a:effectLst/>
+                <a:latin typeface="Consolas" panose="020B0609020204030204" pitchFamily="49" charset="0"/>
+              </a:rPr>
+              <a:t>/</a:t>
+            </a:r>
+            <a:r>
+              <a:rPr lang="zh-TW" altLang="en-US" sz="2400" b="1" i="0" dirty="0">
+                <a:solidFill>
+                  <a:schemeClr val="accent5">
+                    <a:lumMod val="75000"/>
+                  </a:schemeClr>
+                </a:solidFill>
+                <a:effectLst/>
+                <a:latin typeface="Consolas" panose="020B0609020204030204" pitchFamily="49" charset="0"/>
+              </a:rPr>
+              <a:t>交錯軸對齊</a:t>
+            </a:r>
+            <a:endParaRPr lang="en-US" altLang="zh-TW" sz="2400" b="1" i="0" dirty="0">
+              <a:solidFill>
+                <a:schemeClr val="accent5">
+                  <a:lumMod val="75000"/>
+                </a:schemeClr>
+              </a:solidFill>
+              <a:effectLst/>
+              <a:latin typeface="Consolas" panose="020B0609020204030204" pitchFamily="49" charset="0"/>
+            </a:endParaRPr>
+          </a:p>
+        </p:txBody>
+      </p:sp>
+      <p:sp>
+        <p:nvSpPr>
+          <p:cNvPr id="5" name="文字方塊 4">
+            <a:extLst>
+              <a:ext uri="{FF2B5EF4-FFF2-40B4-BE49-F238E27FC236}">
+                <a16:creationId xmlns:a16="http://schemas.microsoft.com/office/drawing/2014/main" id="{88C14016-13EA-4D69-A8AD-8FE09FCA2A0D}"/>
+              </a:ext>
+            </a:extLst>
+          </p:cNvPr>
+          <p:cNvSpPr txBox="1"/>
+          <p:nvPr/>
+        </p:nvSpPr>
+        <p:spPr>
+          <a:xfrm>
+            <a:off x="7355842" y="1585593"/>
+            <a:ext cx="3963830" cy="2800767"/>
+          </a:xfrm>
+          <a:prstGeom prst="rect">
+            <a:avLst/>
+          </a:prstGeom>
+          <a:noFill/>
+        </p:spPr>
+        <p:txBody>
+          <a:bodyPr wrap="square">
+            <a:spAutoFit/>
+          </a:bodyPr>
+          <a:lstStyle/>
+          <a:p>
+            <a:pPr algn="l" fontAlgn="base"/>
+            <a:r>
+              <a:rPr lang="en-US" altLang="zh-TW" sz="3200" b="1" dirty="0">
+                <a:solidFill>
+                  <a:srgbClr val="555555"/>
+                </a:solidFill>
+                <a:latin typeface="Consolas" panose="020B0609020204030204" pitchFamily="49" charset="0"/>
+              </a:rPr>
+              <a:t>Flex </a:t>
+            </a:r>
+            <a:r>
+              <a:rPr lang="zh-TW" altLang="en-US" sz="3200" b="1" dirty="0">
+                <a:solidFill>
+                  <a:srgbClr val="555555"/>
+                </a:solidFill>
+                <a:latin typeface="Consolas" panose="020B0609020204030204" pitchFamily="49" charset="0"/>
+              </a:rPr>
+              <a:t>內元件屬性：</a:t>
+            </a:r>
+          </a:p>
+          <a:p>
+            <a:pPr marL="342900" indent="-342900" algn="l" fontAlgn="base">
+              <a:buFont typeface="Arial" panose="020B0604020202020204" pitchFamily="34" charset="0"/>
+              <a:buChar char="•"/>
+            </a:pPr>
+            <a:r>
+              <a:rPr lang="en-US" altLang="zh-TW" sz="2400" b="0" i="0" dirty="0">
+                <a:solidFill>
+                  <a:srgbClr val="555555"/>
+                </a:solidFill>
+                <a:effectLst/>
+                <a:latin typeface="Consolas" panose="020B0609020204030204" pitchFamily="49" charset="0"/>
+              </a:rPr>
+              <a:t>flex</a:t>
+            </a:r>
+          </a:p>
+          <a:p>
+            <a:pPr marL="800100" lvl="1" indent="-342900" algn="l" fontAlgn="base">
+              <a:buFont typeface="Arial" panose="020B0604020202020204" pitchFamily="34" charset="0"/>
+              <a:buChar char="•"/>
+            </a:pPr>
+            <a:r>
+              <a:rPr lang="en-US" altLang="zh-TW" sz="2400" b="0" i="0" dirty="0">
+                <a:solidFill>
+                  <a:srgbClr val="555555"/>
+                </a:solidFill>
+                <a:effectLst/>
+                <a:latin typeface="Consolas" panose="020B0609020204030204" pitchFamily="49" charset="0"/>
+              </a:rPr>
+              <a:t>flex-grow</a:t>
+            </a:r>
+          </a:p>
+          <a:p>
+            <a:pPr marL="800100" lvl="1" indent="-342900" algn="l" fontAlgn="base">
+              <a:buFont typeface="Arial" panose="020B0604020202020204" pitchFamily="34" charset="0"/>
+              <a:buChar char="•"/>
+            </a:pPr>
+            <a:r>
+              <a:rPr lang="en-US" altLang="zh-TW" sz="2400" b="0" i="0" dirty="0">
+                <a:solidFill>
+                  <a:srgbClr val="555555"/>
+                </a:solidFill>
+                <a:effectLst/>
+                <a:latin typeface="Consolas" panose="020B0609020204030204" pitchFamily="49" charset="0"/>
+              </a:rPr>
+              <a:t>flex-shrink</a:t>
+            </a:r>
+          </a:p>
+          <a:p>
+            <a:pPr marL="800100" lvl="1" indent="-342900" algn="l" fontAlgn="base">
+              <a:buFont typeface="Arial" panose="020B0604020202020204" pitchFamily="34" charset="0"/>
+              <a:buChar char="•"/>
+            </a:pPr>
+            <a:r>
+              <a:rPr lang="en-US" altLang="zh-TW" sz="2400" b="0" i="0" dirty="0">
+                <a:solidFill>
+                  <a:srgbClr val="555555"/>
+                </a:solidFill>
+                <a:effectLst/>
+                <a:latin typeface="Consolas" panose="020B0609020204030204" pitchFamily="49" charset="0"/>
+              </a:rPr>
+              <a:t>flex-basis</a:t>
+            </a:r>
+          </a:p>
+          <a:p>
+            <a:pPr marL="342900" indent="-342900" algn="l" fontAlgn="base">
+              <a:buFont typeface="Arial" panose="020B0604020202020204" pitchFamily="34" charset="0"/>
+              <a:buChar char="•"/>
+            </a:pPr>
+            <a:r>
+              <a:rPr lang="en-US" altLang="zh-TW" sz="2400" b="0" i="0" dirty="0">
+                <a:solidFill>
+                  <a:srgbClr val="555555"/>
+                </a:solidFill>
+                <a:effectLst/>
+                <a:latin typeface="Consolas" panose="020B0609020204030204" pitchFamily="49" charset="0"/>
+              </a:rPr>
+              <a:t>order</a:t>
+            </a:r>
+          </a:p>
+          <a:p>
+            <a:pPr marL="342900" indent="-342900" algn="l" fontAlgn="base">
+              <a:buFont typeface="Arial" panose="020B0604020202020204" pitchFamily="34" charset="0"/>
+              <a:buChar char="•"/>
+            </a:pPr>
+            <a:r>
+              <a:rPr lang="en-US" altLang="zh-TW" sz="2400" b="0" i="0" dirty="0">
+                <a:solidFill>
+                  <a:srgbClr val="555555"/>
+                </a:solidFill>
+                <a:effectLst/>
+                <a:latin typeface="Consolas" panose="020B0609020204030204" pitchFamily="49" charset="0"/>
+              </a:rPr>
+              <a:t>align-self</a:t>
+            </a:r>
+          </a:p>
+        </p:txBody>
+      </p:sp>
+    </p:spTree>
+    <p:extLst>
+      <p:ext uri="{BB962C8B-B14F-4D97-AF65-F5344CB8AC3E}">
+        <p14:creationId xmlns:p14="http://schemas.microsoft.com/office/powerpoint/2010/main" val="2722858027"/>
+      </p:ext>
+    </p:extLst>
+  </p:cSld>
+  <p:clrMapOvr>
+    <a:masterClrMapping/>
+  </p:clrMapOvr>
+</p:sld>
+</file>
+
+<file path=ppt/slides/slide15.xml><?xml version="1.0" encoding="utf-8"?>
+<p:sld xmlns:a="http://schemas.openxmlformats.org/drawingml/2006/main" xmlns:r="http://schemas.openxmlformats.org/officeDocument/2006/relationships" xmlns:p="http://schemas.openxmlformats.org/presentationml/2006/main">
+  <p:cSld>
+    <p:spTree>
+      <p:nvGrpSpPr>
+        <p:cNvPr id="1" name=""/>
+        <p:cNvGrpSpPr/>
+        <p:nvPr/>
+      </p:nvGrpSpPr>
+      <p:grpSpPr>
+        <a:xfrm>
+          <a:off x="0" y="0"/>
+          <a:ext cx="0" cy="0"/>
+          <a:chOff x="0" y="0"/>
+          <a:chExt cx="0" cy="0"/>
+        </a:xfrm>
+      </p:grpSpPr>
+      <p:sp>
+        <p:nvSpPr>
+          <p:cNvPr id="2" name="標題 1">
+            <a:extLst>
+              <a:ext uri="{FF2B5EF4-FFF2-40B4-BE49-F238E27FC236}">
+                <a16:creationId xmlns:a16="http://schemas.microsoft.com/office/drawing/2014/main" id="{4850007E-21D2-4752-B623-AD33BDD1AFCD}"/>
+              </a:ext>
+            </a:extLst>
+          </p:cNvPr>
+          <p:cNvSpPr>
+            <a:spLocks noGrp="1"/>
+          </p:cNvSpPr>
+          <p:nvPr>
+            <p:ph type="title"/>
+          </p:nvPr>
+        </p:nvSpPr>
+        <p:spPr/>
+        <p:txBody>
+          <a:bodyPr>
+            <a:normAutofit/>
+          </a:bodyPr>
+          <a:lstStyle/>
+          <a:p>
+            <a:pPr fontAlgn="base"/>
+            <a:r>
+              <a:rPr lang="zh-TW" altLang="en-US" b="1" i="0" dirty="0">
+                <a:effectLst/>
+                <a:latin typeface="Titillium Web"/>
+              </a:rPr>
+              <a:t>外容器</a:t>
+            </a:r>
+            <a:r>
+              <a:rPr lang="en-US" altLang="zh-TW" b="1" i="0" dirty="0">
+                <a:effectLst/>
+                <a:latin typeface="Titillium Web"/>
+              </a:rPr>
+              <a:t>-display</a:t>
+            </a:r>
+            <a:r>
+              <a:rPr lang="zh-TW" altLang="en-US" b="1" i="0" dirty="0">
+                <a:effectLst/>
+                <a:latin typeface="Titillium Web"/>
+              </a:rPr>
+              <a:t> </a:t>
+            </a:r>
+            <a:r>
+              <a:rPr lang="en-US" altLang="zh-TW" b="1" i="0" dirty="0">
+                <a:effectLst/>
+                <a:latin typeface="Titillium Web"/>
+              </a:rPr>
+              <a:t>(</a:t>
+            </a:r>
+            <a:r>
+              <a:rPr lang="zh-TW" altLang="en-US" b="1" i="0" dirty="0">
+                <a:effectLst/>
+                <a:latin typeface="Titillium Web"/>
+              </a:rPr>
+              <a:t>要先宣告</a:t>
+            </a:r>
+            <a:r>
+              <a:rPr lang="en-US" altLang="zh-TW" b="1" i="0" dirty="0">
+                <a:effectLst/>
+                <a:latin typeface="Titillium Web"/>
+              </a:rPr>
+              <a:t>)</a:t>
+            </a:r>
+            <a:endParaRPr lang="zh-TW" altLang="en-US" dirty="0"/>
+          </a:p>
+        </p:txBody>
+      </p:sp>
+      <p:sp>
+        <p:nvSpPr>
+          <p:cNvPr id="5" name="內容版面配置區 4">
+            <a:extLst>
+              <a:ext uri="{FF2B5EF4-FFF2-40B4-BE49-F238E27FC236}">
+                <a16:creationId xmlns:a16="http://schemas.microsoft.com/office/drawing/2014/main" id="{E8F637ED-AFDD-490E-809C-651BE44B35C1}"/>
+              </a:ext>
+            </a:extLst>
+          </p:cNvPr>
+          <p:cNvSpPr>
+            <a:spLocks noGrp="1"/>
+          </p:cNvSpPr>
+          <p:nvPr>
+            <p:ph idx="1"/>
+          </p:nvPr>
+        </p:nvSpPr>
+        <p:spPr/>
+        <p:txBody>
+          <a:bodyPr/>
+          <a:lstStyle/>
+          <a:p>
+            <a:pPr marL="0" indent="0">
+              <a:buNone/>
+            </a:pPr>
+            <a:r>
+              <a:rPr lang="en-US" altLang="zh-TW" dirty="0">
+                <a:solidFill>
+                  <a:schemeClr val="bg1"/>
+                </a:solidFill>
+              </a:rPr>
+              <a:t>.div {</a:t>
+            </a:r>
+          </a:p>
+          <a:p>
+            <a:pPr marL="0" indent="0">
+              <a:buNone/>
+            </a:pPr>
+            <a:r>
+              <a:rPr lang="en-US" altLang="zh-TW" dirty="0">
+                <a:solidFill>
+                  <a:schemeClr val="bg1"/>
+                </a:solidFill>
+              </a:rPr>
+              <a:t>  display: flex | inline-flex;</a:t>
+            </a:r>
+          </a:p>
+          <a:p>
+            <a:pPr marL="0" indent="0">
+              <a:buNone/>
+            </a:pPr>
+            <a:r>
+              <a:rPr lang="en-US" altLang="zh-TW" dirty="0">
+                <a:solidFill>
+                  <a:schemeClr val="bg1"/>
+                </a:solidFill>
+              </a:rPr>
+              <a:t>}</a:t>
+            </a:r>
+            <a:endParaRPr lang="zh-TW" altLang="en-US" dirty="0">
+              <a:solidFill>
+                <a:schemeClr val="bg1"/>
+              </a:solidFill>
+            </a:endParaRPr>
+          </a:p>
+        </p:txBody>
+      </p:sp>
+    </p:spTree>
+    <p:extLst>
+      <p:ext uri="{BB962C8B-B14F-4D97-AF65-F5344CB8AC3E}">
+        <p14:creationId xmlns:p14="http://schemas.microsoft.com/office/powerpoint/2010/main" val="1040175076"/>
+      </p:ext>
+    </p:extLst>
+  </p:cSld>
+  <p:clrMapOvr>
+    <a:masterClrMapping/>
+  </p:clrMapOvr>
+</p:sld>
+</file>
+
+<file path=ppt/slides/slide16.xml><?xml version="1.0" encoding="utf-8"?>
+<p:sld xmlns:a="http://schemas.openxmlformats.org/drawingml/2006/main" xmlns:r="http://schemas.openxmlformats.org/officeDocument/2006/relationships" xmlns:p="http://schemas.openxmlformats.org/presentationml/2006/main">
+  <p:cSld>
+    <p:spTree>
+      <p:nvGrpSpPr>
+        <p:cNvPr id="1" name=""/>
+        <p:cNvGrpSpPr/>
+        <p:nvPr/>
+      </p:nvGrpSpPr>
+      <p:grpSpPr>
+        <a:xfrm>
+          <a:off x="0" y="0"/>
+          <a:ext cx="0" cy="0"/>
+          <a:chOff x="0" y="0"/>
+          <a:chExt cx="0" cy="0"/>
+        </a:xfrm>
+      </p:grpSpPr>
+      <p:sp>
+        <p:nvSpPr>
+          <p:cNvPr id="2" name="標題 1">
+            <a:extLst>
+              <a:ext uri="{FF2B5EF4-FFF2-40B4-BE49-F238E27FC236}">
+                <a16:creationId xmlns:a16="http://schemas.microsoft.com/office/drawing/2014/main" id="{3BDFFE62-158B-450E-A2E8-B259AF89C435}"/>
+              </a:ext>
+            </a:extLst>
+          </p:cNvPr>
+          <p:cNvSpPr>
+            <a:spLocks noGrp="1"/>
+          </p:cNvSpPr>
+          <p:nvPr>
+            <p:ph type="title"/>
+          </p:nvPr>
+        </p:nvSpPr>
+        <p:spPr/>
+        <p:txBody>
+          <a:bodyPr>
+            <a:normAutofit/>
+          </a:bodyPr>
+          <a:lstStyle/>
+          <a:p>
+            <a:r>
+              <a:rPr lang="zh-TW" altLang="en-US" b="0" dirty="0">
+                <a:solidFill>
+                  <a:schemeClr val="accent5">
+                    <a:lumMod val="50000"/>
+                  </a:schemeClr>
+                </a:solidFill>
+                <a:effectLst/>
+                <a:latin typeface="Consolas" panose="020B0609020204030204" pitchFamily="49" charset="0"/>
+              </a:rPr>
+              <a:t>外容器</a:t>
+            </a:r>
+            <a:r>
+              <a:rPr lang="en-US" altLang="zh-TW" dirty="0">
+                <a:solidFill>
+                  <a:schemeClr val="accent5">
+                    <a:lumMod val="50000"/>
+                  </a:schemeClr>
+                </a:solidFill>
+              </a:rPr>
+              <a:t>:</a:t>
+            </a:r>
+            <a:r>
+              <a:rPr lang="zh-TW" altLang="en-US" dirty="0">
+                <a:solidFill>
+                  <a:schemeClr val="accent5">
+                    <a:lumMod val="50000"/>
+                  </a:schemeClr>
+                </a:solidFill>
+              </a:rPr>
+              <a:t> </a:t>
+            </a:r>
+            <a:r>
+              <a:rPr lang="en-US" altLang="zh-TW" b="0" dirty="0">
+                <a:solidFill>
+                  <a:schemeClr val="accent5">
+                    <a:lumMod val="50000"/>
+                  </a:schemeClr>
+                </a:solidFill>
+                <a:effectLst/>
+                <a:latin typeface="Consolas" panose="020B0609020204030204" pitchFamily="49" charset="0"/>
+              </a:rPr>
+              <a:t>flex-direction</a:t>
+            </a:r>
+            <a:endParaRPr lang="zh-TW" altLang="en-US" dirty="0">
+              <a:solidFill>
+                <a:schemeClr val="accent5">
+                  <a:lumMod val="50000"/>
+                </a:schemeClr>
+              </a:solidFill>
+            </a:endParaRPr>
+          </a:p>
+        </p:txBody>
+      </p:sp>
+      <p:pic>
+        <p:nvPicPr>
+          <p:cNvPr id="5" name="圖片 4">
+            <a:extLst>
+              <a:ext uri="{FF2B5EF4-FFF2-40B4-BE49-F238E27FC236}">
+                <a16:creationId xmlns:a16="http://schemas.microsoft.com/office/drawing/2014/main" id="{E79AA288-DE55-49AB-8057-79C237BC0613}"/>
+              </a:ext>
+            </a:extLst>
+          </p:cNvPr>
+          <p:cNvPicPr>
+            <a:picLocks noChangeAspect="1"/>
+          </p:cNvPicPr>
+          <p:nvPr/>
+        </p:nvPicPr>
+        <p:blipFill>
+          <a:blip r:embed="rId2"/>
+          <a:stretch>
+            <a:fillRect/>
+          </a:stretch>
+        </p:blipFill>
+        <p:spPr>
+          <a:xfrm>
+            <a:off x="2063100" y="1607378"/>
+            <a:ext cx="7763958" cy="5134692"/>
+          </a:xfrm>
+          <a:prstGeom prst="rect">
+            <a:avLst/>
+          </a:prstGeom>
+        </p:spPr>
+      </p:pic>
+    </p:spTree>
+    <p:extLst>
+      <p:ext uri="{BB962C8B-B14F-4D97-AF65-F5344CB8AC3E}">
+        <p14:creationId xmlns:p14="http://schemas.microsoft.com/office/powerpoint/2010/main" val="1545441432"/>
+      </p:ext>
+    </p:extLst>
+  </p:cSld>
+  <p:clrMapOvr>
+    <a:masterClrMapping/>
+  </p:clrMapOvr>
+</p:sld>
+</file>
+
+<file path=ppt/slides/slide17.xml><?xml version="1.0" encoding="utf-8"?>
+<p:sld xmlns:a="http://schemas.openxmlformats.org/drawingml/2006/main" xmlns:r="http://schemas.openxmlformats.org/officeDocument/2006/relationships" xmlns:p="http://schemas.openxmlformats.org/presentationml/2006/main">
+  <p:cSld>
+    <p:spTree>
+      <p:nvGrpSpPr>
+        <p:cNvPr id="1" name=""/>
+        <p:cNvGrpSpPr/>
+        <p:nvPr/>
+      </p:nvGrpSpPr>
+      <p:grpSpPr>
+        <a:xfrm>
+          <a:off x="0" y="0"/>
+          <a:ext cx="0" cy="0"/>
+          <a:chOff x="0" y="0"/>
+          <a:chExt cx="0" cy="0"/>
+        </a:xfrm>
+      </p:grpSpPr>
+      <p:sp>
+        <p:nvSpPr>
+          <p:cNvPr id="2" name="標題 1">
+            <a:extLst>
+              <a:ext uri="{FF2B5EF4-FFF2-40B4-BE49-F238E27FC236}">
+                <a16:creationId xmlns:a16="http://schemas.microsoft.com/office/drawing/2014/main" id="{C5E8BED4-0158-4D92-8787-9D44E281D9EB}"/>
+              </a:ext>
+            </a:extLst>
+          </p:cNvPr>
+          <p:cNvSpPr>
+            <a:spLocks noGrp="1"/>
+          </p:cNvSpPr>
+          <p:nvPr>
+            <p:ph type="title"/>
+          </p:nvPr>
+        </p:nvSpPr>
+        <p:spPr/>
+        <p:txBody>
+          <a:bodyPr>
+            <a:normAutofit/>
+          </a:bodyPr>
+          <a:lstStyle/>
+          <a:p>
+            <a:r>
+              <a:rPr lang="zh-TW" altLang="en-US" dirty="0"/>
+              <a:t>外容器</a:t>
+            </a:r>
+            <a:r>
+              <a:rPr lang="en-US" altLang="zh-TW" dirty="0">
+                <a:solidFill>
+                  <a:schemeClr val="accent5">
+                    <a:lumMod val="75000"/>
+                  </a:schemeClr>
+                </a:solidFill>
+              </a:rPr>
+              <a:t>:</a:t>
+            </a:r>
+            <a:r>
+              <a:rPr lang="en-US" altLang="zh-TW" sz="4400" b="0" i="0" dirty="0">
+                <a:solidFill>
+                  <a:schemeClr val="accent5">
+                    <a:lumMod val="75000"/>
+                  </a:schemeClr>
+                </a:solidFill>
+                <a:effectLst/>
+                <a:latin typeface="inherit"/>
+              </a:rPr>
+              <a:t> align-items</a:t>
+            </a:r>
+            <a:endParaRPr lang="zh-TW" altLang="en-US" dirty="0">
+              <a:solidFill>
+                <a:schemeClr val="accent5">
+                  <a:lumMod val="75000"/>
+                </a:schemeClr>
+              </a:solidFill>
+            </a:endParaRPr>
+          </a:p>
+        </p:txBody>
+      </p:sp>
+      <p:pic>
+        <p:nvPicPr>
+          <p:cNvPr id="5122" name="Picture 2">
+            <a:extLst>
+              <a:ext uri="{FF2B5EF4-FFF2-40B4-BE49-F238E27FC236}">
+                <a16:creationId xmlns:a16="http://schemas.microsoft.com/office/drawing/2014/main" id="{8EE2578F-9A21-4A9A-8AE2-9875B4106613}"/>
+              </a:ext>
+            </a:extLst>
+          </p:cNvPr>
+          <p:cNvPicPr>
+            <a:picLocks noChangeAspect="1" noChangeArrowheads="1"/>
+          </p:cNvPicPr>
+          <p:nvPr/>
+        </p:nvPicPr>
+        <p:blipFill>
+          <a:blip r:embed="rId2">
+            <a:extLst>
+              <a:ext uri="{28A0092B-C50C-407E-A947-70E740481C1C}">
+                <a14:useLocalDpi xmlns:a14="http://schemas.microsoft.com/office/drawing/2010/main" val="0"/>
+              </a:ext>
+            </a:extLst>
+          </a:blip>
+          <a:srcRect/>
+          <a:stretch>
+            <a:fillRect/>
+          </a:stretch>
+        </p:blipFill>
+        <p:spPr bwMode="auto">
+          <a:xfrm>
+            <a:off x="762000" y="2735931"/>
+            <a:ext cx="5715000" cy="3352800"/>
+          </a:xfrm>
+          <a:prstGeom prst="rect">
+            <a:avLst/>
+          </a:prstGeom>
+          <a:noFill/>
+          <a:extLst>
+            <a:ext uri="{909E8E84-426E-40DD-AFC4-6F175D3DCCD1}">
+              <a14:hiddenFill xmlns:a14="http://schemas.microsoft.com/office/drawing/2010/main">
+                <a:solidFill>
+                  <a:srgbClr val="FFFFFF"/>
+                </a:solidFill>
+              </a14:hiddenFill>
+            </a:ext>
+          </a:extLst>
+        </p:spPr>
+      </p:pic>
+      <p:sp>
+        <p:nvSpPr>
+          <p:cNvPr id="6" name="文字方塊 5">
+            <a:extLst>
+              <a:ext uri="{FF2B5EF4-FFF2-40B4-BE49-F238E27FC236}">
+                <a16:creationId xmlns:a16="http://schemas.microsoft.com/office/drawing/2014/main" id="{A15E5753-AD6B-4F5B-AA91-E06764283E99}"/>
+              </a:ext>
+            </a:extLst>
+          </p:cNvPr>
+          <p:cNvSpPr txBox="1"/>
+          <p:nvPr/>
+        </p:nvSpPr>
+        <p:spPr>
+          <a:xfrm>
+            <a:off x="1279003" y="1717447"/>
+            <a:ext cx="8860420" cy="523220"/>
+          </a:xfrm>
+          <a:prstGeom prst="rect">
+            <a:avLst/>
+          </a:prstGeom>
+          <a:noFill/>
+        </p:spPr>
+        <p:txBody>
+          <a:bodyPr wrap="square">
+            <a:spAutoFit/>
+          </a:bodyPr>
+          <a:lstStyle/>
+          <a:p>
+            <a:pPr marL="457200" indent="-457200" fontAlgn="base">
+              <a:buFont typeface="Arial" panose="020B0604020202020204" pitchFamily="34" charset="0"/>
+              <a:buChar char="•"/>
+            </a:pPr>
+            <a:r>
+              <a:rPr lang="zh-TW" altLang="en-US" sz="2800" b="1" i="0" dirty="0">
+                <a:solidFill>
+                  <a:schemeClr val="accent6">
+                    <a:lumMod val="75000"/>
+                  </a:schemeClr>
+                </a:solidFill>
+                <a:effectLst/>
+                <a:latin typeface="Titillium Web"/>
+              </a:rPr>
+              <a:t>交錯軸</a:t>
+            </a:r>
+            <a:r>
+              <a:rPr lang="en-US" altLang="zh-TW" sz="2800" b="1" i="0" dirty="0">
+                <a:solidFill>
+                  <a:schemeClr val="accent6">
+                    <a:lumMod val="75000"/>
+                  </a:schemeClr>
+                </a:solidFill>
+                <a:effectLst/>
+                <a:latin typeface="Titillium Web"/>
+              </a:rPr>
+              <a:t>(cross)</a:t>
+            </a:r>
+            <a:r>
+              <a:rPr lang="zh-TW" altLang="en-US" sz="2800" b="0" i="0" dirty="0">
+                <a:solidFill>
+                  <a:srgbClr val="555555"/>
+                </a:solidFill>
+                <a:effectLst/>
+                <a:latin typeface="Titillium Web"/>
+              </a:rPr>
+              <a:t>的對齊設定</a:t>
+            </a:r>
+          </a:p>
+        </p:txBody>
+      </p:sp>
+      <p:pic>
+        <p:nvPicPr>
+          <p:cNvPr id="6146" name="Picture 2">
+            <a:extLst>
+              <a:ext uri="{FF2B5EF4-FFF2-40B4-BE49-F238E27FC236}">
+                <a16:creationId xmlns:a16="http://schemas.microsoft.com/office/drawing/2014/main" id="{B3821C48-8778-4E64-8210-5A1B41D65A54}"/>
+              </a:ext>
+            </a:extLst>
+          </p:cNvPr>
+          <p:cNvPicPr>
+            <a:picLocks noChangeAspect="1" noChangeArrowheads="1"/>
+          </p:cNvPicPr>
+          <p:nvPr/>
+        </p:nvPicPr>
+        <p:blipFill rotWithShape="1">
+          <a:blip r:embed="rId3">
+            <a:extLst>
+              <a:ext uri="{28A0092B-C50C-407E-A947-70E740481C1C}">
+                <a14:useLocalDpi xmlns:a14="http://schemas.microsoft.com/office/drawing/2010/main" val="0"/>
+              </a:ext>
+            </a:extLst>
+          </a:blip>
+          <a:srcRect b="35960"/>
+          <a:stretch/>
+        </p:blipFill>
+        <p:spPr bwMode="auto">
+          <a:xfrm>
+            <a:off x="6477000" y="2286153"/>
+            <a:ext cx="5715000" cy="3464705"/>
+          </a:xfrm>
+          <a:prstGeom prst="rect">
+            <a:avLst/>
+          </a:prstGeom>
+          <a:noFill/>
+          <a:extLst>
+            <a:ext uri="{909E8E84-426E-40DD-AFC4-6F175D3DCCD1}">
+              <a14:hiddenFill xmlns:a14="http://schemas.microsoft.com/office/drawing/2010/main">
+                <a:solidFill>
+                  <a:srgbClr val="FFFFFF"/>
+                </a:solidFill>
+              </a14:hiddenFill>
+            </a:ext>
+          </a:extLst>
+        </p:spPr>
+      </p:pic>
+      <p:sp>
+        <p:nvSpPr>
+          <p:cNvPr id="3" name="矩形 2">
+            <a:extLst>
+              <a:ext uri="{FF2B5EF4-FFF2-40B4-BE49-F238E27FC236}">
+                <a16:creationId xmlns:a16="http://schemas.microsoft.com/office/drawing/2014/main" id="{73065B1B-D550-4A19-B77E-E940F207607D}"/>
+              </a:ext>
+            </a:extLst>
+          </p:cNvPr>
+          <p:cNvSpPr/>
+          <p:nvPr/>
+        </p:nvSpPr>
+        <p:spPr>
+          <a:xfrm>
+            <a:off x="6690167" y="4074289"/>
+            <a:ext cx="2662177" cy="1770926"/>
+          </a:xfrm>
+          <a:prstGeom prst="rect">
+            <a:avLst/>
+          </a:prstGeom>
+          <a:noFill/>
+          <a:ln>
+            <a:solidFill>
+              <a:srgbClr val="FF0000"/>
+            </a:solidFill>
+          </a:ln>
+        </p:spPr>
+        <p:style>
+          <a:lnRef idx="2">
+            <a:schemeClr val="accent1">
+              <a:shade val="50000"/>
+            </a:schemeClr>
+          </a:lnRef>
+          <a:fillRef idx="1">
+            <a:schemeClr val="accent1"/>
+          </a:fillRef>
+          <a:effectRef idx="0">
+            <a:schemeClr val="accent1"/>
+          </a:effectRef>
+          <a:fontRef idx="minor">
+            <a:schemeClr val="lt1"/>
+          </a:fontRef>
+        </p:style>
+        <p:txBody>
+          <a:bodyPr rtlCol="0" anchor="ctr"/>
+          <a:lstStyle/>
+          <a:p>
+            <a:pPr algn="ctr"/>
+            <a:endParaRPr lang="zh-TW" altLang="en-US"/>
+          </a:p>
+        </p:txBody>
+      </p:sp>
+      <p:sp>
+        <p:nvSpPr>
+          <p:cNvPr id="4" name="橢圓 3">
+            <a:extLst>
+              <a:ext uri="{FF2B5EF4-FFF2-40B4-BE49-F238E27FC236}">
+                <a16:creationId xmlns:a16="http://schemas.microsoft.com/office/drawing/2014/main" id="{C3165AC9-DB8C-4950-B2C2-62A35F71651D}"/>
+              </a:ext>
+            </a:extLst>
+          </p:cNvPr>
+          <p:cNvSpPr/>
+          <p:nvPr/>
+        </p:nvSpPr>
+        <p:spPr>
+          <a:xfrm>
+            <a:off x="7972148" y="2574524"/>
+            <a:ext cx="177553" cy="177553"/>
+          </a:xfrm>
+          <a:prstGeom prst="ellipse">
+            <a:avLst/>
+          </a:prstGeom>
+        </p:spPr>
+        <p:style>
+          <a:lnRef idx="2">
+            <a:schemeClr val="accent2">
+              <a:shade val="50000"/>
+            </a:schemeClr>
+          </a:lnRef>
+          <a:fillRef idx="1">
+            <a:schemeClr val="accent2"/>
+          </a:fillRef>
+          <a:effectRef idx="0">
+            <a:schemeClr val="accent2"/>
+          </a:effectRef>
+          <a:fontRef idx="minor">
+            <a:schemeClr val="lt1"/>
+          </a:fontRef>
+        </p:style>
+        <p:txBody>
+          <a:bodyPr rtlCol="0" anchor="ctr"/>
+          <a:lstStyle/>
+          <a:p>
+            <a:pPr algn="ctr"/>
+            <a:endParaRPr lang="zh-TW" altLang="en-US"/>
+          </a:p>
+        </p:txBody>
+      </p:sp>
+      <p:sp>
+        <p:nvSpPr>
+          <p:cNvPr id="9" name="橢圓 8">
+            <a:extLst>
+              <a:ext uri="{FF2B5EF4-FFF2-40B4-BE49-F238E27FC236}">
+                <a16:creationId xmlns:a16="http://schemas.microsoft.com/office/drawing/2014/main" id="{30D669D7-0AC7-4F58-B696-7702C8D41D22}"/>
+              </a:ext>
+            </a:extLst>
+          </p:cNvPr>
+          <p:cNvSpPr/>
+          <p:nvPr/>
+        </p:nvSpPr>
+        <p:spPr>
+          <a:xfrm>
+            <a:off x="10608816" y="3840952"/>
+            <a:ext cx="177553" cy="177553"/>
+          </a:xfrm>
+          <a:prstGeom prst="ellipse">
+            <a:avLst/>
+          </a:prstGeom>
+        </p:spPr>
+        <p:style>
+          <a:lnRef idx="2">
+            <a:schemeClr val="accent2">
+              <a:shade val="50000"/>
+            </a:schemeClr>
+          </a:lnRef>
+          <a:fillRef idx="1">
+            <a:schemeClr val="accent2"/>
+          </a:fillRef>
+          <a:effectRef idx="0">
+            <a:schemeClr val="accent2"/>
+          </a:effectRef>
+          <a:fontRef idx="minor">
+            <a:schemeClr val="lt1"/>
+          </a:fontRef>
+        </p:style>
+        <p:txBody>
+          <a:bodyPr rtlCol="0" anchor="ctr"/>
+          <a:lstStyle/>
+          <a:p>
+            <a:pPr algn="ctr"/>
+            <a:endParaRPr lang="zh-TW" altLang="en-US"/>
+          </a:p>
+        </p:txBody>
+      </p:sp>
+      <p:sp>
+        <p:nvSpPr>
+          <p:cNvPr id="10" name="橢圓 9">
+            <a:extLst>
+              <a:ext uri="{FF2B5EF4-FFF2-40B4-BE49-F238E27FC236}">
+                <a16:creationId xmlns:a16="http://schemas.microsoft.com/office/drawing/2014/main" id="{4E67EF2B-CDDA-4FD4-9C11-4608629D67D0}"/>
+              </a:ext>
+            </a:extLst>
+          </p:cNvPr>
+          <p:cNvSpPr/>
+          <p:nvPr/>
+        </p:nvSpPr>
+        <p:spPr>
+          <a:xfrm>
+            <a:off x="7932478" y="4959752"/>
+            <a:ext cx="177553" cy="177553"/>
+          </a:xfrm>
+          <a:prstGeom prst="ellipse">
+            <a:avLst/>
+          </a:prstGeom>
+        </p:spPr>
+        <p:style>
+          <a:lnRef idx="2">
+            <a:schemeClr val="accent2">
+              <a:shade val="50000"/>
+            </a:schemeClr>
+          </a:lnRef>
+          <a:fillRef idx="1">
+            <a:schemeClr val="accent2"/>
+          </a:fillRef>
+          <a:effectRef idx="0">
+            <a:schemeClr val="accent2"/>
+          </a:effectRef>
+          <a:fontRef idx="minor">
+            <a:schemeClr val="lt1"/>
+          </a:fontRef>
+        </p:style>
+        <p:txBody>
+          <a:bodyPr rtlCol="0" anchor="ctr"/>
+          <a:lstStyle/>
+          <a:p>
+            <a:pPr algn="ctr"/>
+            <a:endParaRPr lang="zh-TW" altLang="en-US"/>
+          </a:p>
+        </p:txBody>
+      </p:sp>
+      <p:sp>
+        <p:nvSpPr>
+          <p:cNvPr id="11" name="橢圓 10">
+            <a:extLst>
+              <a:ext uri="{FF2B5EF4-FFF2-40B4-BE49-F238E27FC236}">
+                <a16:creationId xmlns:a16="http://schemas.microsoft.com/office/drawing/2014/main" id="{D67E822F-5811-44F6-A4A4-7531E0A7A57C}"/>
+              </a:ext>
+            </a:extLst>
+          </p:cNvPr>
+          <p:cNvSpPr/>
+          <p:nvPr/>
+        </p:nvSpPr>
+        <p:spPr>
+          <a:xfrm>
+            <a:off x="2947387" y="3340223"/>
+            <a:ext cx="177553" cy="177553"/>
+          </a:xfrm>
+          <a:prstGeom prst="ellipse">
+            <a:avLst/>
+          </a:prstGeom>
+        </p:spPr>
+        <p:style>
+          <a:lnRef idx="2">
+            <a:schemeClr val="accent2">
+              <a:shade val="50000"/>
+            </a:schemeClr>
+          </a:lnRef>
+          <a:fillRef idx="1">
+            <a:schemeClr val="accent2"/>
+          </a:fillRef>
+          <a:effectRef idx="0">
+            <a:schemeClr val="accent2"/>
+          </a:effectRef>
+          <a:fontRef idx="minor">
+            <a:schemeClr val="lt1"/>
+          </a:fontRef>
+        </p:style>
+        <p:txBody>
+          <a:bodyPr rtlCol="0" anchor="ctr"/>
+          <a:lstStyle/>
+          <a:p>
+            <a:pPr algn="ctr"/>
+            <a:endParaRPr lang="zh-TW" altLang="en-US"/>
+          </a:p>
+        </p:txBody>
+      </p:sp>
+      <p:sp>
+        <p:nvSpPr>
+          <p:cNvPr id="12" name="橢圓 11">
+            <a:extLst>
+              <a:ext uri="{FF2B5EF4-FFF2-40B4-BE49-F238E27FC236}">
+                <a16:creationId xmlns:a16="http://schemas.microsoft.com/office/drawing/2014/main" id="{AE1EE560-42C2-463B-9EC4-F03FB42CF081}"/>
+              </a:ext>
+            </a:extLst>
+          </p:cNvPr>
+          <p:cNvSpPr/>
+          <p:nvPr/>
+        </p:nvSpPr>
+        <p:spPr>
+          <a:xfrm>
+            <a:off x="2947387" y="4236996"/>
+            <a:ext cx="177553" cy="177553"/>
+          </a:xfrm>
+          <a:prstGeom prst="ellipse">
+            <a:avLst/>
+          </a:prstGeom>
+        </p:spPr>
+        <p:style>
+          <a:lnRef idx="2">
+            <a:schemeClr val="accent2">
+              <a:shade val="50000"/>
+            </a:schemeClr>
+          </a:lnRef>
+          <a:fillRef idx="1">
+            <a:schemeClr val="accent2"/>
+          </a:fillRef>
+          <a:effectRef idx="0">
+            <a:schemeClr val="accent2"/>
+          </a:effectRef>
+          <a:fontRef idx="minor">
+            <a:schemeClr val="lt1"/>
+          </a:fontRef>
+        </p:style>
+        <p:txBody>
+          <a:bodyPr rtlCol="0" anchor="ctr"/>
+          <a:lstStyle/>
+          <a:p>
+            <a:pPr algn="ctr"/>
+            <a:endParaRPr lang="zh-TW" altLang="en-US"/>
+          </a:p>
+        </p:txBody>
+      </p:sp>
+      <p:sp>
+        <p:nvSpPr>
+          <p:cNvPr id="13" name="橢圓 12">
+            <a:extLst>
+              <a:ext uri="{FF2B5EF4-FFF2-40B4-BE49-F238E27FC236}">
+                <a16:creationId xmlns:a16="http://schemas.microsoft.com/office/drawing/2014/main" id="{9C03E7BE-9E92-4C45-AEDA-F1E2F4676352}"/>
+              </a:ext>
+            </a:extLst>
+          </p:cNvPr>
+          <p:cNvSpPr/>
+          <p:nvPr/>
+        </p:nvSpPr>
+        <p:spPr>
+          <a:xfrm>
+            <a:off x="2947387" y="5100605"/>
+            <a:ext cx="177553" cy="177553"/>
+          </a:xfrm>
+          <a:prstGeom prst="ellipse">
+            <a:avLst/>
+          </a:prstGeom>
+        </p:spPr>
+        <p:style>
+          <a:lnRef idx="2">
+            <a:schemeClr val="accent2">
+              <a:shade val="50000"/>
+            </a:schemeClr>
+          </a:lnRef>
+          <a:fillRef idx="1">
+            <a:schemeClr val="accent2"/>
+          </a:fillRef>
+          <a:effectRef idx="0">
+            <a:schemeClr val="accent2"/>
+          </a:effectRef>
+          <a:fontRef idx="minor">
+            <a:schemeClr val="lt1"/>
+          </a:fontRef>
+        </p:style>
+        <p:txBody>
+          <a:bodyPr rtlCol="0" anchor="ctr"/>
+          <a:lstStyle/>
+          <a:p>
+            <a:pPr algn="ctr"/>
+            <a:endParaRPr lang="zh-TW" altLang="en-US"/>
+          </a:p>
+        </p:txBody>
+      </p:sp>
+    </p:spTree>
+    <p:extLst>
+      <p:ext uri="{BB962C8B-B14F-4D97-AF65-F5344CB8AC3E}">
+        <p14:creationId xmlns:p14="http://schemas.microsoft.com/office/powerpoint/2010/main" val="3528806681"/>
+      </p:ext>
+    </p:extLst>
+  </p:cSld>
+  <p:clrMapOvr>
+    <a:masterClrMapping/>
+  </p:clrMapOvr>
+</p:sld>
+</file>
+
+<file path=ppt/slides/slide18.xml><?xml version="1.0" encoding="utf-8"?>
+<p:sld xmlns:a="http://schemas.openxmlformats.org/drawingml/2006/main" xmlns:r="http://schemas.openxmlformats.org/officeDocument/2006/relationships" xmlns:p="http://schemas.openxmlformats.org/presentationml/2006/main">
+  <p:cSld>
+    <p:spTree>
+      <p:nvGrpSpPr>
+        <p:cNvPr id="1" name=""/>
+        <p:cNvGrpSpPr/>
+        <p:nvPr/>
+      </p:nvGrpSpPr>
+      <p:grpSpPr>
+        <a:xfrm>
+          <a:off x="0" y="0"/>
+          <a:ext cx="0" cy="0"/>
+          <a:chOff x="0" y="0"/>
+          <a:chExt cx="0" cy="0"/>
+        </a:xfrm>
+      </p:grpSpPr>
+      <p:sp>
+        <p:nvSpPr>
+          <p:cNvPr id="2" name="標題 1">
+            <a:extLst>
+              <a:ext uri="{FF2B5EF4-FFF2-40B4-BE49-F238E27FC236}">
+                <a16:creationId xmlns:a16="http://schemas.microsoft.com/office/drawing/2014/main" id="{C5E8BED4-0158-4D92-8787-9D44E281D9EB}"/>
+              </a:ext>
+            </a:extLst>
+          </p:cNvPr>
+          <p:cNvSpPr>
+            <a:spLocks noGrp="1"/>
+          </p:cNvSpPr>
+          <p:nvPr>
+            <p:ph type="title"/>
+          </p:nvPr>
+        </p:nvSpPr>
+        <p:spPr/>
+        <p:txBody>
+          <a:bodyPr>
+            <a:normAutofit/>
+          </a:bodyPr>
+          <a:lstStyle/>
+          <a:p>
+            <a:r>
+              <a:rPr lang="zh-TW" altLang="en-US" dirty="0"/>
+              <a:t>外容器</a:t>
+            </a:r>
+            <a:r>
+              <a:rPr lang="en-US" altLang="zh-TW" dirty="0">
+                <a:solidFill>
+                  <a:schemeClr val="accent5">
+                    <a:lumMod val="75000"/>
+                  </a:schemeClr>
+                </a:solidFill>
+              </a:rPr>
+              <a:t>:</a:t>
+            </a:r>
+            <a:r>
+              <a:rPr lang="en-US" altLang="zh-TW" sz="4400" b="0" i="0" dirty="0">
+                <a:solidFill>
+                  <a:schemeClr val="accent5">
+                    <a:lumMod val="75000"/>
+                  </a:schemeClr>
+                </a:solidFill>
+                <a:effectLst/>
+                <a:latin typeface="inherit"/>
+              </a:rPr>
+              <a:t> </a:t>
+            </a:r>
+            <a:r>
+              <a:rPr lang="en-US" altLang="zh-TW" sz="4400" dirty="0">
+                <a:solidFill>
+                  <a:schemeClr val="accent5">
+                    <a:lumMod val="75000"/>
+                  </a:schemeClr>
+                </a:solidFill>
+                <a:latin typeface="inherit"/>
+              </a:rPr>
+              <a:t>justify-content</a:t>
+            </a:r>
+            <a:endParaRPr lang="zh-TW" altLang="en-US" dirty="0">
+              <a:solidFill>
+                <a:schemeClr val="accent5">
+                  <a:lumMod val="75000"/>
+                </a:schemeClr>
+              </a:solidFill>
+            </a:endParaRPr>
+          </a:p>
+        </p:txBody>
+      </p:sp>
+      <p:pic>
+        <p:nvPicPr>
+          <p:cNvPr id="5122" name="Picture 2">
+            <a:extLst>
+              <a:ext uri="{FF2B5EF4-FFF2-40B4-BE49-F238E27FC236}">
+                <a16:creationId xmlns:a16="http://schemas.microsoft.com/office/drawing/2014/main" id="{8EE2578F-9A21-4A9A-8AE2-9875B4106613}"/>
+              </a:ext>
+            </a:extLst>
+          </p:cNvPr>
+          <p:cNvPicPr>
+            <a:picLocks noChangeAspect="1" noChangeArrowheads="1"/>
+          </p:cNvPicPr>
+          <p:nvPr/>
+        </p:nvPicPr>
+        <p:blipFill>
+          <a:blip r:embed="rId2">
+            <a:extLst>
+              <a:ext uri="{28A0092B-C50C-407E-A947-70E740481C1C}">
+                <a14:useLocalDpi xmlns:a14="http://schemas.microsoft.com/office/drawing/2010/main" val="0"/>
+              </a:ext>
+            </a:extLst>
+          </a:blip>
+          <a:srcRect/>
+          <a:stretch>
+            <a:fillRect/>
+          </a:stretch>
+        </p:blipFill>
+        <p:spPr bwMode="auto">
+          <a:xfrm>
+            <a:off x="762000" y="2735931"/>
+            <a:ext cx="5715000" cy="3352800"/>
+          </a:xfrm>
+          <a:prstGeom prst="rect">
+            <a:avLst/>
+          </a:prstGeom>
+          <a:noFill/>
+          <a:extLst>
+            <a:ext uri="{909E8E84-426E-40DD-AFC4-6F175D3DCCD1}">
+              <a14:hiddenFill xmlns:a14="http://schemas.microsoft.com/office/drawing/2010/main">
+                <a:solidFill>
+                  <a:srgbClr val="FFFFFF"/>
+                </a:solidFill>
+              </a14:hiddenFill>
+            </a:ext>
+          </a:extLst>
+        </p:spPr>
+      </p:pic>
+      <p:sp>
+        <p:nvSpPr>
+          <p:cNvPr id="6" name="文字方塊 5">
+            <a:extLst>
+              <a:ext uri="{FF2B5EF4-FFF2-40B4-BE49-F238E27FC236}">
+                <a16:creationId xmlns:a16="http://schemas.microsoft.com/office/drawing/2014/main" id="{A15E5753-AD6B-4F5B-AA91-E06764283E99}"/>
+              </a:ext>
+            </a:extLst>
+          </p:cNvPr>
+          <p:cNvSpPr txBox="1"/>
+          <p:nvPr/>
+        </p:nvSpPr>
+        <p:spPr>
+          <a:xfrm>
+            <a:off x="1279003" y="1717447"/>
+            <a:ext cx="9601200" cy="523220"/>
+          </a:xfrm>
+          <a:prstGeom prst="rect">
+            <a:avLst/>
+          </a:prstGeom>
+          <a:noFill/>
+        </p:spPr>
+        <p:txBody>
+          <a:bodyPr wrap="square">
+            <a:spAutoFit/>
+          </a:bodyPr>
+          <a:lstStyle/>
+          <a:p>
+            <a:pPr marL="457200" indent="-457200" fontAlgn="base">
+              <a:buFont typeface="Arial" panose="020B0604020202020204" pitchFamily="34" charset="0"/>
+              <a:buChar char="•"/>
+            </a:pPr>
+            <a:r>
+              <a:rPr lang="zh-TW" altLang="en-US" sz="2800" b="1" i="0" dirty="0">
+                <a:solidFill>
+                  <a:schemeClr val="accent6">
+                    <a:lumMod val="75000"/>
+                  </a:schemeClr>
+                </a:solidFill>
+                <a:effectLst/>
+                <a:latin typeface="Titillium Web"/>
+              </a:rPr>
+              <a:t>主軸對齊</a:t>
+            </a:r>
+            <a:r>
+              <a:rPr lang="en-US" altLang="zh-TW" sz="2800" b="1" i="0" dirty="0">
+                <a:solidFill>
+                  <a:schemeClr val="accent6">
+                    <a:lumMod val="75000"/>
+                  </a:schemeClr>
+                </a:solidFill>
+                <a:effectLst/>
+                <a:latin typeface="Titillium Web"/>
+              </a:rPr>
+              <a:t>(main)</a:t>
+            </a:r>
+            <a:r>
+              <a:rPr lang="zh-TW" altLang="en-US" sz="2800" b="0" i="0" dirty="0">
+                <a:solidFill>
+                  <a:srgbClr val="555555"/>
+                </a:solidFill>
+                <a:effectLst/>
+                <a:latin typeface="Titillium Web"/>
+              </a:rPr>
+              <a:t>的對齊設定</a:t>
+            </a:r>
+          </a:p>
+        </p:txBody>
+      </p:sp>
+      <p:pic>
+        <p:nvPicPr>
+          <p:cNvPr id="4098" name="Picture 2">
+            <a:extLst>
+              <a:ext uri="{FF2B5EF4-FFF2-40B4-BE49-F238E27FC236}">
+                <a16:creationId xmlns:a16="http://schemas.microsoft.com/office/drawing/2014/main" id="{A68D8EC3-6845-4FBB-A0A8-F0A6ECA20F5E}"/>
+              </a:ext>
+            </a:extLst>
+          </p:cNvPr>
+          <p:cNvPicPr>
+            <a:picLocks noChangeAspect="1" noChangeArrowheads="1"/>
+          </p:cNvPicPr>
+          <p:nvPr/>
+        </p:nvPicPr>
+        <p:blipFill>
+          <a:blip r:embed="rId3">
+            <a:extLst>
+              <a:ext uri="{28A0092B-C50C-407E-A947-70E740481C1C}">
+                <a14:useLocalDpi xmlns:a14="http://schemas.microsoft.com/office/drawing/2010/main" val="0"/>
+              </a:ext>
+            </a:extLst>
+          </a:blip>
+          <a:srcRect/>
+          <a:stretch>
+            <a:fillRect/>
+          </a:stretch>
+        </p:blipFill>
+        <p:spPr bwMode="auto">
+          <a:xfrm>
             <a:off x="6662195" y="2645659"/>
             <a:ext cx="4970609" cy="3943350"/>
           </a:xfrm>
@@ -4816,6 +7536,282 @@
           </a:extLst>
         </p:spPr>
       </p:pic>
+      <p:sp>
+        <p:nvSpPr>
+          <p:cNvPr id="7" name="橢圓 6">
+            <a:extLst>
+              <a:ext uri="{FF2B5EF4-FFF2-40B4-BE49-F238E27FC236}">
+                <a16:creationId xmlns:a16="http://schemas.microsoft.com/office/drawing/2014/main" id="{B2D5C29B-EE19-4CFB-A8BB-082255CE042D}"/>
+              </a:ext>
+            </a:extLst>
+          </p:cNvPr>
+          <p:cNvSpPr/>
+          <p:nvPr/>
+        </p:nvSpPr>
+        <p:spPr>
+          <a:xfrm>
+            <a:off x="905227" y="4234778"/>
+            <a:ext cx="177553" cy="177553"/>
+          </a:xfrm>
+          <a:prstGeom prst="ellipse">
+            <a:avLst/>
+          </a:prstGeom>
+        </p:spPr>
+        <p:style>
+          <a:lnRef idx="2">
+            <a:schemeClr val="accent2">
+              <a:shade val="50000"/>
+            </a:schemeClr>
+          </a:lnRef>
+          <a:fillRef idx="1">
+            <a:schemeClr val="accent2"/>
+          </a:fillRef>
+          <a:effectRef idx="0">
+            <a:schemeClr val="accent2"/>
+          </a:effectRef>
+          <a:fontRef idx="minor">
+            <a:schemeClr val="lt1"/>
+          </a:fontRef>
+        </p:style>
+        <p:txBody>
+          <a:bodyPr rtlCol="0" anchor="ctr"/>
+          <a:lstStyle/>
+          <a:p>
+            <a:pPr algn="ctr"/>
+            <a:endParaRPr lang="zh-TW" altLang="en-US"/>
+          </a:p>
+        </p:txBody>
+      </p:sp>
+      <p:sp>
+        <p:nvSpPr>
+          <p:cNvPr id="8" name="橢圓 7">
+            <a:extLst>
+              <a:ext uri="{FF2B5EF4-FFF2-40B4-BE49-F238E27FC236}">
+                <a16:creationId xmlns:a16="http://schemas.microsoft.com/office/drawing/2014/main" id="{82CCFC49-2749-467E-B489-FD15A62F352E}"/>
+              </a:ext>
+            </a:extLst>
+          </p:cNvPr>
+          <p:cNvSpPr/>
+          <p:nvPr/>
+        </p:nvSpPr>
+        <p:spPr>
+          <a:xfrm>
+            <a:off x="5030187" y="4234778"/>
+            <a:ext cx="177553" cy="177553"/>
+          </a:xfrm>
+          <a:prstGeom prst="ellipse">
+            <a:avLst/>
+          </a:prstGeom>
+        </p:spPr>
+        <p:style>
+          <a:lnRef idx="2">
+            <a:schemeClr val="accent2">
+              <a:shade val="50000"/>
+            </a:schemeClr>
+          </a:lnRef>
+          <a:fillRef idx="1">
+            <a:schemeClr val="accent2"/>
+          </a:fillRef>
+          <a:effectRef idx="0">
+            <a:schemeClr val="accent2"/>
+          </a:effectRef>
+          <a:fontRef idx="minor">
+            <a:schemeClr val="lt1"/>
+          </a:fontRef>
+        </p:style>
+        <p:txBody>
+          <a:bodyPr rtlCol="0" anchor="ctr"/>
+          <a:lstStyle/>
+          <a:p>
+            <a:pPr algn="ctr"/>
+            <a:endParaRPr lang="zh-TW" altLang="en-US"/>
+          </a:p>
+        </p:txBody>
+      </p:sp>
+      <p:sp>
+        <p:nvSpPr>
+          <p:cNvPr id="9" name="橢圓 8">
+            <a:extLst>
+              <a:ext uri="{FF2B5EF4-FFF2-40B4-BE49-F238E27FC236}">
+                <a16:creationId xmlns:a16="http://schemas.microsoft.com/office/drawing/2014/main" id="{81402484-2723-4C9D-8DC2-9071ACD7832D}"/>
+              </a:ext>
+            </a:extLst>
+          </p:cNvPr>
+          <p:cNvSpPr/>
+          <p:nvPr/>
+        </p:nvSpPr>
+        <p:spPr>
+          <a:xfrm>
+            <a:off x="2967707" y="4234778"/>
+            <a:ext cx="177553" cy="177553"/>
+          </a:xfrm>
+          <a:prstGeom prst="ellipse">
+            <a:avLst/>
+          </a:prstGeom>
+        </p:spPr>
+        <p:style>
+          <a:lnRef idx="2">
+            <a:schemeClr val="accent2">
+              <a:shade val="50000"/>
+            </a:schemeClr>
+          </a:lnRef>
+          <a:fillRef idx="1">
+            <a:schemeClr val="accent2"/>
+          </a:fillRef>
+          <a:effectRef idx="0">
+            <a:schemeClr val="accent2"/>
+          </a:effectRef>
+          <a:fontRef idx="minor">
+            <a:schemeClr val="lt1"/>
+          </a:fontRef>
+        </p:style>
+        <p:txBody>
+          <a:bodyPr rtlCol="0" anchor="ctr"/>
+          <a:lstStyle/>
+          <a:p>
+            <a:pPr algn="ctr"/>
+            <a:endParaRPr lang="zh-TW" altLang="en-US"/>
+          </a:p>
+        </p:txBody>
+      </p:sp>
+      <p:sp>
+        <p:nvSpPr>
+          <p:cNvPr id="10" name="橢圓 9">
+            <a:extLst>
+              <a:ext uri="{FF2B5EF4-FFF2-40B4-BE49-F238E27FC236}">
+                <a16:creationId xmlns:a16="http://schemas.microsoft.com/office/drawing/2014/main" id="{FA75C10C-ED6E-4A25-BE51-556A76D96F04}"/>
+              </a:ext>
+            </a:extLst>
+          </p:cNvPr>
+          <p:cNvSpPr/>
+          <p:nvPr/>
+        </p:nvSpPr>
+        <p:spPr>
+          <a:xfrm>
+            <a:off x="6808187" y="3005418"/>
+            <a:ext cx="177553" cy="177553"/>
+          </a:xfrm>
+          <a:prstGeom prst="ellipse">
+            <a:avLst/>
+          </a:prstGeom>
+        </p:spPr>
+        <p:style>
+          <a:lnRef idx="2">
+            <a:schemeClr val="accent2">
+              <a:shade val="50000"/>
+            </a:schemeClr>
+          </a:lnRef>
+          <a:fillRef idx="1">
+            <a:schemeClr val="accent2"/>
+          </a:fillRef>
+          <a:effectRef idx="0">
+            <a:schemeClr val="accent2"/>
+          </a:effectRef>
+          <a:fontRef idx="minor">
+            <a:schemeClr val="lt1"/>
+          </a:fontRef>
+        </p:style>
+        <p:txBody>
+          <a:bodyPr rtlCol="0" anchor="ctr"/>
+          <a:lstStyle/>
+          <a:p>
+            <a:pPr algn="ctr"/>
+            <a:endParaRPr lang="zh-TW" altLang="en-US"/>
+          </a:p>
+        </p:txBody>
+      </p:sp>
+      <p:sp>
+        <p:nvSpPr>
+          <p:cNvPr id="11" name="橢圓 10">
+            <a:extLst>
+              <a:ext uri="{FF2B5EF4-FFF2-40B4-BE49-F238E27FC236}">
+                <a16:creationId xmlns:a16="http://schemas.microsoft.com/office/drawing/2014/main" id="{038ABE4B-08BC-48F5-87A4-BBFBE43266D6}"/>
+              </a:ext>
+            </a:extLst>
+          </p:cNvPr>
+          <p:cNvSpPr/>
+          <p:nvPr/>
+        </p:nvSpPr>
+        <p:spPr>
+          <a:xfrm>
+            <a:off x="11252447" y="3777578"/>
+            <a:ext cx="177553" cy="177553"/>
+          </a:xfrm>
+          <a:prstGeom prst="ellipse">
+            <a:avLst/>
+          </a:prstGeom>
+        </p:spPr>
+        <p:style>
+          <a:lnRef idx="2">
+            <a:schemeClr val="accent2">
+              <a:shade val="50000"/>
+            </a:schemeClr>
+          </a:lnRef>
+          <a:fillRef idx="1">
+            <a:schemeClr val="accent2"/>
+          </a:fillRef>
+          <a:effectRef idx="0">
+            <a:schemeClr val="accent2"/>
+          </a:effectRef>
+          <a:fontRef idx="minor">
+            <a:schemeClr val="lt1"/>
+          </a:fontRef>
+        </p:style>
+        <p:txBody>
+          <a:bodyPr rtlCol="0" anchor="ctr"/>
+          <a:lstStyle/>
+          <a:p>
+            <a:pPr algn="ctr"/>
+            <a:endParaRPr lang="zh-TW" altLang="en-US"/>
+          </a:p>
+        </p:txBody>
+      </p:sp>
+      <p:sp>
+        <p:nvSpPr>
+          <p:cNvPr id="12" name="橢圓 11">
+            <a:extLst>
+              <a:ext uri="{FF2B5EF4-FFF2-40B4-BE49-F238E27FC236}">
+                <a16:creationId xmlns:a16="http://schemas.microsoft.com/office/drawing/2014/main" id="{D9BE6A1F-0CB2-404A-99C6-18205B7B4951}"/>
+              </a:ext>
+            </a:extLst>
+          </p:cNvPr>
+          <p:cNvSpPr/>
+          <p:nvPr/>
+        </p:nvSpPr>
+        <p:spPr>
+          <a:xfrm>
+            <a:off x="8870667" y="4445335"/>
+            <a:ext cx="177553" cy="177553"/>
+          </a:xfrm>
+          <a:prstGeom prst="ellipse">
+            <a:avLst/>
+          </a:prstGeom>
+        </p:spPr>
+        <p:style>
+          <a:lnRef idx="2">
+            <a:schemeClr val="accent2">
+              <a:shade val="50000"/>
+            </a:schemeClr>
+          </a:lnRef>
+          <a:fillRef idx="1">
+            <a:schemeClr val="accent2"/>
+          </a:fillRef>
+          <a:effectRef idx="0">
+            <a:schemeClr val="accent2"/>
+          </a:effectRef>
+          <a:fontRef idx="minor">
+            <a:schemeClr val="lt1"/>
+          </a:fontRef>
+        </p:style>
+        <p:txBody>
+          <a:bodyPr rtlCol="0" anchor="ctr"/>
+          <a:lstStyle/>
+          <a:p>
+            <a:pPr algn="ctr"/>
+            <a:endParaRPr lang="zh-TW" altLang="en-US"/>
+          </a:p>
+        </p:txBody>
+      </p:sp>
     </p:spTree>
     <p:extLst>
       <p:ext uri="{BB962C8B-B14F-4D97-AF65-F5344CB8AC3E}">
@@ -4829,7 +7825,435 @@
 </p:sld>
 </file>
 
+<file path=ppt/slides/slide19.xml><?xml version="1.0" encoding="utf-8"?>
+<p:sld xmlns:a="http://schemas.openxmlformats.org/drawingml/2006/main" xmlns:r="http://schemas.openxmlformats.org/officeDocument/2006/relationships" xmlns:p="http://schemas.openxmlformats.org/presentationml/2006/main">
+  <p:cSld>
+    <p:spTree>
+      <p:nvGrpSpPr>
+        <p:cNvPr id="1" name=""/>
+        <p:cNvGrpSpPr/>
+        <p:nvPr/>
+      </p:nvGrpSpPr>
+      <p:grpSpPr>
+        <a:xfrm>
+          <a:off x="0" y="0"/>
+          <a:ext cx="0" cy="0"/>
+          <a:chOff x="0" y="0"/>
+          <a:chExt cx="0" cy="0"/>
+        </a:xfrm>
+      </p:grpSpPr>
+      <p:sp>
+        <p:nvSpPr>
+          <p:cNvPr id="2" name="標題 1">
+            <a:extLst>
+              <a:ext uri="{FF2B5EF4-FFF2-40B4-BE49-F238E27FC236}">
+                <a16:creationId xmlns:a16="http://schemas.microsoft.com/office/drawing/2014/main" id="{D2672C7D-43D2-49D0-B8E5-BEA9674DEA66}"/>
+              </a:ext>
+            </a:extLst>
+          </p:cNvPr>
+          <p:cNvSpPr>
+            <a:spLocks noGrp="1"/>
+          </p:cNvSpPr>
+          <p:nvPr>
+            <p:ph type="ctrTitle"/>
+          </p:nvPr>
+        </p:nvSpPr>
+        <p:spPr/>
+        <p:txBody>
+          <a:bodyPr/>
+          <a:lstStyle/>
+          <a:p>
+            <a:r>
+              <a:rPr lang="en-US" altLang="zh-TW" dirty="0">
+                <a:latin typeface="Consolas" panose="020B0609020204030204" pitchFamily="49" charset="0"/>
+              </a:rPr>
+              <a:t>BIO WEB</a:t>
+            </a:r>
+            <a:endParaRPr lang="zh-TW" altLang="en-US" dirty="0">
+              <a:latin typeface="Consolas" panose="020B0609020204030204" pitchFamily="49" charset="0"/>
+            </a:endParaRPr>
+          </a:p>
+        </p:txBody>
+      </p:sp>
+    </p:spTree>
+    <p:extLst>
+      <p:ext uri="{BB962C8B-B14F-4D97-AF65-F5344CB8AC3E}">
+        <p14:creationId xmlns:p14="http://schemas.microsoft.com/office/powerpoint/2010/main" val="413500793"/>
+      </p:ext>
+    </p:extLst>
+  </p:cSld>
+  <p:clrMapOvr>
+    <a:masterClrMapping/>
+  </p:clrMapOvr>
+</p:sld>
+</file>
+
 <file path=ppt/slides/slide2.xml><?xml version="1.0" encoding="utf-8"?>
+<p:sld xmlns:a="http://schemas.openxmlformats.org/drawingml/2006/main" xmlns:r="http://schemas.openxmlformats.org/officeDocument/2006/relationships" xmlns:p="http://schemas.openxmlformats.org/presentationml/2006/main">
+  <p:cSld>
+    <p:spTree>
+      <p:nvGrpSpPr>
+        <p:cNvPr id="1" name=""/>
+        <p:cNvGrpSpPr/>
+        <p:nvPr/>
+      </p:nvGrpSpPr>
+      <p:grpSpPr>
+        <a:xfrm>
+          <a:off x="0" y="0"/>
+          <a:ext cx="0" cy="0"/>
+          <a:chOff x="0" y="0"/>
+          <a:chExt cx="0" cy="0"/>
+        </a:xfrm>
+      </p:grpSpPr>
+      <p:sp>
+        <p:nvSpPr>
+          <p:cNvPr id="3" name="內容版面配置區 2">
+            <a:extLst>
+              <a:ext uri="{FF2B5EF4-FFF2-40B4-BE49-F238E27FC236}">
+                <a16:creationId xmlns:a16="http://schemas.microsoft.com/office/drawing/2014/main" id="{D2FAAC2D-A5DD-4845-AF3F-DDF3BED5A749}"/>
+              </a:ext>
+            </a:extLst>
+          </p:cNvPr>
+          <p:cNvSpPr>
+            <a:spLocks noGrp="1"/>
+          </p:cNvSpPr>
+          <p:nvPr>
+            <p:ph idx="1"/>
+          </p:nvPr>
+        </p:nvSpPr>
+        <p:spPr>
+          <a:xfrm>
+            <a:off x="1437442" y="1465499"/>
+            <a:ext cx="9317115" cy="4686726"/>
+          </a:xfrm>
+        </p:spPr>
+        <p:txBody>
+          <a:bodyPr>
+            <a:normAutofit/>
+          </a:bodyPr>
+          <a:lstStyle/>
+          <a:p>
+            <a:r>
+              <a:rPr lang="en-US" altLang="zh-TW" sz="2800" b="1" i="0" dirty="0">
+                <a:solidFill>
+                  <a:schemeClr val="accent5">
+                    <a:lumMod val="75000"/>
+                  </a:schemeClr>
+                </a:solidFill>
+                <a:effectLst/>
+                <a:latin typeface="Consolas" panose="020B0609020204030204" pitchFamily="49" charset="0"/>
+              </a:rPr>
+              <a:t>h1</a:t>
+            </a:r>
+            <a:r>
+              <a:rPr lang="en-US" altLang="zh-TW" sz="2800" b="1" i="0" dirty="0">
+                <a:solidFill>
+                  <a:schemeClr val="accent6">
+                    <a:lumMod val="75000"/>
+                  </a:schemeClr>
+                </a:solidFill>
+                <a:effectLst/>
+                <a:latin typeface="Consolas" panose="020B0609020204030204" pitchFamily="49" charset="0"/>
+              </a:rPr>
+              <a:t>,</a:t>
+            </a:r>
+            <a:r>
+              <a:rPr lang="en-US" altLang="zh-TW" sz="2800" b="1" i="0" dirty="0">
+                <a:solidFill>
+                  <a:schemeClr val="accent5">
+                    <a:lumMod val="75000"/>
+                  </a:schemeClr>
+                </a:solidFill>
+                <a:effectLst/>
+                <a:latin typeface="Consolas" panose="020B0609020204030204" pitchFamily="49" charset="0"/>
+              </a:rPr>
+              <a:t> h2</a:t>
+            </a:r>
+            <a:r>
+              <a:rPr lang="en-US" altLang="zh-TW" sz="2800" b="1" i="0" dirty="0">
+                <a:solidFill>
+                  <a:schemeClr val="accent6">
+                    <a:lumMod val="75000"/>
+                  </a:schemeClr>
+                </a:solidFill>
+                <a:effectLst/>
+                <a:latin typeface="Consolas" panose="020B0609020204030204" pitchFamily="49" charset="0"/>
+              </a:rPr>
+              <a:t>,</a:t>
+            </a:r>
+            <a:r>
+              <a:rPr lang="en-US" altLang="zh-TW" sz="2800" b="1" i="0" dirty="0">
+                <a:solidFill>
+                  <a:schemeClr val="accent5">
+                    <a:lumMod val="75000"/>
+                  </a:schemeClr>
+                </a:solidFill>
+                <a:effectLst/>
+                <a:latin typeface="Consolas" panose="020B0609020204030204" pitchFamily="49" charset="0"/>
+              </a:rPr>
+              <a:t> p </a:t>
+            </a:r>
+            <a:r>
+              <a:rPr lang="en-US" altLang="zh-TW" sz="2800" b="0" i="0" dirty="0">
+                <a:solidFill>
+                  <a:srgbClr val="000000"/>
+                </a:solidFill>
+                <a:effectLst/>
+                <a:latin typeface="Consolas" panose="020B0609020204030204" pitchFamily="49" charset="0"/>
+              </a:rPr>
+              <a:t>{</a:t>
+            </a:r>
+            <a:br>
+              <a:rPr lang="en-US" altLang="zh-TW" sz="2800" b="0" i="0" dirty="0">
+                <a:solidFill>
+                  <a:srgbClr val="FF0000"/>
+                </a:solidFill>
+                <a:effectLst/>
+                <a:latin typeface="Consolas" panose="020B0609020204030204" pitchFamily="49" charset="0"/>
+              </a:rPr>
+            </a:br>
+            <a:r>
+              <a:rPr lang="en-US" altLang="zh-TW" sz="2800" b="0" i="0" dirty="0">
+                <a:solidFill>
+                  <a:schemeClr val="accent4">
+                    <a:lumMod val="50000"/>
+                  </a:schemeClr>
+                </a:solidFill>
+                <a:effectLst/>
+                <a:latin typeface="Consolas" panose="020B0609020204030204" pitchFamily="49" charset="0"/>
+              </a:rPr>
+              <a:t>  text-align: center;</a:t>
+            </a:r>
+            <a:br>
+              <a:rPr lang="en-US" altLang="zh-TW" sz="2800" b="0" i="0" dirty="0">
+                <a:solidFill>
+                  <a:schemeClr val="accent4">
+                    <a:lumMod val="50000"/>
+                  </a:schemeClr>
+                </a:solidFill>
+                <a:effectLst/>
+                <a:latin typeface="Consolas" panose="020B0609020204030204" pitchFamily="49" charset="0"/>
+              </a:rPr>
+            </a:br>
+            <a:r>
+              <a:rPr lang="en-US" altLang="zh-TW" sz="2800" b="0" i="0" dirty="0">
+                <a:solidFill>
+                  <a:schemeClr val="accent4">
+                    <a:lumMod val="50000"/>
+                  </a:schemeClr>
+                </a:solidFill>
+                <a:effectLst/>
+                <a:latin typeface="Consolas" panose="020B0609020204030204" pitchFamily="49" charset="0"/>
+              </a:rPr>
+              <a:t>  color: red;</a:t>
+            </a:r>
+            <a:br>
+              <a:rPr lang="en-US" altLang="zh-TW" sz="2800" b="0" i="0" dirty="0">
+                <a:solidFill>
+                  <a:srgbClr val="FF0000"/>
+                </a:solidFill>
+                <a:effectLst/>
+                <a:latin typeface="Consolas" panose="020B0609020204030204" pitchFamily="49" charset="0"/>
+              </a:rPr>
+            </a:br>
+            <a:r>
+              <a:rPr lang="en-US" altLang="zh-TW" sz="2800" b="0" i="0" dirty="0">
+                <a:solidFill>
+                  <a:srgbClr val="000000"/>
+                </a:solidFill>
+                <a:effectLst/>
+                <a:latin typeface="Consolas" panose="020B0609020204030204" pitchFamily="49" charset="0"/>
+              </a:rPr>
+              <a:t>}</a:t>
+            </a:r>
+          </a:p>
+          <a:p>
+            <a:r>
+              <a:rPr lang="en-US" altLang="zh-TW" sz="2800" b="1" dirty="0">
+                <a:solidFill>
+                  <a:schemeClr val="accent5">
+                    <a:lumMod val="75000"/>
+                  </a:schemeClr>
+                </a:solidFill>
+              </a:rPr>
+              <a:t>.textbox </a:t>
+            </a:r>
+            <a:r>
+              <a:rPr lang="en-US" altLang="zh-TW" sz="2800" b="1" dirty="0">
+                <a:solidFill>
+                  <a:schemeClr val="accent6">
+                    <a:lumMod val="75000"/>
+                  </a:schemeClr>
+                </a:solidFill>
+              </a:rPr>
+              <a:t>&gt;</a:t>
+            </a:r>
+            <a:r>
+              <a:rPr lang="en-US" altLang="zh-TW" sz="2800" b="1" dirty="0">
+                <a:solidFill>
+                  <a:schemeClr val="accent5">
+                    <a:lumMod val="75000"/>
+                  </a:schemeClr>
+                </a:solidFill>
+              </a:rPr>
+              <a:t> h1</a:t>
+            </a:r>
+            <a:r>
+              <a:rPr lang="en-US" altLang="zh-TW" sz="2800" b="0" i="0" dirty="0">
+                <a:solidFill>
+                  <a:srgbClr val="000000"/>
+                </a:solidFill>
+                <a:effectLst/>
+                <a:latin typeface="Consolas" panose="020B0609020204030204" pitchFamily="49" charset="0"/>
+              </a:rPr>
+              <a:t>{</a:t>
+            </a:r>
+            <a:br>
+              <a:rPr lang="en-US" altLang="zh-TW" sz="2800" b="0" i="0" dirty="0">
+                <a:solidFill>
+                  <a:schemeClr val="accent4">
+                    <a:lumMod val="50000"/>
+                  </a:schemeClr>
+                </a:solidFill>
+                <a:effectLst/>
+                <a:latin typeface="Consolas" panose="020B0609020204030204" pitchFamily="49" charset="0"/>
+              </a:rPr>
+            </a:br>
+            <a:r>
+              <a:rPr lang="en-US" altLang="zh-TW" sz="2800" b="0" i="0" dirty="0">
+                <a:solidFill>
+                  <a:schemeClr val="accent4">
+                    <a:lumMod val="50000"/>
+                  </a:schemeClr>
+                </a:solidFill>
+                <a:effectLst/>
+                <a:latin typeface="Consolas" panose="020B0609020204030204" pitchFamily="49" charset="0"/>
+              </a:rPr>
+              <a:t>  color: red;</a:t>
+            </a:r>
+            <a:br>
+              <a:rPr lang="en-US" altLang="zh-TW" sz="2800" b="0" i="0" dirty="0">
+                <a:solidFill>
+                  <a:srgbClr val="FF0000"/>
+                </a:solidFill>
+                <a:effectLst/>
+                <a:latin typeface="Consolas" panose="020B0609020204030204" pitchFamily="49" charset="0"/>
+              </a:rPr>
+            </a:br>
+            <a:r>
+              <a:rPr lang="en-US" altLang="zh-TW" sz="2800" b="0" i="0" dirty="0">
+                <a:solidFill>
+                  <a:srgbClr val="000000"/>
+                </a:solidFill>
+                <a:effectLst/>
+                <a:latin typeface="Consolas" panose="020B0609020204030204" pitchFamily="49" charset="0"/>
+              </a:rPr>
+              <a:t>}</a:t>
+            </a:r>
+            <a:endParaRPr lang="en-US" altLang="zh-TW" sz="2800" b="1" dirty="0">
+              <a:solidFill>
+                <a:schemeClr val="accent5">
+                  <a:lumMod val="75000"/>
+                </a:schemeClr>
+              </a:solidFill>
+            </a:endParaRPr>
+          </a:p>
+          <a:p>
+            <a:r>
+              <a:rPr lang="en-US" altLang="zh-TW" sz="2800" b="1" dirty="0">
+                <a:solidFill>
+                  <a:schemeClr val="accent5">
+                    <a:lumMod val="75000"/>
+                  </a:schemeClr>
+                </a:solidFill>
+              </a:rPr>
+              <a:t>.textbox h1</a:t>
+            </a:r>
+            <a:r>
+              <a:rPr lang="en-US" altLang="zh-TW" sz="2800" b="0" i="0" dirty="0">
+                <a:solidFill>
+                  <a:srgbClr val="000000"/>
+                </a:solidFill>
+                <a:effectLst/>
+                <a:latin typeface="Consolas" panose="020B0609020204030204" pitchFamily="49" charset="0"/>
+              </a:rPr>
+              <a:t>{</a:t>
+            </a:r>
+            <a:br>
+              <a:rPr lang="en-US" altLang="zh-TW" sz="2800" b="0" i="0" dirty="0">
+                <a:solidFill>
+                  <a:schemeClr val="accent4">
+                    <a:lumMod val="50000"/>
+                  </a:schemeClr>
+                </a:solidFill>
+                <a:effectLst/>
+                <a:latin typeface="Consolas" panose="020B0609020204030204" pitchFamily="49" charset="0"/>
+              </a:rPr>
+            </a:br>
+            <a:r>
+              <a:rPr lang="en-US" altLang="zh-TW" sz="2800" b="0" i="0" dirty="0">
+                <a:solidFill>
+                  <a:schemeClr val="accent4">
+                    <a:lumMod val="50000"/>
+                  </a:schemeClr>
+                </a:solidFill>
+                <a:effectLst/>
+                <a:latin typeface="Consolas" panose="020B0609020204030204" pitchFamily="49" charset="0"/>
+              </a:rPr>
+              <a:t>  color: red;</a:t>
+            </a:r>
+            <a:br>
+              <a:rPr lang="en-US" altLang="zh-TW" sz="2800" b="0" i="0" dirty="0">
+                <a:solidFill>
+                  <a:srgbClr val="FF0000"/>
+                </a:solidFill>
+                <a:effectLst/>
+                <a:latin typeface="Consolas" panose="020B0609020204030204" pitchFamily="49" charset="0"/>
+              </a:rPr>
+            </a:br>
+            <a:r>
+              <a:rPr lang="en-US" altLang="zh-TW" sz="2800" b="0" i="0" dirty="0">
+                <a:solidFill>
+                  <a:srgbClr val="000000"/>
+                </a:solidFill>
+                <a:effectLst/>
+                <a:latin typeface="Consolas" panose="020B0609020204030204" pitchFamily="49" charset="0"/>
+              </a:rPr>
+              <a:t>}</a:t>
+            </a:r>
+            <a:endParaRPr lang="en-US" altLang="zh-TW" sz="2800" b="1" dirty="0">
+              <a:solidFill>
+                <a:schemeClr val="accent5">
+                  <a:lumMod val="75000"/>
+                </a:schemeClr>
+              </a:solidFill>
+            </a:endParaRPr>
+          </a:p>
+          <a:p>
+            <a:endParaRPr lang="zh-TW" altLang="en-US" b="1" dirty="0">
+              <a:solidFill>
+                <a:schemeClr val="accent5">
+                  <a:lumMod val="75000"/>
+                </a:schemeClr>
+              </a:solidFill>
+            </a:endParaRPr>
+          </a:p>
+        </p:txBody>
+      </p:sp>
+    </p:spTree>
+    <p:extLst>
+      <p:ext uri="{BB962C8B-B14F-4D97-AF65-F5344CB8AC3E}">
+        <p14:creationId xmlns:p14="http://schemas.microsoft.com/office/powerpoint/2010/main" val="3531409899"/>
+      </p:ext>
+    </p:extLst>
+  </p:cSld>
+  <p:clrMapOvr>
+    <a:masterClrMapping/>
+  </p:clrMapOvr>
+</p:sld>
+</file>
+
+<file path=ppt/slides/slide20.xml><?xml version="1.0" encoding="utf-8"?>
 <p:sld xmlns:a="http://schemas.openxmlformats.org/drawingml/2006/main" xmlns:r="http://schemas.openxmlformats.org/officeDocument/2006/relationships" xmlns:p="http://schemas.openxmlformats.org/presentationml/2006/main">
   <p:cSld>
     <p:spTree>
@@ -4920,7 +8344,7 @@
 </p:sld>
 </file>
 
-<file path=ppt/slides/slide3.xml><?xml version="1.0" encoding="utf-8"?>
+<file path=ppt/slides/slide21.xml><?xml version="1.0" encoding="utf-8"?>
 <p:sld xmlns:a="http://schemas.openxmlformats.org/drawingml/2006/main" xmlns:r="http://schemas.openxmlformats.org/officeDocument/2006/relationships" xmlns:p="http://schemas.openxmlformats.org/presentationml/2006/main">
   <p:cSld>
     <p:spTree>
@@ -6190,7 +9614,7 @@
                 </a:solidFill>
                 <a:latin typeface="Consolas" panose="020B0609020204030204" pitchFamily="49" charset="0"/>
               </a:rPr>
-              <a:t>&lt;h3&gt;</a:t>
+              <a:t>&lt;p&gt;</a:t>
             </a:r>
             <a:endParaRPr lang="zh-TW" altLang="en-US" b="1" dirty="0">
               <a:solidFill>
@@ -6375,6 +9799,1883 @@
     <p:extLst>
       <p:ext uri="{BB962C8B-B14F-4D97-AF65-F5344CB8AC3E}">
         <p14:creationId xmlns:p14="http://schemas.microsoft.com/office/powerpoint/2010/main" val="1958538395"/>
+      </p:ext>
+    </p:extLst>
+  </p:cSld>
+  <p:clrMapOvr>
+    <a:masterClrMapping/>
+  </p:clrMapOvr>
+</p:sld>
+</file>
+
+<file path=ppt/slides/slide22.xml><?xml version="1.0" encoding="utf-8"?>
+<p:sld xmlns:a="http://schemas.openxmlformats.org/drawingml/2006/main" xmlns:r="http://schemas.openxmlformats.org/officeDocument/2006/relationships" xmlns:p="http://schemas.openxmlformats.org/presentationml/2006/main">
+  <p:cSld>
+    <p:spTree>
+      <p:nvGrpSpPr>
+        <p:cNvPr id="1" name=""/>
+        <p:cNvGrpSpPr/>
+        <p:nvPr/>
+      </p:nvGrpSpPr>
+      <p:grpSpPr>
+        <a:xfrm>
+          <a:off x="0" y="0"/>
+          <a:ext cx="0" cy="0"/>
+          <a:chOff x="0" y="0"/>
+          <a:chExt cx="0" cy="0"/>
+        </a:xfrm>
+      </p:grpSpPr>
+      <p:pic>
+        <p:nvPicPr>
+          <p:cNvPr id="4" name="圖片 3">
+            <a:extLst>
+              <a:ext uri="{FF2B5EF4-FFF2-40B4-BE49-F238E27FC236}">
+                <a16:creationId xmlns:a16="http://schemas.microsoft.com/office/drawing/2014/main" id="{4761CD85-F47B-495B-89A3-27AC987B6C75}"/>
+              </a:ext>
+            </a:extLst>
+          </p:cNvPr>
+          <p:cNvPicPr>
+            <a:picLocks noChangeAspect="1"/>
+          </p:cNvPicPr>
+          <p:nvPr/>
+        </p:nvPicPr>
+        <p:blipFill>
+          <a:blip r:embed="rId2"/>
+          <a:stretch>
+            <a:fillRect/>
+          </a:stretch>
+        </p:blipFill>
+        <p:spPr>
+          <a:xfrm>
+            <a:off x="0" y="461295"/>
+            <a:ext cx="12192000" cy="5935410"/>
+          </a:xfrm>
+          <a:prstGeom prst="rect">
+            <a:avLst/>
+          </a:prstGeom>
+        </p:spPr>
+      </p:pic>
+      <p:sp>
+        <p:nvSpPr>
+          <p:cNvPr id="7" name="矩形 6">
+            <a:extLst>
+              <a:ext uri="{FF2B5EF4-FFF2-40B4-BE49-F238E27FC236}">
+                <a16:creationId xmlns:a16="http://schemas.microsoft.com/office/drawing/2014/main" id="{2B05ECD0-57BF-482C-8031-B8156B060B8E}"/>
+              </a:ext>
+            </a:extLst>
+          </p:cNvPr>
+          <p:cNvSpPr/>
+          <p:nvPr/>
+        </p:nvSpPr>
+        <p:spPr>
+          <a:xfrm>
+            <a:off x="0" y="436405"/>
+            <a:ext cx="12192000" cy="5987393"/>
+          </a:xfrm>
+          <a:prstGeom prst="rect">
+            <a:avLst/>
+          </a:prstGeom>
+          <a:noFill/>
+          <a:ln w="57150" cap="flat" cmpd="sng" algn="ctr">
+            <a:solidFill>
+              <a:schemeClr val="accent4"/>
+            </a:solidFill>
+            <a:prstDash val="solid"/>
+            <a:round/>
+            <a:headEnd type="none" w="med" len="med"/>
+            <a:tailEnd type="none" w="med" len="med"/>
+          </a:ln>
+        </p:spPr>
+        <p:style>
+          <a:lnRef idx="0">
+            <a:scrgbClr r="0" g="0" b="0"/>
+          </a:lnRef>
+          <a:fillRef idx="0">
+            <a:scrgbClr r="0" g="0" b="0"/>
+          </a:fillRef>
+          <a:effectRef idx="0">
+            <a:scrgbClr r="0" g="0" b="0"/>
+          </a:effectRef>
+          <a:fontRef idx="minor">
+            <a:schemeClr val="accent4"/>
+          </a:fontRef>
+        </p:style>
+        <p:txBody>
+          <a:bodyPr rtlCol="0" anchor="ctr"/>
+          <a:lstStyle/>
+          <a:p>
+            <a:pPr algn="ctr"/>
+            <a:endParaRPr lang="zh-TW" altLang="en-US"/>
+          </a:p>
+        </p:txBody>
+      </p:sp>
+      <p:sp>
+        <p:nvSpPr>
+          <p:cNvPr id="8" name="矩形 7">
+            <a:extLst>
+              <a:ext uri="{FF2B5EF4-FFF2-40B4-BE49-F238E27FC236}">
+                <a16:creationId xmlns:a16="http://schemas.microsoft.com/office/drawing/2014/main" id="{12A98034-8F6C-45D7-9292-03B2C2EDC31F}"/>
+              </a:ext>
+            </a:extLst>
+          </p:cNvPr>
+          <p:cNvSpPr/>
+          <p:nvPr/>
+        </p:nvSpPr>
+        <p:spPr>
+          <a:xfrm>
+            <a:off x="4577450" y="1330700"/>
+            <a:ext cx="3066001" cy="4270000"/>
+          </a:xfrm>
+          <a:prstGeom prst="rect">
+            <a:avLst/>
+          </a:prstGeom>
+          <a:noFill/>
+          <a:ln w="57150" cap="flat" cmpd="sng" algn="ctr">
+            <a:solidFill>
+              <a:schemeClr val="accent6"/>
+            </a:solidFill>
+            <a:prstDash val="solid"/>
+            <a:round/>
+            <a:headEnd type="none" w="med" len="med"/>
+            <a:tailEnd type="none" w="med" len="med"/>
+          </a:ln>
+        </p:spPr>
+        <p:style>
+          <a:lnRef idx="0">
+            <a:scrgbClr r="0" g="0" b="0"/>
+          </a:lnRef>
+          <a:fillRef idx="0">
+            <a:scrgbClr r="0" g="0" b="0"/>
+          </a:fillRef>
+          <a:effectRef idx="0">
+            <a:scrgbClr r="0" g="0" b="0"/>
+          </a:effectRef>
+          <a:fontRef idx="minor">
+            <a:schemeClr val="accent6"/>
+          </a:fontRef>
+        </p:style>
+        <p:txBody>
+          <a:bodyPr rtlCol="0" anchor="ctr"/>
+          <a:lstStyle/>
+          <a:p>
+            <a:pPr algn="ctr"/>
+            <a:endParaRPr lang="zh-TW" altLang="en-US"/>
+          </a:p>
+        </p:txBody>
+      </p:sp>
+      <p:sp>
+        <p:nvSpPr>
+          <p:cNvPr id="9" name="矩形 8">
+            <a:extLst>
+              <a:ext uri="{FF2B5EF4-FFF2-40B4-BE49-F238E27FC236}">
+                <a16:creationId xmlns:a16="http://schemas.microsoft.com/office/drawing/2014/main" id="{06AE2311-5E4F-4CFC-8B20-CFD6A576856C}"/>
+              </a:ext>
+            </a:extLst>
+          </p:cNvPr>
+          <p:cNvSpPr/>
+          <p:nvPr/>
+        </p:nvSpPr>
+        <p:spPr>
+          <a:xfrm>
+            <a:off x="4637917" y="1493621"/>
+            <a:ext cx="2913256" cy="795615"/>
+          </a:xfrm>
+          <a:prstGeom prst="rect">
+            <a:avLst/>
+          </a:prstGeom>
+          <a:noFill/>
+          <a:ln w="38100" cap="flat" cmpd="sng" algn="ctr">
+            <a:solidFill>
+              <a:schemeClr val="accent2">
+                <a:lumMod val="50000"/>
+              </a:schemeClr>
+            </a:solidFill>
+            <a:prstDash val="solid"/>
+            <a:round/>
+            <a:headEnd type="none" w="med" len="med"/>
+            <a:tailEnd type="none" w="med" len="med"/>
+          </a:ln>
+        </p:spPr>
+        <p:style>
+          <a:lnRef idx="0">
+            <a:scrgbClr r="0" g="0" b="0"/>
+          </a:lnRef>
+          <a:fillRef idx="0">
+            <a:scrgbClr r="0" g="0" b="0"/>
+          </a:fillRef>
+          <a:effectRef idx="0">
+            <a:scrgbClr r="0" g="0" b="0"/>
+          </a:effectRef>
+          <a:fontRef idx="minor">
+            <a:schemeClr val="accent2"/>
+          </a:fontRef>
+        </p:style>
+        <p:txBody>
+          <a:bodyPr rtlCol="0" anchor="ctr"/>
+          <a:lstStyle/>
+          <a:p>
+            <a:pPr algn="ctr"/>
+            <a:endParaRPr lang="zh-TW" altLang="en-US"/>
+          </a:p>
+        </p:txBody>
+      </p:sp>
+      <p:sp>
+        <p:nvSpPr>
+          <p:cNvPr id="10" name="矩形 9">
+            <a:extLst>
+              <a:ext uri="{FF2B5EF4-FFF2-40B4-BE49-F238E27FC236}">
+                <a16:creationId xmlns:a16="http://schemas.microsoft.com/office/drawing/2014/main" id="{01CC15D9-3813-4B3A-AC00-A86795DC5A89}"/>
+              </a:ext>
+            </a:extLst>
+          </p:cNvPr>
+          <p:cNvSpPr/>
+          <p:nvPr/>
+        </p:nvSpPr>
+        <p:spPr>
+          <a:xfrm>
+            <a:off x="4798357" y="2376702"/>
+            <a:ext cx="2577803" cy="1291518"/>
+          </a:xfrm>
+          <a:prstGeom prst="rect">
+            <a:avLst/>
+          </a:prstGeom>
+          <a:noFill/>
+          <a:ln w="38100" cap="flat" cmpd="sng" algn="ctr">
+            <a:solidFill>
+              <a:schemeClr val="accent2"/>
+            </a:solidFill>
+            <a:prstDash val="solid"/>
+            <a:round/>
+            <a:headEnd type="none" w="med" len="med"/>
+            <a:tailEnd type="none" w="med" len="med"/>
+          </a:ln>
+        </p:spPr>
+        <p:style>
+          <a:lnRef idx="0">
+            <a:scrgbClr r="0" g="0" b="0"/>
+          </a:lnRef>
+          <a:fillRef idx="0">
+            <a:scrgbClr r="0" g="0" b="0"/>
+          </a:fillRef>
+          <a:effectRef idx="0">
+            <a:scrgbClr r="0" g="0" b="0"/>
+          </a:effectRef>
+          <a:fontRef idx="minor">
+            <a:schemeClr val="accent2"/>
+          </a:fontRef>
+        </p:style>
+        <p:txBody>
+          <a:bodyPr rtlCol="0" anchor="ctr"/>
+          <a:lstStyle/>
+          <a:p>
+            <a:pPr algn="ctr"/>
+            <a:endParaRPr lang="zh-TW" altLang="en-US"/>
+          </a:p>
+        </p:txBody>
+      </p:sp>
+      <p:sp>
+        <p:nvSpPr>
+          <p:cNvPr id="11" name="矩形 10">
+            <a:extLst>
+              <a:ext uri="{FF2B5EF4-FFF2-40B4-BE49-F238E27FC236}">
+                <a16:creationId xmlns:a16="http://schemas.microsoft.com/office/drawing/2014/main" id="{4871DE42-D201-4D81-AFC4-12B79D154C51}"/>
+              </a:ext>
+            </a:extLst>
+          </p:cNvPr>
+          <p:cNvSpPr/>
+          <p:nvPr/>
+        </p:nvSpPr>
+        <p:spPr>
+          <a:xfrm>
+            <a:off x="4800974" y="3728770"/>
+            <a:ext cx="2503503" cy="398344"/>
+          </a:xfrm>
+          <a:prstGeom prst="rect">
+            <a:avLst/>
+          </a:prstGeom>
+          <a:noFill/>
+          <a:ln w="38100" cap="flat" cmpd="sng" algn="ctr">
+            <a:solidFill>
+              <a:srgbClr val="92D050"/>
+            </a:solidFill>
+            <a:prstDash val="solid"/>
+            <a:round/>
+            <a:headEnd type="none" w="med" len="med"/>
+            <a:tailEnd type="none" w="med" len="med"/>
+          </a:ln>
+        </p:spPr>
+        <p:style>
+          <a:lnRef idx="0">
+            <a:scrgbClr r="0" g="0" b="0"/>
+          </a:lnRef>
+          <a:fillRef idx="0">
+            <a:scrgbClr r="0" g="0" b="0"/>
+          </a:fillRef>
+          <a:effectRef idx="0">
+            <a:scrgbClr r="0" g="0" b="0"/>
+          </a:effectRef>
+          <a:fontRef idx="minor">
+            <a:schemeClr val="accent2"/>
+          </a:fontRef>
+        </p:style>
+        <p:txBody>
+          <a:bodyPr rtlCol="0" anchor="ctr"/>
+          <a:lstStyle/>
+          <a:p>
+            <a:pPr algn="ctr"/>
+            <a:endParaRPr lang="zh-TW" altLang="en-US"/>
+          </a:p>
+        </p:txBody>
+      </p:sp>
+      <p:sp>
+        <p:nvSpPr>
+          <p:cNvPr id="12" name="矩形 11">
+            <a:extLst>
+              <a:ext uri="{FF2B5EF4-FFF2-40B4-BE49-F238E27FC236}">
+                <a16:creationId xmlns:a16="http://schemas.microsoft.com/office/drawing/2014/main" id="{76F81B3E-A296-4EB8-ADFE-2E929DE05C88}"/>
+              </a:ext>
+            </a:extLst>
+          </p:cNvPr>
+          <p:cNvSpPr/>
+          <p:nvPr/>
+        </p:nvSpPr>
+        <p:spPr>
+          <a:xfrm>
+            <a:off x="4668945" y="4855152"/>
+            <a:ext cx="2811231" cy="509227"/>
+          </a:xfrm>
+          <a:prstGeom prst="rect">
+            <a:avLst/>
+          </a:prstGeom>
+          <a:noFill/>
+          <a:ln w="38100" cap="flat" cmpd="sng" algn="ctr">
+            <a:solidFill>
+              <a:schemeClr val="accent1">
+                <a:lumMod val="60000"/>
+                <a:lumOff val="40000"/>
+              </a:schemeClr>
+            </a:solidFill>
+            <a:prstDash val="solid"/>
+            <a:round/>
+            <a:headEnd type="none" w="med" len="med"/>
+            <a:tailEnd type="none" w="med" len="med"/>
+          </a:ln>
+        </p:spPr>
+        <p:style>
+          <a:lnRef idx="0">
+            <a:scrgbClr r="0" g="0" b="0"/>
+          </a:lnRef>
+          <a:fillRef idx="0">
+            <a:scrgbClr r="0" g="0" b="0"/>
+          </a:fillRef>
+          <a:effectRef idx="0">
+            <a:scrgbClr r="0" g="0" b="0"/>
+          </a:effectRef>
+          <a:fontRef idx="minor">
+            <a:schemeClr val="accent2"/>
+          </a:fontRef>
+        </p:style>
+        <p:txBody>
+          <a:bodyPr rtlCol="0" anchor="ctr"/>
+          <a:lstStyle/>
+          <a:p>
+            <a:pPr algn="ctr"/>
+            <a:endParaRPr lang="zh-TW" altLang="en-US"/>
+          </a:p>
+        </p:txBody>
+      </p:sp>
+      <p:sp>
+        <p:nvSpPr>
+          <p:cNvPr id="13" name="箭號: 向右 12">
+            <a:extLst>
+              <a:ext uri="{FF2B5EF4-FFF2-40B4-BE49-F238E27FC236}">
+                <a16:creationId xmlns:a16="http://schemas.microsoft.com/office/drawing/2014/main" id="{926ABE8C-D314-4284-BFDF-CF2EC1226469}"/>
+              </a:ext>
+            </a:extLst>
+          </p:cNvPr>
+          <p:cNvSpPr/>
+          <p:nvPr/>
+        </p:nvSpPr>
+        <p:spPr>
+          <a:xfrm>
+            <a:off x="7691638" y="1715417"/>
+            <a:ext cx="2512380" cy="312851"/>
+          </a:xfrm>
+          <a:prstGeom prst="rightArrow">
+            <a:avLst/>
+          </a:prstGeom>
+        </p:spPr>
+        <p:style>
+          <a:lnRef idx="2">
+            <a:schemeClr val="accent2">
+              <a:shade val="50000"/>
+            </a:schemeClr>
+          </a:lnRef>
+          <a:fillRef idx="1">
+            <a:schemeClr val="accent2"/>
+          </a:fillRef>
+          <a:effectRef idx="0">
+            <a:schemeClr val="accent2"/>
+          </a:effectRef>
+          <a:fontRef idx="minor">
+            <a:schemeClr val="lt1"/>
+          </a:fontRef>
+        </p:style>
+        <p:txBody>
+          <a:bodyPr rtlCol="0" anchor="ctr"/>
+          <a:lstStyle/>
+          <a:p>
+            <a:pPr algn="ctr"/>
+            <a:endParaRPr lang="zh-TW" altLang="en-US"/>
+          </a:p>
+        </p:txBody>
+      </p:sp>
+      <p:sp>
+        <p:nvSpPr>
+          <p:cNvPr id="14" name="矩形 13">
+            <a:extLst>
+              <a:ext uri="{FF2B5EF4-FFF2-40B4-BE49-F238E27FC236}">
+                <a16:creationId xmlns:a16="http://schemas.microsoft.com/office/drawing/2014/main" id="{9D47E372-3191-418A-BEA4-94773BE8892E}"/>
+              </a:ext>
+            </a:extLst>
+          </p:cNvPr>
+          <p:cNvSpPr/>
+          <p:nvPr/>
+        </p:nvSpPr>
+        <p:spPr>
+          <a:xfrm>
+            <a:off x="4629729" y="2348737"/>
+            <a:ext cx="2913256" cy="2421521"/>
+          </a:xfrm>
+          <a:prstGeom prst="rect">
+            <a:avLst/>
+          </a:prstGeom>
+          <a:noFill/>
+          <a:ln w="38100" cap="flat" cmpd="sng" algn="ctr">
+            <a:solidFill>
+              <a:schemeClr val="accent5"/>
+            </a:solidFill>
+            <a:prstDash val="solid"/>
+            <a:round/>
+            <a:headEnd type="none" w="med" len="med"/>
+            <a:tailEnd type="none" w="med" len="med"/>
+          </a:ln>
+        </p:spPr>
+        <p:style>
+          <a:lnRef idx="0">
+            <a:scrgbClr r="0" g="0" b="0"/>
+          </a:lnRef>
+          <a:fillRef idx="0">
+            <a:scrgbClr r="0" g="0" b="0"/>
+          </a:fillRef>
+          <a:effectRef idx="0">
+            <a:scrgbClr r="0" g="0" b="0"/>
+          </a:effectRef>
+          <a:fontRef idx="minor">
+            <a:schemeClr val="accent5"/>
+          </a:fontRef>
+        </p:style>
+        <p:txBody>
+          <a:bodyPr rtlCol="0" anchor="ctr"/>
+          <a:lstStyle/>
+          <a:p>
+            <a:pPr algn="ctr"/>
+            <a:endParaRPr lang="zh-TW" altLang="en-US"/>
+          </a:p>
+        </p:txBody>
+      </p:sp>
+      <p:sp>
+        <p:nvSpPr>
+          <p:cNvPr id="15" name="箭號: 向下 14">
+            <a:extLst>
+              <a:ext uri="{FF2B5EF4-FFF2-40B4-BE49-F238E27FC236}">
+                <a16:creationId xmlns:a16="http://schemas.microsoft.com/office/drawing/2014/main" id="{C4CE58DE-4249-422D-AEA9-5A277612708E}"/>
+              </a:ext>
+            </a:extLst>
+          </p:cNvPr>
+          <p:cNvSpPr/>
+          <p:nvPr/>
+        </p:nvSpPr>
+        <p:spPr>
+          <a:xfrm>
+            <a:off x="4097792" y="2503205"/>
+            <a:ext cx="346229" cy="2370338"/>
+          </a:xfrm>
+          <a:prstGeom prst="downArrow">
+            <a:avLst/>
+          </a:prstGeom>
+        </p:spPr>
+        <p:style>
+          <a:lnRef idx="2">
+            <a:schemeClr val="accent5">
+              <a:shade val="50000"/>
+            </a:schemeClr>
+          </a:lnRef>
+          <a:fillRef idx="1">
+            <a:schemeClr val="accent5"/>
+          </a:fillRef>
+          <a:effectRef idx="0">
+            <a:schemeClr val="accent5"/>
+          </a:effectRef>
+          <a:fontRef idx="minor">
+            <a:schemeClr val="lt1"/>
+          </a:fontRef>
+        </p:style>
+        <p:txBody>
+          <a:bodyPr rtlCol="0" anchor="ctr"/>
+          <a:lstStyle/>
+          <a:p>
+            <a:pPr algn="ctr"/>
+            <a:endParaRPr lang="zh-TW" altLang="en-US"/>
+          </a:p>
+        </p:txBody>
+      </p:sp>
+      <p:sp>
+        <p:nvSpPr>
+          <p:cNvPr id="16" name="箭號: 向右 15">
+            <a:extLst>
+              <a:ext uri="{FF2B5EF4-FFF2-40B4-BE49-F238E27FC236}">
+                <a16:creationId xmlns:a16="http://schemas.microsoft.com/office/drawing/2014/main" id="{22B8E6D9-B6F2-489C-8DB9-E24A53A45825}"/>
+              </a:ext>
+            </a:extLst>
+          </p:cNvPr>
+          <p:cNvSpPr/>
+          <p:nvPr/>
+        </p:nvSpPr>
+        <p:spPr>
+          <a:xfrm>
+            <a:off x="3951728" y="5367732"/>
+            <a:ext cx="2512380" cy="312851"/>
+          </a:xfrm>
+          <a:prstGeom prst="rightArrow">
+            <a:avLst/>
+          </a:prstGeom>
+        </p:spPr>
+        <p:style>
+          <a:lnRef idx="2">
+            <a:schemeClr val="accent1">
+              <a:shade val="50000"/>
+            </a:schemeClr>
+          </a:lnRef>
+          <a:fillRef idx="1">
+            <a:schemeClr val="accent1"/>
+          </a:fillRef>
+          <a:effectRef idx="0">
+            <a:schemeClr val="accent1"/>
+          </a:effectRef>
+          <a:fontRef idx="minor">
+            <a:schemeClr val="lt1"/>
+          </a:fontRef>
+        </p:style>
+        <p:txBody>
+          <a:bodyPr rtlCol="0" anchor="ctr"/>
+          <a:lstStyle/>
+          <a:p>
+            <a:pPr algn="ctr"/>
+            <a:endParaRPr lang="zh-TW" altLang="en-US"/>
+          </a:p>
+        </p:txBody>
+      </p:sp>
+      <p:sp>
+        <p:nvSpPr>
+          <p:cNvPr id="17" name="文字方塊 16">
+            <a:extLst>
+              <a:ext uri="{FF2B5EF4-FFF2-40B4-BE49-F238E27FC236}">
+                <a16:creationId xmlns:a16="http://schemas.microsoft.com/office/drawing/2014/main" id="{03B3225A-00CB-445F-BF66-506BB81C3D7A}"/>
+              </a:ext>
+            </a:extLst>
+          </p:cNvPr>
+          <p:cNvSpPr txBox="1"/>
+          <p:nvPr/>
+        </p:nvSpPr>
+        <p:spPr>
+          <a:xfrm>
+            <a:off x="1393794" y="434202"/>
+            <a:ext cx="1410366" cy="369332"/>
+          </a:xfrm>
+          <a:prstGeom prst="rect">
+            <a:avLst/>
+          </a:prstGeom>
+          <a:noFill/>
+        </p:spPr>
+        <p:txBody>
+          <a:bodyPr wrap="square" rtlCol="0">
+            <a:spAutoFit/>
+          </a:bodyPr>
+          <a:lstStyle/>
+          <a:p>
+            <a:r>
+              <a:rPr lang="en-US" altLang="zh-TW" b="1" dirty="0">
+                <a:solidFill>
+                  <a:schemeClr val="accent4">
+                    <a:lumMod val="75000"/>
+                  </a:schemeClr>
+                </a:solidFill>
+                <a:latin typeface="Consolas" panose="020B0609020204030204" pitchFamily="49" charset="0"/>
+              </a:rPr>
+              <a:t>&lt;wrapper&gt;</a:t>
+            </a:r>
+            <a:endParaRPr lang="zh-TW" altLang="en-US" b="1" dirty="0">
+              <a:solidFill>
+                <a:schemeClr val="accent4">
+                  <a:lumMod val="75000"/>
+                </a:schemeClr>
+              </a:solidFill>
+              <a:latin typeface="Consolas" panose="020B0609020204030204" pitchFamily="49" charset="0"/>
+            </a:endParaRPr>
+          </a:p>
+        </p:txBody>
+      </p:sp>
+      <p:sp>
+        <p:nvSpPr>
+          <p:cNvPr id="18" name="文字方塊 17">
+            <a:extLst>
+              <a:ext uri="{FF2B5EF4-FFF2-40B4-BE49-F238E27FC236}">
+                <a16:creationId xmlns:a16="http://schemas.microsoft.com/office/drawing/2014/main" id="{E378A667-025D-41C5-9A18-99BF643ED81D}"/>
+              </a:ext>
+            </a:extLst>
+          </p:cNvPr>
+          <p:cNvSpPr txBox="1"/>
+          <p:nvPr/>
+        </p:nvSpPr>
+        <p:spPr>
+          <a:xfrm>
+            <a:off x="3670633" y="1245530"/>
+            <a:ext cx="1410366" cy="369332"/>
+          </a:xfrm>
+          <a:prstGeom prst="rect">
+            <a:avLst/>
+          </a:prstGeom>
+          <a:noFill/>
+        </p:spPr>
+        <p:txBody>
+          <a:bodyPr wrap="square" rtlCol="0">
+            <a:spAutoFit/>
+          </a:bodyPr>
+          <a:lstStyle/>
+          <a:p>
+            <a:r>
+              <a:rPr lang="en-US" altLang="zh-TW" b="1" dirty="0">
+                <a:solidFill>
+                  <a:schemeClr val="accent6">
+                    <a:lumMod val="75000"/>
+                  </a:schemeClr>
+                </a:solidFill>
+                <a:latin typeface="Consolas" panose="020B0609020204030204" pitchFamily="49" charset="0"/>
+              </a:rPr>
+              <a:t>&lt;main&gt;</a:t>
+            </a:r>
+            <a:endParaRPr lang="zh-TW" altLang="en-US" b="1" dirty="0">
+              <a:solidFill>
+                <a:schemeClr val="accent6">
+                  <a:lumMod val="75000"/>
+                </a:schemeClr>
+              </a:solidFill>
+              <a:latin typeface="Consolas" panose="020B0609020204030204" pitchFamily="49" charset="0"/>
+            </a:endParaRPr>
+          </a:p>
+        </p:txBody>
+      </p:sp>
+      <p:sp>
+        <p:nvSpPr>
+          <p:cNvPr id="19" name="文字方塊 18">
+            <a:extLst>
+              <a:ext uri="{FF2B5EF4-FFF2-40B4-BE49-F238E27FC236}">
+                <a16:creationId xmlns:a16="http://schemas.microsoft.com/office/drawing/2014/main" id="{F4A565C9-D169-4193-9D80-FB616798EBAD}"/>
+              </a:ext>
+            </a:extLst>
+          </p:cNvPr>
+          <p:cNvSpPr txBox="1"/>
+          <p:nvPr/>
+        </p:nvSpPr>
+        <p:spPr>
+          <a:xfrm>
+            <a:off x="3228475" y="1716363"/>
+            <a:ext cx="1211605" cy="369332"/>
+          </a:xfrm>
+          <a:prstGeom prst="rect">
+            <a:avLst/>
+          </a:prstGeom>
+          <a:noFill/>
+        </p:spPr>
+        <p:txBody>
+          <a:bodyPr wrap="square" rtlCol="0">
+            <a:spAutoFit/>
+          </a:bodyPr>
+          <a:lstStyle/>
+          <a:p>
+            <a:r>
+              <a:rPr lang="en-US" altLang="zh-TW" b="1" dirty="0">
+                <a:solidFill>
+                  <a:schemeClr val="accent2">
+                    <a:lumMod val="50000"/>
+                  </a:schemeClr>
+                </a:solidFill>
+                <a:latin typeface="Consolas" panose="020B0609020204030204" pitchFamily="49" charset="0"/>
+              </a:rPr>
+              <a:t>&lt;header&gt;</a:t>
+            </a:r>
+            <a:endParaRPr lang="zh-TW" altLang="en-US" b="1" dirty="0">
+              <a:solidFill>
+                <a:schemeClr val="accent2">
+                  <a:lumMod val="50000"/>
+                </a:schemeClr>
+              </a:solidFill>
+              <a:latin typeface="Consolas" panose="020B0609020204030204" pitchFamily="49" charset="0"/>
+            </a:endParaRPr>
+          </a:p>
+        </p:txBody>
+      </p:sp>
+      <p:sp>
+        <p:nvSpPr>
+          <p:cNvPr id="20" name="文字方塊 19">
+            <a:extLst>
+              <a:ext uri="{FF2B5EF4-FFF2-40B4-BE49-F238E27FC236}">
+                <a16:creationId xmlns:a16="http://schemas.microsoft.com/office/drawing/2014/main" id="{AD915330-E2AC-44B2-8EF6-B14DF8689FEA}"/>
+              </a:ext>
+            </a:extLst>
+          </p:cNvPr>
+          <p:cNvSpPr txBox="1"/>
+          <p:nvPr/>
+        </p:nvSpPr>
+        <p:spPr>
+          <a:xfrm>
+            <a:off x="3118897" y="2669898"/>
+            <a:ext cx="1410366" cy="369332"/>
+          </a:xfrm>
+          <a:prstGeom prst="rect">
+            <a:avLst/>
+          </a:prstGeom>
+          <a:noFill/>
+        </p:spPr>
+        <p:txBody>
+          <a:bodyPr wrap="square" rtlCol="0">
+            <a:spAutoFit/>
+          </a:bodyPr>
+          <a:lstStyle/>
+          <a:p>
+            <a:r>
+              <a:rPr lang="en-US" altLang="zh-TW" b="1" dirty="0">
+                <a:solidFill>
+                  <a:schemeClr val="accent5">
+                    <a:lumMod val="75000"/>
+                  </a:schemeClr>
+                </a:solidFill>
+                <a:latin typeface="Consolas" panose="020B0609020204030204" pitchFamily="49" charset="0"/>
+              </a:rPr>
+              <a:t>&lt;section&gt;</a:t>
+            </a:r>
+            <a:endParaRPr lang="zh-TW" altLang="en-US" b="1" dirty="0">
+              <a:solidFill>
+                <a:schemeClr val="accent5">
+                  <a:lumMod val="75000"/>
+                </a:schemeClr>
+              </a:solidFill>
+              <a:latin typeface="Consolas" panose="020B0609020204030204" pitchFamily="49" charset="0"/>
+            </a:endParaRPr>
+          </a:p>
+        </p:txBody>
+      </p:sp>
+      <p:sp>
+        <p:nvSpPr>
+          <p:cNvPr id="21" name="矩形 20">
+            <a:extLst>
+              <a:ext uri="{FF2B5EF4-FFF2-40B4-BE49-F238E27FC236}">
+                <a16:creationId xmlns:a16="http://schemas.microsoft.com/office/drawing/2014/main" id="{2B751F9B-1071-4546-B74B-564FC993E221}"/>
+              </a:ext>
+            </a:extLst>
+          </p:cNvPr>
+          <p:cNvSpPr/>
+          <p:nvPr/>
+        </p:nvSpPr>
+        <p:spPr>
+          <a:xfrm>
+            <a:off x="4800974" y="4142067"/>
+            <a:ext cx="2512785" cy="247254"/>
+          </a:xfrm>
+          <a:prstGeom prst="rect">
+            <a:avLst/>
+          </a:prstGeom>
+          <a:noFill/>
+          <a:ln w="38100" cap="flat" cmpd="sng" algn="ctr">
+            <a:solidFill>
+              <a:srgbClr val="92D050"/>
+            </a:solidFill>
+            <a:prstDash val="solid"/>
+            <a:round/>
+            <a:headEnd type="none" w="med" len="med"/>
+            <a:tailEnd type="none" w="med" len="med"/>
+          </a:ln>
+        </p:spPr>
+        <p:style>
+          <a:lnRef idx="0">
+            <a:scrgbClr r="0" g="0" b="0"/>
+          </a:lnRef>
+          <a:fillRef idx="0">
+            <a:scrgbClr r="0" g="0" b="0"/>
+          </a:fillRef>
+          <a:effectRef idx="0">
+            <a:scrgbClr r="0" g="0" b="0"/>
+          </a:effectRef>
+          <a:fontRef idx="minor">
+            <a:schemeClr val="accent2"/>
+          </a:fontRef>
+        </p:style>
+        <p:txBody>
+          <a:bodyPr rtlCol="0" anchor="ctr"/>
+          <a:lstStyle/>
+          <a:p>
+            <a:pPr algn="ctr"/>
+            <a:endParaRPr lang="zh-TW" altLang="en-US"/>
+          </a:p>
+        </p:txBody>
+      </p:sp>
+      <p:sp>
+        <p:nvSpPr>
+          <p:cNvPr id="22" name="矩形 21">
+            <a:extLst>
+              <a:ext uri="{FF2B5EF4-FFF2-40B4-BE49-F238E27FC236}">
+                <a16:creationId xmlns:a16="http://schemas.microsoft.com/office/drawing/2014/main" id="{87F1511B-B31E-49DE-A9BF-94BBE46E7B7C}"/>
+              </a:ext>
+            </a:extLst>
+          </p:cNvPr>
+          <p:cNvSpPr/>
+          <p:nvPr/>
+        </p:nvSpPr>
+        <p:spPr>
+          <a:xfrm>
+            <a:off x="4800974" y="4355018"/>
+            <a:ext cx="2503503" cy="247254"/>
+          </a:xfrm>
+          <a:prstGeom prst="rect">
+            <a:avLst/>
+          </a:prstGeom>
+          <a:noFill/>
+          <a:ln w="38100" cap="flat" cmpd="sng" algn="ctr">
+            <a:solidFill>
+              <a:srgbClr val="92D050"/>
+            </a:solidFill>
+            <a:prstDash val="solid"/>
+            <a:round/>
+            <a:headEnd type="none" w="med" len="med"/>
+            <a:tailEnd type="none" w="med" len="med"/>
+          </a:ln>
+        </p:spPr>
+        <p:style>
+          <a:lnRef idx="0">
+            <a:scrgbClr r="0" g="0" b="0"/>
+          </a:lnRef>
+          <a:fillRef idx="0">
+            <a:scrgbClr r="0" g="0" b="0"/>
+          </a:fillRef>
+          <a:effectRef idx="0">
+            <a:scrgbClr r="0" g="0" b="0"/>
+          </a:effectRef>
+          <a:fontRef idx="minor">
+            <a:schemeClr val="accent2"/>
+          </a:fontRef>
+        </p:style>
+        <p:txBody>
+          <a:bodyPr rtlCol="0" anchor="ctr"/>
+          <a:lstStyle/>
+          <a:p>
+            <a:pPr algn="ctr"/>
+            <a:endParaRPr lang="zh-TW" altLang="en-US"/>
+          </a:p>
+        </p:txBody>
+      </p:sp>
+      <p:sp>
+        <p:nvSpPr>
+          <p:cNvPr id="23" name="矩形 22">
+            <a:extLst>
+              <a:ext uri="{FF2B5EF4-FFF2-40B4-BE49-F238E27FC236}">
+                <a16:creationId xmlns:a16="http://schemas.microsoft.com/office/drawing/2014/main" id="{194864CD-6CB8-417C-B762-F40515E9642F}"/>
+              </a:ext>
+            </a:extLst>
+          </p:cNvPr>
+          <p:cNvSpPr/>
+          <p:nvPr/>
+        </p:nvSpPr>
+        <p:spPr>
+          <a:xfrm>
+            <a:off x="4879266" y="1607332"/>
+            <a:ext cx="2496894" cy="347435"/>
+          </a:xfrm>
+          <a:prstGeom prst="rect">
+            <a:avLst/>
+          </a:prstGeom>
+          <a:noFill/>
+          <a:ln w="38100" cap="flat" cmpd="sng" algn="ctr">
+            <a:solidFill>
+              <a:srgbClr val="FFC000"/>
+            </a:solidFill>
+            <a:prstDash val="solid"/>
+            <a:round/>
+            <a:headEnd type="none" w="med" len="med"/>
+            <a:tailEnd type="none" w="med" len="med"/>
+          </a:ln>
+        </p:spPr>
+        <p:style>
+          <a:lnRef idx="0">
+            <a:scrgbClr r="0" g="0" b="0"/>
+          </a:lnRef>
+          <a:fillRef idx="0">
+            <a:scrgbClr r="0" g="0" b="0"/>
+          </a:fillRef>
+          <a:effectRef idx="0">
+            <a:scrgbClr r="0" g="0" b="0"/>
+          </a:effectRef>
+          <a:fontRef idx="minor">
+            <a:schemeClr val="accent2"/>
+          </a:fontRef>
+        </p:style>
+        <p:txBody>
+          <a:bodyPr rtlCol="0" anchor="ctr"/>
+          <a:lstStyle/>
+          <a:p>
+            <a:pPr algn="ctr"/>
+            <a:endParaRPr lang="zh-TW" altLang="en-US"/>
+          </a:p>
+        </p:txBody>
+      </p:sp>
+      <p:sp>
+        <p:nvSpPr>
+          <p:cNvPr id="24" name="矩形 23">
+            <a:extLst>
+              <a:ext uri="{FF2B5EF4-FFF2-40B4-BE49-F238E27FC236}">
+                <a16:creationId xmlns:a16="http://schemas.microsoft.com/office/drawing/2014/main" id="{A0EB15AA-0105-46C9-AD27-674321CA8A71}"/>
+              </a:ext>
+            </a:extLst>
+          </p:cNvPr>
+          <p:cNvSpPr/>
+          <p:nvPr/>
+        </p:nvSpPr>
+        <p:spPr>
+          <a:xfrm>
+            <a:off x="4745462" y="2085695"/>
+            <a:ext cx="2734714" cy="99745"/>
+          </a:xfrm>
+          <a:prstGeom prst="rect">
+            <a:avLst/>
+          </a:prstGeom>
+          <a:noFill/>
+          <a:ln w="38100" cap="flat" cmpd="sng" algn="ctr">
+            <a:solidFill>
+              <a:srgbClr val="0070C0"/>
+            </a:solidFill>
+            <a:prstDash val="solid"/>
+            <a:round/>
+            <a:headEnd type="none" w="med" len="med"/>
+            <a:tailEnd type="none" w="med" len="med"/>
+          </a:ln>
+        </p:spPr>
+        <p:style>
+          <a:lnRef idx="0">
+            <a:scrgbClr r="0" g="0" b="0"/>
+          </a:lnRef>
+          <a:fillRef idx="0">
+            <a:scrgbClr r="0" g="0" b="0"/>
+          </a:fillRef>
+          <a:effectRef idx="0">
+            <a:scrgbClr r="0" g="0" b="0"/>
+          </a:effectRef>
+          <a:fontRef idx="minor">
+            <a:schemeClr val="accent2"/>
+          </a:fontRef>
+        </p:style>
+        <p:txBody>
+          <a:bodyPr rtlCol="0" anchor="ctr"/>
+          <a:lstStyle/>
+          <a:p>
+            <a:pPr algn="ctr"/>
+            <a:endParaRPr lang="zh-TW" altLang="en-US"/>
+          </a:p>
+        </p:txBody>
+      </p:sp>
+      <p:sp>
+        <p:nvSpPr>
+          <p:cNvPr id="26" name="文字方塊 25">
+            <a:extLst>
+              <a:ext uri="{FF2B5EF4-FFF2-40B4-BE49-F238E27FC236}">
+                <a16:creationId xmlns:a16="http://schemas.microsoft.com/office/drawing/2014/main" id="{27A3B66B-9050-4F1F-9EAD-DA94FC3975FD}"/>
+              </a:ext>
+            </a:extLst>
+          </p:cNvPr>
+          <p:cNvSpPr txBox="1"/>
+          <p:nvPr/>
+        </p:nvSpPr>
+        <p:spPr>
+          <a:xfrm>
+            <a:off x="7678079" y="1496363"/>
+            <a:ext cx="830581" cy="369332"/>
+          </a:xfrm>
+          <a:prstGeom prst="rect">
+            <a:avLst/>
+          </a:prstGeom>
+          <a:noFill/>
+        </p:spPr>
+        <p:txBody>
+          <a:bodyPr wrap="square" rtlCol="0">
+            <a:spAutoFit/>
+          </a:bodyPr>
+          <a:lstStyle/>
+          <a:p>
+            <a:r>
+              <a:rPr lang="en-US" altLang="zh-TW" b="1" dirty="0">
+                <a:solidFill>
+                  <a:srgbClr val="FFC000"/>
+                </a:solidFill>
+                <a:latin typeface="Consolas" panose="020B0609020204030204" pitchFamily="49" charset="0"/>
+              </a:rPr>
+              <a:t>&lt;nav&gt;</a:t>
+            </a:r>
+            <a:endParaRPr lang="zh-TW" altLang="en-US" b="1" dirty="0">
+              <a:solidFill>
+                <a:srgbClr val="FFC000"/>
+              </a:solidFill>
+              <a:latin typeface="Consolas" panose="020B0609020204030204" pitchFamily="49" charset="0"/>
+            </a:endParaRPr>
+          </a:p>
+        </p:txBody>
+      </p:sp>
+      <p:sp>
+        <p:nvSpPr>
+          <p:cNvPr id="27" name="文字方塊 26">
+            <a:extLst>
+              <a:ext uri="{FF2B5EF4-FFF2-40B4-BE49-F238E27FC236}">
+                <a16:creationId xmlns:a16="http://schemas.microsoft.com/office/drawing/2014/main" id="{690886B1-F982-4198-AD50-38D756AB5737}"/>
+              </a:ext>
+            </a:extLst>
+          </p:cNvPr>
+          <p:cNvSpPr txBox="1"/>
+          <p:nvPr/>
+        </p:nvSpPr>
+        <p:spPr>
+          <a:xfrm>
+            <a:off x="7626620" y="1980126"/>
+            <a:ext cx="916669" cy="369332"/>
+          </a:xfrm>
+          <a:prstGeom prst="rect">
+            <a:avLst/>
+          </a:prstGeom>
+          <a:noFill/>
+        </p:spPr>
+        <p:txBody>
+          <a:bodyPr wrap="square" rtlCol="0">
+            <a:spAutoFit/>
+          </a:bodyPr>
+          <a:lstStyle/>
+          <a:p>
+            <a:r>
+              <a:rPr lang="en-US" altLang="zh-TW" b="1" dirty="0">
+                <a:solidFill>
+                  <a:srgbClr val="0070C0"/>
+                </a:solidFill>
+                <a:latin typeface="Consolas" panose="020B0609020204030204" pitchFamily="49" charset="0"/>
+              </a:rPr>
+              <a:t>&lt;</a:t>
+            </a:r>
+            <a:r>
+              <a:rPr lang="en-US" altLang="zh-TW" b="1" dirty="0" err="1">
+                <a:solidFill>
+                  <a:srgbClr val="0070C0"/>
+                </a:solidFill>
+                <a:latin typeface="Consolas" panose="020B0609020204030204" pitchFamily="49" charset="0"/>
+              </a:rPr>
+              <a:t>hr</a:t>
+            </a:r>
+            <a:r>
+              <a:rPr lang="en-US" altLang="zh-TW" b="1" dirty="0">
+                <a:solidFill>
+                  <a:srgbClr val="0070C0"/>
+                </a:solidFill>
+                <a:latin typeface="Consolas" panose="020B0609020204030204" pitchFamily="49" charset="0"/>
+              </a:rPr>
+              <a:t>&gt;</a:t>
+            </a:r>
+            <a:endParaRPr lang="zh-TW" altLang="en-US" b="1" dirty="0">
+              <a:solidFill>
+                <a:srgbClr val="0070C0"/>
+              </a:solidFill>
+              <a:latin typeface="Consolas" panose="020B0609020204030204" pitchFamily="49" charset="0"/>
+            </a:endParaRPr>
+          </a:p>
+        </p:txBody>
+      </p:sp>
+      <p:sp>
+        <p:nvSpPr>
+          <p:cNvPr id="28" name="文字方塊 27">
+            <a:extLst>
+              <a:ext uri="{FF2B5EF4-FFF2-40B4-BE49-F238E27FC236}">
+                <a16:creationId xmlns:a16="http://schemas.microsoft.com/office/drawing/2014/main" id="{F24202A8-BCC7-442F-9E49-649A26EFE989}"/>
+              </a:ext>
+            </a:extLst>
+          </p:cNvPr>
+          <p:cNvSpPr txBox="1"/>
+          <p:nvPr/>
+        </p:nvSpPr>
+        <p:spPr>
+          <a:xfrm>
+            <a:off x="7626620" y="3743605"/>
+            <a:ext cx="697045" cy="369332"/>
+          </a:xfrm>
+          <a:prstGeom prst="rect">
+            <a:avLst/>
+          </a:prstGeom>
+          <a:noFill/>
+        </p:spPr>
+        <p:txBody>
+          <a:bodyPr wrap="square" rtlCol="0">
+            <a:spAutoFit/>
+          </a:bodyPr>
+          <a:lstStyle/>
+          <a:p>
+            <a:r>
+              <a:rPr lang="en-US" altLang="zh-TW" b="1" dirty="0">
+                <a:solidFill>
+                  <a:srgbClr val="92D050"/>
+                </a:solidFill>
+                <a:latin typeface="Consolas" panose="020B0609020204030204" pitchFamily="49" charset="0"/>
+              </a:rPr>
+              <a:t>&lt;h1&gt;</a:t>
+            </a:r>
+            <a:endParaRPr lang="zh-TW" altLang="en-US" b="1" dirty="0">
+              <a:solidFill>
+                <a:srgbClr val="92D050"/>
+              </a:solidFill>
+              <a:latin typeface="Consolas" panose="020B0609020204030204" pitchFamily="49" charset="0"/>
+            </a:endParaRPr>
+          </a:p>
+        </p:txBody>
+      </p:sp>
+      <p:sp>
+        <p:nvSpPr>
+          <p:cNvPr id="29" name="文字方塊 28">
+            <a:extLst>
+              <a:ext uri="{FF2B5EF4-FFF2-40B4-BE49-F238E27FC236}">
+                <a16:creationId xmlns:a16="http://schemas.microsoft.com/office/drawing/2014/main" id="{05E13C96-03B3-4A4D-AB27-6E0930655547}"/>
+              </a:ext>
+            </a:extLst>
+          </p:cNvPr>
+          <p:cNvSpPr txBox="1"/>
+          <p:nvPr/>
+        </p:nvSpPr>
+        <p:spPr>
+          <a:xfrm>
+            <a:off x="7626620" y="4086138"/>
+            <a:ext cx="697045" cy="369332"/>
+          </a:xfrm>
+          <a:prstGeom prst="rect">
+            <a:avLst/>
+          </a:prstGeom>
+          <a:noFill/>
+        </p:spPr>
+        <p:txBody>
+          <a:bodyPr wrap="square" rtlCol="0">
+            <a:spAutoFit/>
+          </a:bodyPr>
+          <a:lstStyle/>
+          <a:p>
+            <a:r>
+              <a:rPr lang="en-US" altLang="zh-TW" b="1" dirty="0">
+                <a:solidFill>
+                  <a:srgbClr val="92D050"/>
+                </a:solidFill>
+                <a:latin typeface="Consolas" panose="020B0609020204030204" pitchFamily="49" charset="0"/>
+              </a:rPr>
+              <a:t>&lt;</a:t>
+            </a:r>
+            <a:r>
+              <a:rPr lang="en-US" altLang="zh-TW" b="1" dirty="0" err="1">
+                <a:solidFill>
+                  <a:srgbClr val="92D050"/>
+                </a:solidFill>
+                <a:latin typeface="Consolas" panose="020B0609020204030204" pitchFamily="49" charset="0"/>
+              </a:rPr>
+              <a:t>hr</a:t>
+            </a:r>
+            <a:r>
+              <a:rPr lang="en-US" altLang="zh-TW" b="1" dirty="0">
+                <a:solidFill>
+                  <a:srgbClr val="92D050"/>
+                </a:solidFill>
+                <a:latin typeface="Consolas" panose="020B0609020204030204" pitchFamily="49" charset="0"/>
+              </a:rPr>
+              <a:t>&gt;</a:t>
+            </a:r>
+            <a:endParaRPr lang="zh-TW" altLang="en-US" b="1" dirty="0">
+              <a:solidFill>
+                <a:srgbClr val="92D050"/>
+              </a:solidFill>
+              <a:latin typeface="Consolas" panose="020B0609020204030204" pitchFamily="49" charset="0"/>
+            </a:endParaRPr>
+          </a:p>
+        </p:txBody>
+      </p:sp>
+      <p:sp>
+        <p:nvSpPr>
+          <p:cNvPr id="30" name="文字方塊 29">
+            <a:extLst>
+              <a:ext uri="{FF2B5EF4-FFF2-40B4-BE49-F238E27FC236}">
+                <a16:creationId xmlns:a16="http://schemas.microsoft.com/office/drawing/2014/main" id="{B5789FFC-77A9-40DA-B0EB-98380781C561}"/>
+              </a:ext>
+            </a:extLst>
+          </p:cNvPr>
+          <p:cNvSpPr txBox="1"/>
+          <p:nvPr/>
+        </p:nvSpPr>
+        <p:spPr>
+          <a:xfrm>
+            <a:off x="7626620" y="4398536"/>
+            <a:ext cx="697045" cy="369332"/>
+          </a:xfrm>
+          <a:prstGeom prst="rect">
+            <a:avLst/>
+          </a:prstGeom>
+          <a:noFill/>
+        </p:spPr>
+        <p:txBody>
+          <a:bodyPr wrap="square" rtlCol="0">
+            <a:spAutoFit/>
+          </a:bodyPr>
+          <a:lstStyle/>
+          <a:p>
+            <a:r>
+              <a:rPr lang="en-US" altLang="zh-TW" b="1" dirty="0">
+                <a:solidFill>
+                  <a:srgbClr val="92D050"/>
+                </a:solidFill>
+                <a:latin typeface="Consolas" panose="020B0609020204030204" pitchFamily="49" charset="0"/>
+              </a:rPr>
+              <a:t>&lt;p&gt;</a:t>
+            </a:r>
+            <a:endParaRPr lang="zh-TW" altLang="en-US" b="1" dirty="0">
+              <a:solidFill>
+                <a:srgbClr val="92D050"/>
+              </a:solidFill>
+              <a:latin typeface="Consolas" panose="020B0609020204030204" pitchFamily="49" charset="0"/>
+            </a:endParaRPr>
+          </a:p>
+        </p:txBody>
+      </p:sp>
+      <p:sp>
+        <p:nvSpPr>
+          <p:cNvPr id="31" name="文字方塊 30">
+            <a:extLst>
+              <a:ext uri="{FF2B5EF4-FFF2-40B4-BE49-F238E27FC236}">
+                <a16:creationId xmlns:a16="http://schemas.microsoft.com/office/drawing/2014/main" id="{9E5F4D18-AD9A-43DF-AE4C-B10CAD9F5B1C}"/>
+              </a:ext>
+            </a:extLst>
+          </p:cNvPr>
+          <p:cNvSpPr txBox="1"/>
+          <p:nvPr/>
+        </p:nvSpPr>
+        <p:spPr>
+          <a:xfrm>
+            <a:off x="3071618" y="4975044"/>
+            <a:ext cx="1229483" cy="369332"/>
+          </a:xfrm>
+          <a:prstGeom prst="rect">
+            <a:avLst/>
+          </a:prstGeom>
+          <a:noFill/>
+        </p:spPr>
+        <p:txBody>
+          <a:bodyPr wrap="square" rtlCol="0">
+            <a:spAutoFit/>
+          </a:bodyPr>
+          <a:lstStyle/>
+          <a:p>
+            <a:r>
+              <a:rPr lang="en-US" altLang="zh-TW" b="1" dirty="0">
+                <a:solidFill>
+                  <a:schemeClr val="accent1">
+                    <a:lumMod val="60000"/>
+                    <a:lumOff val="40000"/>
+                  </a:schemeClr>
+                </a:solidFill>
+                <a:latin typeface="Consolas" panose="020B0609020204030204" pitchFamily="49" charset="0"/>
+              </a:rPr>
+              <a:t>&lt;footer&gt;</a:t>
+            </a:r>
+            <a:endParaRPr lang="zh-TW" altLang="en-US" b="1" dirty="0">
+              <a:solidFill>
+                <a:schemeClr val="accent1">
+                  <a:lumMod val="60000"/>
+                  <a:lumOff val="40000"/>
+                </a:schemeClr>
+              </a:solidFill>
+              <a:latin typeface="Consolas" panose="020B0609020204030204" pitchFamily="49" charset="0"/>
+            </a:endParaRPr>
+          </a:p>
+        </p:txBody>
+      </p:sp>
+      <p:sp>
+        <p:nvSpPr>
+          <p:cNvPr id="32" name="文字方塊 31">
+            <a:extLst>
+              <a:ext uri="{FF2B5EF4-FFF2-40B4-BE49-F238E27FC236}">
+                <a16:creationId xmlns:a16="http://schemas.microsoft.com/office/drawing/2014/main" id="{6EDEDC63-B294-465A-995D-0FDCBDF27712}"/>
+              </a:ext>
+            </a:extLst>
+          </p:cNvPr>
+          <p:cNvSpPr txBox="1"/>
+          <p:nvPr/>
+        </p:nvSpPr>
+        <p:spPr>
+          <a:xfrm>
+            <a:off x="6709952" y="2748461"/>
+            <a:ext cx="833034" cy="369332"/>
+          </a:xfrm>
+          <a:prstGeom prst="rect">
+            <a:avLst/>
+          </a:prstGeom>
+          <a:noFill/>
+        </p:spPr>
+        <p:txBody>
+          <a:bodyPr wrap="square" rtlCol="0">
+            <a:spAutoFit/>
+          </a:bodyPr>
+          <a:lstStyle/>
+          <a:p>
+            <a:r>
+              <a:rPr lang="en-US" altLang="zh-TW" b="1" dirty="0">
+                <a:solidFill>
+                  <a:schemeClr val="accent2">
+                    <a:lumMod val="75000"/>
+                  </a:schemeClr>
+                </a:solidFill>
+                <a:latin typeface="Consolas" panose="020B0609020204030204" pitchFamily="49" charset="0"/>
+              </a:rPr>
+              <a:t>&lt;</a:t>
+            </a:r>
+            <a:r>
+              <a:rPr lang="en-US" altLang="zh-TW" b="1" dirty="0" err="1">
+                <a:solidFill>
+                  <a:schemeClr val="accent2">
+                    <a:lumMod val="75000"/>
+                  </a:schemeClr>
+                </a:solidFill>
+                <a:latin typeface="Consolas" panose="020B0609020204030204" pitchFamily="49" charset="0"/>
+              </a:rPr>
+              <a:t>img</a:t>
+            </a:r>
+            <a:r>
+              <a:rPr lang="en-US" altLang="zh-TW" b="1" dirty="0">
+                <a:solidFill>
+                  <a:schemeClr val="accent2">
+                    <a:lumMod val="75000"/>
+                  </a:schemeClr>
+                </a:solidFill>
+                <a:latin typeface="Consolas" panose="020B0609020204030204" pitchFamily="49" charset="0"/>
+              </a:rPr>
+              <a:t>&gt;</a:t>
+            </a:r>
+            <a:endParaRPr lang="zh-TW" altLang="en-US" b="1" dirty="0">
+              <a:solidFill>
+                <a:schemeClr val="accent2">
+                  <a:lumMod val="75000"/>
+                </a:schemeClr>
+              </a:solidFill>
+              <a:latin typeface="Consolas" panose="020B0609020204030204" pitchFamily="49" charset="0"/>
+            </a:endParaRPr>
+          </a:p>
+        </p:txBody>
+      </p:sp>
+      <p:sp>
+        <p:nvSpPr>
+          <p:cNvPr id="33" name="箭號: 向下 32">
+            <a:extLst>
+              <a:ext uri="{FF2B5EF4-FFF2-40B4-BE49-F238E27FC236}">
+                <a16:creationId xmlns:a16="http://schemas.microsoft.com/office/drawing/2014/main" id="{A738E314-2139-4330-B9BE-EC86D4F648A5}"/>
+              </a:ext>
+            </a:extLst>
+          </p:cNvPr>
+          <p:cNvSpPr/>
+          <p:nvPr/>
+        </p:nvSpPr>
+        <p:spPr>
+          <a:xfrm>
+            <a:off x="4277767" y="1556890"/>
+            <a:ext cx="346229" cy="3685985"/>
+          </a:xfrm>
+          <a:prstGeom prst="downArrow">
+            <a:avLst/>
+          </a:prstGeom>
+        </p:spPr>
+        <p:style>
+          <a:lnRef idx="2">
+            <a:schemeClr val="accent6">
+              <a:shade val="50000"/>
+            </a:schemeClr>
+          </a:lnRef>
+          <a:fillRef idx="1">
+            <a:schemeClr val="accent6"/>
+          </a:fillRef>
+          <a:effectRef idx="0">
+            <a:schemeClr val="accent6"/>
+          </a:effectRef>
+          <a:fontRef idx="minor">
+            <a:schemeClr val="lt1"/>
+          </a:fontRef>
+        </p:style>
+        <p:txBody>
+          <a:bodyPr rtlCol="0" anchor="ctr"/>
+          <a:lstStyle/>
+          <a:p>
+            <a:pPr algn="ctr"/>
+            <a:endParaRPr lang="zh-TW" altLang="en-US"/>
+          </a:p>
+        </p:txBody>
+      </p:sp>
+    </p:spTree>
+    <p:extLst>
+      <p:ext uri="{BB962C8B-B14F-4D97-AF65-F5344CB8AC3E}">
+        <p14:creationId xmlns:p14="http://schemas.microsoft.com/office/powerpoint/2010/main" val="3805231314"/>
+      </p:ext>
+    </p:extLst>
+  </p:cSld>
+  <p:clrMapOvr>
+    <a:masterClrMapping/>
+  </p:clrMapOvr>
+</p:sld>
+</file>
+
+<file path=ppt/slides/slide23.xml><?xml version="1.0" encoding="utf-8"?>
+<p:sld xmlns:a="http://schemas.openxmlformats.org/drawingml/2006/main" xmlns:r="http://schemas.openxmlformats.org/officeDocument/2006/relationships" xmlns:p="http://schemas.openxmlformats.org/presentationml/2006/main">
+  <p:cSld>
+    <p:spTree>
+      <p:nvGrpSpPr>
+        <p:cNvPr id="1" name=""/>
+        <p:cNvGrpSpPr/>
+        <p:nvPr/>
+      </p:nvGrpSpPr>
+      <p:grpSpPr>
+        <a:xfrm>
+          <a:off x="0" y="0"/>
+          <a:ext cx="0" cy="0"/>
+          <a:chOff x="0" y="0"/>
+          <a:chExt cx="0" cy="0"/>
+        </a:xfrm>
+      </p:grpSpPr>
+      <p:sp>
+        <p:nvSpPr>
+          <p:cNvPr id="2" name="標題 1">
+            <a:extLst>
+              <a:ext uri="{FF2B5EF4-FFF2-40B4-BE49-F238E27FC236}">
+                <a16:creationId xmlns:a16="http://schemas.microsoft.com/office/drawing/2014/main" id="{53257BE5-E95E-4AB1-AE5B-BE1095AD25B8}"/>
+              </a:ext>
+            </a:extLst>
+          </p:cNvPr>
+          <p:cNvSpPr>
+            <a:spLocks noGrp="1"/>
+          </p:cNvSpPr>
+          <p:nvPr>
+            <p:ph type="title"/>
+          </p:nvPr>
+        </p:nvSpPr>
+        <p:spPr/>
+        <p:txBody>
+          <a:bodyPr/>
+          <a:lstStyle/>
+          <a:p>
+            <a:r>
+              <a:rPr lang="zh-TW" altLang="en-US" dirty="0"/>
+              <a:t>新增</a:t>
+            </a:r>
+            <a:r>
+              <a:rPr lang="en-US" altLang="zh-TW" dirty="0" err="1"/>
+              <a:t>css</a:t>
+            </a:r>
+            <a:r>
+              <a:rPr lang="zh-TW" altLang="en-US" dirty="0"/>
+              <a:t>資料夾 </a:t>
+            </a:r>
+            <a:r>
+              <a:rPr lang="en-US" altLang="zh-TW" dirty="0"/>
+              <a:t>/</a:t>
+            </a:r>
+            <a:r>
+              <a:rPr lang="zh-TW" altLang="en-US" dirty="0"/>
+              <a:t> </a:t>
+            </a:r>
+            <a:r>
+              <a:rPr lang="en-US" altLang="zh-TW" dirty="0"/>
+              <a:t>html</a:t>
+            </a:r>
+            <a:r>
+              <a:rPr lang="zh-TW" altLang="en-US" dirty="0"/>
+              <a:t>連接</a:t>
+            </a:r>
+            <a:r>
+              <a:rPr lang="en-US" altLang="zh-TW" dirty="0" err="1"/>
+              <a:t>css</a:t>
+            </a:r>
+            <a:endParaRPr lang="zh-TW" altLang="en-US" dirty="0"/>
+          </a:p>
+        </p:txBody>
+      </p:sp>
+      <p:sp>
+        <p:nvSpPr>
+          <p:cNvPr id="3" name="內容版面配置區 2">
+            <a:extLst>
+              <a:ext uri="{FF2B5EF4-FFF2-40B4-BE49-F238E27FC236}">
+                <a16:creationId xmlns:a16="http://schemas.microsoft.com/office/drawing/2014/main" id="{365B5495-E695-4FC5-A95B-E8FFA4B25BD5}"/>
+              </a:ext>
+            </a:extLst>
+          </p:cNvPr>
+          <p:cNvSpPr>
+            <a:spLocks noGrp="1"/>
+          </p:cNvSpPr>
+          <p:nvPr>
+            <p:ph idx="1"/>
+          </p:nvPr>
+        </p:nvSpPr>
+        <p:spPr/>
+        <p:txBody>
+          <a:bodyPr/>
+          <a:lstStyle/>
+          <a:p>
+            <a:pPr marL="0" indent="0">
+              <a:buNone/>
+            </a:pPr>
+            <a:r>
+              <a:rPr lang="en-US" altLang="zh-TW" b="0" dirty="0">
+                <a:solidFill>
+                  <a:srgbClr val="EEFFFF"/>
+                </a:solidFill>
+                <a:effectLst/>
+                <a:latin typeface="Consolas" panose="020B0609020204030204" pitchFamily="49" charset="0"/>
+              </a:rPr>
+              <a:t> </a:t>
+            </a:r>
+            <a:r>
+              <a:rPr lang="en-US" altLang="zh-TW" b="0" dirty="0">
+                <a:solidFill>
+                  <a:srgbClr val="89DDFF"/>
+                </a:solidFill>
+                <a:effectLst/>
+                <a:latin typeface="Consolas" panose="020B0609020204030204" pitchFamily="49" charset="0"/>
+              </a:rPr>
+              <a:t>&lt;</a:t>
+            </a:r>
+            <a:r>
+              <a:rPr lang="en-US" altLang="zh-TW" b="0" dirty="0">
+                <a:solidFill>
+                  <a:srgbClr val="F07178"/>
+                </a:solidFill>
+                <a:effectLst/>
+                <a:latin typeface="Consolas" panose="020B0609020204030204" pitchFamily="49" charset="0"/>
+              </a:rPr>
+              <a:t>link</a:t>
+            </a:r>
+            <a:r>
+              <a:rPr lang="en-US" altLang="zh-TW" b="0" dirty="0">
+                <a:solidFill>
+                  <a:srgbClr val="89DDFF"/>
+                </a:solidFill>
+                <a:effectLst/>
+                <a:latin typeface="Consolas" panose="020B0609020204030204" pitchFamily="49" charset="0"/>
+              </a:rPr>
+              <a:t> </a:t>
+            </a:r>
+            <a:r>
+              <a:rPr lang="en-US" altLang="zh-TW" b="0" dirty="0" err="1">
+                <a:solidFill>
+                  <a:srgbClr val="C792EA"/>
+                </a:solidFill>
+                <a:effectLst/>
+                <a:latin typeface="Consolas" panose="020B0609020204030204" pitchFamily="49" charset="0"/>
+              </a:rPr>
+              <a:t>rel</a:t>
+            </a:r>
+            <a:r>
+              <a:rPr lang="en-US" altLang="zh-TW" b="0" dirty="0">
+                <a:solidFill>
+                  <a:srgbClr val="89DDFF"/>
+                </a:solidFill>
+                <a:effectLst/>
+                <a:latin typeface="Consolas" panose="020B0609020204030204" pitchFamily="49" charset="0"/>
+              </a:rPr>
+              <a:t>="</a:t>
+            </a:r>
+            <a:r>
+              <a:rPr lang="en-US" altLang="zh-TW" b="0" dirty="0">
+                <a:solidFill>
+                  <a:srgbClr val="C3E88D"/>
+                </a:solidFill>
+                <a:effectLst/>
+                <a:latin typeface="Consolas" panose="020B0609020204030204" pitchFamily="49" charset="0"/>
+              </a:rPr>
+              <a:t>stylesheet</a:t>
+            </a:r>
+            <a:r>
+              <a:rPr lang="en-US" altLang="zh-TW" b="0" dirty="0">
+                <a:solidFill>
+                  <a:srgbClr val="89DDFF"/>
+                </a:solidFill>
+                <a:effectLst/>
+                <a:latin typeface="Consolas" panose="020B0609020204030204" pitchFamily="49" charset="0"/>
+              </a:rPr>
+              <a:t>" </a:t>
+            </a:r>
+            <a:r>
+              <a:rPr lang="en-US" altLang="zh-TW" b="0" dirty="0" err="1">
+                <a:solidFill>
+                  <a:srgbClr val="C792EA"/>
+                </a:solidFill>
+                <a:effectLst/>
+                <a:latin typeface="Consolas" panose="020B0609020204030204" pitchFamily="49" charset="0"/>
+              </a:rPr>
+              <a:t>href</a:t>
+            </a:r>
+            <a:r>
+              <a:rPr lang="en-US" altLang="zh-TW" b="0" dirty="0">
+                <a:solidFill>
+                  <a:srgbClr val="89DDFF"/>
+                </a:solidFill>
+                <a:effectLst/>
+                <a:latin typeface="Consolas" panose="020B0609020204030204" pitchFamily="49" charset="0"/>
+              </a:rPr>
+              <a:t>="</a:t>
+            </a:r>
+            <a:r>
+              <a:rPr lang="en-US" altLang="zh-TW" b="0" dirty="0">
+                <a:solidFill>
+                  <a:srgbClr val="C3E88D"/>
+                </a:solidFill>
+                <a:effectLst/>
+                <a:latin typeface="Consolas" panose="020B0609020204030204" pitchFamily="49" charset="0"/>
+              </a:rPr>
+              <a:t>/</a:t>
+            </a:r>
+            <a:r>
+              <a:rPr lang="en-US" altLang="zh-TW" b="0" dirty="0" err="1">
+                <a:solidFill>
+                  <a:srgbClr val="C3E88D"/>
+                </a:solidFill>
+                <a:effectLst/>
+                <a:latin typeface="Consolas" panose="020B0609020204030204" pitchFamily="49" charset="0"/>
+              </a:rPr>
+              <a:t>css</a:t>
+            </a:r>
+            <a:r>
+              <a:rPr lang="en-US" altLang="zh-TW" b="0" dirty="0">
+                <a:solidFill>
+                  <a:srgbClr val="C3E88D"/>
+                </a:solidFill>
+                <a:effectLst/>
+                <a:latin typeface="Consolas" panose="020B0609020204030204" pitchFamily="49" charset="0"/>
+              </a:rPr>
+              <a:t>/bio.css</a:t>
+            </a:r>
+            <a:r>
+              <a:rPr lang="en-US" altLang="zh-TW" b="0" dirty="0">
+                <a:solidFill>
+                  <a:srgbClr val="89DDFF"/>
+                </a:solidFill>
+                <a:effectLst/>
+                <a:latin typeface="Consolas" panose="020B0609020204030204" pitchFamily="49" charset="0"/>
+              </a:rPr>
+              <a:t>"&gt;</a:t>
+            </a:r>
+            <a:endParaRPr lang="en-US" altLang="zh-TW" b="0" dirty="0">
+              <a:solidFill>
+                <a:srgbClr val="EEFFFF"/>
+              </a:solidFill>
+              <a:effectLst/>
+              <a:latin typeface="Consolas" panose="020B0609020204030204" pitchFamily="49" charset="0"/>
+            </a:endParaRPr>
+          </a:p>
+        </p:txBody>
+      </p:sp>
+    </p:spTree>
+    <p:extLst>
+      <p:ext uri="{BB962C8B-B14F-4D97-AF65-F5344CB8AC3E}">
+        <p14:creationId xmlns:p14="http://schemas.microsoft.com/office/powerpoint/2010/main" val="2122202658"/>
+      </p:ext>
+    </p:extLst>
+  </p:cSld>
+  <p:clrMapOvr>
+    <a:masterClrMapping/>
+  </p:clrMapOvr>
+</p:sld>
+</file>
+
+<file path=ppt/slides/slide24.xml><?xml version="1.0" encoding="utf-8"?>
+<p:sld xmlns:a="http://schemas.openxmlformats.org/drawingml/2006/main" xmlns:r="http://schemas.openxmlformats.org/officeDocument/2006/relationships" xmlns:p="http://schemas.openxmlformats.org/presentationml/2006/main">
+  <p:cSld>
+    <p:spTree>
+      <p:nvGrpSpPr>
+        <p:cNvPr id="1" name=""/>
+        <p:cNvGrpSpPr/>
+        <p:nvPr/>
+      </p:nvGrpSpPr>
+      <p:grpSpPr>
+        <a:xfrm>
+          <a:off x="0" y="0"/>
+          <a:ext cx="0" cy="0"/>
+          <a:chOff x="0" y="0"/>
+          <a:chExt cx="0" cy="0"/>
+        </a:xfrm>
+      </p:grpSpPr>
+      <p:sp>
+        <p:nvSpPr>
+          <p:cNvPr id="2" name="標題 1">
+            <a:extLst>
+              <a:ext uri="{FF2B5EF4-FFF2-40B4-BE49-F238E27FC236}">
+                <a16:creationId xmlns:a16="http://schemas.microsoft.com/office/drawing/2014/main" id="{AAB234A2-9E71-4D79-A7AA-39E328C081EC}"/>
+              </a:ext>
+            </a:extLst>
+          </p:cNvPr>
+          <p:cNvSpPr>
+            <a:spLocks noGrp="1"/>
+          </p:cNvSpPr>
+          <p:nvPr>
+            <p:ph type="title"/>
+          </p:nvPr>
+        </p:nvSpPr>
+        <p:spPr/>
+        <p:txBody>
+          <a:bodyPr>
+            <a:normAutofit/>
+          </a:bodyPr>
+          <a:lstStyle/>
+          <a:p>
+            <a:r>
+              <a:rPr lang="zh-TW" altLang="en-US" b="0" dirty="0">
+                <a:solidFill>
+                  <a:srgbClr val="C3E88D"/>
+                </a:solidFill>
+                <a:effectLst/>
+                <a:latin typeface="Consolas" panose="020B0609020204030204" pitchFamily="49" charset="0"/>
+              </a:rPr>
+              <a:t>設定 </a:t>
+            </a:r>
+            <a:r>
+              <a:rPr lang="en-US" altLang="zh-TW" b="0" dirty="0">
+                <a:solidFill>
+                  <a:srgbClr val="C3E88D"/>
+                </a:solidFill>
+                <a:effectLst/>
+                <a:latin typeface="Consolas" panose="020B0609020204030204" pitchFamily="49" charset="0"/>
+              </a:rPr>
+              <a:t>wrapper</a:t>
+            </a:r>
+            <a:endParaRPr lang="zh-TW" altLang="en-US" dirty="0"/>
+          </a:p>
+        </p:txBody>
+      </p:sp>
+      <p:sp>
+        <p:nvSpPr>
+          <p:cNvPr id="3" name="內容版面配置區 2">
+            <a:extLst>
+              <a:ext uri="{FF2B5EF4-FFF2-40B4-BE49-F238E27FC236}">
+                <a16:creationId xmlns:a16="http://schemas.microsoft.com/office/drawing/2014/main" id="{DC5F4016-746C-44A8-A52D-DE233ADB127D}"/>
+              </a:ext>
+            </a:extLst>
+          </p:cNvPr>
+          <p:cNvSpPr>
+            <a:spLocks noGrp="1"/>
+          </p:cNvSpPr>
+          <p:nvPr>
+            <p:ph idx="1"/>
+          </p:nvPr>
+        </p:nvSpPr>
+        <p:spPr/>
+        <p:txBody>
+          <a:bodyPr/>
+          <a:lstStyle/>
+          <a:p>
+            <a:endParaRPr lang="zh-TW" altLang="en-US" dirty="0"/>
+          </a:p>
+        </p:txBody>
+      </p:sp>
+    </p:spTree>
+    <p:extLst>
+      <p:ext uri="{BB962C8B-B14F-4D97-AF65-F5344CB8AC3E}">
+        <p14:creationId xmlns:p14="http://schemas.microsoft.com/office/powerpoint/2010/main" val="2802415350"/>
+      </p:ext>
+    </p:extLst>
+  </p:cSld>
+  <p:clrMapOvr>
+    <a:masterClrMapping/>
+  </p:clrMapOvr>
+</p:sld>
+</file>
+
+<file path=ppt/slides/slide3.xml><?xml version="1.0" encoding="utf-8"?>
+<p:sld xmlns:a="http://schemas.openxmlformats.org/drawingml/2006/main" xmlns:r="http://schemas.openxmlformats.org/officeDocument/2006/relationships" xmlns:p="http://schemas.openxmlformats.org/presentationml/2006/main">
+  <p:cSld>
+    <p:spTree>
+      <p:nvGrpSpPr>
+        <p:cNvPr id="1" name=""/>
+        <p:cNvGrpSpPr/>
+        <p:nvPr/>
+      </p:nvGrpSpPr>
+      <p:grpSpPr>
+        <a:xfrm>
+          <a:off x="0" y="0"/>
+          <a:ext cx="0" cy="0"/>
+          <a:chOff x="0" y="0"/>
+          <a:chExt cx="0" cy="0"/>
+        </a:xfrm>
+      </p:grpSpPr>
+      <p:sp>
+        <p:nvSpPr>
+          <p:cNvPr id="2" name="標題 1">
+            <a:extLst>
+              <a:ext uri="{FF2B5EF4-FFF2-40B4-BE49-F238E27FC236}">
+                <a16:creationId xmlns:a16="http://schemas.microsoft.com/office/drawing/2014/main" id="{31043887-41C3-4291-A84D-DFD1EAC2875A}"/>
+              </a:ext>
+            </a:extLst>
+          </p:cNvPr>
+          <p:cNvSpPr>
+            <a:spLocks noGrp="1"/>
+          </p:cNvSpPr>
+          <p:nvPr>
+            <p:ph type="title"/>
+          </p:nvPr>
+        </p:nvSpPr>
+        <p:spPr/>
+        <p:txBody>
+          <a:bodyPr/>
+          <a:lstStyle/>
+          <a:p>
+            <a:r>
+              <a:rPr lang="en-US" altLang="zh-TW" b="0" i="0" dirty="0">
+                <a:solidFill>
+                  <a:schemeClr val="tx1"/>
+                </a:solidFill>
+                <a:effectLst/>
+                <a:latin typeface="Segoe UI" panose="020B0502040204020203" pitchFamily="34" charset="0"/>
+              </a:rPr>
+              <a:t>CSS</a:t>
+            </a:r>
+            <a:r>
+              <a:rPr lang="zh-TW" altLang="en-US" b="0" i="0" dirty="0">
+                <a:solidFill>
+                  <a:schemeClr val="tx1"/>
+                </a:solidFill>
+                <a:effectLst/>
+                <a:latin typeface="Segoe UI" panose="020B0502040204020203" pitchFamily="34" charset="0"/>
+              </a:rPr>
+              <a:t> 動畫</a:t>
+            </a:r>
+            <a:endParaRPr lang="en-US" altLang="zh-TW" b="0" i="0" dirty="0">
+              <a:solidFill>
+                <a:schemeClr val="tx1"/>
+              </a:solidFill>
+              <a:effectLst/>
+              <a:latin typeface="Segoe UI" panose="020B0502040204020203" pitchFamily="34" charset="0"/>
+            </a:endParaRPr>
+          </a:p>
+        </p:txBody>
+      </p:sp>
+    </p:spTree>
+    <p:extLst>
+      <p:ext uri="{BB962C8B-B14F-4D97-AF65-F5344CB8AC3E}">
+        <p14:creationId xmlns:p14="http://schemas.microsoft.com/office/powerpoint/2010/main" val="1466336228"/>
       </p:ext>
     </p:extLst>
   </p:cSld>
@@ -6401,12 +11702,631 @@
           <a:chExt cx="0" cy="0"/>
         </a:xfrm>
       </p:grpSpPr>
-      <p:sp>
-        <p:nvSpPr>
-          <p:cNvPr id="2" name="標題 1">
+      <p:graphicFrame>
+        <p:nvGraphicFramePr>
+          <p:cNvPr id="2" name="表格 1">
             <a:extLst>
               <a:ext uri="{FF2B5EF4-FFF2-40B4-BE49-F238E27FC236}">
-                <a16:creationId xmlns:a16="http://schemas.microsoft.com/office/drawing/2014/main" id="{21668613-FA51-40C7-AD3F-355058C7C5F4}"/>
+                <a16:creationId xmlns:a16="http://schemas.microsoft.com/office/drawing/2014/main" id="{0D302400-D7BF-437F-B2D3-21C2B053E488}"/>
+              </a:ext>
+            </a:extLst>
+          </p:cNvPr>
+          <p:cNvGraphicFramePr>
+            <a:graphicFrameLocks noGrp="1"/>
+          </p:cNvGraphicFramePr>
+          <p:nvPr>
+            <p:extLst>
+              <p:ext uri="{D42A27DB-BD31-4B8C-83A1-F6EECF244321}">
+                <p14:modId xmlns:p14="http://schemas.microsoft.com/office/powerpoint/2010/main" val="3804935330"/>
+              </p:ext>
+            </p:extLst>
+          </p:nvPr>
+        </p:nvGraphicFramePr>
+        <p:xfrm>
+          <a:off x="979989" y="1998452"/>
+          <a:ext cx="10754810" cy="3129867"/>
+        </p:xfrm>
+        <a:graphic>
+          <a:graphicData uri="http://schemas.openxmlformats.org/drawingml/2006/table">
+            <a:tbl>
+              <a:tblPr>
+                <a:tableStyleId>{BDBED569-4797-4DF1-A0F4-6AAB3CD982D8}</a:tableStyleId>
+              </a:tblPr>
+              <a:tblGrid>
+                <a:gridCol w="1641291">
+                  <a:extLst>
+                    <a:ext uri="{9D8B030D-6E8A-4147-A177-3AD203B41FA5}">
+                      <a16:colId xmlns:a16="http://schemas.microsoft.com/office/drawing/2014/main" val="593384491"/>
+                    </a:ext>
+                  </a:extLst>
+                </a:gridCol>
+                <a:gridCol w="5049520">
+                  <a:extLst>
+                    <a:ext uri="{9D8B030D-6E8A-4147-A177-3AD203B41FA5}">
+                      <a16:colId xmlns:a16="http://schemas.microsoft.com/office/drawing/2014/main" val="593027837"/>
+                    </a:ext>
+                  </a:extLst>
+                </a:gridCol>
+                <a:gridCol w="1879600">
+                  <a:extLst>
+                    <a:ext uri="{9D8B030D-6E8A-4147-A177-3AD203B41FA5}">
+                      <a16:colId xmlns:a16="http://schemas.microsoft.com/office/drawing/2014/main" val="4107652617"/>
+                    </a:ext>
+                  </a:extLst>
+                </a:gridCol>
+                <a:gridCol w="2184399">
+                  <a:extLst>
+                    <a:ext uri="{9D8B030D-6E8A-4147-A177-3AD203B41FA5}">
+                      <a16:colId xmlns:a16="http://schemas.microsoft.com/office/drawing/2014/main" val="2226627456"/>
+                    </a:ext>
+                  </a:extLst>
+                </a:gridCol>
+              </a:tblGrid>
+              <a:tr h="443849">
+                <a:tc>
+                  <a:txBody>
+                    <a:bodyPr/>
+                    <a:lstStyle/>
+                    <a:p>
+                      <a:pPr algn="ctr"/>
+                      <a:r>
+                        <a:rPr lang="zh-TW" altLang="en-US" sz="2000" dirty="0">
+                          <a:effectLst/>
+                        </a:rPr>
+                        <a:t>名稱</a:t>
+                      </a:r>
+                    </a:p>
+                  </a:txBody>
+                  <a:tcPr marL="68285" marR="68285" marT="68285" marB="68285" anchor="ctr">
+                    <a:solidFill>
+                      <a:schemeClr val="accent2">
+                        <a:lumMod val="60000"/>
+                        <a:lumOff val="40000"/>
+                      </a:schemeClr>
+                    </a:solidFill>
+                  </a:tcPr>
+                </a:tc>
+                <a:tc>
+                  <a:txBody>
+                    <a:bodyPr/>
+                    <a:lstStyle/>
+                    <a:p>
+                      <a:pPr algn="ctr"/>
+                      <a:r>
+                        <a:rPr lang="zh-TW" altLang="en-US" sz="2000" dirty="0">
+                          <a:effectLst/>
+                        </a:rPr>
+                        <a:t>介紹</a:t>
+                      </a:r>
+                    </a:p>
+                  </a:txBody>
+                  <a:tcPr marL="68285" marR="68285" marT="68285" marB="68285" anchor="ctr"/>
+                </a:tc>
+                <a:tc>
+                  <a:txBody>
+                    <a:bodyPr/>
+                    <a:lstStyle/>
+                    <a:p>
+                      <a:pPr algn="ctr"/>
+                      <a:r>
+                        <a:rPr lang="zh-TW" altLang="en-US" sz="2000">
+                          <a:effectLst/>
+                        </a:rPr>
+                        <a:t>作用於</a:t>
+                      </a:r>
+                    </a:p>
+                  </a:txBody>
+                  <a:tcPr marL="68285" marR="68285" marT="68285" marB="68285" anchor="ctr"/>
+                </a:tc>
+                <a:tc>
+                  <a:txBody>
+                    <a:bodyPr/>
+                    <a:lstStyle/>
+                    <a:p>
+                      <a:pPr algn="ctr"/>
+                      <a:r>
+                        <a:rPr lang="zh-TW" altLang="en-US" sz="2000" dirty="0">
+                          <a:effectLst/>
+                        </a:rPr>
+                        <a:t>自行運作</a:t>
+                      </a:r>
+                    </a:p>
+                  </a:txBody>
+                  <a:tcPr marL="68285" marR="68285" marT="68285" marB="68285" anchor="ctr"/>
+                </a:tc>
+                <a:extLst>
+                  <a:ext uri="{0D108BD9-81ED-4DB2-BD59-A6C34878D82A}">
+                    <a16:rowId xmlns:a16="http://schemas.microsoft.com/office/drawing/2014/main" val="2241509461"/>
+                  </a:ext>
+                </a:extLst>
+              </a:tr>
+              <a:tr h="751130">
+                <a:tc>
+                  <a:txBody>
+                    <a:bodyPr/>
+                    <a:lstStyle/>
+                    <a:p>
+                      <a:r>
+                        <a:rPr lang="en-US" sz="2000" dirty="0">
+                          <a:effectLst/>
+                          <a:latin typeface="Consolas" panose="020B0609020204030204" pitchFamily="49" charset="0"/>
+                        </a:rPr>
+                        <a:t>Trans</a:t>
+                      </a:r>
+                      <a:r>
+                        <a:rPr lang="en-US" sz="2000" b="1" dirty="0">
+                          <a:solidFill>
+                            <a:schemeClr val="accent6">
+                              <a:lumMod val="75000"/>
+                            </a:schemeClr>
+                          </a:solidFill>
+                          <a:effectLst/>
+                          <a:latin typeface="Consolas" panose="020B0609020204030204" pitchFamily="49" charset="0"/>
+                        </a:rPr>
+                        <a:t>ition</a:t>
+                      </a:r>
+                    </a:p>
+                  </a:txBody>
+                  <a:tcPr marL="68285" marR="68285" marT="68285" marB="68285" anchor="ctr">
+                    <a:solidFill>
+                      <a:schemeClr val="accent2">
+                        <a:lumMod val="60000"/>
+                        <a:lumOff val="40000"/>
+                      </a:schemeClr>
+                    </a:solidFill>
+                  </a:tcPr>
+                </a:tc>
+                <a:tc>
+                  <a:txBody>
+                    <a:bodyPr/>
+                    <a:lstStyle/>
+                    <a:p>
+                      <a:r>
+                        <a:rPr lang="zh-TW" altLang="en-US" sz="2000" b="1" dirty="0">
+                          <a:solidFill>
+                            <a:schemeClr val="tx1"/>
+                          </a:solidFill>
+                          <a:effectLst/>
+                        </a:rPr>
+                        <a:t>基礎的動畫效果</a:t>
+                      </a:r>
+                      <a:r>
+                        <a:rPr lang="zh-TW" altLang="en-US" sz="2000" dirty="0">
+                          <a:effectLst/>
+                        </a:rPr>
+                        <a:t>，強調</a:t>
+                      </a:r>
+                      <a:r>
+                        <a:rPr lang="en-US" altLang="zh-TW" sz="2000" dirty="0">
+                          <a:effectLst/>
+                        </a:rPr>
+                        <a:t>CSS</a:t>
+                      </a:r>
+                      <a:r>
+                        <a:rPr lang="zh-TW" altLang="en-US" sz="2000" dirty="0">
+                          <a:effectLst/>
+                        </a:rPr>
+                        <a:t>屬性的</a:t>
+                      </a:r>
+                      <a:r>
+                        <a:rPr lang="zh-TW" altLang="en-US" sz="2000" b="1" dirty="0">
+                          <a:solidFill>
+                            <a:schemeClr val="accent6">
+                              <a:lumMod val="75000"/>
+                            </a:schemeClr>
+                          </a:solidFill>
+                          <a:effectLst/>
+                        </a:rPr>
+                        <a:t>過渡動畫</a:t>
+                      </a:r>
+                    </a:p>
+                  </a:txBody>
+                  <a:tcPr marL="68285" marR="68285" marT="68285" marB="68285" anchor="ctr"/>
+                </a:tc>
+                <a:tc>
+                  <a:txBody>
+                    <a:bodyPr/>
+                    <a:lstStyle/>
+                    <a:p>
+                      <a:r>
+                        <a:rPr lang="en-US" sz="2000" dirty="0">
+                          <a:effectLst/>
+                        </a:rPr>
+                        <a:t>CSS</a:t>
+                      </a:r>
+                      <a:r>
+                        <a:rPr lang="zh-TW" altLang="en-US" sz="2000" dirty="0">
+                          <a:effectLst/>
+                        </a:rPr>
+                        <a:t>屬性變化</a:t>
+                      </a:r>
+                    </a:p>
+                  </a:txBody>
+                  <a:tcPr marL="68285" marR="68285" marT="68285" marB="68285" anchor="ctr"/>
+                </a:tc>
+                <a:tc>
+                  <a:txBody>
+                    <a:bodyPr/>
+                    <a:lstStyle/>
+                    <a:p>
+                      <a:r>
+                        <a:rPr lang="zh-TW" altLang="en-US" sz="1800" b="0" i="0" kern="1200" dirty="0">
+                          <a:solidFill>
+                            <a:schemeClr val="tx1"/>
+                          </a:solidFill>
+                          <a:effectLst/>
+                          <a:latin typeface="+mn-lt"/>
+                          <a:ea typeface="+mn-ea"/>
+                          <a:cs typeface="+mn-cs"/>
+                        </a:rPr>
+                        <a:t>✗，需要事件或偽類別觸發</a:t>
+                      </a:r>
+                      <a:endParaRPr lang="zh-TW" altLang="en-US" sz="2000" dirty="0">
+                        <a:effectLst/>
+                      </a:endParaRPr>
+                    </a:p>
+                  </a:txBody>
+                  <a:tcPr marL="68285" marR="68285" marT="68285" marB="68285" anchor="ctr"/>
+                </a:tc>
+                <a:extLst>
+                  <a:ext uri="{0D108BD9-81ED-4DB2-BD59-A6C34878D82A}">
+                    <a16:rowId xmlns:a16="http://schemas.microsoft.com/office/drawing/2014/main" val="3732324741"/>
+                  </a:ext>
+                </a:extLst>
+              </a:tr>
+              <a:tr h="951849">
+                <a:tc>
+                  <a:txBody>
+                    <a:bodyPr/>
+                    <a:lstStyle/>
+                    <a:p>
+                      <a:r>
+                        <a:rPr lang="en-US" sz="2000" dirty="0">
+                          <a:effectLst/>
+                          <a:latin typeface="Consolas" panose="020B0609020204030204" pitchFamily="49" charset="0"/>
+                        </a:rPr>
+                        <a:t>Trans</a:t>
+                      </a:r>
+                      <a:r>
+                        <a:rPr lang="en-US" sz="2000" b="1" dirty="0">
+                          <a:solidFill>
+                            <a:schemeClr val="accent6">
+                              <a:lumMod val="75000"/>
+                            </a:schemeClr>
+                          </a:solidFill>
+                          <a:effectLst/>
+                          <a:latin typeface="Consolas" panose="020B0609020204030204" pitchFamily="49" charset="0"/>
+                        </a:rPr>
+                        <a:t>form</a:t>
+                      </a:r>
+                    </a:p>
+                  </a:txBody>
+                  <a:tcPr marL="68285" marR="68285" marT="68285" marB="68285" anchor="ctr">
+                    <a:solidFill>
+                      <a:schemeClr val="accent2">
+                        <a:lumMod val="60000"/>
+                        <a:lumOff val="40000"/>
+                      </a:schemeClr>
+                    </a:solidFill>
+                  </a:tcPr>
+                </a:tc>
+                <a:tc>
+                  <a:txBody>
+                    <a:bodyPr/>
+                    <a:lstStyle/>
+                    <a:p>
+                      <a:r>
+                        <a:rPr lang="zh-TW" altLang="en-US" sz="2000" dirty="0">
+                          <a:effectLst/>
+                        </a:rPr>
+                        <a:t>控制</a:t>
+                      </a:r>
+                      <a:r>
+                        <a:rPr lang="en-US" altLang="zh-TW" sz="2000" dirty="0">
+                          <a:effectLst/>
+                        </a:rPr>
+                        <a:t>html</a:t>
+                      </a:r>
+                      <a:r>
+                        <a:rPr lang="zh-TW" altLang="en-US" sz="2000" dirty="0">
+                          <a:effectLst/>
+                        </a:rPr>
+                        <a:t>元素的</a:t>
+                      </a:r>
+                      <a:r>
+                        <a:rPr lang="zh-TW" altLang="en-US" sz="2000" b="1" dirty="0">
+                          <a:solidFill>
+                            <a:schemeClr val="accent6">
+                              <a:lumMod val="75000"/>
+                            </a:schemeClr>
+                          </a:solidFill>
+                          <a:effectLst/>
+                        </a:rPr>
+                        <a:t>旋轉、縮放、移動</a:t>
+                      </a:r>
+                      <a:r>
+                        <a:rPr lang="zh-TW" altLang="en-US" sz="2000" dirty="0">
+                          <a:effectLst/>
+                        </a:rPr>
+                        <a:t>等等</a:t>
+                      </a:r>
+                    </a:p>
+                  </a:txBody>
+                  <a:tcPr marL="68285" marR="68285" marT="68285" marB="68285" anchor="ctr"/>
+                </a:tc>
+                <a:tc>
+                  <a:txBody>
+                    <a:bodyPr/>
+                    <a:lstStyle/>
+                    <a:p>
+                      <a:r>
+                        <a:rPr lang="en-US" altLang="zh-TW" sz="2000" dirty="0">
+                          <a:effectLst/>
+                        </a:rPr>
+                        <a:t>HTML</a:t>
+                      </a:r>
+                      <a:r>
+                        <a:rPr lang="zh-TW" altLang="en-US" sz="2000" dirty="0">
+                          <a:effectLst/>
+                        </a:rPr>
+                        <a:t>元素</a:t>
+                      </a:r>
+                      <a:endParaRPr lang="en-US" altLang="zh-TW" sz="2000" dirty="0">
+                        <a:effectLst/>
+                      </a:endParaRPr>
+                    </a:p>
+                    <a:p>
+                      <a:r>
+                        <a:rPr lang="en-US" altLang="zh-TW" sz="2000" dirty="0">
+                          <a:effectLst/>
+                        </a:rPr>
+                        <a:t>(</a:t>
+                      </a:r>
+                      <a:r>
+                        <a:rPr lang="zh-TW" altLang="en-US" sz="2000" dirty="0">
+                          <a:effectLst/>
+                        </a:rPr>
+                        <a:t>包含內容</a:t>
+                      </a:r>
+                      <a:r>
+                        <a:rPr lang="en-US" altLang="zh-TW" sz="2000" dirty="0">
+                          <a:effectLst/>
+                        </a:rPr>
+                        <a:t>)</a:t>
+                      </a:r>
+                      <a:r>
+                        <a:rPr lang="zh-TW" altLang="en-US" sz="2000" dirty="0">
+                          <a:effectLst/>
+                        </a:rPr>
+                        <a:t>變化</a:t>
+                      </a:r>
+                    </a:p>
+                  </a:txBody>
+                  <a:tcPr marL="68285" marR="68285" marT="68285" marB="68285" anchor="ctr"/>
+                </a:tc>
+                <a:tc>
+                  <a:txBody>
+                    <a:bodyPr/>
+                    <a:lstStyle/>
+                    <a:p>
+                      <a:r>
+                        <a:rPr lang="zh-TW" altLang="en-US" sz="1800" b="0" i="0" kern="1200" dirty="0">
+                          <a:solidFill>
+                            <a:schemeClr val="tx1"/>
+                          </a:solidFill>
+                          <a:effectLst/>
+                          <a:latin typeface="+mn-lt"/>
+                          <a:ea typeface="+mn-ea"/>
+                          <a:cs typeface="+mn-cs"/>
+                        </a:rPr>
+                        <a:t>✔</a:t>
+                      </a:r>
+                      <a:endParaRPr lang="zh-TW" altLang="en-US" sz="2000" dirty="0">
+                        <a:effectLst/>
+                      </a:endParaRPr>
+                    </a:p>
+                  </a:txBody>
+                  <a:tcPr marL="68285" marR="68285" marT="68285" marB="68285" anchor="ctr"/>
+                </a:tc>
+                <a:extLst>
+                  <a:ext uri="{0D108BD9-81ED-4DB2-BD59-A6C34878D82A}">
+                    <a16:rowId xmlns:a16="http://schemas.microsoft.com/office/drawing/2014/main" val="4122545890"/>
+                  </a:ext>
+                </a:extLst>
+              </a:tr>
+              <a:tr h="983039">
+                <a:tc>
+                  <a:txBody>
+                    <a:bodyPr/>
+                    <a:lstStyle/>
+                    <a:p>
+                      <a:r>
+                        <a:rPr lang="en-US" sz="2000" dirty="0">
+                          <a:effectLst/>
+                          <a:latin typeface="Consolas" panose="020B0609020204030204" pitchFamily="49" charset="0"/>
+                        </a:rPr>
+                        <a:t>Animation</a:t>
+                      </a:r>
+                    </a:p>
+                  </a:txBody>
+                  <a:tcPr marL="68285" marR="68285" marT="68285" marB="68285" anchor="ctr">
+                    <a:solidFill>
+                      <a:schemeClr val="accent2">
+                        <a:lumMod val="60000"/>
+                        <a:lumOff val="40000"/>
+                      </a:schemeClr>
+                    </a:solidFill>
+                  </a:tcPr>
+                </a:tc>
+                <a:tc>
+                  <a:txBody>
+                    <a:bodyPr/>
+                    <a:lstStyle/>
+                    <a:p>
+                      <a:r>
+                        <a:rPr lang="zh-TW" altLang="en-US" sz="2000" dirty="0">
+                          <a:effectLst/>
+                        </a:rPr>
+                        <a:t>細節複雜的動畫效果，強調</a:t>
+                      </a:r>
+                      <a:r>
+                        <a:rPr lang="en-US" altLang="zh-TW" sz="2000" dirty="0">
+                          <a:effectLst/>
+                        </a:rPr>
+                        <a:t>CSS</a:t>
+                      </a:r>
+                      <a:r>
+                        <a:rPr lang="zh-TW" altLang="en-US" sz="2000" dirty="0">
+                          <a:effectLst/>
+                        </a:rPr>
+                        <a:t>屬性的流程與控制，可加</a:t>
+                      </a:r>
+                      <a:r>
+                        <a:rPr lang="en-US" altLang="zh-TW" sz="2000" dirty="0">
+                          <a:effectLst/>
+                        </a:rPr>
+                        <a:t>keyframes</a:t>
+                      </a:r>
+                    </a:p>
+                  </a:txBody>
+                  <a:tcPr marL="68285" marR="68285" marT="68285" marB="68285" anchor="ctr"/>
+                </a:tc>
+                <a:tc>
+                  <a:txBody>
+                    <a:bodyPr/>
+                    <a:lstStyle/>
+                    <a:p>
+                      <a:r>
+                        <a:rPr lang="en-US" sz="2000" dirty="0">
+                          <a:effectLst/>
+                        </a:rPr>
+                        <a:t>CSS</a:t>
+                      </a:r>
+                      <a:r>
+                        <a:rPr lang="zh-TW" altLang="en-US" sz="2000" dirty="0">
+                          <a:effectLst/>
+                        </a:rPr>
+                        <a:t>屬性變化</a:t>
+                      </a:r>
+                    </a:p>
+                  </a:txBody>
+                  <a:tcPr marL="68285" marR="68285" marT="68285" marB="68285" anchor="ctr"/>
+                </a:tc>
+                <a:tc>
+                  <a:txBody>
+                    <a:bodyPr/>
+                    <a:lstStyle/>
+                    <a:p>
+                      <a:r>
+                        <a:rPr lang="zh-TW" altLang="en-US" sz="1800" b="0" i="0" kern="1200" dirty="0">
+                          <a:solidFill>
+                            <a:schemeClr val="tx1"/>
+                          </a:solidFill>
+                          <a:effectLst/>
+                          <a:latin typeface="+mn-lt"/>
+                          <a:ea typeface="+mn-ea"/>
+                          <a:cs typeface="+mn-cs"/>
+                        </a:rPr>
+                        <a:t>✔</a:t>
+                      </a:r>
+                      <a:endParaRPr lang="zh-TW" altLang="en-US" sz="2000" dirty="0">
+                        <a:effectLst/>
+                      </a:endParaRPr>
+                    </a:p>
+                  </a:txBody>
+                  <a:tcPr marL="68285" marR="68285" marT="68285" marB="68285" anchor="ctr"/>
+                </a:tc>
+                <a:extLst>
+                  <a:ext uri="{0D108BD9-81ED-4DB2-BD59-A6C34878D82A}">
+                    <a16:rowId xmlns:a16="http://schemas.microsoft.com/office/drawing/2014/main" val="2873741738"/>
+                  </a:ext>
+                </a:extLst>
+              </a:tr>
+            </a:tbl>
+          </a:graphicData>
+        </a:graphic>
+      </p:graphicFrame>
+      <p:sp>
+        <p:nvSpPr>
+          <p:cNvPr id="8" name="文字方塊 7">
+            <a:extLst>
+              <a:ext uri="{FF2B5EF4-FFF2-40B4-BE49-F238E27FC236}">
+                <a16:creationId xmlns:a16="http://schemas.microsoft.com/office/drawing/2014/main" id="{BACB6B7F-5C78-4648-A605-A85BCF69F870}"/>
+              </a:ext>
+            </a:extLst>
+          </p:cNvPr>
+          <p:cNvSpPr txBox="1"/>
+          <p:nvPr/>
+        </p:nvSpPr>
+        <p:spPr>
+          <a:xfrm>
+            <a:off x="979989" y="3759200"/>
+            <a:ext cx="5116011" cy="369332"/>
+          </a:xfrm>
+          <a:prstGeom prst="rect">
+            <a:avLst/>
+          </a:prstGeom>
+          <a:noFill/>
+        </p:spPr>
+        <p:txBody>
+          <a:bodyPr wrap="square" rtlCol="0">
+            <a:spAutoFit/>
+          </a:bodyPr>
+          <a:lstStyle/>
+          <a:p>
+            <a:r>
+              <a:rPr lang="en-US" altLang="zh-TW" dirty="0" err="1">
+                <a:solidFill>
+                  <a:schemeClr val="accent5">
+                    <a:lumMod val="75000"/>
+                  </a:schemeClr>
+                </a:solidFill>
+                <a:latin typeface="Consolas" panose="020B0609020204030204" pitchFamily="49" charset="0"/>
+              </a:rPr>
+              <a:t>translaste</a:t>
+            </a:r>
+            <a:r>
+              <a:rPr lang="zh-TW" altLang="en-US" dirty="0">
+                <a:solidFill>
+                  <a:schemeClr val="accent5">
+                    <a:lumMod val="75000"/>
+                  </a:schemeClr>
+                </a:solidFill>
+                <a:latin typeface="Consolas" panose="020B0609020204030204" pitchFamily="49" charset="0"/>
+              </a:rPr>
+              <a:t>，他只是</a:t>
+            </a:r>
+            <a:r>
+              <a:rPr lang="en-US" altLang="zh-TW" dirty="0">
+                <a:solidFill>
+                  <a:schemeClr val="accent5">
+                    <a:lumMod val="75000"/>
+                  </a:schemeClr>
+                </a:solidFill>
+                <a:latin typeface="Consolas" panose="020B0609020204030204" pitchFamily="49" charset="0"/>
+              </a:rPr>
+              <a:t>transform</a:t>
+            </a:r>
+            <a:r>
+              <a:rPr lang="zh-TW" altLang="en-US" dirty="0">
+                <a:solidFill>
+                  <a:schemeClr val="accent5">
+                    <a:lumMod val="75000"/>
+                  </a:schemeClr>
+                </a:solidFill>
+                <a:latin typeface="Consolas" panose="020B0609020204030204" pitchFamily="49" charset="0"/>
+              </a:rPr>
+              <a:t>的一個函數</a:t>
+            </a:r>
+          </a:p>
+        </p:txBody>
+      </p:sp>
+      <p:sp>
+        <p:nvSpPr>
+          <p:cNvPr id="10" name="標題 9">
+            <a:extLst>
+              <a:ext uri="{FF2B5EF4-FFF2-40B4-BE49-F238E27FC236}">
+                <a16:creationId xmlns:a16="http://schemas.microsoft.com/office/drawing/2014/main" id="{6C4BEBD9-CC2F-4E2C-9759-38008E6D72E3}"/>
               </a:ext>
             </a:extLst>
           </p:cNvPr>
@@ -6417,48 +12337,27 @@
             <p:ph type="title"/>
           </p:nvPr>
         </p:nvSpPr>
-        <p:spPr/>
+        <p:spPr>
+          <a:xfrm>
+            <a:off x="1371600" y="685800"/>
+            <a:ext cx="9601200" cy="858520"/>
+          </a:xfrm>
+        </p:spPr>
         <p:txBody>
           <a:bodyPr/>
           <a:lstStyle/>
           <a:p>
             <a:r>
-              <a:rPr lang="en-US" altLang="zh-TW" dirty="0"/>
-              <a:t>CSS FLEX</a:t>
-            </a:r>
-            <a:endParaRPr lang="zh-TW" altLang="en-US" dirty="0"/>
-          </a:p>
-        </p:txBody>
-      </p:sp>
-      <p:sp>
-        <p:nvSpPr>
-          <p:cNvPr id="3" name="文字版面配置區 2">
-            <a:extLst>
-              <a:ext uri="{FF2B5EF4-FFF2-40B4-BE49-F238E27FC236}">
-                <a16:creationId xmlns:a16="http://schemas.microsoft.com/office/drawing/2014/main" id="{52CE9C9D-91AD-482F-9170-FB06F18CF1A8}"/>
-              </a:ext>
-            </a:extLst>
-          </p:cNvPr>
-          <p:cNvSpPr>
-            <a:spLocks noGrp="1"/>
-          </p:cNvSpPr>
-          <p:nvPr>
-            <p:ph type="body" idx="1"/>
-          </p:nvPr>
-        </p:nvSpPr>
-        <p:spPr/>
-        <p:txBody>
-          <a:bodyPr/>
-          <a:lstStyle/>
-          <a:p>
-            <a:endParaRPr lang="zh-TW" altLang="en-US"/>
+              <a:rPr lang="zh-TW" altLang="en-US" dirty="0"/>
+              <a:t>比較</a:t>
+            </a:r>
           </a:p>
         </p:txBody>
       </p:sp>
     </p:spTree>
     <p:extLst>
       <p:ext uri="{BB962C8B-B14F-4D97-AF65-F5344CB8AC3E}">
-        <p14:creationId xmlns:p14="http://schemas.microsoft.com/office/powerpoint/2010/main" val="2669256394"/>
+        <p14:creationId xmlns:p14="http://schemas.microsoft.com/office/powerpoint/2010/main" val="2313947635"/>
       </p:ext>
     </p:extLst>
   </p:cSld>
@@ -6490,7 +12389,7 @@
           <p:cNvPr id="2" name="標題 1">
             <a:extLst>
               <a:ext uri="{FF2B5EF4-FFF2-40B4-BE49-F238E27FC236}">
-                <a16:creationId xmlns:a16="http://schemas.microsoft.com/office/drawing/2014/main" id="{C5E8BED4-0158-4D92-8787-9D44E281D9EB}"/>
+                <a16:creationId xmlns:a16="http://schemas.microsoft.com/office/drawing/2014/main" id="{31043887-41C3-4291-A84D-DFD1EAC2875A}"/>
               </a:ext>
             </a:extLst>
           </p:cNvPr>
@@ -6503,186 +12402,73 @@
         </p:nvSpPr>
         <p:spPr/>
         <p:txBody>
-          <a:bodyPr>
-            <a:normAutofit/>
-          </a:bodyPr>
+          <a:bodyPr/>
           <a:lstStyle/>
           <a:p>
             <a:r>
-              <a:rPr lang="en-US" altLang="zh-TW" dirty="0">
+              <a:rPr lang="en-US" altLang="zh-TW" b="0" i="0" dirty="0">
+                <a:solidFill>
+                  <a:schemeClr val="tx1"/>
+                </a:solidFill>
+                <a:effectLst/>
+                <a:latin typeface="Segoe UI" panose="020B0502040204020203" pitchFamily="34" charset="0"/>
                 <a:hlinkClick r:id="rId2"/>
               </a:rPr>
-              <a:t>display: flex</a:t>
-            </a:r>
-            <a:r>
-              <a:rPr lang="en-US" altLang="zh-TW" dirty="0"/>
-              <a:t> </a:t>
-            </a:r>
-            <a:r>
-              <a:rPr lang="zh-TW" altLang="en-US" b="0" i="0" dirty="0">
-                <a:solidFill>
-                  <a:srgbClr val="4D5156"/>
-                </a:solidFill>
-                <a:effectLst/>
-                <a:latin typeface="arial" panose="020B0604020202020204" pitchFamily="34" charset="0"/>
-              </a:rPr>
-              <a:t>彈性盒子</a:t>
-            </a:r>
-            <a:endParaRPr lang="zh-TW" altLang="en-US" dirty="0"/>
-          </a:p>
-        </p:txBody>
-      </p:sp>
-      <p:pic>
-        <p:nvPicPr>
-          <p:cNvPr id="5122" name="Picture 2">
+              <a:t>CSS Transitions</a:t>
+            </a:r>
+            <a:endParaRPr lang="en-US" altLang="zh-TW" b="0" i="0" dirty="0">
+              <a:solidFill>
+                <a:schemeClr val="tx1"/>
+              </a:solidFill>
+              <a:effectLst/>
+              <a:latin typeface="Segoe UI" panose="020B0502040204020203" pitchFamily="34" charset="0"/>
+            </a:endParaRPr>
+          </a:p>
+        </p:txBody>
+      </p:sp>
+      <p:sp>
+        <p:nvSpPr>
+          <p:cNvPr id="3" name="文字版面配置區 2">
             <a:extLst>
               <a:ext uri="{FF2B5EF4-FFF2-40B4-BE49-F238E27FC236}">
-                <a16:creationId xmlns:a16="http://schemas.microsoft.com/office/drawing/2014/main" id="{8EE2578F-9A21-4A9A-8AE2-9875B4106613}"/>
+                <a16:creationId xmlns:a16="http://schemas.microsoft.com/office/drawing/2014/main" id="{7DE05AAD-CDF6-497B-B090-36B66137BCB1}"/>
               </a:ext>
             </a:extLst>
           </p:cNvPr>
-          <p:cNvPicPr>
-            <a:picLocks noChangeAspect="1" noChangeArrowheads="1"/>
-          </p:cNvPicPr>
-          <p:nvPr/>
-        </p:nvPicPr>
-        <p:blipFill>
-          <a:blip r:embed="rId3">
-            <a:extLst>
-              <a:ext uri="{28A0092B-C50C-407E-A947-70E740481C1C}">
-                <a14:useLocalDpi xmlns:a14="http://schemas.microsoft.com/office/drawing/2010/main" val="0"/>
-              </a:ext>
-            </a:extLst>
-          </a:blip>
-          <a:srcRect/>
-          <a:stretch>
-            <a:fillRect/>
-          </a:stretch>
-        </p:blipFill>
-        <p:spPr bwMode="auto">
-          <a:xfrm>
-            <a:off x="6214642" y="1825112"/>
-            <a:ext cx="5715000" cy="3352800"/>
-          </a:xfrm>
-          <a:prstGeom prst="rect">
-            <a:avLst/>
-          </a:prstGeom>
-          <a:noFill/>
-          <a:extLst>
-            <a:ext uri="{909E8E84-426E-40DD-AFC4-6F175D3DCCD1}">
-              <a14:hiddenFill xmlns:a14="http://schemas.microsoft.com/office/drawing/2010/main">
-                <a:solidFill>
-                  <a:srgbClr val="FFFFFF"/>
-                </a:solidFill>
-              </a14:hiddenFill>
-            </a:ext>
-          </a:extLst>
-        </p:spPr>
-      </p:pic>
-      <p:pic>
-        <p:nvPicPr>
-          <p:cNvPr id="5" name="Picture 2">
-            <a:extLst>
-              <a:ext uri="{FF2B5EF4-FFF2-40B4-BE49-F238E27FC236}">
-                <a16:creationId xmlns:a16="http://schemas.microsoft.com/office/drawing/2014/main" id="{FF39E68B-9AAE-42B4-ADA2-BA193013C34E}"/>
-              </a:ext>
-            </a:extLst>
-          </p:cNvPr>
-          <p:cNvPicPr>
-            <a:picLocks noChangeAspect="1" noChangeArrowheads="1"/>
-          </p:cNvPicPr>
-          <p:nvPr/>
-        </p:nvPicPr>
-        <p:blipFill>
-          <a:blip r:embed="rId4">
-            <a:extLst>
-              <a:ext uri="{28A0092B-C50C-407E-A947-70E740481C1C}">
-                <a14:useLocalDpi xmlns:a14="http://schemas.microsoft.com/office/drawing/2010/main" val="0"/>
-              </a:ext>
-            </a:extLst>
-          </a:blip>
-          <a:srcRect/>
-          <a:stretch>
-            <a:fillRect/>
-          </a:stretch>
-        </p:blipFill>
-        <p:spPr bwMode="auto">
-          <a:xfrm>
-            <a:off x="784667" y="1783280"/>
-            <a:ext cx="5715000" cy="3114675"/>
-          </a:xfrm>
-          <a:prstGeom prst="rect">
-            <a:avLst/>
-          </a:prstGeom>
-          <a:noFill/>
-          <a:extLst>
-            <a:ext uri="{909E8E84-426E-40DD-AFC4-6F175D3DCCD1}">
-              <a14:hiddenFill xmlns:a14="http://schemas.microsoft.com/office/drawing/2010/main">
-                <a:solidFill>
-                  <a:srgbClr val="FFFFFF"/>
-                </a:solidFill>
-              </a14:hiddenFill>
-            </a:ext>
-          </a:extLst>
-        </p:spPr>
-      </p:pic>
-      <p:sp>
-        <p:nvSpPr>
-          <p:cNvPr id="3" name="語音泡泡: 圓角矩形 2">
-            <a:extLst>
-              <a:ext uri="{FF2B5EF4-FFF2-40B4-BE49-F238E27FC236}">
-                <a16:creationId xmlns:a16="http://schemas.microsoft.com/office/drawing/2014/main" id="{5A9D7157-82CB-4370-B31A-ED213AA78615}"/>
-              </a:ext>
-            </a:extLst>
-          </p:cNvPr>
-          <p:cNvSpPr/>
-          <p:nvPr/>
-        </p:nvSpPr>
-        <p:spPr>
-          <a:xfrm>
-            <a:off x="1371601" y="5046563"/>
-            <a:ext cx="2494344" cy="752354"/>
-          </a:xfrm>
-          <a:prstGeom prst="wedgeRoundRectCallout">
-            <a:avLst>
-              <a:gd name="adj1" fmla="val -19493"/>
-              <a:gd name="adj2" fmla="val -87065"/>
-              <a:gd name="adj3" fmla="val 16667"/>
-            </a:avLst>
-          </a:prstGeom>
-        </p:spPr>
-        <p:style>
-          <a:lnRef idx="2">
-            <a:schemeClr val="accent1">
-              <a:shade val="50000"/>
-            </a:schemeClr>
-          </a:lnRef>
-          <a:fillRef idx="1">
-            <a:schemeClr val="accent1"/>
-          </a:fillRef>
-          <a:effectRef idx="0">
-            <a:schemeClr val="accent1"/>
-          </a:effectRef>
-          <a:fontRef idx="minor">
-            <a:schemeClr val="lt1"/>
-          </a:fontRef>
-        </p:style>
-        <p:txBody>
-          <a:bodyPr rtlCol="0" anchor="ctr"/>
+          <p:cNvSpPr>
+            <a:spLocks noGrp="1"/>
+          </p:cNvSpPr>
+          <p:nvPr>
+            <p:ph type="body" idx="1"/>
+          </p:nvPr>
+        </p:nvSpPr>
+        <p:spPr/>
+        <p:txBody>
+          <a:bodyPr/>
           <a:lstStyle/>
           <a:p>
-            <a:pPr algn="ctr"/>
-            <a:r>
-              <a:rPr lang="zh-TW" altLang="en-US" dirty="0"/>
-              <a:t>預設會橫向排列</a:t>
-            </a:r>
+            <a:r>
+              <a:rPr lang="zh-TW" altLang="en-US" b="1" i="0" dirty="0">
+                <a:solidFill>
+                  <a:schemeClr val="tx1"/>
+                </a:solidFill>
+                <a:effectLst/>
+                <a:latin typeface="roboto" pitchFamily="2" charset="0"/>
+              </a:rPr>
+              <a:t>設定基礎的動畫效果</a:t>
+            </a:r>
+            <a:endParaRPr lang="zh-TW" altLang="en-US" b="1" dirty="0">
+              <a:solidFill>
+                <a:schemeClr val="tx1"/>
+              </a:solidFill>
+            </a:endParaRPr>
           </a:p>
         </p:txBody>
       </p:sp>
     </p:spTree>
     <p:extLst>
       <p:ext uri="{BB962C8B-B14F-4D97-AF65-F5344CB8AC3E}">
-        <p14:creationId xmlns:p14="http://schemas.microsoft.com/office/powerpoint/2010/main" val="4219183112"/>
+        <p14:creationId xmlns:p14="http://schemas.microsoft.com/office/powerpoint/2010/main" val="4263647232"/>
       </p:ext>
     </p:extLst>
   </p:cSld>
@@ -6711,10 +12497,382 @@
       </p:grpSpPr>
       <p:sp>
         <p:nvSpPr>
-          <p:cNvPr id="3" name="文字方塊 2">
+          <p:cNvPr id="2" name="標題 1">
             <a:extLst>
               <a:ext uri="{FF2B5EF4-FFF2-40B4-BE49-F238E27FC236}">
-                <a16:creationId xmlns:a16="http://schemas.microsoft.com/office/drawing/2014/main" id="{C2B493C3-8366-4C36-BB32-D4AD769F06CE}"/>
+                <a16:creationId xmlns:a16="http://schemas.microsoft.com/office/drawing/2014/main" id="{2D59E30B-878B-4BCF-8DE5-F8EC0719DD21}"/>
+              </a:ext>
+            </a:extLst>
+          </p:cNvPr>
+          <p:cNvSpPr>
+            <a:spLocks noGrp="1"/>
+          </p:cNvSpPr>
+          <p:nvPr>
+            <p:ph type="title"/>
+          </p:nvPr>
+        </p:nvSpPr>
+        <p:spPr/>
+        <p:txBody>
+          <a:bodyPr/>
+          <a:lstStyle/>
+          <a:p>
+            <a:r>
+              <a:rPr lang="en-US" altLang="zh-TW" b="0" i="0" dirty="0">
+                <a:solidFill>
+                  <a:schemeClr val="tx1"/>
+                </a:solidFill>
+                <a:effectLst/>
+                <a:latin typeface="Segoe UI" panose="020B0502040204020203" pitchFamily="34" charset="0"/>
+                <a:hlinkClick r:id="rId2"/>
+              </a:rPr>
+              <a:t>CSS Transitions</a:t>
+            </a:r>
+            <a:endParaRPr lang="zh-TW" altLang="en-US" dirty="0"/>
+          </a:p>
+        </p:txBody>
+      </p:sp>
+      <p:sp>
+        <p:nvSpPr>
+          <p:cNvPr id="3" name="內容版面配置區 2">
+            <a:extLst>
+              <a:ext uri="{FF2B5EF4-FFF2-40B4-BE49-F238E27FC236}">
+                <a16:creationId xmlns:a16="http://schemas.microsoft.com/office/drawing/2014/main" id="{D48BEC55-CC17-400A-A6AA-2DE4E20829D3}"/>
+              </a:ext>
+            </a:extLst>
+          </p:cNvPr>
+          <p:cNvSpPr>
+            <a:spLocks noGrp="1"/>
+          </p:cNvSpPr>
+          <p:nvPr>
+            <p:ph idx="1"/>
+          </p:nvPr>
+        </p:nvSpPr>
+        <p:spPr>
+          <a:xfrm>
+            <a:off x="1371600" y="1758462"/>
+            <a:ext cx="9601200" cy="2663067"/>
+          </a:xfrm>
+        </p:spPr>
+        <p:txBody>
+          <a:bodyPr>
+            <a:normAutofit/>
+          </a:bodyPr>
+          <a:lstStyle/>
+          <a:p>
+            <a:r>
+              <a:rPr lang="zh-TW" altLang="en-US" i="0" dirty="0">
+                <a:solidFill>
+                  <a:schemeClr val="tx1"/>
+                </a:solidFill>
+                <a:effectLst/>
+                <a:latin typeface="roboto" pitchFamily="2" charset="0"/>
+              </a:rPr>
+              <a:t>設定基礎的</a:t>
+            </a:r>
+            <a:r>
+              <a:rPr lang="zh-TW" altLang="en-US" b="1" i="0" dirty="0">
+                <a:solidFill>
+                  <a:schemeClr val="accent6">
+                    <a:lumMod val="75000"/>
+                  </a:schemeClr>
+                </a:solidFill>
+                <a:effectLst/>
+                <a:latin typeface="roboto" pitchFamily="2" charset="0"/>
+              </a:rPr>
+              <a:t>動畫效果</a:t>
+            </a:r>
+            <a:endParaRPr lang="en-US" altLang="zh-TW" dirty="0">
+              <a:solidFill>
+                <a:schemeClr val="accent6">
+                  <a:lumMod val="75000"/>
+                </a:schemeClr>
+              </a:solidFill>
+            </a:endParaRPr>
+          </a:p>
+          <a:p>
+            <a:r>
+              <a:rPr lang="en-US" altLang="zh-TW" dirty="0"/>
+              <a:t>transition: </a:t>
+            </a:r>
+            <a:r>
+              <a:rPr lang="en-US" altLang="zh-TW" b="0" i="0" dirty="0">
+                <a:solidFill>
+                  <a:schemeClr val="accent5">
+                    <a:lumMod val="75000"/>
+                  </a:schemeClr>
+                </a:solidFill>
+                <a:effectLst/>
+                <a:latin typeface="Consolas" panose="020B0609020204030204" pitchFamily="49" charset="0"/>
+              </a:rPr>
+              <a:t>property</a:t>
+            </a:r>
+            <a:r>
+              <a:rPr lang="zh-TW" altLang="en-US" b="0" i="0" dirty="0">
+                <a:solidFill>
+                  <a:schemeClr val="accent5">
+                    <a:lumMod val="75000"/>
+                  </a:schemeClr>
+                </a:solidFill>
+                <a:effectLst/>
+                <a:latin typeface="Consolas" panose="020B0609020204030204" pitchFamily="49" charset="0"/>
+              </a:rPr>
+              <a:t> </a:t>
+            </a:r>
+            <a:r>
+              <a:rPr lang="en-US" altLang="zh-TW" b="0" i="0" dirty="0">
+                <a:solidFill>
+                  <a:schemeClr val="accent5">
+                    <a:lumMod val="75000"/>
+                  </a:schemeClr>
+                </a:solidFill>
+                <a:effectLst/>
+                <a:latin typeface="Consolas" panose="020B0609020204030204" pitchFamily="49" charset="0"/>
+              </a:rPr>
+              <a:t>duration</a:t>
+            </a:r>
+            <a:r>
+              <a:rPr lang="zh-TW" altLang="en-US" b="0" i="0" dirty="0">
+                <a:solidFill>
+                  <a:schemeClr val="accent5">
+                    <a:lumMod val="75000"/>
+                  </a:schemeClr>
+                </a:solidFill>
+                <a:effectLst/>
+                <a:latin typeface="Consolas" panose="020B0609020204030204" pitchFamily="49" charset="0"/>
+              </a:rPr>
+              <a:t> </a:t>
+            </a:r>
+            <a:r>
+              <a:rPr lang="en-US" altLang="zh-TW" b="0" i="0" dirty="0">
+                <a:solidFill>
+                  <a:schemeClr val="accent5">
+                    <a:lumMod val="75000"/>
+                  </a:schemeClr>
+                </a:solidFill>
+                <a:effectLst/>
+                <a:latin typeface="Consolas" panose="020B0609020204030204" pitchFamily="49" charset="0"/>
+              </a:rPr>
+              <a:t>timing-function</a:t>
+            </a:r>
+            <a:r>
+              <a:rPr lang="zh-TW" altLang="en-US" b="0" i="0" dirty="0">
+                <a:solidFill>
+                  <a:schemeClr val="accent5">
+                    <a:lumMod val="75000"/>
+                  </a:schemeClr>
+                </a:solidFill>
+                <a:effectLst/>
+                <a:latin typeface="Consolas" panose="020B0609020204030204" pitchFamily="49" charset="0"/>
+              </a:rPr>
+              <a:t> </a:t>
+            </a:r>
+            <a:r>
+              <a:rPr lang="en-US" altLang="zh-TW" b="0" i="0" dirty="0">
+                <a:solidFill>
+                  <a:schemeClr val="accent5">
+                    <a:lumMod val="75000"/>
+                  </a:schemeClr>
+                </a:solidFill>
+                <a:effectLst/>
+                <a:latin typeface="Consolas" panose="020B0609020204030204" pitchFamily="49" charset="0"/>
+              </a:rPr>
+              <a:t>delay</a:t>
+            </a:r>
+          </a:p>
+          <a:p>
+            <a:r>
+              <a:rPr lang="en-US" altLang="zh-TW" dirty="0"/>
+              <a:t>transition-property</a:t>
+            </a:r>
+            <a:r>
+              <a:rPr lang="zh-TW" altLang="en-US" dirty="0"/>
+              <a:t> </a:t>
+            </a:r>
+            <a:r>
+              <a:rPr lang="zh-TW" altLang="en-US" b="0" i="0" dirty="0">
+                <a:solidFill>
+                  <a:srgbClr val="333333"/>
+                </a:solidFill>
+                <a:effectLst/>
+                <a:latin typeface="roboto" pitchFamily="2" charset="0"/>
+              </a:rPr>
+              <a:t>指定要做 </a:t>
+            </a:r>
+            <a:r>
+              <a:rPr lang="en-US" altLang="zh-TW" b="0" i="0" dirty="0">
+                <a:solidFill>
+                  <a:srgbClr val="333333"/>
+                </a:solidFill>
+                <a:effectLst/>
+                <a:latin typeface="roboto" pitchFamily="2" charset="0"/>
+              </a:rPr>
+              <a:t>transition </a:t>
+            </a:r>
+            <a:r>
+              <a:rPr lang="zh-TW" altLang="en-US" b="0" i="0" dirty="0">
+                <a:solidFill>
+                  <a:srgbClr val="333333"/>
+                </a:solidFill>
+                <a:effectLst/>
+                <a:latin typeface="roboto" pitchFamily="2" charset="0"/>
+              </a:rPr>
+              <a:t>的</a:t>
+            </a:r>
+            <a:r>
+              <a:rPr lang="en-US" altLang="zh-TW" b="1" i="0" dirty="0">
+                <a:solidFill>
+                  <a:schemeClr val="accent5">
+                    <a:lumMod val="75000"/>
+                  </a:schemeClr>
+                </a:solidFill>
+                <a:effectLst/>
+                <a:latin typeface="roboto" pitchFamily="2" charset="0"/>
+              </a:rPr>
+              <a:t>CSS</a:t>
+            </a:r>
+            <a:r>
+              <a:rPr lang="zh-TW" altLang="en-US" b="1" i="0" dirty="0">
+                <a:solidFill>
+                  <a:schemeClr val="accent5">
+                    <a:lumMod val="75000"/>
+                  </a:schemeClr>
+                </a:solidFill>
+                <a:effectLst/>
+                <a:latin typeface="roboto" pitchFamily="2" charset="0"/>
+              </a:rPr>
+              <a:t>屬性</a:t>
+            </a:r>
+            <a:endParaRPr lang="en-US" altLang="zh-TW" b="1" i="0" dirty="0">
+              <a:solidFill>
+                <a:schemeClr val="accent5">
+                  <a:lumMod val="75000"/>
+                </a:schemeClr>
+              </a:solidFill>
+              <a:effectLst/>
+              <a:latin typeface="roboto" pitchFamily="2" charset="0"/>
+            </a:endParaRPr>
+          </a:p>
+          <a:p>
+            <a:r>
+              <a:rPr lang="en-US" altLang="zh-TW" dirty="0"/>
+              <a:t>transition-duration</a:t>
+            </a:r>
+            <a:r>
+              <a:rPr lang="zh-TW" altLang="en-US" dirty="0"/>
+              <a:t> </a:t>
+            </a:r>
+            <a:r>
+              <a:rPr lang="zh-TW" altLang="en-US" b="0" i="0" dirty="0">
+                <a:solidFill>
+                  <a:srgbClr val="333333"/>
+                </a:solidFill>
+                <a:effectLst/>
+                <a:latin typeface="roboto" pitchFamily="2" charset="0"/>
+              </a:rPr>
+              <a:t>執行時間</a:t>
+            </a:r>
+            <a:r>
+              <a:rPr lang="en-US" altLang="zh-TW" b="0" i="0" dirty="0">
+                <a:solidFill>
+                  <a:srgbClr val="333333"/>
+                </a:solidFill>
+                <a:effectLst/>
+                <a:latin typeface="roboto" pitchFamily="2" charset="0"/>
+              </a:rPr>
+              <a:t>(s or </a:t>
+            </a:r>
+            <a:r>
+              <a:rPr lang="en-US" altLang="zh-TW" b="0" i="0" dirty="0" err="1">
+                <a:solidFill>
+                  <a:srgbClr val="333333"/>
+                </a:solidFill>
+                <a:effectLst/>
+                <a:latin typeface="roboto" pitchFamily="2" charset="0"/>
+              </a:rPr>
+              <a:t>ms</a:t>
+            </a:r>
+            <a:r>
+              <a:rPr lang="en-US" altLang="zh-TW" b="0" i="0" dirty="0">
+                <a:solidFill>
+                  <a:srgbClr val="333333"/>
+                </a:solidFill>
+                <a:effectLst/>
+                <a:latin typeface="roboto" pitchFamily="2" charset="0"/>
+              </a:rPr>
+              <a:t>)</a:t>
+            </a:r>
+            <a:endParaRPr lang="en-US" altLang="zh-TW" dirty="0"/>
+          </a:p>
+          <a:p>
+            <a:r>
+              <a:rPr lang="en-US" altLang="zh-TW" dirty="0"/>
+              <a:t>transition-timing-function</a:t>
+            </a:r>
+            <a:r>
+              <a:rPr lang="zh-TW" altLang="en-US" dirty="0"/>
+              <a:t>  </a:t>
+            </a:r>
+            <a:r>
+              <a:rPr lang="zh-TW" altLang="en-US" b="0" i="0" dirty="0">
+                <a:solidFill>
+                  <a:srgbClr val="333333"/>
+                </a:solidFill>
+                <a:effectLst/>
+                <a:latin typeface="roboto" pitchFamily="2" charset="0"/>
+              </a:rPr>
+              <a:t>動態執行參數</a:t>
+            </a:r>
+            <a:endParaRPr lang="en-US" altLang="zh-TW" dirty="0"/>
+          </a:p>
+          <a:p>
+            <a:r>
+              <a:rPr lang="en-US" altLang="zh-TW" dirty="0"/>
+              <a:t>transition-delay </a:t>
+            </a:r>
+            <a:r>
+              <a:rPr lang="zh-TW" altLang="en-US" dirty="0"/>
+              <a:t>   延遲時間 </a:t>
+            </a:r>
+            <a:r>
+              <a:rPr lang="en-US" altLang="zh-TW" b="0" i="0" dirty="0">
+                <a:solidFill>
+                  <a:srgbClr val="333333"/>
+                </a:solidFill>
+                <a:effectLst/>
+                <a:latin typeface="roboto" pitchFamily="2" charset="0"/>
+              </a:rPr>
+              <a:t> (s or </a:t>
+            </a:r>
+            <a:r>
+              <a:rPr lang="en-US" altLang="zh-TW" b="0" i="0" dirty="0" err="1">
+                <a:solidFill>
+                  <a:srgbClr val="333333"/>
+                </a:solidFill>
+                <a:effectLst/>
+                <a:latin typeface="roboto" pitchFamily="2" charset="0"/>
+              </a:rPr>
+              <a:t>ms</a:t>
+            </a:r>
+            <a:r>
+              <a:rPr lang="en-US" altLang="zh-TW" b="0" i="0" dirty="0">
+                <a:solidFill>
+                  <a:srgbClr val="333333"/>
+                </a:solidFill>
+                <a:effectLst/>
+                <a:latin typeface="roboto" pitchFamily="2" charset="0"/>
+              </a:rPr>
+              <a:t>)</a:t>
+            </a:r>
+            <a:endParaRPr lang="en-US" altLang="zh-TW" dirty="0"/>
+          </a:p>
+        </p:txBody>
+      </p:sp>
+      <p:sp>
+        <p:nvSpPr>
+          <p:cNvPr id="9" name="文字方塊 8">
+            <a:extLst>
+              <a:ext uri="{FF2B5EF4-FFF2-40B4-BE49-F238E27FC236}">
+                <a16:creationId xmlns:a16="http://schemas.microsoft.com/office/drawing/2014/main" id="{BF9CFB41-06C2-47AE-A90D-77B658FB5027}"/>
               </a:ext>
             </a:extLst>
           </p:cNvPr>
@@ -6723,8 +12881,8 @@
         </p:nvSpPr>
         <p:spPr>
           <a:xfrm>
-            <a:off x="2523478" y="1971673"/>
-            <a:ext cx="3238130" cy="2123658"/>
+            <a:off x="1556344" y="4746845"/>
+            <a:ext cx="7658775" cy="1200329"/>
           </a:xfrm>
           <a:prstGeom prst="rect">
             <a:avLst/>
@@ -6737,280 +12895,240 @@
           </a:bodyPr>
           <a:lstStyle/>
           <a:p>
-            <a:pPr algn="l" fontAlgn="base"/>
-            <a:r>
-              <a:rPr lang="en-US" altLang="zh-TW" sz="2400" b="1" i="0" dirty="0">
-                <a:solidFill>
-                  <a:srgbClr val="555555"/>
-                </a:solidFill>
-                <a:effectLst/>
-                <a:latin typeface="Titillium Web"/>
-              </a:rPr>
-              <a:t>Flex </a:t>
-            </a:r>
-            <a:r>
-              <a:rPr lang="zh-TW" altLang="en-US" sz="2400" b="1" i="0" dirty="0">
-                <a:solidFill>
-                  <a:srgbClr val="555555"/>
-                </a:solidFill>
-                <a:effectLst/>
-                <a:latin typeface="Titillium Web"/>
-              </a:rPr>
-              <a:t>外容器屬性：</a:t>
-            </a:r>
-          </a:p>
-          <a:p>
-            <a:pPr algn="l" fontAlgn="base">
-              <a:buFont typeface="Arial" panose="020B0604020202020204" pitchFamily="34" charset="0"/>
-              <a:buChar char="•"/>
-            </a:pPr>
             <a:r>
               <a:rPr lang="en-US" altLang="zh-TW" b="0" i="0" dirty="0">
                 <a:solidFill>
-                  <a:srgbClr val="555555"/>
-                </a:solidFill>
-                <a:effectLst/>
-                <a:latin typeface="inherit"/>
-              </a:rPr>
-              <a:t>display</a:t>
-            </a:r>
-          </a:p>
-          <a:p>
-            <a:pPr algn="l" fontAlgn="base">
-              <a:buFont typeface="Arial" panose="020B0604020202020204" pitchFamily="34" charset="0"/>
-              <a:buChar char="•"/>
-            </a:pPr>
+                  <a:srgbClr val="A52A2A"/>
+                </a:solidFill>
+                <a:effectLst/>
+                <a:latin typeface="Consolas" panose="020B0609020204030204" pitchFamily="49" charset="0"/>
+              </a:rPr>
+              <a:t>div </a:t>
+            </a:r>
             <a:r>
               <a:rPr lang="en-US" altLang="zh-TW" b="0" i="0" dirty="0">
                 <a:solidFill>
-                  <a:srgbClr val="555555"/>
-                </a:solidFill>
-                <a:effectLst/>
-                <a:latin typeface="inherit"/>
-              </a:rPr>
-              <a:t>flex-flow</a:t>
-            </a:r>
-          </a:p>
-          <a:p>
-            <a:pPr marL="742950" lvl="1" indent="-285750" algn="l" fontAlgn="base">
-              <a:buFont typeface="Arial" panose="020B0604020202020204" pitchFamily="34" charset="0"/>
-              <a:buChar char="•"/>
-            </a:pPr>
+                  <a:srgbClr val="000000"/>
+                </a:solidFill>
+                <a:effectLst/>
+                <a:latin typeface="Consolas" panose="020B0609020204030204" pitchFamily="49" charset="0"/>
+              </a:rPr>
+              <a:t>{</a:t>
+            </a:r>
+          </a:p>
+          <a:p>
+            <a:r>
+              <a:rPr lang="zh-TW" altLang="en-US" b="0" i="0" dirty="0">
+                <a:solidFill>
+                  <a:srgbClr val="000000"/>
+                </a:solidFill>
+                <a:effectLst/>
+                <a:latin typeface="Consolas" panose="020B0609020204030204" pitchFamily="49" charset="0"/>
+              </a:rPr>
+              <a:t>  </a:t>
+            </a:r>
             <a:r>
               <a:rPr lang="en-US" altLang="zh-TW" b="0" i="0" dirty="0">
                 <a:solidFill>
-                  <a:srgbClr val="555555"/>
-                </a:solidFill>
-                <a:effectLst/>
-                <a:latin typeface="inherit"/>
-              </a:rPr>
-              <a:t>flex-direction</a:t>
-            </a:r>
-          </a:p>
-          <a:p>
-            <a:pPr marL="742950" lvl="1" indent="-285750" algn="l" fontAlgn="base">
-              <a:buFont typeface="Arial" panose="020B0604020202020204" pitchFamily="34" charset="0"/>
-              <a:buChar char="•"/>
-            </a:pPr>
+                  <a:srgbClr val="FF0000"/>
+                </a:solidFill>
+                <a:effectLst/>
+                <a:latin typeface="Consolas" panose="020B0609020204030204" pitchFamily="49" charset="0"/>
+              </a:rPr>
+              <a:t>transition</a:t>
+            </a:r>
             <a:r>
               <a:rPr lang="en-US" altLang="zh-TW" b="0" i="0" dirty="0">
                 <a:solidFill>
-                  <a:srgbClr val="555555"/>
-                </a:solidFill>
-                <a:effectLst/>
-                <a:latin typeface="inherit"/>
-              </a:rPr>
-              <a:t>flex-wrap</a:t>
-            </a:r>
-          </a:p>
-          <a:p>
-            <a:pPr algn="l" fontAlgn="base">
-              <a:buFont typeface="Arial" panose="020B0604020202020204" pitchFamily="34" charset="0"/>
-              <a:buChar char="•"/>
-            </a:pPr>
-            <a:r>
-              <a:rPr lang="en-US" altLang="zh-TW" b="1" i="0" dirty="0">
-                <a:solidFill>
-                  <a:schemeClr val="accent6">
+                  <a:srgbClr val="000000"/>
+                </a:solidFill>
+                <a:effectLst/>
+                <a:latin typeface="Consolas" panose="020B0609020204030204" pitchFamily="49" charset="0"/>
+              </a:rPr>
+              <a:t>:</a:t>
+            </a:r>
+            <a:r>
+              <a:rPr lang="zh-TW" altLang="en-US" b="0" i="0" dirty="0">
+                <a:solidFill>
+                  <a:srgbClr val="000000"/>
+                </a:solidFill>
+                <a:effectLst/>
+                <a:latin typeface="Consolas" panose="020B0609020204030204" pitchFamily="49" charset="0"/>
+              </a:rPr>
+              <a:t> </a:t>
+            </a:r>
+            <a:r>
+              <a:rPr lang="en-US" altLang="zh-TW" b="0" i="0" dirty="0">
+                <a:solidFill>
+                  <a:schemeClr val="accent5">
                     <a:lumMod val="75000"/>
                   </a:schemeClr>
                 </a:solidFill>
                 <a:effectLst/>
-                <a:latin typeface="inherit"/>
-              </a:rPr>
-              <a:t> justify-content</a:t>
-            </a:r>
-          </a:p>
-          <a:p>
-            <a:pPr algn="l" fontAlgn="base">
-              <a:buFont typeface="Arial" panose="020B0604020202020204" pitchFamily="34" charset="0"/>
-              <a:buChar char="•"/>
-            </a:pPr>
-            <a:r>
-              <a:rPr lang="en-US" altLang="zh-TW" b="1" i="0" dirty="0">
-                <a:solidFill>
-                  <a:schemeClr val="accent6">
+                <a:latin typeface="Consolas" panose="020B0609020204030204" pitchFamily="49" charset="0"/>
+              </a:rPr>
+              <a:t>property</a:t>
+            </a:r>
+            <a:r>
+              <a:rPr lang="zh-TW" altLang="en-US" b="0" i="0" dirty="0">
+                <a:solidFill>
+                  <a:schemeClr val="accent5">
                     <a:lumMod val="75000"/>
                   </a:schemeClr>
                 </a:solidFill>
                 <a:effectLst/>
-                <a:latin typeface="inherit"/>
-              </a:rPr>
-              <a:t> align-items</a:t>
-            </a:r>
-          </a:p>
-        </p:txBody>
-      </p:sp>
-      <p:sp>
-        <p:nvSpPr>
-          <p:cNvPr id="5" name="文字方塊 4">
-            <a:extLst>
-              <a:ext uri="{FF2B5EF4-FFF2-40B4-BE49-F238E27FC236}">
-                <a16:creationId xmlns:a16="http://schemas.microsoft.com/office/drawing/2014/main" id="{88C14016-13EA-4D69-A8AD-8FE09FCA2A0D}"/>
-              </a:ext>
-            </a:extLst>
-          </p:cNvPr>
-          <p:cNvSpPr txBox="1"/>
-          <p:nvPr/>
-        </p:nvSpPr>
-        <p:spPr>
-          <a:xfrm>
-            <a:off x="6287610" y="1971673"/>
-            <a:ext cx="3001394" cy="2123658"/>
-          </a:xfrm>
-          <a:prstGeom prst="rect">
-            <a:avLst/>
-          </a:prstGeom>
-          <a:noFill/>
-        </p:spPr>
-        <p:txBody>
-          <a:bodyPr wrap="square">
-            <a:spAutoFit/>
-          </a:bodyPr>
-          <a:lstStyle/>
-          <a:p>
-            <a:pPr algn="l" fontAlgn="base"/>
-            <a:r>
-              <a:rPr lang="en-US" altLang="zh-TW" sz="2400" b="1" dirty="0">
-                <a:solidFill>
-                  <a:srgbClr val="555555"/>
-                </a:solidFill>
-                <a:latin typeface="Titillium Web"/>
-              </a:rPr>
-              <a:t>Flex </a:t>
-            </a:r>
-            <a:r>
-              <a:rPr lang="zh-TW" altLang="en-US" sz="2400" b="1" dirty="0">
-                <a:solidFill>
-                  <a:srgbClr val="555555"/>
-                </a:solidFill>
-                <a:latin typeface="Titillium Web"/>
-              </a:rPr>
-              <a:t>內元件屬性：</a:t>
-            </a:r>
-          </a:p>
-          <a:p>
-            <a:pPr algn="l" fontAlgn="base">
-              <a:buFont typeface="Arial" panose="020B0604020202020204" pitchFamily="34" charset="0"/>
-              <a:buChar char="•"/>
-            </a:pPr>
+                <a:latin typeface="Consolas" panose="020B0609020204030204" pitchFamily="49" charset="0"/>
+              </a:rPr>
+              <a:t> </a:t>
+            </a:r>
             <a:r>
               <a:rPr lang="en-US" altLang="zh-TW" b="0" i="0" dirty="0">
                 <a:solidFill>
-                  <a:srgbClr val="555555"/>
-                </a:solidFill>
-                <a:effectLst/>
-                <a:latin typeface="inherit"/>
-              </a:rPr>
-              <a:t>flex</a:t>
-            </a:r>
-          </a:p>
-          <a:p>
-            <a:pPr marL="742950" lvl="1" indent="-285750" algn="l" fontAlgn="base">
-              <a:buFont typeface="Arial" panose="020B0604020202020204" pitchFamily="34" charset="0"/>
-              <a:buChar char="•"/>
-            </a:pPr>
+                  <a:schemeClr val="accent5">
+                    <a:lumMod val="75000"/>
+                  </a:schemeClr>
+                </a:solidFill>
+                <a:effectLst/>
+                <a:latin typeface="Consolas" panose="020B0609020204030204" pitchFamily="49" charset="0"/>
+              </a:rPr>
+              <a:t>duration</a:t>
+            </a:r>
+            <a:r>
+              <a:rPr lang="zh-TW" altLang="en-US" b="0" i="0" dirty="0">
+                <a:solidFill>
+                  <a:schemeClr val="accent5">
+                    <a:lumMod val="75000"/>
+                  </a:schemeClr>
+                </a:solidFill>
+                <a:effectLst/>
+                <a:latin typeface="Consolas" panose="020B0609020204030204" pitchFamily="49" charset="0"/>
+              </a:rPr>
+              <a:t> </a:t>
+            </a:r>
             <a:r>
               <a:rPr lang="en-US" altLang="zh-TW" b="0" i="0" dirty="0">
                 <a:solidFill>
-                  <a:srgbClr val="555555"/>
-                </a:solidFill>
-                <a:effectLst/>
-                <a:latin typeface="inherit"/>
-              </a:rPr>
-              <a:t>flex-grow</a:t>
-            </a:r>
-          </a:p>
-          <a:p>
-            <a:pPr marL="742950" lvl="1" indent="-285750" algn="l" fontAlgn="base">
-              <a:buFont typeface="Arial" panose="020B0604020202020204" pitchFamily="34" charset="0"/>
-              <a:buChar char="•"/>
-            </a:pPr>
+                  <a:schemeClr val="accent5">
+                    <a:lumMod val="75000"/>
+                  </a:schemeClr>
+                </a:solidFill>
+                <a:effectLst/>
+                <a:latin typeface="Consolas" panose="020B0609020204030204" pitchFamily="49" charset="0"/>
+              </a:rPr>
+              <a:t>timing-function</a:t>
+            </a:r>
+            <a:r>
+              <a:rPr lang="zh-TW" altLang="en-US" b="0" i="0" dirty="0">
+                <a:solidFill>
+                  <a:schemeClr val="accent5">
+                    <a:lumMod val="75000"/>
+                  </a:schemeClr>
+                </a:solidFill>
+                <a:effectLst/>
+                <a:latin typeface="Consolas" panose="020B0609020204030204" pitchFamily="49" charset="0"/>
+              </a:rPr>
+              <a:t> </a:t>
+            </a:r>
             <a:r>
               <a:rPr lang="en-US" altLang="zh-TW" b="0" i="0" dirty="0">
                 <a:solidFill>
-                  <a:srgbClr val="555555"/>
-                </a:solidFill>
-                <a:effectLst/>
-                <a:latin typeface="inherit"/>
-              </a:rPr>
-              <a:t>flex-shrink</a:t>
-            </a:r>
-          </a:p>
-          <a:p>
-            <a:pPr marL="742950" lvl="1" indent="-285750" algn="l" fontAlgn="base">
-              <a:buFont typeface="Arial" panose="020B0604020202020204" pitchFamily="34" charset="0"/>
-              <a:buChar char="•"/>
-            </a:pPr>
-            <a:r>
+                  <a:schemeClr val="accent5">
+                    <a:lumMod val="75000"/>
+                  </a:schemeClr>
+                </a:solidFill>
+                <a:effectLst/>
+                <a:latin typeface="Consolas" panose="020B0609020204030204" pitchFamily="49" charset="0"/>
+              </a:rPr>
+              <a:t>delay;</a:t>
+            </a:r>
+            <a:br>
               <a:rPr lang="en-US" altLang="zh-TW" b="0" i="0" dirty="0">
                 <a:solidFill>
-                  <a:srgbClr val="555555"/>
-                </a:solidFill>
-                <a:effectLst/>
-                <a:latin typeface="inherit"/>
-              </a:rPr>
-              <a:t>flex-basis</a:t>
-            </a:r>
-          </a:p>
-          <a:p>
-            <a:pPr algn="l" fontAlgn="base">
-              <a:buFont typeface="Arial" panose="020B0604020202020204" pitchFamily="34" charset="0"/>
-              <a:buChar char="•"/>
-            </a:pPr>
+                  <a:srgbClr val="FF0000"/>
+                </a:solidFill>
+                <a:effectLst/>
+                <a:latin typeface="Consolas" panose="020B0609020204030204" pitchFamily="49" charset="0"/>
+              </a:rPr>
+            </a:br>
             <a:r>
               <a:rPr lang="en-US" altLang="zh-TW" b="0" i="0" dirty="0">
                 <a:solidFill>
-                  <a:srgbClr val="555555"/>
-                </a:solidFill>
-                <a:effectLst/>
-                <a:latin typeface="inherit"/>
-              </a:rPr>
-              <a:t>order</a:t>
-            </a:r>
-          </a:p>
-          <a:p>
-            <a:pPr algn="l" fontAlgn="base">
-              <a:buFont typeface="Arial" panose="020B0604020202020204" pitchFamily="34" charset="0"/>
-              <a:buChar char="•"/>
-            </a:pPr>
+                  <a:srgbClr val="FF0000"/>
+                </a:solidFill>
+                <a:effectLst/>
+                <a:latin typeface="Consolas" panose="020B0609020204030204" pitchFamily="49" charset="0"/>
+              </a:rPr>
+              <a:t>  transition</a:t>
+            </a:r>
             <a:r>
               <a:rPr lang="en-US" altLang="zh-TW" b="0" i="0" dirty="0">
                 <a:solidFill>
-                  <a:srgbClr val="555555"/>
-                </a:solidFill>
-                <a:effectLst/>
-                <a:latin typeface="inherit"/>
-              </a:rPr>
-              <a:t>align-self</a:t>
-            </a:r>
+                  <a:srgbClr val="000000"/>
+                </a:solidFill>
+                <a:effectLst/>
+                <a:latin typeface="Consolas" panose="020B0609020204030204" pitchFamily="49" charset="0"/>
+              </a:rPr>
+              <a:t>:</a:t>
+            </a:r>
+            <a:r>
+              <a:rPr lang="en-US" altLang="zh-TW" b="0" i="0" dirty="0">
+                <a:solidFill>
+                  <a:srgbClr val="0000CD"/>
+                </a:solidFill>
+                <a:effectLst/>
+                <a:latin typeface="Consolas" panose="020B0609020204030204" pitchFamily="49" charset="0"/>
+              </a:rPr>
+              <a:t> </a:t>
+            </a:r>
+            <a:r>
+              <a:rPr lang="en-US" altLang="zh-TW" b="0" i="0" dirty="0">
+                <a:solidFill>
+                  <a:schemeClr val="accent5">
+                    <a:lumMod val="75000"/>
+                  </a:schemeClr>
+                </a:solidFill>
+                <a:effectLst/>
+                <a:latin typeface="Consolas" panose="020B0609020204030204" pitchFamily="49" charset="0"/>
+              </a:rPr>
+              <a:t>width 2s linear 1s</a:t>
+            </a:r>
+            <a:r>
+              <a:rPr lang="en-US" altLang="zh-TW" b="0" i="0" dirty="0">
+                <a:solidFill>
+                  <a:srgbClr val="000000"/>
+                </a:solidFill>
+                <a:effectLst/>
+                <a:latin typeface="Consolas" panose="020B0609020204030204" pitchFamily="49" charset="0"/>
+              </a:rPr>
+              <a:t>;</a:t>
+            </a:r>
+            <a:br>
+              <a:rPr lang="en-US" altLang="zh-TW" b="0" i="0" dirty="0">
+                <a:solidFill>
+                  <a:srgbClr val="FF0000"/>
+                </a:solidFill>
+                <a:effectLst/>
+                <a:latin typeface="Consolas" panose="020B0609020204030204" pitchFamily="49" charset="0"/>
+              </a:rPr>
+            </a:br>
+            <a:r>
+              <a:rPr lang="en-US" altLang="zh-TW" b="0" i="0" dirty="0">
+                <a:solidFill>
+                  <a:srgbClr val="000000"/>
+                </a:solidFill>
+                <a:effectLst/>
+                <a:latin typeface="Consolas" panose="020B0609020204030204" pitchFamily="49" charset="0"/>
+              </a:rPr>
+              <a:t>}</a:t>
+            </a:r>
+            <a:endParaRPr lang="zh-TW" altLang="en-US" dirty="0"/>
           </a:p>
         </p:txBody>
       </p:sp>
     </p:spTree>
     <p:extLst>
       <p:ext uri="{BB962C8B-B14F-4D97-AF65-F5344CB8AC3E}">
-        <p14:creationId xmlns:p14="http://schemas.microsoft.com/office/powerpoint/2010/main" val="2722858027"/>
+        <p14:creationId xmlns:p14="http://schemas.microsoft.com/office/powerpoint/2010/main" val="2825039478"/>
       </p:ext>
     </p:extLst>
   </p:cSld>
@@ -7042,7 +13160,7 @@
           <p:cNvPr id="2" name="標題 1">
             <a:extLst>
               <a:ext uri="{FF2B5EF4-FFF2-40B4-BE49-F238E27FC236}">
-                <a16:creationId xmlns:a16="http://schemas.microsoft.com/office/drawing/2014/main" id="{4850007E-21D2-4752-B623-AD33BDD1AFCD}"/>
+                <a16:creationId xmlns:a16="http://schemas.microsoft.com/office/drawing/2014/main" id="{D57F24C4-2F17-416F-A6A3-80768E6A5840}"/>
               </a:ext>
             </a:extLst>
           </p:cNvPr>
@@ -7055,25 +13173,26 @@
         </p:nvSpPr>
         <p:spPr/>
         <p:txBody>
-          <a:bodyPr>
-            <a:normAutofit/>
-          </a:bodyPr>
+          <a:bodyPr/>
           <a:lstStyle/>
           <a:p>
-            <a:pPr fontAlgn="base"/>
-            <a:r>
-              <a:rPr lang="zh-TW" altLang="en-US" b="1" i="0" dirty="0">
-                <a:effectLst/>
-                <a:latin typeface="Titillium Web"/>
-              </a:rPr>
-              <a:t>外容器</a:t>
-            </a:r>
-            <a:r>
-              <a:rPr lang="en-US" altLang="zh-TW" b="1" i="0" dirty="0">
-                <a:effectLst/>
-                <a:latin typeface="Titillium Web"/>
-              </a:rPr>
-              <a:t>-display</a:t>
+            <a:r>
+              <a:rPr lang="en-US" altLang="zh-TW" dirty="0">
+                <a:hlinkClick r:id="rId2"/>
+              </a:rPr>
+              <a:t>CSS</a:t>
+            </a:r>
+            <a:r>
+              <a:rPr lang="zh-TW" altLang="en-US" dirty="0">
+                <a:hlinkClick r:id="rId2"/>
+              </a:rPr>
+              <a:t> </a:t>
+            </a:r>
+            <a:r>
+              <a:rPr lang="en-US" altLang="zh-TW" dirty="0">
+                <a:hlinkClick r:id="rId2"/>
+              </a:rPr>
+              <a:t>Transforms</a:t>
             </a:r>
             <a:endParaRPr lang="zh-TW" altLang="en-US" dirty="0"/>
           </a:p>
@@ -7081,10 +13200,10 @@
       </p:sp>
       <p:sp>
         <p:nvSpPr>
-          <p:cNvPr id="5" name="內容版面配置區 4">
+          <p:cNvPr id="3" name="文字版面配置區 2">
             <a:extLst>
               <a:ext uri="{FF2B5EF4-FFF2-40B4-BE49-F238E27FC236}">
-                <a16:creationId xmlns:a16="http://schemas.microsoft.com/office/drawing/2014/main" id="{E8F637ED-AFDD-490E-809C-651BE44B35C1}"/>
+                <a16:creationId xmlns:a16="http://schemas.microsoft.com/office/drawing/2014/main" id="{9E43A26C-009D-4DFE-B982-434A7A38C8C3}"/>
               </a:ext>
             </a:extLst>
           </p:cNvPr>
@@ -7092,7 +13211,7 @@
             <a:spLocks noGrp="1"/>
           </p:cNvSpPr>
           <p:nvPr>
-            <p:ph idx="1"/>
+            <p:ph type="body" idx="1"/>
           </p:nvPr>
         </p:nvSpPr>
         <p:spPr/>
@@ -7100,55 +13219,25 @@
           <a:bodyPr/>
           <a:lstStyle/>
           <a:p>
-            <a:pPr marL="0" indent="0">
-              <a:buNone/>
-            </a:pPr>
-            <a:r>
-              <a:rPr lang="en-US" altLang="zh-TW" dirty="0">
-                <a:solidFill>
-                  <a:schemeClr val="bg1"/>
-                </a:solidFill>
-              </a:rPr>
-              <a:t>.flex-container {</a:t>
-            </a:r>
-          </a:p>
-          <a:p>
-            <a:pPr marL="0" indent="0">
-              <a:buNone/>
-            </a:pPr>
-            <a:r>
-              <a:rPr lang="en-US" altLang="zh-TW" dirty="0">
-                <a:solidFill>
-                  <a:schemeClr val="bg1"/>
-                </a:solidFill>
-              </a:rPr>
-              <a:t>  display: flex | inline-flex;</a:t>
-            </a:r>
-          </a:p>
-          <a:p>
-            <a:pPr marL="0" indent="0">
-              <a:buNone/>
-            </a:pPr>
-            <a:r>
-              <a:rPr lang="en-US" altLang="zh-TW" dirty="0">
-                <a:solidFill>
-                  <a:schemeClr val="bg1"/>
-                </a:solidFill>
-              </a:rPr>
-              <a:t>}</a:t>
-            </a:r>
-            <a:endParaRPr lang="zh-TW" altLang="en-US" dirty="0">
-              <a:solidFill>
-                <a:schemeClr val="bg1"/>
-              </a:solidFill>
-            </a:endParaRPr>
+            <a:r>
+              <a:rPr lang="zh-TW" altLang="en-US" sz="2400" b="1" dirty="0">
+                <a:solidFill>
+                  <a:schemeClr val="accent6">
+                    <a:lumMod val="75000"/>
+                  </a:schemeClr>
+                </a:solidFill>
+                <a:effectLst/>
+              </a:rPr>
+              <a:t>旋轉、縮放、移動</a:t>
+            </a:r>
+            <a:endParaRPr lang="zh-TW" altLang="en-US" dirty="0"/>
           </a:p>
         </p:txBody>
       </p:sp>
     </p:spTree>
     <p:extLst>
       <p:ext uri="{BB962C8B-B14F-4D97-AF65-F5344CB8AC3E}">
-        <p14:creationId xmlns:p14="http://schemas.microsoft.com/office/powerpoint/2010/main" val="1040175076"/>
+        <p14:creationId xmlns:p14="http://schemas.microsoft.com/office/powerpoint/2010/main" val="3719771093"/>
       </p:ext>
     </p:extLst>
   </p:cSld>
@@ -7180,7 +13269,7 @@
           <p:cNvPr id="2" name="標題 1">
             <a:extLst>
               <a:ext uri="{FF2B5EF4-FFF2-40B4-BE49-F238E27FC236}">
-                <a16:creationId xmlns:a16="http://schemas.microsoft.com/office/drawing/2014/main" id="{3BDFFE62-158B-450E-A2E8-B259AF89C435}"/>
+                <a16:creationId xmlns:a16="http://schemas.microsoft.com/office/drawing/2014/main" id="{52CD3054-291F-4B1E-81F3-2BFB7D2DBD49}"/>
               </a:ext>
             </a:extLst>
           </p:cNvPr>
@@ -7193,67 +13282,304 @@
         </p:nvSpPr>
         <p:spPr/>
         <p:txBody>
+          <a:bodyPr/>
+          <a:lstStyle/>
+          <a:p>
+            <a:r>
+              <a:rPr lang="en-US" altLang="zh-TW" dirty="0">
+                <a:hlinkClick r:id="rId2"/>
+              </a:rPr>
+              <a:t>CSS</a:t>
+            </a:r>
+            <a:r>
+              <a:rPr lang="zh-TW" altLang="en-US" dirty="0">
+                <a:hlinkClick r:id="rId2"/>
+              </a:rPr>
+              <a:t> </a:t>
+            </a:r>
+            <a:r>
+              <a:rPr lang="en-US" altLang="zh-TW" dirty="0">
+                <a:hlinkClick r:id="rId2"/>
+              </a:rPr>
+              <a:t>Transforms</a:t>
+            </a:r>
+            <a:endParaRPr lang="zh-TW" altLang="en-US" dirty="0"/>
+          </a:p>
+        </p:txBody>
+      </p:sp>
+      <p:sp>
+        <p:nvSpPr>
+          <p:cNvPr id="3" name="內容版面配置區 2">
+            <a:extLst>
+              <a:ext uri="{FF2B5EF4-FFF2-40B4-BE49-F238E27FC236}">
+                <a16:creationId xmlns:a16="http://schemas.microsoft.com/office/drawing/2014/main" id="{C2CECB28-D28B-4B93-8FA4-3236C2677B63}"/>
+              </a:ext>
+            </a:extLst>
+          </p:cNvPr>
+          <p:cNvSpPr>
+            <a:spLocks noGrp="1"/>
+          </p:cNvSpPr>
+          <p:nvPr>
+            <p:ph idx="1"/>
+          </p:nvPr>
+        </p:nvSpPr>
+        <p:spPr/>
+        <p:txBody>
           <a:bodyPr>
             <a:normAutofit/>
           </a:bodyPr>
           <a:lstStyle/>
           <a:p>
             <a:r>
-              <a:rPr lang="en-US" altLang="zh-TW" b="0" dirty="0">
-                <a:solidFill>
-                  <a:schemeClr val="accent5">
-                    <a:lumMod val="50000"/>
-                  </a:schemeClr>
-                </a:solidFill>
-                <a:effectLst/>
-                <a:latin typeface="Consolas" panose="020B0609020204030204" pitchFamily="49" charset="0"/>
-              </a:rPr>
-              <a:t>flex-direction</a:t>
-            </a:r>
-            <a:endParaRPr lang="zh-TW" altLang="en-US" dirty="0">
+              <a:rPr lang="zh-TW" altLang="en-US" dirty="0"/>
+              <a:t>控制 </a:t>
+            </a:r>
+            <a:r>
+              <a:rPr lang="en-US" altLang="zh-TW" b="1" dirty="0">
+                <a:solidFill>
+                  <a:schemeClr val="accent2"/>
+                </a:solidFill>
+              </a:rPr>
+              <a:t>HTML</a:t>
+            </a:r>
+            <a:r>
+              <a:rPr lang="zh-TW" altLang="en-US" b="1" dirty="0">
+                <a:solidFill>
+                  <a:schemeClr val="accent2"/>
+                </a:solidFill>
+              </a:rPr>
+              <a:t>元素</a:t>
+            </a:r>
+            <a:endParaRPr lang="en-US" altLang="zh-TW" b="1" dirty="0">
               <a:solidFill>
-                <a:schemeClr val="accent5">
-                  <a:lumMod val="50000"/>
-                </a:schemeClr>
+                <a:schemeClr val="accent2"/>
               </a:solidFill>
             </a:endParaRPr>
           </a:p>
-        </p:txBody>
-      </p:sp>
-      <p:pic>
-        <p:nvPicPr>
-          <p:cNvPr id="5" name="圖片 4">
-            <a:extLst>
-              <a:ext uri="{FF2B5EF4-FFF2-40B4-BE49-F238E27FC236}">
-                <a16:creationId xmlns:a16="http://schemas.microsoft.com/office/drawing/2014/main" id="{E79AA288-DE55-49AB-8057-79C237BC0613}"/>
-              </a:ext>
-            </a:extLst>
-          </p:cNvPr>
-          <p:cNvPicPr>
-            <a:picLocks noChangeAspect="1"/>
-          </p:cNvPicPr>
-          <p:nvPr/>
-        </p:nvPicPr>
-        <p:blipFill>
-          <a:blip r:embed="rId2"/>
-          <a:stretch>
-            <a:fillRect/>
-          </a:stretch>
-        </p:blipFill>
-        <p:spPr>
-          <a:xfrm>
-            <a:off x="2063100" y="1607378"/>
-            <a:ext cx="7763958" cy="5134692"/>
-          </a:xfrm>
-          <a:prstGeom prst="rect">
-            <a:avLst/>
-          </a:prstGeom>
-        </p:spPr>
-      </p:pic>
+          <a:p>
+            <a:r>
+              <a:rPr lang="zh-TW" altLang="en-US" dirty="0"/>
+              <a:t>可以在</a:t>
+            </a:r>
+            <a:r>
+              <a:rPr lang="en-US" altLang="zh-TW" dirty="0"/>
+              <a:t>animation</a:t>
+            </a:r>
+            <a:r>
+              <a:rPr lang="zh-TW" altLang="en-US" dirty="0"/>
+              <a:t>中當作屬性被運用</a:t>
+            </a:r>
+            <a:endParaRPr lang="en-US" altLang="zh-TW" dirty="0"/>
+          </a:p>
+          <a:p>
+            <a:r>
+              <a:rPr lang="en-US" altLang="zh-TW" dirty="0"/>
+              <a:t>Translate(</a:t>
+            </a:r>
+            <a:r>
+              <a:rPr lang="en-US" altLang="zh-TW" b="0" i="0" dirty="0">
+                <a:solidFill>
+                  <a:srgbClr val="0000CD"/>
+                </a:solidFill>
+                <a:effectLst/>
+                <a:latin typeface="Consolas" panose="020B0609020204030204" pitchFamily="49" charset="0"/>
+              </a:rPr>
+              <a:t>50px, 100px</a:t>
+            </a:r>
+            <a:r>
+              <a:rPr lang="en-US" altLang="zh-TW" dirty="0"/>
+              <a:t>)</a:t>
+            </a:r>
+            <a:r>
+              <a:rPr lang="zh-TW" altLang="en-US" dirty="0"/>
+              <a:t> </a:t>
+            </a:r>
+            <a:r>
+              <a:rPr lang="en-US" altLang="zh-TW" dirty="0"/>
+              <a:t>-&gt;</a:t>
+            </a:r>
+            <a:r>
+              <a:rPr lang="zh-TW" altLang="en-US" b="0" i="0" dirty="0">
+                <a:solidFill>
+                  <a:srgbClr val="333333"/>
+                </a:solidFill>
+                <a:effectLst/>
+                <a:latin typeface="roboto" pitchFamily="2" charset="0"/>
+              </a:rPr>
+              <a:t>參考點向 </a:t>
+            </a:r>
+            <a:r>
+              <a:rPr lang="en-US" altLang="zh-TW" b="0" i="0" dirty="0">
+                <a:solidFill>
+                  <a:srgbClr val="333333"/>
+                </a:solidFill>
+                <a:effectLst/>
+                <a:latin typeface="roboto" pitchFamily="2" charset="0"/>
+              </a:rPr>
+              <a:t>X</a:t>
+            </a:r>
+            <a:r>
+              <a:rPr lang="zh-TW" altLang="en-US" b="0" i="0" dirty="0">
+                <a:solidFill>
+                  <a:srgbClr val="333333"/>
+                </a:solidFill>
+                <a:effectLst/>
+                <a:latin typeface="roboto" pitchFamily="2" charset="0"/>
+              </a:rPr>
+              <a:t>軸移動 </a:t>
+            </a:r>
+            <a:r>
+              <a:rPr lang="en-US" altLang="zh-TW" b="0" i="0" dirty="0">
+                <a:solidFill>
+                  <a:srgbClr val="333333"/>
+                </a:solidFill>
+                <a:effectLst/>
+                <a:latin typeface="roboto" pitchFamily="2" charset="0"/>
+              </a:rPr>
+              <a:t>x</a:t>
+            </a:r>
+            <a:r>
+              <a:rPr lang="zh-TW" altLang="en-US" b="0" i="0" dirty="0">
+                <a:solidFill>
+                  <a:srgbClr val="333333"/>
+                </a:solidFill>
+                <a:effectLst/>
+                <a:latin typeface="roboto" pitchFamily="2" charset="0"/>
+              </a:rPr>
+              <a:t>距離，</a:t>
+            </a:r>
+            <a:r>
+              <a:rPr lang="en-US" altLang="zh-TW" b="0" i="0" dirty="0">
+                <a:solidFill>
+                  <a:srgbClr val="333333"/>
+                </a:solidFill>
+                <a:effectLst/>
+                <a:latin typeface="roboto" pitchFamily="2" charset="0"/>
+              </a:rPr>
+              <a:t>Y</a:t>
+            </a:r>
+            <a:r>
+              <a:rPr lang="zh-TW" altLang="en-US" b="0" i="0" dirty="0">
+                <a:solidFill>
+                  <a:srgbClr val="333333"/>
+                </a:solidFill>
+                <a:effectLst/>
+                <a:latin typeface="roboto" pitchFamily="2" charset="0"/>
+              </a:rPr>
+              <a:t>軸移動 </a:t>
+            </a:r>
+            <a:r>
+              <a:rPr lang="en-US" altLang="zh-TW" b="0" i="0" dirty="0">
+                <a:solidFill>
+                  <a:srgbClr val="333333"/>
+                </a:solidFill>
+                <a:effectLst/>
+                <a:latin typeface="roboto" pitchFamily="2" charset="0"/>
+              </a:rPr>
+              <a:t>y</a:t>
+            </a:r>
+            <a:r>
+              <a:rPr lang="zh-TW" altLang="en-US" b="0" i="0" dirty="0">
+                <a:solidFill>
+                  <a:srgbClr val="333333"/>
+                </a:solidFill>
+                <a:effectLst/>
+                <a:latin typeface="roboto" pitchFamily="2" charset="0"/>
+              </a:rPr>
+              <a:t>距離</a:t>
+            </a:r>
+            <a:endParaRPr lang="en-US" altLang="zh-TW" dirty="0"/>
+          </a:p>
+          <a:p>
+            <a:r>
+              <a:rPr lang="en-US" altLang="zh-TW" dirty="0"/>
+              <a:t>rotate(</a:t>
+            </a:r>
+            <a:r>
+              <a:rPr lang="en-US" altLang="zh-TW" b="0" i="0" dirty="0">
+                <a:solidFill>
+                  <a:srgbClr val="0000CD"/>
+                </a:solidFill>
+                <a:effectLst/>
+                <a:latin typeface="Consolas" panose="020B0609020204030204" pitchFamily="49" charset="0"/>
+              </a:rPr>
+              <a:t>20deg</a:t>
+            </a:r>
+            <a:r>
+              <a:rPr lang="en-US" altLang="zh-TW" dirty="0"/>
+              <a:t>) -&gt;</a:t>
+            </a:r>
+            <a:r>
+              <a:rPr lang="zh-TW" altLang="en-US" b="0" i="0" dirty="0">
+                <a:solidFill>
+                  <a:srgbClr val="333333"/>
+                </a:solidFill>
+                <a:effectLst/>
+                <a:latin typeface="roboto" pitchFamily="2" charset="0"/>
+              </a:rPr>
+              <a:t>從中心為參考點旋轉</a:t>
+            </a:r>
+            <a:r>
+              <a:rPr lang="en-US" altLang="zh-TW" b="0" i="0" dirty="0">
+                <a:solidFill>
+                  <a:srgbClr val="333333"/>
+                </a:solidFill>
+                <a:effectLst/>
+                <a:latin typeface="roboto" pitchFamily="2" charset="0"/>
+              </a:rPr>
+              <a:t>n</a:t>
+            </a:r>
+            <a:r>
+              <a:rPr lang="zh-TW" altLang="en-US" b="0" i="0" dirty="0">
+                <a:solidFill>
+                  <a:srgbClr val="333333"/>
+                </a:solidFill>
+                <a:effectLst/>
+                <a:latin typeface="roboto" pitchFamily="2" charset="0"/>
+              </a:rPr>
+              <a:t>角度</a:t>
+            </a:r>
+            <a:endParaRPr lang="en-US" altLang="zh-TW" dirty="0"/>
+          </a:p>
+          <a:p>
+            <a:r>
+              <a:rPr lang="en-US" altLang="zh-TW" dirty="0"/>
+              <a:t>scale(</a:t>
+            </a:r>
+            <a:r>
+              <a:rPr lang="en-US" altLang="zh-TW" b="0" i="0" dirty="0">
+                <a:solidFill>
+                  <a:srgbClr val="0000CD"/>
+                </a:solidFill>
+                <a:effectLst/>
+                <a:latin typeface="Consolas" panose="020B0609020204030204" pitchFamily="49" charset="0"/>
+              </a:rPr>
+              <a:t>2, 3</a:t>
+            </a:r>
+            <a:r>
+              <a:rPr lang="en-US" altLang="zh-TW" dirty="0"/>
+              <a:t>)</a:t>
+            </a:r>
+            <a:r>
+              <a:rPr lang="zh-TW" altLang="en-US" dirty="0"/>
+              <a:t> </a:t>
+            </a:r>
+            <a:r>
+              <a:rPr lang="en-US" altLang="zh-TW" dirty="0"/>
+              <a:t>-&gt;</a:t>
+            </a:r>
+            <a:r>
+              <a:rPr lang="zh-TW" altLang="en-US" dirty="0"/>
+              <a:t>縮放</a:t>
+            </a:r>
+            <a:endParaRPr lang="en-US" altLang="zh-TW" dirty="0"/>
+          </a:p>
+        </p:txBody>
+      </p:sp>
     </p:spTree>
     <p:extLst>
       <p:ext uri="{BB962C8B-B14F-4D97-AF65-F5344CB8AC3E}">
-        <p14:creationId xmlns:p14="http://schemas.microsoft.com/office/powerpoint/2010/main" val="1545441432"/>
+        <p14:creationId xmlns:p14="http://schemas.microsoft.com/office/powerpoint/2010/main" val="815841017"/>
       </p:ext>
     </p:extLst>
   </p:cSld>
@@ -7285,7 +13611,7 @@
           <p:cNvPr id="2" name="標題 1">
             <a:extLst>
               <a:ext uri="{FF2B5EF4-FFF2-40B4-BE49-F238E27FC236}">
-                <a16:creationId xmlns:a16="http://schemas.microsoft.com/office/drawing/2014/main" id="{C5E8BED4-0158-4D92-8787-9D44E281D9EB}"/>
+                <a16:creationId xmlns:a16="http://schemas.microsoft.com/office/drawing/2014/main" id="{A979937C-C545-4C7A-92C6-D1A0DB1A87FA}"/>
               </a:ext>
             </a:extLst>
           </p:cNvPr>
@@ -7304,565 +13630,247 @@
           <a:lstStyle/>
           <a:p>
             <a:r>
-              <a:rPr lang="en-US" altLang="zh-TW" dirty="0">
+              <a:rPr lang="en-US" altLang="zh-TW" sz="4400" b="1" i="0" dirty="0">
+                <a:solidFill>
+                  <a:schemeClr val="accent5">
+                    <a:lumMod val="75000"/>
+                  </a:schemeClr>
+                </a:solidFill>
+                <a:effectLst/>
+                <a:latin typeface="Consolas" panose="020B0609020204030204" pitchFamily="49" charset="0"/>
                 <a:hlinkClick r:id="rId2"/>
               </a:rPr>
-              <a:t>display: flex</a:t>
-            </a:r>
-            <a:r>
-              <a:rPr lang="en-US" altLang="zh-TW" dirty="0"/>
-              <a:t> -</a:t>
-            </a:r>
-            <a:r>
-              <a:rPr lang="en-US" altLang="zh-TW" sz="4400" b="0" i="0" dirty="0">
-                <a:solidFill>
-                  <a:srgbClr val="555555"/>
-                </a:solidFill>
-                <a:effectLst/>
-                <a:latin typeface="inherit"/>
-              </a:rPr>
-              <a:t> align-items</a:t>
+              <a:t>Transition + Transformation</a:t>
             </a:r>
             <a:endParaRPr lang="zh-TW" altLang="en-US" dirty="0"/>
           </a:p>
         </p:txBody>
       </p:sp>
-      <p:pic>
-        <p:nvPicPr>
-          <p:cNvPr id="5122" name="Picture 2">
+      <p:sp>
+        <p:nvSpPr>
+          <p:cNvPr id="3" name="內容版面配置區 2">
             <a:extLst>
               <a:ext uri="{FF2B5EF4-FFF2-40B4-BE49-F238E27FC236}">
-                <a16:creationId xmlns:a16="http://schemas.microsoft.com/office/drawing/2014/main" id="{8EE2578F-9A21-4A9A-8AE2-9875B4106613}"/>
+                <a16:creationId xmlns:a16="http://schemas.microsoft.com/office/drawing/2014/main" id="{87ED2EB8-0063-4086-AB4A-0516869F9F14}"/>
               </a:ext>
             </a:extLst>
           </p:cNvPr>
-          <p:cNvPicPr>
-            <a:picLocks noChangeAspect="1" noChangeArrowheads="1"/>
-          </p:cNvPicPr>
-          <p:nvPr/>
-        </p:nvPicPr>
-        <p:blipFill>
-          <a:blip r:embed="rId3">
-            <a:extLst>
-              <a:ext uri="{28A0092B-C50C-407E-A947-70E740481C1C}">
-                <a14:useLocalDpi xmlns:a14="http://schemas.microsoft.com/office/drawing/2010/main" val="0"/>
-              </a:ext>
-            </a:extLst>
-          </a:blip>
-          <a:srcRect/>
-          <a:stretch>
-            <a:fillRect/>
-          </a:stretch>
-        </p:blipFill>
-        <p:spPr bwMode="auto">
-          <a:xfrm>
-            <a:off x="762000" y="2735931"/>
-            <a:ext cx="5715000" cy="3352800"/>
-          </a:xfrm>
-          <a:prstGeom prst="rect">
-            <a:avLst/>
-          </a:prstGeom>
-          <a:noFill/>
-          <a:extLst>
-            <a:ext uri="{909E8E84-426E-40DD-AFC4-6F175D3DCCD1}">
-              <a14:hiddenFill xmlns:a14="http://schemas.microsoft.com/office/drawing/2010/main">
-                <a:solidFill>
-                  <a:srgbClr val="FFFFFF"/>
-                </a:solidFill>
-              </a14:hiddenFill>
-            </a:ext>
-          </a:extLst>
-        </p:spPr>
-      </p:pic>
-      <p:sp>
-        <p:nvSpPr>
-          <p:cNvPr id="6" name="文字方塊 5">
-            <a:extLst>
-              <a:ext uri="{FF2B5EF4-FFF2-40B4-BE49-F238E27FC236}">
-                <a16:creationId xmlns:a16="http://schemas.microsoft.com/office/drawing/2014/main" id="{A15E5753-AD6B-4F5B-AA91-E06764283E99}"/>
-              </a:ext>
-            </a:extLst>
-          </p:cNvPr>
-          <p:cNvSpPr txBox="1"/>
-          <p:nvPr/>
-        </p:nvSpPr>
-        <p:spPr>
-          <a:xfrm>
-            <a:off x="1279003" y="1717447"/>
-            <a:ext cx="8860420" cy="523220"/>
-          </a:xfrm>
-          <a:prstGeom prst="rect">
-            <a:avLst/>
-          </a:prstGeom>
-          <a:noFill/>
-        </p:spPr>
-        <p:txBody>
-          <a:bodyPr wrap="square">
-            <a:spAutoFit/>
-          </a:bodyPr>
+          <p:cNvSpPr>
+            <a:spLocks noGrp="1"/>
+          </p:cNvSpPr>
+          <p:nvPr>
+            <p:ph idx="1"/>
+          </p:nvPr>
+        </p:nvSpPr>
+        <p:spPr/>
+        <p:txBody>
+          <a:bodyPr/>
           <a:lstStyle/>
           <a:p>
-            <a:pPr marL="457200" indent="-457200" fontAlgn="base">
-              <a:buFont typeface="Arial" panose="020B0604020202020204" pitchFamily="34" charset="0"/>
-              <a:buChar char="•"/>
+            <a:pPr marL="0" indent="0">
+              <a:buNone/>
             </a:pPr>
             <a:r>
-              <a:rPr lang="en-US" altLang="zh-TW" sz="2800" b="1" i="0" dirty="0">
-                <a:solidFill>
-                  <a:schemeClr val="accent6">
-                    <a:lumMod val="75000"/>
-                  </a:schemeClr>
-                </a:solidFill>
-                <a:effectLst/>
-                <a:latin typeface="inherit"/>
-              </a:rPr>
-              <a:t>align-item</a:t>
-            </a:r>
-            <a:r>
-              <a:rPr lang="en-US" altLang="zh-TW" sz="2800" b="1" dirty="0">
-                <a:solidFill>
-                  <a:schemeClr val="accent6">
-                    <a:lumMod val="75000"/>
-                  </a:schemeClr>
-                </a:solidFill>
-                <a:latin typeface="inherit"/>
-              </a:rPr>
-              <a:t>s</a:t>
-            </a:r>
-            <a:r>
-              <a:rPr lang="en-US" altLang="zh-TW" sz="2800" b="0" i="0" dirty="0">
-                <a:solidFill>
-                  <a:srgbClr val="555555"/>
-                </a:solidFill>
-                <a:effectLst/>
-                <a:latin typeface="inherit"/>
+              <a:rPr lang="en-US" altLang="zh-TW" b="0" i="0" dirty="0">
+                <a:solidFill>
+                  <a:srgbClr val="A52A2A"/>
+                </a:solidFill>
+                <a:effectLst/>
+                <a:latin typeface="Consolas" panose="020B0609020204030204" pitchFamily="49" charset="0"/>
+              </a:rPr>
+              <a:t>div </a:t>
+            </a:r>
+            <a:r>
+              <a:rPr lang="en-US" altLang="zh-TW" b="0" i="0" dirty="0">
+                <a:solidFill>
+                  <a:srgbClr val="000000"/>
+                </a:solidFill>
+                <a:effectLst/>
+                <a:latin typeface="Consolas" panose="020B0609020204030204" pitchFamily="49" charset="0"/>
+              </a:rPr>
+              <a:t>{</a:t>
+            </a:r>
+            <a:br>
+              <a:rPr lang="en-US" altLang="zh-TW" b="0" i="0" dirty="0">
+                <a:solidFill>
+                  <a:srgbClr val="FF0000"/>
+                </a:solidFill>
+                <a:effectLst/>
+                <a:latin typeface="Consolas" panose="020B0609020204030204" pitchFamily="49" charset="0"/>
+              </a:rPr>
+            </a:br>
+            <a:r>
+              <a:rPr lang="en-US" altLang="zh-TW" b="0" i="0" dirty="0">
+                <a:solidFill>
+                  <a:srgbClr val="FF0000"/>
+                </a:solidFill>
+                <a:effectLst/>
+                <a:latin typeface="Consolas" panose="020B0609020204030204" pitchFamily="49" charset="0"/>
+              </a:rPr>
+              <a:t>  transition</a:t>
+            </a:r>
+            <a:r>
+              <a:rPr lang="en-US" altLang="zh-TW" b="0" i="0" dirty="0">
+                <a:solidFill>
+                  <a:srgbClr val="000000"/>
+                </a:solidFill>
+                <a:effectLst/>
+                <a:latin typeface="Consolas" panose="020B0609020204030204" pitchFamily="49" charset="0"/>
               </a:rPr>
               <a:t>:</a:t>
             </a:r>
             <a:r>
-              <a:rPr lang="zh-TW" altLang="en-US" sz="2800" b="0" i="0" dirty="0">
-                <a:solidFill>
-                  <a:srgbClr val="555555"/>
-                </a:solidFill>
-                <a:effectLst/>
-                <a:latin typeface="Titillium Web"/>
-              </a:rPr>
-              <a:t>外容器屬性，</a:t>
-            </a:r>
-            <a:r>
-              <a:rPr lang="zh-TW" altLang="en-US" sz="2800" b="1" i="0" dirty="0">
-                <a:solidFill>
-                  <a:schemeClr val="accent6">
-                    <a:lumMod val="75000"/>
-                  </a:schemeClr>
-                </a:solidFill>
-                <a:effectLst/>
-                <a:latin typeface="Titillium Web"/>
-              </a:rPr>
-              <a:t>交錯軸</a:t>
-            </a:r>
-            <a:r>
-              <a:rPr lang="en-US" altLang="zh-TW" sz="2800" b="1" i="0" dirty="0">
-                <a:solidFill>
-                  <a:schemeClr val="accent6">
-                    <a:lumMod val="75000"/>
-                  </a:schemeClr>
-                </a:solidFill>
-                <a:effectLst/>
-                <a:latin typeface="Titillium Web"/>
-              </a:rPr>
-              <a:t>(cross)</a:t>
-            </a:r>
-            <a:r>
-              <a:rPr lang="zh-TW" altLang="en-US" sz="2800" b="0" i="0" dirty="0">
-                <a:solidFill>
-                  <a:srgbClr val="555555"/>
-                </a:solidFill>
-                <a:effectLst/>
-                <a:latin typeface="Titillium Web"/>
-              </a:rPr>
-              <a:t>的對齊設定</a:t>
-            </a:r>
-          </a:p>
-        </p:txBody>
-      </p:sp>
-      <p:pic>
-        <p:nvPicPr>
-          <p:cNvPr id="6146" name="Picture 2">
-            <a:extLst>
-              <a:ext uri="{FF2B5EF4-FFF2-40B4-BE49-F238E27FC236}">
-                <a16:creationId xmlns:a16="http://schemas.microsoft.com/office/drawing/2014/main" id="{B3821C48-8778-4E64-8210-5A1B41D65A54}"/>
-              </a:ext>
-            </a:extLst>
-          </p:cNvPr>
-          <p:cNvPicPr>
-            <a:picLocks noChangeAspect="1" noChangeArrowheads="1"/>
-          </p:cNvPicPr>
-          <p:nvPr/>
-        </p:nvPicPr>
-        <p:blipFill rotWithShape="1">
-          <a:blip r:embed="rId4">
-            <a:extLst>
-              <a:ext uri="{28A0092B-C50C-407E-A947-70E740481C1C}">
-                <a14:useLocalDpi xmlns:a14="http://schemas.microsoft.com/office/drawing/2010/main" val="0"/>
-              </a:ext>
-            </a:extLst>
-          </a:blip>
-          <a:srcRect b="35960"/>
-          <a:stretch/>
-        </p:blipFill>
-        <p:spPr bwMode="auto">
-          <a:xfrm>
-            <a:off x="6477000" y="2286153"/>
-            <a:ext cx="5715000" cy="3464705"/>
-          </a:xfrm>
-          <a:prstGeom prst="rect">
-            <a:avLst/>
-          </a:prstGeom>
-          <a:noFill/>
-          <a:extLst>
-            <a:ext uri="{909E8E84-426E-40DD-AFC4-6F175D3DCCD1}">
-              <a14:hiddenFill xmlns:a14="http://schemas.microsoft.com/office/drawing/2010/main">
-                <a:solidFill>
-                  <a:srgbClr val="FFFFFF"/>
-                </a:solidFill>
-              </a14:hiddenFill>
-            </a:ext>
-          </a:extLst>
-        </p:spPr>
-      </p:pic>
-      <p:sp>
-        <p:nvSpPr>
-          <p:cNvPr id="3" name="矩形 2">
-            <a:extLst>
-              <a:ext uri="{FF2B5EF4-FFF2-40B4-BE49-F238E27FC236}">
-                <a16:creationId xmlns:a16="http://schemas.microsoft.com/office/drawing/2014/main" id="{73065B1B-D550-4A19-B77E-E940F207607D}"/>
-              </a:ext>
-            </a:extLst>
-          </p:cNvPr>
-          <p:cNvSpPr/>
-          <p:nvPr/>
-        </p:nvSpPr>
-        <p:spPr>
-          <a:xfrm>
-            <a:off x="6690167" y="4074289"/>
-            <a:ext cx="2662177" cy="1770926"/>
-          </a:xfrm>
-          <a:prstGeom prst="rect">
-            <a:avLst/>
-          </a:prstGeom>
-          <a:noFill/>
-          <a:ln>
-            <a:solidFill>
-              <a:srgbClr val="FF0000"/>
-            </a:solidFill>
-          </a:ln>
-        </p:spPr>
-        <p:style>
-          <a:lnRef idx="2">
-            <a:schemeClr val="accent1">
-              <a:shade val="50000"/>
-            </a:schemeClr>
-          </a:lnRef>
-          <a:fillRef idx="1">
-            <a:schemeClr val="accent1"/>
-          </a:fillRef>
-          <a:effectRef idx="0">
-            <a:schemeClr val="accent1"/>
-          </a:effectRef>
-          <a:fontRef idx="minor">
-            <a:schemeClr val="lt1"/>
-          </a:fontRef>
-        </p:style>
-        <p:txBody>
-          <a:bodyPr rtlCol="0" anchor="ctr"/>
-          <a:lstStyle/>
-          <a:p>
-            <a:pPr algn="ctr"/>
-            <a:endParaRPr lang="zh-TW" altLang="en-US"/>
-          </a:p>
-        </p:txBody>
-      </p:sp>
-      <p:sp>
-        <p:nvSpPr>
-          <p:cNvPr id="4" name="橢圓 3">
-            <a:extLst>
-              <a:ext uri="{FF2B5EF4-FFF2-40B4-BE49-F238E27FC236}">
-                <a16:creationId xmlns:a16="http://schemas.microsoft.com/office/drawing/2014/main" id="{C3165AC9-DB8C-4950-B2C2-62A35F71651D}"/>
-              </a:ext>
-            </a:extLst>
-          </p:cNvPr>
-          <p:cNvSpPr/>
-          <p:nvPr/>
-        </p:nvSpPr>
-        <p:spPr>
-          <a:xfrm>
-            <a:off x="7972148" y="2574524"/>
-            <a:ext cx="177553" cy="177553"/>
-          </a:xfrm>
-          <a:prstGeom prst="ellipse">
-            <a:avLst/>
-          </a:prstGeom>
-        </p:spPr>
-        <p:style>
-          <a:lnRef idx="2">
-            <a:schemeClr val="accent2">
-              <a:shade val="50000"/>
-            </a:schemeClr>
-          </a:lnRef>
-          <a:fillRef idx="1">
-            <a:schemeClr val="accent2"/>
-          </a:fillRef>
-          <a:effectRef idx="0">
-            <a:schemeClr val="accent2"/>
-          </a:effectRef>
-          <a:fontRef idx="minor">
-            <a:schemeClr val="lt1"/>
-          </a:fontRef>
-        </p:style>
-        <p:txBody>
-          <a:bodyPr rtlCol="0" anchor="ctr"/>
-          <a:lstStyle/>
-          <a:p>
-            <a:pPr algn="ctr"/>
-            <a:endParaRPr lang="zh-TW" altLang="en-US"/>
-          </a:p>
-        </p:txBody>
-      </p:sp>
-      <p:sp>
-        <p:nvSpPr>
-          <p:cNvPr id="9" name="橢圓 8">
-            <a:extLst>
-              <a:ext uri="{FF2B5EF4-FFF2-40B4-BE49-F238E27FC236}">
-                <a16:creationId xmlns:a16="http://schemas.microsoft.com/office/drawing/2014/main" id="{30D669D7-0AC7-4F58-B696-7702C8D41D22}"/>
-              </a:ext>
-            </a:extLst>
-          </p:cNvPr>
-          <p:cNvSpPr/>
-          <p:nvPr/>
-        </p:nvSpPr>
-        <p:spPr>
-          <a:xfrm>
-            <a:off x="10608816" y="3840952"/>
-            <a:ext cx="177553" cy="177553"/>
-          </a:xfrm>
-          <a:prstGeom prst="ellipse">
-            <a:avLst/>
-          </a:prstGeom>
-        </p:spPr>
-        <p:style>
-          <a:lnRef idx="2">
-            <a:schemeClr val="accent2">
-              <a:shade val="50000"/>
-            </a:schemeClr>
-          </a:lnRef>
-          <a:fillRef idx="1">
-            <a:schemeClr val="accent2"/>
-          </a:fillRef>
-          <a:effectRef idx="0">
-            <a:schemeClr val="accent2"/>
-          </a:effectRef>
-          <a:fontRef idx="minor">
-            <a:schemeClr val="lt1"/>
-          </a:fontRef>
-        </p:style>
-        <p:txBody>
-          <a:bodyPr rtlCol="0" anchor="ctr"/>
-          <a:lstStyle/>
-          <a:p>
-            <a:pPr algn="ctr"/>
-            <a:endParaRPr lang="zh-TW" altLang="en-US"/>
-          </a:p>
-        </p:txBody>
-      </p:sp>
-      <p:sp>
-        <p:nvSpPr>
-          <p:cNvPr id="10" name="橢圓 9">
-            <a:extLst>
-              <a:ext uri="{FF2B5EF4-FFF2-40B4-BE49-F238E27FC236}">
-                <a16:creationId xmlns:a16="http://schemas.microsoft.com/office/drawing/2014/main" id="{4E67EF2B-CDDA-4FD4-9C11-4608629D67D0}"/>
-              </a:ext>
-            </a:extLst>
-          </p:cNvPr>
-          <p:cNvSpPr/>
-          <p:nvPr/>
-        </p:nvSpPr>
-        <p:spPr>
-          <a:xfrm>
-            <a:off x="7932478" y="4959752"/>
-            <a:ext cx="177553" cy="177553"/>
-          </a:xfrm>
-          <a:prstGeom prst="ellipse">
-            <a:avLst/>
-          </a:prstGeom>
-        </p:spPr>
-        <p:style>
-          <a:lnRef idx="2">
-            <a:schemeClr val="accent2">
-              <a:shade val="50000"/>
-            </a:schemeClr>
-          </a:lnRef>
-          <a:fillRef idx="1">
-            <a:schemeClr val="accent2"/>
-          </a:fillRef>
-          <a:effectRef idx="0">
-            <a:schemeClr val="accent2"/>
-          </a:effectRef>
-          <a:fontRef idx="minor">
-            <a:schemeClr val="lt1"/>
-          </a:fontRef>
-        </p:style>
-        <p:txBody>
-          <a:bodyPr rtlCol="0" anchor="ctr"/>
-          <a:lstStyle/>
-          <a:p>
-            <a:pPr algn="ctr"/>
-            <a:endParaRPr lang="zh-TW" altLang="en-US"/>
-          </a:p>
-        </p:txBody>
-      </p:sp>
-      <p:sp>
-        <p:nvSpPr>
-          <p:cNvPr id="11" name="橢圓 10">
-            <a:extLst>
-              <a:ext uri="{FF2B5EF4-FFF2-40B4-BE49-F238E27FC236}">
-                <a16:creationId xmlns:a16="http://schemas.microsoft.com/office/drawing/2014/main" id="{D67E822F-5811-44F6-A4A4-7531E0A7A57C}"/>
-              </a:ext>
-            </a:extLst>
-          </p:cNvPr>
-          <p:cNvSpPr/>
-          <p:nvPr/>
-        </p:nvSpPr>
-        <p:spPr>
-          <a:xfrm>
-            <a:off x="2947387" y="3340223"/>
-            <a:ext cx="177553" cy="177553"/>
-          </a:xfrm>
-          <a:prstGeom prst="ellipse">
-            <a:avLst/>
-          </a:prstGeom>
-        </p:spPr>
-        <p:style>
-          <a:lnRef idx="2">
-            <a:schemeClr val="accent2">
-              <a:shade val="50000"/>
-            </a:schemeClr>
-          </a:lnRef>
-          <a:fillRef idx="1">
-            <a:schemeClr val="accent2"/>
-          </a:fillRef>
-          <a:effectRef idx="0">
-            <a:schemeClr val="accent2"/>
-          </a:effectRef>
-          <a:fontRef idx="minor">
-            <a:schemeClr val="lt1"/>
-          </a:fontRef>
-        </p:style>
-        <p:txBody>
-          <a:bodyPr rtlCol="0" anchor="ctr"/>
-          <a:lstStyle/>
-          <a:p>
-            <a:pPr algn="ctr"/>
-            <a:endParaRPr lang="zh-TW" altLang="en-US"/>
-          </a:p>
-        </p:txBody>
-      </p:sp>
-      <p:sp>
-        <p:nvSpPr>
-          <p:cNvPr id="12" name="橢圓 11">
-            <a:extLst>
-              <a:ext uri="{FF2B5EF4-FFF2-40B4-BE49-F238E27FC236}">
-                <a16:creationId xmlns:a16="http://schemas.microsoft.com/office/drawing/2014/main" id="{AE1EE560-42C2-463B-9EC4-F03FB42CF081}"/>
-              </a:ext>
-            </a:extLst>
-          </p:cNvPr>
-          <p:cNvSpPr/>
-          <p:nvPr/>
-        </p:nvSpPr>
-        <p:spPr>
-          <a:xfrm>
-            <a:off x="2947387" y="4236996"/>
-            <a:ext cx="177553" cy="177553"/>
-          </a:xfrm>
-          <a:prstGeom prst="ellipse">
-            <a:avLst/>
-          </a:prstGeom>
-        </p:spPr>
-        <p:style>
-          <a:lnRef idx="2">
-            <a:schemeClr val="accent2">
-              <a:shade val="50000"/>
-            </a:schemeClr>
-          </a:lnRef>
-          <a:fillRef idx="1">
-            <a:schemeClr val="accent2"/>
-          </a:fillRef>
-          <a:effectRef idx="0">
-            <a:schemeClr val="accent2"/>
-          </a:effectRef>
-          <a:fontRef idx="minor">
-            <a:schemeClr val="lt1"/>
-          </a:fontRef>
-        </p:style>
-        <p:txBody>
-          <a:bodyPr rtlCol="0" anchor="ctr"/>
-          <a:lstStyle/>
-          <a:p>
-            <a:pPr algn="ctr"/>
-            <a:endParaRPr lang="zh-TW" altLang="en-US"/>
-          </a:p>
-        </p:txBody>
-      </p:sp>
-      <p:sp>
-        <p:nvSpPr>
-          <p:cNvPr id="13" name="橢圓 12">
-            <a:extLst>
-              <a:ext uri="{FF2B5EF4-FFF2-40B4-BE49-F238E27FC236}">
-                <a16:creationId xmlns:a16="http://schemas.microsoft.com/office/drawing/2014/main" id="{9C03E7BE-9E92-4C45-AEDA-F1E2F4676352}"/>
-              </a:ext>
-            </a:extLst>
-          </p:cNvPr>
-          <p:cNvSpPr/>
-          <p:nvPr/>
-        </p:nvSpPr>
-        <p:spPr>
-          <a:xfrm>
-            <a:off x="2947387" y="5100605"/>
-            <a:ext cx="177553" cy="177553"/>
-          </a:xfrm>
-          <a:prstGeom prst="ellipse">
-            <a:avLst/>
-          </a:prstGeom>
-        </p:spPr>
-        <p:style>
-          <a:lnRef idx="2">
-            <a:schemeClr val="accent2">
-              <a:shade val="50000"/>
-            </a:schemeClr>
-          </a:lnRef>
-          <a:fillRef idx="1">
-            <a:schemeClr val="accent2"/>
-          </a:fillRef>
-          <a:effectRef idx="0">
-            <a:schemeClr val="accent2"/>
-          </a:effectRef>
-          <a:fontRef idx="minor">
-            <a:schemeClr val="lt1"/>
-          </a:fontRef>
-        </p:style>
-        <p:txBody>
-          <a:bodyPr rtlCol="0" anchor="ctr"/>
-          <a:lstStyle/>
-          <a:p>
-            <a:pPr algn="ctr"/>
-            <a:endParaRPr lang="zh-TW" altLang="en-US"/>
+              <a:rPr lang="en-US" altLang="zh-TW" b="0" i="0" dirty="0">
+                <a:solidFill>
+                  <a:srgbClr val="0000CD"/>
+                </a:solidFill>
+                <a:effectLst/>
+                <a:latin typeface="Consolas" panose="020B0609020204030204" pitchFamily="49" charset="0"/>
+              </a:rPr>
+              <a:t> </a:t>
+            </a:r>
+            <a:r>
+              <a:rPr lang="en-US" altLang="zh-TW" dirty="0">
+                <a:solidFill>
+                  <a:srgbClr val="0000CD"/>
+                </a:solidFill>
+                <a:latin typeface="Consolas" panose="020B0609020204030204" pitchFamily="49" charset="0"/>
+              </a:rPr>
+              <a:t>width 2s, height 2s, transform </a:t>
+            </a:r>
+            <a:r>
+              <a:rPr lang="en-US" altLang="zh-TW" b="0" i="0" dirty="0">
+                <a:solidFill>
+                  <a:srgbClr val="0000CD"/>
+                </a:solidFill>
+                <a:effectLst/>
+                <a:latin typeface="Consolas" panose="020B0609020204030204" pitchFamily="49" charset="0"/>
+              </a:rPr>
+              <a:t>2s</a:t>
+            </a:r>
+            <a:r>
+              <a:rPr lang="en-US" altLang="zh-TW" b="0" i="0" dirty="0">
+                <a:solidFill>
+                  <a:srgbClr val="000000"/>
+                </a:solidFill>
+                <a:effectLst/>
+                <a:latin typeface="Consolas" panose="020B0609020204030204" pitchFamily="49" charset="0"/>
+              </a:rPr>
+              <a:t>;</a:t>
+            </a:r>
+            <a:br>
+              <a:rPr lang="en-US" altLang="zh-TW" b="0" i="0" dirty="0">
+                <a:solidFill>
+                  <a:srgbClr val="FF0000"/>
+                </a:solidFill>
+                <a:effectLst/>
+                <a:latin typeface="Consolas" panose="020B0609020204030204" pitchFamily="49" charset="0"/>
+              </a:rPr>
+            </a:br>
+            <a:r>
+              <a:rPr lang="en-US" altLang="zh-TW" b="0" i="0" dirty="0">
+                <a:solidFill>
+                  <a:srgbClr val="000000"/>
+                </a:solidFill>
+                <a:effectLst/>
+                <a:latin typeface="Consolas" panose="020B0609020204030204" pitchFamily="49" charset="0"/>
+              </a:rPr>
+              <a:t>}</a:t>
+            </a:r>
+          </a:p>
+          <a:p>
+            <a:pPr marL="0" indent="0">
+              <a:buNone/>
+            </a:pPr>
+            <a:r>
+              <a:rPr lang="en-US" altLang="zh-TW" dirty="0" err="1">
+                <a:solidFill>
+                  <a:srgbClr val="A52A2A"/>
+                </a:solidFill>
+              </a:rPr>
+              <a:t>div:hover</a:t>
+            </a:r>
+            <a:r>
+              <a:rPr lang="en-US" altLang="zh-TW" dirty="0">
+                <a:solidFill>
+                  <a:srgbClr val="A52A2A"/>
+                </a:solidFill>
+              </a:rPr>
+              <a:t> </a:t>
+            </a:r>
+            <a:r>
+              <a:rPr lang="en-US" altLang="zh-TW" b="0" i="0" dirty="0">
+                <a:solidFill>
+                  <a:srgbClr val="000000"/>
+                </a:solidFill>
+                <a:effectLst/>
+                <a:latin typeface="Consolas" panose="020B0609020204030204" pitchFamily="49" charset="0"/>
+              </a:rPr>
+              <a:t>{</a:t>
+            </a:r>
+          </a:p>
+          <a:p>
+            <a:pPr marL="0" indent="0">
+              <a:buNone/>
+            </a:pPr>
+            <a:r>
+              <a:rPr lang="en-US" altLang="zh-TW" b="0" i="0" dirty="0">
+                <a:solidFill>
+                  <a:srgbClr val="000000"/>
+                </a:solidFill>
+                <a:effectLst/>
+                <a:latin typeface="Consolas" panose="020B0609020204030204" pitchFamily="49" charset="0"/>
+              </a:rPr>
+              <a:t>  </a:t>
+            </a:r>
+            <a:r>
+              <a:rPr lang="en-US" altLang="zh-TW" dirty="0">
+                <a:solidFill>
+                  <a:srgbClr val="FF0000"/>
+                </a:solidFill>
+              </a:rPr>
+              <a:t>transform:</a:t>
+            </a:r>
+            <a:r>
+              <a:rPr lang="en-US" altLang="zh-TW" b="0" i="0" dirty="0">
+                <a:solidFill>
+                  <a:srgbClr val="000000"/>
+                </a:solidFill>
+                <a:effectLst/>
+                <a:latin typeface="Consolas" panose="020B0609020204030204" pitchFamily="49" charset="0"/>
+              </a:rPr>
+              <a:t> </a:t>
+            </a:r>
+            <a:r>
+              <a:rPr lang="en-US" altLang="zh-TW" dirty="0">
+                <a:solidFill>
+                  <a:srgbClr val="0000CD"/>
+                </a:solidFill>
+              </a:rPr>
+              <a:t>rotate(180deg);</a:t>
+            </a:r>
+          </a:p>
+          <a:p>
+            <a:pPr marL="0" indent="0">
+              <a:buNone/>
+            </a:pPr>
+            <a:r>
+              <a:rPr lang="en-US" altLang="zh-TW" b="0" i="0" dirty="0">
+                <a:solidFill>
+                  <a:srgbClr val="000000"/>
+                </a:solidFill>
+                <a:effectLst/>
+                <a:latin typeface="Consolas" panose="020B0609020204030204" pitchFamily="49" charset="0"/>
+              </a:rPr>
+              <a:t>}</a:t>
+            </a:r>
           </a:p>
         </p:txBody>
       </p:sp>
     </p:spTree>
     <p:extLst>
       <p:ext uri="{BB962C8B-B14F-4D97-AF65-F5344CB8AC3E}">
-        <p14:creationId xmlns:p14="http://schemas.microsoft.com/office/powerpoint/2010/main" val="3528806681"/>
+        <p14:creationId xmlns:p14="http://schemas.microsoft.com/office/powerpoint/2010/main" val="2301677229"/>
       </p:ext>
     </p:extLst>
   </p:cSld>

--- a/sidle-project-porfit.pptx
+++ b/sidle-project-porfit.pptx
@@ -5,7 +5,7 @@
     <p:sldMasterId id="2147483648" r:id="rId1"/>
   </p:sldMasterIdLst>
   <p:notesMasterIdLst>
-    <p:notesMasterId r:id="rId26"/>
+    <p:notesMasterId r:id="rId28"/>
   </p:notesMasterIdLst>
   <p:sldIdLst>
     <p:sldId id="443" r:id="rId2"/>
@@ -27,11 +27,13 @@
     <p:sldId id="357" r:id="rId18"/>
     <p:sldId id="371" r:id="rId19"/>
     <p:sldId id="298" r:id="rId20"/>
-    <p:sldId id="372" r:id="rId21"/>
-    <p:sldId id="299" r:id="rId22"/>
-    <p:sldId id="453" r:id="rId23"/>
-    <p:sldId id="454" r:id="rId24"/>
-    <p:sldId id="455" r:id="rId25"/>
+    <p:sldId id="456" r:id="rId21"/>
+    <p:sldId id="453" r:id="rId22"/>
+    <p:sldId id="454" r:id="rId23"/>
+    <p:sldId id="457" r:id="rId24"/>
+    <p:sldId id="458" r:id="rId25"/>
+    <p:sldId id="455" r:id="rId26"/>
+    <p:sldId id="459" r:id="rId27"/>
   </p:sldIdLst>
   <p:sldSz cx="12192000" cy="6858000"/>
   <p:notesSz cx="6858000" cy="9144000"/>
@@ -8275,7 +8277,7 @@
           <p:cNvPr id="2" name="圖片 1">
             <a:extLst>
               <a:ext uri="{FF2B5EF4-FFF2-40B4-BE49-F238E27FC236}">
-                <a16:creationId xmlns:a16="http://schemas.microsoft.com/office/drawing/2014/main" id="{9D3F1259-7610-4B6A-BF60-9765DCE4AEF9}"/>
+                <a16:creationId xmlns:a16="http://schemas.microsoft.com/office/drawing/2014/main" id="{BE8470DF-97F1-4DE6-AA2A-BEDCB9AD222F}"/>
               </a:ext>
             </a:extLst>
           </p:cNvPr>
@@ -8292,49 +8294,18 @@
         </p:blipFill>
         <p:spPr>
           <a:xfrm>
-            <a:off x="0" y="395756"/>
-            <a:ext cx="12192000" cy="6066488"/>
+            <a:off x="0" y="461295"/>
+            <a:ext cx="12192000" cy="5935410"/>
           </a:xfrm>
           <a:prstGeom prst="rect">
             <a:avLst/>
           </a:prstGeom>
         </p:spPr>
       </p:pic>
-      <p:pic>
-        <p:nvPicPr>
-          <p:cNvPr id="3" name="圖片 2">
-            <a:extLst>
-              <a:ext uri="{FF2B5EF4-FFF2-40B4-BE49-F238E27FC236}">
-                <a16:creationId xmlns:a16="http://schemas.microsoft.com/office/drawing/2014/main" id="{829250CA-B892-443E-9645-A4343383CE99}"/>
-              </a:ext>
-            </a:extLst>
-          </p:cNvPr>
-          <p:cNvPicPr>
-            <a:picLocks noChangeAspect="1"/>
-          </p:cNvPicPr>
-          <p:nvPr/>
-        </p:nvPicPr>
-        <p:blipFill rotWithShape="1">
-          <a:blip r:embed="rId3"/>
-          <a:srcRect l="12329" r="12583"/>
-          <a:stretch/>
-        </p:blipFill>
-        <p:spPr>
-          <a:xfrm>
-            <a:off x="4358936" y="1503012"/>
-            <a:ext cx="3284738" cy="3851976"/>
-          </a:xfrm>
-          <a:prstGeom prst="roundRect">
-            <a:avLst>
-              <a:gd name="adj" fmla="val 3300"/>
-            </a:avLst>
-          </a:prstGeom>
-        </p:spPr>
-      </p:pic>
     </p:spTree>
     <p:extLst>
       <p:ext uri="{BB962C8B-B14F-4D97-AF65-F5344CB8AC3E}">
-        <p14:creationId xmlns:p14="http://schemas.microsoft.com/office/powerpoint/2010/main" val="1534829606"/>
+        <p14:creationId xmlns:p14="http://schemas.microsoft.com/office/powerpoint/2010/main" val="321579063"/>
       </p:ext>
     </p:extLst>
   </p:cSld>
@@ -8345,1470 +8316,6 @@
 </file>
 
 <file path=ppt/slides/slide21.xml><?xml version="1.0" encoding="utf-8"?>
-<p:sld xmlns:a="http://schemas.openxmlformats.org/drawingml/2006/main" xmlns:r="http://schemas.openxmlformats.org/officeDocument/2006/relationships" xmlns:p="http://schemas.openxmlformats.org/presentationml/2006/main">
-  <p:cSld>
-    <p:spTree>
-      <p:nvGrpSpPr>
-        <p:cNvPr id="1" name=""/>
-        <p:cNvGrpSpPr/>
-        <p:nvPr/>
-      </p:nvGrpSpPr>
-      <p:grpSpPr>
-        <a:xfrm>
-          <a:off x="0" y="0"/>
-          <a:ext cx="0" cy="0"/>
-          <a:chOff x="0" y="0"/>
-          <a:chExt cx="0" cy="0"/>
-        </a:xfrm>
-      </p:grpSpPr>
-      <p:pic>
-        <p:nvPicPr>
-          <p:cNvPr id="3" name="圖片 2">
-            <a:extLst>
-              <a:ext uri="{FF2B5EF4-FFF2-40B4-BE49-F238E27FC236}">
-                <a16:creationId xmlns:a16="http://schemas.microsoft.com/office/drawing/2014/main" id="{2136F54E-E1C7-4FCD-9D40-3D49EE8307AC}"/>
-              </a:ext>
-            </a:extLst>
-          </p:cNvPr>
-          <p:cNvPicPr>
-            <a:picLocks noChangeAspect="1"/>
-          </p:cNvPicPr>
-          <p:nvPr/>
-        </p:nvPicPr>
-        <p:blipFill>
-          <a:blip r:embed="rId2"/>
-          <a:stretch>
-            <a:fillRect/>
-          </a:stretch>
-        </p:blipFill>
-        <p:spPr>
-          <a:xfrm>
-            <a:off x="0" y="395756"/>
-            <a:ext cx="12192000" cy="6066488"/>
-          </a:xfrm>
-          <a:prstGeom prst="rect">
-            <a:avLst/>
-          </a:prstGeom>
-        </p:spPr>
-      </p:pic>
-      <p:pic>
-        <p:nvPicPr>
-          <p:cNvPr id="5" name="圖片 4">
-            <a:extLst>
-              <a:ext uri="{FF2B5EF4-FFF2-40B4-BE49-F238E27FC236}">
-                <a16:creationId xmlns:a16="http://schemas.microsoft.com/office/drawing/2014/main" id="{E283E37F-9EF3-4935-AE5B-C8B8C9DBEAD8}"/>
-              </a:ext>
-            </a:extLst>
-          </p:cNvPr>
-          <p:cNvPicPr>
-            <a:picLocks noChangeAspect="1"/>
-          </p:cNvPicPr>
-          <p:nvPr/>
-        </p:nvPicPr>
-        <p:blipFill rotWithShape="1">
-          <a:blip r:embed="rId3"/>
-          <a:srcRect l="12329" r="12583"/>
-          <a:stretch/>
-        </p:blipFill>
-        <p:spPr>
-          <a:xfrm>
-            <a:off x="4358936" y="1503012"/>
-            <a:ext cx="3284738" cy="3851976"/>
-          </a:xfrm>
-          <a:prstGeom prst="roundRect">
-            <a:avLst>
-              <a:gd name="adj" fmla="val 3300"/>
-            </a:avLst>
-          </a:prstGeom>
-        </p:spPr>
-      </p:pic>
-      <p:sp>
-        <p:nvSpPr>
-          <p:cNvPr id="7" name="矩形 6">
-            <a:extLst>
-              <a:ext uri="{FF2B5EF4-FFF2-40B4-BE49-F238E27FC236}">
-                <a16:creationId xmlns:a16="http://schemas.microsoft.com/office/drawing/2014/main" id="{2B05ECD0-57BF-482C-8031-B8156B060B8E}"/>
-              </a:ext>
-            </a:extLst>
-          </p:cNvPr>
-          <p:cNvSpPr/>
-          <p:nvPr/>
-        </p:nvSpPr>
-        <p:spPr>
-          <a:xfrm>
-            <a:off x="0" y="436405"/>
-            <a:ext cx="12120979" cy="6066488"/>
-          </a:xfrm>
-          <a:prstGeom prst="rect">
-            <a:avLst/>
-          </a:prstGeom>
-          <a:noFill/>
-          <a:ln w="57150" cap="flat" cmpd="sng" algn="ctr">
-            <a:solidFill>
-              <a:schemeClr val="accent4"/>
-            </a:solidFill>
-            <a:prstDash val="solid"/>
-            <a:round/>
-            <a:headEnd type="none" w="med" len="med"/>
-            <a:tailEnd type="none" w="med" len="med"/>
-          </a:ln>
-        </p:spPr>
-        <p:style>
-          <a:lnRef idx="0">
-            <a:scrgbClr r="0" g="0" b="0"/>
-          </a:lnRef>
-          <a:fillRef idx="0">
-            <a:scrgbClr r="0" g="0" b="0"/>
-          </a:fillRef>
-          <a:effectRef idx="0">
-            <a:scrgbClr r="0" g="0" b="0"/>
-          </a:effectRef>
-          <a:fontRef idx="minor">
-            <a:schemeClr val="accent4"/>
-          </a:fontRef>
-        </p:style>
-        <p:txBody>
-          <a:bodyPr rtlCol="0" anchor="ctr"/>
-          <a:lstStyle/>
-          <a:p>
-            <a:pPr algn="ctr"/>
-            <a:endParaRPr lang="zh-TW" altLang="en-US"/>
-          </a:p>
-        </p:txBody>
-      </p:sp>
-      <p:sp>
-        <p:nvSpPr>
-          <p:cNvPr id="8" name="矩形 7">
-            <a:extLst>
-              <a:ext uri="{FF2B5EF4-FFF2-40B4-BE49-F238E27FC236}">
-                <a16:creationId xmlns:a16="http://schemas.microsoft.com/office/drawing/2014/main" id="{12A98034-8F6C-45D7-9292-03B2C2EDC31F}"/>
-              </a:ext>
-            </a:extLst>
-          </p:cNvPr>
-          <p:cNvSpPr/>
-          <p:nvPr/>
-        </p:nvSpPr>
-        <p:spPr>
-          <a:xfrm>
-            <a:off x="4358936" y="1503012"/>
-            <a:ext cx="3284738" cy="3851976"/>
-          </a:xfrm>
-          <a:prstGeom prst="rect">
-            <a:avLst/>
-          </a:prstGeom>
-          <a:noFill/>
-          <a:ln w="57150" cap="flat" cmpd="sng" algn="ctr">
-            <a:solidFill>
-              <a:schemeClr val="accent6"/>
-            </a:solidFill>
-            <a:prstDash val="solid"/>
-            <a:round/>
-            <a:headEnd type="none" w="med" len="med"/>
-            <a:tailEnd type="none" w="med" len="med"/>
-          </a:ln>
-        </p:spPr>
-        <p:style>
-          <a:lnRef idx="0">
-            <a:scrgbClr r="0" g="0" b="0"/>
-          </a:lnRef>
-          <a:fillRef idx="0">
-            <a:scrgbClr r="0" g="0" b="0"/>
-          </a:fillRef>
-          <a:effectRef idx="0">
-            <a:scrgbClr r="0" g="0" b="0"/>
-          </a:effectRef>
-          <a:fontRef idx="minor">
-            <a:schemeClr val="accent6"/>
-          </a:fontRef>
-        </p:style>
-        <p:txBody>
-          <a:bodyPr rtlCol="0" anchor="ctr"/>
-          <a:lstStyle/>
-          <a:p>
-            <a:pPr algn="ctr"/>
-            <a:endParaRPr lang="zh-TW" altLang="en-US"/>
-          </a:p>
-        </p:txBody>
-      </p:sp>
-      <p:sp>
-        <p:nvSpPr>
-          <p:cNvPr id="9" name="矩形 8">
-            <a:extLst>
-              <a:ext uri="{FF2B5EF4-FFF2-40B4-BE49-F238E27FC236}">
-                <a16:creationId xmlns:a16="http://schemas.microsoft.com/office/drawing/2014/main" id="{06AE2311-5E4F-4CFC-8B20-CFD6A576856C}"/>
-              </a:ext>
-            </a:extLst>
-          </p:cNvPr>
-          <p:cNvSpPr/>
-          <p:nvPr/>
-        </p:nvSpPr>
-        <p:spPr>
-          <a:xfrm>
-            <a:off x="4455160" y="1571347"/>
-            <a:ext cx="3149600" cy="720843"/>
-          </a:xfrm>
-          <a:prstGeom prst="rect">
-            <a:avLst/>
-          </a:prstGeom>
-          <a:noFill/>
-          <a:ln w="38100" cap="flat" cmpd="sng" algn="ctr">
-            <a:solidFill>
-              <a:schemeClr val="accent2">
-                <a:lumMod val="50000"/>
-              </a:schemeClr>
-            </a:solidFill>
-            <a:prstDash val="solid"/>
-            <a:round/>
-            <a:headEnd type="none" w="med" len="med"/>
-            <a:tailEnd type="none" w="med" len="med"/>
-          </a:ln>
-        </p:spPr>
-        <p:style>
-          <a:lnRef idx="0">
-            <a:scrgbClr r="0" g="0" b="0"/>
-          </a:lnRef>
-          <a:fillRef idx="0">
-            <a:scrgbClr r="0" g="0" b="0"/>
-          </a:fillRef>
-          <a:effectRef idx="0">
-            <a:scrgbClr r="0" g="0" b="0"/>
-          </a:effectRef>
-          <a:fontRef idx="minor">
-            <a:schemeClr val="accent2"/>
-          </a:fontRef>
-        </p:style>
-        <p:txBody>
-          <a:bodyPr rtlCol="0" anchor="ctr"/>
-          <a:lstStyle/>
-          <a:p>
-            <a:pPr algn="ctr"/>
-            <a:endParaRPr lang="zh-TW" altLang="en-US"/>
-          </a:p>
-        </p:txBody>
-      </p:sp>
-      <p:sp>
-        <p:nvSpPr>
-          <p:cNvPr id="10" name="矩形 9">
-            <a:extLst>
-              <a:ext uri="{FF2B5EF4-FFF2-40B4-BE49-F238E27FC236}">
-                <a16:creationId xmlns:a16="http://schemas.microsoft.com/office/drawing/2014/main" id="{01CC15D9-3813-4B3A-AC00-A86795DC5A89}"/>
-              </a:ext>
-            </a:extLst>
-          </p:cNvPr>
-          <p:cNvSpPr/>
-          <p:nvPr/>
-        </p:nvSpPr>
-        <p:spPr>
-          <a:xfrm>
-            <a:off x="4714043" y="2384033"/>
-            <a:ext cx="2503503" cy="1168640"/>
-          </a:xfrm>
-          <a:prstGeom prst="rect">
-            <a:avLst/>
-          </a:prstGeom>
-          <a:noFill/>
-          <a:ln w="38100" cap="flat" cmpd="sng" algn="ctr">
-            <a:solidFill>
-              <a:schemeClr val="accent2"/>
-            </a:solidFill>
-            <a:prstDash val="solid"/>
-            <a:round/>
-            <a:headEnd type="none" w="med" len="med"/>
-            <a:tailEnd type="none" w="med" len="med"/>
-          </a:ln>
-        </p:spPr>
-        <p:style>
-          <a:lnRef idx="0">
-            <a:scrgbClr r="0" g="0" b="0"/>
-          </a:lnRef>
-          <a:fillRef idx="0">
-            <a:scrgbClr r="0" g="0" b="0"/>
-          </a:fillRef>
-          <a:effectRef idx="0">
-            <a:scrgbClr r="0" g="0" b="0"/>
-          </a:effectRef>
-          <a:fontRef idx="minor">
-            <a:schemeClr val="accent2"/>
-          </a:fontRef>
-        </p:style>
-        <p:txBody>
-          <a:bodyPr rtlCol="0" anchor="ctr"/>
-          <a:lstStyle/>
-          <a:p>
-            <a:pPr algn="ctr"/>
-            <a:endParaRPr lang="zh-TW" altLang="en-US"/>
-          </a:p>
-        </p:txBody>
-      </p:sp>
-      <p:sp>
-        <p:nvSpPr>
-          <p:cNvPr id="11" name="矩形 10">
-            <a:extLst>
-              <a:ext uri="{FF2B5EF4-FFF2-40B4-BE49-F238E27FC236}">
-                <a16:creationId xmlns:a16="http://schemas.microsoft.com/office/drawing/2014/main" id="{4871DE42-D201-4D81-AFC4-12B79D154C51}"/>
-              </a:ext>
-            </a:extLst>
-          </p:cNvPr>
-          <p:cNvSpPr/>
-          <p:nvPr/>
-        </p:nvSpPr>
-        <p:spPr>
-          <a:xfrm>
-            <a:off x="4714043" y="3593322"/>
-            <a:ext cx="2503503" cy="398344"/>
-          </a:xfrm>
-          <a:prstGeom prst="rect">
-            <a:avLst/>
-          </a:prstGeom>
-          <a:noFill/>
-          <a:ln w="38100" cap="flat" cmpd="sng" algn="ctr">
-            <a:solidFill>
-              <a:srgbClr val="92D050"/>
-            </a:solidFill>
-            <a:prstDash val="solid"/>
-            <a:round/>
-            <a:headEnd type="none" w="med" len="med"/>
-            <a:tailEnd type="none" w="med" len="med"/>
-          </a:ln>
-        </p:spPr>
-        <p:style>
-          <a:lnRef idx="0">
-            <a:scrgbClr r="0" g="0" b="0"/>
-          </a:lnRef>
-          <a:fillRef idx="0">
-            <a:scrgbClr r="0" g="0" b="0"/>
-          </a:fillRef>
-          <a:effectRef idx="0">
-            <a:scrgbClr r="0" g="0" b="0"/>
-          </a:effectRef>
-          <a:fontRef idx="minor">
-            <a:schemeClr val="accent2"/>
-          </a:fontRef>
-        </p:style>
-        <p:txBody>
-          <a:bodyPr rtlCol="0" anchor="ctr"/>
-          <a:lstStyle/>
-          <a:p>
-            <a:pPr algn="ctr"/>
-            <a:endParaRPr lang="zh-TW" altLang="en-US"/>
-          </a:p>
-        </p:txBody>
-      </p:sp>
-      <p:sp>
-        <p:nvSpPr>
-          <p:cNvPr id="12" name="矩形 11">
-            <a:extLst>
-              <a:ext uri="{FF2B5EF4-FFF2-40B4-BE49-F238E27FC236}">
-                <a16:creationId xmlns:a16="http://schemas.microsoft.com/office/drawing/2014/main" id="{76F81B3E-A296-4EB8-ADFE-2E929DE05C88}"/>
-              </a:ext>
-            </a:extLst>
-          </p:cNvPr>
-          <p:cNvSpPr/>
-          <p:nvPr/>
-        </p:nvSpPr>
-        <p:spPr>
-          <a:xfrm>
-            <a:off x="4714043" y="4770258"/>
-            <a:ext cx="2503503" cy="432057"/>
-          </a:xfrm>
-          <a:prstGeom prst="rect">
-            <a:avLst/>
-          </a:prstGeom>
-          <a:noFill/>
-          <a:ln w="38100" cap="flat" cmpd="sng" algn="ctr">
-            <a:solidFill>
-              <a:schemeClr val="accent1">
-                <a:lumMod val="60000"/>
-                <a:lumOff val="40000"/>
-              </a:schemeClr>
-            </a:solidFill>
-            <a:prstDash val="solid"/>
-            <a:round/>
-            <a:headEnd type="none" w="med" len="med"/>
-            <a:tailEnd type="none" w="med" len="med"/>
-          </a:ln>
-        </p:spPr>
-        <p:style>
-          <a:lnRef idx="0">
-            <a:scrgbClr r="0" g="0" b="0"/>
-          </a:lnRef>
-          <a:fillRef idx="0">
-            <a:scrgbClr r="0" g="0" b="0"/>
-          </a:fillRef>
-          <a:effectRef idx="0">
-            <a:scrgbClr r="0" g="0" b="0"/>
-          </a:effectRef>
-          <a:fontRef idx="minor">
-            <a:schemeClr val="accent2"/>
-          </a:fontRef>
-        </p:style>
-        <p:txBody>
-          <a:bodyPr rtlCol="0" anchor="ctr"/>
-          <a:lstStyle/>
-          <a:p>
-            <a:pPr algn="ctr"/>
-            <a:endParaRPr lang="zh-TW" altLang="en-US"/>
-          </a:p>
-        </p:txBody>
-      </p:sp>
-      <p:sp>
-        <p:nvSpPr>
-          <p:cNvPr id="13" name="箭號: 向右 12">
-            <a:extLst>
-              <a:ext uri="{FF2B5EF4-FFF2-40B4-BE49-F238E27FC236}">
-                <a16:creationId xmlns:a16="http://schemas.microsoft.com/office/drawing/2014/main" id="{926ABE8C-D314-4284-BFDF-CF2EC1226469}"/>
-              </a:ext>
-            </a:extLst>
-          </p:cNvPr>
-          <p:cNvSpPr/>
-          <p:nvPr/>
-        </p:nvSpPr>
-        <p:spPr>
-          <a:xfrm>
-            <a:off x="4804299" y="1190161"/>
-            <a:ext cx="2512380" cy="312851"/>
-          </a:xfrm>
-          <a:prstGeom prst="rightArrow">
-            <a:avLst/>
-          </a:prstGeom>
-        </p:spPr>
-        <p:style>
-          <a:lnRef idx="2">
-            <a:schemeClr val="accent2">
-              <a:shade val="50000"/>
-            </a:schemeClr>
-          </a:lnRef>
-          <a:fillRef idx="1">
-            <a:schemeClr val="accent2"/>
-          </a:fillRef>
-          <a:effectRef idx="0">
-            <a:schemeClr val="accent2"/>
-          </a:effectRef>
-          <a:fontRef idx="minor">
-            <a:schemeClr val="lt1"/>
-          </a:fontRef>
-        </p:style>
-        <p:txBody>
-          <a:bodyPr rtlCol="0" anchor="ctr"/>
-          <a:lstStyle/>
-          <a:p>
-            <a:pPr algn="ctr"/>
-            <a:endParaRPr lang="zh-TW" altLang="en-US"/>
-          </a:p>
-        </p:txBody>
-      </p:sp>
-      <p:sp>
-        <p:nvSpPr>
-          <p:cNvPr id="14" name="矩形 13">
-            <a:extLst>
-              <a:ext uri="{FF2B5EF4-FFF2-40B4-BE49-F238E27FC236}">
-                <a16:creationId xmlns:a16="http://schemas.microsoft.com/office/drawing/2014/main" id="{9D47E372-3191-418A-BEA4-94773BE8892E}"/>
-              </a:ext>
-            </a:extLst>
-          </p:cNvPr>
-          <p:cNvSpPr/>
-          <p:nvPr/>
-        </p:nvSpPr>
-        <p:spPr>
-          <a:xfrm>
-            <a:off x="4455160" y="2353926"/>
-            <a:ext cx="2861519" cy="2263659"/>
-          </a:xfrm>
-          <a:prstGeom prst="rect">
-            <a:avLst/>
-          </a:prstGeom>
-          <a:noFill/>
-          <a:ln w="38100" cap="flat" cmpd="sng" algn="ctr">
-            <a:solidFill>
-              <a:schemeClr val="accent5"/>
-            </a:solidFill>
-            <a:prstDash val="solid"/>
-            <a:round/>
-            <a:headEnd type="none" w="med" len="med"/>
-            <a:tailEnd type="none" w="med" len="med"/>
-          </a:ln>
-        </p:spPr>
-        <p:style>
-          <a:lnRef idx="0">
-            <a:scrgbClr r="0" g="0" b="0"/>
-          </a:lnRef>
-          <a:fillRef idx="0">
-            <a:scrgbClr r="0" g="0" b="0"/>
-          </a:fillRef>
-          <a:effectRef idx="0">
-            <a:scrgbClr r="0" g="0" b="0"/>
-          </a:effectRef>
-          <a:fontRef idx="minor">
-            <a:schemeClr val="accent5"/>
-          </a:fontRef>
-        </p:style>
-        <p:txBody>
-          <a:bodyPr rtlCol="0" anchor="ctr"/>
-          <a:lstStyle/>
-          <a:p>
-            <a:pPr algn="ctr"/>
-            <a:endParaRPr lang="zh-TW" altLang="en-US"/>
-          </a:p>
-        </p:txBody>
-      </p:sp>
-      <p:sp>
-        <p:nvSpPr>
-          <p:cNvPr id="15" name="箭號: 向下 14">
-            <a:extLst>
-              <a:ext uri="{FF2B5EF4-FFF2-40B4-BE49-F238E27FC236}">
-                <a16:creationId xmlns:a16="http://schemas.microsoft.com/office/drawing/2014/main" id="{C4CE58DE-4249-422D-AEA9-5A277612708E}"/>
-              </a:ext>
-            </a:extLst>
-          </p:cNvPr>
-          <p:cNvSpPr/>
-          <p:nvPr/>
-        </p:nvSpPr>
-        <p:spPr>
-          <a:xfrm>
-            <a:off x="4077859" y="2338971"/>
-            <a:ext cx="346229" cy="2370338"/>
-          </a:xfrm>
-          <a:prstGeom prst="downArrow">
-            <a:avLst/>
-          </a:prstGeom>
-        </p:spPr>
-        <p:style>
-          <a:lnRef idx="2">
-            <a:schemeClr val="accent5">
-              <a:shade val="50000"/>
-            </a:schemeClr>
-          </a:lnRef>
-          <a:fillRef idx="1">
-            <a:schemeClr val="accent5"/>
-          </a:fillRef>
-          <a:effectRef idx="0">
-            <a:schemeClr val="accent5"/>
-          </a:effectRef>
-          <a:fontRef idx="minor">
-            <a:schemeClr val="lt1"/>
-          </a:fontRef>
-        </p:style>
-        <p:txBody>
-          <a:bodyPr rtlCol="0" anchor="ctr"/>
-          <a:lstStyle/>
-          <a:p>
-            <a:pPr algn="ctr"/>
-            <a:endParaRPr lang="zh-TW" altLang="en-US"/>
-          </a:p>
-        </p:txBody>
-      </p:sp>
-      <p:sp>
-        <p:nvSpPr>
-          <p:cNvPr id="16" name="箭號: 向右 15">
-            <a:extLst>
-              <a:ext uri="{FF2B5EF4-FFF2-40B4-BE49-F238E27FC236}">
-                <a16:creationId xmlns:a16="http://schemas.microsoft.com/office/drawing/2014/main" id="{22B8E6D9-B6F2-489C-8DB9-E24A53A45825}"/>
-              </a:ext>
-            </a:extLst>
-          </p:cNvPr>
-          <p:cNvSpPr/>
-          <p:nvPr/>
-        </p:nvSpPr>
-        <p:spPr>
-          <a:xfrm>
-            <a:off x="4804299" y="5370801"/>
-            <a:ext cx="2512380" cy="312851"/>
-          </a:xfrm>
-          <a:prstGeom prst="rightArrow">
-            <a:avLst/>
-          </a:prstGeom>
-        </p:spPr>
-        <p:style>
-          <a:lnRef idx="2">
-            <a:schemeClr val="accent2">
-              <a:shade val="50000"/>
-            </a:schemeClr>
-          </a:lnRef>
-          <a:fillRef idx="1">
-            <a:schemeClr val="accent2"/>
-          </a:fillRef>
-          <a:effectRef idx="0">
-            <a:schemeClr val="accent2"/>
-          </a:effectRef>
-          <a:fontRef idx="minor">
-            <a:schemeClr val="lt1"/>
-          </a:fontRef>
-        </p:style>
-        <p:txBody>
-          <a:bodyPr rtlCol="0" anchor="ctr"/>
-          <a:lstStyle/>
-          <a:p>
-            <a:pPr algn="ctr"/>
-            <a:endParaRPr lang="zh-TW" altLang="en-US"/>
-          </a:p>
-        </p:txBody>
-      </p:sp>
-      <p:sp>
-        <p:nvSpPr>
-          <p:cNvPr id="17" name="文字方塊 16">
-            <a:extLst>
-              <a:ext uri="{FF2B5EF4-FFF2-40B4-BE49-F238E27FC236}">
-                <a16:creationId xmlns:a16="http://schemas.microsoft.com/office/drawing/2014/main" id="{03B3225A-00CB-445F-BF66-506BB81C3D7A}"/>
-              </a:ext>
-            </a:extLst>
-          </p:cNvPr>
-          <p:cNvSpPr txBox="1"/>
-          <p:nvPr/>
-        </p:nvSpPr>
-        <p:spPr>
-          <a:xfrm>
-            <a:off x="1393794" y="434202"/>
-            <a:ext cx="1410366" cy="369332"/>
-          </a:xfrm>
-          <a:prstGeom prst="rect">
-            <a:avLst/>
-          </a:prstGeom>
-          <a:noFill/>
-        </p:spPr>
-        <p:txBody>
-          <a:bodyPr wrap="square" rtlCol="0">
-            <a:spAutoFit/>
-          </a:bodyPr>
-          <a:lstStyle/>
-          <a:p>
-            <a:r>
-              <a:rPr lang="en-US" altLang="zh-TW" b="1" dirty="0">
-                <a:solidFill>
-                  <a:schemeClr val="accent4">
-                    <a:lumMod val="75000"/>
-                  </a:schemeClr>
-                </a:solidFill>
-                <a:latin typeface="Consolas" panose="020B0609020204030204" pitchFamily="49" charset="0"/>
-              </a:rPr>
-              <a:t>&lt;wrapper&gt;</a:t>
-            </a:r>
-            <a:endParaRPr lang="zh-TW" altLang="en-US" b="1" dirty="0">
-              <a:solidFill>
-                <a:schemeClr val="accent4">
-                  <a:lumMod val="75000"/>
-                </a:schemeClr>
-              </a:solidFill>
-              <a:latin typeface="Consolas" panose="020B0609020204030204" pitchFamily="49" charset="0"/>
-            </a:endParaRPr>
-          </a:p>
-        </p:txBody>
-      </p:sp>
-      <p:sp>
-        <p:nvSpPr>
-          <p:cNvPr id="18" name="文字方塊 17">
-            <a:extLst>
-              <a:ext uri="{FF2B5EF4-FFF2-40B4-BE49-F238E27FC236}">
-                <a16:creationId xmlns:a16="http://schemas.microsoft.com/office/drawing/2014/main" id="{E378A667-025D-41C5-9A18-99BF643ED81D}"/>
-              </a:ext>
-            </a:extLst>
-          </p:cNvPr>
-          <p:cNvSpPr txBox="1"/>
-          <p:nvPr/>
-        </p:nvSpPr>
-        <p:spPr>
-          <a:xfrm>
-            <a:off x="7688802" y="1346586"/>
-            <a:ext cx="1410366" cy="369332"/>
-          </a:xfrm>
-          <a:prstGeom prst="rect">
-            <a:avLst/>
-          </a:prstGeom>
-          <a:noFill/>
-        </p:spPr>
-        <p:txBody>
-          <a:bodyPr wrap="square" rtlCol="0">
-            <a:spAutoFit/>
-          </a:bodyPr>
-          <a:lstStyle/>
-          <a:p>
-            <a:r>
-              <a:rPr lang="en-US" altLang="zh-TW" b="1" dirty="0">
-                <a:solidFill>
-                  <a:schemeClr val="accent6">
-                    <a:lumMod val="75000"/>
-                  </a:schemeClr>
-                </a:solidFill>
-                <a:latin typeface="Consolas" panose="020B0609020204030204" pitchFamily="49" charset="0"/>
-              </a:rPr>
-              <a:t>&lt;main&gt;</a:t>
-            </a:r>
-            <a:endParaRPr lang="zh-TW" altLang="en-US" b="1" dirty="0">
-              <a:solidFill>
-                <a:schemeClr val="accent6">
-                  <a:lumMod val="75000"/>
-                </a:schemeClr>
-              </a:solidFill>
-              <a:latin typeface="Consolas" panose="020B0609020204030204" pitchFamily="49" charset="0"/>
-            </a:endParaRPr>
-          </a:p>
-        </p:txBody>
-      </p:sp>
-      <p:sp>
-        <p:nvSpPr>
-          <p:cNvPr id="19" name="文字方塊 18">
-            <a:extLst>
-              <a:ext uri="{FF2B5EF4-FFF2-40B4-BE49-F238E27FC236}">
-                <a16:creationId xmlns:a16="http://schemas.microsoft.com/office/drawing/2014/main" id="{F4A565C9-D169-4193-9D80-FB616798EBAD}"/>
-              </a:ext>
-            </a:extLst>
-          </p:cNvPr>
-          <p:cNvSpPr txBox="1"/>
-          <p:nvPr/>
-        </p:nvSpPr>
-        <p:spPr>
-          <a:xfrm>
-            <a:off x="3056656" y="1773049"/>
-            <a:ext cx="1410366" cy="369332"/>
-          </a:xfrm>
-          <a:prstGeom prst="rect">
-            <a:avLst/>
-          </a:prstGeom>
-          <a:noFill/>
-        </p:spPr>
-        <p:txBody>
-          <a:bodyPr wrap="square" rtlCol="0">
-            <a:spAutoFit/>
-          </a:bodyPr>
-          <a:lstStyle/>
-          <a:p>
-            <a:r>
-              <a:rPr lang="en-US" altLang="zh-TW" b="1" dirty="0">
-                <a:solidFill>
-                  <a:schemeClr val="accent2">
-                    <a:lumMod val="50000"/>
-                  </a:schemeClr>
-                </a:solidFill>
-                <a:latin typeface="Consolas" panose="020B0609020204030204" pitchFamily="49" charset="0"/>
-              </a:rPr>
-              <a:t>&lt;header&gt;</a:t>
-            </a:r>
-            <a:endParaRPr lang="zh-TW" altLang="en-US" b="1" dirty="0">
-              <a:solidFill>
-                <a:schemeClr val="accent2">
-                  <a:lumMod val="50000"/>
-                </a:schemeClr>
-              </a:solidFill>
-              <a:latin typeface="Consolas" panose="020B0609020204030204" pitchFamily="49" charset="0"/>
-            </a:endParaRPr>
-          </a:p>
-        </p:txBody>
-      </p:sp>
-      <p:sp>
-        <p:nvSpPr>
-          <p:cNvPr id="20" name="文字方塊 19">
-            <a:extLst>
-              <a:ext uri="{FF2B5EF4-FFF2-40B4-BE49-F238E27FC236}">
-                <a16:creationId xmlns:a16="http://schemas.microsoft.com/office/drawing/2014/main" id="{AD915330-E2AC-44B2-8EF6-B14DF8689FEA}"/>
-              </a:ext>
-            </a:extLst>
-          </p:cNvPr>
-          <p:cNvSpPr txBox="1"/>
-          <p:nvPr/>
-        </p:nvSpPr>
-        <p:spPr>
-          <a:xfrm>
-            <a:off x="3247921" y="2687621"/>
-            <a:ext cx="1410366" cy="369332"/>
-          </a:xfrm>
-          <a:prstGeom prst="rect">
-            <a:avLst/>
-          </a:prstGeom>
-          <a:noFill/>
-        </p:spPr>
-        <p:txBody>
-          <a:bodyPr wrap="square" rtlCol="0">
-            <a:spAutoFit/>
-          </a:bodyPr>
-          <a:lstStyle/>
-          <a:p>
-            <a:r>
-              <a:rPr lang="en-US" altLang="zh-TW" b="1" dirty="0">
-                <a:solidFill>
-                  <a:schemeClr val="accent5">
-                    <a:lumMod val="75000"/>
-                  </a:schemeClr>
-                </a:solidFill>
-                <a:latin typeface="Consolas" panose="020B0609020204030204" pitchFamily="49" charset="0"/>
-              </a:rPr>
-              <a:t>&lt;section&gt;</a:t>
-            </a:r>
-            <a:endParaRPr lang="zh-TW" altLang="en-US" b="1" dirty="0">
-              <a:solidFill>
-                <a:schemeClr val="accent5">
-                  <a:lumMod val="75000"/>
-                </a:schemeClr>
-              </a:solidFill>
-              <a:latin typeface="Consolas" panose="020B0609020204030204" pitchFamily="49" charset="0"/>
-            </a:endParaRPr>
-          </a:p>
-        </p:txBody>
-      </p:sp>
-      <p:sp>
-        <p:nvSpPr>
-          <p:cNvPr id="21" name="矩形 20">
-            <a:extLst>
-              <a:ext uri="{FF2B5EF4-FFF2-40B4-BE49-F238E27FC236}">
-                <a16:creationId xmlns:a16="http://schemas.microsoft.com/office/drawing/2014/main" id="{2B751F9B-1071-4546-B74B-564FC993E221}"/>
-              </a:ext>
-            </a:extLst>
-          </p:cNvPr>
-          <p:cNvSpPr/>
-          <p:nvPr/>
-        </p:nvSpPr>
-        <p:spPr>
-          <a:xfrm>
-            <a:off x="4714043" y="3982618"/>
-            <a:ext cx="2503503" cy="321899"/>
-          </a:xfrm>
-          <a:prstGeom prst="rect">
-            <a:avLst/>
-          </a:prstGeom>
-          <a:noFill/>
-          <a:ln w="38100" cap="flat" cmpd="sng" algn="ctr">
-            <a:solidFill>
-              <a:srgbClr val="92D050"/>
-            </a:solidFill>
-            <a:prstDash val="solid"/>
-            <a:round/>
-            <a:headEnd type="none" w="med" len="med"/>
-            <a:tailEnd type="none" w="med" len="med"/>
-          </a:ln>
-        </p:spPr>
-        <p:style>
-          <a:lnRef idx="0">
-            <a:scrgbClr r="0" g="0" b="0"/>
-          </a:lnRef>
-          <a:fillRef idx="0">
-            <a:scrgbClr r="0" g="0" b="0"/>
-          </a:fillRef>
-          <a:effectRef idx="0">
-            <a:scrgbClr r="0" g="0" b="0"/>
-          </a:effectRef>
-          <a:fontRef idx="minor">
-            <a:schemeClr val="accent2"/>
-          </a:fontRef>
-        </p:style>
-        <p:txBody>
-          <a:bodyPr rtlCol="0" anchor="ctr"/>
-          <a:lstStyle/>
-          <a:p>
-            <a:pPr algn="ctr"/>
-            <a:endParaRPr lang="zh-TW" altLang="en-US"/>
-          </a:p>
-        </p:txBody>
-      </p:sp>
-      <p:sp>
-        <p:nvSpPr>
-          <p:cNvPr id="22" name="矩形 21">
-            <a:extLst>
-              <a:ext uri="{FF2B5EF4-FFF2-40B4-BE49-F238E27FC236}">
-                <a16:creationId xmlns:a16="http://schemas.microsoft.com/office/drawing/2014/main" id="{87F1511B-B31E-49DE-A9BF-94BBE46E7B7C}"/>
-              </a:ext>
-            </a:extLst>
-          </p:cNvPr>
-          <p:cNvSpPr/>
-          <p:nvPr/>
-        </p:nvSpPr>
-        <p:spPr>
-          <a:xfrm>
-            <a:off x="4714043" y="4308429"/>
-            <a:ext cx="2503503" cy="247254"/>
-          </a:xfrm>
-          <a:prstGeom prst="rect">
-            <a:avLst/>
-          </a:prstGeom>
-          <a:noFill/>
-          <a:ln w="38100" cap="flat" cmpd="sng" algn="ctr">
-            <a:solidFill>
-              <a:srgbClr val="92D050"/>
-            </a:solidFill>
-            <a:prstDash val="solid"/>
-            <a:round/>
-            <a:headEnd type="none" w="med" len="med"/>
-            <a:tailEnd type="none" w="med" len="med"/>
-          </a:ln>
-        </p:spPr>
-        <p:style>
-          <a:lnRef idx="0">
-            <a:scrgbClr r="0" g="0" b="0"/>
-          </a:lnRef>
-          <a:fillRef idx="0">
-            <a:scrgbClr r="0" g="0" b="0"/>
-          </a:fillRef>
-          <a:effectRef idx="0">
-            <a:scrgbClr r="0" g="0" b="0"/>
-          </a:effectRef>
-          <a:fontRef idx="minor">
-            <a:schemeClr val="accent2"/>
-          </a:fontRef>
-        </p:style>
-        <p:txBody>
-          <a:bodyPr rtlCol="0" anchor="ctr"/>
-          <a:lstStyle/>
-          <a:p>
-            <a:pPr algn="ctr"/>
-            <a:endParaRPr lang="zh-TW" altLang="en-US"/>
-          </a:p>
-        </p:txBody>
-      </p:sp>
-      <p:sp>
-        <p:nvSpPr>
-          <p:cNvPr id="23" name="矩形 22">
-            <a:extLst>
-              <a:ext uri="{FF2B5EF4-FFF2-40B4-BE49-F238E27FC236}">
-                <a16:creationId xmlns:a16="http://schemas.microsoft.com/office/drawing/2014/main" id="{194864CD-6CB8-417C-B762-F40515E9642F}"/>
-              </a:ext>
-            </a:extLst>
-          </p:cNvPr>
-          <p:cNvSpPr/>
-          <p:nvPr/>
-        </p:nvSpPr>
-        <p:spPr>
-          <a:xfrm>
-            <a:off x="4607560" y="1706713"/>
-            <a:ext cx="2609986" cy="347435"/>
-          </a:xfrm>
-          <a:prstGeom prst="rect">
-            <a:avLst/>
-          </a:prstGeom>
-          <a:noFill/>
-          <a:ln w="38100" cap="flat" cmpd="sng" algn="ctr">
-            <a:solidFill>
-              <a:srgbClr val="FFC000"/>
-            </a:solidFill>
-            <a:prstDash val="solid"/>
-            <a:round/>
-            <a:headEnd type="none" w="med" len="med"/>
-            <a:tailEnd type="none" w="med" len="med"/>
-          </a:ln>
-        </p:spPr>
-        <p:style>
-          <a:lnRef idx="0">
-            <a:scrgbClr r="0" g="0" b="0"/>
-          </a:lnRef>
-          <a:fillRef idx="0">
-            <a:scrgbClr r="0" g="0" b="0"/>
-          </a:fillRef>
-          <a:effectRef idx="0">
-            <a:scrgbClr r="0" g="0" b="0"/>
-          </a:effectRef>
-          <a:fontRef idx="minor">
-            <a:schemeClr val="accent2"/>
-          </a:fontRef>
-        </p:style>
-        <p:txBody>
-          <a:bodyPr rtlCol="0" anchor="ctr"/>
-          <a:lstStyle/>
-          <a:p>
-            <a:pPr algn="ctr"/>
-            <a:endParaRPr lang="zh-TW" altLang="en-US"/>
-          </a:p>
-        </p:txBody>
-      </p:sp>
-      <p:sp>
-        <p:nvSpPr>
-          <p:cNvPr id="24" name="矩形 23">
-            <a:extLst>
-              <a:ext uri="{FF2B5EF4-FFF2-40B4-BE49-F238E27FC236}">
-                <a16:creationId xmlns:a16="http://schemas.microsoft.com/office/drawing/2014/main" id="{A0EB15AA-0105-46C9-AD27-674321CA8A71}"/>
-              </a:ext>
-            </a:extLst>
-          </p:cNvPr>
-          <p:cNvSpPr/>
-          <p:nvPr/>
-        </p:nvSpPr>
-        <p:spPr>
-          <a:xfrm>
-            <a:off x="4607560" y="2176136"/>
-            <a:ext cx="2609986" cy="113465"/>
-          </a:xfrm>
-          <a:prstGeom prst="rect">
-            <a:avLst/>
-          </a:prstGeom>
-          <a:noFill/>
-          <a:ln w="38100" cap="flat" cmpd="sng" algn="ctr">
-            <a:solidFill>
-              <a:srgbClr val="0070C0"/>
-            </a:solidFill>
-            <a:prstDash val="solid"/>
-            <a:round/>
-            <a:headEnd type="none" w="med" len="med"/>
-            <a:tailEnd type="none" w="med" len="med"/>
-          </a:ln>
-        </p:spPr>
-        <p:style>
-          <a:lnRef idx="0">
-            <a:scrgbClr r="0" g="0" b="0"/>
-          </a:lnRef>
-          <a:fillRef idx="0">
-            <a:scrgbClr r="0" g="0" b="0"/>
-          </a:fillRef>
-          <a:effectRef idx="0">
-            <a:scrgbClr r="0" g="0" b="0"/>
-          </a:effectRef>
-          <a:fontRef idx="minor">
-            <a:schemeClr val="accent2"/>
-          </a:fontRef>
-        </p:style>
-        <p:txBody>
-          <a:bodyPr rtlCol="0" anchor="ctr"/>
-          <a:lstStyle/>
-          <a:p>
-            <a:pPr algn="ctr"/>
-            <a:endParaRPr lang="zh-TW" altLang="en-US"/>
-          </a:p>
-        </p:txBody>
-      </p:sp>
-      <p:sp>
-        <p:nvSpPr>
-          <p:cNvPr id="26" name="文字方塊 25">
-            <a:extLst>
-              <a:ext uri="{FF2B5EF4-FFF2-40B4-BE49-F238E27FC236}">
-                <a16:creationId xmlns:a16="http://schemas.microsoft.com/office/drawing/2014/main" id="{27A3B66B-9050-4F1F-9EAD-DA94FC3975FD}"/>
-              </a:ext>
-            </a:extLst>
-          </p:cNvPr>
-          <p:cNvSpPr txBox="1"/>
-          <p:nvPr/>
-        </p:nvSpPr>
-        <p:spPr>
-          <a:xfrm>
-            <a:off x="7111950" y="1684816"/>
-            <a:ext cx="916669" cy="369332"/>
-          </a:xfrm>
-          <a:prstGeom prst="rect">
-            <a:avLst/>
-          </a:prstGeom>
-          <a:noFill/>
-        </p:spPr>
-        <p:txBody>
-          <a:bodyPr wrap="square" rtlCol="0">
-            <a:spAutoFit/>
-          </a:bodyPr>
-          <a:lstStyle/>
-          <a:p>
-            <a:r>
-              <a:rPr lang="en-US" altLang="zh-TW" b="1" dirty="0">
-                <a:solidFill>
-                  <a:srgbClr val="FFC000"/>
-                </a:solidFill>
-                <a:latin typeface="Consolas" panose="020B0609020204030204" pitchFamily="49" charset="0"/>
-              </a:rPr>
-              <a:t>&lt;nav&gt;</a:t>
-            </a:r>
-            <a:endParaRPr lang="zh-TW" altLang="en-US" b="1" dirty="0">
-              <a:solidFill>
-                <a:srgbClr val="FFC000"/>
-              </a:solidFill>
-              <a:latin typeface="Consolas" panose="020B0609020204030204" pitchFamily="49" charset="0"/>
-            </a:endParaRPr>
-          </a:p>
-        </p:txBody>
-      </p:sp>
-      <p:sp>
-        <p:nvSpPr>
-          <p:cNvPr id="27" name="文字方塊 26">
-            <a:extLst>
-              <a:ext uri="{FF2B5EF4-FFF2-40B4-BE49-F238E27FC236}">
-                <a16:creationId xmlns:a16="http://schemas.microsoft.com/office/drawing/2014/main" id="{690886B1-F982-4198-AD50-38D756AB5737}"/>
-              </a:ext>
-            </a:extLst>
-          </p:cNvPr>
-          <p:cNvSpPr txBox="1"/>
-          <p:nvPr/>
-        </p:nvSpPr>
-        <p:spPr>
-          <a:xfrm>
-            <a:off x="7190074" y="1992571"/>
-            <a:ext cx="916669" cy="369332"/>
-          </a:xfrm>
-          <a:prstGeom prst="rect">
-            <a:avLst/>
-          </a:prstGeom>
-          <a:noFill/>
-        </p:spPr>
-        <p:txBody>
-          <a:bodyPr wrap="square" rtlCol="0">
-            <a:spAutoFit/>
-          </a:bodyPr>
-          <a:lstStyle/>
-          <a:p>
-            <a:r>
-              <a:rPr lang="en-US" altLang="zh-TW" b="1" dirty="0">
-                <a:solidFill>
-                  <a:srgbClr val="0070C0"/>
-                </a:solidFill>
-                <a:latin typeface="Consolas" panose="020B0609020204030204" pitchFamily="49" charset="0"/>
-              </a:rPr>
-              <a:t>&lt;</a:t>
-            </a:r>
-            <a:r>
-              <a:rPr lang="en-US" altLang="zh-TW" b="1" dirty="0" err="1">
-                <a:solidFill>
-                  <a:srgbClr val="0070C0"/>
-                </a:solidFill>
-                <a:latin typeface="Consolas" panose="020B0609020204030204" pitchFamily="49" charset="0"/>
-              </a:rPr>
-              <a:t>hr</a:t>
-            </a:r>
-            <a:r>
-              <a:rPr lang="en-US" altLang="zh-TW" b="1" dirty="0">
-                <a:solidFill>
-                  <a:srgbClr val="0070C0"/>
-                </a:solidFill>
-                <a:latin typeface="Consolas" panose="020B0609020204030204" pitchFamily="49" charset="0"/>
-              </a:rPr>
-              <a:t>&gt;</a:t>
-            </a:r>
-            <a:endParaRPr lang="zh-TW" altLang="en-US" b="1" dirty="0">
-              <a:solidFill>
-                <a:srgbClr val="0070C0"/>
-              </a:solidFill>
-              <a:latin typeface="Consolas" panose="020B0609020204030204" pitchFamily="49" charset="0"/>
-            </a:endParaRPr>
-          </a:p>
-        </p:txBody>
-      </p:sp>
-      <p:sp>
-        <p:nvSpPr>
-          <p:cNvPr id="28" name="文字方塊 27">
-            <a:extLst>
-              <a:ext uri="{FF2B5EF4-FFF2-40B4-BE49-F238E27FC236}">
-                <a16:creationId xmlns:a16="http://schemas.microsoft.com/office/drawing/2014/main" id="{F24202A8-BCC7-442F-9E49-649A26EFE989}"/>
-              </a:ext>
-            </a:extLst>
-          </p:cNvPr>
-          <p:cNvSpPr txBox="1"/>
-          <p:nvPr/>
-        </p:nvSpPr>
-        <p:spPr>
-          <a:xfrm>
-            <a:off x="7256237" y="3541736"/>
-            <a:ext cx="697045" cy="369332"/>
-          </a:xfrm>
-          <a:prstGeom prst="rect">
-            <a:avLst/>
-          </a:prstGeom>
-          <a:noFill/>
-        </p:spPr>
-        <p:txBody>
-          <a:bodyPr wrap="square" rtlCol="0">
-            <a:spAutoFit/>
-          </a:bodyPr>
-          <a:lstStyle/>
-          <a:p>
-            <a:r>
-              <a:rPr lang="en-US" altLang="zh-TW" b="1" dirty="0">
-                <a:solidFill>
-                  <a:srgbClr val="92D050"/>
-                </a:solidFill>
-                <a:latin typeface="Consolas" panose="020B0609020204030204" pitchFamily="49" charset="0"/>
-              </a:rPr>
-              <a:t>&lt;h1&gt;</a:t>
-            </a:r>
-            <a:endParaRPr lang="zh-TW" altLang="en-US" b="1" dirty="0">
-              <a:solidFill>
-                <a:srgbClr val="92D050"/>
-              </a:solidFill>
-              <a:latin typeface="Consolas" panose="020B0609020204030204" pitchFamily="49" charset="0"/>
-            </a:endParaRPr>
-          </a:p>
-        </p:txBody>
-      </p:sp>
-      <p:sp>
-        <p:nvSpPr>
-          <p:cNvPr id="29" name="文字方塊 28">
-            <a:extLst>
-              <a:ext uri="{FF2B5EF4-FFF2-40B4-BE49-F238E27FC236}">
-                <a16:creationId xmlns:a16="http://schemas.microsoft.com/office/drawing/2014/main" id="{05E13C96-03B3-4A4D-AB27-6E0930655547}"/>
-              </a:ext>
-            </a:extLst>
-          </p:cNvPr>
-          <p:cNvSpPr txBox="1"/>
-          <p:nvPr/>
-        </p:nvSpPr>
-        <p:spPr>
-          <a:xfrm>
-            <a:off x="7256237" y="3884269"/>
-            <a:ext cx="697045" cy="369332"/>
-          </a:xfrm>
-          <a:prstGeom prst="rect">
-            <a:avLst/>
-          </a:prstGeom>
-          <a:noFill/>
-        </p:spPr>
-        <p:txBody>
-          <a:bodyPr wrap="square" rtlCol="0">
-            <a:spAutoFit/>
-          </a:bodyPr>
-          <a:lstStyle/>
-          <a:p>
-            <a:r>
-              <a:rPr lang="en-US" altLang="zh-TW" b="1" dirty="0">
-                <a:solidFill>
-                  <a:srgbClr val="92D050"/>
-                </a:solidFill>
-                <a:latin typeface="Consolas" panose="020B0609020204030204" pitchFamily="49" charset="0"/>
-              </a:rPr>
-              <a:t>&lt;</a:t>
-            </a:r>
-            <a:r>
-              <a:rPr lang="en-US" altLang="zh-TW" b="1" dirty="0" err="1">
-                <a:solidFill>
-                  <a:srgbClr val="92D050"/>
-                </a:solidFill>
-                <a:latin typeface="Consolas" panose="020B0609020204030204" pitchFamily="49" charset="0"/>
-              </a:rPr>
-              <a:t>hr</a:t>
-            </a:r>
-            <a:r>
-              <a:rPr lang="en-US" altLang="zh-TW" b="1" dirty="0">
-                <a:solidFill>
-                  <a:srgbClr val="92D050"/>
-                </a:solidFill>
-                <a:latin typeface="Consolas" panose="020B0609020204030204" pitchFamily="49" charset="0"/>
-              </a:rPr>
-              <a:t>&gt;</a:t>
-            </a:r>
-            <a:endParaRPr lang="zh-TW" altLang="en-US" b="1" dirty="0">
-              <a:solidFill>
-                <a:srgbClr val="92D050"/>
-              </a:solidFill>
-              <a:latin typeface="Consolas" panose="020B0609020204030204" pitchFamily="49" charset="0"/>
-            </a:endParaRPr>
-          </a:p>
-        </p:txBody>
-      </p:sp>
-      <p:sp>
-        <p:nvSpPr>
-          <p:cNvPr id="30" name="文字方塊 29">
-            <a:extLst>
-              <a:ext uri="{FF2B5EF4-FFF2-40B4-BE49-F238E27FC236}">
-                <a16:creationId xmlns:a16="http://schemas.microsoft.com/office/drawing/2014/main" id="{B5789FFC-77A9-40DA-B0EB-98380781C561}"/>
-              </a:ext>
-            </a:extLst>
-          </p:cNvPr>
-          <p:cNvSpPr txBox="1"/>
-          <p:nvPr/>
-        </p:nvSpPr>
-        <p:spPr>
-          <a:xfrm>
-            <a:off x="7256237" y="4196667"/>
-            <a:ext cx="697045" cy="369332"/>
-          </a:xfrm>
-          <a:prstGeom prst="rect">
-            <a:avLst/>
-          </a:prstGeom>
-          <a:noFill/>
-        </p:spPr>
-        <p:txBody>
-          <a:bodyPr wrap="square" rtlCol="0">
-            <a:spAutoFit/>
-          </a:bodyPr>
-          <a:lstStyle/>
-          <a:p>
-            <a:r>
-              <a:rPr lang="en-US" altLang="zh-TW" b="1" dirty="0">
-                <a:solidFill>
-                  <a:srgbClr val="92D050"/>
-                </a:solidFill>
-                <a:latin typeface="Consolas" panose="020B0609020204030204" pitchFamily="49" charset="0"/>
-              </a:rPr>
-              <a:t>&lt;p&gt;</a:t>
-            </a:r>
-            <a:endParaRPr lang="zh-TW" altLang="en-US" b="1" dirty="0">
-              <a:solidFill>
-                <a:srgbClr val="92D050"/>
-              </a:solidFill>
-              <a:latin typeface="Consolas" panose="020B0609020204030204" pitchFamily="49" charset="0"/>
-            </a:endParaRPr>
-          </a:p>
-        </p:txBody>
-      </p:sp>
-      <p:sp>
-        <p:nvSpPr>
-          <p:cNvPr id="31" name="文字方塊 30">
-            <a:extLst>
-              <a:ext uri="{FF2B5EF4-FFF2-40B4-BE49-F238E27FC236}">
-                <a16:creationId xmlns:a16="http://schemas.microsoft.com/office/drawing/2014/main" id="{9E5F4D18-AD9A-43DF-AE4C-B10CAD9F5B1C}"/>
-              </a:ext>
-            </a:extLst>
-          </p:cNvPr>
-          <p:cNvSpPr txBox="1"/>
-          <p:nvPr/>
-        </p:nvSpPr>
-        <p:spPr>
-          <a:xfrm>
-            <a:off x="3531883" y="4933555"/>
-            <a:ext cx="1229483" cy="369332"/>
-          </a:xfrm>
-          <a:prstGeom prst="rect">
-            <a:avLst/>
-          </a:prstGeom>
-          <a:noFill/>
-        </p:spPr>
-        <p:txBody>
-          <a:bodyPr wrap="square" rtlCol="0">
-            <a:spAutoFit/>
-          </a:bodyPr>
-          <a:lstStyle/>
-          <a:p>
-            <a:r>
-              <a:rPr lang="en-US" altLang="zh-TW" b="1" dirty="0">
-                <a:solidFill>
-                  <a:schemeClr val="accent1">
-                    <a:lumMod val="60000"/>
-                    <a:lumOff val="40000"/>
-                  </a:schemeClr>
-                </a:solidFill>
-                <a:latin typeface="Consolas" panose="020B0609020204030204" pitchFamily="49" charset="0"/>
-              </a:rPr>
-              <a:t>&lt;footer&gt;</a:t>
-            </a:r>
-            <a:endParaRPr lang="zh-TW" altLang="en-US" b="1" dirty="0">
-              <a:solidFill>
-                <a:schemeClr val="accent1">
-                  <a:lumMod val="60000"/>
-                  <a:lumOff val="40000"/>
-                </a:schemeClr>
-              </a:solidFill>
-              <a:latin typeface="Consolas" panose="020B0609020204030204" pitchFamily="49" charset="0"/>
-            </a:endParaRPr>
-          </a:p>
-        </p:txBody>
-      </p:sp>
-      <p:sp>
-        <p:nvSpPr>
-          <p:cNvPr id="32" name="文字方塊 31">
-            <a:extLst>
-              <a:ext uri="{FF2B5EF4-FFF2-40B4-BE49-F238E27FC236}">
-                <a16:creationId xmlns:a16="http://schemas.microsoft.com/office/drawing/2014/main" id="{6EDEDC63-B294-465A-995D-0FDCBDF27712}"/>
-              </a:ext>
-            </a:extLst>
-          </p:cNvPr>
-          <p:cNvSpPr txBox="1"/>
-          <p:nvPr/>
-        </p:nvSpPr>
-        <p:spPr>
-          <a:xfrm>
-            <a:off x="7021842" y="2946932"/>
-            <a:ext cx="916669" cy="369332"/>
-          </a:xfrm>
-          <a:prstGeom prst="rect">
-            <a:avLst/>
-          </a:prstGeom>
-          <a:noFill/>
-        </p:spPr>
-        <p:txBody>
-          <a:bodyPr wrap="square" rtlCol="0">
-            <a:spAutoFit/>
-          </a:bodyPr>
-          <a:lstStyle/>
-          <a:p>
-            <a:r>
-              <a:rPr lang="en-US" altLang="zh-TW" b="1" dirty="0">
-                <a:solidFill>
-                  <a:schemeClr val="accent2">
-                    <a:lumMod val="75000"/>
-                  </a:schemeClr>
-                </a:solidFill>
-                <a:latin typeface="Consolas" panose="020B0609020204030204" pitchFamily="49" charset="0"/>
-              </a:rPr>
-              <a:t>&lt;</a:t>
-            </a:r>
-            <a:r>
-              <a:rPr lang="en-US" altLang="zh-TW" b="1" dirty="0" err="1">
-                <a:solidFill>
-                  <a:schemeClr val="accent2">
-                    <a:lumMod val="75000"/>
-                  </a:schemeClr>
-                </a:solidFill>
-                <a:latin typeface="Consolas" panose="020B0609020204030204" pitchFamily="49" charset="0"/>
-              </a:rPr>
-              <a:t>img</a:t>
-            </a:r>
-            <a:r>
-              <a:rPr lang="en-US" altLang="zh-TW" b="1" dirty="0">
-                <a:solidFill>
-                  <a:schemeClr val="accent2">
-                    <a:lumMod val="75000"/>
-                  </a:schemeClr>
-                </a:solidFill>
-                <a:latin typeface="Consolas" panose="020B0609020204030204" pitchFamily="49" charset="0"/>
-              </a:rPr>
-              <a:t>&gt;</a:t>
-            </a:r>
-            <a:endParaRPr lang="zh-TW" altLang="en-US" b="1" dirty="0">
-              <a:solidFill>
-                <a:schemeClr val="accent2">
-                  <a:lumMod val="75000"/>
-                </a:schemeClr>
-              </a:solidFill>
-              <a:latin typeface="Consolas" panose="020B0609020204030204" pitchFamily="49" charset="0"/>
-            </a:endParaRPr>
-          </a:p>
-        </p:txBody>
-      </p:sp>
-      <p:sp>
-        <p:nvSpPr>
-          <p:cNvPr id="33" name="箭號: 向下 32">
-            <a:extLst>
-              <a:ext uri="{FF2B5EF4-FFF2-40B4-BE49-F238E27FC236}">
-                <a16:creationId xmlns:a16="http://schemas.microsoft.com/office/drawing/2014/main" id="{A738E314-2139-4330-B9BE-EC86D4F648A5}"/>
-              </a:ext>
-            </a:extLst>
-          </p:cNvPr>
-          <p:cNvSpPr/>
-          <p:nvPr/>
-        </p:nvSpPr>
-        <p:spPr>
-          <a:xfrm>
-            <a:off x="8055894" y="1684816"/>
-            <a:ext cx="346229" cy="3685985"/>
-          </a:xfrm>
-          <a:prstGeom prst="downArrow">
-            <a:avLst/>
-          </a:prstGeom>
-        </p:spPr>
-        <p:style>
-          <a:lnRef idx="2">
-            <a:schemeClr val="accent6">
-              <a:shade val="50000"/>
-            </a:schemeClr>
-          </a:lnRef>
-          <a:fillRef idx="1">
-            <a:schemeClr val="accent6"/>
-          </a:fillRef>
-          <a:effectRef idx="0">
-            <a:schemeClr val="accent6"/>
-          </a:effectRef>
-          <a:fontRef idx="minor">
-            <a:schemeClr val="lt1"/>
-          </a:fontRef>
-        </p:style>
-        <p:txBody>
-          <a:bodyPr rtlCol="0" anchor="ctr"/>
-          <a:lstStyle/>
-          <a:p>
-            <a:pPr algn="ctr"/>
-            <a:endParaRPr lang="zh-TW" altLang="en-US"/>
-          </a:p>
-        </p:txBody>
-      </p:sp>
-    </p:spTree>
-    <p:extLst>
-      <p:ext uri="{BB962C8B-B14F-4D97-AF65-F5344CB8AC3E}">
-        <p14:creationId xmlns:p14="http://schemas.microsoft.com/office/powerpoint/2010/main" val="1958538395"/>
-      </p:ext>
-    </p:extLst>
-  </p:cSld>
-  <p:clrMapOvr>
-    <a:masterClrMapping/>
-  </p:clrMapOvr>
-</p:sld>
-</file>
-
-<file path=ppt/slides/slide22.xml><?xml version="1.0" encoding="utf-8"?>
 <p:sld xmlns:a="http://schemas.openxmlformats.org/drawingml/2006/main" xmlns:r="http://schemas.openxmlformats.org/officeDocument/2006/relationships" xmlns:p="http://schemas.openxmlformats.org/presentationml/2006/main">
   <p:cSld>
     <p:spTree>
@@ -11241,6 +9748,267 @@
 </p:sld>
 </file>
 
+<file path=ppt/slides/slide22.xml><?xml version="1.0" encoding="utf-8"?>
+<p:sld xmlns:a="http://schemas.openxmlformats.org/drawingml/2006/main" xmlns:r="http://schemas.openxmlformats.org/officeDocument/2006/relationships" xmlns:p="http://schemas.openxmlformats.org/presentationml/2006/main">
+  <p:cSld>
+    <p:spTree>
+      <p:nvGrpSpPr>
+        <p:cNvPr id="1" name=""/>
+        <p:cNvGrpSpPr/>
+        <p:nvPr/>
+      </p:nvGrpSpPr>
+      <p:grpSpPr>
+        <a:xfrm>
+          <a:off x="0" y="0"/>
+          <a:ext cx="0" cy="0"/>
+          <a:chOff x="0" y="0"/>
+          <a:chExt cx="0" cy="0"/>
+        </a:xfrm>
+      </p:grpSpPr>
+      <p:sp>
+        <p:nvSpPr>
+          <p:cNvPr id="2" name="標題 1">
+            <a:extLst>
+              <a:ext uri="{FF2B5EF4-FFF2-40B4-BE49-F238E27FC236}">
+                <a16:creationId xmlns:a16="http://schemas.microsoft.com/office/drawing/2014/main" id="{53257BE5-E95E-4AB1-AE5B-BE1095AD25B8}"/>
+              </a:ext>
+            </a:extLst>
+          </p:cNvPr>
+          <p:cNvSpPr>
+            <a:spLocks noGrp="1"/>
+          </p:cNvSpPr>
+          <p:nvPr>
+            <p:ph type="title"/>
+          </p:nvPr>
+        </p:nvSpPr>
+        <p:spPr/>
+        <p:txBody>
+          <a:bodyPr/>
+          <a:lstStyle/>
+          <a:p>
+            <a:r>
+              <a:rPr lang="zh-TW" altLang="en-US" dirty="0"/>
+              <a:t>新增</a:t>
+            </a:r>
+            <a:r>
+              <a:rPr lang="en-US" altLang="zh-TW" dirty="0" err="1"/>
+              <a:t>css</a:t>
+            </a:r>
+            <a:r>
+              <a:rPr lang="zh-TW" altLang="en-US" dirty="0"/>
+              <a:t>資料夾 </a:t>
+            </a:r>
+            <a:r>
+              <a:rPr lang="en-US" altLang="zh-TW" dirty="0"/>
+              <a:t>/</a:t>
+            </a:r>
+            <a:r>
+              <a:rPr lang="zh-TW" altLang="en-US" dirty="0"/>
+              <a:t> </a:t>
+            </a:r>
+            <a:r>
+              <a:rPr lang="en-US" altLang="zh-TW" dirty="0"/>
+              <a:t>html</a:t>
+            </a:r>
+            <a:r>
+              <a:rPr lang="zh-TW" altLang="en-US" dirty="0"/>
+              <a:t>連接</a:t>
+            </a:r>
+            <a:r>
+              <a:rPr lang="en-US" altLang="zh-TW" dirty="0" err="1"/>
+              <a:t>css</a:t>
+            </a:r>
+            <a:endParaRPr lang="zh-TW" altLang="en-US" dirty="0"/>
+          </a:p>
+        </p:txBody>
+      </p:sp>
+      <p:sp>
+        <p:nvSpPr>
+          <p:cNvPr id="3" name="內容版面配置區 2">
+            <a:extLst>
+              <a:ext uri="{FF2B5EF4-FFF2-40B4-BE49-F238E27FC236}">
+                <a16:creationId xmlns:a16="http://schemas.microsoft.com/office/drawing/2014/main" id="{365B5495-E695-4FC5-A95B-E8FFA4B25BD5}"/>
+              </a:ext>
+            </a:extLst>
+          </p:cNvPr>
+          <p:cNvSpPr>
+            <a:spLocks noGrp="1"/>
+          </p:cNvSpPr>
+          <p:nvPr>
+            <p:ph idx="1"/>
+          </p:nvPr>
+        </p:nvSpPr>
+        <p:spPr/>
+        <p:txBody>
+          <a:bodyPr/>
+          <a:lstStyle/>
+          <a:p>
+            <a:pPr marL="0" indent="0">
+              <a:buNone/>
+            </a:pPr>
+            <a:r>
+              <a:rPr lang="en-US" altLang="zh-TW" b="0" dirty="0">
+                <a:solidFill>
+                  <a:srgbClr val="EEFFFF"/>
+                </a:solidFill>
+                <a:effectLst/>
+                <a:latin typeface="Consolas" panose="020B0609020204030204" pitchFamily="49" charset="0"/>
+              </a:rPr>
+              <a:t> </a:t>
+            </a:r>
+            <a:r>
+              <a:rPr lang="en-US" altLang="zh-TW" b="0" dirty="0">
+                <a:solidFill>
+                  <a:srgbClr val="89DDFF"/>
+                </a:solidFill>
+                <a:effectLst/>
+                <a:latin typeface="Consolas" panose="020B0609020204030204" pitchFamily="49" charset="0"/>
+              </a:rPr>
+              <a:t>&lt;</a:t>
+            </a:r>
+            <a:r>
+              <a:rPr lang="en-US" altLang="zh-TW" b="0" dirty="0">
+                <a:solidFill>
+                  <a:srgbClr val="F07178"/>
+                </a:solidFill>
+                <a:effectLst/>
+                <a:latin typeface="Consolas" panose="020B0609020204030204" pitchFamily="49" charset="0"/>
+              </a:rPr>
+              <a:t>link</a:t>
+            </a:r>
+            <a:r>
+              <a:rPr lang="en-US" altLang="zh-TW" b="0" dirty="0">
+                <a:solidFill>
+                  <a:srgbClr val="89DDFF"/>
+                </a:solidFill>
+                <a:effectLst/>
+                <a:latin typeface="Consolas" panose="020B0609020204030204" pitchFamily="49" charset="0"/>
+              </a:rPr>
+              <a:t> </a:t>
+            </a:r>
+            <a:r>
+              <a:rPr lang="en-US" altLang="zh-TW" b="0" dirty="0" err="1">
+                <a:solidFill>
+                  <a:srgbClr val="C792EA"/>
+                </a:solidFill>
+                <a:effectLst/>
+                <a:latin typeface="Consolas" panose="020B0609020204030204" pitchFamily="49" charset="0"/>
+              </a:rPr>
+              <a:t>rel</a:t>
+            </a:r>
+            <a:r>
+              <a:rPr lang="en-US" altLang="zh-TW" b="0" dirty="0">
+                <a:solidFill>
+                  <a:srgbClr val="89DDFF"/>
+                </a:solidFill>
+                <a:effectLst/>
+                <a:latin typeface="Consolas" panose="020B0609020204030204" pitchFamily="49" charset="0"/>
+              </a:rPr>
+              <a:t>="</a:t>
+            </a:r>
+            <a:r>
+              <a:rPr lang="en-US" altLang="zh-TW" b="0" dirty="0">
+                <a:solidFill>
+                  <a:srgbClr val="C3E88D"/>
+                </a:solidFill>
+                <a:effectLst/>
+                <a:latin typeface="Consolas" panose="020B0609020204030204" pitchFamily="49" charset="0"/>
+              </a:rPr>
+              <a:t>stylesheet</a:t>
+            </a:r>
+            <a:r>
+              <a:rPr lang="en-US" altLang="zh-TW" b="0" dirty="0">
+                <a:solidFill>
+                  <a:srgbClr val="89DDFF"/>
+                </a:solidFill>
+                <a:effectLst/>
+                <a:latin typeface="Consolas" panose="020B0609020204030204" pitchFamily="49" charset="0"/>
+              </a:rPr>
+              <a:t>" </a:t>
+            </a:r>
+            <a:r>
+              <a:rPr lang="en-US" altLang="zh-TW" b="0" dirty="0" err="1">
+                <a:solidFill>
+                  <a:srgbClr val="C792EA"/>
+                </a:solidFill>
+                <a:effectLst/>
+                <a:latin typeface="Consolas" panose="020B0609020204030204" pitchFamily="49" charset="0"/>
+              </a:rPr>
+              <a:t>href</a:t>
+            </a:r>
+            <a:r>
+              <a:rPr lang="en-US" altLang="zh-TW" b="0" dirty="0">
+                <a:solidFill>
+                  <a:srgbClr val="89DDFF"/>
+                </a:solidFill>
+                <a:effectLst/>
+                <a:latin typeface="Consolas" panose="020B0609020204030204" pitchFamily="49" charset="0"/>
+              </a:rPr>
+              <a:t>="</a:t>
+            </a:r>
+            <a:r>
+              <a:rPr lang="en-US" altLang="zh-TW" b="0" dirty="0">
+                <a:solidFill>
+                  <a:srgbClr val="C3E88D"/>
+                </a:solidFill>
+                <a:effectLst/>
+                <a:latin typeface="Consolas" panose="020B0609020204030204" pitchFamily="49" charset="0"/>
+              </a:rPr>
+              <a:t>/</a:t>
+            </a:r>
+            <a:r>
+              <a:rPr lang="en-US" altLang="zh-TW" b="0" dirty="0" err="1">
+                <a:solidFill>
+                  <a:srgbClr val="C3E88D"/>
+                </a:solidFill>
+                <a:effectLst/>
+                <a:latin typeface="Consolas" panose="020B0609020204030204" pitchFamily="49" charset="0"/>
+              </a:rPr>
+              <a:t>css</a:t>
+            </a:r>
+            <a:r>
+              <a:rPr lang="en-US" altLang="zh-TW" b="0" dirty="0">
+                <a:solidFill>
+                  <a:srgbClr val="C3E88D"/>
+                </a:solidFill>
+                <a:effectLst/>
+                <a:latin typeface="Consolas" panose="020B0609020204030204" pitchFamily="49" charset="0"/>
+              </a:rPr>
+              <a:t>/bio.css</a:t>
+            </a:r>
+            <a:r>
+              <a:rPr lang="en-US" altLang="zh-TW" b="0" dirty="0">
+                <a:solidFill>
+                  <a:srgbClr val="89DDFF"/>
+                </a:solidFill>
+                <a:effectLst/>
+                <a:latin typeface="Consolas" panose="020B0609020204030204" pitchFamily="49" charset="0"/>
+              </a:rPr>
+              <a:t>"&gt;</a:t>
+            </a:r>
+            <a:endParaRPr lang="en-US" altLang="zh-TW" b="0" dirty="0">
+              <a:solidFill>
+                <a:srgbClr val="EEFFFF"/>
+              </a:solidFill>
+              <a:effectLst/>
+              <a:latin typeface="Consolas" panose="020B0609020204030204" pitchFamily="49" charset="0"/>
+            </a:endParaRPr>
+          </a:p>
+        </p:txBody>
+      </p:sp>
+    </p:spTree>
+    <p:extLst>
+      <p:ext uri="{BB962C8B-B14F-4D97-AF65-F5344CB8AC3E}">
+        <p14:creationId xmlns:p14="http://schemas.microsoft.com/office/powerpoint/2010/main" val="2122202658"/>
+      </p:ext>
+    </p:extLst>
+  </p:cSld>
+  <p:clrMapOvr>
+    <a:masterClrMapping/>
+  </p:clrMapOvr>
+</p:sld>
+</file>
+
 <file path=ppt/slides/slide23.xml><?xml version="1.0" encoding="utf-8"?>
 <p:sld xmlns:a="http://schemas.openxmlformats.org/drawingml/2006/main" xmlns:r="http://schemas.openxmlformats.org/officeDocument/2006/relationships" xmlns:p="http://schemas.openxmlformats.org/presentationml/2006/main">
   <p:cSld>
@@ -11263,7 +10031,7 @@
           <p:cNvPr id="2" name="標題 1">
             <a:extLst>
               <a:ext uri="{FF2B5EF4-FFF2-40B4-BE49-F238E27FC236}">
-                <a16:creationId xmlns:a16="http://schemas.microsoft.com/office/drawing/2014/main" id="{53257BE5-E95E-4AB1-AE5B-BE1095AD25B8}"/>
+                <a16:creationId xmlns:a16="http://schemas.microsoft.com/office/drawing/2014/main" id="{49D27A93-E7EB-40B4-B7B3-D37A141B3F28}"/>
               </a:ext>
             </a:extLst>
           </p:cNvPr>
@@ -11281,37 +10049,8 @@
           <a:p>
             <a:r>
               <a:rPr lang="zh-TW" altLang="en-US" dirty="0"/>
-              <a:t>新增</a:t>
-            </a:r>
-            <a:r>
-              <a:rPr lang="en-US" altLang="zh-TW" dirty="0" err="1"/>
-              <a:t>css</a:t>
-            </a:r>
-            <a:r>
-              <a:rPr lang="zh-TW" altLang="en-US" dirty="0"/>
-              <a:t>資料夾 </a:t>
-            </a:r>
-            <a:r>
-              <a:rPr lang="en-US" altLang="zh-TW" dirty="0"/>
-              <a:t>/</a:t>
-            </a:r>
-            <a:r>
-              <a:rPr lang="zh-TW" altLang="en-US" dirty="0"/>
-              <a:t> </a:t>
-            </a:r>
-            <a:r>
-              <a:rPr lang="en-US" altLang="zh-TW" dirty="0"/>
-              <a:t>html</a:t>
-            </a:r>
-            <a:r>
-              <a:rPr lang="zh-TW" altLang="en-US" dirty="0"/>
-              <a:t>連接</a:t>
-            </a:r>
-            <a:r>
-              <a:rPr lang="en-US" altLang="zh-TW" dirty="0" err="1"/>
-              <a:t>css</a:t>
-            </a:r>
-            <a:endParaRPr lang="zh-TW" altLang="en-US" dirty="0"/>
+              <a:t>初始化、加入字體</a:t>
+            </a:r>
           </a:p>
         </p:txBody>
       </p:sp>
@@ -11320,7 +10059,7 @@
           <p:cNvPr id="3" name="內容版面配置區 2">
             <a:extLst>
               <a:ext uri="{FF2B5EF4-FFF2-40B4-BE49-F238E27FC236}">
-                <a16:creationId xmlns:a16="http://schemas.microsoft.com/office/drawing/2014/main" id="{365B5495-E695-4FC5-A95B-E8FFA4B25BD5}"/>
+                <a16:creationId xmlns:a16="http://schemas.microsoft.com/office/drawing/2014/main" id="{3F9A62E9-79BE-4593-A94B-A2E54B645538}"/>
               </a:ext>
             </a:extLst>
           </p:cNvPr>
@@ -11331,15 +10070,32 @@
             <p:ph idx="1"/>
           </p:nvPr>
         </p:nvSpPr>
-        <p:spPr/>
-        <p:txBody>
-          <a:bodyPr/>
+        <p:spPr>
+          <a:xfrm>
+            <a:off x="1371599" y="1758462"/>
+            <a:ext cx="10000695" cy="3581400"/>
+          </a:xfrm>
+        </p:spPr>
+        <p:txBody>
+          <a:bodyPr>
+            <a:normAutofit lnSpcReduction="10000"/>
+          </a:bodyPr>
           <a:lstStyle/>
           <a:p>
             <a:pPr marL="0" indent="0">
               <a:buNone/>
             </a:pPr>
             <a:r>
+              <a:rPr lang="en-US" altLang="zh-TW" b="0" i="1" dirty="0">
+                <a:solidFill>
+                  <a:srgbClr val="89DDFF"/>
+                </a:solidFill>
+                <a:effectLst/>
+                <a:latin typeface="Consolas" panose="020B0609020204030204" pitchFamily="49" charset="0"/>
+              </a:rPr>
+              <a:t>@import</a:t>
+            </a:r>
+            <a:r>
               <a:rPr lang="en-US" altLang="zh-TW" b="0" dirty="0">
                 <a:solidFill>
                   <a:srgbClr val="EEFFFF"/>
@@ -11350,6 +10106,16 @@
               <a:t> </a:t>
             </a:r>
             <a:r>
+              <a:rPr lang="en-US" altLang="zh-TW" b="0" dirty="0" err="1">
+                <a:solidFill>
+                  <a:srgbClr val="82AAFF"/>
+                </a:solidFill>
+                <a:effectLst/>
+                <a:latin typeface="Consolas" panose="020B0609020204030204" pitchFamily="49" charset="0"/>
+              </a:rPr>
+              <a:t>url</a:t>
+            </a:r>
+            <a:r>
               <a:rPr lang="en-US" altLang="zh-TW" b="0" dirty="0">
                 <a:solidFill>
                   <a:srgbClr val="89DDFF"/>
@@ -11357,127 +10123,47 @@
                 <a:effectLst/>
                 <a:latin typeface="Consolas" panose="020B0609020204030204" pitchFamily="49" charset="0"/>
               </a:rPr>
-              <a:t>&lt;</a:t>
+              <a:t>("</a:t>
             </a:r>
             <a:r>
               <a:rPr lang="en-US" altLang="zh-TW" b="0" dirty="0">
                 <a:solidFill>
-                  <a:srgbClr val="F07178"/>
-                </a:solidFill>
-                <a:effectLst/>
-                <a:latin typeface="Consolas" panose="020B0609020204030204" pitchFamily="49" charset="0"/>
-              </a:rPr>
-              <a:t>link</a:t>
+                  <a:srgbClr val="C3E88D"/>
+                </a:solidFill>
+                <a:effectLst/>
+                <a:latin typeface="Consolas" panose="020B0609020204030204" pitchFamily="49" charset="0"/>
+              </a:rPr>
+              <a:t>https://fonts.googleapis.com/</a:t>
+            </a:r>
+            <a:r>
+              <a:rPr lang="en-US" altLang="zh-TW" b="0" dirty="0" err="1">
+                <a:solidFill>
+                  <a:srgbClr val="C3E88D"/>
+                </a:solidFill>
+                <a:effectLst/>
+                <a:latin typeface="Consolas" panose="020B0609020204030204" pitchFamily="49" charset="0"/>
+              </a:rPr>
+              <a:t>css?family</a:t>
             </a:r>
             <a:r>
               <a:rPr lang="en-US" altLang="zh-TW" b="0" dirty="0">
                 <a:solidFill>
+                  <a:srgbClr val="C3E88D"/>
+                </a:solidFill>
+                <a:effectLst/>
+                <a:latin typeface="Consolas" panose="020B0609020204030204" pitchFamily="49" charset="0"/>
+              </a:rPr>
+              <a:t>=Source+Sans+Pro:400,400italic,200,200italic</a:t>
+            </a:r>
+            <a:r>
+              <a:rPr lang="en-US" altLang="zh-TW" b="0" dirty="0">
+                <a:solidFill>
                   <a:srgbClr val="89DDFF"/>
                 </a:solidFill>
                 <a:effectLst/>
                 <a:latin typeface="Consolas" panose="020B0609020204030204" pitchFamily="49" charset="0"/>
               </a:rPr>
-              <a:t> </a:t>
-            </a:r>
-            <a:r>
-              <a:rPr lang="en-US" altLang="zh-TW" b="0" dirty="0" err="1">
-                <a:solidFill>
-                  <a:srgbClr val="C792EA"/>
-                </a:solidFill>
-                <a:effectLst/>
-                <a:latin typeface="Consolas" panose="020B0609020204030204" pitchFamily="49" charset="0"/>
-              </a:rPr>
-              <a:t>rel</a:t>
-            </a:r>
-            <a:r>
-              <a:rPr lang="en-US" altLang="zh-TW" b="0" dirty="0">
-                <a:solidFill>
-                  <a:srgbClr val="89DDFF"/>
-                </a:solidFill>
-                <a:effectLst/>
-                <a:latin typeface="Consolas" panose="020B0609020204030204" pitchFamily="49" charset="0"/>
-              </a:rPr>
-              <a:t>="</a:t>
-            </a:r>
-            <a:r>
-              <a:rPr lang="en-US" altLang="zh-TW" b="0" dirty="0">
-                <a:solidFill>
-                  <a:srgbClr val="C3E88D"/>
-                </a:solidFill>
-                <a:effectLst/>
-                <a:latin typeface="Consolas" panose="020B0609020204030204" pitchFamily="49" charset="0"/>
-              </a:rPr>
-              <a:t>stylesheet</a:t>
-            </a:r>
-            <a:r>
-              <a:rPr lang="en-US" altLang="zh-TW" b="0" dirty="0">
-                <a:solidFill>
-                  <a:srgbClr val="89DDFF"/>
-                </a:solidFill>
-                <a:effectLst/>
-                <a:latin typeface="Consolas" panose="020B0609020204030204" pitchFamily="49" charset="0"/>
-              </a:rPr>
-              <a:t>" </a:t>
-            </a:r>
-            <a:r>
-              <a:rPr lang="en-US" altLang="zh-TW" b="0" dirty="0" err="1">
-                <a:solidFill>
-                  <a:srgbClr val="C792EA"/>
-                </a:solidFill>
-                <a:effectLst/>
-                <a:latin typeface="Consolas" panose="020B0609020204030204" pitchFamily="49" charset="0"/>
-              </a:rPr>
-              <a:t>href</a:t>
-            </a:r>
-            <a:r>
-              <a:rPr lang="en-US" altLang="zh-TW" b="0" dirty="0">
-                <a:solidFill>
-                  <a:srgbClr val="89DDFF"/>
-                </a:solidFill>
-                <a:effectLst/>
-                <a:latin typeface="Consolas" panose="020B0609020204030204" pitchFamily="49" charset="0"/>
-              </a:rPr>
-              <a:t>="</a:t>
-            </a:r>
-            <a:r>
-              <a:rPr lang="en-US" altLang="zh-TW" b="0" dirty="0">
-                <a:solidFill>
-                  <a:srgbClr val="C3E88D"/>
-                </a:solidFill>
-                <a:effectLst/>
-                <a:latin typeface="Consolas" panose="020B0609020204030204" pitchFamily="49" charset="0"/>
-              </a:rPr>
-              <a:t>/</a:t>
-            </a:r>
-            <a:r>
-              <a:rPr lang="en-US" altLang="zh-TW" b="0" dirty="0" err="1">
-                <a:solidFill>
-                  <a:srgbClr val="C3E88D"/>
-                </a:solidFill>
-                <a:effectLst/>
-                <a:latin typeface="Consolas" panose="020B0609020204030204" pitchFamily="49" charset="0"/>
-              </a:rPr>
-              <a:t>css</a:t>
-            </a:r>
-            <a:r>
-              <a:rPr lang="en-US" altLang="zh-TW" b="0" dirty="0">
-                <a:solidFill>
-                  <a:srgbClr val="C3E88D"/>
-                </a:solidFill>
-                <a:effectLst/>
-                <a:latin typeface="Consolas" panose="020B0609020204030204" pitchFamily="49" charset="0"/>
-              </a:rPr>
-              <a:t>/bio.css</a:t>
-            </a:r>
-            <a:r>
-              <a:rPr lang="en-US" altLang="zh-TW" b="0" dirty="0">
-                <a:solidFill>
-                  <a:srgbClr val="89DDFF"/>
-                </a:solidFill>
-                <a:effectLst/>
-                <a:latin typeface="Consolas" panose="020B0609020204030204" pitchFamily="49" charset="0"/>
-              </a:rPr>
-              <a:t>"&gt;</a:t>
+              <a:t>");</a:t>
             </a:r>
             <a:endParaRPr lang="en-US" altLang="zh-TW" b="0" dirty="0">
               <a:solidFill>
@@ -11487,12 +10173,393 @@
               <a:latin typeface="Consolas" panose="020B0609020204030204" pitchFamily="49" charset="0"/>
             </a:endParaRPr>
           </a:p>
+          <a:p>
+            <a:pPr marL="0" indent="0">
+              <a:buNone/>
+            </a:pPr>
+            <a:br>
+              <a:rPr lang="en-US" altLang="zh-TW" b="0" dirty="0">
+                <a:solidFill>
+                  <a:srgbClr val="EEFFFF"/>
+                </a:solidFill>
+                <a:effectLst/>
+                <a:latin typeface="Consolas" panose="020B0609020204030204" pitchFamily="49" charset="0"/>
+              </a:rPr>
+            </a:br>
+            <a:r>
+              <a:rPr lang="en-US" altLang="zh-TW" b="0" dirty="0">
+                <a:solidFill>
+                  <a:srgbClr val="FFCB6B"/>
+                </a:solidFill>
+                <a:effectLst/>
+                <a:latin typeface="Consolas" panose="020B0609020204030204" pitchFamily="49" charset="0"/>
+              </a:rPr>
+              <a:t>*</a:t>
+            </a:r>
+            <a:r>
+              <a:rPr lang="en-US" altLang="zh-TW" b="0" dirty="0">
+                <a:solidFill>
+                  <a:srgbClr val="EEFFFF"/>
+                </a:solidFill>
+                <a:effectLst/>
+                <a:latin typeface="Consolas" panose="020B0609020204030204" pitchFamily="49" charset="0"/>
+              </a:rPr>
+              <a:t> </a:t>
+            </a:r>
+            <a:r>
+              <a:rPr lang="en-US" altLang="zh-TW" b="0" dirty="0">
+                <a:solidFill>
+                  <a:srgbClr val="89DDFF"/>
+                </a:solidFill>
+                <a:effectLst/>
+                <a:latin typeface="Consolas" panose="020B0609020204030204" pitchFamily="49" charset="0"/>
+              </a:rPr>
+              <a:t>{</a:t>
+            </a:r>
+            <a:endParaRPr lang="en-US" altLang="zh-TW" b="0" dirty="0">
+              <a:solidFill>
+                <a:srgbClr val="EEFFFF"/>
+              </a:solidFill>
+              <a:effectLst/>
+              <a:latin typeface="Consolas" panose="020B0609020204030204" pitchFamily="49" charset="0"/>
+            </a:endParaRPr>
+          </a:p>
+          <a:p>
+            <a:pPr marL="0" indent="0">
+              <a:buNone/>
+            </a:pPr>
+            <a:r>
+              <a:rPr lang="en-US" altLang="zh-TW" b="0" dirty="0">
+                <a:solidFill>
+                  <a:srgbClr val="EEFFFF"/>
+                </a:solidFill>
+                <a:effectLst/>
+                <a:latin typeface="Consolas" panose="020B0609020204030204" pitchFamily="49" charset="0"/>
+              </a:rPr>
+              <a:t>  </a:t>
+            </a:r>
+            <a:r>
+              <a:rPr lang="en-US" altLang="zh-TW" b="0" dirty="0">
+                <a:solidFill>
+                  <a:srgbClr val="B2CCD6"/>
+                </a:solidFill>
+                <a:effectLst/>
+                <a:latin typeface="Consolas" panose="020B0609020204030204" pitchFamily="49" charset="0"/>
+              </a:rPr>
+              <a:t>padding</a:t>
+            </a:r>
+            <a:r>
+              <a:rPr lang="en-US" altLang="zh-TW" b="0" dirty="0">
+                <a:solidFill>
+                  <a:srgbClr val="89DDFF"/>
+                </a:solidFill>
+                <a:effectLst/>
+                <a:latin typeface="Consolas" panose="020B0609020204030204" pitchFamily="49" charset="0"/>
+              </a:rPr>
+              <a:t>:</a:t>
+            </a:r>
+            <a:r>
+              <a:rPr lang="en-US" altLang="zh-TW" b="0" dirty="0">
+                <a:solidFill>
+                  <a:srgbClr val="EEFFFF"/>
+                </a:solidFill>
+                <a:effectLst/>
+                <a:latin typeface="Consolas" panose="020B0609020204030204" pitchFamily="49" charset="0"/>
+              </a:rPr>
+              <a:t> </a:t>
+            </a:r>
+            <a:r>
+              <a:rPr lang="en-US" altLang="zh-TW" b="0" dirty="0">
+                <a:solidFill>
+                  <a:srgbClr val="F78C6C"/>
+                </a:solidFill>
+                <a:effectLst/>
+                <a:latin typeface="Consolas" panose="020B0609020204030204" pitchFamily="49" charset="0"/>
+              </a:rPr>
+              <a:t>0</a:t>
+            </a:r>
+            <a:r>
+              <a:rPr lang="en-US" altLang="zh-TW" b="0" dirty="0">
+                <a:solidFill>
+                  <a:srgbClr val="89DDFF"/>
+                </a:solidFill>
+                <a:effectLst/>
+                <a:latin typeface="Consolas" panose="020B0609020204030204" pitchFamily="49" charset="0"/>
+              </a:rPr>
+              <a:t>;</a:t>
+            </a:r>
+            <a:endParaRPr lang="en-US" altLang="zh-TW" b="0" dirty="0">
+              <a:solidFill>
+                <a:srgbClr val="EEFFFF"/>
+              </a:solidFill>
+              <a:effectLst/>
+              <a:latin typeface="Consolas" panose="020B0609020204030204" pitchFamily="49" charset="0"/>
+            </a:endParaRPr>
+          </a:p>
+          <a:p>
+            <a:pPr marL="0" indent="0">
+              <a:buNone/>
+            </a:pPr>
+            <a:r>
+              <a:rPr lang="en-US" altLang="zh-TW" b="0" dirty="0">
+                <a:solidFill>
+                  <a:srgbClr val="EEFFFF"/>
+                </a:solidFill>
+                <a:effectLst/>
+                <a:latin typeface="Consolas" panose="020B0609020204030204" pitchFamily="49" charset="0"/>
+              </a:rPr>
+              <a:t>  </a:t>
+            </a:r>
+            <a:r>
+              <a:rPr lang="en-US" altLang="zh-TW" b="0" dirty="0">
+                <a:solidFill>
+                  <a:srgbClr val="B2CCD6"/>
+                </a:solidFill>
+                <a:effectLst/>
+                <a:latin typeface="Consolas" panose="020B0609020204030204" pitchFamily="49" charset="0"/>
+              </a:rPr>
+              <a:t>margin</a:t>
+            </a:r>
+            <a:r>
+              <a:rPr lang="en-US" altLang="zh-TW" b="0" dirty="0">
+                <a:solidFill>
+                  <a:srgbClr val="89DDFF"/>
+                </a:solidFill>
+                <a:effectLst/>
+                <a:latin typeface="Consolas" panose="020B0609020204030204" pitchFamily="49" charset="0"/>
+              </a:rPr>
+              <a:t>:</a:t>
+            </a:r>
+            <a:r>
+              <a:rPr lang="en-US" altLang="zh-TW" b="0" dirty="0">
+                <a:solidFill>
+                  <a:srgbClr val="EEFFFF"/>
+                </a:solidFill>
+                <a:effectLst/>
+                <a:latin typeface="Consolas" panose="020B0609020204030204" pitchFamily="49" charset="0"/>
+              </a:rPr>
+              <a:t> </a:t>
+            </a:r>
+            <a:r>
+              <a:rPr lang="en-US" altLang="zh-TW" b="0" dirty="0">
+                <a:solidFill>
+                  <a:srgbClr val="F78C6C"/>
+                </a:solidFill>
+                <a:effectLst/>
+                <a:latin typeface="Consolas" panose="020B0609020204030204" pitchFamily="49" charset="0"/>
+              </a:rPr>
+              <a:t>0</a:t>
+            </a:r>
+            <a:r>
+              <a:rPr lang="en-US" altLang="zh-TW" b="0" dirty="0">
+                <a:solidFill>
+                  <a:srgbClr val="89DDFF"/>
+                </a:solidFill>
+                <a:effectLst/>
+                <a:latin typeface="Consolas" panose="020B0609020204030204" pitchFamily="49" charset="0"/>
+              </a:rPr>
+              <a:t>;</a:t>
+            </a:r>
+            <a:endParaRPr lang="en-US" altLang="zh-TW" b="0" dirty="0">
+              <a:solidFill>
+                <a:srgbClr val="EEFFFF"/>
+              </a:solidFill>
+              <a:effectLst/>
+              <a:latin typeface="Consolas" panose="020B0609020204030204" pitchFamily="49" charset="0"/>
+            </a:endParaRPr>
+          </a:p>
+          <a:p>
+            <a:pPr marL="0" indent="0">
+              <a:buNone/>
+            </a:pPr>
+            <a:r>
+              <a:rPr lang="en-US" altLang="zh-TW" b="0" dirty="0">
+                <a:solidFill>
+                  <a:srgbClr val="EEFFFF"/>
+                </a:solidFill>
+                <a:effectLst/>
+                <a:latin typeface="Consolas" panose="020B0609020204030204" pitchFamily="49" charset="0"/>
+              </a:rPr>
+              <a:t>  </a:t>
+            </a:r>
+            <a:r>
+              <a:rPr lang="en-US" altLang="zh-TW" b="0" dirty="0">
+                <a:solidFill>
+                  <a:srgbClr val="B2CCD6"/>
+                </a:solidFill>
+                <a:effectLst/>
+                <a:latin typeface="Consolas" panose="020B0609020204030204" pitchFamily="49" charset="0"/>
+              </a:rPr>
+              <a:t>box-sizing</a:t>
+            </a:r>
+            <a:r>
+              <a:rPr lang="en-US" altLang="zh-TW" b="0" dirty="0">
+                <a:solidFill>
+                  <a:srgbClr val="89DDFF"/>
+                </a:solidFill>
+                <a:effectLst/>
+                <a:latin typeface="Consolas" panose="020B0609020204030204" pitchFamily="49" charset="0"/>
+              </a:rPr>
+              <a:t>:</a:t>
+            </a:r>
+            <a:r>
+              <a:rPr lang="en-US" altLang="zh-TW" b="0" dirty="0">
+                <a:solidFill>
+                  <a:srgbClr val="EEFFFF"/>
+                </a:solidFill>
+                <a:effectLst/>
+                <a:latin typeface="Consolas" panose="020B0609020204030204" pitchFamily="49" charset="0"/>
+              </a:rPr>
+              <a:t> border-box</a:t>
+            </a:r>
+            <a:r>
+              <a:rPr lang="en-US" altLang="zh-TW" b="0" dirty="0">
+                <a:solidFill>
+                  <a:srgbClr val="89DDFF"/>
+                </a:solidFill>
+                <a:effectLst/>
+                <a:latin typeface="Consolas" panose="020B0609020204030204" pitchFamily="49" charset="0"/>
+              </a:rPr>
+              <a:t>;</a:t>
+            </a:r>
+            <a:endParaRPr lang="en-US" altLang="zh-TW" b="0" dirty="0">
+              <a:solidFill>
+                <a:srgbClr val="EEFFFF"/>
+              </a:solidFill>
+              <a:effectLst/>
+              <a:latin typeface="Consolas" panose="020B0609020204030204" pitchFamily="49" charset="0"/>
+            </a:endParaRPr>
+          </a:p>
+          <a:p>
+            <a:pPr marL="0" indent="0">
+              <a:buNone/>
+            </a:pPr>
+            <a:r>
+              <a:rPr lang="en-US" altLang="zh-TW" b="0" dirty="0">
+                <a:solidFill>
+                  <a:srgbClr val="EEFFFF"/>
+                </a:solidFill>
+                <a:effectLst/>
+                <a:latin typeface="Consolas" panose="020B0609020204030204" pitchFamily="49" charset="0"/>
+              </a:rPr>
+              <a:t>  </a:t>
+            </a:r>
+            <a:r>
+              <a:rPr lang="en-US" altLang="zh-TW" b="0" dirty="0">
+                <a:solidFill>
+                  <a:srgbClr val="B2CCD6"/>
+                </a:solidFill>
+                <a:effectLst/>
+                <a:latin typeface="Consolas" panose="020B0609020204030204" pitchFamily="49" charset="0"/>
+              </a:rPr>
+              <a:t>font-family</a:t>
+            </a:r>
+            <a:r>
+              <a:rPr lang="en-US" altLang="zh-TW" b="0" dirty="0">
+                <a:solidFill>
+                  <a:srgbClr val="89DDFF"/>
+                </a:solidFill>
+                <a:effectLst/>
+                <a:latin typeface="Consolas" panose="020B0609020204030204" pitchFamily="49" charset="0"/>
+              </a:rPr>
+              <a:t>:</a:t>
+            </a:r>
+            <a:r>
+              <a:rPr lang="en-US" altLang="zh-TW" b="0" dirty="0">
+                <a:solidFill>
+                  <a:srgbClr val="EEFFFF"/>
+                </a:solidFill>
+                <a:effectLst/>
+                <a:latin typeface="Consolas" panose="020B0609020204030204" pitchFamily="49" charset="0"/>
+              </a:rPr>
+              <a:t> </a:t>
+            </a:r>
+            <a:r>
+              <a:rPr lang="en-US" altLang="zh-TW" b="0" dirty="0">
+                <a:solidFill>
+                  <a:srgbClr val="89DDFF"/>
+                </a:solidFill>
+                <a:effectLst/>
+                <a:latin typeface="Consolas" panose="020B0609020204030204" pitchFamily="49" charset="0"/>
+              </a:rPr>
+              <a:t>"</a:t>
+            </a:r>
+            <a:r>
+              <a:rPr lang="en-US" altLang="zh-TW" b="0" dirty="0">
+                <a:solidFill>
+                  <a:srgbClr val="C3E88D"/>
+                </a:solidFill>
+                <a:effectLst/>
+                <a:latin typeface="Consolas" panose="020B0609020204030204" pitchFamily="49" charset="0"/>
+              </a:rPr>
+              <a:t>Source Sans Pro</a:t>
+            </a:r>
+            <a:r>
+              <a:rPr lang="en-US" altLang="zh-TW" b="0" dirty="0">
+                <a:solidFill>
+                  <a:srgbClr val="89DDFF"/>
+                </a:solidFill>
+                <a:effectLst/>
+                <a:latin typeface="Consolas" panose="020B0609020204030204" pitchFamily="49" charset="0"/>
+              </a:rPr>
+              <a:t>",</a:t>
+            </a:r>
+            <a:r>
+              <a:rPr lang="en-US" altLang="zh-TW" b="0" dirty="0">
+                <a:solidFill>
+                  <a:srgbClr val="EEFFFF"/>
+                </a:solidFill>
+                <a:effectLst/>
+                <a:latin typeface="Consolas" panose="020B0609020204030204" pitchFamily="49" charset="0"/>
+              </a:rPr>
+              <a:t> sans-serif</a:t>
+            </a:r>
+            <a:r>
+              <a:rPr lang="en-US" altLang="zh-TW" b="0" dirty="0">
+                <a:solidFill>
+                  <a:srgbClr val="89DDFF"/>
+                </a:solidFill>
+                <a:effectLst/>
+                <a:latin typeface="Consolas" panose="020B0609020204030204" pitchFamily="49" charset="0"/>
+              </a:rPr>
+              <a:t>;</a:t>
+            </a:r>
+            <a:endParaRPr lang="en-US" altLang="zh-TW" b="0" dirty="0">
+              <a:solidFill>
+                <a:srgbClr val="EEFFFF"/>
+              </a:solidFill>
+              <a:effectLst/>
+              <a:latin typeface="Consolas" panose="020B0609020204030204" pitchFamily="49" charset="0"/>
+            </a:endParaRPr>
+          </a:p>
+          <a:p>
+            <a:pPr marL="0" indent="0">
+              <a:buNone/>
+            </a:pPr>
+            <a:r>
+              <a:rPr lang="en-US" altLang="zh-TW" b="0" dirty="0">
+                <a:solidFill>
+                  <a:srgbClr val="89DDFF"/>
+                </a:solidFill>
+                <a:effectLst/>
+                <a:latin typeface="Consolas" panose="020B0609020204030204" pitchFamily="49" charset="0"/>
+              </a:rPr>
+              <a:t>}</a:t>
+            </a:r>
+            <a:endParaRPr lang="en-US" altLang="zh-TW" b="0" dirty="0">
+              <a:solidFill>
+                <a:srgbClr val="EEFFFF"/>
+              </a:solidFill>
+              <a:effectLst/>
+              <a:latin typeface="Consolas" panose="020B0609020204030204" pitchFamily="49" charset="0"/>
+            </a:endParaRPr>
+          </a:p>
         </p:txBody>
       </p:sp>
     </p:spTree>
     <p:extLst>
       <p:ext uri="{BB962C8B-B14F-4D97-AF65-F5344CB8AC3E}">
-        <p14:creationId xmlns:p14="http://schemas.microsoft.com/office/powerpoint/2010/main" val="2122202658"/>
+        <p14:creationId xmlns:p14="http://schemas.microsoft.com/office/powerpoint/2010/main" val="1639711881"/>
       </p:ext>
     </p:extLst>
   </p:cSld>
@@ -11519,6 +10586,492 @@
           <a:chExt cx="0" cy="0"/>
         </a:xfrm>
       </p:grpSpPr>
+      <p:pic>
+        <p:nvPicPr>
+          <p:cNvPr id="3" name="Picture 2">
+            <a:extLst>
+              <a:ext uri="{FF2B5EF4-FFF2-40B4-BE49-F238E27FC236}">
+                <a16:creationId xmlns:a16="http://schemas.microsoft.com/office/drawing/2014/main" id="{EF91D1C3-CB00-46F6-8136-096CF9A9B94C}"/>
+              </a:ext>
+            </a:extLst>
+          </p:cNvPr>
+          <p:cNvPicPr>
+            <a:picLocks noChangeAspect="1" noChangeArrowheads="1"/>
+          </p:cNvPicPr>
+          <p:nvPr/>
+        </p:nvPicPr>
+        <p:blipFill>
+          <a:blip r:embed="rId2">
+            <a:extLst>
+              <a:ext uri="{28A0092B-C50C-407E-A947-70E740481C1C}">
+                <a14:useLocalDpi xmlns:a14="http://schemas.microsoft.com/office/drawing/2010/main" val="0"/>
+              </a:ext>
+            </a:extLst>
+          </a:blip>
+          <a:srcRect/>
+          <a:stretch>
+            <a:fillRect/>
+          </a:stretch>
+        </p:blipFill>
+        <p:spPr bwMode="auto">
+          <a:xfrm>
+            <a:off x="1014232" y="779058"/>
+            <a:ext cx="10848975" cy="1657350"/>
+          </a:xfrm>
+          <a:prstGeom prst="rect">
+            <a:avLst/>
+          </a:prstGeom>
+          <a:noFill/>
+          <a:extLst>
+            <a:ext uri="{909E8E84-426E-40DD-AFC4-6F175D3DCCD1}">
+              <a14:hiddenFill xmlns:a14="http://schemas.microsoft.com/office/drawing/2010/main">
+                <a:solidFill>
+                  <a:srgbClr val="FFFFFF"/>
+                </a:solidFill>
+              </a14:hiddenFill>
+            </a:ext>
+          </a:extLst>
+        </p:spPr>
+      </p:pic>
+      <p:pic>
+        <p:nvPicPr>
+          <p:cNvPr id="4" name="Picture 4">
+            <a:extLst>
+              <a:ext uri="{FF2B5EF4-FFF2-40B4-BE49-F238E27FC236}">
+                <a16:creationId xmlns:a16="http://schemas.microsoft.com/office/drawing/2014/main" id="{947171CF-2ECC-4631-B8DC-29F9FDC3B5CD}"/>
+              </a:ext>
+            </a:extLst>
+          </p:cNvPr>
+          <p:cNvPicPr>
+            <a:picLocks noChangeAspect="1" noChangeArrowheads="1"/>
+          </p:cNvPicPr>
+          <p:nvPr/>
+        </p:nvPicPr>
+        <p:blipFill>
+          <a:blip r:embed="rId3">
+            <a:extLst>
+              <a:ext uri="{28A0092B-C50C-407E-A947-70E740481C1C}">
+                <a14:useLocalDpi xmlns:a14="http://schemas.microsoft.com/office/drawing/2010/main" val="0"/>
+              </a:ext>
+            </a:extLst>
+          </a:blip>
+          <a:srcRect/>
+          <a:stretch>
+            <a:fillRect/>
+          </a:stretch>
+        </p:blipFill>
+        <p:spPr bwMode="auto">
+          <a:xfrm>
+            <a:off x="1014232" y="2805740"/>
+            <a:ext cx="10925175" cy="1447800"/>
+          </a:xfrm>
+          <a:prstGeom prst="rect">
+            <a:avLst/>
+          </a:prstGeom>
+          <a:noFill/>
+          <a:extLst>
+            <a:ext uri="{909E8E84-426E-40DD-AFC4-6F175D3DCCD1}">
+              <a14:hiddenFill xmlns:a14="http://schemas.microsoft.com/office/drawing/2010/main">
+                <a:solidFill>
+                  <a:srgbClr val="FFFFFF"/>
+                </a:solidFill>
+              </a14:hiddenFill>
+            </a:ext>
+          </a:extLst>
+        </p:spPr>
+      </p:pic>
+      <p:sp>
+        <p:nvSpPr>
+          <p:cNvPr id="5" name="文字方塊 4">
+            <a:extLst>
+              <a:ext uri="{FF2B5EF4-FFF2-40B4-BE49-F238E27FC236}">
+                <a16:creationId xmlns:a16="http://schemas.microsoft.com/office/drawing/2014/main" id="{B16562CF-3075-4C1A-8CC8-199F962852AB}"/>
+              </a:ext>
+            </a:extLst>
+          </p:cNvPr>
+          <p:cNvSpPr txBox="1"/>
+          <p:nvPr/>
+        </p:nvSpPr>
+        <p:spPr>
+          <a:xfrm>
+            <a:off x="1014232" y="4312073"/>
+            <a:ext cx="7377414" cy="369332"/>
+          </a:xfrm>
+          <a:prstGeom prst="rect">
+            <a:avLst/>
+          </a:prstGeom>
+          <a:noFill/>
+        </p:spPr>
+        <p:txBody>
+          <a:bodyPr wrap="square">
+            <a:spAutoFit/>
+          </a:bodyPr>
+          <a:lstStyle/>
+          <a:p>
+            <a:r>
+              <a:rPr lang="en-US" altLang="zh-TW" b="0" i="0" dirty="0">
+                <a:solidFill>
+                  <a:srgbClr val="34495E"/>
+                </a:solidFill>
+                <a:effectLst/>
+                <a:latin typeface="Source Sans Pro" panose="020B0503030403020204" pitchFamily="34" charset="0"/>
+              </a:rPr>
+              <a:t>view height</a:t>
+            </a:r>
+            <a:r>
+              <a:rPr lang="zh-TW" altLang="en-US" dirty="0">
+                <a:solidFill>
+                  <a:srgbClr val="34495E"/>
+                </a:solidFill>
+                <a:latin typeface="Source Sans Pro" panose="020B0503030403020204" pitchFamily="34" charset="0"/>
+              </a:rPr>
+              <a:t> </a:t>
+            </a:r>
+            <a:r>
+              <a:rPr lang="zh-TW" altLang="en-US" b="1" i="0" dirty="0">
+                <a:solidFill>
+                  <a:srgbClr val="34495E"/>
+                </a:solidFill>
+                <a:effectLst/>
+                <a:latin typeface="Source Sans Pro" panose="020B0503030403020204" pitchFamily="34" charset="0"/>
+              </a:rPr>
+              <a:t>螢幕可視範圍</a:t>
+            </a:r>
+            <a:r>
+              <a:rPr lang="zh-TW" altLang="en-US" b="0" i="0" dirty="0">
+                <a:solidFill>
+                  <a:srgbClr val="34495E"/>
+                </a:solidFill>
+                <a:effectLst/>
+                <a:latin typeface="Source Sans Pro" panose="020B0503030403020204" pitchFamily="34" charset="0"/>
+              </a:rPr>
+              <a:t>高度的百分比，隨著瀏覽器的縮放而改變</a:t>
+            </a:r>
+            <a:endParaRPr lang="zh-TW" altLang="en-US" dirty="0"/>
+          </a:p>
+        </p:txBody>
+      </p:sp>
+      <p:pic>
+        <p:nvPicPr>
+          <p:cNvPr id="6" name="Picture 6">
+            <a:extLst>
+              <a:ext uri="{FF2B5EF4-FFF2-40B4-BE49-F238E27FC236}">
+                <a16:creationId xmlns:a16="http://schemas.microsoft.com/office/drawing/2014/main" id="{68021EC0-6909-463E-AC72-790028FE1FE3}"/>
+              </a:ext>
+            </a:extLst>
+          </p:cNvPr>
+          <p:cNvPicPr>
+            <a:picLocks noChangeAspect="1" noChangeArrowheads="1"/>
+          </p:cNvPicPr>
+          <p:nvPr/>
+        </p:nvPicPr>
+        <p:blipFill>
+          <a:blip r:embed="rId4">
+            <a:extLst>
+              <a:ext uri="{28A0092B-C50C-407E-A947-70E740481C1C}">
+                <a14:useLocalDpi xmlns:a14="http://schemas.microsoft.com/office/drawing/2010/main" val="0"/>
+              </a:ext>
+            </a:extLst>
+          </a:blip>
+          <a:srcRect/>
+          <a:stretch>
+            <a:fillRect/>
+          </a:stretch>
+        </p:blipFill>
+        <p:spPr bwMode="auto">
+          <a:xfrm>
+            <a:off x="1014232" y="4681405"/>
+            <a:ext cx="8343900" cy="1762125"/>
+          </a:xfrm>
+          <a:prstGeom prst="rect">
+            <a:avLst/>
+          </a:prstGeom>
+          <a:noFill/>
+          <a:extLst>
+            <a:ext uri="{909E8E84-426E-40DD-AFC4-6F175D3DCCD1}">
+              <a14:hiddenFill xmlns:a14="http://schemas.microsoft.com/office/drawing/2010/main">
+                <a:solidFill>
+                  <a:srgbClr val="FFFFFF"/>
+                </a:solidFill>
+              </a14:hiddenFill>
+            </a:ext>
+          </a:extLst>
+        </p:spPr>
+      </p:pic>
+      <p:sp>
+        <p:nvSpPr>
+          <p:cNvPr id="7" name="文字方塊 6">
+            <a:extLst>
+              <a:ext uri="{FF2B5EF4-FFF2-40B4-BE49-F238E27FC236}">
+                <a16:creationId xmlns:a16="http://schemas.microsoft.com/office/drawing/2014/main" id="{36FF61C0-7089-44B3-8CBA-EFDF83BC0E09}"/>
+              </a:ext>
+            </a:extLst>
+          </p:cNvPr>
+          <p:cNvSpPr txBox="1"/>
+          <p:nvPr/>
+        </p:nvSpPr>
+        <p:spPr>
+          <a:xfrm>
+            <a:off x="1014232" y="2436408"/>
+            <a:ext cx="7377414" cy="400110"/>
+          </a:xfrm>
+          <a:prstGeom prst="rect">
+            <a:avLst/>
+          </a:prstGeom>
+          <a:noFill/>
+        </p:spPr>
+        <p:txBody>
+          <a:bodyPr wrap="square">
+            <a:spAutoFit/>
+          </a:bodyPr>
+          <a:lstStyle/>
+          <a:p>
+            <a:r>
+              <a:rPr lang="en-US" altLang="zh-TW" sz="2000" b="1" dirty="0">
+                <a:solidFill>
+                  <a:schemeClr val="accent6">
+                    <a:lumMod val="75000"/>
+                  </a:schemeClr>
+                </a:solidFill>
+              </a:rPr>
+              <a:t>%</a:t>
+            </a:r>
+            <a:r>
+              <a:rPr lang="zh-TW" altLang="en-US" sz="2000" b="1" dirty="0">
+                <a:solidFill>
+                  <a:schemeClr val="accent6">
+                    <a:lumMod val="75000"/>
+                  </a:schemeClr>
+                </a:solidFill>
+              </a:rPr>
+              <a:t> </a:t>
+            </a:r>
+            <a:r>
+              <a:rPr lang="zh-TW" altLang="en-US" sz="2000" b="1" dirty="0"/>
+              <a:t>沒有內容時，不會顯示，隨著瀏覽器縮放</a:t>
+            </a:r>
+          </a:p>
+        </p:txBody>
+      </p:sp>
+      <p:sp>
+        <p:nvSpPr>
+          <p:cNvPr id="8" name="文字方塊 7">
+            <a:extLst>
+              <a:ext uri="{FF2B5EF4-FFF2-40B4-BE49-F238E27FC236}">
+                <a16:creationId xmlns:a16="http://schemas.microsoft.com/office/drawing/2014/main" id="{4F3CA452-8763-417E-B96E-D59B19437DB8}"/>
+              </a:ext>
+            </a:extLst>
+          </p:cNvPr>
+          <p:cNvSpPr txBox="1"/>
+          <p:nvPr/>
+        </p:nvSpPr>
+        <p:spPr>
+          <a:xfrm>
+            <a:off x="1014232" y="362721"/>
+            <a:ext cx="7377414" cy="707886"/>
+          </a:xfrm>
+          <a:prstGeom prst="rect">
+            <a:avLst/>
+          </a:prstGeom>
+          <a:noFill/>
+        </p:spPr>
+        <p:txBody>
+          <a:bodyPr wrap="square">
+            <a:spAutoFit/>
+          </a:bodyPr>
+          <a:lstStyle/>
+          <a:p>
+            <a:r>
+              <a:rPr lang="en-US" altLang="zh-TW" sz="2000" b="1" dirty="0">
+                <a:solidFill>
+                  <a:schemeClr val="accent6">
+                    <a:lumMod val="75000"/>
+                  </a:schemeClr>
+                </a:solidFill>
+              </a:rPr>
+              <a:t>Px</a:t>
+            </a:r>
+            <a:r>
+              <a:rPr lang="zh-TW" altLang="en-US" sz="2000" b="1" dirty="0">
+                <a:solidFill>
+                  <a:schemeClr val="accent6">
+                    <a:lumMod val="75000"/>
+                  </a:schemeClr>
+                </a:solidFill>
+              </a:rPr>
+              <a:t> </a:t>
+            </a:r>
+            <a:r>
+              <a:rPr lang="zh-TW" altLang="en-US" sz="2000" b="1" dirty="0"/>
+              <a:t>固定大小，不隨瀏覽器縮放</a:t>
+            </a:r>
+            <a:endParaRPr lang="en-US" altLang="zh-TW" sz="2000" b="1" dirty="0"/>
+          </a:p>
+          <a:p>
+            <a:endParaRPr lang="zh-TW" altLang="en-US" sz="2000" b="1" dirty="0"/>
+          </a:p>
+        </p:txBody>
+      </p:sp>
+      <p:pic>
+        <p:nvPicPr>
+          <p:cNvPr id="9" name="Picture 8" descr="Here is an image to make it more clear">
+            <a:extLst>
+              <a:ext uri="{FF2B5EF4-FFF2-40B4-BE49-F238E27FC236}">
+                <a16:creationId xmlns:a16="http://schemas.microsoft.com/office/drawing/2014/main" id="{F4609D1C-6D0C-4DE4-8CD9-64930D1F7EBC}"/>
+              </a:ext>
+            </a:extLst>
+          </p:cNvPr>
+          <p:cNvPicPr>
+            <a:picLocks noChangeAspect="1" noChangeArrowheads="1"/>
+          </p:cNvPicPr>
+          <p:nvPr/>
+        </p:nvPicPr>
+        <p:blipFill>
+          <a:blip r:embed="rId5">
+            <a:extLst>
+              <a:ext uri="{28A0092B-C50C-407E-A947-70E740481C1C}">
+                <a14:useLocalDpi xmlns:a14="http://schemas.microsoft.com/office/drawing/2010/main" val="0"/>
+              </a:ext>
+            </a:extLst>
+          </a:blip>
+          <a:srcRect/>
+          <a:stretch>
+            <a:fillRect/>
+          </a:stretch>
+        </p:blipFill>
+        <p:spPr bwMode="auto">
+          <a:xfrm>
+            <a:off x="8017398" y="2709338"/>
+            <a:ext cx="3845809" cy="2985962"/>
+          </a:xfrm>
+          <a:prstGeom prst="rect">
+            <a:avLst/>
+          </a:prstGeom>
+          <a:noFill/>
+          <a:extLst>
+            <a:ext uri="{909E8E84-426E-40DD-AFC4-6F175D3DCCD1}">
+              <a14:hiddenFill xmlns:a14="http://schemas.microsoft.com/office/drawing/2010/main">
+                <a:solidFill>
+                  <a:srgbClr val="FFFFFF"/>
+                </a:solidFill>
+              </a14:hiddenFill>
+            </a:ext>
+          </a:extLst>
+        </p:spPr>
+      </p:pic>
+    </p:spTree>
+    <p:extLst>
+      <p:ext uri="{BB962C8B-B14F-4D97-AF65-F5344CB8AC3E}">
+        <p14:creationId xmlns:p14="http://schemas.microsoft.com/office/powerpoint/2010/main" val="401098004"/>
+      </p:ext>
+    </p:extLst>
+  </p:cSld>
+  <p:clrMapOvr>
+    <a:masterClrMapping/>
+  </p:clrMapOvr>
+  <p:timing>
+    <p:tnLst>
+      <p:par>
+        <p:cTn id="1" dur="indefinite" restart="never" nodeType="tmRoot">
+          <p:childTnLst>
+            <p:seq concurrent="1" nextAc="seek">
+              <p:cTn id="2" dur="indefinite" nodeType="mainSeq">
+                <p:childTnLst>
+                  <p:par>
+                    <p:cTn id="3" fill="hold">
+                      <p:stCondLst>
+                        <p:cond delay="indefinite"/>
+                      </p:stCondLst>
+                      <p:childTnLst>
+                        <p:par>
+                          <p:cTn id="4" fill="hold">
+                            <p:stCondLst>
+                              <p:cond delay="0"/>
+                            </p:stCondLst>
+                            <p:childTnLst>
+                              <p:par>
+                                <p:cTn id="5" presetID="10" presetClass="entr" presetSubtype="0" fill="hold" nodeType="clickEffect">
+                                  <p:stCondLst>
+                                    <p:cond delay="0"/>
+                                  </p:stCondLst>
+                                  <p:childTnLst>
+                                    <p:set>
+                                      <p:cBhvr>
+                                        <p:cTn id="6" dur="1" fill="hold">
+                                          <p:stCondLst>
+                                            <p:cond delay="0"/>
+                                          </p:stCondLst>
+                                        </p:cTn>
+                                        <p:tgtEl>
+                                          <p:spTgt spid="9"/>
+                                        </p:tgtEl>
+                                        <p:attrNameLst>
+                                          <p:attrName>style.visibility</p:attrName>
+                                        </p:attrNameLst>
+                                      </p:cBhvr>
+                                      <p:to>
+                                        <p:strVal val="visible"/>
+                                      </p:to>
+                                    </p:set>
+                                    <p:animEffect transition="in" filter="fade">
+                                      <p:cBhvr>
+                                        <p:cTn id="7" dur="500"/>
+                                        <p:tgtEl>
+                                          <p:spTgt spid="9"/>
+                                        </p:tgtEl>
+                                      </p:cBhvr>
+                                    </p:animEffect>
+                                  </p:childTnLst>
+                                </p:cTn>
+                              </p:par>
+                            </p:childTnLst>
+                          </p:cTn>
+                        </p:par>
+                      </p:childTnLst>
+                    </p:cTn>
+                  </p:par>
+                </p:childTnLst>
+              </p:cTn>
+              <p:prevCondLst>
+                <p:cond evt="onPrev" delay="0">
+                  <p:tgtEl>
+                    <p:sldTgt/>
+                  </p:tgtEl>
+                </p:cond>
+              </p:prevCondLst>
+              <p:nextCondLst>
+                <p:cond evt="onNext" delay="0">
+                  <p:tgtEl>
+                    <p:sldTgt/>
+                  </p:tgtEl>
+                </p:cond>
+              </p:nextCondLst>
+            </p:seq>
+          </p:childTnLst>
+        </p:cTn>
+      </p:par>
+    </p:tnLst>
+  </p:timing>
+</p:sld>
+</file>
+
+<file path=ppt/slides/slide25.xml><?xml version="1.0" encoding="utf-8"?>
+<p:sld xmlns:a="http://schemas.openxmlformats.org/drawingml/2006/main" xmlns:r="http://schemas.openxmlformats.org/officeDocument/2006/relationships" xmlns:p="http://schemas.openxmlformats.org/presentationml/2006/main">
+  <p:cSld>
+    <p:spTree>
+      <p:nvGrpSpPr>
+        <p:cNvPr id="1" name=""/>
+        <p:cNvGrpSpPr/>
+        <p:nvPr/>
+      </p:nvGrpSpPr>
+      <p:grpSpPr>
+        <a:xfrm>
+          <a:off x="0" y="0"/>
+          <a:ext cx="0" cy="0"/>
+          <a:chOff x="0" y="0"/>
+          <a:chExt cx="0" cy="0"/>
+        </a:xfrm>
+      </p:grpSpPr>
       <p:sp>
         <p:nvSpPr>
           <p:cNvPr id="2" name="標題 1">
@@ -11568,10 +11121,493 @@
       </p:sp>
       <p:sp>
         <p:nvSpPr>
-          <p:cNvPr id="3" name="內容版面配置區 2">
+          <p:cNvPr id="4" name="文字方塊 3">
             <a:extLst>
               <a:ext uri="{FF2B5EF4-FFF2-40B4-BE49-F238E27FC236}">
-                <a16:creationId xmlns:a16="http://schemas.microsoft.com/office/drawing/2014/main" id="{DC5F4016-746C-44A8-A52D-DE233ADB127D}"/>
+                <a16:creationId xmlns:a16="http://schemas.microsoft.com/office/drawing/2014/main" id="{8D4FAB16-EE63-4E66-B655-B62D4B8CFA7D}"/>
+              </a:ext>
+            </a:extLst>
+          </p:cNvPr>
+          <p:cNvSpPr txBox="1"/>
+          <p:nvPr/>
+        </p:nvSpPr>
+        <p:spPr>
+          <a:xfrm>
+            <a:off x="1371600" y="1535837"/>
+            <a:ext cx="5708341" cy="1703543"/>
+          </a:xfrm>
+          <a:prstGeom prst="rect">
+            <a:avLst/>
+          </a:prstGeom>
+          <a:noFill/>
+        </p:spPr>
+        <p:txBody>
+          <a:bodyPr wrap="square" rtlCol="0">
+            <a:spAutoFit/>
+          </a:bodyPr>
+          <a:lstStyle/>
+          <a:p>
+            <a:pPr marL="342900" indent="-342900">
+              <a:lnSpc>
+                <a:spcPct val="150000"/>
+              </a:lnSpc>
+              <a:buFont typeface="+mj-lt"/>
+              <a:buAutoNum type="arabicPeriod"/>
+            </a:pPr>
+            <a:r>
+              <a:rPr lang="zh-TW" altLang="en-US" dirty="0">
+                <a:solidFill>
+                  <a:schemeClr val="bg1"/>
+                </a:solidFill>
+              </a:rPr>
+              <a:t>寬度為 </a:t>
+            </a:r>
+            <a:r>
+              <a:rPr lang="zh-TW" altLang="en-US" b="1" dirty="0">
+                <a:solidFill>
+                  <a:schemeClr val="accent5">
+                    <a:lumMod val="60000"/>
+                    <a:lumOff val="40000"/>
+                  </a:schemeClr>
+                </a:solidFill>
+              </a:rPr>
+              <a:t>占滿整個網頁 </a:t>
+            </a:r>
+            <a:r>
+              <a:rPr lang="en-US" altLang="zh-TW" b="1" dirty="0">
+                <a:solidFill>
+                  <a:schemeClr val="accent5">
+                    <a:lumMod val="60000"/>
+                    <a:lumOff val="40000"/>
+                  </a:schemeClr>
+                </a:solidFill>
+              </a:rPr>
+              <a:t>(</a:t>
+            </a:r>
+            <a:r>
+              <a:rPr lang="zh-TW" altLang="en-US" b="1" dirty="0">
+                <a:solidFill>
+                  <a:schemeClr val="accent5">
+                    <a:lumMod val="60000"/>
+                    <a:lumOff val="40000"/>
+                  </a:schemeClr>
+                </a:solidFill>
+              </a:rPr>
+              <a:t>單位</a:t>
+            </a:r>
+            <a:r>
+              <a:rPr lang="en-US" altLang="zh-TW" b="1" dirty="0">
+                <a:solidFill>
+                  <a:schemeClr val="accent5">
+                    <a:lumMod val="60000"/>
+                    <a:lumOff val="40000"/>
+                  </a:schemeClr>
+                </a:solidFill>
+              </a:rPr>
+              <a:t>:)</a:t>
+            </a:r>
+            <a:endParaRPr lang="en-US" altLang="zh-TW" b="1" dirty="0">
+              <a:solidFill>
+                <a:schemeClr val="bg1"/>
+              </a:solidFill>
+            </a:endParaRPr>
+          </a:p>
+          <a:p>
+            <a:pPr marL="342900" indent="-342900">
+              <a:lnSpc>
+                <a:spcPct val="150000"/>
+              </a:lnSpc>
+              <a:buFont typeface="+mj-lt"/>
+              <a:buAutoNum type="arabicPeriod"/>
+            </a:pPr>
+            <a:r>
+              <a:rPr lang="zh-TW" altLang="en-US" dirty="0">
+                <a:solidFill>
+                  <a:schemeClr val="bg1"/>
+                </a:solidFill>
+              </a:rPr>
+              <a:t>高度為 </a:t>
+            </a:r>
+            <a:r>
+              <a:rPr lang="zh-TW" altLang="en-US" b="1" dirty="0">
+                <a:solidFill>
+                  <a:schemeClr val="accent5">
+                    <a:lumMod val="60000"/>
+                    <a:lumOff val="40000"/>
+                  </a:schemeClr>
+                </a:solidFill>
+              </a:rPr>
+              <a:t>目前看到的畫面大小 </a:t>
+            </a:r>
+            <a:r>
+              <a:rPr lang="en-US" altLang="zh-TW" b="1" dirty="0">
+                <a:solidFill>
+                  <a:schemeClr val="accent5">
+                    <a:lumMod val="60000"/>
+                    <a:lumOff val="40000"/>
+                  </a:schemeClr>
+                </a:solidFill>
+              </a:rPr>
+              <a:t>(</a:t>
+            </a:r>
+            <a:r>
+              <a:rPr lang="zh-TW" altLang="en-US" b="1" dirty="0">
+                <a:solidFill>
+                  <a:schemeClr val="accent5">
+                    <a:lumMod val="60000"/>
+                    <a:lumOff val="40000"/>
+                  </a:schemeClr>
+                </a:solidFill>
+              </a:rPr>
+              <a:t>單位</a:t>
+            </a:r>
+            <a:r>
+              <a:rPr lang="en-US" altLang="zh-TW" b="1" dirty="0">
+                <a:solidFill>
+                  <a:schemeClr val="accent5">
+                    <a:lumMod val="60000"/>
+                    <a:lumOff val="40000"/>
+                  </a:schemeClr>
+                </a:solidFill>
+              </a:rPr>
+              <a:t>:)</a:t>
+            </a:r>
+          </a:p>
+          <a:p>
+            <a:pPr marL="342900" indent="-342900">
+              <a:lnSpc>
+                <a:spcPct val="150000"/>
+              </a:lnSpc>
+              <a:buFont typeface="+mj-lt"/>
+              <a:buAutoNum type="arabicPeriod"/>
+            </a:pPr>
+            <a:r>
+              <a:rPr lang="zh-TW" altLang="en-US" dirty="0">
+                <a:solidFill>
+                  <a:schemeClr val="bg1"/>
+                </a:solidFill>
+              </a:rPr>
+              <a:t>使內容物 </a:t>
+            </a:r>
+            <a:r>
+              <a:rPr lang="zh-TW" altLang="en-US" b="1" dirty="0">
+                <a:solidFill>
+                  <a:schemeClr val="accent5">
+                    <a:lumMod val="60000"/>
+                    <a:lumOff val="40000"/>
+                  </a:schemeClr>
+                </a:solidFill>
+              </a:rPr>
+              <a:t>水平垂直置中</a:t>
+            </a:r>
+            <a:endParaRPr lang="en-US" altLang="zh-TW" b="1" dirty="0">
+              <a:solidFill>
+                <a:schemeClr val="accent5">
+                  <a:lumMod val="60000"/>
+                  <a:lumOff val="40000"/>
+                </a:schemeClr>
+              </a:solidFill>
+            </a:endParaRPr>
+          </a:p>
+          <a:p>
+            <a:pPr marL="342900" indent="-342900">
+              <a:lnSpc>
+                <a:spcPct val="150000"/>
+              </a:lnSpc>
+              <a:buFont typeface="+mj-lt"/>
+              <a:buAutoNum type="arabicPeriod"/>
+            </a:pPr>
+            <a:r>
+              <a:rPr lang="zh-TW" altLang="en-US" b="1" dirty="0">
+                <a:solidFill>
+                  <a:schemeClr val="accent5">
+                    <a:lumMod val="60000"/>
+                    <a:lumOff val="40000"/>
+                  </a:schemeClr>
+                </a:solidFill>
+              </a:rPr>
+              <a:t>加入背景圖片 </a:t>
+            </a:r>
+            <a:r>
+              <a:rPr lang="en-US" altLang="zh-TW" b="1" dirty="0">
+                <a:solidFill>
+                  <a:schemeClr val="accent5">
+                    <a:lumMod val="60000"/>
+                    <a:lumOff val="40000"/>
+                  </a:schemeClr>
+                </a:solidFill>
+              </a:rPr>
+              <a:t>(1920</a:t>
+            </a:r>
+            <a:r>
+              <a:rPr lang="zh-TW" altLang="en-US" b="1" dirty="0">
+                <a:solidFill>
+                  <a:schemeClr val="accent5">
+                    <a:lumMod val="60000"/>
+                    <a:lumOff val="40000"/>
+                  </a:schemeClr>
+                </a:solidFill>
+              </a:rPr>
+              <a:t>*</a:t>
+            </a:r>
+            <a:r>
+              <a:rPr lang="en-US" altLang="zh-TW" b="1" dirty="0">
+                <a:solidFill>
+                  <a:schemeClr val="accent5">
+                    <a:lumMod val="60000"/>
+                    <a:lumOff val="40000"/>
+                  </a:schemeClr>
+                </a:solidFill>
+              </a:rPr>
+              <a:t>1080)</a:t>
+            </a:r>
+            <a:endParaRPr lang="zh-TW" altLang="en-US" b="1" dirty="0">
+              <a:solidFill>
+                <a:schemeClr val="accent5">
+                  <a:lumMod val="60000"/>
+                  <a:lumOff val="40000"/>
+                </a:schemeClr>
+              </a:solidFill>
+            </a:endParaRPr>
+          </a:p>
+        </p:txBody>
+      </p:sp>
+      <p:grpSp>
+        <p:nvGrpSpPr>
+          <p:cNvPr id="18" name="群組 17">
+            <a:extLst>
+              <a:ext uri="{FF2B5EF4-FFF2-40B4-BE49-F238E27FC236}">
+                <a16:creationId xmlns:a16="http://schemas.microsoft.com/office/drawing/2014/main" id="{AA982530-2989-47DE-A3F7-4683DB3ABEA3}"/>
+              </a:ext>
+            </a:extLst>
+          </p:cNvPr>
+          <p:cNvGrpSpPr/>
+          <p:nvPr/>
+        </p:nvGrpSpPr>
+        <p:grpSpPr>
+          <a:xfrm>
+            <a:off x="1296140" y="1433146"/>
+            <a:ext cx="10002862" cy="4870000"/>
+            <a:chOff x="1296140" y="1433146"/>
+            <a:chExt cx="6782540" cy="3302152"/>
+          </a:xfrm>
+        </p:grpSpPr>
+        <p:pic>
+          <p:nvPicPr>
+            <p:cNvPr id="15" name="圖片 14">
+              <a:extLst>
+                <a:ext uri="{FF2B5EF4-FFF2-40B4-BE49-F238E27FC236}">
+                  <a16:creationId xmlns:a16="http://schemas.microsoft.com/office/drawing/2014/main" id="{75137BAC-1496-4CE9-A2BB-4526389C2C62}"/>
+                </a:ext>
+              </a:extLst>
+            </p:cNvPr>
+            <p:cNvPicPr>
+              <a:picLocks noChangeAspect="1"/>
+            </p:cNvPicPr>
+            <p:nvPr/>
+          </p:nvPicPr>
+          <p:blipFill>
+            <a:blip r:embed="rId2"/>
+            <a:stretch>
+              <a:fillRect/>
+            </a:stretch>
+          </p:blipFill>
+          <p:spPr>
+            <a:xfrm>
+              <a:off x="1296140" y="1433366"/>
+              <a:ext cx="6782540" cy="3301932"/>
+            </a:xfrm>
+            <a:prstGeom prst="rect">
+              <a:avLst/>
+            </a:prstGeom>
+          </p:spPr>
+        </p:pic>
+        <p:sp>
+          <p:nvSpPr>
+            <p:cNvPr id="16" name="矩形 15">
+              <a:extLst>
+                <a:ext uri="{FF2B5EF4-FFF2-40B4-BE49-F238E27FC236}">
+                  <a16:creationId xmlns:a16="http://schemas.microsoft.com/office/drawing/2014/main" id="{0AB79ED2-18A2-430F-8D8A-C43A79B6A89A}"/>
+                </a:ext>
+              </a:extLst>
+            </p:cNvPr>
+            <p:cNvSpPr/>
+            <p:nvPr/>
+          </p:nvSpPr>
+          <p:spPr>
+            <a:xfrm>
+              <a:off x="1296140" y="1433366"/>
+              <a:ext cx="6782540" cy="3301932"/>
+            </a:xfrm>
+            <a:prstGeom prst="rect">
+              <a:avLst/>
+            </a:prstGeom>
+            <a:noFill/>
+            <a:ln w="57150" cap="flat" cmpd="sng" algn="ctr">
+              <a:solidFill>
+                <a:schemeClr val="accent4"/>
+              </a:solidFill>
+              <a:prstDash val="solid"/>
+              <a:round/>
+              <a:headEnd type="none" w="med" len="med"/>
+              <a:tailEnd type="none" w="med" len="med"/>
+            </a:ln>
+          </p:spPr>
+          <p:style>
+            <a:lnRef idx="0">
+              <a:scrgbClr r="0" g="0" b="0"/>
+            </a:lnRef>
+            <a:fillRef idx="0">
+              <a:scrgbClr r="0" g="0" b="0"/>
+            </a:fillRef>
+            <a:effectRef idx="0">
+              <a:scrgbClr r="0" g="0" b="0"/>
+            </a:effectRef>
+            <a:fontRef idx="minor">
+              <a:schemeClr val="accent4"/>
+            </a:fontRef>
+          </p:style>
+          <p:txBody>
+            <a:bodyPr rtlCol="0" anchor="ctr"/>
+            <a:lstStyle/>
+            <a:p>
+              <a:pPr algn="ctr"/>
+              <a:endParaRPr lang="zh-TW" altLang="en-US"/>
+            </a:p>
+          </p:txBody>
+        </p:sp>
+        <p:sp>
+          <p:nvSpPr>
+            <p:cNvPr id="17" name="文字方塊 16">
+              <a:extLst>
+                <a:ext uri="{FF2B5EF4-FFF2-40B4-BE49-F238E27FC236}">
+                  <a16:creationId xmlns:a16="http://schemas.microsoft.com/office/drawing/2014/main" id="{7611A936-CFD1-48A3-8833-CB7AF63F1F87}"/>
+                </a:ext>
+              </a:extLst>
+            </p:cNvPr>
+            <p:cNvSpPr txBox="1"/>
+            <p:nvPr/>
+          </p:nvSpPr>
+          <p:spPr>
+            <a:xfrm>
+              <a:off x="1384917" y="1433146"/>
+              <a:ext cx="1410366" cy="369332"/>
+            </a:xfrm>
+            <a:prstGeom prst="rect">
+              <a:avLst/>
+            </a:prstGeom>
+            <a:noFill/>
+          </p:spPr>
+          <p:txBody>
+            <a:bodyPr wrap="square" rtlCol="0">
+              <a:spAutoFit/>
+            </a:bodyPr>
+            <a:lstStyle/>
+            <a:p>
+              <a:r>
+                <a:rPr lang="en-US" altLang="zh-TW" b="1" dirty="0">
+                  <a:solidFill>
+                    <a:schemeClr val="accent4">
+                      <a:lumMod val="75000"/>
+                    </a:schemeClr>
+                  </a:solidFill>
+                  <a:latin typeface="Consolas" panose="020B0609020204030204" pitchFamily="49" charset="0"/>
+                </a:rPr>
+                <a:t>&lt;wrapper&gt;</a:t>
+              </a:r>
+              <a:endParaRPr lang="zh-TW" altLang="en-US" b="1" dirty="0">
+                <a:solidFill>
+                  <a:schemeClr val="accent4">
+                    <a:lumMod val="75000"/>
+                  </a:schemeClr>
+                </a:solidFill>
+                <a:latin typeface="Consolas" panose="020B0609020204030204" pitchFamily="49" charset="0"/>
+              </a:endParaRPr>
+            </a:p>
+          </p:txBody>
+        </p:sp>
+      </p:grpSp>
+    </p:spTree>
+    <p:extLst>
+      <p:ext uri="{BB962C8B-B14F-4D97-AF65-F5344CB8AC3E}">
+        <p14:creationId xmlns:p14="http://schemas.microsoft.com/office/powerpoint/2010/main" val="2802415350"/>
+      </p:ext>
+    </p:extLst>
+  </p:cSld>
+  <p:clrMapOvr>
+    <a:masterClrMapping/>
+  </p:clrMapOvr>
+</p:sld>
+</file>
+
+<file path=ppt/slides/slide26.xml><?xml version="1.0" encoding="utf-8"?>
+<p:sld xmlns:a="http://schemas.openxmlformats.org/drawingml/2006/main" xmlns:r="http://schemas.openxmlformats.org/officeDocument/2006/relationships" xmlns:p="http://schemas.openxmlformats.org/presentationml/2006/main">
+  <p:cSld>
+    <p:spTree>
+      <p:nvGrpSpPr>
+        <p:cNvPr id="1" name=""/>
+        <p:cNvGrpSpPr/>
+        <p:nvPr/>
+      </p:nvGrpSpPr>
+      <p:grpSpPr>
+        <a:xfrm>
+          <a:off x="0" y="0"/>
+          <a:ext cx="0" cy="0"/>
+          <a:chOff x="0" y="0"/>
+          <a:chExt cx="0" cy="0"/>
+        </a:xfrm>
+      </p:grpSpPr>
+      <p:sp>
+        <p:nvSpPr>
+          <p:cNvPr id="2" name="標題 1">
+            <a:extLst>
+              <a:ext uri="{FF2B5EF4-FFF2-40B4-BE49-F238E27FC236}">
+                <a16:creationId xmlns:a16="http://schemas.microsoft.com/office/drawing/2014/main" id="{4221CE5D-3464-4F8E-BEA9-0DA485D9C0EA}"/>
+              </a:ext>
+            </a:extLst>
+          </p:cNvPr>
+          <p:cNvSpPr>
+            <a:spLocks noGrp="1"/>
+          </p:cNvSpPr>
+          <p:nvPr>
+            <p:ph type="title"/>
+          </p:nvPr>
+        </p:nvSpPr>
+        <p:spPr/>
+        <p:txBody>
+          <a:bodyPr/>
+          <a:lstStyle/>
+          <a:p>
+            <a:r>
+              <a:rPr lang="zh-TW" altLang="en-US" b="0" dirty="0">
+                <a:solidFill>
+                  <a:srgbClr val="C3E88D"/>
+                </a:solidFill>
+                <a:effectLst/>
+                <a:latin typeface="Consolas" panose="020B0609020204030204" pitchFamily="49" charset="0"/>
+              </a:rPr>
+              <a:t>設定 </a:t>
+            </a:r>
+            <a:r>
+              <a:rPr lang="en-US" altLang="zh-TW" b="0" dirty="0">
+                <a:solidFill>
+                  <a:srgbClr val="C3E88D"/>
+                </a:solidFill>
+                <a:effectLst/>
+                <a:latin typeface="Consolas" panose="020B0609020204030204" pitchFamily="49" charset="0"/>
+              </a:rPr>
+              <a:t>wrapper</a:t>
+            </a:r>
+            <a:endParaRPr lang="zh-TW" altLang="en-US" dirty="0"/>
+          </a:p>
+        </p:txBody>
+      </p:sp>
+      <p:sp>
+        <p:nvSpPr>
+          <p:cNvPr id="4" name="內容版面配置區 2">
+            <a:extLst>
+              <a:ext uri="{FF2B5EF4-FFF2-40B4-BE49-F238E27FC236}">
+                <a16:creationId xmlns:a16="http://schemas.microsoft.com/office/drawing/2014/main" id="{3D8DE8E1-0C7A-4354-98F4-A904CB0B0AC0}"/>
               </a:ext>
             </a:extLst>
           </p:cNvPr>
@@ -11582,19 +11618,510 @@
             <p:ph idx="1"/>
           </p:nvPr>
         </p:nvSpPr>
-        <p:spPr/>
-        <p:txBody>
-          <a:bodyPr/>
+        <p:spPr>
+          <a:xfrm>
+            <a:off x="1371600" y="1758950"/>
+            <a:ext cx="9601200" cy="3581400"/>
+          </a:xfrm>
+        </p:spPr>
+        <p:txBody>
+          <a:bodyPr>
+            <a:normAutofit/>
+          </a:bodyPr>
           <a:lstStyle/>
           <a:p>
-            <a:endParaRPr lang="zh-TW" altLang="en-US" dirty="0"/>
+            <a:pPr marL="0" indent="0">
+              <a:buNone/>
+            </a:pPr>
+            <a:r>
+              <a:rPr lang="en-US" altLang="zh-TW" b="0" dirty="0">
+                <a:solidFill>
+                  <a:srgbClr val="89DDFF"/>
+                </a:solidFill>
+                <a:effectLst/>
+                <a:latin typeface="Consolas" panose="020B0609020204030204" pitchFamily="49" charset="0"/>
+              </a:rPr>
+              <a:t>.</a:t>
+            </a:r>
+            <a:r>
+              <a:rPr lang="en-US" altLang="zh-TW" b="0" dirty="0">
+                <a:solidFill>
+                  <a:srgbClr val="FFCB6B"/>
+                </a:solidFill>
+                <a:effectLst/>
+                <a:latin typeface="Consolas" panose="020B0609020204030204" pitchFamily="49" charset="0"/>
+              </a:rPr>
+              <a:t>wrapper</a:t>
+            </a:r>
+            <a:r>
+              <a:rPr lang="en-US" altLang="zh-TW" b="0" dirty="0">
+                <a:solidFill>
+                  <a:srgbClr val="EEFFFF"/>
+                </a:solidFill>
+                <a:effectLst/>
+                <a:latin typeface="Consolas" panose="020B0609020204030204" pitchFamily="49" charset="0"/>
+              </a:rPr>
+              <a:t> </a:t>
+            </a:r>
+            <a:r>
+              <a:rPr lang="en-US" altLang="zh-TW" b="0" dirty="0">
+                <a:solidFill>
+                  <a:srgbClr val="89DDFF"/>
+                </a:solidFill>
+                <a:effectLst/>
+                <a:latin typeface="Consolas" panose="020B0609020204030204" pitchFamily="49" charset="0"/>
+              </a:rPr>
+              <a:t>{</a:t>
+            </a:r>
+            <a:endParaRPr lang="en-US" altLang="zh-TW" b="0" dirty="0">
+              <a:solidFill>
+                <a:srgbClr val="EEFFFF"/>
+              </a:solidFill>
+              <a:effectLst/>
+              <a:latin typeface="Consolas" panose="020B0609020204030204" pitchFamily="49" charset="0"/>
+            </a:endParaRPr>
+          </a:p>
+          <a:p>
+            <a:pPr marL="0" indent="0">
+              <a:buNone/>
+            </a:pPr>
+            <a:r>
+              <a:rPr lang="en-US" altLang="zh-TW" b="0" dirty="0">
+                <a:solidFill>
+                  <a:srgbClr val="EEFFFF"/>
+                </a:solidFill>
+                <a:effectLst/>
+                <a:latin typeface="Consolas" panose="020B0609020204030204" pitchFamily="49" charset="0"/>
+              </a:rPr>
+              <a:t>  </a:t>
+            </a:r>
+            <a:r>
+              <a:rPr lang="en-US" altLang="zh-TW" b="0" dirty="0">
+                <a:solidFill>
+                  <a:srgbClr val="B2CCD6"/>
+                </a:solidFill>
+                <a:effectLst/>
+                <a:latin typeface="Consolas" panose="020B0609020204030204" pitchFamily="49" charset="0"/>
+              </a:rPr>
+              <a:t>width</a:t>
+            </a:r>
+            <a:r>
+              <a:rPr lang="en-US" altLang="zh-TW" b="0" dirty="0">
+                <a:solidFill>
+                  <a:srgbClr val="89DDFF"/>
+                </a:solidFill>
+                <a:effectLst/>
+                <a:latin typeface="Consolas" panose="020B0609020204030204" pitchFamily="49" charset="0"/>
+              </a:rPr>
+              <a:t>:</a:t>
+            </a:r>
+            <a:r>
+              <a:rPr lang="en-US" altLang="zh-TW" b="0" dirty="0">
+                <a:solidFill>
+                  <a:srgbClr val="EEFFFF"/>
+                </a:solidFill>
+                <a:effectLst/>
+                <a:latin typeface="Consolas" panose="020B0609020204030204" pitchFamily="49" charset="0"/>
+              </a:rPr>
+              <a:t> </a:t>
+            </a:r>
+            <a:r>
+              <a:rPr lang="en-US" altLang="zh-TW" b="0" dirty="0">
+                <a:solidFill>
+                  <a:srgbClr val="F78C6C"/>
+                </a:solidFill>
+                <a:effectLst/>
+                <a:latin typeface="Consolas" panose="020B0609020204030204" pitchFamily="49" charset="0"/>
+              </a:rPr>
+              <a:t>100%</a:t>
+            </a:r>
+            <a:r>
+              <a:rPr lang="en-US" altLang="zh-TW" b="0" dirty="0">
+                <a:solidFill>
+                  <a:srgbClr val="89DDFF"/>
+                </a:solidFill>
+                <a:effectLst/>
+                <a:latin typeface="Consolas" panose="020B0609020204030204" pitchFamily="49" charset="0"/>
+              </a:rPr>
+              <a:t>;</a:t>
+            </a:r>
+            <a:endParaRPr lang="en-US" altLang="zh-TW" b="0" dirty="0">
+              <a:solidFill>
+                <a:srgbClr val="EEFFFF"/>
+              </a:solidFill>
+              <a:effectLst/>
+              <a:latin typeface="Consolas" panose="020B0609020204030204" pitchFamily="49" charset="0"/>
+            </a:endParaRPr>
+          </a:p>
+          <a:p>
+            <a:pPr marL="0" indent="0">
+              <a:buNone/>
+            </a:pPr>
+            <a:r>
+              <a:rPr lang="en-US" altLang="zh-TW" b="0" dirty="0">
+                <a:solidFill>
+                  <a:srgbClr val="EEFFFF"/>
+                </a:solidFill>
+                <a:effectLst/>
+                <a:latin typeface="Consolas" panose="020B0609020204030204" pitchFamily="49" charset="0"/>
+              </a:rPr>
+              <a:t>  </a:t>
+            </a:r>
+            <a:r>
+              <a:rPr lang="en-US" altLang="zh-TW" b="0" dirty="0">
+                <a:solidFill>
+                  <a:srgbClr val="B2CCD6"/>
+                </a:solidFill>
+                <a:effectLst/>
+                <a:latin typeface="Consolas" panose="020B0609020204030204" pitchFamily="49" charset="0"/>
+              </a:rPr>
+              <a:t>min-height</a:t>
+            </a:r>
+            <a:r>
+              <a:rPr lang="en-US" altLang="zh-TW" b="0" dirty="0">
+                <a:solidFill>
+                  <a:srgbClr val="89DDFF"/>
+                </a:solidFill>
+                <a:effectLst/>
+                <a:latin typeface="Consolas" panose="020B0609020204030204" pitchFamily="49" charset="0"/>
+              </a:rPr>
+              <a:t>:</a:t>
+            </a:r>
+            <a:r>
+              <a:rPr lang="en-US" altLang="zh-TW" b="0" dirty="0">
+                <a:solidFill>
+                  <a:srgbClr val="EEFFFF"/>
+                </a:solidFill>
+                <a:effectLst/>
+                <a:latin typeface="Consolas" panose="020B0609020204030204" pitchFamily="49" charset="0"/>
+              </a:rPr>
+              <a:t> </a:t>
+            </a:r>
+            <a:r>
+              <a:rPr lang="en-US" altLang="zh-TW" b="0" dirty="0">
+                <a:solidFill>
+                  <a:srgbClr val="F78C6C"/>
+                </a:solidFill>
+                <a:effectLst/>
+                <a:latin typeface="Consolas" panose="020B0609020204030204" pitchFamily="49" charset="0"/>
+              </a:rPr>
+              <a:t>100vh</a:t>
+            </a:r>
+            <a:r>
+              <a:rPr lang="en-US" altLang="zh-TW" b="0" dirty="0">
+                <a:solidFill>
+                  <a:srgbClr val="89DDFF"/>
+                </a:solidFill>
+                <a:effectLst/>
+                <a:latin typeface="Consolas" panose="020B0609020204030204" pitchFamily="49" charset="0"/>
+              </a:rPr>
+              <a:t>;</a:t>
+            </a:r>
+            <a:endParaRPr lang="en-US" altLang="zh-TW" b="0" dirty="0">
+              <a:solidFill>
+                <a:srgbClr val="EEFFFF"/>
+              </a:solidFill>
+              <a:effectLst/>
+              <a:latin typeface="Consolas" panose="020B0609020204030204" pitchFamily="49" charset="0"/>
+            </a:endParaRPr>
+          </a:p>
+          <a:p>
+            <a:pPr marL="0" indent="0">
+              <a:buNone/>
+            </a:pPr>
+            <a:r>
+              <a:rPr lang="en-US" altLang="zh-TW" b="0" dirty="0">
+                <a:solidFill>
+                  <a:srgbClr val="EEFFFF"/>
+                </a:solidFill>
+                <a:effectLst/>
+                <a:latin typeface="Consolas" panose="020B0609020204030204" pitchFamily="49" charset="0"/>
+              </a:rPr>
+              <a:t>  </a:t>
+            </a:r>
+            <a:r>
+              <a:rPr lang="en-US" altLang="zh-TW" b="0" dirty="0">
+                <a:solidFill>
+                  <a:srgbClr val="B2CCD6"/>
+                </a:solidFill>
+                <a:effectLst/>
+                <a:latin typeface="Consolas" panose="020B0609020204030204" pitchFamily="49" charset="0"/>
+              </a:rPr>
+              <a:t>display</a:t>
+            </a:r>
+            <a:r>
+              <a:rPr lang="en-US" altLang="zh-TW" b="0" dirty="0">
+                <a:solidFill>
+                  <a:srgbClr val="89DDFF"/>
+                </a:solidFill>
+                <a:effectLst/>
+                <a:latin typeface="Consolas" panose="020B0609020204030204" pitchFamily="49" charset="0"/>
+              </a:rPr>
+              <a:t>:</a:t>
+            </a:r>
+            <a:r>
+              <a:rPr lang="en-US" altLang="zh-TW" b="0" dirty="0">
+                <a:solidFill>
+                  <a:srgbClr val="EEFFFF"/>
+                </a:solidFill>
+                <a:effectLst/>
+                <a:latin typeface="Consolas" panose="020B0609020204030204" pitchFamily="49" charset="0"/>
+              </a:rPr>
+              <a:t> flex</a:t>
+            </a:r>
+            <a:r>
+              <a:rPr lang="en-US" altLang="zh-TW" b="0" dirty="0">
+                <a:solidFill>
+                  <a:srgbClr val="89DDFF"/>
+                </a:solidFill>
+                <a:effectLst/>
+                <a:latin typeface="Consolas" panose="020B0609020204030204" pitchFamily="49" charset="0"/>
+              </a:rPr>
+              <a:t>;</a:t>
+            </a:r>
+            <a:endParaRPr lang="en-US" altLang="zh-TW" b="0" dirty="0">
+              <a:solidFill>
+                <a:srgbClr val="EEFFFF"/>
+              </a:solidFill>
+              <a:effectLst/>
+              <a:latin typeface="Consolas" panose="020B0609020204030204" pitchFamily="49" charset="0"/>
+            </a:endParaRPr>
+          </a:p>
+          <a:p>
+            <a:pPr marL="0" indent="0">
+              <a:buNone/>
+            </a:pPr>
+            <a:r>
+              <a:rPr lang="en-US" altLang="zh-TW" b="0" dirty="0">
+                <a:solidFill>
+                  <a:srgbClr val="EEFFFF"/>
+                </a:solidFill>
+                <a:effectLst/>
+                <a:latin typeface="Consolas" panose="020B0609020204030204" pitchFamily="49" charset="0"/>
+              </a:rPr>
+              <a:t>  </a:t>
+            </a:r>
+            <a:r>
+              <a:rPr lang="en-US" altLang="zh-TW" b="0" dirty="0">
+                <a:solidFill>
+                  <a:srgbClr val="B2CCD6"/>
+                </a:solidFill>
+                <a:effectLst/>
+                <a:latin typeface="Consolas" panose="020B0609020204030204" pitchFamily="49" charset="0"/>
+              </a:rPr>
+              <a:t>align-items</a:t>
+            </a:r>
+            <a:r>
+              <a:rPr lang="en-US" altLang="zh-TW" b="0" dirty="0">
+                <a:solidFill>
+                  <a:srgbClr val="89DDFF"/>
+                </a:solidFill>
+                <a:effectLst/>
+                <a:latin typeface="Consolas" panose="020B0609020204030204" pitchFamily="49" charset="0"/>
+              </a:rPr>
+              <a:t>:</a:t>
+            </a:r>
+            <a:r>
+              <a:rPr lang="en-US" altLang="zh-TW" b="0" dirty="0">
+                <a:solidFill>
+                  <a:srgbClr val="EEFFFF"/>
+                </a:solidFill>
+                <a:effectLst/>
+                <a:latin typeface="Consolas" panose="020B0609020204030204" pitchFamily="49" charset="0"/>
+              </a:rPr>
+              <a:t> center</a:t>
+            </a:r>
+            <a:r>
+              <a:rPr lang="en-US" altLang="zh-TW" b="0" dirty="0">
+                <a:solidFill>
+                  <a:srgbClr val="89DDFF"/>
+                </a:solidFill>
+                <a:effectLst/>
+                <a:latin typeface="Consolas" panose="020B0609020204030204" pitchFamily="49" charset="0"/>
+              </a:rPr>
+              <a:t>;</a:t>
+            </a:r>
+            <a:endParaRPr lang="en-US" altLang="zh-TW" b="0" dirty="0">
+              <a:solidFill>
+                <a:srgbClr val="EEFFFF"/>
+              </a:solidFill>
+              <a:effectLst/>
+              <a:latin typeface="Consolas" panose="020B0609020204030204" pitchFamily="49" charset="0"/>
+            </a:endParaRPr>
+          </a:p>
+          <a:p>
+            <a:pPr marL="0" indent="0">
+              <a:buNone/>
+            </a:pPr>
+            <a:r>
+              <a:rPr lang="en-US" altLang="zh-TW" b="0" dirty="0">
+                <a:solidFill>
+                  <a:srgbClr val="EEFFFF"/>
+                </a:solidFill>
+                <a:effectLst/>
+                <a:latin typeface="Consolas" panose="020B0609020204030204" pitchFamily="49" charset="0"/>
+              </a:rPr>
+              <a:t>  </a:t>
+            </a:r>
+            <a:r>
+              <a:rPr lang="en-US" altLang="zh-TW" b="0" dirty="0">
+                <a:solidFill>
+                  <a:srgbClr val="B2CCD6"/>
+                </a:solidFill>
+                <a:effectLst/>
+                <a:latin typeface="Consolas" panose="020B0609020204030204" pitchFamily="49" charset="0"/>
+              </a:rPr>
+              <a:t>justify-content</a:t>
+            </a:r>
+            <a:r>
+              <a:rPr lang="en-US" altLang="zh-TW" b="0" dirty="0">
+                <a:solidFill>
+                  <a:srgbClr val="89DDFF"/>
+                </a:solidFill>
+                <a:effectLst/>
+                <a:latin typeface="Consolas" panose="020B0609020204030204" pitchFamily="49" charset="0"/>
+              </a:rPr>
+              <a:t>:</a:t>
+            </a:r>
+            <a:r>
+              <a:rPr lang="en-US" altLang="zh-TW" b="0" dirty="0">
+                <a:solidFill>
+                  <a:srgbClr val="EEFFFF"/>
+                </a:solidFill>
+                <a:effectLst/>
+                <a:latin typeface="Consolas" panose="020B0609020204030204" pitchFamily="49" charset="0"/>
+              </a:rPr>
+              <a:t> center</a:t>
+            </a:r>
+            <a:r>
+              <a:rPr lang="en-US" altLang="zh-TW" b="0" dirty="0">
+                <a:solidFill>
+                  <a:srgbClr val="89DDFF"/>
+                </a:solidFill>
+                <a:effectLst/>
+                <a:latin typeface="Consolas" panose="020B0609020204030204" pitchFamily="49" charset="0"/>
+              </a:rPr>
+              <a:t>;</a:t>
+            </a:r>
+            <a:endParaRPr lang="en-US" altLang="zh-TW" b="0" dirty="0">
+              <a:solidFill>
+                <a:srgbClr val="EEFFFF"/>
+              </a:solidFill>
+              <a:effectLst/>
+              <a:latin typeface="Consolas" panose="020B0609020204030204" pitchFamily="49" charset="0"/>
+            </a:endParaRPr>
+          </a:p>
+          <a:p>
+            <a:pPr marL="0" indent="0">
+              <a:buNone/>
+            </a:pPr>
+            <a:r>
+              <a:rPr lang="en-US" altLang="zh-TW" b="0" dirty="0">
+                <a:solidFill>
+                  <a:srgbClr val="EEFFFF"/>
+                </a:solidFill>
+                <a:effectLst/>
+                <a:latin typeface="Consolas" panose="020B0609020204030204" pitchFamily="49" charset="0"/>
+              </a:rPr>
+              <a:t>  </a:t>
+            </a:r>
+            <a:r>
+              <a:rPr lang="en-US" altLang="zh-TW" b="0" dirty="0">
+                <a:solidFill>
+                  <a:srgbClr val="B2CCD6"/>
+                </a:solidFill>
+                <a:effectLst/>
+                <a:latin typeface="Consolas" panose="020B0609020204030204" pitchFamily="49" charset="0"/>
+              </a:rPr>
+              <a:t>background-image</a:t>
+            </a:r>
+            <a:r>
+              <a:rPr lang="en-US" altLang="zh-TW" b="0" dirty="0">
+                <a:solidFill>
+                  <a:srgbClr val="89DDFF"/>
+                </a:solidFill>
+                <a:effectLst/>
+                <a:latin typeface="Consolas" panose="020B0609020204030204" pitchFamily="49" charset="0"/>
+              </a:rPr>
+              <a:t>:</a:t>
+            </a:r>
+            <a:r>
+              <a:rPr lang="en-US" altLang="zh-TW" b="0" dirty="0">
+                <a:solidFill>
+                  <a:srgbClr val="EEFFFF"/>
+                </a:solidFill>
+                <a:effectLst/>
+                <a:latin typeface="Consolas" panose="020B0609020204030204" pitchFamily="49" charset="0"/>
+              </a:rPr>
+              <a:t> </a:t>
+            </a:r>
+            <a:r>
+              <a:rPr lang="en-US" altLang="zh-TW" b="0" dirty="0" err="1">
+                <a:solidFill>
+                  <a:srgbClr val="82AAFF"/>
+                </a:solidFill>
+                <a:effectLst/>
+                <a:latin typeface="Consolas" panose="020B0609020204030204" pitchFamily="49" charset="0"/>
+              </a:rPr>
+              <a:t>url</a:t>
+            </a:r>
+            <a:r>
+              <a:rPr lang="en-US" altLang="zh-TW" b="0" dirty="0">
+                <a:solidFill>
+                  <a:srgbClr val="89DDFF"/>
+                </a:solidFill>
+                <a:effectLst/>
+                <a:latin typeface="Consolas" panose="020B0609020204030204" pitchFamily="49" charset="0"/>
+              </a:rPr>
+              <a:t>("</a:t>
+            </a:r>
+            <a:r>
+              <a:rPr lang="en-US" altLang="zh-TW" b="0" dirty="0">
+                <a:solidFill>
+                  <a:srgbClr val="C3E88D"/>
+                </a:solidFill>
+                <a:effectLst/>
+                <a:latin typeface="Consolas" panose="020B0609020204030204" pitchFamily="49" charset="0"/>
+              </a:rPr>
+              <a:t>https://picsum.photos/1920/1080</a:t>
+            </a:r>
+            <a:r>
+              <a:rPr lang="en-US" altLang="zh-TW" b="0" dirty="0">
+                <a:solidFill>
+                  <a:srgbClr val="89DDFF"/>
+                </a:solidFill>
+                <a:effectLst/>
+                <a:latin typeface="Consolas" panose="020B0609020204030204" pitchFamily="49" charset="0"/>
+              </a:rPr>
+              <a:t>");</a:t>
+            </a:r>
+          </a:p>
+          <a:p>
+            <a:pPr marL="0" indent="0">
+              <a:buNone/>
+            </a:pPr>
+            <a:r>
+              <a:rPr lang="en-US" altLang="zh-TW" dirty="0">
+                <a:solidFill>
+                  <a:srgbClr val="89DDFF"/>
+                </a:solidFill>
+              </a:rPr>
+              <a:t>}</a:t>
+            </a:r>
+            <a:endParaRPr lang="en-US" altLang="zh-TW" b="0" dirty="0">
+              <a:solidFill>
+                <a:srgbClr val="EEFFFF"/>
+              </a:solidFill>
+              <a:effectLst/>
+              <a:latin typeface="Consolas" panose="020B0609020204030204" pitchFamily="49" charset="0"/>
+            </a:endParaRPr>
           </a:p>
         </p:txBody>
       </p:sp>
     </p:spTree>
     <p:extLst>
       <p:ext uri="{BB962C8B-B14F-4D97-AF65-F5344CB8AC3E}">
-        <p14:creationId xmlns:p14="http://schemas.microsoft.com/office/powerpoint/2010/main" val="2802415350"/>
+        <p14:creationId xmlns:p14="http://schemas.microsoft.com/office/powerpoint/2010/main" val="2331827715"/>
       </p:ext>
     </p:extLst>
   </p:cSld>

--- a/sidle-project-porfit.pptx
+++ b/sidle-project-porfit.pptx
@@ -5,7 +5,7 @@
     <p:sldMasterId id="2147483648" r:id="rId1"/>
   </p:sldMasterIdLst>
   <p:notesMasterIdLst>
-    <p:notesMasterId r:id="rId28"/>
+    <p:notesMasterId r:id="rId31"/>
   </p:notesMasterIdLst>
   <p:sldIdLst>
     <p:sldId id="443" r:id="rId2"/>
@@ -26,14 +26,17 @@
     <p:sldId id="375" r:id="rId17"/>
     <p:sldId id="357" r:id="rId18"/>
     <p:sldId id="371" r:id="rId19"/>
-    <p:sldId id="298" r:id="rId20"/>
-    <p:sldId id="456" r:id="rId21"/>
-    <p:sldId id="453" r:id="rId22"/>
-    <p:sldId id="454" r:id="rId23"/>
-    <p:sldId id="457" r:id="rId24"/>
-    <p:sldId id="458" r:id="rId25"/>
+    <p:sldId id="460" r:id="rId20"/>
+    <p:sldId id="298" r:id="rId21"/>
+    <p:sldId id="456" r:id="rId22"/>
+    <p:sldId id="453" r:id="rId23"/>
+    <p:sldId id="454" r:id="rId24"/>
+    <p:sldId id="457" r:id="rId25"/>
     <p:sldId id="455" r:id="rId26"/>
-    <p:sldId id="459" r:id="rId27"/>
+    <p:sldId id="458" r:id="rId27"/>
+    <p:sldId id="459" r:id="rId28"/>
+    <p:sldId id="462" r:id="rId29"/>
+    <p:sldId id="461" r:id="rId30"/>
   </p:sldIdLst>
   <p:sldSz cx="12192000" cy="6858000"/>
   <p:notesSz cx="6858000" cy="9144000"/>
@@ -7849,7 +7852,7 @@
           <p:cNvPr id="2" name="標題 1">
             <a:extLst>
               <a:ext uri="{FF2B5EF4-FFF2-40B4-BE49-F238E27FC236}">
-                <a16:creationId xmlns:a16="http://schemas.microsoft.com/office/drawing/2014/main" id="{D2672C7D-43D2-49D0-B8E5-BEA9674DEA66}"/>
+                <a16:creationId xmlns:a16="http://schemas.microsoft.com/office/drawing/2014/main" id="{E317D7C3-B0A9-4B69-BFDD-02521328C537}"/>
               </a:ext>
             </a:extLst>
           </p:cNvPr>
@@ -7857,7 +7860,7 @@
             <a:spLocks noGrp="1"/>
           </p:cNvSpPr>
           <p:nvPr>
-            <p:ph type="ctrTitle"/>
+            <p:ph type="title"/>
           </p:nvPr>
         </p:nvSpPr>
         <p:spPr/>
@@ -7866,21 +7869,16 @@
           <a:lstStyle/>
           <a:p>
             <a:r>
-              <a:rPr lang="en-US" altLang="zh-TW" dirty="0">
-                <a:latin typeface="Consolas" panose="020B0609020204030204" pitchFamily="49" charset="0"/>
-              </a:rPr>
-              <a:t>BIO WEB</a:t>
-            </a:r>
-            <a:endParaRPr lang="zh-TW" altLang="en-US" dirty="0">
-              <a:latin typeface="Consolas" panose="020B0609020204030204" pitchFamily="49" charset="0"/>
-            </a:endParaRPr>
+              <a:rPr lang="zh-TW" altLang="en-US" dirty="0"/>
+              <a:t>如何設定水平垂直置中</a:t>
+            </a:r>
           </a:p>
         </p:txBody>
       </p:sp>
     </p:spTree>
     <p:extLst>
       <p:ext uri="{BB962C8B-B14F-4D97-AF65-F5344CB8AC3E}">
-        <p14:creationId xmlns:p14="http://schemas.microsoft.com/office/powerpoint/2010/main" val="413500793"/>
+        <p14:creationId xmlns:p14="http://schemas.microsoft.com/office/powerpoint/2010/main" val="593865399"/>
       </p:ext>
     </p:extLst>
   </p:cSld>
@@ -8256,6 +8254,69 @@
 </file>
 
 <file path=ppt/slides/slide20.xml><?xml version="1.0" encoding="utf-8"?>
+<p:sld xmlns:a="http://schemas.openxmlformats.org/drawingml/2006/main" xmlns:r="http://schemas.openxmlformats.org/officeDocument/2006/relationships" xmlns:p="http://schemas.openxmlformats.org/presentationml/2006/main">
+  <p:cSld>
+    <p:spTree>
+      <p:nvGrpSpPr>
+        <p:cNvPr id="1" name=""/>
+        <p:cNvGrpSpPr/>
+        <p:nvPr/>
+      </p:nvGrpSpPr>
+      <p:grpSpPr>
+        <a:xfrm>
+          <a:off x="0" y="0"/>
+          <a:ext cx="0" cy="0"/>
+          <a:chOff x="0" y="0"/>
+          <a:chExt cx="0" cy="0"/>
+        </a:xfrm>
+      </p:grpSpPr>
+      <p:sp>
+        <p:nvSpPr>
+          <p:cNvPr id="2" name="標題 1">
+            <a:extLst>
+              <a:ext uri="{FF2B5EF4-FFF2-40B4-BE49-F238E27FC236}">
+                <a16:creationId xmlns:a16="http://schemas.microsoft.com/office/drawing/2014/main" id="{D2672C7D-43D2-49D0-B8E5-BEA9674DEA66}"/>
+              </a:ext>
+            </a:extLst>
+          </p:cNvPr>
+          <p:cNvSpPr>
+            <a:spLocks noGrp="1"/>
+          </p:cNvSpPr>
+          <p:nvPr>
+            <p:ph type="ctrTitle"/>
+          </p:nvPr>
+        </p:nvSpPr>
+        <p:spPr/>
+        <p:txBody>
+          <a:bodyPr/>
+          <a:lstStyle/>
+          <a:p>
+            <a:r>
+              <a:rPr lang="en-US" altLang="zh-TW" dirty="0">
+                <a:latin typeface="Consolas" panose="020B0609020204030204" pitchFamily="49" charset="0"/>
+              </a:rPr>
+              <a:t>BIO WEB</a:t>
+            </a:r>
+            <a:endParaRPr lang="zh-TW" altLang="en-US" dirty="0">
+              <a:latin typeface="Consolas" panose="020B0609020204030204" pitchFamily="49" charset="0"/>
+            </a:endParaRPr>
+          </a:p>
+        </p:txBody>
+      </p:sp>
+    </p:spTree>
+    <p:extLst>
+      <p:ext uri="{BB962C8B-B14F-4D97-AF65-F5344CB8AC3E}">
+        <p14:creationId xmlns:p14="http://schemas.microsoft.com/office/powerpoint/2010/main" val="413500793"/>
+      </p:ext>
+    </p:extLst>
+  </p:cSld>
+  <p:clrMapOvr>
+    <a:masterClrMapping/>
+  </p:clrMapOvr>
+</p:sld>
+</file>
+
+<file path=ppt/slides/slide21.xml><?xml version="1.0" encoding="utf-8"?>
 <p:sld xmlns:a="http://schemas.openxmlformats.org/drawingml/2006/main" xmlns:r="http://schemas.openxmlformats.org/officeDocument/2006/relationships" xmlns:p="http://schemas.openxmlformats.org/presentationml/2006/main">
   <p:cSld>
     <p:spTree>
@@ -8315,7 +8376,7 @@
 </p:sld>
 </file>
 
-<file path=ppt/slides/slide21.xml><?xml version="1.0" encoding="utf-8"?>
+<file path=ppt/slides/slide22.xml><?xml version="1.0" encoding="utf-8"?>
 <p:sld xmlns:a="http://schemas.openxmlformats.org/drawingml/2006/main" xmlns:r="http://schemas.openxmlformats.org/officeDocument/2006/relationships" xmlns:p="http://schemas.openxmlformats.org/presentationml/2006/main">
   <p:cSld>
     <p:spTree>
@@ -9748,267 +9809,6 @@
 </p:sld>
 </file>
 
-<file path=ppt/slides/slide22.xml><?xml version="1.0" encoding="utf-8"?>
-<p:sld xmlns:a="http://schemas.openxmlformats.org/drawingml/2006/main" xmlns:r="http://schemas.openxmlformats.org/officeDocument/2006/relationships" xmlns:p="http://schemas.openxmlformats.org/presentationml/2006/main">
-  <p:cSld>
-    <p:spTree>
-      <p:nvGrpSpPr>
-        <p:cNvPr id="1" name=""/>
-        <p:cNvGrpSpPr/>
-        <p:nvPr/>
-      </p:nvGrpSpPr>
-      <p:grpSpPr>
-        <a:xfrm>
-          <a:off x="0" y="0"/>
-          <a:ext cx="0" cy="0"/>
-          <a:chOff x="0" y="0"/>
-          <a:chExt cx="0" cy="0"/>
-        </a:xfrm>
-      </p:grpSpPr>
-      <p:sp>
-        <p:nvSpPr>
-          <p:cNvPr id="2" name="標題 1">
-            <a:extLst>
-              <a:ext uri="{FF2B5EF4-FFF2-40B4-BE49-F238E27FC236}">
-                <a16:creationId xmlns:a16="http://schemas.microsoft.com/office/drawing/2014/main" id="{53257BE5-E95E-4AB1-AE5B-BE1095AD25B8}"/>
-              </a:ext>
-            </a:extLst>
-          </p:cNvPr>
-          <p:cNvSpPr>
-            <a:spLocks noGrp="1"/>
-          </p:cNvSpPr>
-          <p:nvPr>
-            <p:ph type="title"/>
-          </p:nvPr>
-        </p:nvSpPr>
-        <p:spPr/>
-        <p:txBody>
-          <a:bodyPr/>
-          <a:lstStyle/>
-          <a:p>
-            <a:r>
-              <a:rPr lang="zh-TW" altLang="en-US" dirty="0"/>
-              <a:t>新增</a:t>
-            </a:r>
-            <a:r>
-              <a:rPr lang="en-US" altLang="zh-TW" dirty="0" err="1"/>
-              <a:t>css</a:t>
-            </a:r>
-            <a:r>
-              <a:rPr lang="zh-TW" altLang="en-US" dirty="0"/>
-              <a:t>資料夾 </a:t>
-            </a:r>
-            <a:r>
-              <a:rPr lang="en-US" altLang="zh-TW" dirty="0"/>
-              <a:t>/</a:t>
-            </a:r>
-            <a:r>
-              <a:rPr lang="zh-TW" altLang="en-US" dirty="0"/>
-              <a:t> </a:t>
-            </a:r>
-            <a:r>
-              <a:rPr lang="en-US" altLang="zh-TW" dirty="0"/>
-              <a:t>html</a:t>
-            </a:r>
-            <a:r>
-              <a:rPr lang="zh-TW" altLang="en-US" dirty="0"/>
-              <a:t>連接</a:t>
-            </a:r>
-            <a:r>
-              <a:rPr lang="en-US" altLang="zh-TW" dirty="0" err="1"/>
-              <a:t>css</a:t>
-            </a:r>
-            <a:endParaRPr lang="zh-TW" altLang="en-US" dirty="0"/>
-          </a:p>
-        </p:txBody>
-      </p:sp>
-      <p:sp>
-        <p:nvSpPr>
-          <p:cNvPr id="3" name="內容版面配置區 2">
-            <a:extLst>
-              <a:ext uri="{FF2B5EF4-FFF2-40B4-BE49-F238E27FC236}">
-                <a16:creationId xmlns:a16="http://schemas.microsoft.com/office/drawing/2014/main" id="{365B5495-E695-4FC5-A95B-E8FFA4B25BD5}"/>
-              </a:ext>
-            </a:extLst>
-          </p:cNvPr>
-          <p:cNvSpPr>
-            <a:spLocks noGrp="1"/>
-          </p:cNvSpPr>
-          <p:nvPr>
-            <p:ph idx="1"/>
-          </p:nvPr>
-        </p:nvSpPr>
-        <p:spPr/>
-        <p:txBody>
-          <a:bodyPr/>
-          <a:lstStyle/>
-          <a:p>
-            <a:pPr marL="0" indent="0">
-              <a:buNone/>
-            </a:pPr>
-            <a:r>
-              <a:rPr lang="en-US" altLang="zh-TW" b="0" dirty="0">
-                <a:solidFill>
-                  <a:srgbClr val="EEFFFF"/>
-                </a:solidFill>
-                <a:effectLst/>
-                <a:latin typeface="Consolas" panose="020B0609020204030204" pitchFamily="49" charset="0"/>
-              </a:rPr>
-              <a:t> </a:t>
-            </a:r>
-            <a:r>
-              <a:rPr lang="en-US" altLang="zh-TW" b="0" dirty="0">
-                <a:solidFill>
-                  <a:srgbClr val="89DDFF"/>
-                </a:solidFill>
-                <a:effectLst/>
-                <a:latin typeface="Consolas" panose="020B0609020204030204" pitchFamily="49" charset="0"/>
-              </a:rPr>
-              <a:t>&lt;</a:t>
-            </a:r>
-            <a:r>
-              <a:rPr lang="en-US" altLang="zh-TW" b="0" dirty="0">
-                <a:solidFill>
-                  <a:srgbClr val="F07178"/>
-                </a:solidFill>
-                <a:effectLst/>
-                <a:latin typeface="Consolas" panose="020B0609020204030204" pitchFamily="49" charset="0"/>
-              </a:rPr>
-              <a:t>link</a:t>
-            </a:r>
-            <a:r>
-              <a:rPr lang="en-US" altLang="zh-TW" b="0" dirty="0">
-                <a:solidFill>
-                  <a:srgbClr val="89DDFF"/>
-                </a:solidFill>
-                <a:effectLst/>
-                <a:latin typeface="Consolas" panose="020B0609020204030204" pitchFamily="49" charset="0"/>
-              </a:rPr>
-              <a:t> </a:t>
-            </a:r>
-            <a:r>
-              <a:rPr lang="en-US" altLang="zh-TW" b="0" dirty="0" err="1">
-                <a:solidFill>
-                  <a:srgbClr val="C792EA"/>
-                </a:solidFill>
-                <a:effectLst/>
-                <a:latin typeface="Consolas" panose="020B0609020204030204" pitchFamily="49" charset="0"/>
-              </a:rPr>
-              <a:t>rel</a:t>
-            </a:r>
-            <a:r>
-              <a:rPr lang="en-US" altLang="zh-TW" b="0" dirty="0">
-                <a:solidFill>
-                  <a:srgbClr val="89DDFF"/>
-                </a:solidFill>
-                <a:effectLst/>
-                <a:latin typeface="Consolas" panose="020B0609020204030204" pitchFamily="49" charset="0"/>
-              </a:rPr>
-              <a:t>="</a:t>
-            </a:r>
-            <a:r>
-              <a:rPr lang="en-US" altLang="zh-TW" b="0" dirty="0">
-                <a:solidFill>
-                  <a:srgbClr val="C3E88D"/>
-                </a:solidFill>
-                <a:effectLst/>
-                <a:latin typeface="Consolas" panose="020B0609020204030204" pitchFamily="49" charset="0"/>
-              </a:rPr>
-              <a:t>stylesheet</a:t>
-            </a:r>
-            <a:r>
-              <a:rPr lang="en-US" altLang="zh-TW" b="0" dirty="0">
-                <a:solidFill>
-                  <a:srgbClr val="89DDFF"/>
-                </a:solidFill>
-                <a:effectLst/>
-                <a:latin typeface="Consolas" panose="020B0609020204030204" pitchFamily="49" charset="0"/>
-              </a:rPr>
-              <a:t>" </a:t>
-            </a:r>
-            <a:r>
-              <a:rPr lang="en-US" altLang="zh-TW" b="0" dirty="0" err="1">
-                <a:solidFill>
-                  <a:srgbClr val="C792EA"/>
-                </a:solidFill>
-                <a:effectLst/>
-                <a:latin typeface="Consolas" panose="020B0609020204030204" pitchFamily="49" charset="0"/>
-              </a:rPr>
-              <a:t>href</a:t>
-            </a:r>
-            <a:r>
-              <a:rPr lang="en-US" altLang="zh-TW" b="0" dirty="0">
-                <a:solidFill>
-                  <a:srgbClr val="89DDFF"/>
-                </a:solidFill>
-                <a:effectLst/>
-                <a:latin typeface="Consolas" panose="020B0609020204030204" pitchFamily="49" charset="0"/>
-              </a:rPr>
-              <a:t>="</a:t>
-            </a:r>
-            <a:r>
-              <a:rPr lang="en-US" altLang="zh-TW" b="0" dirty="0">
-                <a:solidFill>
-                  <a:srgbClr val="C3E88D"/>
-                </a:solidFill>
-                <a:effectLst/>
-                <a:latin typeface="Consolas" panose="020B0609020204030204" pitchFamily="49" charset="0"/>
-              </a:rPr>
-              <a:t>/</a:t>
-            </a:r>
-            <a:r>
-              <a:rPr lang="en-US" altLang="zh-TW" b="0" dirty="0" err="1">
-                <a:solidFill>
-                  <a:srgbClr val="C3E88D"/>
-                </a:solidFill>
-                <a:effectLst/>
-                <a:latin typeface="Consolas" panose="020B0609020204030204" pitchFamily="49" charset="0"/>
-              </a:rPr>
-              <a:t>css</a:t>
-            </a:r>
-            <a:r>
-              <a:rPr lang="en-US" altLang="zh-TW" b="0" dirty="0">
-                <a:solidFill>
-                  <a:srgbClr val="C3E88D"/>
-                </a:solidFill>
-                <a:effectLst/>
-                <a:latin typeface="Consolas" panose="020B0609020204030204" pitchFamily="49" charset="0"/>
-              </a:rPr>
-              <a:t>/bio.css</a:t>
-            </a:r>
-            <a:r>
-              <a:rPr lang="en-US" altLang="zh-TW" b="0" dirty="0">
-                <a:solidFill>
-                  <a:srgbClr val="89DDFF"/>
-                </a:solidFill>
-                <a:effectLst/>
-                <a:latin typeface="Consolas" panose="020B0609020204030204" pitchFamily="49" charset="0"/>
-              </a:rPr>
-              <a:t>"&gt;</a:t>
-            </a:r>
-            <a:endParaRPr lang="en-US" altLang="zh-TW" b="0" dirty="0">
-              <a:solidFill>
-                <a:srgbClr val="EEFFFF"/>
-              </a:solidFill>
-              <a:effectLst/>
-              <a:latin typeface="Consolas" panose="020B0609020204030204" pitchFamily="49" charset="0"/>
-            </a:endParaRPr>
-          </a:p>
-        </p:txBody>
-      </p:sp>
-    </p:spTree>
-    <p:extLst>
-      <p:ext uri="{BB962C8B-B14F-4D97-AF65-F5344CB8AC3E}">
-        <p14:creationId xmlns:p14="http://schemas.microsoft.com/office/powerpoint/2010/main" val="2122202658"/>
-      </p:ext>
-    </p:extLst>
-  </p:cSld>
-  <p:clrMapOvr>
-    <a:masterClrMapping/>
-  </p:clrMapOvr>
-</p:sld>
-</file>
-
 <file path=ppt/slides/slide23.xml><?xml version="1.0" encoding="utf-8"?>
 <p:sld xmlns:a="http://schemas.openxmlformats.org/drawingml/2006/main" xmlns:r="http://schemas.openxmlformats.org/officeDocument/2006/relationships" xmlns:p="http://schemas.openxmlformats.org/presentationml/2006/main">
   <p:cSld>
@@ -10031,7 +9831,7 @@
           <p:cNvPr id="2" name="標題 1">
             <a:extLst>
               <a:ext uri="{FF2B5EF4-FFF2-40B4-BE49-F238E27FC236}">
-                <a16:creationId xmlns:a16="http://schemas.microsoft.com/office/drawing/2014/main" id="{49D27A93-E7EB-40B4-B7B3-D37A141B3F28}"/>
+                <a16:creationId xmlns:a16="http://schemas.microsoft.com/office/drawing/2014/main" id="{53257BE5-E95E-4AB1-AE5B-BE1095AD25B8}"/>
               </a:ext>
             </a:extLst>
           </p:cNvPr>
@@ -10049,8 +9849,37 @@
           <a:p>
             <a:r>
               <a:rPr lang="zh-TW" altLang="en-US" dirty="0"/>
-              <a:t>初始化、加入字體</a:t>
-            </a:r>
+              <a:t>新增</a:t>
+            </a:r>
+            <a:r>
+              <a:rPr lang="en-US" altLang="zh-TW" dirty="0" err="1"/>
+              <a:t>css</a:t>
+            </a:r>
+            <a:r>
+              <a:rPr lang="zh-TW" altLang="en-US" dirty="0"/>
+              <a:t>資料夾 </a:t>
+            </a:r>
+            <a:r>
+              <a:rPr lang="en-US" altLang="zh-TW" dirty="0"/>
+              <a:t>/</a:t>
+            </a:r>
+            <a:r>
+              <a:rPr lang="zh-TW" altLang="en-US" dirty="0"/>
+              <a:t> </a:t>
+            </a:r>
+            <a:r>
+              <a:rPr lang="en-US" altLang="zh-TW" dirty="0"/>
+              <a:t>html</a:t>
+            </a:r>
+            <a:r>
+              <a:rPr lang="zh-TW" altLang="en-US" dirty="0"/>
+              <a:t>連接</a:t>
+            </a:r>
+            <a:r>
+              <a:rPr lang="en-US" altLang="zh-TW" dirty="0" err="1"/>
+              <a:t>css</a:t>
+            </a:r>
+            <a:endParaRPr lang="zh-TW" altLang="en-US" dirty="0"/>
           </a:p>
         </p:txBody>
       </p:sp>
@@ -10059,7 +9888,7 @@
           <p:cNvPr id="3" name="內容版面配置區 2">
             <a:extLst>
               <a:ext uri="{FF2B5EF4-FFF2-40B4-BE49-F238E27FC236}">
-                <a16:creationId xmlns:a16="http://schemas.microsoft.com/office/drawing/2014/main" id="{3F9A62E9-79BE-4593-A94B-A2E54B645538}"/>
+                <a16:creationId xmlns:a16="http://schemas.microsoft.com/office/drawing/2014/main" id="{365B5495-E695-4FC5-A95B-E8FFA4B25BD5}"/>
               </a:ext>
             </a:extLst>
           </p:cNvPr>
@@ -10070,35 +9899,48 @@
             <p:ph idx="1"/>
           </p:nvPr>
         </p:nvSpPr>
-        <p:spPr>
-          <a:xfrm>
-            <a:off x="1371599" y="1758462"/>
-            <a:ext cx="10000695" cy="3581400"/>
-          </a:xfrm>
-        </p:spPr>
-        <p:txBody>
-          <a:bodyPr>
-            <a:normAutofit lnSpcReduction="10000"/>
-          </a:bodyPr>
+        <p:spPr/>
+        <p:txBody>
+          <a:bodyPr/>
           <a:lstStyle/>
           <a:p>
             <a:pPr marL="0" indent="0">
               <a:buNone/>
             </a:pPr>
             <a:r>
-              <a:rPr lang="en-US" altLang="zh-TW" b="0" i="1" dirty="0">
+              <a:rPr lang="en-US" altLang="zh-TW" b="0" dirty="0">
+                <a:solidFill>
+                  <a:srgbClr val="EEFFFF"/>
+                </a:solidFill>
+                <a:effectLst/>
+                <a:latin typeface="Consolas" panose="020B0609020204030204" pitchFamily="49" charset="0"/>
+              </a:rPr>
+              <a:t> </a:t>
+            </a:r>
+            <a:r>
+              <a:rPr lang="en-US" altLang="zh-TW" b="0" dirty="0">
                 <a:solidFill>
                   <a:srgbClr val="89DDFF"/>
                 </a:solidFill>
                 <a:effectLst/>
                 <a:latin typeface="Consolas" panose="020B0609020204030204" pitchFamily="49" charset="0"/>
               </a:rPr>
-              <a:t>@import</a:t>
+              <a:t>&lt;</a:t>
             </a:r>
             <a:r>
               <a:rPr lang="en-US" altLang="zh-TW" b="0" dirty="0">
                 <a:solidFill>
-                  <a:srgbClr val="EEFFFF"/>
+                  <a:srgbClr val="F07178"/>
+                </a:solidFill>
+                <a:effectLst/>
+                <a:latin typeface="Consolas" panose="020B0609020204030204" pitchFamily="49" charset="0"/>
+              </a:rPr>
+              <a:t>link</a:t>
+            </a:r>
+            <a:r>
+              <a:rPr lang="en-US" altLang="zh-TW" b="0" dirty="0">
+                <a:solidFill>
+                  <a:srgbClr val="89DDFF"/>
                 </a:solidFill>
                 <a:effectLst/>
                 <a:latin typeface="Consolas" panose="020B0609020204030204" pitchFamily="49" charset="0"/>
@@ -10108,12 +9950,12 @@
             <a:r>
               <a:rPr lang="en-US" altLang="zh-TW" b="0" dirty="0" err="1">
                 <a:solidFill>
-                  <a:srgbClr val="82AAFF"/>
-                </a:solidFill>
-                <a:effectLst/>
-                <a:latin typeface="Consolas" panose="020B0609020204030204" pitchFamily="49" charset="0"/>
-              </a:rPr>
-              <a:t>url</a:t>
+                  <a:srgbClr val="C792EA"/>
+                </a:solidFill>
+                <a:effectLst/>
+                <a:latin typeface="Consolas" panose="020B0609020204030204" pitchFamily="49" charset="0"/>
+              </a:rPr>
+              <a:t>rel</a:t>
             </a:r>
             <a:r>
               <a:rPr lang="en-US" altLang="zh-TW" b="0" dirty="0">
@@ -10123,7 +9965,7 @@
                 <a:effectLst/>
                 <a:latin typeface="Consolas" panose="020B0609020204030204" pitchFamily="49" charset="0"/>
               </a:rPr>
-              <a:t>("</a:t>
+              <a:t>="</a:t>
             </a:r>
             <a:r>
               <a:rPr lang="en-US" altLang="zh-TW" b="0" dirty="0">
@@ -10133,17 +9975,57 @@
                 <a:effectLst/>
                 <a:latin typeface="Consolas" panose="020B0609020204030204" pitchFamily="49" charset="0"/>
               </a:rPr>
-              <a:t>https://fonts.googleapis.com/</a:t>
+              <a:t>stylesheet</a:t>
+            </a:r>
+            <a:r>
+              <a:rPr lang="en-US" altLang="zh-TW" b="0" dirty="0">
+                <a:solidFill>
+                  <a:srgbClr val="89DDFF"/>
+                </a:solidFill>
+                <a:effectLst/>
+                <a:latin typeface="Consolas" panose="020B0609020204030204" pitchFamily="49" charset="0"/>
+              </a:rPr>
+              <a:t>" </a:t>
             </a:r>
             <a:r>
               <a:rPr lang="en-US" altLang="zh-TW" b="0" dirty="0" err="1">
                 <a:solidFill>
+                  <a:srgbClr val="C792EA"/>
+                </a:solidFill>
+                <a:effectLst/>
+                <a:latin typeface="Consolas" panose="020B0609020204030204" pitchFamily="49" charset="0"/>
+              </a:rPr>
+              <a:t>href</a:t>
+            </a:r>
+            <a:r>
+              <a:rPr lang="en-US" altLang="zh-TW" b="0" dirty="0">
+                <a:solidFill>
+                  <a:srgbClr val="89DDFF"/>
+                </a:solidFill>
+                <a:effectLst/>
+                <a:latin typeface="Consolas" panose="020B0609020204030204" pitchFamily="49" charset="0"/>
+              </a:rPr>
+              <a:t>="</a:t>
+            </a:r>
+            <a:r>
+              <a:rPr lang="en-US" altLang="zh-TW" b="0" dirty="0">
+                <a:solidFill>
                   <a:srgbClr val="C3E88D"/>
                 </a:solidFill>
                 <a:effectLst/>
                 <a:latin typeface="Consolas" panose="020B0609020204030204" pitchFamily="49" charset="0"/>
               </a:rPr>
-              <a:t>css?family</a:t>
+              <a:t>/</a:t>
+            </a:r>
+            <a:r>
+              <a:rPr lang="en-US" altLang="zh-TW" b="0" dirty="0" err="1">
+                <a:solidFill>
+                  <a:srgbClr val="C3E88D"/>
+                </a:solidFill>
+                <a:effectLst/>
+                <a:latin typeface="Consolas" panose="020B0609020204030204" pitchFamily="49" charset="0"/>
+              </a:rPr>
+              <a:t>css</a:t>
             </a:r>
             <a:r>
               <a:rPr lang="en-US" altLang="zh-TW" b="0" dirty="0">
@@ -10153,7 +10035,7 @@
                 <a:effectLst/>
                 <a:latin typeface="Consolas" panose="020B0609020204030204" pitchFamily="49" charset="0"/>
               </a:rPr>
-              <a:t>=Source+Sans+Pro:400,400italic,200,200italic</a:t>
+              <a:t>/bio.css</a:t>
             </a:r>
             <a:r>
               <a:rPr lang="en-US" altLang="zh-TW" b="0" dirty="0">
@@ -10163,7 +10045,7 @@
                 <a:effectLst/>
                 <a:latin typeface="Consolas" panose="020B0609020204030204" pitchFamily="49" charset="0"/>
               </a:rPr>
-              <a:t>");</a:t>
+              <a:t>"&gt;</a:t>
             </a:r>
             <a:endParaRPr lang="en-US" altLang="zh-TW" b="0" dirty="0">
               <a:solidFill>
@@ -10173,393 +10055,12 @@
               <a:latin typeface="Consolas" panose="020B0609020204030204" pitchFamily="49" charset="0"/>
             </a:endParaRPr>
           </a:p>
-          <a:p>
-            <a:pPr marL="0" indent="0">
-              <a:buNone/>
-            </a:pPr>
-            <a:br>
-              <a:rPr lang="en-US" altLang="zh-TW" b="0" dirty="0">
-                <a:solidFill>
-                  <a:srgbClr val="EEFFFF"/>
-                </a:solidFill>
-                <a:effectLst/>
-                <a:latin typeface="Consolas" panose="020B0609020204030204" pitchFamily="49" charset="0"/>
-              </a:rPr>
-            </a:br>
-            <a:r>
-              <a:rPr lang="en-US" altLang="zh-TW" b="0" dirty="0">
-                <a:solidFill>
-                  <a:srgbClr val="FFCB6B"/>
-                </a:solidFill>
-                <a:effectLst/>
-                <a:latin typeface="Consolas" panose="020B0609020204030204" pitchFamily="49" charset="0"/>
-              </a:rPr>
-              <a:t>*</a:t>
-            </a:r>
-            <a:r>
-              <a:rPr lang="en-US" altLang="zh-TW" b="0" dirty="0">
-                <a:solidFill>
-                  <a:srgbClr val="EEFFFF"/>
-                </a:solidFill>
-                <a:effectLst/>
-                <a:latin typeface="Consolas" panose="020B0609020204030204" pitchFamily="49" charset="0"/>
-              </a:rPr>
-              <a:t> </a:t>
-            </a:r>
-            <a:r>
-              <a:rPr lang="en-US" altLang="zh-TW" b="0" dirty="0">
-                <a:solidFill>
-                  <a:srgbClr val="89DDFF"/>
-                </a:solidFill>
-                <a:effectLst/>
-                <a:latin typeface="Consolas" panose="020B0609020204030204" pitchFamily="49" charset="0"/>
-              </a:rPr>
-              <a:t>{</a:t>
-            </a:r>
-            <a:endParaRPr lang="en-US" altLang="zh-TW" b="0" dirty="0">
-              <a:solidFill>
-                <a:srgbClr val="EEFFFF"/>
-              </a:solidFill>
-              <a:effectLst/>
-              <a:latin typeface="Consolas" panose="020B0609020204030204" pitchFamily="49" charset="0"/>
-            </a:endParaRPr>
-          </a:p>
-          <a:p>
-            <a:pPr marL="0" indent="0">
-              <a:buNone/>
-            </a:pPr>
-            <a:r>
-              <a:rPr lang="en-US" altLang="zh-TW" b="0" dirty="0">
-                <a:solidFill>
-                  <a:srgbClr val="EEFFFF"/>
-                </a:solidFill>
-                <a:effectLst/>
-                <a:latin typeface="Consolas" panose="020B0609020204030204" pitchFamily="49" charset="0"/>
-              </a:rPr>
-              <a:t>  </a:t>
-            </a:r>
-            <a:r>
-              <a:rPr lang="en-US" altLang="zh-TW" b="0" dirty="0">
-                <a:solidFill>
-                  <a:srgbClr val="B2CCD6"/>
-                </a:solidFill>
-                <a:effectLst/>
-                <a:latin typeface="Consolas" panose="020B0609020204030204" pitchFamily="49" charset="0"/>
-              </a:rPr>
-              <a:t>padding</a:t>
-            </a:r>
-            <a:r>
-              <a:rPr lang="en-US" altLang="zh-TW" b="0" dirty="0">
-                <a:solidFill>
-                  <a:srgbClr val="89DDFF"/>
-                </a:solidFill>
-                <a:effectLst/>
-                <a:latin typeface="Consolas" panose="020B0609020204030204" pitchFamily="49" charset="0"/>
-              </a:rPr>
-              <a:t>:</a:t>
-            </a:r>
-            <a:r>
-              <a:rPr lang="en-US" altLang="zh-TW" b="0" dirty="0">
-                <a:solidFill>
-                  <a:srgbClr val="EEFFFF"/>
-                </a:solidFill>
-                <a:effectLst/>
-                <a:latin typeface="Consolas" panose="020B0609020204030204" pitchFamily="49" charset="0"/>
-              </a:rPr>
-              <a:t> </a:t>
-            </a:r>
-            <a:r>
-              <a:rPr lang="en-US" altLang="zh-TW" b="0" dirty="0">
-                <a:solidFill>
-                  <a:srgbClr val="F78C6C"/>
-                </a:solidFill>
-                <a:effectLst/>
-                <a:latin typeface="Consolas" panose="020B0609020204030204" pitchFamily="49" charset="0"/>
-              </a:rPr>
-              <a:t>0</a:t>
-            </a:r>
-            <a:r>
-              <a:rPr lang="en-US" altLang="zh-TW" b="0" dirty="0">
-                <a:solidFill>
-                  <a:srgbClr val="89DDFF"/>
-                </a:solidFill>
-                <a:effectLst/>
-                <a:latin typeface="Consolas" panose="020B0609020204030204" pitchFamily="49" charset="0"/>
-              </a:rPr>
-              <a:t>;</a:t>
-            </a:r>
-            <a:endParaRPr lang="en-US" altLang="zh-TW" b="0" dirty="0">
-              <a:solidFill>
-                <a:srgbClr val="EEFFFF"/>
-              </a:solidFill>
-              <a:effectLst/>
-              <a:latin typeface="Consolas" panose="020B0609020204030204" pitchFamily="49" charset="0"/>
-            </a:endParaRPr>
-          </a:p>
-          <a:p>
-            <a:pPr marL="0" indent="0">
-              <a:buNone/>
-            </a:pPr>
-            <a:r>
-              <a:rPr lang="en-US" altLang="zh-TW" b="0" dirty="0">
-                <a:solidFill>
-                  <a:srgbClr val="EEFFFF"/>
-                </a:solidFill>
-                <a:effectLst/>
-                <a:latin typeface="Consolas" panose="020B0609020204030204" pitchFamily="49" charset="0"/>
-              </a:rPr>
-              <a:t>  </a:t>
-            </a:r>
-            <a:r>
-              <a:rPr lang="en-US" altLang="zh-TW" b="0" dirty="0">
-                <a:solidFill>
-                  <a:srgbClr val="B2CCD6"/>
-                </a:solidFill>
-                <a:effectLst/>
-                <a:latin typeface="Consolas" panose="020B0609020204030204" pitchFamily="49" charset="0"/>
-              </a:rPr>
-              <a:t>margin</a:t>
-            </a:r>
-            <a:r>
-              <a:rPr lang="en-US" altLang="zh-TW" b="0" dirty="0">
-                <a:solidFill>
-                  <a:srgbClr val="89DDFF"/>
-                </a:solidFill>
-                <a:effectLst/>
-                <a:latin typeface="Consolas" panose="020B0609020204030204" pitchFamily="49" charset="0"/>
-              </a:rPr>
-              <a:t>:</a:t>
-            </a:r>
-            <a:r>
-              <a:rPr lang="en-US" altLang="zh-TW" b="0" dirty="0">
-                <a:solidFill>
-                  <a:srgbClr val="EEFFFF"/>
-                </a:solidFill>
-                <a:effectLst/>
-                <a:latin typeface="Consolas" panose="020B0609020204030204" pitchFamily="49" charset="0"/>
-              </a:rPr>
-              <a:t> </a:t>
-            </a:r>
-            <a:r>
-              <a:rPr lang="en-US" altLang="zh-TW" b="0" dirty="0">
-                <a:solidFill>
-                  <a:srgbClr val="F78C6C"/>
-                </a:solidFill>
-                <a:effectLst/>
-                <a:latin typeface="Consolas" panose="020B0609020204030204" pitchFamily="49" charset="0"/>
-              </a:rPr>
-              <a:t>0</a:t>
-            </a:r>
-            <a:r>
-              <a:rPr lang="en-US" altLang="zh-TW" b="0" dirty="0">
-                <a:solidFill>
-                  <a:srgbClr val="89DDFF"/>
-                </a:solidFill>
-                <a:effectLst/>
-                <a:latin typeface="Consolas" panose="020B0609020204030204" pitchFamily="49" charset="0"/>
-              </a:rPr>
-              <a:t>;</a:t>
-            </a:r>
-            <a:endParaRPr lang="en-US" altLang="zh-TW" b="0" dirty="0">
-              <a:solidFill>
-                <a:srgbClr val="EEFFFF"/>
-              </a:solidFill>
-              <a:effectLst/>
-              <a:latin typeface="Consolas" panose="020B0609020204030204" pitchFamily="49" charset="0"/>
-            </a:endParaRPr>
-          </a:p>
-          <a:p>
-            <a:pPr marL="0" indent="0">
-              <a:buNone/>
-            </a:pPr>
-            <a:r>
-              <a:rPr lang="en-US" altLang="zh-TW" b="0" dirty="0">
-                <a:solidFill>
-                  <a:srgbClr val="EEFFFF"/>
-                </a:solidFill>
-                <a:effectLst/>
-                <a:latin typeface="Consolas" panose="020B0609020204030204" pitchFamily="49" charset="0"/>
-              </a:rPr>
-              <a:t>  </a:t>
-            </a:r>
-            <a:r>
-              <a:rPr lang="en-US" altLang="zh-TW" b="0" dirty="0">
-                <a:solidFill>
-                  <a:srgbClr val="B2CCD6"/>
-                </a:solidFill>
-                <a:effectLst/>
-                <a:latin typeface="Consolas" panose="020B0609020204030204" pitchFamily="49" charset="0"/>
-              </a:rPr>
-              <a:t>box-sizing</a:t>
-            </a:r>
-            <a:r>
-              <a:rPr lang="en-US" altLang="zh-TW" b="0" dirty="0">
-                <a:solidFill>
-                  <a:srgbClr val="89DDFF"/>
-                </a:solidFill>
-                <a:effectLst/>
-                <a:latin typeface="Consolas" panose="020B0609020204030204" pitchFamily="49" charset="0"/>
-              </a:rPr>
-              <a:t>:</a:t>
-            </a:r>
-            <a:r>
-              <a:rPr lang="en-US" altLang="zh-TW" b="0" dirty="0">
-                <a:solidFill>
-                  <a:srgbClr val="EEFFFF"/>
-                </a:solidFill>
-                <a:effectLst/>
-                <a:latin typeface="Consolas" panose="020B0609020204030204" pitchFamily="49" charset="0"/>
-              </a:rPr>
-              <a:t> border-box</a:t>
-            </a:r>
-            <a:r>
-              <a:rPr lang="en-US" altLang="zh-TW" b="0" dirty="0">
-                <a:solidFill>
-                  <a:srgbClr val="89DDFF"/>
-                </a:solidFill>
-                <a:effectLst/>
-                <a:latin typeface="Consolas" panose="020B0609020204030204" pitchFamily="49" charset="0"/>
-              </a:rPr>
-              <a:t>;</a:t>
-            </a:r>
-            <a:endParaRPr lang="en-US" altLang="zh-TW" b="0" dirty="0">
-              <a:solidFill>
-                <a:srgbClr val="EEFFFF"/>
-              </a:solidFill>
-              <a:effectLst/>
-              <a:latin typeface="Consolas" panose="020B0609020204030204" pitchFamily="49" charset="0"/>
-            </a:endParaRPr>
-          </a:p>
-          <a:p>
-            <a:pPr marL="0" indent="0">
-              <a:buNone/>
-            </a:pPr>
-            <a:r>
-              <a:rPr lang="en-US" altLang="zh-TW" b="0" dirty="0">
-                <a:solidFill>
-                  <a:srgbClr val="EEFFFF"/>
-                </a:solidFill>
-                <a:effectLst/>
-                <a:latin typeface="Consolas" panose="020B0609020204030204" pitchFamily="49" charset="0"/>
-              </a:rPr>
-              <a:t>  </a:t>
-            </a:r>
-            <a:r>
-              <a:rPr lang="en-US" altLang="zh-TW" b="0" dirty="0">
-                <a:solidFill>
-                  <a:srgbClr val="B2CCD6"/>
-                </a:solidFill>
-                <a:effectLst/>
-                <a:latin typeface="Consolas" panose="020B0609020204030204" pitchFamily="49" charset="0"/>
-              </a:rPr>
-              <a:t>font-family</a:t>
-            </a:r>
-            <a:r>
-              <a:rPr lang="en-US" altLang="zh-TW" b="0" dirty="0">
-                <a:solidFill>
-                  <a:srgbClr val="89DDFF"/>
-                </a:solidFill>
-                <a:effectLst/>
-                <a:latin typeface="Consolas" panose="020B0609020204030204" pitchFamily="49" charset="0"/>
-              </a:rPr>
-              <a:t>:</a:t>
-            </a:r>
-            <a:r>
-              <a:rPr lang="en-US" altLang="zh-TW" b="0" dirty="0">
-                <a:solidFill>
-                  <a:srgbClr val="EEFFFF"/>
-                </a:solidFill>
-                <a:effectLst/>
-                <a:latin typeface="Consolas" panose="020B0609020204030204" pitchFamily="49" charset="0"/>
-              </a:rPr>
-              <a:t> </a:t>
-            </a:r>
-            <a:r>
-              <a:rPr lang="en-US" altLang="zh-TW" b="0" dirty="0">
-                <a:solidFill>
-                  <a:srgbClr val="89DDFF"/>
-                </a:solidFill>
-                <a:effectLst/>
-                <a:latin typeface="Consolas" panose="020B0609020204030204" pitchFamily="49" charset="0"/>
-              </a:rPr>
-              <a:t>"</a:t>
-            </a:r>
-            <a:r>
-              <a:rPr lang="en-US" altLang="zh-TW" b="0" dirty="0">
-                <a:solidFill>
-                  <a:srgbClr val="C3E88D"/>
-                </a:solidFill>
-                <a:effectLst/>
-                <a:latin typeface="Consolas" panose="020B0609020204030204" pitchFamily="49" charset="0"/>
-              </a:rPr>
-              <a:t>Source Sans Pro</a:t>
-            </a:r>
-            <a:r>
-              <a:rPr lang="en-US" altLang="zh-TW" b="0" dirty="0">
-                <a:solidFill>
-                  <a:srgbClr val="89DDFF"/>
-                </a:solidFill>
-                <a:effectLst/>
-                <a:latin typeface="Consolas" panose="020B0609020204030204" pitchFamily="49" charset="0"/>
-              </a:rPr>
-              <a:t>",</a:t>
-            </a:r>
-            <a:r>
-              <a:rPr lang="en-US" altLang="zh-TW" b="0" dirty="0">
-                <a:solidFill>
-                  <a:srgbClr val="EEFFFF"/>
-                </a:solidFill>
-                <a:effectLst/>
-                <a:latin typeface="Consolas" panose="020B0609020204030204" pitchFamily="49" charset="0"/>
-              </a:rPr>
-              <a:t> sans-serif</a:t>
-            </a:r>
-            <a:r>
-              <a:rPr lang="en-US" altLang="zh-TW" b="0" dirty="0">
-                <a:solidFill>
-                  <a:srgbClr val="89DDFF"/>
-                </a:solidFill>
-                <a:effectLst/>
-                <a:latin typeface="Consolas" panose="020B0609020204030204" pitchFamily="49" charset="0"/>
-              </a:rPr>
-              <a:t>;</a:t>
-            </a:r>
-            <a:endParaRPr lang="en-US" altLang="zh-TW" b="0" dirty="0">
-              <a:solidFill>
-                <a:srgbClr val="EEFFFF"/>
-              </a:solidFill>
-              <a:effectLst/>
-              <a:latin typeface="Consolas" panose="020B0609020204030204" pitchFamily="49" charset="0"/>
-            </a:endParaRPr>
-          </a:p>
-          <a:p>
-            <a:pPr marL="0" indent="0">
-              <a:buNone/>
-            </a:pPr>
-            <a:r>
-              <a:rPr lang="en-US" altLang="zh-TW" b="0" dirty="0">
-                <a:solidFill>
-                  <a:srgbClr val="89DDFF"/>
-                </a:solidFill>
-                <a:effectLst/>
-                <a:latin typeface="Consolas" panose="020B0609020204030204" pitchFamily="49" charset="0"/>
-              </a:rPr>
-              <a:t>}</a:t>
-            </a:r>
-            <a:endParaRPr lang="en-US" altLang="zh-TW" b="0" dirty="0">
-              <a:solidFill>
-                <a:srgbClr val="EEFFFF"/>
-              </a:solidFill>
-              <a:effectLst/>
-              <a:latin typeface="Consolas" panose="020B0609020204030204" pitchFamily="49" charset="0"/>
-            </a:endParaRPr>
-          </a:p>
         </p:txBody>
       </p:sp>
     </p:spTree>
     <p:extLst>
       <p:ext uri="{BB962C8B-B14F-4D97-AF65-F5344CB8AC3E}">
-        <p14:creationId xmlns:p14="http://schemas.microsoft.com/office/powerpoint/2010/main" val="1639711881"/>
+        <p14:creationId xmlns:p14="http://schemas.microsoft.com/office/powerpoint/2010/main" val="2122202658"/>
       </p:ext>
     </p:extLst>
   </p:cSld>
@@ -10586,472 +10087,546 @@
           <a:chExt cx="0" cy="0"/>
         </a:xfrm>
       </p:grpSpPr>
-      <p:pic>
-        <p:nvPicPr>
-          <p:cNvPr id="3" name="Picture 2">
+      <p:sp>
+        <p:nvSpPr>
+          <p:cNvPr id="2" name="標題 1">
             <a:extLst>
               <a:ext uri="{FF2B5EF4-FFF2-40B4-BE49-F238E27FC236}">
-                <a16:creationId xmlns:a16="http://schemas.microsoft.com/office/drawing/2014/main" id="{EF91D1C3-CB00-46F6-8136-096CF9A9B94C}"/>
+                <a16:creationId xmlns:a16="http://schemas.microsoft.com/office/drawing/2014/main" id="{49D27A93-E7EB-40B4-B7B3-D37A141B3F28}"/>
               </a:ext>
             </a:extLst>
           </p:cNvPr>
-          <p:cNvPicPr>
-            <a:picLocks noChangeAspect="1" noChangeArrowheads="1"/>
-          </p:cNvPicPr>
-          <p:nvPr/>
-        </p:nvPicPr>
-        <p:blipFill>
-          <a:blip r:embed="rId2">
-            <a:extLst>
-              <a:ext uri="{28A0092B-C50C-407E-A947-70E740481C1C}">
-                <a14:useLocalDpi xmlns:a14="http://schemas.microsoft.com/office/drawing/2010/main" val="0"/>
-              </a:ext>
-            </a:extLst>
-          </a:blip>
-          <a:srcRect/>
-          <a:stretch>
-            <a:fillRect/>
-          </a:stretch>
-        </p:blipFill>
-        <p:spPr bwMode="auto">
-          <a:xfrm>
-            <a:off x="1014232" y="779058"/>
-            <a:ext cx="10848975" cy="1657350"/>
-          </a:xfrm>
-          <a:prstGeom prst="rect">
-            <a:avLst/>
-          </a:prstGeom>
-          <a:noFill/>
-          <a:extLst>
-            <a:ext uri="{909E8E84-426E-40DD-AFC4-6F175D3DCCD1}">
-              <a14:hiddenFill xmlns:a14="http://schemas.microsoft.com/office/drawing/2010/main">
-                <a:solidFill>
-                  <a:srgbClr val="FFFFFF"/>
-                </a:solidFill>
-              </a14:hiddenFill>
-            </a:ext>
-          </a:extLst>
-        </p:spPr>
-      </p:pic>
-      <p:pic>
-        <p:nvPicPr>
-          <p:cNvPr id="4" name="Picture 4">
+          <p:cNvSpPr>
+            <a:spLocks noGrp="1"/>
+          </p:cNvSpPr>
+          <p:nvPr>
+            <p:ph type="title"/>
+          </p:nvPr>
+        </p:nvSpPr>
+        <p:spPr/>
+        <p:txBody>
+          <a:bodyPr/>
+          <a:lstStyle/>
+          <a:p>
+            <a:r>
+              <a:rPr lang="zh-TW" altLang="en-US" dirty="0"/>
+              <a:t>初始化、加入字體</a:t>
+            </a:r>
+          </a:p>
+        </p:txBody>
+      </p:sp>
+      <p:sp>
+        <p:nvSpPr>
+          <p:cNvPr id="3" name="內容版面配置區 2">
             <a:extLst>
               <a:ext uri="{FF2B5EF4-FFF2-40B4-BE49-F238E27FC236}">
-                <a16:creationId xmlns:a16="http://schemas.microsoft.com/office/drawing/2014/main" id="{947171CF-2ECC-4631-B8DC-29F9FDC3B5CD}"/>
+                <a16:creationId xmlns:a16="http://schemas.microsoft.com/office/drawing/2014/main" id="{3F9A62E9-79BE-4593-A94B-A2E54B645538}"/>
               </a:ext>
             </a:extLst>
           </p:cNvPr>
-          <p:cNvPicPr>
-            <a:picLocks noChangeAspect="1" noChangeArrowheads="1"/>
-          </p:cNvPicPr>
-          <p:nvPr/>
-        </p:nvPicPr>
-        <p:blipFill>
-          <a:blip r:embed="rId3">
-            <a:extLst>
-              <a:ext uri="{28A0092B-C50C-407E-A947-70E740481C1C}">
-                <a14:useLocalDpi xmlns:a14="http://schemas.microsoft.com/office/drawing/2010/main" val="0"/>
-              </a:ext>
-            </a:extLst>
-          </a:blip>
-          <a:srcRect/>
-          <a:stretch>
-            <a:fillRect/>
-          </a:stretch>
-        </p:blipFill>
-        <p:spPr bwMode="auto">
-          <a:xfrm>
-            <a:off x="1014232" y="2805740"/>
-            <a:ext cx="10925175" cy="1447800"/>
-          </a:xfrm>
-          <a:prstGeom prst="rect">
-            <a:avLst/>
-          </a:prstGeom>
-          <a:noFill/>
-          <a:extLst>
-            <a:ext uri="{909E8E84-426E-40DD-AFC4-6F175D3DCCD1}">
-              <a14:hiddenFill xmlns:a14="http://schemas.microsoft.com/office/drawing/2010/main">
-                <a:solidFill>
-                  <a:srgbClr val="FFFFFF"/>
-                </a:solidFill>
-              </a14:hiddenFill>
-            </a:ext>
-          </a:extLst>
-        </p:spPr>
-      </p:pic>
-      <p:sp>
-        <p:nvSpPr>
-          <p:cNvPr id="5" name="文字方塊 4">
-            <a:extLst>
-              <a:ext uri="{FF2B5EF4-FFF2-40B4-BE49-F238E27FC236}">
-                <a16:creationId xmlns:a16="http://schemas.microsoft.com/office/drawing/2014/main" id="{B16562CF-3075-4C1A-8CC8-199F962852AB}"/>
-              </a:ext>
-            </a:extLst>
-          </p:cNvPr>
-          <p:cNvSpPr txBox="1"/>
-          <p:nvPr/>
+          <p:cNvSpPr>
+            <a:spLocks noGrp="1"/>
+          </p:cNvSpPr>
+          <p:nvPr>
+            <p:ph idx="1"/>
+          </p:nvPr>
         </p:nvSpPr>
         <p:spPr>
           <a:xfrm>
-            <a:off x="1014232" y="4312073"/>
-            <a:ext cx="7377414" cy="369332"/>
+            <a:off x="1371599" y="1758462"/>
+            <a:ext cx="10000695" cy="3581400"/>
           </a:xfrm>
-          <a:prstGeom prst="rect">
-            <a:avLst/>
-          </a:prstGeom>
-          <a:noFill/>
         </p:spPr>
         <p:txBody>
-          <a:bodyPr wrap="square">
-            <a:spAutoFit/>
+          <a:bodyPr>
+            <a:normAutofit lnSpcReduction="10000"/>
           </a:bodyPr>
           <a:lstStyle/>
           <a:p>
-            <a:r>
-              <a:rPr lang="en-US" altLang="zh-TW" b="0" i="0" dirty="0">
-                <a:solidFill>
-                  <a:srgbClr val="34495E"/>
-                </a:solidFill>
-                <a:effectLst/>
-                <a:latin typeface="Source Sans Pro" panose="020B0503030403020204" pitchFamily="34" charset="0"/>
-              </a:rPr>
-              <a:t>view height</a:t>
-            </a:r>
-            <a:r>
-              <a:rPr lang="zh-TW" altLang="en-US" dirty="0">
-                <a:solidFill>
-                  <a:srgbClr val="34495E"/>
-                </a:solidFill>
-                <a:latin typeface="Source Sans Pro" panose="020B0503030403020204" pitchFamily="34" charset="0"/>
-              </a:rPr>
-              <a:t> </a:t>
-            </a:r>
-            <a:r>
-              <a:rPr lang="zh-TW" altLang="en-US" b="1" i="0" dirty="0">
-                <a:solidFill>
-                  <a:srgbClr val="34495E"/>
-                </a:solidFill>
-                <a:effectLst/>
-                <a:latin typeface="Source Sans Pro" panose="020B0503030403020204" pitchFamily="34" charset="0"/>
-              </a:rPr>
-              <a:t>螢幕可視範圍</a:t>
-            </a:r>
-            <a:r>
-              <a:rPr lang="zh-TW" altLang="en-US" b="0" i="0" dirty="0">
-                <a:solidFill>
-                  <a:srgbClr val="34495E"/>
-                </a:solidFill>
-                <a:effectLst/>
-                <a:latin typeface="Source Sans Pro" panose="020B0503030403020204" pitchFamily="34" charset="0"/>
-              </a:rPr>
-              <a:t>高度的百分比，隨著瀏覽器的縮放而改變</a:t>
-            </a:r>
-            <a:endParaRPr lang="zh-TW" altLang="en-US" dirty="0"/>
-          </a:p>
-        </p:txBody>
-      </p:sp>
-      <p:pic>
-        <p:nvPicPr>
-          <p:cNvPr id="6" name="Picture 6">
-            <a:extLst>
-              <a:ext uri="{FF2B5EF4-FFF2-40B4-BE49-F238E27FC236}">
-                <a16:creationId xmlns:a16="http://schemas.microsoft.com/office/drawing/2014/main" id="{68021EC0-6909-463E-AC72-790028FE1FE3}"/>
-              </a:ext>
-            </a:extLst>
-          </p:cNvPr>
-          <p:cNvPicPr>
-            <a:picLocks noChangeAspect="1" noChangeArrowheads="1"/>
-          </p:cNvPicPr>
-          <p:nvPr/>
-        </p:nvPicPr>
-        <p:blipFill>
-          <a:blip r:embed="rId4">
-            <a:extLst>
-              <a:ext uri="{28A0092B-C50C-407E-A947-70E740481C1C}">
-                <a14:useLocalDpi xmlns:a14="http://schemas.microsoft.com/office/drawing/2010/main" val="0"/>
-              </a:ext>
-            </a:extLst>
-          </a:blip>
-          <a:srcRect/>
-          <a:stretch>
-            <a:fillRect/>
-          </a:stretch>
-        </p:blipFill>
-        <p:spPr bwMode="auto">
-          <a:xfrm>
-            <a:off x="1014232" y="4681405"/>
-            <a:ext cx="8343900" cy="1762125"/>
-          </a:xfrm>
-          <a:prstGeom prst="rect">
-            <a:avLst/>
-          </a:prstGeom>
-          <a:noFill/>
-          <a:extLst>
-            <a:ext uri="{909E8E84-426E-40DD-AFC4-6F175D3DCCD1}">
-              <a14:hiddenFill xmlns:a14="http://schemas.microsoft.com/office/drawing/2010/main">
-                <a:solidFill>
-                  <a:srgbClr val="FFFFFF"/>
-                </a:solidFill>
-              </a14:hiddenFill>
-            </a:ext>
-          </a:extLst>
-        </p:spPr>
-      </p:pic>
-      <p:sp>
-        <p:nvSpPr>
-          <p:cNvPr id="7" name="文字方塊 6">
-            <a:extLst>
-              <a:ext uri="{FF2B5EF4-FFF2-40B4-BE49-F238E27FC236}">
-                <a16:creationId xmlns:a16="http://schemas.microsoft.com/office/drawing/2014/main" id="{36FF61C0-7089-44B3-8CBA-EFDF83BC0E09}"/>
-              </a:ext>
-            </a:extLst>
-          </p:cNvPr>
-          <p:cNvSpPr txBox="1"/>
-          <p:nvPr/>
-        </p:nvSpPr>
-        <p:spPr>
-          <a:xfrm>
-            <a:off x="1014232" y="2436408"/>
-            <a:ext cx="7377414" cy="400110"/>
-          </a:xfrm>
-          <a:prstGeom prst="rect">
-            <a:avLst/>
-          </a:prstGeom>
-          <a:noFill/>
-        </p:spPr>
-        <p:txBody>
-          <a:bodyPr wrap="square">
-            <a:spAutoFit/>
-          </a:bodyPr>
-          <a:lstStyle/>
-          <a:p>
-            <a:r>
-              <a:rPr lang="en-US" altLang="zh-TW" sz="2000" b="1" dirty="0">
-                <a:solidFill>
-                  <a:schemeClr val="accent6">
-                    <a:lumMod val="75000"/>
-                  </a:schemeClr>
-                </a:solidFill>
-              </a:rPr>
-              <a:t>%</a:t>
-            </a:r>
-            <a:r>
-              <a:rPr lang="zh-TW" altLang="en-US" sz="2000" b="1" dirty="0">
-                <a:solidFill>
-                  <a:schemeClr val="accent6">
-                    <a:lumMod val="75000"/>
-                  </a:schemeClr>
-                </a:solidFill>
-              </a:rPr>
-              <a:t> </a:t>
-            </a:r>
-            <a:r>
-              <a:rPr lang="zh-TW" altLang="en-US" sz="2000" b="1" dirty="0"/>
-              <a:t>沒有內容時，不會顯示，隨著瀏覽器縮放</a:t>
-            </a:r>
-          </a:p>
-        </p:txBody>
-      </p:sp>
-      <p:sp>
-        <p:nvSpPr>
-          <p:cNvPr id="8" name="文字方塊 7">
-            <a:extLst>
-              <a:ext uri="{FF2B5EF4-FFF2-40B4-BE49-F238E27FC236}">
-                <a16:creationId xmlns:a16="http://schemas.microsoft.com/office/drawing/2014/main" id="{4F3CA452-8763-417E-B96E-D59B19437DB8}"/>
-              </a:ext>
-            </a:extLst>
-          </p:cNvPr>
-          <p:cNvSpPr txBox="1"/>
-          <p:nvPr/>
-        </p:nvSpPr>
-        <p:spPr>
-          <a:xfrm>
-            <a:off x="1014232" y="362721"/>
-            <a:ext cx="7377414" cy="707886"/>
-          </a:xfrm>
-          <a:prstGeom prst="rect">
-            <a:avLst/>
-          </a:prstGeom>
-          <a:noFill/>
-        </p:spPr>
-        <p:txBody>
-          <a:bodyPr wrap="square">
-            <a:spAutoFit/>
-          </a:bodyPr>
-          <a:lstStyle/>
-          <a:p>
-            <a:r>
-              <a:rPr lang="en-US" altLang="zh-TW" sz="2000" b="1" dirty="0">
-                <a:solidFill>
-                  <a:schemeClr val="accent6">
-                    <a:lumMod val="75000"/>
-                  </a:schemeClr>
-                </a:solidFill>
-              </a:rPr>
-              <a:t>Px</a:t>
-            </a:r>
-            <a:r>
-              <a:rPr lang="zh-TW" altLang="en-US" sz="2000" b="1" dirty="0">
-                <a:solidFill>
-                  <a:schemeClr val="accent6">
-                    <a:lumMod val="75000"/>
-                  </a:schemeClr>
-                </a:solidFill>
-              </a:rPr>
-              <a:t> </a:t>
-            </a:r>
-            <a:r>
-              <a:rPr lang="zh-TW" altLang="en-US" sz="2000" b="1" dirty="0"/>
-              <a:t>固定大小，不隨瀏覽器縮放</a:t>
-            </a:r>
-            <a:endParaRPr lang="en-US" altLang="zh-TW" sz="2000" b="1" dirty="0"/>
-          </a:p>
-          <a:p>
-            <a:endParaRPr lang="zh-TW" altLang="en-US" sz="2000" b="1" dirty="0"/>
-          </a:p>
-        </p:txBody>
-      </p:sp>
-      <p:pic>
-        <p:nvPicPr>
-          <p:cNvPr id="9" name="Picture 8" descr="Here is an image to make it more clear">
-            <a:extLst>
-              <a:ext uri="{FF2B5EF4-FFF2-40B4-BE49-F238E27FC236}">
-                <a16:creationId xmlns:a16="http://schemas.microsoft.com/office/drawing/2014/main" id="{F4609D1C-6D0C-4DE4-8CD9-64930D1F7EBC}"/>
-              </a:ext>
-            </a:extLst>
-          </p:cNvPr>
-          <p:cNvPicPr>
-            <a:picLocks noChangeAspect="1" noChangeArrowheads="1"/>
-          </p:cNvPicPr>
-          <p:nvPr/>
-        </p:nvPicPr>
-        <p:blipFill>
-          <a:blip r:embed="rId5">
-            <a:extLst>
-              <a:ext uri="{28A0092B-C50C-407E-A947-70E740481C1C}">
-                <a14:useLocalDpi xmlns:a14="http://schemas.microsoft.com/office/drawing/2010/main" val="0"/>
-              </a:ext>
-            </a:extLst>
-          </a:blip>
-          <a:srcRect/>
-          <a:stretch>
-            <a:fillRect/>
-          </a:stretch>
-        </p:blipFill>
-        <p:spPr bwMode="auto">
-          <a:xfrm>
-            <a:off x="8017398" y="2709338"/>
-            <a:ext cx="3845809" cy="2985962"/>
-          </a:xfrm>
-          <a:prstGeom prst="rect">
-            <a:avLst/>
-          </a:prstGeom>
-          <a:noFill/>
-          <a:extLst>
-            <a:ext uri="{909E8E84-426E-40DD-AFC4-6F175D3DCCD1}">
-              <a14:hiddenFill xmlns:a14="http://schemas.microsoft.com/office/drawing/2010/main">
-                <a:solidFill>
-                  <a:srgbClr val="FFFFFF"/>
-                </a:solidFill>
-              </a14:hiddenFill>
-            </a:ext>
-          </a:extLst>
-        </p:spPr>
-      </p:pic>
+            <a:pPr marL="0" indent="0">
+              <a:buNone/>
+            </a:pPr>
+            <a:r>
+              <a:rPr lang="en-US" altLang="zh-TW" b="0" i="1" dirty="0">
+                <a:solidFill>
+                  <a:srgbClr val="89DDFF"/>
+                </a:solidFill>
+                <a:effectLst/>
+                <a:latin typeface="Consolas" panose="020B0609020204030204" pitchFamily="49" charset="0"/>
+              </a:rPr>
+              <a:t>@import</a:t>
+            </a:r>
+            <a:r>
+              <a:rPr lang="en-US" altLang="zh-TW" b="0" dirty="0">
+                <a:solidFill>
+                  <a:srgbClr val="EEFFFF"/>
+                </a:solidFill>
+                <a:effectLst/>
+                <a:latin typeface="Consolas" panose="020B0609020204030204" pitchFamily="49" charset="0"/>
+              </a:rPr>
+              <a:t> </a:t>
+            </a:r>
+            <a:r>
+              <a:rPr lang="en-US" altLang="zh-TW" b="0" dirty="0" err="1">
+                <a:solidFill>
+                  <a:srgbClr val="82AAFF"/>
+                </a:solidFill>
+                <a:effectLst/>
+                <a:latin typeface="Consolas" panose="020B0609020204030204" pitchFamily="49" charset="0"/>
+              </a:rPr>
+              <a:t>url</a:t>
+            </a:r>
+            <a:r>
+              <a:rPr lang="en-US" altLang="zh-TW" b="0" dirty="0">
+                <a:solidFill>
+                  <a:srgbClr val="89DDFF"/>
+                </a:solidFill>
+                <a:effectLst/>
+                <a:latin typeface="Consolas" panose="020B0609020204030204" pitchFamily="49" charset="0"/>
+              </a:rPr>
+              <a:t>("</a:t>
+            </a:r>
+            <a:r>
+              <a:rPr lang="en-US" altLang="zh-TW" b="0" dirty="0">
+                <a:solidFill>
+                  <a:srgbClr val="C3E88D"/>
+                </a:solidFill>
+                <a:effectLst/>
+                <a:latin typeface="Consolas" panose="020B0609020204030204" pitchFamily="49" charset="0"/>
+              </a:rPr>
+              <a:t>https://fonts.googleapis.com/</a:t>
+            </a:r>
+            <a:r>
+              <a:rPr lang="en-US" altLang="zh-TW" b="0" dirty="0" err="1">
+                <a:solidFill>
+                  <a:srgbClr val="C3E88D"/>
+                </a:solidFill>
+                <a:effectLst/>
+                <a:latin typeface="Consolas" panose="020B0609020204030204" pitchFamily="49" charset="0"/>
+              </a:rPr>
+              <a:t>css?family</a:t>
+            </a:r>
+            <a:r>
+              <a:rPr lang="en-US" altLang="zh-TW" b="0" dirty="0">
+                <a:solidFill>
+                  <a:srgbClr val="C3E88D"/>
+                </a:solidFill>
+                <a:effectLst/>
+                <a:latin typeface="Consolas" panose="020B0609020204030204" pitchFamily="49" charset="0"/>
+              </a:rPr>
+              <a:t>=Source+Sans+Pro:400,400italic,200,200italic</a:t>
+            </a:r>
+            <a:r>
+              <a:rPr lang="en-US" altLang="zh-TW" b="0" dirty="0">
+                <a:solidFill>
+                  <a:srgbClr val="89DDFF"/>
+                </a:solidFill>
+                <a:effectLst/>
+                <a:latin typeface="Consolas" panose="020B0609020204030204" pitchFamily="49" charset="0"/>
+              </a:rPr>
+              <a:t>");</a:t>
+            </a:r>
+            <a:endParaRPr lang="en-US" altLang="zh-TW" b="0" dirty="0">
+              <a:solidFill>
+                <a:srgbClr val="EEFFFF"/>
+              </a:solidFill>
+              <a:effectLst/>
+              <a:latin typeface="Consolas" panose="020B0609020204030204" pitchFamily="49" charset="0"/>
+            </a:endParaRPr>
+          </a:p>
+          <a:p>
+            <a:pPr marL="0" indent="0">
+              <a:buNone/>
+            </a:pPr>
+            <a:br>
+              <a:rPr lang="en-US" altLang="zh-TW" b="0" dirty="0">
+                <a:solidFill>
+                  <a:srgbClr val="EEFFFF"/>
+                </a:solidFill>
+                <a:effectLst/>
+                <a:latin typeface="Consolas" panose="020B0609020204030204" pitchFamily="49" charset="0"/>
+              </a:rPr>
+            </a:br>
+            <a:r>
+              <a:rPr lang="en-US" altLang="zh-TW" b="0" dirty="0">
+                <a:solidFill>
+                  <a:srgbClr val="FFCB6B"/>
+                </a:solidFill>
+                <a:effectLst/>
+                <a:latin typeface="Consolas" panose="020B0609020204030204" pitchFamily="49" charset="0"/>
+              </a:rPr>
+              <a:t>*</a:t>
+            </a:r>
+            <a:r>
+              <a:rPr lang="en-US" altLang="zh-TW" b="0" dirty="0">
+                <a:solidFill>
+                  <a:srgbClr val="EEFFFF"/>
+                </a:solidFill>
+                <a:effectLst/>
+                <a:latin typeface="Consolas" panose="020B0609020204030204" pitchFamily="49" charset="0"/>
+              </a:rPr>
+              <a:t> </a:t>
+            </a:r>
+            <a:r>
+              <a:rPr lang="en-US" altLang="zh-TW" b="0" dirty="0">
+                <a:solidFill>
+                  <a:srgbClr val="89DDFF"/>
+                </a:solidFill>
+                <a:effectLst/>
+                <a:latin typeface="Consolas" panose="020B0609020204030204" pitchFamily="49" charset="0"/>
+              </a:rPr>
+              <a:t>{</a:t>
+            </a:r>
+            <a:endParaRPr lang="en-US" altLang="zh-TW" b="0" dirty="0">
+              <a:solidFill>
+                <a:srgbClr val="EEFFFF"/>
+              </a:solidFill>
+              <a:effectLst/>
+              <a:latin typeface="Consolas" panose="020B0609020204030204" pitchFamily="49" charset="0"/>
+            </a:endParaRPr>
+          </a:p>
+          <a:p>
+            <a:pPr marL="0" indent="0">
+              <a:buNone/>
+            </a:pPr>
+            <a:r>
+              <a:rPr lang="en-US" altLang="zh-TW" b="0" dirty="0">
+                <a:solidFill>
+                  <a:srgbClr val="EEFFFF"/>
+                </a:solidFill>
+                <a:effectLst/>
+                <a:latin typeface="Consolas" panose="020B0609020204030204" pitchFamily="49" charset="0"/>
+              </a:rPr>
+              <a:t>  </a:t>
+            </a:r>
+            <a:r>
+              <a:rPr lang="en-US" altLang="zh-TW" b="0" dirty="0">
+                <a:solidFill>
+                  <a:srgbClr val="B2CCD6"/>
+                </a:solidFill>
+                <a:effectLst/>
+                <a:latin typeface="Consolas" panose="020B0609020204030204" pitchFamily="49" charset="0"/>
+              </a:rPr>
+              <a:t>padding</a:t>
+            </a:r>
+            <a:r>
+              <a:rPr lang="en-US" altLang="zh-TW" b="0" dirty="0">
+                <a:solidFill>
+                  <a:srgbClr val="89DDFF"/>
+                </a:solidFill>
+                <a:effectLst/>
+                <a:latin typeface="Consolas" panose="020B0609020204030204" pitchFamily="49" charset="0"/>
+              </a:rPr>
+              <a:t>:</a:t>
+            </a:r>
+            <a:r>
+              <a:rPr lang="en-US" altLang="zh-TW" b="0" dirty="0">
+                <a:solidFill>
+                  <a:srgbClr val="EEFFFF"/>
+                </a:solidFill>
+                <a:effectLst/>
+                <a:latin typeface="Consolas" panose="020B0609020204030204" pitchFamily="49" charset="0"/>
+              </a:rPr>
+              <a:t> </a:t>
+            </a:r>
+            <a:r>
+              <a:rPr lang="en-US" altLang="zh-TW" b="0" dirty="0">
+                <a:solidFill>
+                  <a:srgbClr val="F78C6C"/>
+                </a:solidFill>
+                <a:effectLst/>
+                <a:latin typeface="Consolas" panose="020B0609020204030204" pitchFamily="49" charset="0"/>
+              </a:rPr>
+              <a:t>0</a:t>
+            </a:r>
+            <a:r>
+              <a:rPr lang="en-US" altLang="zh-TW" b="0" dirty="0">
+                <a:solidFill>
+                  <a:srgbClr val="89DDFF"/>
+                </a:solidFill>
+                <a:effectLst/>
+                <a:latin typeface="Consolas" panose="020B0609020204030204" pitchFamily="49" charset="0"/>
+              </a:rPr>
+              <a:t>;</a:t>
+            </a:r>
+            <a:endParaRPr lang="en-US" altLang="zh-TW" b="0" dirty="0">
+              <a:solidFill>
+                <a:srgbClr val="EEFFFF"/>
+              </a:solidFill>
+              <a:effectLst/>
+              <a:latin typeface="Consolas" panose="020B0609020204030204" pitchFamily="49" charset="0"/>
+            </a:endParaRPr>
+          </a:p>
+          <a:p>
+            <a:pPr marL="0" indent="0">
+              <a:buNone/>
+            </a:pPr>
+            <a:r>
+              <a:rPr lang="en-US" altLang="zh-TW" b="0" dirty="0">
+                <a:solidFill>
+                  <a:srgbClr val="EEFFFF"/>
+                </a:solidFill>
+                <a:effectLst/>
+                <a:latin typeface="Consolas" panose="020B0609020204030204" pitchFamily="49" charset="0"/>
+              </a:rPr>
+              <a:t>  </a:t>
+            </a:r>
+            <a:r>
+              <a:rPr lang="en-US" altLang="zh-TW" b="0" dirty="0">
+                <a:solidFill>
+                  <a:srgbClr val="B2CCD6"/>
+                </a:solidFill>
+                <a:effectLst/>
+                <a:latin typeface="Consolas" panose="020B0609020204030204" pitchFamily="49" charset="0"/>
+              </a:rPr>
+              <a:t>margin</a:t>
+            </a:r>
+            <a:r>
+              <a:rPr lang="en-US" altLang="zh-TW" b="0" dirty="0">
+                <a:solidFill>
+                  <a:srgbClr val="89DDFF"/>
+                </a:solidFill>
+                <a:effectLst/>
+                <a:latin typeface="Consolas" panose="020B0609020204030204" pitchFamily="49" charset="0"/>
+              </a:rPr>
+              <a:t>:</a:t>
+            </a:r>
+            <a:r>
+              <a:rPr lang="en-US" altLang="zh-TW" b="0" dirty="0">
+                <a:solidFill>
+                  <a:srgbClr val="EEFFFF"/>
+                </a:solidFill>
+                <a:effectLst/>
+                <a:latin typeface="Consolas" panose="020B0609020204030204" pitchFamily="49" charset="0"/>
+              </a:rPr>
+              <a:t> </a:t>
+            </a:r>
+            <a:r>
+              <a:rPr lang="en-US" altLang="zh-TW" b="0" dirty="0">
+                <a:solidFill>
+                  <a:srgbClr val="F78C6C"/>
+                </a:solidFill>
+                <a:effectLst/>
+                <a:latin typeface="Consolas" panose="020B0609020204030204" pitchFamily="49" charset="0"/>
+              </a:rPr>
+              <a:t>0</a:t>
+            </a:r>
+            <a:r>
+              <a:rPr lang="en-US" altLang="zh-TW" b="0" dirty="0">
+                <a:solidFill>
+                  <a:srgbClr val="89DDFF"/>
+                </a:solidFill>
+                <a:effectLst/>
+                <a:latin typeface="Consolas" panose="020B0609020204030204" pitchFamily="49" charset="0"/>
+              </a:rPr>
+              <a:t>;</a:t>
+            </a:r>
+            <a:endParaRPr lang="en-US" altLang="zh-TW" b="0" dirty="0">
+              <a:solidFill>
+                <a:srgbClr val="EEFFFF"/>
+              </a:solidFill>
+              <a:effectLst/>
+              <a:latin typeface="Consolas" panose="020B0609020204030204" pitchFamily="49" charset="0"/>
+            </a:endParaRPr>
+          </a:p>
+          <a:p>
+            <a:pPr marL="0" indent="0">
+              <a:buNone/>
+            </a:pPr>
+            <a:r>
+              <a:rPr lang="en-US" altLang="zh-TW" b="0" dirty="0">
+                <a:solidFill>
+                  <a:srgbClr val="EEFFFF"/>
+                </a:solidFill>
+                <a:effectLst/>
+                <a:latin typeface="Consolas" panose="020B0609020204030204" pitchFamily="49" charset="0"/>
+              </a:rPr>
+              <a:t>  </a:t>
+            </a:r>
+            <a:r>
+              <a:rPr lang="en-US" altLang="zh-TW" b="0" dirty="0">
+                <a:solidFill>
+                  <a:srgbClr val="B2CCD6"/>
+                </a:solidFill>
+                <a:effectLst/>
+                <a:latin typeface="Consolas" panose="020B0609020204030204" pitchFamily="49" charset="0"/>
+              </a:rPr>
+              <a:t>box-sizing</a:t>
+            </a:r>
+            <a:r>
+              <a:rPr lang="en-US" altLang="zh-TW" b="0" dirty="0">
+                <a:solidFill>
+                  <a:srgbClr val="89DDFF"/>
+                </a:solidFill>
+                <a:effectLst/>
+                <a:latin typeface="Consolas" panose="020B0609020204030204" pitchFamily="49" charset="0"/>
+              </a:rPr>
+              <a:t>:</a:t>
+            </a:r>
+            <a:r>
+              <a:rPr lang="en-US" altLang="zh-TW" b="0" dirty="0">
+                <a:solidFill>
+                  <a:srgbClr val="EEFFFF"/>
+                </a:solidFill>
+                <a:effectLst/>
+                <a:latin typeface="Consolas" panose="020B0609020204030204" pitchFamily="49" charset="0"/>
+              </a:rPr>
+              <a:t> border-box</a:t>
+            </a:r>
+            <a:r>
+              <a:rPr lang="en-US" altLang="zh-TW" b="0" dirty="0">
+                <a:solidFill>
+                  <a:srgbClr val="89DDFF"/>
+                </a:solidFill>
+                <a:effectLst/>
+                <a:latin typeface="Consolas" panose="020B0609020204030204" pitchFamily="49" charset="0"/>
+              </a:rPr>
+              <a:t>;</a:t>
+            </a:r>
+            <a:endParaRPr lang="en-US" altLang="zh-TW" b="0" dirty="0">
+              <a:solidFill>
+                <a:srgbClr val="EEFFFF"/>
+              </a:solidFill>
+              <a:effectLst/>
+              <a:latin typeface="Consolas" panose="020B0609020204030204" pitchFamily="49" charset="0"/>
+            </a:endParaRPr>
+          </a:p>
+          <a:p>
+            <a:pPr marL="0" indent="0">
+              <a:buNone/>
+            </a:pPr>
+            <a:r>
+              <a:rPr lang="en-US" altLang="zh-TW" b="0" dirty="0">
+                <a:solidFill>
+                  <a:srgbClr val="EEFFFF"/>
+                </a:solidFill>
+                <a:effectLst/>
+                <a:latin typeface="Consolas" panose="020B0609020204030204" pitchFamily="49" charset="0"/>
+              </a:rPr>
+              <a:t>  </a:t>
+            </a:r>
+            <a:r>
+              <a:rPr lang="en-US" altLang="zh-TW" b="0" dirty="0">
+                <a:solidFill>
+                  <a:srgbClr val="B2CCD6"/>
+                </a:solidFill>
+                <a:effectLst/>
+                <a:latin typeface="Consolas" panose="020B0609020204030204" pitchFamily="49" charset="0"/>
+              </a:rPr>
+              <a:t>font-family</a:t>
+            </a:r>
+            <a:r>
+              <a:rPr lang="en-US" altLang="zh-TW" b="0" dirty="0">
+                <a:solidFill>
+                  <a:srgbClr val="89DDFF"/>
+                </a:solidFill>
+                <a:effectLst/>
+                <a:latin typeface="Consolas" panose="020B0609020204030204" pitchFamily="49" charset="0"/>
+              </a:rPr>
+              <a:t>:</a:t>
+            </a:r>
+            <a:r>
+              <a:rPr lang="en-US" altLang="zh-TW" b="0" dirty="0">
+                <a:solidFill>
+                  <a:srgbClr val="EEFFFF"/>
+                </a:solidFill>
+                <a:effectLst/>
+                <a:latin typeface="Consolas" panose="020B0609020204030204" pitchFamily="49" charset="0"/>
+              </a:rPr>
+              <a:t> </a:t>
+            </a:r>
+            <a:r>
+              <a:rPr lang="en-US" altLang="zh-TW" b="0" dirty="0">
+                <a:solidFill>
+                  <a:srgbClr val="89DDFF"/>
+                </a:solidFill>
+                <a:effectLst/>
+                <a:latin typeface="Consolas" panose="020B0609020204030204" pitchFamily="49" charset="0"/>
+              </a:rPr>
+              <a:t>"</a:t>
+            </a:r>
+            <a:r>
+              <a:rPr lang="en-US" altLang="zh-TW" b="0" dirty="0">
+                <a:solidFill>
+                  <a:srgbClr val="C3E88D"/>
+                </a:solidFill>
+                <a:effectLst/>
+                <a:latin typeface="Consolas" panose="020B0609020204030204" pitchFamily="49" charset="0"/>
+              </a:rPr>
+              <a:t>Source Sans Pro</a:t>
+            </a:r>
+            <a:r>
+              <a:rPr lang="en-US" altLang="zh-TW" b="0" dirty="0">
+                <a:solidFill>
+                  <a:srgbClr val="89DDFF"/>
+                </a:solidFill>
+                <a:effectLst/>
+                <a:latin typeface="Consolas" panose="020B0609020204030204" pitchFamily="49" charset="0"/>
+              </a:rPr>
+              <a:t>",</a:t>
+            </a:r>
+            <a:r>
+              <a:rPr lang="en-US" altLang="zh-TW" b="0" dirty="0">
+                <a:solidFill>
+                  <a:srgbClr val="EEFFFF"/>
+                </a:solidFill>
+                <a:effectLst/>
+                <a:latin typeface="Consolas" panose="020B0609020204030204" pitchFamily="49" charset="0"/>
+              </a:rPr>
+              <a:t> sans-serif</a:t>
+            </a:r>
+            <a:r>
+              <a:rPr lang="en-US" altLang="zh-TW" b="0" dirty="0">
+                <a:solidFill>
+                  <a:srgbClr val="89DDFF"/>
+                </a:solidFill>
+                <a:effectLst/>
+                <a:latin typeface="Consolas" panose="020B0609020204030204" pitchFamily="49" charset="0"/>
+              </a:rPr>
+              <a:t>;</a:t>
+            </a:r>
+            <a:endParaRPr lang="en-US" altLang="zh-TW" b="0" dirty="0">
+              <a:solidFill>
+                <a:srgbClr val="EEFFFF"/>
+              </a:solidFill>
+              <a:effectLst/>
+              <a:latin typeface="Consolas" panose="020B0609020204030204" pitchFamily="49" charset="0"/>
+            </a:endParaRPr>
+          </a:p>
+          <a:p>
+            <a:pPr marL="0" indent="0">
+              <a:buNone/>
+            </a:pPr>
+            <a:r>
+              <a:rPr lang="en-US" altLang="zh-TW" b="0" dirty="0">
+                <a:solidFill>
+                  <a:srgbClr val="89DDFF"/>
+                </a:solidFill>
+                <a:effectLst/>
+                <a:latin typeface="Consolas" panose="020B0609020204030204" pitchFamily="49" charset="0"/>
+              </a:rPr>
+              <a:t>}</a:t>
+            </a:r>
+            <a:endParaRPr lang="en-US" altLang="zh-TW" b="0" dirty="0">
+              <a:solidFill>
+                <a:srgbClr val="EEFFFF"/>
+              </a:solidFill>
+              <a:effectLst/>
+              <a:latin typeface="Consolas" panose="020B0609020204030204" pitchFamily="49" charset="0"/>
+            </a:endParaRPr>
+          </a:p>
+        </p:txBody>
+      </p:sp>
     </p:spTree>
     <p:extLst>
       <p:ext uri="{BB962C8B-B14F-4D97-AF65-F5344CB8AC3E}">
-        <p14:creationId xmlns:p14="http://schemas.microsoft.com/office/powerpoint/2010/main" val="401098004"/>
+        <p14:creationId xmlns:p14="http://schemas.microsoft.com/office/powerpoint/2010/main" val="1639711881"/>
       </p:ext>
     </p:extLst>
   </p:cSld>
   <p:clrMapOvr>
     <a:masterClrMapping/>
   </p:clrMapOvr>
-  <p:timing>
-    <p:tnLst>
-      <p:par>
-        <p:cTn id="1" dur="indefinite" restart="never" nodeType="tmRoot">
-          <p:childTnLst>
-            <p:seq concurrent="1" nextAc="seek">
-              <p:cTn id="2" dur="indefinite" nodeType="mainSeq">
-                <p:childTnLst>
-                  <p:par>
-                    <p:cTn id="3" fill="hold">
-                      <p:stCondLst>
-                        <p:cond delay="indefinite"/>
-                      </p:stCondLst>
-                      <p:childTnLst>
-                        <p:par>
-                          <p:cTn id="4" fill="hold">
-                            <p:stCondLst>
-                              <p:cond delay="0"/>
-                            </p:stCondLst>
-                            <p:childTnLst>
-                              <p:par>
-                                <p:cTn id="5" presetID="10" presetClass="entr" presetSubtype="0" fill="hold" nodeType="clickEffect">
-                                  <p:stCondLst>
-                                    <p:cond delay="0"/>
-                                  </p:stCondLst>
-                                  <p:childTnLst>
-                                    <p:set>
-                                      <p:cBhvr>
-                                        <p:cTn id="6" dur="1" fill="hold">
-                                          <p:stCondLst>
-                                            <p:cond delay="0"/>
-                                          </p:stCondLst>
-                                        </p:cTn>
-                                        <p:tgtEl>
-                                          <p:spTgt spid="9"/>
-                                        </p:tgtEl>
-                                        <p:attrNameLst>
-                                          <p:attrName>style.visibility</p:attrName>
-                                        </p:attrNameLst>
-                                      </p:cBhvr>
-                                      <p:to>
-                                        <p:strVal val="visible"/>
-                                      </p:to>
-                                    </p:set>
-                                    <p:animEffect transition="in" filter="fade">
-                                      <p:cBhvr>
-                                        <p:cTn id="7" dur="500"/>
-                                        <p:tgtEl>
-                                          <p:spTgt spid="9"/>
-                                        </p:tgtEl>
-                                      </p:cBhvr>
-                                    </p:animEffect>
-                                  </p:childTnLst>
-                                </p:cTn>
-                              </p:par>
-                            </p:childTnLst>
-                          </p:cTn>
-                        </p:par>
-                      </p:childTnLst>
-                    </p:cTn>
-                  </p:par>
-                </p:childTnLst>
-              </p:cTn>
-              <p:prevCondLst>
-                <p:cond evt="onPrev" delay="0">
-                  <p:tgtEl>
-                    <p:sldTgt/>
-                  </p:tgtEl>
-                </p:cond>
-              </p:prevCondLst>
-              <p:nextCondLst>
-                <p:cond evt="onNext" delay="0">
-                  <p:tgtEl>
-                    <p:sldTgt/>
-                  </p:tgtEl>
-                </p:cond>
-              </p:nextCondLst>
-            </p:seq>
-          </p:childTnLst>
-        </p:cTn>
-      </p:par>
-    </p:tnLst>
-  </p:timing>
 </p:sld>
 </file>
 
@@ -11386,7 +10961,7 @@
         </p:nvGrpSpPr>
         <p:grpSpPr>
           <a:xfrm>
-            <a:off x="1296140" y="1433146"/>
+            <a:off x="1170769" y="1535837"/>
             <a:ext cx="10002862" cy="4870000"/>
             <a:chOff x="1296140" y="1433146"/>
             <a:chExt cx="6782540" cy="3302152"/>
@@ -11527,6 +11102,107 @@
           </p:txBody>
         </p:sp>
       </p:grpSp>
+      <p:sp>
+        <p:nvSpPr>
+          <p:cNvPr id="9" name="文字方塊 8">
+            <a:extLst>
+              <a:ext uri="{FF2B5EF4-FFF2-40B4-BE49-F238E27FC236}">
+                <a16:creationId xmlns:a16="http://schemas.microsoft.com/office/drawing/2014/main" id="{1F25FD72-8A35-4101-AAE0-3ADF31A711C0}"/>
+              </a:ext>
+            </a:extLst>
+          </p:cNvPr>
+          <p:cNvSpPr txBox="1"/>
+          <p:nvPr/>
+        </p:nvSpPr>
+        <p:spPr>
+          <a:xfrm>
+            <a:off x="1301697" y="2372352"/>
+            <a:ext cx="1388237" cy="1288045"/>
+          </a:xfrm>
+          <a:prstGeom prst="rect">
+            <a:avLst/>
+          </a:prstGeom>
+          <a:noFill/>
+        </p:spPr>
+        <p:txBody>
+          <a:bodyPr wrap="square">
+            <a:spAutoFit/>
+          </a:bodyPr>
+          <a:lstStyle/>
+          <a:p>
+            <a:pPr marL="342900" indent="-342900">
+              <a:lnSpc>
+                <a:spcPct val="150000"/>
+              </a:lnSpc>
+              <a:buFont typeface="+mj-lt"/>
+              <a:buAutoNum type="arabicPeriod"/>
+            </a:pPr>
+            <a:r>
+              <a:rPr lang="zh-TW" altLang="en-US" dirty="0">
+                <a:solidFill>
+                  <a:schemeClr val="bg1"/>
+                </a:solidFill>
+              </a:rPr>
+              <a:t>寬度</a:t>
+            </a:r>
+            <a:endParaRPr lang="en-US" altLang="zh-TW" dirty="0">
+              <a:solidFill>
+                <a:schemeClr val="bg1"/>
+              </a:solidFill>
+            </a:endParaRPr>
+          </a:p>
+          <a:p>
+            <a:pPr marL="342900" indent="-342900">
+              <a:lnSpc>
+                <a:spcPct val="150000"/>
+              </a:lnSpc>
+              <a:buFont typeface="+mj-lt"/>
+              <a:buAutoNum type="arabicPeriod"/>
+            </a:pPr>
+            <a:r>
+              <a:rPr lang="zh-TW" altLang="en-US" dirty="0">
+                <a:solidFill>
+                  <a:schemeClr val="bg1"/>
+                </a:solidFill>
+              </a:rPr>
+              <a:t>高度</a:t>
+            </a:r>
+            <a:endParaRPr lang="en-US" altLang="zh-TW" b="1" dirty="0">
+              <a:solidFill>
+                <a:schemeClr val="accent5">
+                  <a:lumMod val="60000"/>
+                  <a:lumOff val="40000"/>
+                </a:schemeClr>
+              </a:solidFill>
+            </a:endParaRPr>
+          </a:p>
+          <a:p>
+            <a:pPr marL="342900" indent="-342900">
+              <a:lnSpc>
+                <a:spcPct val="150000"/>
+              </a:lnSpc>
+              <a:buFont typeface="+mj-lt"/>
+              <a:buAutoNum type="arabicPeriod"/>
+            </a:pPr>
+            <a:r>
+              <a:rPr lang="zh-TW" altLang="en-US" dirty="0">
+                <a:solidFill>
+                  <a:schemeClr val="bg1"/>
+                </a:solidFill>
+              </a:rPr>
+              <a:t>內容物</a:t>
+            </a:r>
+            <a:endParaRPr lang="en-US" altLang="zh-TW" b="1" dirty="0">
+              <a:solidFill>
+                <a:schemeClr val="accent5">
+                  <a:lumMod val="60000"/>
+                  <a:lumOff val="40000"/>
+                </a:schemeClr>
+              </a:solidFill>
+            </a:endParaRPr>
+          </a:p>
+        </p:txBody>
+      </p:sp>
     </p:spTree>
     <p:extLst>
       <p:ext uri="{BB962C8B-B14F-4D97-AF65-F5344CB8AC3E}">
@@ -11537,6 +11213,84 @@
   <p:clrMapOvr>
     <a:masterClrMapping/>
   </p:clrMapOvr>
+  <p:timing>
+    <p:tnLst>
+      <p:par>
+        <p:cTn id="1" dur="indefinite" restart="never" nodeType="tmRoot">
+          <p:childTnLst>
+            <p:seq concurrent="1" nextAc="seek">
+              <p:cTn id="2" dur="indefinite" nodeType="mainSeq">
+                <p:childTnLst>
+                  <p:par>
+                    <p:cTn id="3" fill="hold">
+                      <p:stCondLst>
+                        <p:cond delay="indefinite"/>
+                      </p:stCondLst>
+                      <p:childTnLst>
+                        <p:par>
+                          <p:cTn id="4" fill="hold">
+                            <p:stCondLst>
+                              <p:cond delay="0"/>
+                            </p:stCondLst>
+                            <p:childTnLst>
+                              <p:par>
+                                <p:cTn id="5" presetID="1" presetClass="entr" presetSubtype="0" fill="hold" grpId="0" nodeType="clickEffect">
+                                  <p:stCondLst>
+                                    <p:cond delay="0"/>
+                                  </p:stCondLst>
+                                  <p:childTnLst>
+                                    <p:set>
+                                      <p:cBhvr>
+                                        <p:cTn id="6" dur="1" fill="hold">
+                                          <p:stCondLst>
+                                            <p:cond delay="0"/>
+                                          </p:stCondLst>
+                                        </p:cTn>
+                                        <p:tgtEl>
+                                          <p:spTgt spid="9"/>
+                                        </p:tgtEl>
+                                        <p:attrNameLst>
+                                          <p:attrName>style.visibility</p:attrName>
+                                        </p:attrNameLst>
+                                      </p:cBhvr>
+                                      <p:to>
+                                        <p:strVal val="visible"/>
+                                      </p:to>
+                                    </p:set>
+                                  </p:childTnLst>
+                                </p:cTn>
+                              </p:par>
+                            </p:childTnLst>
+                          </p:cTn>
+                        </p:par>
+                      </p:childTnLst>
+                    </p:cTn>
+                  </p:par>
+                </p:childTnLst>
+              </p:cTn>
+              <p:prevCondLst>
+                <p:cond evt="onPrev" delay="0">
+                  <p:tgtEl>
+                    <p:sldTgt/>
+                  </p:tgtEl>
+                </p:cond>
+              </p:prevCondLst>
+              <p:nextCondLst>
+                <p:cond evt="onNext" delay="0">
+                  <p:tgtEl>
+                    <p:sldTgt/>
+                  </p:tgtEl>
+                </p:cond>
+              </p:nextCondLst>
+            </p:seq>
+          </p:childTnLst>
+        </p:cTn>
+      </p:par>
+    </p:tnLst>
+    <p:bldLst>
+      <p:bldP spid="9" grpId="0"/>
+    </p:bldLst>
+  </p:timing>
 </p:sld>
 </file>
 
@@ -11557,6 +11311,492 @@
           <a:chExt cx="0" cy="0"/>
         </a:xfrm>
       </p:grpSpPr>
+      <p:pic>
+        <p:nvPicPr>
+          <p:cNvPr id="3" name="Picture 2">
+            <a:extLst>
+              <a:ext uri="{FF2B5EF4-FFF2-40B4-BE49-F238E27FC236}">
+                <a16:creationId xmlns:a16="http://schemas.microsoft.com/office/drawing/2014/main" id="{EF91D1C3-CB00-46F6-8136-096CF9A9B94C}"/>
+              </a:ext>
+            </a:extLst>
+          </p:cNvPr>
+          <p:cNvPicPr>
+            <a:picLocks noChangeAspect="1" noChangeArrowheads="1"/>
+          </p:cNvPicPr>
+          <p:nvPr/>
+        </p:nvPicPr>
+        <p:blipFill>
+          <a:blip r:embed="rId2">
+            <a:extLst>
+              <a:ext uri="{28A0092B-C50C-407E-A947-70E740481C1C}">
+                <a14:useLocalDpi xmlns:a14="http://schemas.microsoft.com/office/drawing/2010/main" val="0"/>
+              </a:ext>
+            </a:extLst>
+          </a:blip>
+          <a:srcRect/>
+          <a:stretch>
+            <a:fillRect/>
+          </a:stretch>
+        </p:blipFill>
+        <p:spPr bwMode="auto">
+          <a:xfrm>
+            <a:off x="1014232" y="779058"/>
+            <a:ext cx="10848975" cy="1657350"/>
+          </a:xfrm>
+          <a:prstGeom prst="rect">
+            <a:avLst/>
+          </a:prstGeom>
+          <a:noFill/>
+          <a:extLst>
+            <a:ext uri="{909E8E84-426E-40DD-AFC4-6F175D3DCCD1}">
+              <a14:hiddenFill xmlns:a14="http://schemas.microsoft.com/office/drawing/2010/main">
+                <a:solidFill>
+                  <a:srgbClr val="FFFFFF"/>
+                </a:solidFill>
+              </a14:hiddenFill>
+            </a:ext>
+          </a:extLst>
+        </p:spPr>
+      </p:pic>
+      <p:pic>
+        <p:nvPicPr>
+          <p:cNvPr id="4" name="Picture 4">
+            <a:extLst>
+              <a:ext uri="{FF2B5EF4-FFF2-40B4-BE49-F238E27FC236}">
+                <a16:creationId xmlns:a16="http://schemas.microsoft.com/office/drawing/2014/main" id="{947171CF-2ECC-4631-B8DC-29F9FDC3B5CD}"/>
+              </a:ext>
+            </a:extLst>
+          </p:cNvPr>
+          <p:cNvPicPr>
+            <a:picLocks noChangeAspect="1" noChangeArrowheads="1"/>
+          </p:cNvPicPr>
+          <p:nvPr/>
+        </p:nvPicPr>
+        <p:blipFill>
+          <a:blip r:embed="rId3">
+            <a:extLst>
+              <a:ext uri="{28A0092B-C50C-407E-A947-70E740481C1C}">
+                <a14:useLocalDpi xmlns:a14="http://schemas.microsoft.com/office/drawing/2010/main" val="0"/>
+              </a:ext>
+            </a:extLst>
+          </a:blip>
+          <a:srcRect/>
+          <a:stretch>
+            <a:fillRect/>
+          </a:stretch>
+        </p:blipFill>
+        <p:spPr bwMode="auto">
+          <a:xfrm>
+            <a:off x="1014232" y="2805740"/>
+            <a:ext cx="10925175" cy="1447800"/>
+          </a:xfrm>
+          <a:prstGeom prst="rect">
+            <a:avLst/>
+          </a:prstGeom>
+          <a:noFill/>
+          <a:extLst>
+            <a:ext uri="{909E8E84-426E-40DD-AFC4-6F175D3DCCD1}">
+              <a14:hiddenFill xmlns:a14="http://schemas.microsoft.com/office/drawing/2010/main">
+                <a:solidFill>
+                  <a:srgbClr val="FFFFFF"/>
+                </a:solidFill>
+              </a14:hiddenFill>
+            </a:ext>
+          </a:extLst>
+        </p:spPr>
+      </p:pic>
+      <p:sp>
+        <p:nvSpPr>
+          <p:cNvPr id="5" name="文字方塊 4">
+            <a:extLst>
+              <a:ext uri="{FF2B5EF4-FFF2-40B4-BE49-F238E27FC236}">
+                <a16:creationId xmlns:a16="http://schemas.microsoft.com/office/drawing/2014/main" id="{B16562CF-3075-4C1A-8CC8-199F962852AB}"/>
+              </a:ext>
+            </a:extLst>
+          </p:cNvPr>
+          <p:cNvSpPr txBox="1"/>
+          <p:nvPr/>
+        </p:nvSpPr>
+        <p:spPr>
+          <a:xfrm>
+            <a:off x="1014232" y="4312073"/>
+            <a:ext cx="7377414" cy="369332"/>
+          </a:xfrm>
+          <a:prstGeom prst="rect">
+            <a:avLst/>
+          </a:prstGeom>
+          <a:noFill/>
+        </p:spPr>
+        <p:txBody>
+          <a:bodyPr wrap="square">
+            <a:spAutoFit/>
+          </a:bodyPr>
+          <a:lstStyle/>
+          <a:p>
+            <a:r>
+              <a:rPr lang="en-US" altLang="zh-TW" b="0" i="0" dirty="0">
+                <a:solidFill>
+                  <a:srgbClr val="34495E"/>
+                </a:solidFill>
+                <a:effectLst/>
+                <a:latin typeface="Source Sans Pro" panose="020B0503030403020204" pitchFamily="34" charset="0"/>
+              </a:rPr>
+              <a:t>view height</a:t>
+            </a:r>
+            <a:r>
+              <a:rPr lang="zh-TW" altLang="en-US" dirty="0">
+                <a:solidFill>
+                  <a:srgbClr val="34495E"/>
+                </a:solidFill>
+                <a:latin typeface="Source Sans Pro" panose="020B0503030403020204" pitchFamily="34" charset="0"/>
+              </a:rPr>
+              <a:t> </a:t>
+            </a:r>
+            <a:r>
+              <a:rPr lang="zh-TW" altLang="en-US" b="1" i="0" dirty="0">
+                <a:solidFill>
+                  <a:srgbClr val="34495E"/>
+                </a:solidFill>
+                <a:effectLst/>
+                <a:latin typeface="Source Sans Pro" panose="020B0503030403020204" pitchFamily="34" charset="0"/>
+              </a:rPr>
+              <a:t>螢幕可視範圍</a:t>
+            </a:r>
+            <a:r>
+              <a:rPr lang="zh-TW" altLang="en-US" b="0" i="0" dirty="0">
+                <a:solidFill>
+                  <a:srgbClr val="34495E"/>
+                </a:solidFill>
+                <a:effectLst/>
+                <a:latin typeface="Source Sans Pro" panose="020B0503030403020204" pitchFamily="34" charset="0"/>
+              </a:rPr>
+              <a:t>高度的百分比，隨著瀏覽器的縮放而改變</a:t>
+            </a:r>
+            <a:endParaRPr lang="zh-TW" altLang="en-US" dirty="0"/>
+          </a:p>
+        </p:txBody>
+      </p:sp>
+      <p:pic>
+        <p:nvPicPr>
+          <p:cNvPr id="6" name="Picture 6">
+            <a:extLst>
+              <a:ext uri="{FF2B5EF4-FFF2-40B4-BE49-F238E27FC236}">
+                <a16:creationId xmlns:a16="http://schemas.microsoft.com/office/drawing/2014/main" id="{68021EC0-6909-463E-AC72-790028FE1FE3}"/>
+              </a:ext>
+            </a:extLst>
+          </p:cNvPr>
+          <p:cNvPicPr>
+            <a:picLocks noChangeAspect="1" noChangeArrowheads="1"/>
+          </p:cNvPicPr>
+          <p:nvPr/>
+        </p:nvPicPr>
+        <p:blipFill>
+          <a:blip r:embed="rId4">
+            <a:extLst>
+              <a:ext uri="{28A0092B-C50C-407E-A947-70E740481C1C}">
+                <a14:useLocalDpi xmlns:a14="http://schemas.microsoft.com/office/drawing/2010/main" val="0"/>
+              </a:ext>
+            </a:extLst>
+          </a:blip>
+          <a:srcRect/>
+          <a:stretch>
+            <a:fillRect/>
+          </a:stretch>
+        </p:blipFill>
+        <p:spPr bwMode="auto">
+          <a:xfrm>
+            <a:off x="1014232" y="4681405"/>
+            <a:ext cx="8343900" cy="1762125"/>
+          </a:xfrm>
+          <a:prstGeom prst="rect">
+            <a:avLst/>
+          </a:prstGeom>
+          <a:noFill/>
+          <a:extLst>
+            <a:ext uri="{909E8E84-426E-40DD-AFC4-6F175D3DCCD1}">
+              <a14:hiddenFill xmlns:a14="http://schemas.microsoft.com/office/drawing/2010/main">
+                <a:solidFill>
+                  <a:srgbClr val="FFFFFF"/>
+                </a:solidFill>
+              </a14:hiddenFill>
+            </a:ext>
+          </a:extLst>
+        </p:spPr>
+      </p:pic>
+      <p:sp>
+        <p:nvSpPr>
+          <p:cNvPr id="7" name="文字方塊 6">
+            <a:extLst>
+              <a:ext uri="{FF2B5EF4-FFF2-40B4-BE49-F238E27FC236}">
+                <a16:creationId xmlns:a16="http://schemas.microsoft.com/office/drawing/2014/main" id="{36FF61C0-7089-44B3-8CBA-EFDF83BC0E09}"/>
+              </a:ext>
+            </a:extLst>
+          </p:cNvPr>
+          <p:cNvSpPr txBox="1"/>
+          <p:nvPr/>
+        </p:nvSpPr>
+        <p:spPr>
+          <a:xfrm>
+            <a:off x="1014232" y="2436408"/>
+            <a:ext cx="7377414" cy="400110"/>
+          </a:xfrm>
+          <a:prstGeom prst="rect">
+            <a:avLst/>
+          </a:prstGeom>
+          <a:noFill/>
+        </p:spPr>
+        <p:txBody>
+          <a:bodyPr wrap="square">
+            <a:spAutoFit/>
+          </a:bodyPr>
+          <a:lstStyle/>
+          <a:p>
+            <a:r>
+              <a:rPr lang="en-US" altLang="zh-TW" sz="2000" b="1" dirty="0">
+                <a:solidFill>
+                  <a:schemeClr val="accent6">
+                    <a:lumMod val="75000"/>
+                  </a:schemeClr>
+                </a:solidFill>
+              </a:rPr>
+              <a:t>%</a:t>
+            </a:r>
+            <a:r>
+              <a:rPr lang="zh-TW" altLang="en-US" sz="2000" b="1" dirty="0">
+                <a:solidFill>
+                  <a:schemeClr val="accent6">
+                    <a:lumMod val="75000"/>
+                  </a:schemeClr>
+                </a:solidFill>
+              </a:rPr>
+              <a:t> </a:t>
+            </a:r>
+            <a:r>
+              <a:rPr lang="zh-TW" altLang="en-US" sz="2000" b="1" dirty="0"/>
+              <a:t>沒有內容時，不會顯示，隨著瀏覽器縮放</a:t>
+            </a:r>
+          </a:p>
+        </p:txBody>
+      </p:sp>
+      <p:sp>
+        <p:nvSpPr>
+          <p:cNvPr id="8" name="文字方塊 7">
+            <a:extLst>
+              <a:ext uri="{FF2B5EF4-FFF2-40B4-BE49-F238E27FC236}">
+                <a16:creationId xmlns:a16="http://schemas.microsoft.com/office/drawing/2014/main" id="{4F3CA452-8763-417E-B96E-D59B19437DB8}"/>
+              </a:ext>
+            </a:extLst>
+          </p:cNvPr>
+          <p:cNvSpPr txBox="1"/>
+          <p:nvPr/>
+        </p:nvSpPr>
+        <p:spPr>
+          <a:xfrm>
+            <a:off x="1014232" y="362721"/>
+            <a:ext cx="7377414" cy="707886"/>
+          </a:xfrm>
+          <a:prstGeom prst="rect">
+            <a:avLst/>
+          </a:prstGeom>
+          <a:noFill/>
+        </p:spPr>
+        <p:txBody>
+          <a:bodyPr wrap="square">
+            <a:spAutoFit/>
+          </a:bodyPr>
+          <a:lstStyle/>
+          <a:p>
+            <a:r>
+              <a:rPr lang="en-US" altLang="zh-TW" sz="2000" b="1" dirty="0">
+                <a:solidFill>
+                  <a:schemeClr val="accent6">
+                    <a:lumMod val="75000"/>
+                  </a:schemeClr>
+                </a:solidFill>
+              </a:rPr>
+              <a:t>Px</a:t>
+            </a:r>
+            <a:r>
+              <a:rPr lang="zh-TW" altLang="en-US" sz="2000" b="1" dirty="0">
+                <a:solidFill>
+                  <a:schemeClr val="accent6">
+                    <a:lumMod val="75000"/>
+                  </a:schemeClr>
+                </a:solidFill>
+              </a:rPr>
+              <a:t> </a:t>
+            </a:r>
+            <a:r>
+              <a:rPr lang="zh-TW" altLang="en-US" sz="2000" b="1" dirty="0"/>
+              <a:t>固定大小，不隨瀏覽器縮放</a:t>
+            </a:r>
+            <a:endParaRPr lang="en-US" altLang="zh-TW" sz="2000" b="1" dirty="0"/>
+          </a:p>
+          <a:p>
+            <a:endParaRPr lang="zh-TW" altLang="en-US" sz="2000" b="1" dirty="0"/>
+          </a:p>
+        </p:txBody>
+      </p:sp>
+      <p:pic>
+        <p:nvPicPr>
+          <p:cNvPr id="9" name="Picture 8" descr="Here is an image to make it more clear">
+            <a:extLst>
+              <a:ext uri="{FF2B5EF4-FFF2-40B4-BE49-F238E27FC236}">
+                <a16:creationId xmlns:a16="http://schemas.microsoft.com/office/drawing/2014/main" id="{F4609D1C-6D0C-4DE4-8CD9-64930D1F7EBC}"/>
+              </a:ext>
+            </a:extLst>
+          </p:cNvPr>
+          <p:cNvPicPr>
+            <a:picLocks noChangeAspect="1" noChangeArrowheads="1"/>
+          </p:cNvPicPr>
+          <p:nvPr/>
+        </p:nvPicPr>
+        <p:blipFill>
+          <a:blip r:embed="rId5">
+            <a:extLst>
+              <a:ext uri="{28A0092B-C50C-407E-A947-70E740481C1C}">
+                <a14:useLocalDpi xmlns:a14="http://schemas.microsoft.com/office/drawing/2010/main" val="0"/>
+              </a:ext>
+            </a:extLst>
+          </a:blip>
+          <a:srcRect/>
+          <a:stretch>
+            <a:fillRect/>
+          </a:stretch>
+        </p:blipFill>
+        <p:spPr bwMode="auto">
+          <a:xfrm>
+            <a:off x="8017398" y="2709338"/>
+            <a:ext cx="3845809" cy="2985962"/>
+          </a:xfrm>
+          <a:prstGeom prst="rect">
+            <a:avLst/>
+          </a:prstGeom>
+          <a:noFill/>
+          <a:extLst>
+            <a:ext uri="{909E8E84-426E-40DD-AFC4-6F175D3DCCD1}">
+              <a14:hiddenFill xmlns:a14="http://schemas.microsoft.com/office/drawing/2010/main">
+                <a:solidFill>
+                  <a:srgbClr val="FFFFFF"/>
+                </a:solidFill>
+              </a14:hiddenFill>
+            </a:ext>
+          </a:extLst>
+        </p:spPr>
+      </p:pic>
+    </p:spTree>
+    <p:extLst>
+      <p:ext uri="{BB962C8B-B14F-4D97-AF65-F5344CB8AC3E}">
+        <p14:creationId xmlns:p14="http://schemas.microsoft.com/office/powerpoint/2010/main" val="401098004"/>
+      </p:ext>
+    </p:extLst>
+  </p:cSld>
+  <p:clrMapOvr>
+    <a:masterClrMapping/>
+  </p:clrMapOvr>
+  <p:timing>
+    <p:tnLst>
+      <p:par>
+        <p:cTn id="1" dur="indefinite" restart="never" nodeType="tmRoot">
+          <p:childTnLst>
+            <p:seq concurrent="1" nextAc="seek">
+              <p:cTn id="2" dur="indefinite" nodeType="mainSeq">
+                <p:childTnLst>
+                  <p:par>
+                    <p:cTn id="3" fill="hold">
+                      <p:stCondLst>
+                        <p:cond delay="indefinite"/>
+                      </p:stCondLst>
+                      <p:childTnLst>
+                        <p:par>
+                          <p:cTn id="4" fill="hold">
+                            <p:stCondLst>
+                              <p:cond delay="0"/>
+                            </p:stCondLst>
+                            <p:childTnLst>
+                              <p:par>
+                                <p:cTn id="5" presetID="10" presetClass="entr" presetSubtype="0" fill="hold" nodeType="clickEffect">
+                                  <p:stCondLst>
+                                    <p:cond delay="0"/>
+                                  </p:stCondLst>
+                                  <p:childTnLst>
+                                    <p:set>
+                                      <p:cBhvr>
+                                        <p:cTn id="6" dur="1" fill="hold">
+                                          <p:stCondLst>
+                                            <p:cond delay="0"/>
+                                          </p:stCondLst>
+                                        </p:cTn>
+                                        <p:tgtEl>
+                                          <p:spTgt spid="9"/>
+                                        </p:tgtEl>
+                                        <p:attrNameLst>
+                                          <p:attrName>style.visibility</p:attrName>
+                                        </p:attrNameLst>
+                                      </p:cBhvr>
+                                      <p:to>
+                                        <p:strVal val="visible"/>
+                                      </p:to>
+                                    </p:set>
+                                    <p:animEffect transition="in" filter="fade">
+                                      <p:cBhvr>
+                                        <p:cTn id="7" dur="500"/>
+                                        <p:tgtEl>
+                                          <p:spTgt spid="9"/>
+                                        </p:tgtEl>
+                                      </p:cBhvr>
+                                    </p:animEffect>
+                                  </p:childTnLst>
+                                </p:cTn>
+                              </p:par>
+                            </p:childTnLst>
+                          </p:cTn>
+                        </p:par>
+                      </p:childTnLst>
+                    </p:cTn>
+                  </p:par>
+                </p:childTnLst>
+              </p:cTn>
+              <p:prevCondLst>
+                <p:cond evt="onPrev" delay="0">
+                  <p:tgtEl>
+                    <p:sldTgt/>
+                  </p:tgtEl>
+                </p:cond>
+              </p:prevCondLst>
+              <p:nextCondLst>
+                <p:cond evt="onNext" delay="0">
+                  <p:tgtEl>
+                    <p:sldTgt/>
+                  </p:tgtEl>
+                </p:cond>
+              </p:nextCondLst>
+            </p:seq>
+          </p:childTnLst>
+        </p:cTn>
+      </p:par>
+    </p:tnLst>
+  </p:timing>
+</p:sld>
+</file>
+
+<file path=ppt/slides/slide27.xml><?xml version="1.0" encoding="utf-8"?>
+<p:sld xmlns:a="http://schemas.openxmlformats.org/drawingml/2006/main" xmlns:r="http://schemas.openxmlformats.org/officeDocument/2006/relationships" xmlns:p="http://schemas.openxmlformats.org/presentationml/2006/main">
+  <p:cSld>
+    <p:spTree>
+      <p:nvGrpSpPr>
+        <p:cNvPr id="1" name=""/>
+        <p:cNvGrpSpPr/>
+        <p:nvPr/>
+      </p:nvGrpSpPr>
+      <p:grpSpPr>
+        <a:xfrm>
+          <a:off x="0" y="0"/>
+          <a:ext cx="0" cy="0"/>
+          <a:chOff x="0" y="0"/>
+          <a:chExt cx="0" cy="0"/>
+        </a:xfrm>
+      </p:grpSpPr>
       <p:sp>
         <p:nvSpPr>
           <p:cNvPr id="2" name="標題 1">
@@ -11621,7 +11861,7 @@
         <p:spPr>
           <a:xfrm>
             <a:off x="1371600" y="1758950"/>
-            <a:ext cx="9601200" cy="3581400"/>
+            <a:ext cx="9601200" cy="4413250"/>
           </a:xfrm>
         </p:spPr>
         <p:txBody>
@@ -12122,6 +12362,1165 @@
     <p:extLst>
       <p:ext uri="{BB962C8B-B14F-4D97-AF65-F5344CB8AC3E}">
         <p14:creationId xmlns:p14="http://schemas.microsoft.com/office/powerpoint/2010/main" val="2331827715"/>
+      </p:ext>
+    </p:extLst>
+  </p:cSld>
+  <p:clrMapOvr>
+    <a:masterClrMapping/>
+  </p:clrMapOvr>
+</p:sld>
+</file>
+
+<file path=ppt/slides/slide28.xml><?xml version="1.0" encoding="utf-8"?>
+<p:sld xmlns:a="http://schemas.openxmlformats.org/drawingml/2006/main" xmlns:r="http://schemas.openxmlformats.org/officeDocument/2006/relationships" xmlns:p="http://schemas.openxmlformats.org/presentationml/2006/main">
+  <p:cSld>
+    <p:spTree>
+      <p:nvGrpSpPr>
+        <p:cNvPr id="1" name=""/>
+        <p:cNvGrpSpPr/>
+        <p:nvPr/>
+      </p:nvGrpSpPr>
+      <p:grpSpPr>
+        <a:xfrm>
+          <a:off x="0" y="0"/>
+          <a:ext cx="0" cy="0"/>
+          <a:chOff x="0" y="0"/>
+          <a:chExt cx="0" cy="0"/>
+        </a:xfrm>
+      </p:grpSpPr>
+      <p:sp>
+        <p:nvSpPr>
+          <p:cNvPr id="2" name="標題 1">
+            <a:extLst>
+              <a:ext uri="{FF2B5EF4-FFF2-40B4-BE49-F238E27FC236}">
+                <a16:creationId xmlns:a16="http://schemas.microsoft.com/office/drawing/2014/main" id="{AAB234A2-9E71-4D79-A7AA-39E328C081EC}"/>
+              </a:ext>
+            </a:extLst>
+          </p:cNvPr>
+          <p:cNvSpPr>
+            <a:spLocks noGrp="1"/>
+          </p:cNvSpPr>
+          <p:nvPr>
+            <p:ph type="title"/>
+          </p:nvPr>
+        </p:nvSpPr>
+        <p:spPr/>
+        <p:txBody>
+          <a:bodyPr>
+            <a:normAutofit/>
+          </a:bodyPr>
+          <a:lstStyle/>
+          <a:p>
+            <a:r>
+              <a:rPr lang="zh-TW" altLang="en-US" b="0" dirty="0">
+                <a:solidFill>
+                  <a:srgbClr val="C3E88D"/>
+                </a:solidFill>
+                <a:effectLst/>
+                <a:latin typeface="Consolas" panose="020B0609020204030204" pitchFamily="49" charset="0"/>
+              </a:rPr>
+              <a:t>設定 </a:t>
+            </a:r>
+            <a:r>
+              <a:rPr lang="en-US" altLang="zh-TW" b="0" dirty="0">
+                <a:solidFill>
+                  <a:srgbClr val="C3E88D"/>
+                </a:solidFill>
+                <a:effectLst/>
+                <a:latin typeface="Consolas" panose="020B0609020204030204" pitchFamily="49" charset="0"/>
+              </a:rPr>
+              <a:t>main</a:t>
+            </a:r>
+            <a:endParaRPr lang="zh-TW" altLang="en-US" dirty="0"/>
+          </a:p>
+        </p:txBody>
+      </p:sp>
+      <p:sp>
+        <p:nvSpPr>
+          <p:cNvPr id="4" name="文字方塊 3">
+            <a:extLst>
+              <a:ext uri="{FF2B5EF4-FFF2-40B4-BE49-F238E27FC236}">
+                <a16:creationId xmlns:a16="http://schemas.microsoft.com/office/drawing/2014/main" id="{8D4FAB16-EE63-4E66-B655-B62D4B8CFA7D}"/>
+              </a:ext>
+            </a:extLst>
+          </p:cNvPr>
+          <p:cNvSpPr txBox="1"/>
+          <p:nvPr/>
+        </p:nvSpPr>
+        <p:spPr>
+          <a:xfrm>
+            <a:off x="1371600" y="1535837"/>
+            <a:ext cx="5708341" cy="2119042"/>
+          </a:xfrm>
+          <a:prstGeom prst="rect">
+            <a:avLst/>
+          </a:prstGeom>
+          <a:noFill/>
+        </p:spPr>
+        <p:txBody>
+          <a:bodyPr wrap="square" rtlCol="0">
+            <a:spAutoFit/>
+          </a:bodyPr>
+          <a:lstStyle/>
+          <a:p>
+            <a:pPr marL="342900" indent="-342900">
+              <a:lnSpc>
+                <a:spcPct val="150000"/>
+              </a:lnSpc>
+              <a:buFont typeface="+mj-lt"/>
+              <a:buAutoNum type="arabicPeriod"/>
+            </a:pPr>
+            <a:r>
+              <a:rPr lang="zh-TW" altLang="en-US" dirty="0">
+                <a:solidFill>
+                  <a:schemeClr val="bg1"/>
+                </a:solidFill>
+              </a:rPr>
+              <a:t>使內容物 </a:t>
+            </a:r>
+            <a:r>
+              <a:rPr lang="zh-TW" altLang="en-US" b="1" dirty="0">
+                <a:solidFill>
+                  <a:schemeClr val="accent5">
+                    <a:lumMod val="60000"/>
+                    <a:lumOff val="40000"/>
+                  </a:schemeClr>
+                </a:solidFill>
+              </a:rPr>
+              <a:t>水平垂直置中</a:t>
+            </a:r>
+            <a:endParaRPr lang="en-US" altLang="zh-TW" b="1" dirty="0">
+              <a:solidFill>
+                <a:schemeClr val="accent5">
+                  <a:lumMod val="60000"/>
+                  <a:lumOff val="40000"/>
+                </a:schemeClr>
+              </a:solidFill>
+            </a:endParaRPr>
+          </a:p>
+          <a:p>
+            <a:pPr marL="342900" indent="-342900">
+              <a:lnSpc>
+                <a:spcPct val="150000"/>
+              </a:lnSpc>
+              <a:buFont typeface="+mj-lt"/>
+              <a:buAutoNum type="arabicPeriod"/>
+            </a:pPr>
+            <a:r>
+              <a:rPr lang="zh-TW" altLang="en-US" dirty="0">
+                <a:solidFill>
+                  <a:schemeClr val="bg1"/>
+                </a:solidFill>
+              </a:rPr>
+              <a:t>排列方式  </a:t>
+            </a:r>
+            <a:r>
+              <a:rPr lang="zh-TW" altLang="en-US" b="1" dirty="0">
+                <a:solidFill>
+                  <a:schemeClr val="accent5">
+                    <a:lumMod val="60000"/>
+                    <a:lumOff val="40000"/>
+                  </a:schemeClr>
+                </a:solidFill>
+              </a:rPr>
+              <a:t>由上而下</a:t>
+            </a:r>
+            <a:endParaRPr lang="en-US" altLang="zh-TW" b="1" dirty="0">
+              <a:solidFill>
+                <a:schemeClr val="accent5">
+                  <a:lumMod val="60000"/>
+                  <a:lumOff val="40000"/>
+                </a:schemeClr>
+              </a:solidFill>
+            </a:endParaRPr>
+          </a:p>
+          <a:p>
+            <a:pPr marL="342900" indent="-342900">
+              <a:lnSpc>
+                <a:spcPct val="150000"/>
+              </a:lnSpc>
+              <a:buFont typeface="+mj-lt"/>
+              <a:buAutoNum type="arabicPeriod"/>
+            </a:pPr>
+            <a:r>
+              <a:rPr lang="zh-TW" altLang="en-US" b="1" dirty="0">
+                <a:solidFill>
+                  <a:schemeClr val="accent5">
+                    <a:lumMod val="60000"/>
+                    <a:lumOff val="40000"/>
+                  </a:schemeClr>
+                </a:solidFill>
+              </a:rPr>
+              <a:t>背景顏色 </a:t>
+            </a:r>
+            <a:r>
+              <a:rPr lang="en-US" altLang="zh-TW" b="1" dirty="0">
+                <a:solidFill>
+                  <a:schemeClr val="accent5">
+                    <a:lumMod val="60000"/>
+                    <a:lumOff val="40000"/>
+                  </a:schemeClr>
+                </a:solidFill>
+              </a:rPr>
+              <a:t>(</a:t>
+            </a:r>
+            <a:r>
+              <a:rPr lang="zh-TW" altLang="en-US" b="1" dirty="0">
+                <a:solidFill>
+                  <a:schemeClr val="accent5">
+                    <a:lumMod val="60000"/>
+                    <a:lumOff val="40000"/>
+                  </a:schemeClr>
+                </a:solidFill>
+              </a:rPr>
+              <a:t>可透明</a:t>
+            </a:r>
+            <a:r>
+              <a:rPr lang="en-US" altLang="zh-TW" b="1" dirty="0">
+                <a:solidFill>
+                  <a:schemeClr val="accent5">
+                    <a:lumMod val="60000"/>
+                    <a:lumOff val="40000"/>
+                  </a:schemeClr>
+                </a:solidFill>
+              </a:rPr>
+              <a:t>)</a:t>
+            </a:r>
+          </a:p>
+          <a:p>
+            <a:pPr marL="342900" indent="-342900">
+              <a:lnSpc>
+                <a:spcPct val="150000"/>
+              </a:lnSpc>
+              <a:buFont typeface="+mj-lt"/>
+              <a:buAutoNum type="arabicPeriod"/>
+            </a:pPr>
+            <a:r>
+              <a:rPr lang="zh-TW" altLang="en-US" b="1" dirty="0">
+                <a:solidFill>
+                  <a:schemeClr val="accent5">
+                    <a:lumMod val="60000"/>
+                    <a:lumOff val="40000"/>
+                  </a:schemeClr>
+                </a:solidFill>
+              </a:rPr>
+              <a:t>邊距</a:t>
+            </a:r>
+            <a:endParaRPr lang="en-US" altLang="zh-TW" b="1" dirty="0">
+              <a:solidFill>
+                <a:schemeClr val="accent5">
+                  <a:lumMod val="60000"/>
+                  <a:lumOff val="40000"/>
+                </a:schemeClr>
+              </a:solidFill>
+            </a:endParaRPr>
+          </a:p>
+          <a:p>
+            <a:pPr marL="342900" indent="-342900">
+              <a:lnSpc>
+                <a:spcPct val="150000"/>
+              </a:lnSpc>
+              <a:buFont typeface="+mj-lt"/>
+              <a:buAutoNum type="arabicPeriod"/>
+            </a:pPr>
+            <a:r>
+              <a:rPr lang="zh-TW" altLang="en-US" b="1" dirty="0">
+                <a:solidFill>
+                  <a:schemeClr val="accent5">
+                    <a:lumMod val="60000"/>
+                    <a:lumOff val="40000"/>
+                  </a:schemeClr>
+                </a:solidFill>
+              </a:rPr>
+              <a:t>圓角</a:t>
+            </a:r>
+          </a:p>
+        </p:txBody>
+      </p:sp>
+      <p:grpSp>
+        <p:nvGrpSpPr>
+          <p:cNvPr id="3" name="群組 2">
+            <a:extLst>
+              <a:ext uri="{FF2B5EF4-FFF2-40B4-BE49-F238E27FC236}">
+                <a16:creationId xmlns:a16="http://schemas.microsoft.com/office/drawing/2014/main" id="{D487388F-13AA-4CF8-855F-EE52E17796D2}"/>
+              </a:ext>
+            </a:extLst>
+          </p:cNvPr>
+          <p:cNvGrpSpPr/>
+          <p:nvPr/>
+        </p:nvGrpSpPr>
+        <p:grpSpPr>
+          <a:xfrm>
+            <a:off x="1289481" y="1535837"/>
+            <a:ext cx="9765437" cy="4754091"/>
+            <a:chOff x="0" y="461295"/>
+            <a:chExt cx="12192000" cy="5935410"/>
+          </a:xfrm>
+        </p:grpSpPr>
+        <p:pic>
+          <p:nvPicPr>
+            <p:cNvPr id="10" name="圖片 9">
+              <a:extLst>
+                <a:ext uri="{FF2B5EF4-FFF2-40B4-BE49-F238E27FC236}">
+                  <a16:creationId xmlns:a16="http://schemas.microsoft.com/office/drawing/2014/main" id="{C423AAE2-68DE-41AB-8C86-E2A8DD6EB75C}"/>
+                </a:ext>
+              </a:extLst>
+            </p:cNvPr>
+            <p:cNvPicPr>
+              <a:picLocks noChangeAspect="1"/>
+            </p:cNvPicPr>
+            <p:nvPr/>
+          </p:nvPicPr>
+          <p:blipFill>
+            <a:blip r:embed="rId2"/>
+            <a:stretch>
+              <a:fillRect/>
+            </a:stretch>
+          </p:blipFill>
+          <p:spPr>
+            <a:xfrm>
+              <a:off x="0" y="461295"/>
+              <a:ext cx="12192000" cy="5935410"/>
+            </a:xfrm>
+            <a:prstGeom prst="rect">
+              <a:avLst/>
+            </a:prstGeom>
+          </p:spPr>
+        </p:pic>
+        <p:sp>
+          <p:nvSpPr>
+            <p:cNvPr id="11" name="矩形 10">
+              <a:extLst>
+                <a:ext uri="{FF2B5EF4-FFF2-40B4-BE49-F238E27FC236}">
+                  <a16:creationId xmlns:a16="http://schemas.microsoft.com/office/drawing/2014/main" id="{E0DE7F8B-5361-483F-8D24-D79F8542E20E}"/>
+                </a:ext>
+              </a:extLst>
+            </p:cNvPr>
+            <p:cNvSpPr/>
+            <p:nvPr/>
+          </p:nvSpPr>
+          <p:spPr>
+            <a:xfrm>
+              <a:off x="4577450" y="1330700"/>
+              <a:ext cx="3066001" cy="4270000"/>
+            </a:xfrm>
+            <a:prstGeom prst="rect">
+              <a:avLst/>
+            </a:prstGeom>
+            <a:noFill/>
+            <a:ln w="57150" cap="flat" cmpd="sng" algn="ctr">
+              <a:solidFill>
+                <a:schemeClr val="accent6"/>
+              </a:solidFill>
+              <a:prstDash val="solid"/>
+              <a:round/>
+              <a:headEnd type="none" w="med" len="med"/>
+              <a:tailEnd type="none" w="med" len="med"/>
+            </a:ln>
+          </p:spPr>
+          <p:style>
+            <a:lnRef idx="0">
+              <a:scrgbClr r="0" g="0" b="0"/>
+            </a:lnRef>
+            <a:fillRef idx="0">
+              <a:scrgbClr r="0" g="0" b="0"/>
+            </a:fillRef>
+            <a:effectRef idx="0">
+              <a:scrgbClr r="0" g="0" b="0"/>
+            </a:effectRef>
+            <a:fontRef idx="minor">
+              <a:schemeClr val="accent6"/>
+            </a:fontRef>
+          </p:style>
+          <p:txBody>
+            <a:bodyPr rtlCol="0" anchor="ctr"/>
+            <a:lstStyle/>
+            <a:p>
+              <a:pPr algn="ctr"/>
+              <a:endParaRPr lang="zh-TW" altLang="en-US"/>
+            </a:p>
+          </p:txBody>
+        </p:sp>
+        <p:sp>
+          <p:nvSpPr>
+            <p:cNvPr id="12" name="文字方塊 11">
+              <a:extLst>
+                <a:ext uri="{FF2B5EF4-FFF2-40B4-BE49-F238E27FC236}">
+                  <a16:creationId xmlns:a16="http://schemas.microsoft.com/office/drawing/2014/main" id="{73AA5B0B-D9F9-47F8-B92B-458334CDFFF8}"/>
+                </a:ext>
+              </a:extLst>
+            </p:cNvPr>
+            <p:cNvSpPr txBox="1"/>
+            <p:nvPr/>
+          </p:nvSpPr>
+          <p:spPr>
+            <a:xfrm>
+              <a:off x="3670633" y="1245530"/>
+              <a:ext cx="1410366" cy="369332"/>
+            </a:xfrm>
+            <a:prstGeom prst="rect">
+              <a:avLst/>
+            </a:prstGeom>
+            <a:noFill/>
+          </p:spPr>
+          <p:txBody>
+            <a:bodyPr wrap="square" rtlCol="0">
+              <a:spAutoFit/>
+            </a:bodyPr>
+            <a:lstStyle/>
+            <a:p>
+              <a:r>
+                <a:rPr lang="en-US" altLang="zh-TW" b="1" dirty="0">
+                  <a:solidFill>
+                    <a:schemeClr val="accent6">
+                      <a:lumMod val="75000"/>
+                    </a:schemeClr>
+                  </a:solidFill>
+                  <a:latin typeface="Consolas" panose="020B0609020204030204" pitchFamily="49" charset="0"/>
+                </a:rPr>
+                <a:t>&lt;main&gt;</a:t>
+              </a:r>
+              <a:endParaRPr lang="zh-TW" altLang="en-US" b="1" dirty="0">
+                <a:solidFill>
+                  <a:schemeClr val="accent6">
+                    <a:lumMod val="75000"/>
+                  </a:schemeClr>
+                </a:solidFill>
+                <a:latin typeface="Consolas" panose="020B0609020204030204" pitchFamily="49" charset="0"/>
+              </a:endParaRPr>
+            </a:p>
+          </p:txBody>
+        </p:sp>
+      </p:grpSp>
+    </p:spTree>
+    <p:extLst>
+      <p:ext uri="{BB962C8B-B14F-4D97-AF65-F5344CB8AC3E}">
+        <p14:creationId xmlns:p14="http://schemas.microsoft.com/office/powerpoint/2010/main" val="3681263983"/>
+      </p:ext>
+    </p:extLst>
+  </p:cSld>
+  <p:clrMapOvr>
+    <a:masterClrMapping/>
+  </p:clrMapOvr>
+</p:sld>
+</file>
+
+<file path=ppt/slides/slide29.xml><?xml version="1.0" encoding="utf-8"?>
+<p:sld xmlns:a="http://schemas.openxmlformats.org/drawingml/2006/main" xmlns:r="http://schemas.openxmlformats.org/officeDocument/2006/relationships" xmlns:p="http://schemas.openxmlformats.org/presentationml/2006/main">
+  <p:cSld>
+    <p:spTree>
+      <p:nvGrpSpPr>
+        <p:cNvPr id="1" name=""/>
+        <p:cNvGrpSpPr/>
+        <p:nvPr/>
+      </p:nvGrpSpPr>
+      <p:grpSpPr>
+        <a:xfrm>
+          <a:off x="0" y="0"/>
+          <a:ext cx="0" cy="0"/>
+          <a:chOff x="0" y="0"/>
+          <a:chExt cx="0" cy="0"/>
+        </a:xfrm>
+      </p:grpSpPr>
+      <p:sp>
+        <p:nvSpPr>
+          <p:cNvPr id="2" name="標題 1">
+            <a:extLst>
+              <a:ext uri="{FF2B5EF4-FFF2-40B4-BE49-F238E27FC236}">
+                <a16:creationId xmlns:a16="http://schemas.microsoft.com/office/drawing/2014/main" id="{CAB40E58-6704-44DA-8BF1-24D647C4D083}"/>
+              </a:ext>
+            </a:extLst>
+          </p:cNvPr>
+          <p:cNvSpPr>
+            <a:spLocks noGrp="1"/>
+          </p:cNvSpPr>
+          <p:nvPr>
+            <p:ph type="title"/>
+          </p:nvPr>
+        </p:nvSpPr>
+        <p:spPr/>
+        <p:txBody>
+          <a:bodyPr/>
+          <a:lstStyle/>
+          <a:p>
+            <a:r>
+              <a:rPr lang="zh-TW" altLang="en-US" dirty="0"/>
+              <a:t>設定 </a:t>
+            </a:r>
+            <a:r>
+              <a:rPr lang="en-US" altLang="zh-TW" dirty="0"/>
+              <a:t>main</a:t>
+            </a:r>
+            <a:endParaRPr lang="zh-TW" altLang="en-US" dirty="0"/>
+          </a:p>
+        </p:txBody>
+      </p:sp>
+      <p:sp>
+        <p:nvSpPr>
+          <p:cNvPr id="3" name="內容版面配置區 2">
+            <a:extLst>
+              <a:ext uri="{FF2B5EF4-FFF2-40B4-BE49-F238E27FC236}">
+                <a16:creationId xmlns:a16="http://schemas.microsoft.com/office/drawing/2014/main" id="{F323C9D0-9717-470B-AF01-580BA5A28596}"/>
+              </a:ext>
+            </a:extLst>
+          </p:cNvPr>
+          <p:cNvSpPr>
+            <a:spLocks noGrp="1"/>
+          </p:cNvSpPr>
+          <p:nvPr>
+            <p:ph idx="1"/>
+          </p:nvPr>
+        </p:nvSpPr>
+        <p:spPr>
+          <a:xfrm>
+            <a:off x="1371600" y="1758462"/>
+            <a:ext cx="9867530" cy="4633460"/>
+          </a:xfrm>
+        </p:spPr>
+        <p:txBody>
+          <a:bodyPr>
+            <a:normAutofit/>
+          </a:bodyPr>
+          <a:lstStyle/>
+          <a:p>
+            <a:pPr marL="0" indent="0">
+              <a:buNone/>
+            </a:pPr>
+            <a:r>
+              <a:rPr lang="en-US" altLang="zh-TW" b="0" dirty="0">
+                <a:solidFill>
+                  <a:srgbClr val="89DDFF"/>
+                </a:solidFill>
+                <a:effectLst/>
+                <a:latin typeface="Consolas" panose="020B0609020204030204" pitchFamily="49" charset="0"/>
+              </a:rPr>
+              <a:t>.</a:t>
+            </a:r>
+            <a:r>
+              <a:rPr lang="en-US" altLang="zh-TW" b="0" dirty="0">
+                <a:solidFill>
+                  <a:srgbClr val="FFCB6B"/>
+                </a:solidFill>
+                <a:effectLst/>
+                <a:latin typeface="Consolas" panose="020B0609020204030204" pitchFamily="49" charset="0"/>
+              </a:rPr>
+              <a:t>main</a:t>
+            </a:r>
+            <a:r>
+              <a:rPr lang="en-US" altLang="zh-TW" b="0" dirty="0">
+                <a:solidFill>
+                  <a:srgbClr val="EEFFFF"/>
+                </a:solidFill>
+                <a:effectLst/>
+                <a:latin typeface="Consolas" panose="020B0609020204030204" pitchFamily="49" charset="0"/>
+              </a:rPr>
+              <a:t> </a:t>
+            </a:r>
+            <a:r>
+              <a:rPr lang="en-US" altLang="zh-TW" b="0" dirty="0">
+                <a:solidFill>
+                  <a:srgbClr val="89DDFF"/>
+                </a:solidFill>
+                <a:effectLst/>
+                <a:latin typeface="Consolas" panose="020B0609020204030204" pitchFamily="49" charset="0"/>
+              </a:rPr>
+              <a:t>{</a:t>
+            </a:r>
+            <a:endParaRPr lang="en-US" altLang="zh-TW" b="0" dirty="0">
+              <a:solidFill>
+                <a:srgbClr val="EEFFFF"/>
+              </a:solidFill>
+              <a:effectLst/>
+              <a:latin typeface="Consolas" panose="020B0609020204030204" pitchFamily="49" charset="0"/>
+            </a:endParaRPr>
+          </a:p>
+          <a:p>
+            <a:pPr marL="0" indent="0">
+              <a:buNone/>
+            </a:pPr>
+            <a:r>
+              <a:rPr lang="en-US" altLang="zh-TW" b="0" dirty="0">
+                <a:solidFill>
+                  <a:srgbClr val="EEFFFF"/>
+                </a:solidFill>
+                <a:effectLst/>
+                <a:latin typeface="Consolas" panose="020B0609020204030204" pitchFamily="49" charset="0"/>
+              </a:rPr>
+              <a:t>  </a:t>
+            </a:r>
+            <a:r>
+              <a:rPr lang="en-US" altLang="zh-TW" b="0" dirty="0">
+                <a:solidFill>
+                  <a:srgbClr val="B2CCD6"/>
+                </a:solidFill>
+                <a:effectLst/>
+                <a:latin typeface="Consolas" panose="020B0609020204030204" pitchFamily="49" charset="0"/>
+              </a:rPr>
+              <a:t>display</a:t>
+            </a:r>
+            <a:r>
+              <a:rPr lang="en-US" altLang="zh-TW" b="0" dirty="0">
+                <a:solidFill>
+                  <a:srgbClr val="89DDFF"/>
+                </a:solidFill>
+                <a:effectLst/>
+                <a:latin typeface="Consolas" panose="020B0609020204030204" pitchFamily="49" charset="0"/>
+              </a:rPr>
+              <a:t>:</a:t>
+            </a:r>
+            <a:r>
+              <a:rPr lang="en-US" altLang="zh-TW" b="0" dirty="0">
+                <a:solidFill>
+                  <a:srgbClr val="EEFFFF"/>
+                </a:solidFill>
+                <a:effectLst/>
+                <a:latin typeface="Consolas" panose="020B0609020204030204" pitchFamily="49" charset="0"/>
+              </a:rPr>
+              <a:t> flex</a:t>
+            </a:r>
+            <a:r>
+              <a:rPr lang="en-US" altLang="zh-TW" b="0" dirty="0">
+                <a:solidFill>
+                  <a:srgbClr val="89DDFF"/>
+                </a:solidFill>
+                <a:effectLst/>
+                <a:latin typeface="Consolas" panose="020B0609020204030204" pitchFamily="49" charset="0"/>
+              </a:rPr>
+              <a:t>;</a:t>
+            </a:r>
+          </a:p>
+          <a:p>
+            <a:pPr marL="0" indent="0">
+              <a:buNone/>
+            </a:pPr>
+            <a:r>
+              <a:rPr lang="en-US" altLang="zh-TW" b="0" dirty="0">
+                <a:solidFill>
+                  <a:srgbClr val="B2CCD6"/>
+                </a:solidFill>
+                <a:effectLst/>
+                <a:latin typeface="Consolas" panose="020B0609020204030204" pitchFamily="49" charset="0"/>
+              </a:rPr>
+              <a:t>  flex-direction</a:t>
+            </a:r>
+            <a:r>
+              <a:rPr lang="en-US" altLang="zh-TW" b="0" dirty="0">
+                <a:solidFill>
+                  <a:srgbClr val="89DDFF"/>
+                </a:solidFill>
+                <a:effectLst/>
+                <a:latin typeface="Consolas" panose="020B0609020204030204" pitchFamily="49" charset="0"/>
+              </a:rPr>
+              <a:t>:</a:t>
+            </a:r>
+            <a:r>
+              <a:rPr lang="en-US" altLang="zh-TW" b="0" dirty="0">
+                <a:solidFill>
+                  <a:srgbClr val="EEFFFF"/>
+                </a:solidFill>
+                <a:effectLst/>
+                <a:latin typeface="Consolas" panose="020B0609020204030204" pitchFamily="49" charset="0"/>
+              </a:rPr>
+              <a:t> column</a:t>
+            </a:r>
+            <a:r>
+              <a:rPr lang="en-US" altLang="zh-TW" b="0" dirty="0">
+                <a:solidFill>
+                  <a:srgbClr val="89DDFF"/>
+                </a:solidFill>
+                <a:effectLst/>
+                <a:latin typeface="Consolas" panose="020B0609020204030204" pitchFamily="49" charset="0"/>
+              </a:rPr>
+              <a:t>;</a:t>
+            </a:r>
+            <a:endParaRPr lang="en-US" altLang="zh-TW" b="0" dirty="0">
+              <a:solidFill>
+                <a:srgbClr val="EEFFFF"/>
+              </a:solidFill>
+              <a:effectLst/>
+              <a:latin typeface="Consolas" panose="020B0609020204030204" pitchFamily="49" charset="0"/>
+            </a:endParaRPr>
+          </a:p>
+          <a:p>
+            <a:pPr marL="0" indent="0">
+              <a:buNone/>
+            </a:pPr>
+            <a:r>
+              <a:rPr lang="en-US" altLang="zh-TW" b="0" dirty="0">
+                <a:solidFill>
+                  <a:srgbClr val="EEFFFF"/>
+                </a:solidFill>
+                <a:effectLst/>
+                <a:latin typeface="Consolas" panose="020B0609020204030204" pitchFamily="49" charset="0"/>
+              </a:rPr>
+              <a:t>  </a:t>
+            </a:r>
+            <a:r>
+              <a:rPr lang="en-US" altLang="zh-TW" b="0" dirty="0">
+                <a:solidFill>
+                  <a:srgbClr val="B2CCD6"/>
+                </a:solidFill>
+                <a:effectLst/>
+                <a:latin typeface="Consolas" panose="020B0609020204030204" pitchFamily="49" charset="0"/>
+              </a:rPr>
+              <a:t>align-items</a:t>
+            </a:r>
+            <a:r>
+              <a:rPr lang="en-US" altLang="zh-TW" b="0" dirty="0">
+                <a:solidFill>
+                  <a:srgbClr val="89DDFF"/>
+                </a:solidFill>
+                <a:effectLst/>
+                <a:latin typeface="Consolas" panose="020B0609020204030204" pitchFamily="49" charset="0"/>
+              </a:rPr>
+              <a:t>:</a:t>
+            </a:r>
+            <a:r>
+              <a:rPr lang="en-US" altLang="zh-TW" b="0" dirty="0">
+                <a:solidFill>
+                  <a:srgbClr val="EEFFFF"/>
+                </a:solidFill>
+                <a:effectLst/>
+                <a:latin typeface="Consolas" panose="020B0609020204030204" pitchFamily="49" charset="0"/>
+              </a:rPr>
+              <a:t> center</a:t>
+            </a:r>
+            <a:r>
+              <a:rPr lang="en-US" altLang="zh-TW" b="0" dirty="0">
+                <a:solidFill>
+                  <a:srgbClr val="89DDFF"/>
+                </a:solidFill>
+                <a:effectLst/>
+                <a:latin typeface="Consolas" panose="020B0609020204030204" pitchFamily="49" charset="0"/>
+              </a:rPr>
+              <a:t>;</a:t>
+            </a:r>
+            <a:endParaRPr lang="en-US" altLang="zh-TW" b="0" dirty="0">
+              <a:solidFill>
+                <a:srgbClr val="EEFFFF"/>
+              </a:solidFill>
+              <a:effectLst/>
+              <a:latin typeface="Consolas" panose="020B0609020204030204" pitchFamily="49" charset="0"/>
+            </a:endParaRPr>
+          </a:p>
+          <a:p>
+            <a:pPr marL="0" indent="0">
+              <a:buNone/>
+            </a:pPr>
+            <a:r>
+              <a:rPr lang="en-US" altLang="zh-TW" b="0" dirty="0">
+                <a:solidFill>
+                  <a:srgbClr val="EEFFFF"/>
+                </a:solidFill>
+                <a:effectLst/>
+                <a:latin typeface="Consolas" panose="020B0609020204030204" pitchFamily="49" charset="0"/>
+              </a:rPr>
+              <a:t>  </a:t>
+            </a:r>
+            <a:r>
+              <a:rPr lang="en-US" altLang="zh-TW" b="0" dirty="0">
+                <a:solidFill>
+                  <a:srgbClr val="B2CCD6"/>
+                </a:solidFill>
+                <a:effectLst/>
+                <a:latin typeface="Consolas" panose="020B0609020204030204" pitchFamily="49" charset="0"/>
+              </a:rPr>
+              <a:t>justify-content</a:t>
+            </a:r>
+            <a:r>
+              <a:rPr lang="en-US" altLang="zh-TW" b="0" dirty="0">
+                <a:solidFill>
+                  <a:srgbClr val="89DDFF"/>
+                </a:solidFill>
+                <a:effectLst/>
+                <a:latin typeface="Consolas" panose="020B0609020204030204" pitchFamily="49" charset="0"/>
+              </a:rPr>
+              <a:t>:</a:t>
+            </a:r>
+            <a:r>
+              <a:rPr lang="en-US" altLang="zh-TW" b="0" dirty="0">
+                <a:solidFill>
+                  <a:srgbClr val="EEFFFF"/>
+                </a:solidFill>
+                <a:effectLst/>
+                <a:latin typeface="Consolas" panose="020B0609020204030204" pitchFamily="49" charset="0"/>
+              </a:rPr>
+              <a:t> center</a:t>
+            </a:r>
+            <a:r>
+              <a:rPr lang="en-US" altLang="zh-TW" b="0" dirty="0">
+                <a:solidFill>
+                  <a:srgbClr val="89DDFF"/>
+                </a:solidFill>
+                <a:effectLst/>
+                <a:latin typeface="Consolas" panose="020B0609020204030204" pitchFamily="49" charset="0"/>
+              </a:rPr>
+              <a:t>;</a:t>
+            </a:r>
+            <a:endParaRPr lang="en-US" altLang="zh-TW" b="0" dirty="0">
+              <a:solidFill>
+                <a:srgbClr val="EEFFFF"/>
+              </a:solidFill>
+              <a:effectLst/>
+              <a:latin typeface="Consolas" panose="020B0609020204030204" pitchFamily="49" charset="0"/>
+            </a:endParaRPr>
+          </a:p>
+          <a:p>
+            <a:pPr marL="0" indent="0">
+              <a:buNone/>
+            </a:pPr>
+            <a:r>
+              <a:rPr lang="en-US" altLang="zh-TW" b="0" dirty="0">
+                <a:solidFill>
+                  <a:srgbClr val="EEFFFF"/>
+                </a:solidFill>
+                <a:effectLst/>
+                <a:latin typeface="Consolas" panose="020B0609020204030204" pitchFamily="49" charset="0"/>
+              </a:rPr>
+              <a:t>  </a:t>
+            </a:r>
+            <a:r>
+              <a:rPr lang="en-US" altLang="zh-TW" b="0" dirty="0">
+                <a:solidFill>
+                  <a:srgbClr val="B2CCD6"/>
+                </a:solidFill>
+                <a:effectLst/>
+                <a:latin typeface="Consolas" panose="020B0609020204030204" pitchFamily="49" charset="0"/>
+              </a:rPr>
+              <a:t>background-color</a:t>
+            </a:r>
+            <a:r>
+              <a:rPr lang="en-US" altLang="zh-TW" b="0" dirty="0">
+                <a:solidFill>
+                  <a:srgbClr val="89DDFF"/>
+                </a:solidFill>
+                <a:effectLst/>
+                <a:latin typeface="Consolas" panose="020B0609020204030204" pitchFamily="49" charset="0"/>
+              </a:rPr>
+              <a:t>:</a:t>
+            </a:r>
+            <a:r>
+              <a:rPr lang="en-US" altLang="zh-TW" b="0" dirty="0">
+                <a:solidFill>
+                  <a:srgbClr val="EEFFFF"/>
+                </a:solidFill>
+                <a:effectLst/>
+                <a:latin typeface="Consolas" panose="020B0609020204030204" pitchFamily="49" charset="0"/>
+              </a:rPr>
+              <a:t> </a:t>
+            </a:r>
+            <a:r>
+              <a:rPr lang="en-US" altLang="zh-TW" b="0" dirty="0">
+                <a:solidFill>
+                  <a:srgbClr val="89DDFF"/>
+                </a:solidFill>
+                <a:effectLst/>
+                <a:latin typeface="Consolas" panose="020B0609020204030204" pitchFamily="49" charset="0"/>
+              </a:rPr>
+              <a:t>#</a:t>
+            </a:r>
+            <a:r>
+              <a:rPr lang="en-US" altLang="zh-TW" b="0" dirty="0">
+                <a:solidFill>
+                  <a:srgbClr val="EEFFFF"/>
+                </a:solidFill>
+                <a:effectLst/>
+                <a:latin typeface="Consolas" panose="020B0609020204030204" pitchFamily="49" charset="0"/>
+              </a:rPr>
+              <a:t>fff</a:t>
+            </a:r>
+            <a:r>
+              <a:rPr lang="en-US" altLang="zh-TW" b="0" dirty="0">
+                <a:solidFill>
+                  <a:srgbClr val="89DDFF"/>
+                </a:solidFill>
+                <a:effectLst/>
+                <a:latin typeface="Consolas" panose="020B0609020204030204" pitchFamily="49" charset="0"/>
+              </a:rPr>
+              <a:t>;</a:t>
+            </a:r>
+            <a:endParaRPr lang="en-US" altLang="zh-TW" b="0" dirty="0">
+              <a:solidFill>
+                <a:srgbClr val="EEFFFF"/>
+              </a:solidFill>
+              <a:effectLst/>
+              <a:latin typeface="Consolas" panose="020B0609020204030204" pitchFamily="49" charset="0"/>
+            </a:endParaRPr>
+          </a:p>
+          <a:p>
+            <a:pPr marL="0" indent="0">
+              <a:buNone/>
+            </a:pPr>
+            <a:r>
+              <a:rPr lang="en-US" altLang="zh-TW" b="0" dirty="0">
+                <a:solidFill>
+                  <a:srgbClr val="EEFFFF"/>
+                </a:solidFill>
+                <a:effectLst/>
+                <a:latin typeface="Consolas" panose="020B0609020204030204" pitchFamily="49" charset="0"/>
+              </a:rPr>
+              <a:t>  </a:t>
+            </a:r>
+            <a:r>
+              <a:rPr lang="en-US" altLang="zh-TW" b="0" dirty="0">
+                <a:solidFill>
+                  <a:srgbClr val="B2CCD6"/>
+                </a:solidFill>
+                <a:effectLst/>
+                <a:latin typeface="Consolas" panose="020B0609020204030204" pitchFamily="49" charset="0"/>
+              </a:rPr>
+              <a:t>opacity</a:t>
+            </a:r>
+            <a:r>
+              <a:rPr lang="en-US" altLang="zh-TW" b="0" dirty="0">
+                <a:solidFill>
+                  <a:srgbClr val="89DDFF"/>
+                </a:solidFill>
+                <a:effectLst/>
+                <a:latin typeface="Consolas" panose="020B0609020204030204" pitchFamily="49" charset="0"/>
+              </a:rPr>
+              <a:t>:</a:t>
+            </a:r>
+            <a:r>
+              <a:rPr lang="en-US" altLang="zh-TW" b="0" dirty="0">
+                <a:solidFill>
+                  <a:srgbClr val="EEFFFF"/>
+                </a:solidFill>
+                <a:effectLst/>
+                <a:latin typeface="Consolas" panose="020B0609020204030204" pitchFamily="49" charset="0"/>
+              </a:rPr>
+              <a:t> </a:t>
+            </a:r>
+            <a:r>
+              <a:rPr lang="en-US" altLang="zh-TW" b="0" dirty="0">
+                <a:solidFill>
+                  <a:srgbClr val="F78C6C"/>
+                </a:solidFill>
+                <a:effectLst/>
+                <a:latin typeface="Consolas" panose="020B0609020204030204" pitchFamily="49" charset="0"/>
+              </a:rPr>
+              <a:t>0.9</a:t>
+            </a:r>
+            <a:r>
+              <a:rPr lang="en-US" altLang="zh-TW" b="0" dirty="0">
+                <a:solidFill>
+                  <a:srgbClr val="89DDFF"/>
+                </a:solidFill>
+                <a:effectLst/>
+                <a:latin typeface="Consolas" panose="020B0609020204030204" pitchFamily="49" charset="0"/>
+              </a:rPr>
+              <a:t>;</a:t>
+            </a:r>
+            <a:endParaRPr lang="en-US" altLang="zh-TW" b="0" dirty="0">
+              <a:solidFill>
+                <a:srgbClr val="EEFFFF"/>
+              </a:solidFill>
+              <a:effectLst/>
+              <a:latin typeface="Consolas" panose="020B0609020204030204" pitchFamily="49" charset="0"/>
+            </a:endParaRPr>
+          </a:p>
+          <a:p>
+            <a:pPr marL="0" indent="0">
+              <a:buNone/>
+            </a:pPr>
+            <a:r>
+              <a:rPr lang="en-US" altLang="zh-TW" b="0" dirty="0">
+                <a:solidFill>
+                  <a:srgbClr val="EEFFFF"/>
+                </a:solidFill>
+                <a:effectLst/>
+                <a:latin typeface="Consolas" panose="020B0609020204030204" pitchFamily="49" charset="0"/>
+              </a:rPr>
+              <a:t>  </a:t>
+            </a:r>
+            <a:r>
+              <a:rPr lang="en-US" altLang="zh-TW" b="0" dirty="0">
+                <a:solidFill>
+                  <a:srgbClr val="B2CCD6"/>
+                </a:solidFill>
+                <a:effectLst/>
+                <a:latin typeface="Consolas" panose="020B0609020204030204" pitchFamily="49" charset="0"/>
+              </a:rPr>
+              <a:t>padding</a:t>
+            </a:r>
+            <a:r>
+              <a:rPr lang="en-US" altLang="zh-TW" b="0" dirty="0">
+                <a:solidFill>
+                  <a:srgbClr val="89DDFF"/>
+                </a:solidFill>
+                <a:effectLst/>
+                <a:latin typeface="Consolas" panose="020B0609020204030204" pitchFamily="49" charset="0"/>
+              </a:rPr>
+              <a:t>:</a:t>
+            </a:r>
+            <a:r>
+              <a:rPr lang="en-US" altLang="zh-TW" b="0" dirty="0">
+                <a:solidFill>
+                  <a:srgbClr val="EEFFFF"/>
+                </a:solidFill>
+                <a:effectLst/>
+                <a:latin typeface="Consolas" panose="020B0609020204030204" pitchFamily="49" charset="0"/>
+              </a:rPr>
+              <a:t> </a:t>
+            </a:r>
+            <a:r>
+              <a:rPr lang="en-US" altLang="zh-TW" b="0" dirty="0">
+                <a:solidFill>
+                  <a:srgbClr val="F78C6C"/>
+                </a:solidFill>
+                <a:effectLst/>
+                <a:latin typeface="Consolas" panose="020B0609020204030204" pitchFamily="49" charset="0"/>
+              </a:rPr>
+              <a:t>1rem</a:t>
+            </a:r>
+            <a:r>
+              <a:rPr lang="en-US" altLang="zh-TW" b="0" dirty="0">
+                <a:solidFill>
+                  <a:srgbClr val="EEFFFF"/>
+                </a:solidFill>
+                <a:effectLst/>
+                <a:latin typeface="Consolas" panose="020B0609020204030204" pitchFamily="49" charset="0"/>
+              </a:rPr>
+              <a:t> </a:t>
+            </a:r>
+            <a:r>
+              <a:rPr lang="en-US" altLang="zh-TW" b="0" dirty="0">
+                <a:solidFill>
+                  <a:srgbClr val="F78C6C"/>
+                </a:solidFill>
+                <a:effectLst/>
+                <a:latin typeface="Consolas" panose="020B0609020204030204" pitchFamily="49" charset="0"/>
+              </a:rPr>
+              <a:t>2rem</a:t>
+            </a:r>
+            <a:r>
+              <a:rPr lang="en-US" altLang="zh-TW" b="0" dirty="0">
+                <a:solidFill>
+                  <a:srgbClr val="89DDFF"/>
+                </a:solidFill>
+                <a:effectLst/>
+                <a:latin typeface="Consolas" panose="020B0609020204030204" pitchFamily="49" charset="0"/>
+              </a:rPr>
+              <a:t>;</a:t>
+            </a:r>
+            <a:endParaRPr lang="en-US" altLang="zh-TW" b="0" dirty="0">
+              <a:solidFill>
+                <a:srgbClr val="EEFFFF"/>
+              </a:solidFill>
+              <a:effectLst/>
+              <a:latin typeface="Consolas" panose="020B0609020204030204" pitchFamily="49" charset="0"/>
+            </a:endParaRPr>
+          </a:p>
+          <a:p>
+            <a:pPr marL="0" indent="0">
+              <a:buNone/>
+            </a:pPr>
+            <a:r>
+              <a:rPr lang="en-US" altLang="zh-TW" b="0" dirty="0">
+                <a:solidFill>
+                  <a:srgbClr val="EEFFFF"/>
+                </a:solidFill>
+                <a:effectLst/>
+                <a:latin typeface="Consolas" panose="020B0609020204030204" pitchFamily="49" charset="0"/>
+              </a:rPr>
+              <a:t>  </a:t>
+            </a:r>
+            <a:r>
+              <a:rPr lang="en-US" altLang="zh-TW" b="0" dirty="0">
+                <a:solidFill>
+                  <a:srgbClr val="B2CCD6"/>
+                </a:solidFill>
+                <a:effectLst/>
+                <a:latin typeface="Consolas" panose="020B0609020204030204" pitchFamily="49" charset="0"/>
+              </a:rPr>
+              <a:t>border-radius</a:t>
+            </a:r>
+            <a:r>
+              <a:rPr lang="en-US" altLang="zh-TW" b="0" dirty="0">
+                <a:solidFill>
+                  <a:srgbClr val="89DDFF"/>
+                </a:solidFill>
+                <a:effectLst/>
+                <a:latin typeface="Consolas" panose="020B0609020204030204" pitchFamily="49" charset="0"/>
+              </a:rPr>
+              <a:t>:</a:t>
+            </a:r>
+            <a:r>
+              <a:rPr lang="en-US" altLang="zh-TW" b="0" dirty="0">
+                <a:solidFill>
+                  <a:srgbClr val="EEFFFF"/>
+                </a:solidFill>
+                <a:effectLst/>
+                <a:latin typeface="Consolas" panose="020B0609020204030204" pitchFamily="49" charset="0"/>
+              </a:rPr>
+              <a:t> </a:t>
+            </a:r>
+            <a:r>
+              <a:rPr lang="en-US" altLang="zh-TW" b="0" dirty="0">
+                <a:solidFill>
+                  <a:srgbClr val="F78C6C"/>
+                </a:solidFill>
+                <a:effectLst/>
+                <a:latin typeface="Consolas" panose="020B0609020204030204" pitchFamily="49" charset="0"/>
+              </a:rPr>
+              <a:t>10px</a:t>
+            </a:r>
+            <a:r>
+              <a:rPr lang="en-US" altLang="zh-TW" b="0" dirty="0">
+                <a:solidFill>
+                  <a:srgbClr val="89DDFF"/>
+                </a:solidFill>
+                <a:effectLst/>
+                <a:latin typeface="Consolas" panose="020B0609020204030204" pitchFamily="49" charset="0"/>
+              </a:rPr>
+              <a:t>;</a:t>
+            </a:r>
+            <a:endParaRPr lang="en-US" altLang="zh-TW" b="0" dirty="0">
+              <a:solidFill>
+                <a:srgbClr val="EEFFFF"/>
+              </a:solidFill>
+              <a:effectLst/>
+              <a:latin typeface="Consolas" panose="020B0609020204030204" pitchFamily="49" charset="0"/>
+            </a:endParaRPr>
+          </a:p>
+          <a:p>
+            <a:pPr marL="0" indent="0">
+              <a:buNone/>
+            </a:pPr>
+            <a:r>
+              <a:rPr lang="en-US" altLang="zh-TW" b="0" dirty="0">
+                <a:solidFill>
+                  <a:srgbClr val="EEFFFF"/>
+                </a:solidFill>
+                <a:effectLst/>
+                <a:latin typeface="Consolas" panose="020B0609020204030204" pitchFamily="49" charset="0"/>
+              </a:rPr>
+              <a:t>  </a:t>
+            </a:r>
+            <a:r>
+              <a:rPr lang="en-US" altLang="zh-TW" b="0" dirty="0">
+                <a:solidFill>
+                  <a:srgbClr val="89DDFF"/>
+                </a:solidFill>
+                <a:effectLst/>
+                <a:latin typeface="Consolas" panose="020B0609020204030204" pitchFamily="49" charset="0"/>
+              </a:rPr>
+              <a:t>}</a:t>
+            </a:r>
+            <a:endParaRPr lang="en-US" altLang="zh-TW" b="0" dirty="0">
+              <a:solidFill>
+                <a:srgbClr val="EEFFFF"/>
+              </a:solidFill>
+              <a:effectLst/>
+              <a:latin typeface="Consolas" panose="020B0609020204030204" pitchFamily="49" charset="0"/>
+            </a:endParaRPr>
+          </a:p>
+        </p:txBody>
+      </p:sp>
+    </p:spTree>
+    <p:extLst>
+      <p:ext uri="{BB962C8B-B14F-4D97-AF65-F5344CB8AC3E}">
+        <p14:creationId xmlns:p14="http://schemas.microsoft.com/office/powerpoint/2010/main" val="67735345"/>
       </p:ext>
     </p:extLst>
   </p:cSld>

--- a/sidle-project-porfit.pptx
+++ b/sidle-project-porfit.pptx
@@ -5,7 +5,7 @@
     <p:sldMasterId id="2147483648" r:id="rId1"/>
   </p:sldMasterIdLst>
   <p:notesMasterIdLst>
-    <p:notesMasterId r:id="rId45"/>
+    <p:notesMasterId r:id="rId48"/>
   </p:notesMasterIdLst>
   <p:sldIdLst>
     <p:sldId id="443" r:id="rId2"/>
@@ -51,6 +51,9 @@
     <p:sldId id="476" r:id="rId42"/>
     <p:sldId id="475" r:id="rId43"/>
     <p:sldId id="478" r:id="rId44"/>
+    <p:sldId id="479" r:id="rId45"/>
+    <p:sldId id="480" r:id="rId46"/>
+    <p:sldId id="481" r:id="rId47"/>
   </p:sldIdLst>
   <p:sldSz cx="12192000" cy="6858000"/>
   <p:notesSz cx="6858000" cy="9144000"/>
@@ -251,7 +254,7 @@
           <a:p>
             <a:fld id="{F8F9F50E-CBF4-4BC9-B9FE-221518E4EE47}" type="datetimeFigureOut">
               <a:rPr lang="zh-TW" altLang="en-US" smtClean="0"/>
-              <a:t>2021/5/12</a:t>
+              <a:t>2021/5/14</a:t>
             </a:fld>
             <a:endParaRPr lang="zh-TW" altLang="en-US"/>
           </a:p>
@@ -688,7 +691,7 @@
             <a:fld id="{87DE6118-2437-4B30-8E3C-4D2BE6020583}" type="datetimeFigureOut">
               <a:rPr lang="en-US" dirty="0"/>
               <a:pPr/>
-              <a:t>5/12/2021</a:t>
+              <a:t>5/14/2021</a:t>
             </a:fld>
             <a:endParaRPr lang="en-US" dirty="0"/>
           </a:p>
@@ -1164,7 +1167,7 @@
             <a:fld id="{87DE6118-2437-4B30-8E3C-4D2BE6020583}" type="datetimeFigureOut">
               <a:rPr lang="en-US" dirty="0"/>
               <a:pPr/>
-              <a:t>5/12/2021</a:t>
+              <a:t>5/14/2021</a:t>
             </a:fld>
             <a:endParaRPr lang="en-US" dirty="0"/>
           </a:p>
@@ -1399,7 +1402,7 @@
           <a:p>
             <a:fld id="{87DE6118-2437-4B30-8E3C-4D2BE6020583}" type="datetimeFigureOut">
               <a:rPr lang="en-US" dirty="0"/>
-              <a:t>5/12/2021</a:t>
+              <a:t>5/14/2021</a:t>
             </a:fld>
             <a:endParaRPr lang="en-US" dirty="0"/>
           </a:p>
@@ -1574,7 +1577,7 @@
           <a:p>
             <a:fld id="{87DE6118-2437-4B30-8E3C-4D2BE6020583}" type="datetimeFigureOut">
               <a:rPr lang="en-US" dirty="0"/>
-              <a:t>5/12/2021</a:t>
+              <a:t>5/14/2021</a:t>
             </a:fld>
             <a:endParaRPr lang="en-US" dirty="0"/>
           </a:p>
@@ -1788,7 +1791,7 @@
             <a:fld id="{87DE6118-2437-4B30-8E3C-4D2BE6020583}" type="datetimeFigureOut">
               <a:rPr lang="en-US" smtClean="0"/>
               <a:pPr/>
-              <a:t>5/12/2021</a:t>
+              <a:t>5/14/2021</a:t>
             </a:fld>
             <a:endParaRPr lang="en-US" dirty="0"/>
           </a:p>
@@ -2064,7 +2067,7 @@
             <a:fld id="{87DE6118-2437-4B30-8E3C-4D2BE6020583}" type="datetimeFigureOut">
               <a:rPr lang="en-US" smtClean="0"/>
               <a:pPr/>
-              <a:t>5/12/2021</a:t>
+              <a:t>5/14/2021</a:t>
             </a:fld>
             <a:endParaRPr lang="en-US" dirty="0"/>
           </a:p>
@@ -2355,7 +2358,7 @@
             <a:fld id="{87DE6118-2437-4B30-8E3C-4D2BE6020583}" type="datetimeFigureOut">
               <a:rPr lang="en-US" dirty="0"/>
               <a:pPr/>
-              <a:t>5/12/2021</a:t>
+              <a:t>5/14/2021</a:t>
             </a:fld>
             <a:endParaRPr lang="en-US" dirty="0"/>
           </a:p>
@@ -2745,7 +2748,7 @@
           <a:p>
             <a:fld id="{87DE6118-2437-4B30-8E3C-4D2BE6020583}" type="datetimeFigureOut">
               <a:rPr lang="en-US" dirty="0"/>
-              <a:t>5/12/2021</a:t>
+              <a:t>5/14/2021</a:t>
             </a:fld>
             <a:endParaRPr lang="en-US" dirty="0"/>
           </a:p>
@@ -3217,7 +3220,7 @@
           <a:p>
             <a:fld id="{87DE6118-2437-4B30-8E3C-4D2BE6020583}" type="datetimeFigureOut">
               <a:rPr lang="en-US" dirty="0"/>
-              <a:t>5/12/2021</a:t>
+              <a:t>5/14/2021</a:t>
             </a:fld>
             <a:endParaRPr lang="en-US" dirty="0"/>
           </a:p>
@@ -3330,7 +3333,7 @@
           <a:p>
             <a:fld id="{87DE6118-2437-4B30-8E3C-4D2BE6020583}" type="datetimeFigureOut">
               <a:rPr lang="en-US" dirty="0"/>
-              <a:t>5/12/2021</a:t>
+              <a:t>5/14/2021</a:t>
             </a:fld>
             <a:endParaRPr lang="en-US" dirty="0"/>
           </a:p>
@@ -3420,7 +3423,7 @@
           <a:p>
             <a:fld id="{87DE6118-2437-4B30-8E3C-4D2BE6020583}" type="datetimeFigureOut">
               <a:rPr lang="en-US" dirty="0"/>
-              <a:t>5/12/2021</a:t>
+              <a:t>5/14/2021</a:t>
             </a:fld>
             <a:endParaRPr lang="en-US" dirty="0"/>
           </a:p>
@@ -3762,7 +3765,7 @@
             <a:fld id="{87DE6118-2437-4B30-8E3C-4D2BE6020583}" type="datetimeFigureOut">
               <a:rPr lang="en-US" dirty="0"/>
               <a:pPr/>
-              <a:t>5/12/2021</a:t>
+              <a:t>5/14/2021</a:t>
             </a:fld>
             <a:endParaRPr lang="en-US" dirty="0"/>
           </a:p>
@@ -4037,7 +4040,7 @@
             <a:fld id="{87DE6118-2437-4B30-8E3C-4D2BE6020583}" type="datetimeFigureOut">
               <a:rPr lang="en-US" dirty="0"/>
               <a:pPr/>
-              <a:t>5/12/2021</a:t>
+              <a:t>5/14/2021</a:t>
             </a:fld>
             <a:endParaRPr lang="en-US" dirty="0"/>
           </a:p>
@@ -4577,7 +4580,7 @@
             </a:r>
             <a:r>
               <a:rPr lang="zh-TW" altLang="en-US" dirty="0"/>
-              <a:t>寫法</a:t>
+              <a:t>選擇器</a:t>
             </a:r>
           </a:p>
         </p:txBody>
@@ -8640,8 +8643,8 @@
         </p:nvSpPr>
         <p:spPr>
           <a:xfrm>
-            <a:off x="1437442" y="1465499"/>
-            <a:ext cx="9317115" cy="4686726"/>
+            <a:off x="1437442" y="435006"/>
+            <a:ext cx="9317115" cy="6347534"/>
           </a:xfrm>
         </p:spPr>
         <p:txBody>
@@ -8651,221 +8654,14 @@
           <a:lstStyle/>
           <a:p>
             <a:r>
-              <a:rPr lang="en-US" altLang="zh-TW" sz="2800" b="1" i="0" dirty="0">
+              <a:rPr lang="zh-TW" altLang="en-US" sz="2800" b="1" dirty="0">
                 <a:solidFill>
                   <a:schemeClr val="accent5">
                     <a:lumMod val="75000"/>
                   </a:schemeClr>
                 </a:solidFill>
-                <a:effectLst/>
-                <a:latin typeface="Consolas" panose="020B0609020204030204" pitchFamily="49" charset="0"/>
-              </a:rPr>
-              <a:t>h1</a:t>
-            </a:r>
-            <a:r>
-              <a:rPr lang="en-US" altLang="zh-TW" sz="2800" b="1" i="0" dirty="0">
-                <a:solidFill>
-                  <a:schemeClr val="accent6">
-                    <a:lumMod val="75000"/>
-                  </a:schemeClr>
-                </a:solidFill>
-                <a:effectLst/>
-                <a:latin typeface="Consolas" panose="020B0609020204030204" pitchFamily="49" charset="0"/>
-              </a:rPr>
-              <a:t>,</a:t>
-            </a:r>
-            <a:r>
-              <a:rPr lang="en-US" altLang="zh-TW" sz="2800" b="1" i="0" dirty="0">
-                <a:solidFill>
-                  <a:schemeClr val="accent5">
-                    <a:lumMod val="75000"/>
-                  </a:schemeClr>
-                </a:solidFill>
-                <a:effectLst/>
-                <a:latin typeface="Consolas" panose="020B0609020204030204" pitchFamily="49" charset="0"/>
-              </a:rPr>
-              <a:t> h2</a:t>
-            </a:r>
-            <a:r>
-              <a:rPr lang="en-US" altLang="zh-TW" sz="2800" b="1" i="0" dirty="0">
-                <a:solidFill>
-                  <a:schemeClr val="accent6">
-                    <a:lumMod val="75000"/>
-                  </a:schemeClr>
-                </a:solidFill>
-                <a:effectLst/>
-                <a:latin typeface="Consolas" panose="020B0609020204030204" pitchFamily="49" charset="0"/>
-              </a:rPr>
-              <a:t>,</a:t>
-            </a:r>
-            <a:r>
-              <a:rPr lang="en-US" altLang="zh-TW" sz="2800" b="1" i="0" dirty="0">
-                <a:solidFill>
-                  <a:schemeClr val="accent5">
-                    <a:lumMod val="75000"/>
-                  </a:schemeClr>
-                </a:solidFill>
-                <a:effectLst/>
-                <a:latin typeface="Consolas" panose="020B0609020204030204" pitchFamily="49" charset="0"/>
-              </a:rPr>
-              <a:t> p </a:t>
-            </a:r>
-            <a:r>
-              <a:rPr lang="en-US" altLang="zh-TW" sz="2800" b="0" i="0" dirty="0">
-                <a:solidFill>
-                  <a:srgbClr val="000000"/>
-                </a:solidFill>
-                <a:effectLst/>
-                <a:latin typeface="Consolas" panose="020B0609020204030204" pitchFamily="49" charset="0"/>
-              </a:rPr>
-              <a:t>{</a:t>
-            </a:r>
-            <a:br>
-              <a:rPr lang="en-US" altLang="zh-TW" sz="2800" b="0" i="0" dirty="0">
-                <a:solidFill>
-                  <a:srgbClr val="FF0000"/>
-                </a:solidFill>
-                <a:effectLst/>
-                <a:latin typeface="Consolas" panose="020B0609020204030204" pitchFamily="49" charset="0"/>
-              </a:rPr>
-            </a:br>
-            <a:r>
-              <a:rPr lang="en-US" altLang="zh-TW" sz="2800" b="0" i="0" dirty="0">
-                <a:solidFill>
-                  <a:schemeClr val="accent4">
-                    <a:lumMod val="50000"/>
-                  </a:schemeClr>
-                </a:solidFill>
-                <a:effectLst/>
-                <a:latin typeface="Consolas" panose="020B0609020204030204" pitchFamily="49" charset="0"/>
-              </a:rPr>
-              <a:t>  text-align: center;</a:t>
-            </a:r>
-            <a:br>
-              <a:rPr lang="en-US" altLang="zh-TW" sz="2800" b="0" i="0" dirty="0">
-                <a:solidFill>
-                  <a:schemeClr val="accent4">
-                    <a:lumMod val="50000"/>
-                  </a:schemeClr>
-                </a:solidFill>
-                <a:effectLst/>
-                <a:latin typeface="Consolas" panose="020B0609020204030204" pitchFamily="49" charset="0"/>
-              </a:rPr>
-            </a:br>
-            <a:r>
-              <a:rPr lang="en-US" altLang="zh-TW" sz="2800" b="0" i="0" dirty="0">
-                <a:solidFill>
-                  <a:schemeClr val="accent4">
-                    <a:lumMod val="50000"/>
-                  </a:schemeClr>
-                </a:solidFill>
-                <a:effectLst/>
-                <a:latin typeface="Consolas" panose="020B0609020204030204" pitchFamily="49" charset="0"/>
-              </a:rPr>
-              <a:t>  color: red;</a:t>
-            </a:r>
-            <a:br>
-              <a:rPr lang="en-US" altLang="zh-TW" sz="2800" b="0" i="0" dirty="0">
-                <a:solidFill>
-                  <a:srgbClr val="FF0000"/>
-                </a:solidFill>
-                <a:effectLst/>
-                <a:latin typeface="Consolas" panose="020B0609020204030204" pitchFamily="49" charset="0"/>
-              </a:rPr>
-            </a:br>
-            <a:r>
-              <a:rPr lang="en-US" altLang="zh-TW" sz="2800" b="0" i="0" dirty="0">
-                <a:solidFill>
-                  <a:srgbClr val="000000"/>
-                </a:solidFill>
-                <a:effectLst/>
-                <a:latin typeface="Consolas" panose="020B0609020204030204" pitchFamily="49" charset="0"/>
-              </a:rPr>
-              <a:t>}</a:t>
-            </a:r>
-          </a:p>
-          <a:p>
-            <a:r>
-              <a:rPr lang="en-US" altLang="zh-TW" sz="2800" b="1" dirty="0">
-                <a:solidFill>
-                  <a:schemeClr val="accent5">
-                    <a:lumMod val="75000"/>
-                  </a:schemeClr>
-                </a:solidFill>
-              </a:rPr>
-              <a:t>.textbox </a:t>
-            </a:r>
-            <a:r>
-              <a:rPr lang="en-US" altLang="zh-TW" sz="2800" b="1" dirty="0">
-                <a:solidFill>
-                  <a:schemeClr val="accent6">
-                    <a:lumMod val="75000"/>
-                  </a:schemeClr>
-                </a:solidFill>
-              </a:rPr>
-              <a:t>&gt;</a:t>
-            </a:r>
-            <a:r>
-              <a:rPr lang="en-US" altLang="zh-TW" sz="2800" b="1" dirty="0">
-                <a:solidFill>
-                  <a:schemeClr val="accent5">
-                    <a:lumMod val="75000"/>
-                  </a:schemeClr>
-                </a:solidFill>
-              </a:rPr>
-              <a:t> h1</a:t>
-            </a:r>
-            <a:r>
-              <a:rPr lang="en-US" altLang="zh-TW" sz="2800" b="0" i="0" dirty="0">
-                <a:solidFill>
-                  <a:srgbClr val="000000"/>
-                </a:solidFill>
-                <a:effectLst/>
-                <a:latin typeface="Consolas" panose="020B0609020204030204" pitchFamily="49" charset="0"/>
-              </a:rPr>
-              <a:t>{</a:t>
-            </a:r>
-            <a:br>
-              <a:rPr lang="en-US" altLang="zh-TW" sz="2800" b="0" i="0" dirty="0">
-                <a:solidFill>
-                  <a:schemeClr val="accent4">
-                    <a:lumMod val="50000"/>
-                  </a:schemeClr>
-                </a:solidFill>
-                <a:effectLst/>
-                <a:latin typeface="Consolas" panose="020B0609020204030204" pitchFamily="49" charset="0"/>
-              </a:rPr>
-            </a:br>
-            <a:r>
-              <a:rPr lang="en-US" altLang="zh-TW" sz="2800" b="0" i="0" dirty="0">
-                <a:solidFill>
-                  <a:schemeClr val="accent4">
-                    <a:lumMod val="50000"/>
-                  </a:schemeClr>
-                </a:solidFill>
-                <a:effectLst/>
-                <a:latin typeface="Consolas" panose="020B0609020204030204" pitchFamily="49" charset="0"/>
-              </a:rPr>
-              <a:t>  color: red;</a:t>
-            </a:r>
-            <a:br>
-              <a:rPr lang="en-US" altLang="zh-TW" sz="2800" b="0" i="0" dirty="0">
-                <a:solidFill>
-                  <a:srgbClr val="FF0000"/>
-                </a:solidFill>
-                <a:effectLst/>
-                <a:latin typeface="Consolas" panose="020B0609020204030204" pitchFamily="49" charset="0"/>
-              </a:rPr>
-            </a:br>
-            <a:r>
-              <a:rPr lang="en-US" altLang="zh-TW" sz="2800" b="0" i="0" dirty="0">
-                <a:solidFill>
-                  <a:srgbClr val="000000"/>
-                </a:solidFill>
-                <a:effectLst/>
-                <a:latin typeface="Consolas" panose="020B0609020204030204" pitchFamily="49" charset="0"/>
-              </a:rPr>
-              <a:t>}</a:t>
+              </a:rPr>
+              <a:t>分組選擇器</a:t>
             </a:r>
             <a:endParaRPr lang="en-US" altLang="zh-TW" sz="2800" b="1" dirty="0">
               <a:solidFill>
@@ -8876,15 +8672,68 @@
             </a:endParaRPr>
           </a:p>
           <a:p>
-            <a:r>
-              <a:rPr lang="en-US" altLang="zh-TW" sz="2800" b="1" dirty="0">
+            <a:pPr marL="0" indent="0">
+              <a:buNone/>
+            </a:pPr>
+            <a:r>
+              <a:rPr lang="en-US" altLang="zh-TW" sz="2800" b="1" i="0" dirty="0">
                 <a:solidFill>
                   <a:schemeClr val="accent5">
                     <a:lumMod val="75000"/>
                   </a:schemeClr>
                 </a:solidFill>
-              </a:rPr>
-              <a:t>.textbox h1</a:t>
+                <a:effectLst/>
+                <a:latin typeface="Consolas" panose="020B0609020204030204" pitchFamily="49" charset="0"/>
+              </a:rPr>
+              <a:t>h1</a:t>
+            </a:r>
+            <a:r>
+              <a:rPr lang="en-US" altLang="zh-TW" sz="2800" b="1" i="0" dirty="0">
+                <a:solidFill>
+                  <a:schemeClr val="accent6">
+                    <a:lumMod val="75000"/>
+                  </a:schemeClr>
+                </a:solidFill>
+                <a:effectLst/>
+                <a:latin typeface="Consolas" panose="020B0609020204030204" pitchFamily="49" charset="0"/>
+              </a:rPr>
+              <a:t>,</a:t>
+            </a:r>
+            <a:r>
+              <a:rPr lang="en-US" altLang="zh-TW" sz="2800" b="1" i="0" dirty="0">
+                <a:solidFill>
+                  <a:schemeClr val="accent5">
+                    <a:lumMod val="75000"/>
+                  </a:schemeClr>
+                </a:solidFill>
+                <a:effectLst/>
+                <a:latin typeface="Consolas" panose="020B0609020204030204" pitchFamily="49" charset="0"/>
+              </a:rPr>
+              <a:t> h2</a:t>
+            </a:r>
+            <a:r>
+              <a:rPr lang="en-US" altLang="zh-TW" sz="2800" b="1" i="0" dirty="0">
+                <a:solidFill>
+                  <a:schemeClr val="accent6">
+                    <a:lumMod val="75000"/>
+                  </a:schemeClr>
+                </a:solidFill>
+                <a:effectLst/>
+                <a:latin typeface="Consolas" panose="020B0609020204030204" pitchFamily="49" charset="0"/>
+              </a:rPr>
+              <a:t>,</a:t>
+            </a:r>
+            <a:r>
+              <a:rPr lang="en-US" altLang="zh-TW" sz="2800" b="1" i="0" dirty="0">
+                <a:solidFill>
+                  <a:schemeClr val="accent5">
+                    <a:lumMod val="75000"/>
+                  </a:schemeClr>
+                </a:solidFill>
+                <a:effectLst/>
+                <a:latin typeface="Consolas" panose="020B0609020204030204" pitchFamily="49" charset="0"/>
+              </a:rPr>
+              <a:t> p </a:t>
             </a:r>
             <a:r>
               <a:rPr lang="en-US" altLang="zh-TW" sz="2800" b="0" i="0" dirty="0">
@@ -8897,6 +8746,15 @@
               <a:t>{</a:t>
             </a:r>
             <a:br>
+              <a:rPr lang="en-US" altLang="zh-TW" sz="2800" b="0" i="0" dirty="0">
+                <a:solidFill>
+                  <a:srgbClr val="FF0000"/>
+                </a:solidFill>
+                <a:effectLst/>
+                <a:latin typeface="Consolas" panose="020B0609020204030204" pitchFamily="49" charset="0"/>
+              </a:rPr>
+            </a:br>
+            <a:r>
               <a:rPr lang="en-US" altLang="zh-TW" sz="2800" b="0" i="0" dirty="0">
                 <a:solidFill>
                   <a:schemeClr val="accent4">
@@ -8906,8 +8764,9 @@
                 <a:effectLst/>
                 <a:latin typeface="Consolas" panose="020B0609020204030204" pitchFamily="49" charset="0"/>
               </a:rPr>
-            </a:br>
-            <a:r>
+              <a:t>  text-align: center;</a:t>
+            </a:r>
+            <a:br>
               <a:rPr lang="en-US" altLang="zh-TW" sz="2800" b="0" i="0" dirty="0">
                 <a:solidFill>
                   <a:schemeClr val="accent4">
@@ -8917,6 +8776,17 @@
                 <a:effectLst/>
                 <a:latin typeface="Consolas" panose="020B0609020204030204" pitchFamily="49" charset="0"/>
               </a:rPr>
+            </a:br>
+            <a:r>
+              <a:rPr lang="en-US" altLang="zh-TW" sz="2800" b="0" i="0" dirty="0">
+                <a:solidFill>
+                  <a:schemeClr val="accent4">
+                    <a:lumMod val="50000"/>
+                  </a:schemeClr>
+                </a:solidFill>
+                <a:effectLst/>
+                <a:latin typeface="Consolas" panose="020B0609020204030204" pitchFamily="49" charset="0"/>
+              </a:rPr>
               <a:t>  color: red;</a:t>
             </a:r>
             <a:br>
@@ -8938,6 +8808,287 @@
               </a:rPr>
               <a:t>}</a:t>
             </a:r>
+          </a:p>
+          <a:p>
+            <a:r>
+              <a:rPr lang="zh-TW" altLang="en-US" sz="2800" b="1" dirty="0">
+                <a:solidFill>
+                  <a:schemeClr val="accent5">
+                    <a:lumMod val="75000"/>
+                  </a:schemeClr>
+                </a:solidFill>
+              </a:rPr>
+              <a:t>後代選擇器</a:t>
+            </a:r>
+            <a:r>
+              <a:rPr lang="en-US" altLang="zh-TW" sz="2800" b="1" dirty="0">
+                <a:solidFill>
+                  <a:schemeClr val="accent5">
+                    <a:lumMod val="75000"/>
+                  </a:schemeClr>
+                </a:solidFill>
+              </a:rPr>
+              <a:t>:</a:t>
+            </a:r>
+            <a:r>
+              <a:rPr lang="zh-TW" altLang="en-US" sz="2400" dirty="0">
+                <a:solidFill>
+                  <a:schemeClr val="accent5">
+                    <a:lumMod val="75000"/>
+                  </a:schemeClr>
+                </a:solidFill>
+              </a:rPr>
+              <a:t>希望只對</a:t>
+            </a:r>
+            <a:r>
+              <a:rPr lang="en-US" altLang="zh-TW" sz="2400" dirty="0">
+                <a:solidFill>
+                  <a:schemeClr val="accent5">
+                    <a:lumMod val="75000"/>
+                  </a:schemeClr>
+                </a:solidFill>
+              </a:rPr>
+              <a:t>textbox</a:t>
+            </a:r>
+            <a:r>
+              <a:rPr lang="zh-TW" altLang="en-US" sz="2400" dirty="0">
+                <a:solidFill>
+                  <a:schemeClr val="accent5">
+                    <a:lumMod val="75000"/>
+                  </a:schemeClr>
+                </a:solidFill>
+              </a:rPr>
+              <a:t>內的</a:t>
+            </a:r>
+            <a:r>
+              <a:rPr lang="en-US" altLang="zh-TW" sz="2400" dirty="0">
+                <a:solidFill>
+                  <a:schemeClr val="accent5">
+                    <a:lumMod val="75000"/>
+                  </a:schemeClr>
+                </a:solidFill>
+              </a:rPr>
+              <a:t>h1</a:t>
+            </a:r>
+            <a:r>
+              <a:rPr lang="zh-TW" altLang="en-US" sz="2400" dirty="0">
+                <a:solidFill>
+                  <a:schemeClr val="accent5">
+                    <a:lumMod val="75000"/>
+                  </a:schemeClr>
+                </a:solidFill>
+              </a:rPr>
+              <a:t>元素</a:t>
+            </a:r>
+            <a:endParaRPr lang="en-US" altLang="zh-TW" sz="2400" dirty="0">
+              <a:solidFill>
+                <a:schemeClr val="accent5">
+                  <a:lumMod val="75000"/>
+                </a:schemeClr>
+              </a:solidFill>
+            </a:endParaRPr>
+          </a:p>
+          <a:p>
+            <a:pPr marL="0" indent="0">
+              <a:buNone/>
+            </a:pPr>
+            <a:r>
+              <a:rPr lang="en-US" altLang="zh-TW" sz="2800" b="1" dirty="0">
+                <a:solidFill>
+                  <a:schemeClr val="accent5">
+                    <a:lumMod val="75000"/>
+                  </a:schemeClr>
+                </a:solidFill>
+              </a:rPr>
+              <a:t>.textbox h1</a:t>
+            </a:r>
+            <a:r>
+              <a:rPr lang="en-US" altLang="zh-TW" sz="2800" b="0" i="0" dirty="0">
+                <a:solidFill>
+                  <a:srgbClr val="000000"/>
+                </a:solidFill>
+                <a:effectLst/>
+                <a:latin typeface="Consolas" panose="020B0609020204030204" pitchFamily="49" charset="0"/>
+              </a:rPr>
+              <a:t>{</a:t>
+            </a:r>
+            <a:br>
+              <a:rPr lang="en-US" altLang="zh-TW" sz="2800" b="0" i="0" dirty="0">
+                <a:solidFill>
+                  <a:schemeClr val="accent4">
+                    <a:lumMod val="50000"/>
+                  </a:schemeClr>
+                </a:solidFill>
+                <a:effectLst/>
+                <a:latin typeface="Consolas" panose="020B0609020204030204" pitchFamily="49" charset="0"/>
+              </a:rPr>
+            </a:br>
+            <a:r>
+              <a:rPr lang="en-US" altLang="zh-TW" sz="2800" b="0" i="0" dirty="0">
+                <a:solidFill>
+                  <a:schemeClr val="accent4">
+                    <a:lumMod val="50000"/>
+                  </a:schemeClr>
+                </a:solidFill>
+                <a:effectLst/>
+                <a:latin typeface="Consolas" panose="020B0609020204030204" pitchFamily="49" charset="0"/>
+              </a:rPr>
+              <a:t>  color: red;</a:t>
+            </a:r>
+            <a:br>
+              <a:rPr lang="en-US" altLang="zh-TW" sz="2800" b="0" i="0" dirty="0">
+                <a:solidFill>
+                  <a:srgbClr val="FF0000"/>
+                </a:solidFill>
+                <a:effectLst/>
+                <a:latin typeface="Consolas" panose="020B0609020204030204" pitchFamily="49" charset="0"/>
+              </a:rPr>
+            </a:br>
+            <a:r>
+              <a:rPr lang="en-US" altLang="zh-TW" sz="2800" b="0" i="0" dirty="0">
+                <a:solidFill>
+                  <a:srgbClr val="000000"/>
+                </a:solidFill>
+                <a:effectLst/>
+                <a:latin typeface="Consolas" panose="020B0609020204030204" pitchFamily="49" charset="0"/>
+              </a:rPr>
+              <a:t>}</a:t>
+            </a:r>
+          </a:p>
+          <a:p>
+            <a:r>
+              <a:rPr lang="zh-TW" altLang="en-US" sz="2800" b="1" dirty="0">
+                <a:solidFill>
+                  <a:schemeClr val="accent5">
+                    <a:lumMod val="75000"/>
+                  </a:schemeClr>
+                </a:solidFill>
+              </a:rPr>
+              <a:t>子元素選擇器</a:t>
+            </a:r>
+            <a:r>
+              <a:rPr lang="en-US" altLang="zh-TW" sz="2800" b="1" dirty="0">
+                <a:solidFill>
+                  <a:schemeClr val="accent5">
+                    <a:lumMod val="75000"/>
+                  </a:schemeClr>
+                </a:solidFill>
+              </a:rPr>
+              <a:t>:</a:t>
+            </a:r>
+            <a:r>
+              <a:rPr lang="zh-CN" altLang="en-US" sz="2400" dirty="0">
+                <a:solidFill>
+                  <a:schemeClr val="accent5">
+                    <a:lumMod val="75000"/>
+                  </a:schemeClr>
+                </a:solidFill>
+                <a:latin typeface="微軟正黑體" panose="020B0604030504040204" pitchFamily="34" charset="-120"/>
+                <a:ea typeface="微軟正黑體" panose="020B0604030504040204" pitchFamily="34" charset="-120"/>
+              </a:rPr>
+              <a:t>不希望選擇任意的後代元素，而是希望縮小範圍</a:t>
+            </a:r>
+            <a:endParaRPr lang="en-US" altLang="zh-TW" sz="2800" dirty="0">
+              <a:solidFill>
+                <a:schemeClr val="accent5">
+                  <a:lumMod val="75000"/>
+                </a:schemeClr>
+              </a:solidFill>
+              <a:latin typeface="微軟正黑體" panose="020B0604030504040204" pitchFamily="34" charset="-120"/>
+              <a:ea typeface="微軟正黑體" panose="020B0604030504040204" pitchFamily="34" charset="-120"/>
+            </a:endParaRPr>
+          </a:p>
+          <a:p>
+            <a:pPr marL="0" indent="0">
+              <a:buNone/>
+            </a:pPr>
+            <a:r>
+              <a:rPr lang="en-US" altLang="zh-TW" sz="2800" b="1" dirty="0">
+                <a:solidFill>
+                  <a:schemeClr val="accent5">
+                    <a:lumMod val="75000"/>
+                  </a:schemeClr>
+                </a:solidFill>
+              </a:rPr>
+              <a:t>.textbox </a:t>
+            </a:r>
+            <a:r>
+              <a:rPr lang="en-US" altLang="zh-TW" sz="2800" b="1" dirty="0">
+                <a:solidFill>
+                  <a:schemeClr val="accent6">
+                    <a:lumMod val="75000"/>
+                  </a:schemeClr>
+                </a:solidFill>
+              </a:rPr>
+              <a:t>&gt;</a:t>
+            </a:r>
+            <a:r>
+              <a:rPr lang="en-US" altLang="zh-TW" sz="2800" b="1" dirty="0">
+                <a:solidFill>
+                  <a:schemeClr val="accent5">
+                    <a:lumMod val="75000"/>
+                  </a:schemeClr>
+                </a:solidFill>
+              </a:rPr>
+              <a:t> h1</a:t>
+            </a:r>
+            <a:r>
+              <a:rPr lang="en-US" altLang="zh-TW" sz="2800" b="0" i="0" dirty="0">
+                <a:solidFill>
+                  <a:srgbClr val="000000"/>
+                </a:solidFill>
+                <a:effectLst/>
+                <a:latin typeface="Consolas" panose="020B0609020204030204" pitchFamily="49" charset="0"/>
+              </a:rPr>
+              <a:t>{</a:t>
+            </a:r>
+            <a:br>
+              <a:rPr lang="en-US" altLang="zh-TW" sz="2800" b="0" i="0" dirty="0">
+                <a:solidFill>
+                  <a:schemeClr val="accent4">
+                    <a:lumMod val="50000"/>
+                  </a:schemeClr>
+                </a:solidFill>
+                <a:effectLst/>
+                <a:latin typeface="Consolas" panose="020B0609020204030204" pitchFamily="49" charset="0"/>
+              </a:rPr>
+            </a:br>
+            <a:r>
+              <a:rPr lang="en-US" altLang="zh-TW" sz="2800" b="0" i="0" dirty="0">
+                <a:solidFill>
+                  <a:schemeClr val="accent4">
+                    <a:lumMod val="50000"/>
+                  </a:schemeClr>
+                </a:solidFill>
+                <a:effectLst/>
+                <a:latin typeface="Consolas" panose="020B0609020204030204" pitchFamily="49" charset="0"/>
+              </a:rPr>
+              <a:t>  color: red;</a:t>
+            </a:r>
+            <a:br>
+              <a:rPr lang="en-US" altLang="zh-TW" sz="2800" b="0" i="0" dirty="0">
+                <a:solidFill>
+                  <a:srgbClr val="FF0000"/>
+                </a:solidFill>
+                <a:effectLst/>
+                <a:latin typeface="Consolas" panose="020B0609020204030204" pitchFamily="49" charset="0"/>
+              </a:rPr>
+            </a:br>
+            <a:r>
+              <a:rPr lang="en-US" altLang="zh-TW" sz="2800" b="0" i="0" dirty="0">
+                <a:solidFill>
+                  <a:srgbClr val="000000"/>
+                </a:solidFill>
+                <a:effectLst/>
+                <a:latin typeface="Consolas" panose="020B0609020204030204" pitchFamily="49" charset="0"/>
+              </a:rPr>
+              <a:t>}</a:t>
+            </a:r>
+          </a:p>
+          <a:p>
+            <a:pPr marL="0" indent="0">
+              <a:buNone/>
+            </a:pPr>
             <a:endParaRPr lang="en-US" altLang="zh-TW" sz="2800" b="1" dirty="0">
               <a:solidFill>
                 <a:schemeClr val="accent5">
@@ -10407,8 +10558,8 @@
         </p:nvSpPr>
         <p:spPr>
           <a:xfrm>
-            <a:off x="4668945" y="4855152"/>
-            <a:ext cx="2811231" cy="509227"/>
+            <a:off x="4668945" y="4666564"/>
+            <a:ext cx="2811231" cy="697816"/>
           </a:xfrm>
           <a:prstGeom prst="rect">
             <a:avLst/>
@@ -10511,7 +10662,7 @@
         <p:spPr>
           <a:xfrm>
             <a:off x="4629729" y="2348737"/>
-            <a:ext cx="2913256" cy="2421521"/>
+            <a:ext cx="2913256" cy="2302873"/>
           </a:xfrm>
           <a:prstGeom prst="rect">
             <a:avLst/>
@@ -23580,6 +23731,2937 @@
 </p:sld>
 </file>
 
+<file path=ppt/slides/slide44.xml><?xml version="1.0" encoding="utf-8"?>
+<p:sld xmlns:a="http://schemas.openxmlformats.org/drawingml/2006/main" xmlns:r="http://schemas.openxmlformats.org/officeDocument/2006/relationships" xmlns:p="http://schemas.openxmlformats.org/presentationml/2006/main">
+  <p:cSld>
+    <p:spTree>
+      <p:nvGrpSpPr>
+        <p:cNvPr id="1" name=""/>
+        <p:cNvGrpSpPr/>
+        <p:nvPr/>
+      </p:nvGrpSpPr>
+      <p:grpSpPr>
+        <a:xfrm>
+          <a:off x="0" y="0"/>
+          <a:ext cx="0" cy="0"/>
+          <a:chOff x="0" y="0"/>
+          <a:chExt cx="0" cy="0"/>
+        </a:xfrm>
+      </p:grpSpPr>
+      <p:sp>
+        <p:nvSpPr>
+          <p:cNvPr id="2" name="標題 1">
+            <a:extLst>
+              <a:ext uri="{FF2B5EF4-FFF2-40B4-BE49-F238E27FC236}">
+                <a16:creationId xmlns:a16="http://schemas.microsoft.com/office/drawing/2014/main" id="{BB87BD0D-BAD4-4619-B097-A8EEC581B566}"/>
+              </a:ext>
+            </a:extLst>
+          </p:cNvPr>
+          <p:cNvSpPr>
+            <a:spLocks noGrp="1"/>
+          </p:cNvSpPr>
+          <p:nvPr>
+            <p:ph type="title"/>
+          </p:nvPr>
+        </p:nvSpPr>
+        <p:spPr/>
+        <p:txBody>
+          <a:bodyPr/>
+          <a:lstStyle/>
+          <a:p>
+            <a:r>
+              <a:rPr lang="zh-TW" altLang="en-US" dirty="0"/>
+              <a:t>設定</a:t>
+            </a:r>
+            <a:r>
+              <a:rPr lang="en-US" altLang="zh-TW" dirty="0"/>
+              <a:t>&lt;footer&gt;</a:t>
+            </a:r>
+            <a:endParaRPr lang="zh-TW" altLang="en-US" dirty="0"/>
+          </a:p>
+        </p:txBody>
+      </p:sp>
+      <p:sp>
+        <p:nvSpPr>
+          <p:cNvPr id="3" name="內容版面配置區 2">
+            <a:extLst>
+              <a:ext uri="{FF2B5EF4-FFF2-40B4-BE49-F238E27FC236}">
+                <a16:creationId xmlns:a16="http://schemas.microsoft.com/office/drawing/2014/main" id="{28665196-3BFD-40F5-B9E7-0F50377561D0}"/>
+              </a:ext>
+            </a:extLst>
+          </p:cNvPr>
+          <p:cNvSpPr>
+            <a:spLocks noGrp="1"/>
+          </p:cNvSpPr>
+          <p:nvPr>
+            <p:ph idx="1"/>
+          </p:nvPr>
+        </p:nvSpPr>
+        <p:spPr/>
+        <p:txBody>
+          <a:bodyPr/>
+          <a:lstStyle/>
+          <a:p>
+            <a:endParaRPr lang="zh-TW" altLang="en-US"/>
+          </a:p>
+        </p:txBody>
+      </p:sp>
+      <p:pic>
+        <p:nvPicPr>
+          <p:cNvPr id="4" name="圖片 3">
+            <a:extLst>
+              <a:ext uri="{FF2B5EF4-FFF2-40B4-BE49-F238E27FC236}">
+                <a16:creationId xmlns:a16="http://schemas.microsoft.com/office/drawing/2014/main" id="{23236D34-898B-4FF6-BCD8-5DEAB1E2FF77}"/>
+              </a:ext>
+            </a:extLst>
+          </p:cNvPr>
+          <p:cNvPicPr>
+            <a:picLocks noChangeAspect="1"/>
+          </p:cNvPicPr>
+          <p:nvPr/>
+        </p:nvPicPr>
+        <p:blipFill>
+          <a:blip r:embed="rId2"/>
+          <a:stretch>
+            <a:fillRect/>
+          </a:stretch>
+        </p:blipFill>
+        <p:spPr>
+          <a:xfrm>
+            <a:off x="973584" y="1409231"/>
+            <a:ext cx="10244831" cy="4987473"/>
+          </a:xfrm>
+          <a:prstGeom prst="rect">
+            <a:avLst/>
+          </a:prstGeom>
+        </p:spPr>
+      </p:pic>
+      <p:sp>
+        <p:nvSpPr>
+          <p:cNvPr id="5" name="矩形 4">
+            <a:extLst>
+              <a:ext uri="{FF2B5EF4-FFF2-40B4-BE49-F238E27FC236}">
+                <a16:creationId xmlns:a16="http://schemas.microsoft.com/office/drawing/2014/main" id="{126B09E3-7B99-4ACF-9823-AAEC21CF69F1}"/>
+              </a:ext>
+            </a:extLst>
+          </p:cNvPr>
+          <p:cNvSpPr/>
+          <p:nvPr/>
+        </p:nvSpPr>
+        <p:spPr>
+          <a:xfrm>
+            <a:off x="4881732" y="4910004"/>
+            <a:ext cx="2362253" cy="611907"/>
+          </a:xfrm>
+          <a:prstGeom prst="rect">
+            <a:avLst/>
+          </a:prstGeom>
+          <a:noFill/>
+          <a:ln w="38100" cap="flat" cmpd="sng" algn="ctr">
+            <a:solidFill>
+              <a:schemeClr val="accent1">
+                <a:lumMod val="60000"/>
+                <a:lumOff val="40000"/>
+              </a:schemeClr>
+            </a:solidFill>
+            <a:prstDash val="solid"/>
+            <a:round/>
+            <a:headEnd type="none" w="med" len="med"/>
+            <a:tailEnd type="none" w="med" len="med"/>
+          </a:ln>
+        </p:spPr>
+        <p:style>
+          <a:lnRef idx="0">
+            <a:scrgbClr r="0" g="0" b="0"/>
+          </a:lnRef>
+          <a:fillRef idx="0">
+            <a:scrgbClr r="0" g="0" b="0"/>
+          </a:fillRef>
+          <a:effectRef idx="0">
+            <a:scrgbClr r="0" g="0" b="0"/>
+          </a:effectRef>
+          <a:fontRef idx="minor">
+            <a:schemeClr val="accent2"/>
+          </a:fontRef>
+        </p:style>
+        <p:txBody>
+          <a:bodyPr rtlCol="0" anchor="ctr"/>
+          <a:lstStyle/>
+          <a:p>
+            <a:pPr algn="ctr"/>
+            <a:endParaRPr lang="zh-TW" altLang="en-US"/>
+          </a:p>
+        </p:txBody>
+      </p:sp>
+      <p:sp>
+        <p:nvSpPr>
+          <p:cNvPr id="6" name="箭號: 向右 5">
+            <a:extLst>
+              <a:ext uri="{FF2B5EF4-FFF2-40B4-BE49-F238E27FC236}">
+                <a16:creationId xmlns:a16="http://schemas.microsoft.com/office/drawing/2014/main" id="{0985493D-E868-4D74-ADF0-4D802127A7CF}"/>
+              </a:ext>
+            </a:extLst>
+          </p:cNvPr>
+          <p:cNvSpPr/>
+          <p:nvPr/>
+        </p:nvSpPr>
+        <p:spPr>
+          <a:xfrm>
+            <a:off x="5040433" y="5521911"/>
+            <a:ext cx="2111131" cy="262886"/>
+          </a:xfrm>
+          <a:prstGeom prst="rightArrow">
+            <a:avLst/>
+          </a:prstGeom>
+        </p:spPr>
+        <p:style>
+          <a:lnRef idx="2">
+            <a:schemeClr val="accent1">
+              <a:shade val="50000"/>
+            </a:schemeClr>
+          </a:lnRef>
+          <a:fillRef idx="1">
+            <a:schemeClr val="accent1"/>
+          </a:fillRef>
+          <a:effectRef idx="0">
+            <a:schemeClr val="accent1"/>
+          </a:effectRef>
+          <a:fontRef idx="minor">
+            <a:schemeClr val="lt1"/>
+          </a:fontRef>
+        </p:style>
+        <p:txBody>
+          <a:bodyPr rtlCol="0" anchor="ctr"/>
+          <a:lstStyle/>
+          <a:p>
+            <a:pPr algn="ctr"/>
+            <a:endParaRPr lang="zh-TW" altLang="en-US"/>
+          </a:p>
+        </p:txBody>
+      </p:sp>
+      <p:sp>
+        <p:nvSpPr>
+          <p:cNvPr id="7" name="矩形 6">
+            <a:extLst>
+              <a:ext uri="{FF2B5EF4-FFF2-40B4-BE49-F238E27FC236}">
+                <a16:creationId xmlns:a16="http://schemas.microsoft.com/office/drawing/2014/main" id="{50D147A2-4EDA-4AA3-A196-3B848E4172C1}"/>
+              </a:ext>
+            </a:extLst>
+          </p:cNvPr>
+          <p:cNvSpPr/>
+          <p:nvPr/>
+        </p:nvSpPr>
+        <p:spPr>
+          <a:xfrm>
+            <a:off x="5530788" y="5184558"/>
+            <a:ext cx="1109709" cy="264211"/>
+          </a:xfrm>
+          <a:prstGeom prst="rect">
+            <a:avLst/>
+          </a:prstGeom>
+          <a:noFill/>
+          <a:ln w="38100" cap="flat" cmpd="sng" algn="ctr">
+            <a:solidFill>
+              <a:srgbClr val="00B0F0"/>
+            </a:solidFill>
+            <a:prstDash val="solid"/>
+            <a:round/>
+            <a:headEnd type="none" w="med" len="med"/>
+            <a:tailEnd type="none" w="med" len="med"/>
+          </a:ln>
+        </p:spPr>
+        <p:style>
+          <a:lnRef idx="0">
+            <a:scrgbClr r="0" g="0" b="0"/>
+          </a:lnRef>
+          <a:fillRef idx="0">
+            <a:scrgbClr r="0" g="0" b="0"/>
+          </a:fillRef>
+          <a:effectRef idx="0">
+            <a:scrgbClr r="0" g="0" b="0"/>
+          </a:effectRef>
+          <a:fontRef idx="minor">
+            <a:schemeClr val="accent2"/>
+          </a:fontRef>
+        </p:style>
+        <p:txBody>
+          <a:bodyPr rtlCol="0" anchor="ctr"/>
+          <a:lstStyle/>
+          <a:p>
+            <a:pPr algn="ctr"/>
+            <a:endParaRPr lang="zh-TW" altLang="en-US"/>
+          </a:p>
+        </p:txBody>
+      </p:sp>
+      <p:sp>
+        <p:nvSpPr>
+          <p:cNvPr id="8" name="文字方塊 7">
+            <a:extLst>
+              <a:ext uri="{FF2B5EF4-FFF2-40B4-BE49-F238E27FC236}">
+                <a16:creationId xmlns:a16="http://schemas.microsoft.com/office/drawing/2014/main" id="{B91EFA56-63AF-4AD2-9C7A-17ECAFE634F5}"/>
+              </a:ext>
+            </a:extLst>
+          </p:cNvPr>
+          <p:cNvSpPr txBox="1"/>
+          <p:nvPr/>
+        </p:nvSpPr>
+        <p:spPr>
+          <a:xfrm>
+            <a:off x="5527431" y="4862615"/>
+            <a:ext cx="1289537" cy="369332"/>
+          </a:xfrm>
+          <a:prstGeom prst="rect">
+            <a:avLst/>
+          </a:prstGeom>
+          <a:noFill/>
+        </p:spPr>
+        <p:txBody>
+          <a:bodyPr wrap="square" rtlCol="0">
+            <a:spAutoFit/>
+          </a:bodyPr>
+          <a:lstStyle/>
+          <a:p>
+            <a:r>
+              <a:rPr lang="en-US" altLang="zh-TW" dirty="0">
+                <a:solidFill>
+                  <a:srgbClr val="00B0F0"/>
+                </a:solidFill>
+                <a:latin typeface="Consolas" panose="020B0609020204030204" pitchFamily="49" charset="0"/>
+              </a:rPr>
+              <a:t>&lt;ul&gt;&lt;li&gt;</a:t>
+            </a:r>
+            <a:endParaRPr lang="zh-TW" altLang="en-US" dirty="0">
+              <a:solidFill>
+                <a:srgbClr val="00B0F0"/>
+              </a:solidFill>
+              <a:latin typeface="Consolas" panose="020B0609020204030204" pitchFamily="49" charset="0"/>
+            </a:endParaRPr>
+          </a:p>
+        </p:txBody>
+      </p:sp>
+    </p:spTree>
+    <p:extLst>
+      <p:ext uri="{BB962C8B-B14F-4D97-AF65-F5344CB8AC3E}">
+        <p14:creationId xmlns:p14="http://schemas.microsoft.com/office/powerpoint/2010/main" val="2679055606"/>
+      </p:ext>
+    </p:extLst>
+  </p:cSld>
+  <p:clrMapOvr>
+    <a:masterClrMapping/>
+  </p:clrMapOvr>
+</p:sld>
+</file>
+
+<file path=ppt/slides/slide45.xml><?xml version="1.0" encoding="utf-8"?>
+<p:sld xmlns:a="http://schemas.openxmlformats.org/drawingml/2006/main" xmlns:r="http://schemas.openxmlformats.org/officeDocument/2006/relationships" xmlns:p="http://schemas.openxmlformats.org/presentationml/2006/main">
+  <p:cSld>
+    <p:spTree>
+      <p:nvGrpSpPr>
+        <p:cNvPr id="1" name=""/>
+        <p:cNvGrpSpPr/>
+        <p:nvPr/>
+      </p:nvGrpSpPr>
+      <p:grpSpPr>
+        <a:xfrm>
+          <a:off x="0" y="0"/>
+          <a:ext cx="0" cy="0"/>
+          <a:chOff x="0" y="0"/>
+          <a:chExt cx="0" cy="0"/>
+        </a:xfrm>
+      </p:grpSpPr>
+      <p:sp>
+        <p:nvSpPr>
+          <p:cNvPr id="2" name="標題 1">
+            <a:extLst>
+              <a:ext uri="{FF2B5EF4-FFF2-40B4-BE49-F238E27FC236}">
+                <a16:creationId xmlns:a16="http://schemas.microsoft.com/office/drawing/2014/main" id="{83FD48C3-4D4C-46D8-AC94-36755B4B26A4}"/>
+              </a:ext>
+            </a:extLst>
+          </p:cNvPr>
+          <p:cNvSpPr>
+            <a:spLocks noGrp="1"/>
+          </p:cNvSpPr>
+          <p:nvPr>
+            <p:ph type="title"/>
+          </p:nvPr>
+        </p:nvSpPr>
+        <p:spPr/>
+        <p:txBody>
+          <a:bodyPr/>
+          <a:lstStyle/>
+          <a:p>
+            <a:r>
+              <a:rPr lang="en-US" altLang="zh-TW" dirty="0"/>
+              <a:t>Footer ul li</a:t>
+            </a:r>
+            <a:endParaRPr lang="zh-TW" altLang="en-US" dirty="0"/>
+          </a:p>
+        </p:txBody>
+      </p:sp>
+      <p:sp>
+        <p:nvSpPr>
+          <p:cNvPr id="3" name="內容版面配置區 2">
+            <a:extLst>
+              <a:ext uri="{FF2B5EF4-FFF2-40B4-BE49-F238E27FC236}">
+                <a16:creationId xmlns:a16="http://schemas.microsoft.com/office/drawing/2014/main" id="{438F3AC5-78A5-407D-AFA1-9C807B5C9B4E}"/>
+              </a:ext>
+            </a:extLst>
+          </p:cNvPr>
+          <p:cNvSpPr>
+            <a:spLocks noGrp="1"/>
+          </p:cNvSpPr>
+          <p:nvPr>
+            <p:ph idx="1"/>
+          </p:nvPr>
+        </p:nvSpPr>
+        <p:spPr>
+          <a:xfrm>
+            <a:off x="1371600" y="1758462"/>
+            <a:ext cx="4452151" cy="4739992"/>
+          </a:xfrm>
+        </p:spPr>
+        <p:txBody>
+          <a:bodyPr>
+            <a:normAutofit/>
+          </a:bodyPr>
+          <a:lstStyle/>
+          <a:p>
+            <a:pPr marL="0" indent="0">
+              <a:buNone/>
+            </a:pPr>
+            <a:r>
+              <a:rPr lang="en-US" altLang="zh-TW" b="0" dirty="0">
+                <a:solidFill>
+                  <a:srgbClr val="89DDFF"/>
+                </a:solidFill>
+                <a:effectLst/>
+                <a:latin typeface="Consolas" panose="020B0609020204030204" pitchFamily="49" charset="0"/>
+              </a:rPr>
+              <a:t>.</a:t>
+            </a:r>
+            <a:r>
+              <a:rPr lang="en-US" altLang="zh-TW" b="0" dirty="0">
+                <a:solidFill>
+                  <a:srgbClr val="FFCB6B"/>
+                </a:solidFill>
+                <a:effectLst/>
+                <a:latin typeface="Consolas" panose="020B0609020204030204" pitchFamily="49" charset="0"/>
+              </a:rPr>
+              <a:t>footer</a:t>
+            </a:r>
+            <a:r>
+              <a:rPr lang="en-US" altLang="zh-TW" b="0" dirty="0">
+                <a:solidFill>
+                  <a:srgbClr val="EEFFFF"/>
+                </a:solidFill>
+                <a:effectLst/>
+                <a:latin typeface="Consolas" panose="020B0609020204030204" pitchFamily="49" charset="0"/>
+              </a:rPr>
+              <a:t> </a:t>
+            </a:r>
+            <a:r>
+              <a:rPr lang="en-US" altLang="zh-TW" b="0" dirty="0">
+                <a:solidFill>
+                  <a:srgbClr val="89DDFF"/>
+                </a:solidFill>
+                <a:effectLst/>
+                <a:latin typeface="Consolas" panose="020B0609020204030204" pitchFamily="49" charset="0"/>
+              </a:rPr>
+              <a:t>{</a:t>
+            </a:r>
+            <a:endParaRPr lang="en-US" altLang="zh-TW" b="0" dirty="0">
+              <a:solidFill>
+                <a:srgbClr val="EEFFFF"/>
+              </a:solidFill>
+              <a:effectLst/>
+              <a:latin typeface="Consolas" panose="020B0609020204030204" pitchFamily="49" charset="0"/>
+            </a:endParaRPr>
+          </a:p>
+          <a:p>
+            <a:pPr marL="0" indent="0">
+              <a:buNone/>
+            </a:pPr>
+            <a:r>
+              <a:rPr lang="en-US" altLang="zh-TW" b="0" dirty="0">
+                <a:solidFill>
+                  <a:srgbClr val="EEFFFF"/>
+                </a:solidFill>
+                <a:effectLst/>
+                <a:latin typeface="Consolas" panose="020B0609020204030204" pitchFamily="49" charset="0"/>
+              </a:rPr>
+              <a:t>  </a:t>
+            </a:r>
+            <a:r>
+              <a:rPr lang="en-US" altLang="zh-TW" b="0" dirty="0">
+                <a:solidFill>
+                  <a:srgbClr val="B2CCD6"/>
+                </a:solidFill>
+                <a:effectLst/>
+                <a:latin typeface="Consolas" panose="020B0609020204030204" pitchFamily="49" charset="0"/>
+              </a:rPr>
+              <a:t>display</a:t>
+            </a:r>
+            <a:r>
+              <a:rPr lang="en-US" altLang="zh-TW" b="0" dirty="0">
+                <a:solidFill>
+                  <a:srgbClr val="89DDFF"/>
+                </a:solidFill>
+                <a:effectLst/>
+                <a:latin typeface="Consolas" panose="020B0609020204030204" pitchFamily="49" charset="0"/>
+              </a:rPr>
+              <a:t>:</a:t>
+            </a:r>
+            <a:r>
+              <a:rPr lang="en-US" altLang="zh-TW" b="0" dirty="0">
+                <a:solidFill>
+                  <a:srgbClr val="EEFFFF"/>
+                </a:solidFill>
+                <a:effectLst/>
+                <a:latin typeface="Consolas" panose="020B0609020204030204" pitchFamily="49" charset="0"/>
+              </a:rPr>
+              <a:t> flex</a:t>
+            </a:r>
+            <a:r>
+              <a:rPr lang="en-US" altLang="zh-TW" b="0" dirty="0">
+                <a:solidFill>
+                  <a:srgbClr val="89DDFF"/>
+                </a:solidFill>
+                <a:effectLst/>
+                <a:latin typeface="Consolas" panose="020B0609020204030204" pitchFamily="49" charset="0"/>
+              </a:rPr>
+              <a:t>;</a:t>
+            </a:r>
+            <a:endParaRPr lang="en-US" altLang="zh-TW" b="0" dirty="0">
+              <a:solidFill>
+                <a:srgbClr val="EEFFFF"/>
+              </a:solidFill>
+              <a:effectLst/>
+              <a:latin typeface="Consolas" panose="020B0609020204030204" pitchFamily="49" charset="0"/>
+            </a:endParaRPr>
+          </a:p>
+          <a:p>
+            <a:pPr marL="0" indent="0">
+              <a:buNone/>
+            </a:pPr>
+            <a:r>
+              <a:rPr lang="en-US" altLang="zh-TW" b="0" dirty="0">
+                <a:solidFill>
+                  <a:srgbClr val="EEFFFF"/>
+                </a:solidFill>
+                <a:effectLst/>
+                <a:latin typeface="Consolas" panose="020B0609020204030204" pitchFamily="49" charset="0"/>
+              </a:rPr>
+              <a:t>  </a:t>
+            </a:r>
+            <a:r>
+              <a:rPr lang="en-US" altLang="zh-TW" b="0" dirty="0">
+                <a:solidFill>
+                  <a:srgbClr val="B2CCD6"/>
+                </a:solidFill>
+                <a:effectLst/>
+                <a:latin typeface="Consolas" panose="020B0609020204030204" pitchFamily="49" charset="0"/>
+              </a:rPr>
+              <a:t>align-items</a:t>
+            </a:r>
+            <a:r>
+              <a:rPr lang="en-US" altLang="zh-TW" b="0" dirty="0">
+                <a:solidFill>
+                  <a:srgbClr val="89DDFF"/>
+                </a:solidFill>
+                <a:effectLst/>
+                <a:latin typeface="Consolas" panose="020B0609020204030204" pitchFamily="49" charset="0"/>
+              </a:rPr>
+              <a:t>:</a:t>
+            </a:r>
+            <a:r>
+              <a:rPr lang="en-US" altLang="zh-TW" b="0" dirty="0">
+                <a:solidFill>
+                  <a:srgbClr val="EEFFFF"/>
+                </a:solidFill>
+                <a:effectLst/>
+                <a:latin typeface="Consolas" panose="020B0609020204030204" pitchFamily="49" charset="0"/>
+              </a:rPr>
+              <a:t> center</a:t>
+            </a:r>
+            <a:r>
+              <a:rPr lang="en-US" altLang="zh-TW" b="0" dirty="0">
+                <a:solidFill>
+                  <a:srgbClr val="89DDFF"/>
+                </a:solidFill>
+                <a:effectLst/>
+                <a:latin typeface="Consolas" panose="020B0609020204030204" pitchFamily="49" charset="0"/>
+              </a:rPr>
+              <a:t>;</a:t>
+            </a:r>
+            <a:endParaRPr lang="en-US" altLang="zh-TW" b="0" dirty="0">
+              <a:solidFill>
+                <a:srgbClr val="EEFFFF"/>
+              </a:solidFill>
+              <a:effectLst/>
+              <a:latin typeface="Consolas" panose="020B0609020204030204" pitchFamily="49" charset="0"/>
+            </a:endParaRPr>
+          </a:p>
+          <a:p>
+            <a:pPr marL="0" indent="0">
+              <a:buNone/>
+            </a:pPr>
+            <a:r>
+              <a:rPr lang="en-US" altLang="zh-TW" b="0" dirty="0">
+                <a:solidFill>
+                  <a:srgbClr val="EEFFFF"/>
+                </a:solidFill>
+                <a:effectLst/>
+                <a:latin typeface="Consolas" panose="020B0609020204030204" pitchFamily="49" charset="0"/>
+              </a:rPr>
+              <a:t>  </a:t>
+            </a:r>
+            <a:r>
+              <a:rPr lang="en-US" altLang="zh-TW" b="0" dirty="0">
+                <a:solidFill>
+                  <a:srgbClr val="B2CCD6"/>
+                </a:solidFill>
+                <a:effectLst/>
+                <a:latin typeface="Consolas" panose="020B0609020204030204" pitchFamily="49" charset="0"/>
+              </a:rPr>
+              <a:t>flex-direction</a:t>
+            </a:r>
+            <a:r>
+              <a:rPr lang="en-US" altLang="zh-TW" b="0" dirty="0">
+                <a:solidFill>
+                  <a:srgbClr val="89DDFF"/>
+                </a:solidFill>
+                <a:effectLst/>
+                <a:latin typeface="Consolas" panose="020B0609020204030204" pitchFamily="49" charset="0"/>
+              </a:rPr>
+              <a:t>:</a:t>
+            </a:r>
+            <a:r>
+              <a:rPr lang="en-US" altLang="zh-TW" b="0" dirty="0">
+                <a:solidFill>
+                  <a:srgbClr val="EEFFFF"/>
+                </a:solidFill>
+                <a:effectLst/>
+                <a:latin typeface="Consolas" panose="020B0609020204030204" pitchFamily="49" charset="0"/>
+              </a:rPr>
+              <a:t> column</a:t>
+            </a:r>
+            <a:r>
+              <a:rPr lang="en-US" altLang="zh-TW" b="0" dirty="0">
+                <a:solidFill>
+                  <a:srgbClr val="89DDFF"/>
+                </a:solidFill>
+                <a:effectLst/>
+                <a:latin typeface="Consolas" panose="020B0609020204030204" pitchFamily="49" charset="0"/>
+              </a:rPr>
+              <a:t>;</a:t>
+            </a:r>
+            <a:endParaRPr lang="en-US" altLang="zh-TW" b="0" dirty="0">
+              <a:solidFill>
+                <a:srgbClr val="EEFFFF"/>
+              </a:solidFill>
+              <a:effectLst/>
+              <a:latin typeface="Consolas" panose="020B0609020204030204" pitchFamily="49" charset="0"/>
+            </a:endParaRPr>
+          </a:p>
+          <a:p>
+            <a:pPr marL="0" indent="0">
+              <a:buNone/>
+            </a:pPr>
+            <a:r>
+              <a:rPr lang="en-US" altLang="zh-TW" b="0" dirty="0">
+                <a:solidFill>
+                  <a:srgbClr val="EEFFFF"/>
+                </a:solidFill>
+                <a:effectLst/>
+                <a:latin typeface="Consolas" panose="020B0609020204030204" pitchFamily="49" charset="0"/>
+              </a:rPr>
+              <a:t>  </a:t>
+            </a:r>
+            <a:r>
+              <a:rPr lang="en-US" altLang="zh-TW" b="0" dirty="0">
+                <a:solidFill>
+                  <a:srgbClr val="B2CCD6"/>
+                </a:solidFill>
+                <a:effectLst/>
+                <a:latin typeface="Consolas" panose="020B0609020204030204" pitchFamily="49" charset="0"/>
+              </a:rPr>
+              <a:t>width</a:t>
+            </a:r>
+            <a:r>
+              <a:rPr lang="en-US" altLang="zh-TW" b="0" dirty="0">
+                <a:solidFill>
+                  <a:srgbClr val="89DDFF"/>
+                </a:solidFill>
+                <a:effectLst/>
+                <a:latin typeface="Consolas" panose="020B0609020204030204" pitchFamily="49" charset="0"/>
+              </a:rPr>
+              <a:t>:</a:t>
+            </a:r>
+            <a:r>
+              <a:rPr lang="en-US" altLang="zh-TW" b="0" dirty="0">
+                <a:solidFill>
+                  <a:srgbClr val="EEFFFF"/>
+                </a:solidFill>
+                <a:effectLst/>
+                <a:latin typeface="Consolas" panose="020B0609020204030204" pitchFamily="49" charset="0"/>
+              </a:rPr>
+              <a:t> </a:t>
+            </a:r>
+            <a:r>
+              <a:rPr lang="en-US" altLang="zh-TW" b="0" dirty="0">
+                <a:solidFill>
+                  <a:srgbClr val="F78C6C"/>
+                </a:solidFill>
+                <a:effectLst/>
+                <a:latin typeface="Consolas" panose="020B0609020204030204" pitchFamily="49" charset="0"/>
+              </a:rPr>
+              <a:t>100%</a:t>
+            </a:r>
+            <a:r>
+              <a:rPr lang="en-US" altLang="zh-TW" b="0" dirty="0">
+                <a:solidFill>
+                  <a:srgbClr val="89DDFF"/>
+                </a:solidFill>
+                <a:effectLst/>
+                <a:latin typeface="Consolas" panose="020B0609020204030204" pitchFamily="49" charset="0"/>
+              </a:rPr>
+              <a:t>;</a:t>
+            </a:r>
+            <a:endParaRPr lang="en-US" altLang="zh-TW" b="0" dirty="0">
+              <a:solidFill>
+                <a:srgbClr val="EEFFFF"/>
+              </a:solidFill>
+              <a:effectLst/>
+              <a:latin typeface="Consolas" panose="020B0609020204030204" pitchFamily="49" charset="0"/>
+            </a:endParaRPr>
+          </a:p>
+          <a:p>
+            <a:pPr marL="0" indent="0">
+              <a:buNone/>
+            </a:pPr>
+            <a:r>
+              <a:rPr lang="en-US" altLang="zh-TW" b="0" dirty="0">
+                <a:solidFill>
+                  <a:srgbClr val="89DDFF"/>
+                </a:solidFill>
+                <a:effectLst/>
+                <a:latin typeface="Consolas" panose="020B0609020204030204" pitchFamily="49" charset="0"/>
+              </a:rPr>
+              <a:t>}</a:t>
+            </a:r>
+            <a:endParaRPr lang="en-US" altLang="zh-TW" b="0" dirty="0">
+              <a:solidFill>
+                <a:srgbClr val="EEFFFF"/>
+              </a:solidFill>
+              <a:effectLst/>
+              <a:latin typeface="Consolas" panose="020B0609020204030204" pitchFamily="49" charset="0"/>
+            </a:endParaRPr>
+          </a:p>
+          <a:p>
+            <a:pPr marL="0" indent="0">
+              <a:buNone/>
+            </a:pPr>
+            <a:r>
+              <a:rPr lang="en-US" altLang="zh-TW" b="0" dirty="0">
+                <a:solidFill>
+                  <a:srgbClr val="89DDFF"/>
+                </a:solidFill>
+                <a:effectLst/>
+                <a:latin typeface="Consolas" panose="020B0609020204030204" pitchFamily="49" charset="0"/>
+              </a:rPr>
+              <a:t>.</a:t>
+            </a:r>
+            <a:r>
+              <a:rPr lang="en-US" altLang="zh-TW" b="0" dirty="0">
+                <a:solidFill>
+                  <a:srgbClr val="FFCB6B"/>
+                </a:solidFill>
+                <a:effectLst/>
+                <a:latin typeface="Consolas" panose="020B0609020204030204" pitchFamily="49" charset="0"/>
+              </a:rPr>
+              <a:t>footer</a:t>
+            </a:r>
+            <a:r>
+              <a:rPr lang="en-US" altLang="zh-TW" b="0" dirty="0">
+                <a:solidFill>
+                  <a:srgbClr val="EEFFFF"/>
+                </a:solidFill>
+                <a:effectLst/>
+                <a:latin typeface="Consolas" panose="020B0609020204030204" pitchFamily="49" charset="0"/>
+              </a:rPr>
+              <a:t> </a:t>
+            </a:r>
+            <a:r>
+              <a:rPr lang="en-US" altLang="zh-TW" b="0" dirty="0">
+                <a:solidFill>
+                  <a:srgbClr val="89DDFF"/>
+                </a:solidFill>
+                <a:effectLst/>
+                <a:latin typeface="Consolas" panose="020B0609020204030204" pitchFamily="49" charset="0"/>
+              </a:rPr>
+              <a:t>&gt;</a:t>
+            </a:r>
+            <a:r>
+              <a:rPr lang="en-US" altLang="zh-TW" b="0" dirty="0">
+                <a:solidFill>
+                  <a:srgbClr val="EEFFFF"/>
+                </a:solidFill>
+                <a:effectLst/>
+                <a:latin typeface="Consolas" panose="020B0609020204030204" pitchFamily="49" charset="0"/>
+              </a:rPr>
+              <a:t> </a:t>
+            </a:r>
+            <a:r>
+              <a:rPr lang="en-US" altLang="zh-TW" b="0" dirty="0">
+                <a:solidFill>
+                  <a:srgbClr val="FFCB6B"/>
+                </a:solidFill>
+                <a:effectLst/>
+                <a:latin typeface="Consolas" panose="020B0609020204030204" pitchFamily="49" charset="0"/>
+              </a:rPr>
+              <a:t>ul</a:t>
+            </a:r>
+            <a:r>
+              <a:rPr lang="en-US" altLang="zh-TW" b="0" dirty="0">
+                <a:solidFill>
+                  <a:srgbClr val="EEFFFF"/>
+                </a:solidFill>
+                <a:effectLst/>
+                <a:latin typeface="Consolas" panose="020B0609020204030204" pitchFamily="49" charset="0"/>
+              </a:rPr>
+              <a:t> </a:t>
+            </a:r>
+            <a:r>
+              <a:rPr lang="en-US" altLang="zh-TW" b="0" dirty="0">
+                <a:solidFill>
+                  <a:srgbClr val="89DDFF"/>
+                </a:solidFill>
+                <a:effectLst/>
+                <a:latin typeface="Consolas" panose="020B0609020204030204" pitchFamily="49" charset="0"/>
+              </a:rPr>
+              <a:t>{</a:t>
+            </a:r>
+            <a:endParaRPr lang="en-US" altLang="zh-TW" b="0" dirty="0">
+              <a:solidFill>
+                <a:srgbClr val="EEFFFF"/>
+              </a:solidFill>
+              <a:effectLst/>
+              <a:latin typeface="Consolas" panose="020B0609020204030204" pitchFamily="49" charset="0"/>
+            </a:endParaRPr>
+          </a:p>
+          <a:p>
+            <a:pPr marL="0" indent="0">
+              <a:buNone/>
+            </a:pPr>
+            <a:r>
+              <a:rPr lang="en-US" altLang="zh-TW" b="0" dirty="0">
+                <a:solidFill>
+                  <a:srgbClr val="EEFFFF"/>
+                </a:solidFill>
+                <a:effectLst/>
+                <a:latin typeface="Consolas" panose="020B0609020204030204" pitchFamily="49" charset="0"/>
+              </a:rPr>
+              <a:t>  </a:t>
+            </a:r>
+            <a:r>
+              <a:rPr lang="en-US" altLang="zh-TW" b="0" dirty="0">
+                <a:solidFill>
+                  <a:srgbClr val="B2CCD6"/>
+                </a:solidFill>
+                <a:effectLst/>
+                <a:latin typeface="Consolas" panose="020B0609020204030204" pitchFamily="49" charset="0"/>
+              </a:rPr>
+              <a:t>display</a:t>
+            </a:r>
+            <a:r>
+              <a:rPr lang="en-US" altLang="zh-TW" b="0" dirty="0">
+                <a:solidFill>
+                  <a:srgbClr val="89DDFF"/>
+                </a:solidFill>
+                <a:effectLst/>
+                <a:latin typeface="Consolas" panose="020B0609020204030204" pitchFamily="49" charset="0"/>
+              </a:rPr>
+              <a:t>:</a:t>
+            </a:r>
+            <a:r>
+              <a:rPr lang="en-US" altLang="zh-TW" b="0" dirty="0">
+                <a:solidFill>
+                  <a:srgbClr val="EEFFFF"/>
+                </a:solidFill>
+                <a:effectLst/>
+                <a:latin typeface="Consolas" panose="020B0609020204030204" pitchFamily="49" charset="0"/>
+              </a:rPr>
+              <a:t> flex</a:t>
+            </a:r>
+            <a:r>
+              <a:rPr lang="en-US" altLang="zh-TW" b="0" dirty="0">
+                <a:solidFill>
+                  <a:srgbClr val="89DDFF"/>
+                </a:solidFill>
+                <a:effectLst/>
+                <a:latin typeface="Consolas" panose="020B0609020204030204" pitchFamily="49" charset="0"/>
+              </a:rPr>
+              <a:t>;</a:t>
+            </a:r>
+            <a:endParaRPr lang="en-US" altLang="zh-TW" b="0" dirty="0">
+              <a:solidFill>
+                <a:srgbClr val="EEFFFF"/>
+              </a:solidFill>
+              <a:effectLst/>
+              <a:latin typeface="Consolas" panose="020B0609020204030204" pitchFamily="49" charset="0"/>
+            </a:endParaRPr>
+          </a:p>
+          <a:p>
+            <a:pPr marL="0" indent="0">
+              <a:buNone/>
+            </a:pPr>
+            <a:r>
+              <a:rPr lang="en-US" altLang="zh-TW" b="0" dirty="0">
+                <a:solidFill>
+                  <a:srgbClr val="EEFFFF"/>
+                </a:solidFill>
+                <a:effectLst/>
+                <a:latin typeface="Consolas" panose="020B0609020204030204" pitchFamily="49" charset="0"/>
+              </a:rPr>
+              <a:t>  </a:t>
+            </a:r>
+            <a:r>
+              <a:rPr lang="en-US" altLang="zh-TW" b="0" dirty="0">
+                <a:solidFill>
+                  <a:srgbClr val="B2CCD6"/>
+                </a:solidFill>
+                <a:effectLst/>
+                <a:latin typeface="Consolas" panose="020B0609020204030204" pitchFamily="49" charset="0"/>
+              </a:rPr>
+              <a:t>margin</a:t>
+            </a:r>
+            <a:r>
+              <a:rPr lang="en-US" altLang="zh-TW" b="0" dirty="0">
+                <a:solidFill>
+                  <a:srgbClr val="89DDFF"/>
+                </a:solidFill>
+                <a:effectLst/>
+                <a:latin typeface="Consolas" panose="020B0609020204030204" pitchFamily="49" charset="0"/>
+              </a:rPr>
+              <a:t>:</a:t>
+            </a:r>
+            <a:r>
+              <a:rPr lang="en-US" altLang="zh-TW" b="0" dirty="0">
+                <a:solidFill>
+                  <a:srgbClr val="EEFFFF"/>
+                </a:solidFill>
+                <a:effectLst/>
+                <a:latin typeface="Consolas" panose="020B0609020204030204" pitchFamily="49" charset="0"/>
+              </a:rPr>
+              <a:t> </a:t>
+            </a:r>
+            <a:r>
+              <a:rPr lang="en-US" altLang="zh-TW" b="0" dirty="0">
+                <a:solidFill>
+                  <a:srgbClr val="F78C6C"/>
+                </a:solidFill>
+                <a:effectLst/>
+                <a:latin typeface="Consolas" panose="020B0609020204030204" pitchFamily="49" charset="0"/>
+              </a:rPr>
+              <a:t>1rem</a:t>
+            </a:r>
+            <a:r>
+              <a:rPr lang="en-US" altLang="zh-TW" b="0" dirty="0">
+                <a:solidFill>
+                  <a:srgbClr val="EEFFFF"/>
+                </a:solidFill>
+                <a:effectLst/>
+                <a:latin typeface="Consolas" panose="020B0609020204030204" pitchFamily="49" charset="0"/>
+              </a:rPr>
+              <a:t> </a:t>
+            </a:r>
+            <a:r>
+              <a:rPr lang="en-US" altLang="zh-TW" b="0" dirty="0">
+                <a:solidFill>
+                  <a:srgbClr val="F78C6C"/>
+                </a:solidFill>
+                <a:effectLst/>
+                <a:latin typeface="Consolas" panose="020B0609020204030204" pitchFamily="49" charset="0"/>
+              </a:rPr>
+              <a:t>0</a:t>
+            </a:r>
+            <a:r>
+              <a:rPr lang="en-US" altLang="zh-TW" b="0" dirty="0">
+                <a:solidFill>
+                  <a:srgbClr val="EEFFFF"/>
+                </a:solidFill>
+                <a:effectLst/>
+                <a:latin typeface="Consolas" panose="020B0609020204030204" pitchFamily="49" charset="0"/>
+              </a:rPr>
+              <a:t> </a:t>
+            </a:r>
+            <a:r>
+              <a:rPr lang="en-US" altLang="zh-TW" b="0" dirty="0">
+                <a:solidFill>
+                  <a:srgbClr val="F78C6C"/>
+                </a:solidFill>
+                <a:effectLst/>
+                <a:latin typeface="Consolas" panose="020B0609020204030204" pitchFamily="49" charset="0"/>
+              </a:rPr>
+              <a:t>1.5rem</a:t>
+            </a:r>
+            <a:r>
+              <a:rPr lang="en-US" altLang="zh-TW" b="0" dirty="0">
+                <a:solidFill>
+                  <a:srgbClr val="EEFFFF"/>
+                </a:solidFill>
+                <a:effectLst/>
+                <a:latin typeface="Consolas" panose="020B0609020204030204" pitchFamily="49" charset="0"/>
+              </a:rPr>
+              <a:t> </a:t>
+            </a:r>
+            <a:r>
+              <a:rPr lang="en-US" altLang="zh-TW" b="0" dirty="0">
+                <a:solidFill>
+                  <a:srgbClr val="F78C6C"/>
+                </a:solidFill>
+                <a:effectLst/>
+                <a:latin typeface="Consolas" panose="020B0609020204030204" pitchFamily="49" charset="0"/>
+              </a:rPr>
+              <a:t>0px</a:t>
+            </a:r>
+            <a:r>
+              <a:rPr lang="en-US" altLang="zh-TW" b="0" dirty="0">
+                <a:solidFill>
+                  <a:srgbClr val="89DDFF"/>
+                </a:solidFill>
+                <a:effectLst/>
+                <a:latin typeface="Consolas" panose="020B0609020204030204" pitchFamily="49" charset="0"/>
+              </a:rPr>
+              <a:t>;</a:t>
+            </a:r>
+            <a:endParaRPr lang="en-US" altLang="zh-TW" b="0" dirty="0">
+              <a:solidFill>
+                <a:srgbClr val="EEFFFF"/>
+              </a:solidFill>
+              <a:effectLst/>
+              <a:latin typeface="Consolas" panose="020B0609020204030204" pitchFamily="49" charset="0"/>
+            </a:endParaRPr>
+          </a:p>
+          <a:p>
+            <a:pPr marL="0" indent="0">
+              <a:buNone/>
+            </a:pPr>
+            <a:r>
+              <a:rPr lang="en-US" altLang="zh-TW" b="0" dirty="0">
+                <a:solidFill>
+                  <a:srgbClr val="89DDFF"/>
+                </a:solidFill>
+                <a:effectLst/>
+                <a:latin typeface="Consolas" panose="020B0609020204030204" pitchFamily="49" charset="0"/>
+              </a:rPr>
+              <a:t>}</a:t>
+            </a:r>
+            <a:endParaRPr lang="en-US" altLang="zh-TW" b="0" dirty="0">
+              <a:solidFill>
+                <a:srgbClr val="EEFFFF"/>
+              </a:solidFill>
+              <a:effectLst/>
+              <a:latin typeface="Consolas" panose="020B0609020204030204" pitchFamily="49" charset="0"/>
+            </a:endParaRPr>
+          </a:p>
+        </p:txBody>
+      </p:sp>
+      <p:sp>
+        <p:nvSpPr>
+          <p:cNvPr id="5" name="文字方塊 4">
+            <a:extLst>
+              <a:ext uri="{FF2B5EF4-FFF2-40B4-BE49-F238E27FC236}">
+                <a16:creationId xmlns:a16="http://schemas.microsoft.com/office/drawing/2014/main" id="{CB649DAA-43E3-4F0F-9B13-42CE66F2AA5D}"/>
+              </a:ext>
+            </a:extLst>
+          </p:cNvPr>
+          <p:cNvSpPr txBox="1"/>
+          <p:nvPr/>
+        </p:nvSpPr>
+        <p:spPr>
+          <a:xfrm>
+            <a:off x="6368251" y="4519418"/>
+            <a:ext cx="3699768" cy="1323439"/>
+          </a:xfrm>
+          <a:prstGeom prst="rect">
+            <a:avLst/>
+          </a:prstGeom>
+          <a:noFill/>
+        </p:spPr>
+        <p:txBody>
+          <a:bodyPr wrap="square">
+            <a:spAutoFit/>
+          </a:bodyPr>
+          <a:lstStyle/>
+          <a:p>
+            <a:pPr marL="0" indent="0">
+              <a:buNone/>
+            </a:pPr>
+            <a:r>
+              <a:rPr lang="en-US" altLang="zh-TW" sz="2000" b="0" dirty="0">
+                <a:solidFill>
+                  <a:srgbClr val="89DDFF"/>
+                </a:solidFill>
+                <a:effectLst/>
+                <a:latin typeface="Consolas" panose="020B0609020204030204" pitchFamily="49" charset="0"/>
+              </a:rPr>
+              <a:t>.</a:t>
+            </a:r>
+            <a:r>
+              <a:rPr lang="en-US" altLang="zh-TW" sz="2000" b="0" dirty="0">
+                <a:solidFill>
+                  <a:srgbClr val="FFCB6B"/>
+                </a:solidFill>
+                <a:effectLst/>
+                <a:latin typeface="Consolas" panose="020B0609020204030204" pitchFamily="49" charset="0"/>
+              </a:rPr>
+              <a:t>footer</a:t>
+            </a:r>
+            <a:r>
+              <a:rPr lang="en-US" altLang="zh-TW" sz="2000" b="0" dirty="0">
+                <a:solidFill>
+                  <a:srgbClr val="EEFFFF"/>
+                </a:solidFill>
+                <a:effectLst/>
+                <a:latin typeface="Consolas" panose="020B0609020204030204" pitchFamily="49" charset="0"/>
+              </a:rPr>
+              <a:t> </a:t>
+            </a:r>
+            <a:r>
+              <a:rPr lang="en-US" altLang="zh-TW" sz="2000" b="0" dirty="0">
+                <a:solidFill>
+                  <a:srgbClr val="89DDFF"/>
+                </a:solidFill>
+                <a:effectLst/>
+                <a:latin typeface="Consolas" panose="020B0609020204030204" pitchFamily="49" charset="0"/>
+              </a:rPr>
+              <a:t>&gt;</a:t>
+            </a:r>
+            <a:r>
+              <a:rPr lang="en-US" altLang="zh-TW" sz="2000" b="0" dirty="0">
+                <a:solidFill>
+                  <a:srgbClr val="EEFFFF"/>
+                </a:solidFill>
+                <a:effectLst/>
+                <a:latin typeface="Consolas" panose="020B0609020204030204" pitchFamily="49" charset="0"/>
+              </a:rPr>
+              <a:t> </a:t>
+            </a:r>
+            <a:r>
+              <a:rPr lang="en-US" altLang="zh-TW" sz="2000" b="0" dirty="0">
+                <a:solidFill>
+                  <a:srgbClr val="FFCB6B"/>
+                </a:solidFill>
+                <a:effectLst/>
+                <a:latin typeface="Consolas" panose="020B0609020204030204" pitchFamily="49" charset="0"/>
+              </a:rPr>
+              <a:t>ul</a:t>
+            </a:r>
+            <a:r>
+              <a:rPr lang="en-US" altLang="zh-TW" sz="2000" b="0" dirty="0">
+                <a:solidFill>
+                  <a:srgbClr val="EEFFFF"/>
+                </a:solidFill>
+                <a:effectLst/>
+                <a:latin typeface="Consolas" panose="020B0609020204030204" pitchFamily="49" charset="0"/>
+              </a:rPr>
+              <a:t> </a:t>
+            </a:r>
+            <a:r>
+              <a:rPr lang="en-US" altLang="zh-TW" sz="2000" b="0" dirty="0">
+                <a:solidFill>
+                  <a:srgbClr val="89DDFF"/>
+                </a:solidFill>
+                <a:effectLst/>
+                <a:latin typeface="Consolas" panose="020B0609020204030204" pitchFamily="49" charset="0"/>
+              </a:rPr>
+              <a:t>&gt;</a:t>
+            </a:r>
+            <a:r>
+              <a:rPr lang="en-US" altLang="zh-TW" sz="2000" b="0" dirty="0">
+                <a:solidFill>
+                  <a:srgbClr val="EEFFFF"/>
+                </a:solidFill>
+                <a:effectLst/>
+                <a:latin typeface="Consolas" panose="020B0609020204030204" pitchFamily="49" charset="0"/>
+              </a:rPr>
+              <a:t> </a:t>
+            </a:r>
+            <a:r>
+              <a:rPr lang="en-US" altLang="zh-TW" sz="2000" b="0" dirty="0">
+                <a:solidFill>
+                  <a:srgbClr val="FFCB6B"/>
+                </a:solidFill>
+                <a:effectLst/>
+                <a:latin typeface="Consolas" panose="020B0609020204030204" pitchFamily="49" charset="0"/>
+              </a:rPr>
+              <a:t>li</a:t>
+            </a:r>
+            <a:r>
+              <a:rPr lang="en-US" altLang="zh-TW" sz="2000" b="0" dirty="0">
+                <a:solidFill>
+                  <a:srgbClr val="EEFFFF"/>
+                </a:solidFill>
+                <a:effectLst/>
+                <a:latin typeface="Consolas" panose="020B0609020204030204" pitchFamily="49" charset="0"/>
+              </a:rPr>
+              <a:t> </a:t>
+            </a:r>
+            <a:r>
+              <a:rPr lang="en-US" altLang="zh-TW" sz="2000" b="0" dirty="0">
+                <a:solidFill>
+                  <a:srgbClr val="89DDFF"/>
+                </a:solidFill>
+                <a:effectLst/>
+                <a:latin typeface="Consolas" panose="020B0609020204030204" pitchFamily="49" charset="0"/>
+              </a:rPr>
+              <a:t>{</a:t>
+            </a:r>
+            <a:endParaRPr lang="en-US" altLang="zh-TW" sz="2000" b="0" dirty="0">
+              <a:solidFill>
+                <a:srgbClr val="EEFFFF"/>
+              </a:solidFill>
+              <a:effectLst/>
+              <a:latin typeface="Consolas" panose="020B0609020204030204" pitchFamily="49" charset="0"/>
+            </a:endParaRPr>
+          </a:p>
+          <a:p>
+            <a:pPr marL="0" indent="0">
+              <a:buNone/>
+            </a:pPr>
+            <a:r>
+              <a:rPr lang="en-US" altLang="zh-TW" sz="2000" b="0" dirty="0">
+                <a:solidFill>
+                  <a:srgbClr val="EEFFFF"/>
+                </a:solidFill>
+                <a:effectLst/>
+                <a:latin typeface="Consolas" panose="020B0609020204030204" pitchFamily="49" charset="0"/>
+              </a:rPr>
+              <a:t>  </a:t>
+            </a:r>
+            <a:r>
+              <a:rPr lang="en-US" altLang="zh-TW" sz="2000" b="0" dirty="0">
+                <a:solidFill>
+                  <a:srgbClr val="B2CCD6"/>
+                </a:solidFill>
+                <a:effectLst/>
+                <a:latin typeface="Consolas" panose="020B0609020204030204" pitchFamily="49" charset="0"/>
+              </a:rPr>
+              <a:t>list-style</a:t>
+            </a:r>
+            <a:r>
+              <a:rPr lang="en-US" altLang="zh-TW" sz="2000" b="0" dirty="0">
+                <a:solidFill>
+                  <a:srgbClr val="89DDFF"/>
+                </a:solidFill>
+                <a:effectLst/>
+                <a:latin typeface="Consolas" panose="020B0609020204030204" pitchFamily="49" charset="0"/>
+              </a:rPr>
+              <a:t>:</a:t>
+            </a:r>
+            <a:r>
+              <a:rPr lang="en-US" altLang="zh-TW" sz="2000" b="0" dirty="0">
+                <a:solidFill>
+                  <a:srgbClr val="EEFFFF"/>
+                </a:solidFill>
+                <a:effectLst/>
+                <a:latin typeface="Consolas" panose="020B0609020204030204" pitchFamily="49" charset="0"/>
+              </a:rPr>
+              <a:t> none</a:t>
+            </a:r>
+            <a:r>
+              <a:rPr lang="en-US" altLang="zh-TW" sz="2000" b="0" dirty="0">
+                <a:solidFill>
+                  <a:srgbClr val="89DDFF"/>
+                </a:solidFill>
+                <a:effectLst/>
+                <a:latin typeface="Consolas" panose="020B0609020204030204" pitchFamily="49" charset="0"/>
+              </a:rPr>
+              <a:t>;</a:t>
+            </a:r>
+            <a:endParaRPr lang="en-US" altLang="zh-TW" sz="2000" b="0" dirty="0">
+              <a:solidFill>
+                <a:srgbClr val="EEFFFF"/>
+              </a:solidFill>
+              <a:effectLst/>
+              <a:latin typeface="Consolas" panose="020B0609020204030204" pitchFamily="49" charset="0"/>
+            </a:endParaRPr>
+          </a:p>
+          <a:p>
+            <a:pPr marL="0" indent="0">
+              <a:buNone/>
+            </a:pPr>
+            <a:r>
+              <a:rPr lang="en-US" altLang="zh-TW" sz="2000" b="0" dirty="0">
+                <a:solidFill>
+                  <a:srgbClr val="EEFFFF"/>
+                </a:solidFill>
+                <a:effectLst/>
+                <a:latin typeface="Consolas" panose="020B0609020204030204" pitchFamily="49" charset="0"/>
+              </a:rPr>
+              <a:t>  </a:t>
+            </a:r>
+            <a:r>
+              <a:rPr lang="en-US" altLang="zh-TW" sz="2000" b="0" dirty="0">
+                <a:solidFill>
+                  <a:srgbClr val="B2CCD6"/>
+                </a:solidFill>
+                <a:effectLst/>
+                <a:latin typeface="Consolas" panose="020B0609020204030204" pitchFamily="49" charset="0"/>
+              </a:rPr>
+              <a:t>margin</a:t>
+            </a:r>
+            <a:r>
+              <a:rPr lang="en-US" altLang="zh-TW" sz="2000" b="0" dirty="0">
+                <a:solidFill>
+                  <a:srgbClr val="89DDFF"/>
+                </a:solidFill>
+                <a:effectLst/>
+                <a:latin typeface="Consolas" panose="020B0609020204030204" pitchFamily="49" charset="0"/>
+              </a:rPr>
+              <a:t>:</a:t>
+            </a:r>
+            <a:r>
+              <a:rPr lang="en-US" altLang="zh-TW" sz="2000" b="0" dirty="0">
+                <a:solidFill>
+                  <a:srgbClr val="EEFFFF"/>
+                </a:solidFill>
+                <a:effectLst/>
+                <a:latin typeface="Consolas" panose="020B0609020204030204" pitchFamily="49" charset="0"/>
+              </a:rPr>
+              <a:t> </a:t>
+            </a:r>
+            <a:r>
+              <a:rPr lang="en-US" altLang="zh-TW" sz="2000" b="0" dirty="0">
+                <a:solidFill>
+                  <a:srgbClr val="F78C6C"/>
+                </a:solidFill>
+                <a:effectLst/>
+                <a:latin typeface="Consolas" panose="020B0609020204030204" pitchFamily="49" charset="0"/>
+              </a:rPr>
+              <a:t>0</a:t>
+            </a:r>
+            <a:r>
+              <a:rPr lang="en-US" altLang="zh-TW" sz="2000" b="0" dirty="0">
+                <a:solidFill>
+                  <a:srgbClr val="EEFFFF"/>
+                </a:solidFill>
+                <a:effectLst/>
+                <a:latin typeface="Consolas" panose="020B0609020204030204" pitchFamily="49" charset="0"/>
+              </a:rPr>
+              <a:t> </a:t>
+            </a:r>
+            <a:r>
+              <a:rPr lang="en-US" altLang="zh-TW" sz="2000" b="0" dirty="0">
+                <a:solidFill>
+                  <a:srgbClr val="F78C6C"/>
+                </a:solidFill>
+                <a:effectLst/>
+                <a:latin typeface="Consolas" panose="020B0609020204030204" pitchFamily="49" charset="0"/>
+              </a:rPr>
+              <a:t>0.25rem</a:t>
+            </a:r>
+            <a:r>
+              <a:rPr lang="en-US" altLang="zh-TW" sz="2000" b="0" dirty="0">
+                <a:solidFill>
+                  <a:srgbClr val="89DDFF"/>
+                </a:solidFill>
+                <a:effectLst/>
+                <a:latin typeface="Consolas" panose="020B0609020204030204" pitchFamily="49" charset="0"/>
+              </a:rPr>
+              <a:t>;</a:t>
+            </a:r>
+            <a:endParaRPr lang="en-US" altLang="zh-TW" sz="2000" b="0" dirty="0">
+              <a:solidFill>
+                <a:srgbClr val="EEFFFF"/>
+              </a:solidFill>
+              <a:effectLst/>
+              <a:latin typeface="Consolas" panose="020B0609020204030204" pitchFamily="49" charset="0"/>
+            </a:endParaRPr>
+          </a:p>
+          <a:p>
+            <a:pPr marL="0" indent="0">
+              <a:buNone/>
+            </a:pPr>
+            <a:r>
+              <a:rPr lang="en-US" altLang="zh-TW" sz="2000" b="0" dirty="0">
+                <a:solidFill>
+                  <a:srgbClr val="89DDFF"/>
+                </a:solidFill>
+                <a:effectLst/>
+                <a:latin typeface="Consolas" panose="020B0609020204030204" pitchFamily="49" charset="0"/>
+              </a:rPr>
+              <a:t>}</a:t>
+            </a:r>
+            <a:endParaRPr lang="en-US" altLang="zh-TW" sz="2000" b="0" dirty="0">
+              <a:solidFill>
+                <a:srgbClr val="EEFFFF"/>
+              </a:solidFill>
+              <a:effectLst/>
+              <a:latin typeface="Consolas" panose="020B0609020204030204" pitchFamily="49" charset="0"/>
+            </a:endParaRPr>
+          </a:p>
+        </p:txBody>
+      </p:sp>
+    </p:spTree>
+    <p:extLst>
+      <p:ext uri="{BB962C8B-B14F-4D97-AF65-F5344CB8AC3E}">
+        <p14:creationId xmlns:p14="http://schemas.microsoft.com/office/powerpoint/2010/main" val="2530402924"/>
+      </p:ext>
+    </p:extLst>
+  </p:cSld>
+  <p:clrMapOvr>
+    <a:masterClrMapping/>
+  </p:clrMapOvr>
+</p:sld>
+</file>
+
+<file path=ppt/slides/slide46.xml><?xml version="1.0" encoding="utf-8"?>
+<p:sld xmlns:a="http://schemas.openxmlformats.org/drawingml/2006/main" xmlns:r="http://schemas.openxmlformats.org/officeDocument/2006/relationships" xmlns:p="http://schemas.openxmlformats.org/presentationml/2006/main">
+  <p:cSld>
+    <p:spTree>
+      <p:nvGrpSpPr>
+        <p:cNvPr id="1" name=""/>
+        <p:cNvGrpSpPr/>
+        <p:nvPr/>
+      </p:nvGrpSpPr>
+      <p:grpSpPr>
+        <a:xfrm>
+          <a:off x="0" y="0"/>
+          <a:ext cx="0" cy="0"/>
+          <a:chOff x="0" y="0"/>
+          <a:chExt cx="0" cy="0"/>
+        </a:xfrm>
+      </p:grpSpPr>
+      <p:sp>
+        <p:nvSpPr>
+          <p:cNvPr id="2" name="標題 1">
+            <a:extLst>
+              <a:ext uri="{FF2B5EF4-FFF2-40B4-BE49-F238E27FC236}">
+                <a16:creationId xmlns:a16="http://schemas.microsoft.com/office/drawing/2014/main" id="{3270CD7E-780F-407C-836F-60A707816625}"/>
+              </a:ext>
+            </a:extLst>
+          </p:cNvPr>
+          <p:cNvSpPr>
+            <a:spLocks noGrp="1"/>
+          </p:cNvSpPr>
+          <p:nvPr>
+            <p:ph type="title"/>
+          </p:nvPr>
+        </p:nvSpPr>
+        <p:spPr/>
+        <p:txBody>
+          <a:bodyPr/>
+          <a:lstStyle/>
+          <a:p>
+            <a:r>
+              <a:rPr lang="en-US" altLang="zh-TW" dirty="0"/>
+              <a:t>Footer a</a:t>
+            </a:r>
+            <a:endParaRPr lang="zh-TW" altLang="en-US" dirty="0"/>
+          </a:p>
+        </p:txBody>
+      </p:sp>
+      <p:sp>
+        <p:nvSpPr>
+          <p:cNvPr id="3" name="內容版面配置區 2">
+            <a:extLst>
+              <a:ext uri="{FF2B5EF4-FFF2-40B4-BE49-F238E27FC236}">
+                <a16:creationId xmlns:a16="http://schemas.microsoft.com/office/drawing/2014/main" id="{B23BF6C7-502B-44F1-8111-07EBF94E9BE9}"/>
+              </a:ext>
+            </a:extLst>
+          </p:cNvPr>
+          <p:cNvSpPr>
+            <a:spLocks noGrp="1"/>
+          </p:cNvSpPr>
+          <p:nvPr>
+            <p:ph idx="1"/>
+          </p:nvPr>
+        </p:nvSpPr>
+        <p:spPr>
+          <a:xfrm>
+            <a:off x="1371600" y="1758461"/>
+            <a:ext cx="3697550" cy="4562439"/>
+          </a:xfrm>
+        </p:spPr>
+        <p:txBody>
+          <a:bodyPr>
+            <a:normAutofit fontScale="92500" lnSpcReduction="20000"/>
+          </a:bodyPr>
+          <a:lstStyle/>
+          <a:p>
+            <a:pPr marL="0" indent="0">
+              <a:buNone/>
+            </a:pPr>
+            <a:r>
+              <a:rPr lang="en-US" altLang="zh-TW" b="0" dirty="0">
+                <a:solidFill>
+                  <a:srgbClr val="89DDFF"/>
+                </a:solidFill>
+                <a:effectLst/>
+                <a:latin typeface="Consolas" panose="020B0609020204030204" pitchFamily="49" charset="0"/>
+              </a:rPr>
+              <a:t>.</a:t>
+            </a:r>
+            <a:r>
+              <a:rPr lang="en-US" altLang="zh-TW" b="0" dirty="0">
+                <a:solidFill>
+                  <a:srgbClr val="FFCB6B"/>
+                </a:solidFill>
+                <a:effectLst/>
+                <a:latin typeface="Consolas" panose="020B0609020204030204" pitchFamily="49" charset="0"/>
+              </a:rPr>
+              <a:t>footer</a:t>
+            </a:r>
+            <a:r>
+              <a:rPr lang="en-US" altLang="zh-TW" b="0" dirty="0">
+                <a:solidFill>
+                  <a:srgbClr val="EEFFFF"/>
+                </a:solidFill>
+                <a:effectLst/>
+                <a:latin typeface="Consolas" panose="020B0609020204030204" pitchFamily="49" charset="0"/>
+              </a:rPr>
+              <a:t> </a:t>
+            </a:r>
+            <a:r>
+              <a:rPr lang="en-US" altLang="zh-TW" b="0" dirty="0">
+                <a:solidFill>
+                  <a:srgbClr val="89DDFF"/>
+                </a:solidFill>
+                <a:effectLst/>
+                <a:latin typeface="Consolas" panose="020B0609020204030204" pitchFamily="49" charset="0"/>
+              </a:rPr>
+              <a:t>&gt;</a:t>
+            </a:r>
+            <a:r>
+              <a:rPr lang="en-US" altLang="zh-TW" b="0" dirty="0">
+                <a:solidFill>
+                  <a:srgbClr val="EEFFFF"/>
+                </a:solidFill>
+                <a:effectLst/>
+                <a:latin typeface="Consolas" panose="020B0609020204030204" pitchFamily="49" charset="0"/>
+              </a:rPr>
+              <a:t> </a:t>
+            </a:r>
+            <a:r>
+              <a:rPr lang="en-US" altLang="zh-TW" b="0" dirty="0">
+                <a:solidFill>
+                  <a:srgbClr val="FFCB6B"/>
+                </a:solidFill>
+                <a:effectLst/>
+                <a:latin typeface="Consolas" panose="020B0609020204030204" pitchFamily="49" charset="0"/>
+              </a:rPr>
+              <a:t>ul</a:t>
+            </a:r>
+            <a:r>
+              <a:rPr lang="en-US" altLang="zh-TW" b="0" dirty="0">
+                <a:solidFill>
+                  <a:srgbClr val="EEFFFF"/>
+                </a:solidFill>
+                <a:effectLst/>
+                <a:latin typeface="Consolas" panose="020B0609020204030204" pitchFamily="49" charset="0"/>
+              </a:rPr>
+              <a:t> </a:t>
+            </a:r>
+            <a:r>
+              <a:rPr lang="en-US" altLang="zh-TW" b="0" dirty="0">
+                <a:solidFill>
+                  <a:srgbClr val="89DDFF"/>
+                </a:solidFill>
+                <a:effectLst/>
+                <a:latin typeface="Consolas" panose="020B0609020204030204" pitchFamily="49" charset="0"/>
+              </a:rPr>
+              <a:t>&gt;</a:t>
+            </a:r>
+            <a:r>
+              <a:rPr lang="en-US" altLang="zh-TW" b="0" dirty="0">
+                <a:solidFill>
+                  <a:srgbClr val="EEFFFF"/>
+                </a:solidFill>
+                <a:effectLst/>
+                <a:latin typeface="Consolas" panose="020B0609020204030204" pitchFamily="49" charset="0"/>
+              </a:rPr>
+              <a:t> </a:t>
+            </a:r>
+            <a:r>
+              <a:rPr lang="en-US" altLang="zh-TW" b="0" dirty="0">
+                <a:solidFill>
+                  <a:srgbClr val="FFCB6B"/>
+                </a:solidFill>
+                <a:effectLst/>
+                <a:latin typeface="Consolas" panose="020B0609020204030204" pitchFamily="49" charset="0"/>
+              </a:rPr>
+              <a:t>li</a:t>
+            </a:r>
+            <a:r>
+              <a:rPr lang="en-US" altLang="zh-TW" b="0" dirty="0">
+                <a:solidFill>
+                  <a:srgbClr val="EEFFFF"/>
+                </a:solidFill>
+                <a:effectLst/>
+                <a:latin typeface="Consolas" panose="020B0609020204030204" pitchFamily="49" charset="0"/>
+              </a:rPr>
+              <a:t> </a:t>
+            </a:r>
+            <a:r>
+              <a:rPr lang="en-US" altLang="zh-TW" b="0" dirty="0">
+                <a:solidFill>
+                  <a:srgbClr val="89DDFF"/>
+                </a:solidFill>
+                <a:effectLst/>
+                <a:latin typeface="Consolas" panose="020B0609020204030204" pitchFamily="49" charset="0"/>
+              </a:rPr>
+              <a:t>&gt;</a:t>
+            </a:r>
+            <a:r>
+              <a:rPr lang="en-US" altLang="zh-TW" b="0" dirty="0">
+                <a:solidFill>
+                  <a:srgbClr val="EEFFFF"/>
+                </a:solidFill>
+                <a:effectLst/>
+                <a:latin typeface="Consolas" panose="020B0609020204030204" pitchFamily="49" charset="0"/>
+              </a:rPr>
+              <a:t> </a:t>
+            </a:r>
+            <a:r>
+              <a:rPr lang="en-US" altLang="zh-TW" b="0" dirty="0">
+                <a:solidFill>
+                  <a:srgbClr val="FFCB6B"/>
+                </a:solidFill>
+                <a:effectLst/>
+                <a:latin typeface="Consolas" panose="020B0609020204030204" pitchFamily="49" charset="0"/>
+              </a:rPr>
+              <a:t>a</a:t>
+            </a:r>
+            <a:r>
+              <a:rPr lang="en-US" altLang="zh-TW" b="0" dirty="0">
+                <a:solidFill>
+                  <a:srgbClr val="EEFFFF"/>
+                </a:solidFill>
+                <a:effectLst/>
+                <a:latin typeface="Consolas" panose="020B0609020204030204" pitchFamily="49" charset="0"/>
+              </a:rPr>
+              <a:t> </a:t>
+            </a:r>
+            <a:r>
+              <a:rPr lang="en-US" altLang="zh-TW" b="0" dirty="0">
+                <a:solidFill>
+                  <a:srgbClr val="89DDFF"/>
+                </a:solidFill>
+                <a:effectLst/>
+                <a:latin typeface="Consolas" panose="020B0609020204030204" pitchFamily="49" charset="0"/>
+              </a:rPr>
+              <a:t>{</a:t>
+            </a:r>
+            <a:endParaRPr lang="en-US" altLang="zh-TW" b="0" dirty="0">
+              <a:solidFill>
+                <a:srgbClr val="EEFFFF"/>
+              </a:solidFill>
+              <a:effectLst/>
+              <a:latin typeface="Consolas" panose="020B0609020204030204" pitchFamily="49" charset="0"/>
+            </a:endParaRPr>
+          </a:p>
+          <a:p>
+            <a:pPr marL="0" indent="0">
+              <a:buNone/>
+            </a:pPr>
+            <a:r>
+              <a:rPr lang="en-US" altLang="zh-TW" b="0" dirty="0">
+                <a:solidFill>
+                  <a:srgbClr val="EEFFFF"/>
+                </a:solidFill>
+                <a:effectLst/>
+                <a:latin typeface="Consolas" panose="020B0609020204030204" pitchFamily="49" charset="0"/>
+              </a:rPr>
+              <a:t>  </a:t>
+            </a:r>
+            <a:r>
+              <a:rPr lang="en-US" altLang="zh-TW" b="0" dirty="0">
+                <a:solidFill>
+                  <a:srgbClr val="B2CCD6"/>
+                </a:solidFill>
+                <a:effectLst/>
+                <a:latin typeface="Consolas" panose="020B0609020204030204" pitchFamily="49" charset="0"/>
+              </a:rPr>
+              <a:t>border</a:t>
+            </a:r>
+            <a:r>
+              <a:rPr lang="en-US" altLang="zh-TW" b="0" dirty="0">
+                <a:solidFill>
+                  <a:srgbClr val="89DDFF"/>
+                </a:solidFill>
+                <a:effectLst/>
+                <a:latin typeface="Consolas" panose="020B0609020204030204" pitchFamily="49" charset="0"/>
+              </a:rPr>
+              <a:t>:</a:t>
+            </a:r>
+            <a:r>
+              <a:rPr lang="en-US" altLang="zh-TW" b="0" dirty="0">
+                <a:solidFill>
+                  <a:srgbClr val="EEFFFF"/>
+                </a:solidFill>
+                <a:effectLst/>
+                <a:latin typeface="Consolas" panose="020B0609020204030204" pitchFamily="49" charset="0"/>
+              </a:rPr>
+              <a:t> </a:t>
+            </a:r>
+            <a:r>
+              <a:rPr lang="en-US" altLang="zh-TW" b="0" dirty="0">
+                <a:solidFill>
+                  <a:srgbClr val="F78C6C"/>
+                </a:solidFill>
+                <a:effectLst/>
+                <a:latin typeface="Consolas" panose="020B0609020204030204" pitchFamily="49" charset="0"/>
+              </a:rPr>
+              <a:t>1px</a:t>
+            </a:r>
+            <a:r>
+              <a:rPr lang="en-US" altLang="zh-TW" b="0" dirty="0">
+                <a:solidFill>
+                  <a:srgbClr val="EEFFFF"/>
+                </a:solidFill>
+                <a:effectLst/>
+                <a:latin typeface="Consolas" panose="020B0609020204030204" pitchFamily="49" charset="0"/>
+              </a:rPr>
+              <a:t> </a:t>
+            </a:r>
+            <a:r>
+              <a:rPr lang="en-US" altLang="zh-TW" b="0" dirty="0">
+                <a:solidFill>
+                  <a:srgbClr val="89DDFF"/>
+                </a:solidFill>
+                <a:effectLst/>
+                <a:latin typeface="Consolas" panose="020B0609020204030204" pitchFamily="49" charset="0"/>
+              </a:rPr>
+              <a:t>#</a:t>
+            </a:r>
+            <a:r>
+              <a:rPr lang="en-US" altLang="zh-TW" b="0" dirty="0">
+                <a:solidFill>
+                  <a:srgbClr val="EEFFFF"/>
+                </a:solidFill>
+                <a:effectLst/>
+                <a:latin typeface="Consolas" panose="020B0609020204030204" pitchFamily="49" charset="0"/>
+              </a:rPr>
+              <a:t>ccc solid</a:t>
+            </a:r>
+            <a:r>
+              <a:rPr lang="en-US" altLang="zh-TW" b="0" dirty="0">
+                <a:solidFill>
+                  <a:srgbClr val="89DDFF"/>
+                </a:solidFill>
+                <a:effectLst/>
+                <a:latin typeface="Consolas" panose="020B0609020204030204" pitchFamily="49" charset="0"/>
+              </a:rPr>
+              <a:t>;</a:t>
+            </a:r>
+            <a:endParaRPr lang="en-US" altLang="zh-TW" b="0" dirty="0">
+              <a:solidFill>
+                <a:srgbClr val="EEFFFF"/>
+              </a:solidFill>
+              <a:effectLst/>
+              <a:latin typeface="Consolas" panose="020B0609020204030204" pitchFamily="49" charset="0"/>
+            </a:endParaRPr>
+          </a:p>
+          <a:p>
+            <a:pPr marL="0" indent="0">
+              <a:buNone/>
+            </a:pPr>
+            <a:r>
+              <a:rPr lang="en-US" altLang="zh-TW" b="0" dirty="0">
+                <a:solidFill>
+                  <a:srgbClr val="EEFFFF"/>
+                </a:solidFill>
+                <a:effectLst/>
+                <a:latin typeface="Consolas" panose="020B0609020204030204" pitchFamily="49" charset="0"/>
+              </a:rPr>
+              <a:t>  </a:t>
+            </a:r>
+            <a:r>
+              <a:rPr lang="en-US" altLang="zh-TW" b="0" dirty="0">
+                <a:solidFill>
+                  <a:srgbClr val="B2CCD6"/>
+                </a:solidFill>
+                <a:effectLst/>
+                <a:latin typeface="Consolas" panose="020B0609020204030204" pitchFamily="49" charset="0"/>
+              </a:rPr>
+              <a:t>fill</a:t>
+            </a:r>
+            <a:r>
+              <a:rPr lang="en-US" altLang="zh-TW" b="0" dirty="0">
+                <a:solidFill>
+                  <a:srgbClr val="89DDFF"/>
+                </a:solidFill>
+                <a:effectLst/>
+                <a:latin typeface="Consolas" panose="020B0609020204030204" pitchFamily="49" charset="0"/>
+              </a:rPr>
+              <a:t>:</a:t>
+            </a:r>
+            <a:r>
+              <a:rPr lang="en-US" altLang="zh-TW" b="0" dirty="0">
+                <a:solidFill>
+                  <a:srgbClr val="EEFFFF"/>
+                </a:solidFill>
+                <a:effectLst/>
+                <a:latin typeface="Consolas" panose="020B0609020204030204" pitchFamily="49" charset="0"/>
+              </a:rPr>
+              <a:t> </a:t>
+            </a:r>
+            <a:r>
+              <a:rPr lang="en-US" altLang="zh-TW" b="0" dirty="0">
+                <a:solidFill>
+                  <a:srgbClr val="89DDFF"/>
+                </a:solidFill>
+                <a:effectLst/>
+                <a:latin typeface="Consolas" panose="020B0609020204030204" pitchFamily="49" charset="0"/>
+              </a:rPr>
+              <a:t>#</a:t>
+            </a:r>
+            <a:r>
+              <a:rPr lang="en-US" altLang="zh-TW" b="0" dirty="0">
+                <a:solidFill>
+                  <a:srgbClr val="EEFFFF"/>
+                </a:solidFill>
+                <a:effectLst/>
+                <a:latin typeface="Consolas" panose="020B0609020204030204" pitchFamily="49" charset="0"/>
+              </a:rPr>
+              <a:t>ccc</a:t>
+            </a:r>
+            <a:r>
+              <a:rPr lang="en-US" altLang="zh-TW" b="0" dirty="0">
+                <a:solidFill>
+                  <a:srgbClr val="89DDFF"/>
+                </a:solidFill>
+                <a:effectLst/>
+                <a:latin typeface="Consolas" panose="020B0609020204030204" pitchFamily="49" charset="0"/>
+              </a:rPr>
+              <a:t>;</a:t>
+            </a:r>
+            <a:endParaRPr lang="en-US" altLang="zh-TW" b="0" dirty="0">
+              <a:solidFill>
+                <a:srgbClr val="EEFFFF"/>
+              </a:solidFill>
+              <a:effectLst/>
+              <a:latin typeface="Consolas" panose="020B0609020204030204" pitchFamily="49" charset="0"/>
+            </a:endParaRPr>
+          </a:p>
+          <a:p>
+            <a:pPr marL="0" indent="0">
+              <a:buNone/>
+            </a:pPr>
+            <a:r>
+              <a:rPr lang="en-US" altLang="zh-TW" b="0" dirty="0">
+                <a:solidFill>
+                  <a:srgbClr val="EEFFFF"/>
+                </a:solidFill>
+                <a:effectLst/>
+                <a:latin typeface="Consolas" panose="020B0609020204030204" pitchFamily="49" charset="0"/>
+              </a:rPr>
+              <a:t>  </a:t>
+            </a:r>
+            <a:r>
+              <a:rPr lang="en-US" altLang="zh-TW" b="0" i="1" dirty="0">
+                <a:solidFill>
+                  <a:srgbClr val="4A4A4A"/>
+                </a:solidFill>
+                <a:effectLst/>
+                <a:latin typeface="Consolas" panose="020B0609020204030204" pitchFamily="49" charset="0"/>
+              </a:rPr>
+              <a:t>/*</a:t>
+            </a:r>
+            <a:r>
+              <a:rPr lang="zh-TW" altLang="en-US" b="0" i="1" dirty="0">
+                <a:solidFill>
+                  <a:srgbClr val="4A4A4A"/>
+                </a:solidFill>
+                <a:effectLst/>
+                <a:latin typeface="Consolas" panose="020B0609020204030204" pitchFamily="49" charset="0"/>
+              </a:rPr>
+              <a:t>要變成</a:t>
+            </a:r>
+            <a:r>
+              <a:rPr lang="en-US" altLang="zh-TW" b="0" i="1" dirty="0">
+                <a:solidFill>
+                  <a:srgbClr val="4A4A4A"/>
+                </a:solidFill>
+                <a:effectLst/>
+                <a:latin typeface="Consolas" panose="020B0609020204030204" pitchFamily="49" charset="0"/>
+              </a:rPr>
+              <a:t>flex</a:t>
+            </a:r>
+            <a:r>
+              <a:rPr lang="zh-TW" altLang="en-US" b="0" i="1" dirty="0">
+                <a:solidFill>
+                  <a:srgbClr val="4A4A4A"/>
+                </a:solidFill>
+                <a:effectLst/>
+                <a:latin typeface="Consolas" panose="020B0609020204030204" pitchFamily="49" charset="0"/>
+              </a:rPr>
+              <a:t>才會對齊*</a:t>
+            </a:r>
+            <a:r>
+              <a:rPr lang="en-US" altLang="zh-TW" b="0" i="1" dirty="0">
+                <a:solidFill>
+                  <a:srgbClr val="4A4A4A"/>
+                </a:solidFill>
+                <a:effectLst/>
+                <a:latin typeface="Consolas" panose="020B0609020204030204" pitchFamily="49" charset="0"/>
+              </a:rPr>
+              <a:t>/</a:t>
+            </a:r>
+            <a:endParaRPr lang="zh-TW" altLang="en-US" b="0" dirty="0">
+              <a:solidFill>
+                <a:srgbClr val="EEFFFF"/>
+              </a:solidFill>
+              <a:effectLst/>
+              <a:latin typeface="Consolas" panose="020B0609020204030204" pitchFamily="49" charset="0"/>
+            </a:endParaRPr>
+          </a:p>
+          <a:p>
+            <a:pPr marL="0" indent="0">
+              <a:buNone/>
+            </a:pPr>
+            <a:r>
+              <a:rPr lang="zh-TW" altLang="en-US" b="0" dirty="0">
+                <a:solidFill>
+                  <a:srgbClr val="EEFFFF"/>
+                </a:solidFill>
+                <a:effectLst/>
+                <a:latin typeface="Consolas" panose="020B0609020204030204" pitchFamily="49" charset="0"/>
+              </a:rPr>
+              <a:t>  </a:t>
+            </a:r>
+            <a:r>
+              <a:rPr lang="en-US" altLang="zh-TW" b="0" dirty="0">
+                <a:solidFill>
+                  <a:srgbClr val="B2CCD6"/>
+                </a:solidFill>
+                <a:effectLst/>
+                <a:latin typeface="Consolas" panose="020B0609020204030204" pitchFamily="49" charset="0"/>
+              </a:rPr>
+              <a:t>display</a:t>
+            </a:r>
+            <a:r>
+              <a:rPr lang="en-US" altLang="zh-TW" b="0" dirty="0">
+                <a:solidFill>
+                  <a:srgbClr val="89DDFF"/>
+                </a:solidFill>
+                <a:effectLst/>
+                <a:latin typeface="Consolas" panose="020B0609020204030204" pitchFamily="49" charset="0"/>
+              </a:rPr>
+              <a:t>:</a:t>
+            </a:r>
+            <a:r>
+              <a:rPr lang="en-US" altLang="zh-TW" b="0" dirty="0">
+                <a:solidFill>
+                  <a:srgbClr val="EEFFFF"/>
+                </a:solidFill>
+                <a:effectLst/>
+                <a:latin typeface="Consolas" panose="020B0609020204030204" pitchFamily="49" charset="0"/>
+              </a:rPr>
+              <a:t> flex</a:t>
+            </a:r>
+            <a:r>
+              <a:rPr lang="en-US" altLang="zh-TW" b="0" dirty="0">
+                <a:solidFill>
+                  <a:srgbClr val="89DDFF"/>
+                </a:solidFill>
+                <a:effectLst/>
+                <a:latin typeface="Consolas" panose="020B0609020204030204" pitchFamily="49" charset="0"/>
+              </a:rPr>
+              <a:t>;</a:t>
+            </a:r>
+            <a:endParaRPr lang="en-US" altLang="zh-TW" b="0" dirty="0">
+              <a:solidFill>
+                <a:srgbClr val="EEFFFF"/>
+              </a:solidFill>
+              <a:effectLst/>
+              <a:latin typeface="Consolas" panose="020B0609020204030204" pitchFamily="49" charset="0"/>
+            </a:endParaRPr>
+          </a:p>
+          <a:p>
+            <a:pPr marL="0" indent="0">
+              <a:buNone/>
+            </a:pPr>
+            <a:r>
+              <a:rPr lang="en-US" altLang="zh-TW" b="0" dirty="0">
+                <a:solidFill>
+                  <a:srgbClr val="EEFFFF"/>
+                </a:solidFill>
+                <a:effectLst/>
+                <a:latin typeface="Consolas" panose="020B0609020204030204" pitchFamily="49" charset="0"/>
+              </a:rPr>
+              <a:t>  </a:t>
+            </a:r>
+            <a:r>
+              <a:rPr lang="en-US" altLang="zh-TW" b="0" dirty="0">
+                <a:solidFill>
+                  <a:srgbClr val="B2CCD6"/>
+                </a:solidFill>
+                <a:effectLst/>
+                <a:latin typeface="Consolas" panose="020B0609020204030204" pitchFamily="49" charset="0"/>
+              </a:rPr>
+              <a:t>align-items</a:t>
+            </a:r>
+            <a:r>
+              <a:rPr lang="en-US" altLang="zh-TW" b="0" dirty="0">
+                <a:solidFill>
+                  <a:srgbClr val="89DDFF"/>
+                </a:solidFill>
+                <a:effectLst/>
+                <a:latin typeface="Consolas" panose="020B0609020204030204" pitchFamily="49" charset="0"/>
+              </a:rPr>
+              <a:t>:</a:t>
+            </a:r>
+            <a:r>
+              <a:rPr lang="en-US" altLang="zh-TW" b="0" dirty="0">
+                <a:solidFill>
+                  <a:srgbClr val="EEFFFF"/>
+                </a:solidFill>
+                <a:effectLst/>
+                <a:latin typeface="Consolas" panose="020B0609020204030204" pitchFamily="49" charset="0"/>
+              </a:rPr>
+              <a:t> center</a:t>
+            </a:r>
+            <a:r>
+              <a:rPr lang="en-US" altLang="zh-TW" b="0" dirty="0">
+                <a:solidFill>
+                  <a:srgbClr val="89DDFF"/>
+                </a:solidFill>
+                <a:effectLst/>
+                <a:latin typeface="Consolas" panose="020B0609020204030204" pitchFamily="49" charset="0"/>
+              </a:rPr>
+              <a:t>;</a:t>
+            </a:r>
+            <a:endParaRPr lang="en-US" altLang="zh-TW" b="0" dirty="0">
+              <a:solidFill>
+                <a:srgbClr val="EEFFFF"/>
+              </a:solidFill>
+              <a:effectLst/>
+              <a:latin typeface="Consolas" panose="020B0609020204030204" pitchFamily="49" charset="0"/>
+            </a:endParaRPr>
+          </a:p>
+          <a:p>
+            <a:pPr marL="0" indent="0">
+              <a:buNone/>
+            </a:pPr>
+            <a:r>
+              <a:rPr lang="en-US" altLang="zh-TW" b="0" dirty="0">
+                <a:solidFill>
+                  <a:srgbClr val="EEFFFF"/>
+                </a:solidFill>
+                <a:effectLst/>
+                <a:latin typeface="Consolas" panose="020B0609020204030204" pitchFamily="49" charset="0"/>
+              </a:rPr>
+              <a:t>  </a:t>
+            </a:r>
+            <a:r>
+              <a:rPr lang="en-US" altLang="zh-TW" b="0" dirty="0">
+                <a:solidFill>
+                  <a:srgbClr val="B2CCD6"/>
+                </a:solidFill>
+                <a:effectLst/>
+                <a:latin typeface="Consolas" panose="020B0609020204030204" pitchFamily="49" charset="0"/>
+              </a:rPr>
+              <a:t>justify-content</a:t>
+            </a:r>
+            <a:r>
+              <a:rPr lang="en-US" altLang="zh-TW" b="0" dirty="0">
+                <a:solidFill>
+                  <a:srgbClr val="89DDFF"/>
+                </a:solidFill>
+                <a:effectLst/>
+                <a:latin typeface="Consolas" panose="020B0609020204030204" pitchFamily="49" charset="0"/>
+              </a:rPr>
+              <a:t>:</a:t>
+            </a:r>
+            <a:r>
+              <a:rPr lang="en-US" altLang="zh-TW" b="0" dirty="0">
+                <a:solidFill>
+                  <a:srgbClr val="EEFFFF"/>
+                </a:solidFill>
+                <a:effectLst/>
+                <a:latin typeface="Consolas" panose="020B0609020204030204" pitchFamily="49" charset="0"/>
+              </a:rPr>
+              <a:t> center</a:t>
+            </a:r>
+            <a:r>
+              <a:rPr lang="en-US" altLang="zh-TW" b="0" dirty="0">
+                <a:solidFill>
+                  <a:srgbClr val="89DDFF"/>
+                </a:solidFill>
+                <a:effectLst/>
+                <a:latin typeface="Consolas" panose="020B0609020204030204" pitchFamily="49" charset="0"/>
+              </a:rPr>
+              <a:t>;</a:t>
+            </a:r>
+            <a:endParaRPr lang="en-US" altLang="zh-TW" b="0" dirty="0">
+              <a:solidFill>
+                <a:srgbClr val="EEFFFF"/>
+              </a:solidFill>
+              <a:effectLst/>
+              <a:latin typeface="Consolas" panose="020B0609020204030204" pitchFamily="49" charset="0"/>
+            </a:endParaRPr>
+          </a:p>
+          <a:p>
+            <a:pPr marL="0" indent="0">
+              <a:buNone/>
+            </a:pPr>
+            <a:r>
+              <a:rPr lang="en-US" altLang="zh-TW" b="0" dirty="0">
+                <a:solidFill>
+                  <a:srgbClr val="EEFFFF"/>
+                </a:solidFill>
+                <a:effectLst/>
+                <a:latin typeface="Consolas" panose="020B0609020204030204" pitchFamily="49" charset="0"/>
+              </a:rPr>
+              <a:t>  </a:t>
+            </a:r>
+            <a:r>
+              <a:rPr lang="en-US" altLang="zh-TW" b="0" dirty="0">
+                <a:solidFill>
+                  <a:srgbClr val="B2CCD6"/>
+                </a:solidFill>
+                <a:effectLst/>
+                <a:latin typeface="Consolas" panose="020B0609020204030204" pitchFamily="49" charset="0"/>
+              </a:rPr>
+              <a:t>height</a:t>
+            </a:r>
+            <a:r>
+              <a:rPr lang="en-US" altLang="zh-TW" b="0" dirty="0">
+                <a:solidFill>
+                  <a:srgbClr val="89DDFF"/>
+                </a:solidFill>
+                <a:effectLst/>
+                <a:latin typeface="Consolas" panose="020B0609020204030204" pitchFamily="49" charset="0"/>
+              </a:rPr>
+              <a:t>:</a:t>
+            </a:r>
+            <a:r>
+              <a:rPr lang="en-US" altLang="zh-TW" b="0" dirty="0">
+                <a:solidFill>
+                  <a:srgbClr val="EEFFFF"/>
+                </a:solidFill>
+                <a:effectLst/>
+                <a:latin typeface="Consolas" panose="020B0609020204030204" pitchFamily="49" charset="0"/>
+              </a:rPr>
+              <a:t> </a:t>
+            </a:r>
+            <a:r>
+              <a:rPr lang="en-US" altLang="zh-TW" b="0" dirty="0">
+                <a:solidFill>
+                  <a:srgbClr val="F78C6C"/>
+                </a:solidFill>
+                <a:effectLst/>
+                <a:latin typeface="Consolas" panose="020B0609020204030204" pitchFamily="49" charset="0"/>
+              </a:rPr>
+              <a:t>2.5em</a:t>
+            </a:r>
+            <a:r>
+              <a:rPr lang="en-US" altLang="zh-TW" b="0" dirty="0">
+                <a:solidFill>
+                  <a:srgbClr val="89DDFF"/>
+                </a:solidFill>
+                <a:effectLst/>
+                <a:latin typeface="Consolas" panose="020B0609020204030204" pitchFamily="49" charset="0"/>
+              </a:rPr>
+              <a:t>;</a:t>
+            </a:r>
+            <a:endParaRPr lang="en-US" altLang="zh-TW" b="0" dirty="0">
+              <a:solidFill>
+                <a:srgbClr val="EEFFFF"/>
+              </a:solidFill>
+              <a:effectLst/>
+              <a:latin typeface="Consolas" panose="020B0609020204030204" pitchFamily="49" charset="0"/>
+            </a:endParaRPr>
+          </a:p>
+          <a:p>
+            <a:pPr marL="0" indent="0">
+              <a:buNone/>
+            </a:pPr>
+            <a:r>
+              <a:rPr lang="en-US" altLang="zh-TW" b="0" dirty="0">
+                <a:solidFill>
+                  <a:srgbClr val="EEFFFF"/>
+                </a:solidFill>
+                <a:effectLst/>
+                <a:latin typeface="Consolas" panose="020B0609020204030204" pitchFamily="49" charset="0"/>
+              </a:rPr>
+              <a:t>  </a:t>
+            </a:r>
+            <a:r>
+              <a:rPr lang="en-US" altLang="zh-TW" b="0" dirty="0">
+                <a:solidFill>
+                  <a:srgbClr val="B2CCD6"/>
+                </a:solidFill>
+                <a:effectLst/>
+                <a:latin typeface="Consolas" panose="020B0609020204030204" pitchFamily="49" charset="0"/>
+              </a:rPr>
+              <a:t>width</a:t>
+            </a:r>
+            <a:r>
+              <a:rPr lang="en-US" altLang="zh-TW" b="0" dirty="0">
+                <a:solidFill>
+                  <a:srgbClr val="89DDFF"/>
+                </a:solidFill>
+                <a:effectLst/>
+                <a:latin typeface="Consolas" panose="020B0609020204030204" pitchFamily="49" charset="0"/>
+              </a:rPr>
+              <a:t>:</a:t>
+            </a:r>
+            <a:r>
+              <a:rPr lang="en-US" altLang="zh-TW" b="0" dirty="0">
+                <a:solidFill>
+                  <a:srgbClr val="EEFFFF"/>
+                </a:solidFill>
+                <a:effectLst/>
+                <a:latin typeface="Consolas" panose="020B0609020204030204" pitchFamily="49" charset="0"/>
+              </a:rPr>
+              <a:t> </a:t>
+            </a:r>
+            <a:r>
+              <a:rPr lang="en-US" altLang="zh-TW" b="0" dirty="0">
+                <a:solidFill>
+                  <a:srgbClr val="F78C6C"/>
+                </a:solidFill>
+                <a:effectLst/>
+                <a:latin typeface="Consolas" panose="020B0609020204030204" pitchFamily="49" charset="0"/>
+              </a:rPr>
+              <a:t>2.5em</a:t>
+            </a:r>
+            <a:r>
+              <a:rPr lang="en-US" altLang="zh-TW" b="0" dirty="0">
+                <a:solidFill>
+                  <a:srgbClr val="89DDFF"/>
+                </a:solidFill>
+                <a:effectLst/>
+                <a:latin typeface="Consolas" panose="020B0609020204030204" pitchFamily="49" charset="0"/>
+              </a:rPr>
+              <a:t>;</a:t>
+            </a:r>
+            <a:endParaRPr lang="en-US" altLang="zh-TW" b="0" dirty="0">
+              <a:solidFill>
+                <a:srgbClr val="EEFFFF"/>
+              </a:solidFill>
+              <a:effectLst/>
+              <a:latin typeface="Consolas" panose="020B0609020204030204" pitchFamily="49" charset="0"/>
+            </a:endParaRPr>
+          </a:p>
+          <a:p>
+            <a:pPr marL="0" indent="0">
+              <a:buNone/>
+            </a:pPr>
+            <a:r>
+              <a:rPr lang="en-US" altLang="zh-TW" b="0" dirty="0">
+                <a:solidFill>
+                  <a:srgbClr val="EEFFFF"/>
+                </a:solidFill>
+                <a:effectLst/>
+                <a:latin typeface="Consolas" panose="020B0609020204030204" pitchFamily="49" charset="0"/>
+              </a:rPr>
+              <a:t>  </a:t>
+            </a:r>
+            <a:r>
+              <a:rPr lang="en-US" altLang="zh-TW" b="0" dirty="0">
+                <a:solidFill>
+                  <a:srgbClr val="B2CCD6"/>
+                </a:solidFill>
+                <a:effectLst/>
+                <a:latin typeface="Consolas" panose="020B0609020204030204" pitchFamily="49" charset="0"/>
+              </a:rPr>
+              <a:t>border-radius</a:t>
+            </a:r>
+            <a:r>
+              <a:rPr lang="en-US" altLang="zh-TW" b="0" dirty="0">
+                <a:solidFill>
+                  <a:srgbClr val="89DDFF"/>
+                </a:solidFill>
+                <a:effectLst/>
+                <a:latin typeface="Consolas" panose="020B0609020204030204" pitchFamily="49" charset="0"/>
+              </a:rPr>
+              <a:t>:</a:t>
+            </a:r>
+            <a:r>
+              <a:rPr lang="en-US" altLang="zh-TW" b="0" dirty="0">
+                <a:solidFill>
+                  <a:srgbClr val="EEFFFF"/>
+                </a:solidFill>
+                <a:effectLst/>
+                <a:latin typeface="Consolas" panose="020B0609020204030204" pitchFamily="49" charset="0"/>
+              </a:rPr>
+              <a:t> </a:t>
+            </a:r>
+            <a:r>
+              <a:rPr lang="en-US" altLang="zh-TW" b="0" dirty="0">
+                <a:solidFill>
+                  <a:srgbClr val="F78C6C"/>
+                </a:solidFill>
+                <a:effectLst/>
+                <a:latin typeface="Consolas" panose="020B0609020204030204" pitchFamily="49" charset="0"/>
+              </a:rPr>
+              <a:t>100%</a:t>
+            </a:r>
+            <a:r>
+              <a:rPr lang="en-US" altLang="zh-TW" b="0" dirty="0">
+                <a:solidFill>
+                  <a:srgbClr val="89DDFF"/>
+                </a:solidFill>
+                <a:effectLst/>
+                <a:latin typeface="Consolas" panose="020B0609020204030204" pitchFamily="49" charset="0"/>
+              </a:rPr>
+              <a:t>;</a:t>
+            </a:r>
+            <a:endParaRPr lang="en-US" altLang="zh-TW" b="0" dirty="0">
+              <a:solidFill>
+                <a:srgbClr val="EEFFFF"/>
+              </a:solidFill>
+              <a:effectLst/>
+              <a:latin typeface="Consolas" panose="020B0609020204030204" pitchFamily="49" charset="0"/>
+            </a:endParaRPr>
+          </a:p>
+          <a:p>
+            <a:pPr marL="0" indent="0">
+              <a:buNone/>
+            </a:pPr>
+            <a:r>
+              <a:rPr lang="en-US" altLang="zh-TW" b="0" dirty="0">
+                <a:solidFill>
+                  <a:srgbClr val="EEFFFF"/>
+                </a:solidFill>
+                <a:effectLst/>
+                <a:latin typeface="Consolas" panose="020B0609020204030204" pitchFamily="49" charset="0"/>
+              </a:rPr>
+              <a:t>  </a:t>
+            </a:r>
+            <a:r>
+              <a:rPr lang="en-US" altLang="zh-TW" b="0" dirty="0">
+                <a:solidFill>
+                  <a:srgbClr val="B2CCD6"/>
+                </a:solidFill>
+                <a:effectLst/>
+                <a:latin typeface="Consolas" panose="020B0609020204030204" pitchFamily="49" charset="0"/>
+              </a:rPr>
+              <a:t>transition</a:t>
+            </a:r>
+            <a:r>
+              <a:rPr lang="en-US" altLang="zh-TW" b="0" dirty="0">
+                <a:solidFill>
+                  <a:srgbClr val="89DDFF"/>
+                </a:solidFill>
+                <a:effectLst/>
+                <a:latin typeface="Consolas" panose="020B0609020204030204" pitchFamily="49" charset="0"/>
+              </a:rPr>
+              <a:t>:</a:t>
+            </a:r>
+            <a:r>
+              <a:rPr lang="en-US" altLang="zh-TW" b="0" dirty="0">
+                <a:solidFill>
+                  <a:srgbClr val="EEFFFF"/>
+                </a:solidFill>
+                <a:effectLst/>
+                <a:latin typeface="Consolas" panose="020B0609020204030204" pitchFamily="49" charset="0"/>
+              </a:rPr>
+              <a:t> </a:t>
+            </a:r>
+            <a:r>
+              <a:rPr lang="en-US" altLang="zh-TW" b="0" dirty="0">
+                <a:solidFill>
+                  <a:srgbClr val="F78C6C"/>
+                </a:solidFill>
+                <a:effectLst/>
+                <a:latin typeface="Consolas" panose="020B0609020204030204" pitchFamily="49" charset="0"/>
+              </a:rPr>
+              <a:t>0.3s</a:t>
+            </a:r>
+            <a:r>
+              <a:rPr lang="en-US" altLang="zh-TW" b="0" dirty="0">
+                <a:solidFill>
+                  <a:srgbClr val="89DDFF"/>
+                </a:solidFill>
+                <a:effectLst/>
+                <a:latin typeface="Consolas" panose="020B0609020204030204" pitchFamily="49" charset="0"/>
+              </a:rPr>
+              <a:t>;</a:t>
+            </a:r>
+            <a:endParaRPr lang="en-US" altLang="zh-TW" b="0" dirty="0">
+              <a:solidFill>
+                <a:srgbClr val="EEFFFF"/>
+              </a:solidFill>
+              <a:effectLst/>
+              <a:latin typeface="Consolas" panose="020B0609020204030204" pitchFamily="49" charset="0"/>
+            </a:endParaRPr>
+          </a:p>
+          <a:p>
+            <a:pPr marL="0" indent="0">
+              <a:buNone/>
+            </a:pPr>
+            <a:r>
+              <a:rPr lang="en-US" altLang="zh-TW" b="0" dirty="0">
+                <a:solidFill>
+                  <a:srgbClr val="89DDFF"/>
+                </a:solidFill>
+                <a:effectLst/>
+                <a:latin typeface="Consolas" panose="020B0609020204030204" pitchFamily="49" charset="0"/>
+              </a:rPr>
+              <a:t>}</a:t>
+            </a:r>
+            <a:endParaRPr lang="en-US" altLang="zh-TW" b="0" dirty="0">
+              <a:solidFill>
+                <a:srgbClr val="EEFFFF"/>
+              </a:solidFill>
+              <a:effectLst/>
+              <a:latin typeface="Consolas" panose="020B0609020204030204" pitchFamily="49" charset="0"/>
+            </a:endParaRPr>
+          </a:p>
+        </p:txBody>
+      </p:sp>
+      <p:sp>
+        <p:nvSpPr>
+          <p:cNvPr id="5" name="文字方塊 4">
+            <a:extLst>
+              <a:ext uri="{FF2B5EF4-FFF2-40B4-BE49-F238E27FC236}">
+                <a16:creationId xmlns:a16="http://schemas.microsoft.com/office/drawing/2014/main" id="{7B89493F-E8E8-444C-9BB8-0476E6DB7DCC}"/>
+              </a:ext>
+            </a:extLst>
+          </p:cNvPr>
+          <p:cNvSpPr txBox="1"/>
+          <p:nvPr/>
+        </p:nvSpPr>
+        <p:spPr>
+          <a:xfrm>
+            <a:off x="5746072" y="5353918"/>
+            <a:ext cx="5519691" cy="1200329"/>
+          </a:xfrm>
+          <a:prstGeom prst="rect">
+            <a:avLst/>
+          </a:prstGeom>
+          <a:noFill/>
+        </p:spPr>
+        <p:txBody>
+          <a:bodyPr wrap="square">
+            <a:spAutoFit/>
+          </a:bodyPr>
+          <a:lstStyle/>
+          <a:p>
+            <a:pPr marL="0" indent="0">
+              <a:buNone/>
+            </a:pPr>
+            <a:r>
+              <a:rPr lang="en-US" altLang="zh-TW" b="0" dirty="0">
+                <a:solidFill>
+                  <a:srgbClr val="89DDFF"/>
+                </a:solidFill>
+                <a:effectLst/>
+                <a:latin typeface="Consolas" panose="020B0609020204030204" pitchFamily="49" charset="0"/>
+              </a:rPr>
+              <a:t>.</a:t>
+            </a:r>
+            <a:r>
+              <a:rPr lang="en-US" altLang="zh-TW" b="0" dirty="0">
+                <a:solidFill>
+                  <a:srgbClr val="FFCB6B"/>
+                </a:solidFill>
+                <a:effectLst/>
+                <a:latin typeface="Consolas" panose="020B0609020204030204" pitchFamily="49" charset="0"/>
+              </a:rPr>
+              <a:t>footer</a:t>
+            </a:r>
+            <a:r>
+              <a:rPr lang="en-US" altLang="zh-TW" b="0" dirty="0">
+                <a:solidFill>
+                  <a:srgbClr val="EEFFFF"/>
+                </a:solidFill>
+                <a:effectLst/>
+                <a:latin typeface="Consolas" panose="020B0609020204030204" pitchFamily="49" charset="0"/>
+              </a:rPr>
+              <a:t> </a:t>
+            </a:r>
+            <a:r>
+              <a:rPr lang="en-US" altLang="zh-TW" b="0" dirty="0">
+                <a:solidFill>
+                  <a:srgbClr val="FFCB6B"/>
+                </a:solidFill>
+                <a:effectLst/>
+                <a:latin typeface="Consolas" panose="020B0609020204030204" pitchFamily="49" charset="0"/>
+              </a:rPr>
+              <a:t>a</a:t>
+            </a:r>
+            <a:r>
+              <a:rPr lang="en-US" altLang="zh-TW" b="0" dirty="0">
+                <a:solidFill>
+                  <a:srgbClr val="89DDFF"/>
+                </a:solidFill>
+                <a:effectLst/>
+                <a:latin typeface="Consolas" panose="020B0609020204030204" pitchFamily="49" charset="0"/>
+              </a:rPr>
+              <a:t>:</a:t>
+            </a:r>
+            <a:r>
+              <a:rPr lang="en-US" altLang="zh-TW" b="0" dirty="0">
+                <a:solidFill>
+                  <a:srgbClr val="C792EA"/>
+                </a:solidFill>
+                <a:effectLst/>
+                <a:latin typeface="Consolas" panose="020B0609020204030204" pitchFamily="49" charset="0"/>
+              </a:rPr>
+              <a:t>hover</a:t>
+            </a:r>
+            <a:r>
+              <a:rPr lang="en-US" altLang="zh-TW" b="0" dirty="0">
+                <a:solidFill>
+                  <a:srgbClr val="EEFFFF"/>
+                </a:solidFill>
+                <a:effectLst/>
+                <a:latin typeface="Consolas" panose="020B0609020204030204" pitchFamily="49" charset="0"/>
+              </a:rPr>
+              <a:t> </a:t>
+            </a:r>
+            <a:r>
+              <a:rPr lang="en-US" altLang="zh-TW" b="0" dirty="0">
+                <a:solidFill>
+                  <a:srgbClr val="89DDFF"/>
+                </a:solidFill>
+                <a:effectLst/>
+                <a:latin typeface="Consolas" panose="020B0609020204030204" pitchFamily="49" charset="0"/>
+              </a:rPr>
+              <a:t>{</a:t>
+            </a:r>
+            <a:endParaRPr lang="en-US" altLang="zh-TW" b="0" dirty="0">
+              <a:solidFill>
+                <a:srgbClr val="EEFFFF"/>
+              </a:solidFill>
+              <a:effectLst/>
+              <a:latin typeface="Consolas" panose="020B0609020204030204" pitchFamily="49" charset="0"/>
+            </a:endParaRPr>
+          </a:p>
+          <a:p>
+            <a:pPr marL="0" indent="0">
+              <a:buNone/>
+            </a:pPr>
+            <a:r>
+              <a:rPr lang="en-US" altLang="zh-TW" b="0" dirty="0">
+                <a:solidFill>
+                  <a:srgbClr val="EEFFFF"/>
+                </a:solidFill>
+                <a:effectLst/>
+                <a:latin typeface="Consolas" panose="020B0609020204030204" pitchFamily="49" charset="0"/>
+              </a:rPr>
+              <a:t>    </a:t>
+            </a:r>
+            <a:r>
+              <a:rPr lang="en-US" altLang="zh-TW" b="0" dirty="0">
+                <a:solidFill>
+                  <a:srgbClr val="B2CCD6"/>
+                </a:solidFill>
+                <a:effectLst/>
+                <a:latin typeface="Consolas" panose="020B0609020204030204" pitchFamily="49" charset="0"/>
+              </a:rPr>
+              <a:t>fill</a:t>
+            </a:r>
+            <a:r>
+              <a:rPr lang="en-US" altLang="zh-TW" b="0" dirty="0">
+                <a:solidFill>
+                  <a:srgbClr val="89DDFF"/>
+                </a:solidFill>
+                <a:effectLst/>
+                <a:latin typeface="Consolas" panose="020B0609020204030204" pitchFamily="49" charset="0"/>
+              </a:rPr>
+              <a:t>:</a:t>
+            </a:r>
+            <a:r>
+              <a:rPr lang="en-US" altLang="zh-TW" b="0" dirty="0">
+                <a:solidFill>
+                  <a:srgbClr val="EEFFFF"/>
+                </a:solidFill>
+                <a:effectLst/>
+                <a:latin typeface="Consolas" panose="020B0609020204030204" pitchFamily="49" charset="0"/>
+              </a:rPr>
+              <a:t> </a:t>
+            </a:r>
+            <a:r>
+              <a:rPr lang="en-US" altLang="zh-TW" b="0" dirty="0" err="1">
+                <a:solidFill>
+                  <a:srgbClr val="82AAFF"/>
+                </a:solidFill>
+                <a:effectLst/>
+                <a:latin typeface="Consolas" panose="020B0609020204030204" pitchFamily="49" charset="0"/>
+              </a:rPr>
+              <a:t>rgb</a:t>
+            </a:r>
+            <a:r>
+              <a:rPr lang="en-US" altLang="zh-TW" b="0" dirty="0">
+                <a:solidFill>
+                  <a:srgbClr val="89DDFF"/>
+                </a:solidFill>
+                <a:effectLst/>
+                <a:latin typeface="Consolas" panose="020B0609020204030204" pitchFamily="49" charset="0"/>
+              </a:rPr>
+              <a:t>(</a:t>
+            </a:r>
+            <a:r>
+              <a:rPr lang="en-US" altLang="zh-TW" b="0" dirty="0">
+                <a:solidFill>
+                  <a:srgbClr val="F78C6C"/>
+                </a:solidFill>
+                <a:effectLst/>
+                <a:latin typeface="Consolas" panose="020B0609020204030204" pitchFamily="49" charset="0"/>
+              </a:rPr>
+              <a:t>213</a:t>
+            </a:r>
+            <a:r>
+              <a:rPr lang="en-US" altLang="zh-TW" b="0" dirty="0">
+                <a:solidFill>
+                  <a:srgbClr val="89DDFF"/>
+                </a:solidFill>
+                <a:effectLst/>
+                <a:latin typeface="Consolas" panose="020B0609020204030204" pitchFamily="49" charset="0"/>
+              </a:rPr>
+              <a:t>,</a:t>
+            </a:r>
+            <a:r>
+              <a:rPr lang="en-US" altLang="zh-TW" b="0" dirty="0">
+                <a:solidFill>
+                  <a:srgbClr val="EEFFFF"/>
+                </a:solidFill>
+                <a:effectLst/>
+                <a:latin typeface="Consolas" panose="020B0609020204030204" pitchFamily="49" charset="0"/>
+              </a:rPr>
+              <a:t> </a:t>
+            </a:r>
+            <a:r>
+              <a:rPr lang="en-US" altLang="zh-TW" b="0" dirty="0">
+                <a:solidFill>
+                  <a:srgbClr val="F78C6C"/>
+                </a:solidFill>
+                <a:effectLst/>
+                <a:latin typeface="Consolas" panose="020B0609020204030204" pitchFamily="49" charset="0"/>
+              </a:rPr>
+              <a:t>36</a:t>
+            </a:r>
+            <a:r>
+              <a:rPr lang="en-US" altLang="zh-TW" b="0" dirty="0">
+                <a:solidFill>
+                  <a:srgbClr val="89DDFF"/>
+                </a:solidFill>
+                <a:effectLst/>
+                <a:latin typeface="Consolas" panose="020B0609020204030204" pitchFamily="49" charset="0"/>
+              </a:rPr>
+              <a:t>,</a:t>
+            </a:r>
+            <a:r>
+              <a:rPr lang="en-US" altLang="zh-TW" b="0" dirty="0">
+                <a:solidFill>
+                  <a:srgbClr val="EEFFFF"/>
+                </a:solidFill>
+                <a:effectLst/>
+                <a:latin typeface="Consolas" panose="020B0609020204030204" pitchFamily="49" charset="0"/>
+              </a:rPr>
+              <a:t> </a:t>
+            </a:r>
+            <a:r>
+              <a:rPr lang="en-US" altLang="zh-TW" b="0" dirty="0">
+                <a:solidFill>
+                  <a:srgbClr val="F78C6C"/>
+                </a:solidFill>
+                <a:effectLst/>
+                <a:latin typeface="Consolas" panose="020B0609020204030204" pitchFamily="49" charset="0"/>
+              </a:rPr>
+              <a:t>219</a:t>
+            </a:r>
+            <a:r>
+              <a:rPr lang="en-US" altLang="zh-TW" b="0" dirty="0">
+                <a:solidFill>
+                  <a:srgbClr val="89DDFF"/>
+                </a:solidFill>
+                <a:effectLst/>
+                <a:latin typeface="Consolas" panose="020B0609020204030204" pitchFamily="49" charset="0"/>
+              </a:rPr>
+              <a:t>);</a:t>
+            </a:r>
+            <a:endParaRPr lang="en-US" altLang="zh-TW" b="0" dirty="0">
+              <a:solidFill>
+                <a:srgbClr val="EEFFFF"/>
+              </a:solidFill>
+              <a:effectLst/>
+              <a:latin typeface="Consolas" panose="020B0609020204030204" pitchFamily="49" charset="0"/>
+            </a:endParaRPr>
+          </a:p>
+          <a:p>
+            <a:pPr marL="0" indent="0">
+              <a:buNone/>
+            </a:pPr>
+            <a:r>
+              <a:rPr lang="en-US" altLang="zh-TW" b="0" dirty="0">
+                <a:solidFill>
+                  <a:srgbClr val="EEFFFF"/>
+                </a:solidFill>
+                <a:effectLst/>
+                <a:latin typeface="Consolas" panose="020B0609020204030204" pitchFamily="49" charset="0"/>
+              </a:rPr>
+              <a:t>    </a:t>
+            </a:r>
+            <a:r>
+              <a:rPr lang="en-US" altLang="zh-TW" b="0" dirty="0">
+                <a:solidFill>
+                  <a:srgbClr val="B2CCD6"/>
+                </a:solidFill>
+                <a:effectLst/>
+                <a:latin typeface="Consolas" panose="020B0609020204030204" pitchFamily="49" charset="0"/>
+              </a:rPr>
+              <a:t>border</a:t>
+            </a:r>
+            <a:r>
+              <a:rPr lang="en-US" altLang="zh-TW" b="0" dirty="0">
+                <a:solidFill>
+                  <a:srgbClr val="89DDFF"/>
+                </a:solidFill>
+                <a:effectLst/>
+                <a:latin typeface="Consolas" panose="020B0609020204030204" pitchFamily="49" charset="0"/>
+              </a:rPr>
+              <a:t>:</a:t>
+            </a:r>
+            <a:r>
+              <a:rPr lang="en-US" altLang="zh-TW" b="0" dirty="0">
+                <a:solidFill>
+                  <a:srgbClr val="EEFFFF"/>
+                </a:solidFill>
+                <a:effectLst/>
+                <a:latin typeface="Consolas" panose="020B0609020204030204" pitchFamily="49" charset="0"/>
+              </a:rPr>
+              <a:t> </a:t>
+            </a:r>
+            <a:r>
+              <a:rPr lang="en-US" altLang="zh-TW" b="0" dirty="0">
+                <a:solidFill>
+                  <a:srgbClr val="F78C6C"/>
+                </a:solidFill>
+                <a:effectLst/>
+                <a:latin typeface="Consolas" panose="020B0609020204030204" pitchFamily="49" charset="0"/>
+              </a:rPr>
+              <a:t>1px</a:t>
+            </a:r>
+            <a:r>
+              <a:rPr lang="en-US" altLang="zh-TW" b="0" dirty="0">
+                <a:solidFill>
+                  <a:srgbClr val="EEFFFF"/>
+                </a:solidFill>
+                <a:effectLst/>
+                <a:latin typeface="Consolas" panose="020B0609020204030204" pitchFamily="49" charset="0"/>
+              </a:rPr>
+              <a:t> </a:t>
+            </a:r>
+            <a:r>
+              <a:rPr lang="en-US" altLang="zh-TW" b="0" dirty="0" err="1">
+                <a:solidFill>
+                  <a:srgbClr val="82AAFF"/>
+                </a:solidFill>
+                <a:effectLst/>
+                <a:latin typeface="Consolas" panose="020B0609020204030204" pitchFamily="49" charset="0"/>
+              </a:rPr>
+              <a:t>rgb</a:t>
+            </a:r>
+            <a:r>
+              <a:rPr lang="en-US" altLang="zh-TW" b="0" dirty="0">
+                <a:solidFill>
+                  <a:srgbClr val="89DDFF"/>
+                </a:solidFill>
+                <a:effectLst/>
+                <a:latin typeface="Consolas" panose="020B0609020204030204" pitchFamily="49" charset="0"/>
+              </a:rPr>
+              <a:t>(</a:t>
+            </a:r>
+            <a:r>
+              <a:rPr lang="en-US" altLang="zh-TW" b="0" dirty="0">
+                <a:solidFill>
+                  <a:srgbClr val="F78C6C"/>
+                </a:solidFill>
+                <a:effectLst/>
+                <a:latin typeface="Consolas" panose="020B0609020204030204" pitchFamily="49" charset="0"/>
+              </a:rPr>
+              <a:t>213</a:t>
+            </a:r>
+            <a:r>
+              <a:rPr lang="en-US" altLang="zh-TW" b="0" dirty="0">
+                <a:solidFill>
+                  <a:srgbClr val="89DDFF"/>
+                </a:solidFill>
+                <a:effectLst/>
+                <a:latin typeface="Consolas" panose="020B0609020204030204" pitchFamily="49" charset="0"/>
+              </a:rPr>
+              <a:t>,</a:t>
+            </a:r>
+            <a:r>
+              <a:rPr lang="en-US" altLang="zh-TW" b="0" dirty="0">
+                <a:solidFill>
+                  <a:srgbClr val="EEFFFF"/>
+                </a:solidFill>
+                <a:effectLst/>
+                <a:latin typeface="Consolas" panose="020B0609020204030204" pitchFamily="49" charset="0"/>
+              </a:rPr>
+              <a:t> </a:t>
+            </a:r>
+            <a:r>
+              <a:rPr lang="en-US" altLang="zh-TW" b="0" dirty="0">
+                <a:solidFill>
+                  <a:srgbClr val="F78C6C"/>
+                </a:solidFill>
+                <a:effectLst/>
+                <a:latin typeface="Consolas" panose="020B0609020204030204" pitchFamily="49" charset="0"/>
+              </a:rPr>
+              <a:t>36</a:t>
+            </a:r>
+            <a:r>
+              <a:rPr lang="en-US" altLang="zh-TW" b="0" dirty="0">
+                <a:solidFill>
+                  <a:srgbClr val="89DDFF"/>
+                </a:solidFill>
+                <a:effectLst/>
+                <a:latin typeface="Consolas" panose="020B0609020204030204" pitchFamily="49" charset="0"/>
+              </a:rPr>
+              <a:t>,</a:t>
+            </a:r>
+            <a:r>
+              <a:rPr lang="en-US" altLang="zh-TW" b="0" dirty="0">
+                <a:solidFill>
+                  <a:srgbClr val="EEFFFF"/>
+                </a:solidFill>
+                <a:effectLst/>
+                <a:latin typeface="Consolas" panose="020B0609020204030204" pitchFamily="49" charset="0"/>
+              </a:rPr>
+              <a:t> </a:t>
+            </a:r>
+            <a:r>
+              <a:rPr lang="en-US" altLang="zh-TW" b="0" dirty="0">
+                <a:solidFill>
+                  <a:srgbClr val="F78C6C"/>
+                </a:solidFill>
+                <a:effectLst/>
+                <a:latin typeface="Consolas" panose="020B0609020204030204" pitchFamily="49" charset="0"/>
+              </a:rPr>
+              <a:t>219</a:t>
+            </a:r>
+            <a:r>
+              <a:rPr lang="en-US" altLang="zh-TW" b="0" dirty="0">
+                <a:solidFill>
+                  <a:srgbClr val="89DDFF"/>
+                </a:solidFill>
+                <a:effectLst/>
+                <a:latin typeface="Consolas" panose="020B0609020204030204" pitchFamily="49" charset="0"/>
+              </a:rPr>
+              <a:t>)</a:t>
+            </a:r>
+            <a:r>
+              <a:rPr lang="en-US" altLang="zh-TW" b="0" dirty="0">
+                <a:solidFill>
+                  <a:srgbClr val="EEFFFF"/>
+                </a:solidFill>
+                <a:effectLst/>
+                <a:latin typeface="Consolas" panose="020B0609020204030204" pitchFamily="49" charset="0"/>
+              </a:rPr>
+              <a:t> solid</a:t>
+            </a:r>
+            <a:r>
+              <a:rPr lang="en-US" altLang="zh-TW" b="0" dirty="0">
+                <a:solidFill>
+                  <a:srgbClr val="89DDFF"/>
+                </a:solidFill>
+                <a:effectLst/>
+                <a:latin typeface="Consolas" panose="020B0609020204030204" pitchFamily="49" charset="0"/>
+              </a:rPr>
+              <a:t>;</a:t>
+            </a:r>
+            <a:endParaRPr lang="en-US" altLang="zh-TW" b="0" dirty="0">
+              <a:solidFill>
+                <a:srgbClr val="EEFFFF"/>
+              </a:solidFill>
+              <a:effectLst/>
+              <a:latin typeface="Consolas" panose="020B0609020204030204" pitchFamily="49" charset="0"/>
+            </a:endParaRPr>
+          </a:p>
+          <a:p>
+            <a:pPr marL="0" indent="0">
+              <a:buNone/>
+            </a:pPr>
+            <a:r>
+              <a:rPr lang="en-US" altLang="zh-TW" b="0" dirty="0">
+                <a:solidFill>
+                  <a:srgbClr val="89DDFF"/>
+                </a:solidFill>
+                <a:effectLst/>
+                <a:latin typeface="Consolas" panose="020B0609020204030204" pitchFamily="49" charset="0"/>
+              </a:rPr>
+              <a:t>}</a:t>
+            </a:r>
+            <a:endParaRPr lang="en-US" altLang="zh-TW" b="0" dirty="0">
+              <a:solidFill>
+                <a:srgbClr val="EEFFFF"/>
+              </a:solidFill>
+              <a:effectLst/>
+              <a:latin typeface="Consolas" panose="020B0609020204030204" pitchFamily="49" charset="0"/>
+            </a:endParaRPr>
+          </a:p>
+        </p:txBody>
+      </p:sp>
+      <p:sp>
+        <p:nvSpPr>
+          <p:cNvPr id="6" name="箭號: 向右 5">
+            <a:extLst>
+              <a:ext uri="{FF2B5EF4-FFF2-40B4-BE49-F238E27FC236}">
+                <a16:creationId xmlns:a16="http://schemas.microsoft.com/office/drawing/2014/main" id="{46CA5818-4B53-4796-B816-4CB52E9AFC96}"/>
+              </a:ext>
+            </a:extLst>
+          </p:cNvPr>
+          <p:cNvSpPr/>
+          <p:nvPr/>
+        </p:nvSpPr>
+        <p:spPr>
+          <a:xfrm rot="10800000">
+            <a:off x="4150312" y="5486401"/>
+            <a:ext cx="1615736" cy="142042"/>
+          </a:xfrm>
+          <a:prstGeom prst="rightArrow">
+            <a:avLst/>
+          </a:prstGeom>
+        </p:spPr>
+        <p:style>
+          <a:lnRef idx="2">
+            <a:schemeClr val="accent4">
+              <a:shade val="50000"/>
+            </a:schemeClr>
+          </a:lnRef>
+          <a:fillRef idx="1">
+            <a:schemeClr val="accent4"/>
+          </a:fillRef>
+          <a:effectRef idx="0">
+            <a:schemeClr val="accent4"/>
+          </a:effectRef>
+          <a:fontRef idx="minor">
+            <a:schemeClr val="lt1"/>
+          </a:fontRef>
+        </p:style>
+        <p:txBody>
+          <a:bodyPr rtlCol="0" anchor="ctr"/>
+          <a:lstStyle/>
+          <a:p>
+            <a:pPr algn="ctr"/>
+            <a:endParaRPr lang="zh-TW" altLang="en-US"/>
+          </a:p>
+        </p:txBody>
+      </p:sp>
+    </p:spTree>
+    <p:extLst>
+      <p:ext uri="{BB962C8B-B14F-4D97-AF65-F5344CB8AC3E}">
+        <p14:creationId xmlns:p14="http://schemas.microsoft.com/office/powerpoint/2010/main" val="3124089785"/>
+      </p:ext>
+    </p:extLst>
+  </p:cSld>
+  <p:clrMapOvr>
+    <a:masterClrMapping/>
+  </p:clrMapOvr>
+</p:sld>
+</file>
+
 <file path=ppt/slides/slide5.xml><?xml version="1.0" encoding="utf-8"?>
 <p:sld xmlns:a="http://schemas.openxmlformats.org/drawingml/2006/main" xmlns:r="http://schemas.openxmlformats.org/officeDocument/2006/relationships" xmlns:p="http://schemas.openxmlformats.org/presentationml/2006/main">
   <p:cSld>
